--- a/docs/pptx/BlueprintDiag.pptx
+++ b/docs/pptx/BlueprintDiag.pptx
@@ -198,7 +198,7 @@
           <a:p>
             <a:fld id="{5E8AE13A-5A80-4F17-971D-03F4C3B28A8B}" type="datetimeFigureOut">
               <a:rPr lang="en-US" smtClean="0"/>
-              <a:t>8/23/19</a:t>
+              <a:t>7/23/20</a:t>
             </a:fld>
             <a:endParaRPr lang="en-US"/>
           </a:p>
@@ -1922,7 +1922,7 @@
           <a:p>
             <a:fld id="{24AFE612-74AD-4B6F-8D78-7C42EB8A6CD6}" type="datetimeFigureOut">
               <a:rPr lang="en-US" smtClean="0"/>
-              <a:t>8/23/19</a:t>
+              <a:t>7/23/20</a:t>
             </a:fld>
             <a:endParaRPr lang="en-US"/>
           </a:p>
@@ -2092,7 +2092,7 @@
           <a:p>
             <a:fld id="{24AFE612-74AD-4B6F-8D78-7C42EB8A6CD6}" type="datetimeFigureOut">
               <a:rPr lang="en-US" smtClean="0"/>
-              <a:t>8/23/19</a:t>
+              <a:t>7/23/20</a:t>
             </a:fld>
             <a:endParaRPr lang="en-US"/>
           </a:p>
@@ -2634,7 +2634,7 @@
           <a:p>
             <a:fld id="{24AFE612-74AD-4B6F-8D78-7C42EB8A6CD6}" type="datetimeFigureOut">
               <a:rPr lang="en-US" smtClean="0"/>
-              <a:t>8/23/19</a:t>
+              <a:t>7/23/20</a:t>
             </a:fld>
             <a:endParaRPr lang="en-US"/>
           </a:p>
@@ -2866,7 +2866,7 @@
           <a:p>
             <a:fld id="{24AFE612-74AD-4B6F-8D78-7C42EB8A6CD6}" type="datetimeFigureOut">
               <a:rPr lang="en-US" smtClean="0"/>
-              <a:t>8/23/19</a:t>
+              <a:t>7/23/20</a:t>
             </a:fld>
             <a:endParaRPr lang="en-US"/>
           </a:p>
@@ -3233,7 +3233,7 @@
           <a:p>
             <a:fld id="{24AFE612-74AD-4B6F-8D78-7C42EB8A6CD6}" type="datetimeFigureOut">
               <a:rPr lang="en-US" smtClean="0"/>
-              <a:t>8/23/19</a:t>
+              <a:t>7/23/20</a:t>
             </a:fld>
             <a:endParaRPr lang="en-US"/>
           </a:p>
@@ -3351,7 +3351,7 @@
           <a:p>
             <a:fld id="{24AFE612-74AD-4B6F-8D78-7C42EB8A6CD6}" type="datetimeFigureOut">
               <a:rPr lang="en-US" smtClean="0"/>
-              <a:t>8/23/19</a:t>
+              <a:t>7/23/20</a:t>
             </a:fld>
             <a:endParaRPr lang="en-US"/>
           </a:p>
@@ -3446,7 +3446,7 @@
           <a:p>
             <a:fld id="{24AFE612-74AD-4B6F-8D78-7C42EB8A6CD6}" type="datetimeFigureOut">
               <a:rPr lang="en-US" smtClean="0"/>
-              <a:t>8/23/19</a:t>
+              <a:t>7/23/20</a:t>
             </a:fld>
             <a:endParaRPr lang="en-US"/>
           </a:p>
@@ -3723,7 +3723,7 @@
           <a:p>
             <a:fld id="{24AFE612-74AD-4B6F-8D78-7C42EB8A6CD6}" type="datetimeFigureOut">
               <a:rPr lang="en-US" smtClean="0"/>
-              <a:t>8/23/19</a:t>
+              <a:t>7/23/20</a:t>
             </a:fld>
             <a:endParaRPr lang="en-US"/>
           </a:p>
@@ -3980,7 +3980,7 @@
           <a:p>
             <a:fld id="{24AFE612-74AD-4B6F-8D78-7C42EB8A6CD6}" type="datetimeFigureOut">
               <a:rPr lang="en-US" smtClean="0"/>
-              <a:t>8/23/19</a:t>
+              <a:t>7/23/20</a:t>
             </a:fld>
             <a:endParaRPr lang="en-US"/>
           </a:p>
@@ -4150,7 +4150,7 @@
           <a:p>
             <a:fld id="{24AFE612-74AD-4B6F-8D78-7C42EB8A6CD6}" type="datetimeFigureOut">
               <a:rPr lang="en-US" smtClean="0"/>
-              <a:t>8/23/19</a:t>
+              <a:t>7/23/20</a:t>
             </a:fld>
             <a:endParaRPr lang="en-US"/>
           </a:p>
@@ -4330,7 +4330,7 @@
           <a:p>
             <a:fld id="{24AFE612-74AD-4B6F-8D78-7C42EB8A6CD6}" type="datetimeFigureOut">
               <a:rPr lang="en-US" smtClean="0"/>
-              <a:t>8/23/19</a:t>
+              <a:t>7/23/20</a:t>
             </a:fld>
             <a:endParaRPr lang="en-US"/>
           </a:p>
@@ -7589,7 +7589,7 @@
           <a:p>
             <a:fld id="{24AFE612-74AD-4B6F-8D78-7C42EB8A6CD6}" type="datetimeFigureOut">
               <a:rPr lang="en-US" smtClean="0"/>
-              <a:t>8/23/19</a:t>
+              <a:t>7/23/20</a:t>
             </a:fld>
             <a:endParaRPr lang="en-US"/>
           </a:p>
@@ -8319,7 +8319,7 @@
         <p:spPr>
           <a:xfrm>
             <a:off x="2564545" y="8165059"/>
-            <a:ext cx="10730882" cy="3960206"/>
+            <a:ext cx="10730882" cy="5096096"/>
           </a:xfrm>
           <a:prstGeom prst="roundRect">
             <a:avLst>
@@ -9938,7 +9938,7 @@
                 </a:ln>
                 <a:extLst>
                   <a:ext uri="{91240B29-F687-4f45-9708-019B960494DF}">
-                    <a14:hiddenLine xmlns:a14="http://schemas.microsoft.com/office/drawing/2010/main" xmlns="" w="9525">
+                    <a14:hiddenLine xmlns="" xmlns:a14="http://schemas.microsoft.com/office/drawing/2010/main" w="9525">
                       <a:solidFill>
                         <a:srgbClr val="000000"/>
                       </a:solidFill>
@@ -10091,7 +10091,7 @@
                 </a:ln>
                 <a:extLst>
                   <a:ext uri="{91240B29-F687-4f45-9708-019B960494DF}">
-                    <a14:hiddenLine xmlns:a14="http://schemas.microsoft.com/office/drawing/2010/main" xmlns="" w="9525">
+                    <a14:hiddenLine xmlns="" xmlns:a14="http://schemas.microsoft.com/office/drawing/2010/main" w="9525">
                       <a:solidFill>
                         <a:srgbClr val="000000"/>
                       </a:solidFill>
@@ -10244,7 +10244,7 @@
                 </a:ln>
                 <a:extLst>
                   <a:ext uri="{91240B29-F687-4f45-9708-019B960494DF}">
-                    <a14:hiddenLine xmlns:a14="http://schemas.microsoft.com/office/drawing/2010/main" xmlns="" w="9525">
+                    <a14:hiddenLine xmlns="" xmlns:a14="http://schemas.microsoft.com/office/drawing/2010/main" w="9525">
                       <a:solidFill>
                         <a:srgbClr val="000000"/>
                       </a:solidFill>
@@ -10397,7 +10397,7 @@
                 </a:ln>
                 <a:extLst>
                   <a:ext uri="{91240B29-F687-4f45-9708-019B960494DF}">
-                    <a14:hiddenLine xmlns:a14="http://schemas.microsoft.com/office/drawing/2010/main" xmlns="" w="9525">
+                    <a14:hiddenLine xmlns="" xmlns:a14="http://schemas.microsoft.com/office/drawing/2010/main" w="9525">
                       <a:solidFill>
                         <a:srgbClr val="000000"/>
                       </a:solidFill>
@@ -10550,7 +10550,7 @@
                 </a:ln>
                 <a:extLst>
                   <a:ext uri="{91240B29-F687-4f45-9708-019B960494DF}">
-                    <a14:hiddenLine xmlns:a14="http://schemas.microsoft.com/office/drawing/2010/main" xmlns="" w="9525">
+                    <a14:hiddenLine xmlns="" xmlns:a14="http://schemas.microsoft.com/office/drawing/2010/main" w="9525">
                       <a:solidFill>
                         <a:srgbClr val="000000"/>
                       </a:solidFill>
@@ -10703,7 +10703,7 @@
                 </a:ln>
                 <a:extLst>
                   <a:ext uri="{91240B29-F687-4f45-9708-019B960494DF}">
-                    <a14:hiddenLine xmlns:a14="http://schemas.microsoft.com/office/drawing/2010/main" xmlns="" w="9525">
+                    <a14:hiddenLine xmlns="" xmlns:a14="http://schemas.microsoft.com/office/drawing/2010/main" w="9525">
                       <a:solidFill>
                         <a:srgbClr val="000000"/>
                       </a:solidFill>
@@ -10856,7 +10856,7 @@
                 </a:ln>
                 <a:extLst>
                   <a:ext uri="{91240B29-F687-4f45-9708-019B960494DF}">
-                    <a14:hiddenLine xmlns:a14="http://schemas.microsoft.com/office/drawing/2010/main" xmlns="" w="9525">
+                    <a14:hiddenLine xmlns="" xmlns:a14="http://schemas.microsoft.com/office/drawing/2010/main" w="9525">
                       <a:solidFill>
                         <a:srgbClr val="000000"/>
                       </a:solidFill>
@@ -11009,7 +11009,7 @@
                 </a:ln>
                 <a:extLst>
                   <a:ext uri="{91240B29-F687-4f45-9708-019B960494DF}">
-                    <a14:hiddenLine xmlns:a14="http://schemas.microsoft.com/office/drawing/2010/main" xmlns="" w="9525">
+                    <a14:hiddenLine xmlns="" xmlns:a14="http://schemas.microsoft.com/office/drawing/2010/main" w="9525">
                       <a:solidFill>
                         <a:srgbClr val="000000"/>
                       </a:solidFill>
@@ -11162,7 +11162,7 @@
                 </a:ln>
                 <a:extLst>
                   <a:ext uri="{91240B29-F687-4f45-9708-019B960494DF}">
-                    <a14:hiddenLine xmlns:a14="http://schemas.microsoft.com/office/drawing/2010/main" xmlns="" w="9525">
+                    <a14:hiddenLine xmlns="" xmlns:a14="http://schemas.microsoft.com/office/drawing/2010/main" w="9525">
                       <a:solidFill>
                         <a:srgbClr val="000000"/>
                       </a:solidFill>
@@ -11315,7 +11315,7 @@
                 </a:ln>
                 <a:extLst>
                   <a:ext uri="{91240B29-F687-4f45-9708-019B960494DF}">
-                    <a14:hiddenLine xmlns:a14="http://schemas.microsoft.com/office/drawing/2010/main" xmlns="" w="9525">
+                    <a14:hiddenLine xmlns="" xmlns:a14="http://schemas.microsoft.com/office/drawing/2010/main" w="9525">
                       <a:solidFill>
                         <a:srgbClr val="000000"/>
                       </a:solidFill>
@@ -11468,7 +11468,7 @@
                 </a:ln>
                 <a:extLst>
                   <a:ext uri="{91240B29-F687-4f45-9708-019B960494DF}">
-                    <a14:hiddenLine xmlns:a14="http://schemas.microsoft.com/office/drawing/2010/main" xmlns="" w="9525">
+                    <a14:hiddenLine xmlns="" xmlns:a14="http://schemas.microsoft.com/office/drawing/2010/main" w="9525">
                       <a:solidFill>
                         <a:srgbClr val="000000"/>
                       </a:solidFill>
@@ -11621,7 +11621,7 @@
                 </a:ln>
                 <a:extLst>
                   <a:ext uri="{91240B29-F687-4f45-9708-019B960494DF}">
-                    <a14:hiddenLine xmlns:a14="http://schemas.microsoft.com/office/drawing/2010/main" xmlns="" w="9525">
+                    <a14:hiddenLine xmlns="" xmlns:a14="http://schemas.microsoft.com/office/drawing/2010/main" w="9525">
                       <a:solidFill>
                         <a:srgbClr val="000000"/>
                       </a:solidFill>
@@ -11945,7 +11945,7 @@
           </a:ln>
           <a:extLst>
             <a:ext uri="{91240B29-F687-4f45-9708-019B960494DF}">
-              <a14:hiddenLine xmlns="" xmlns:a14="http://schemas.microsoft.com/office/drawing/2010/main" w="9525">
+              <a14:hiddenLine xmlns:a14="http://schemas.microsoft.com/office/drawing/2010/main" xmlns="" w="9525">
                 <a:solidFill>
                   <a:srgbClr val="000000"/>
                 </a:solidFill>
@@ -12046,7 +12046,7 @@
         <p:spPr>
           <a:xfrm>
             <a:off x="7054623" y="8586626"/>
-            <a:ext cx="3997239" cy="3367513"/>
+            <a:ext cx="3997239" cy="4335744"/>
           </a:xfrm>
           <a:prstGeom prst="roundRect">
             <a:avLst>
@@ -12113,14 +12113,14 @@
           </a:ln>
           <a:extLst>
             <a:ext uri="{909E8E84-426E-40dd-AFC4-6F175D3DCCD1}">
-              <a14:hiddenFill xmlns="" xmlns:a14="http://schemas.microsoft.com/office/drawing/2010/main">
+              <a14:hiddenFill xmlns:a14="http://schemas.microsoft.com/office/drawing/2010/main" xmlns="">
                 <a:solidFill>
                   <a:srgbClr val="FFFFFF"/>
                 </a:solidFill>
               </a14:hiddenFill>
             </a:ext>
             <a:ext uri="{91240B29-F687-4f45-9708-019B960494DF}">
-              <a14:hiddenLine xmlns="" xmlns:a14="http://schemas.microsoft.com/office/drawing/2010/main" w="9525">
+              <a14:hiddenLine xmlns:a14="http://schemas.microsoft.com/office/drawing/2010/main" xmlns="" w="9525">
                 <a:solidFill>
                   <a:srgbClr val="000000"/>
                 </a:solidFill>
@@ -13001,7 +13001,7 @@
         </p:nvSpPr>
         <p:spPr>
           <a:xfrm>
-            <a:off x="7500517" y="11495830"/>
+            <a:off x="7667753" y="12469548"/>
             <a:ext cx="878915" cy="369332"/>
           </a:xfrm>
           <a:prstGeom prst="rect">
@@ -13051,7 +13051,7 @@
         </p:nvSpPr>
         <p:spPr>
           <a:xfrm>
-            <a:off x="8049029" y="11495743"/>
+            <a:off x="8335123" y="12463586"/>
             <a:ext cx="878915" cy="369332"/>
           </a:xfrm>
           <a:prstGeom prst="rect">
@@ -13103,7 +13103,7 @@
         </p:nvSpPr>
         <p:spPr bwMode="auto">
           <a:xfrm flipV="1">
-            <a:off x="7725298" y="11513273"/>
+            <a:off x="7892534" y="12453861"/>
             <a:ext cx="449667" cy="65818"/>
           </a:xfrm>
           <a:custGeom>
@@ -13337,7 +13337,7 @@
           </a:ln>
           <a:extLst>
             <a:ext uri="{91240B29-F687-4f45-9708-019B960494DF}">
-              <a14:hiddenLine xmlns="" xmlns:a14="http://schemas.microsoft.com/office/drawing/2010/main" w="9525">
+              <a14:hiddenLine xmlns:a14="http://schemas.microsoft.com/office/drawing/2010/main" xmlns="" w="9525">
                 <a:solidFill>
                   <a:srgbClr val="000000"/>
                 </a:solidFill>
@@ -13385,7 +13385,7 @@
         </p:nvSpPr>
         <p:spPr bwMode="auto">
           <a:xfrm flipV="1">
-            <a:off x="8260574" y="11510322"/>
+            <a:off x="8546668" y="12451661"/>
             <a:ext cx="449667" cy="65818"/>
           </a:xfrm>
           <a:custGeom>
@@ -13619,7 +13619,7 @@
           </a:ln>
           <a:extLst>
             <a:ext uri="{91240B29-F687-4f45-9708-019B960494DF}">
-              <a14:hiddenLine xmlns="" xmlns:a14="http://schemas.microsoft.com/office/drawing/2010/main" w="9525">
+              <a14:hiddenLine xmlns:a14="http://schemas.microsoft.com/office/drawing/2010/main" xmlns="" w="9525">
                 <a:solidFill>
                   <a:srgbClr val="000000"/>
                 </a:solidFill>
@@ -13811,7 +13811,7 @@
                   <a:schemeClr val="accent6"/>
                 </a:solidFill>
               </a:rPr>
-              <a:t>HTTP Traffic</a:t>
+              <a:t>HTTP/TCP Traffic</a:t>
             </a:r>
           </a:p>
         </p:txBody>
@@ -14413,7 +14413,7 @@
             </a:ln>
             <a:extLst>
               <a:ext uri="{91240B29-F687-4f45-9708-019B960494DF}">
-                <a14:hiddenLine xmlns="" xmlns:a14="http://schemas.microsoft.com/office/drawing/2010/main" w="9525">
+                <a14:hiddenLine xmlns:a14="http://schemas.microsoft.com/office/drawing/2010/main" xmlns="" w="9525">
                   <a:solidFill>
                     <a:srgbClr val="000000"/>
                   </a:solidFill>
@@ -14473,14 +14473,14 @@
             </a:ln>
             <a:extLst>
               <a:ext uri="{909E8E84-426E-40dd-AFC4-6F175D3DCCD1}">
-                <a14:hiddenFill xmlns="" xmlns:a14="http://schemas.microsoft.com/office/drawing/2010/main">
+                <a14:hiddenFill xmlns:a14="http://schemas.microsoft.com/office/drawing/2010/main" xmlns="">
                   <a:solidFill>
                     <a:srgbClr val="FFFFFF"/>
                   </a:solidFill>
                 </a14:hiddenFill>
               </a:ext>
               <a:ext uri="{91240B29-F687-4f45-9708-019B960494DF}">
-                <a14:hiddenLine xmlns="" xmlns:a14="http://schemas.microsoft.com/office/drawing/2010/main" w="9525">
+                <a14:hiddenLine xmlns:a14="http://schemas.microsoft.com/office/drawing/2010/main" xmlns="" w="9525">
                   <a:solidFill>
                     <a:srgbClr val="000000"/>
                   </a:solidFill>
@@ -14609,7 +14609,7 @@
             </a:ln>
             <a:extLst>
               <a:ext uri="{91240B29-F687-4f45-9708-019B960494DF}">
-                <a14:hiddenLine xmlns="" xmlns:a14="http://schemas.microsoft.com/office/drawing/2010/main" w="9525">
+                <a14:hiddenLine xmlns:a14="http://schemas.microsoft.com/office/drawing/2010/main" xmlns="" w="9525">
                   <a:solidFill>
                     <a:srgbClr val="000000"/>
                   </a:solidFill>
@@ -14754,7 +14754,7 @@
             </a:ln>
             <a:extLst>
               <a:ext uri="{91240B29-F687-4f45-9708-019B960494DF}">
-                <a14:hiddenLine xmlns="" xmlns:a14="http://schemas.microsoft.com/office/drawing/2010/main" w="9525">
+                <a14:hiddenLine xmlns:a14="http://schemas.microsoft.com/office/drawing/2010/main" xmlns="" w="9525">
                   <a:solidFill>
                     <a:srgbClr val="000000"/>
                   </a:solidFill>
@@ -14963,7 +14963,7 @@
             </a:ln>
             <a:extLst>
               <a:ext uri="{91240B29-F687-4f45-9708-019B960494DF}">
-                <a14:hiddenLine xmlns="" xmlns:a14="http://schemas.microsoft.com/office/drawing/2010/main" w="9525">
+                <a14:hiddenLine xmlns:a14="http://schemas.microsoft.com/office/drawing/2010/main" xmlns="" w="9525">
                   <a:solidFill>
                     <a:srgbClr val="000000"/>
                   </a:solidFill>
@@ -15123,7 +15123,7 @@
           </a:ln>
           <a:extLst>
             <a:ext uri="{91240B29-F687-4f45-9708-019B960494DF}">
-              <a14:hiddenLine xmlns="" xmlns:a14="http://schemas.microsoft.com/office/drawing/2010/main" w="9525">
+              <a14:hiddenLine xmlns:a14="http://schemas.microsoft.com/office/drawing/2010/main" xmlns="" w="9525">
                 <a:solidFill>
                   <a:srgbClr val="000000"/>
                 </a:solidFill>
@@ -15309,7 +15309,7 @@
           </a:ln>
           <a:extLst>
             <a:ext uri="{91240B29-F687-4f45-9708-019B960494DF}">
-              <a14:hiddenLine xmlns="" xmlns:a14="http://schemas.microsoft.com/office/drawing/2010/main" w="9525">
+              <a14:hiddenLine xmlns:a14="http://schemas.microsoft.com/office/drawing/2010/main" xmlns="" w="9525">
                 <a:solidFill>
                   <a:srgbClr val="000000"/>
                 </a:solidFill>
@@ -15528,7 +15528,7 @@
           </a:ln>
           <a:extLst>
             <a:ext uri="{91240B29-F687-4f45-9708-019B960494DF}">
-              <a14:hiddenLine xmlns="" xmlns:a14="http://schemas.microsoft.com/office/drawing/2010/main" w="9525">
+              <a14:hiddenLine xmlns:a14="http://schemas.microsoft.com/office/drawing/2010/main" xmlns="" w="9525">
                 <a:solidFill>
                   <a:srgbClr val="000000"/>
                 </a:solidFill>
@@ -15737,7 +15737,7 @@
           </a:ln>
           <a:extLst>
             <a:ext uri="{91240B29-F687-4f45-9708-019B960494DF}">
-              <a14:hiddenLine xmlns="" xmlns:a14="http://schemas.microsoft.com/office/drawing/2010/main" w="9525">
+              <a14:hiddenLine xmlns:a14="http://schemas.microsoft.com/office/drawing/2010/main" xmlns="" w="9525">
                 <a:solidFill>
                   <a:srgbClr val="000000"/>
                 </a:solidFill>
@@ -16012,7 +16012,7 @@
         <p:spPr>
           <a:xfrm flipH="1" flipV="1">
             <a:off x="6394083" y="9574403"/>
-            <a:ext cx="1208544" cy="1465306"/>
+            <a:ext cx="1355742" cy="1979938"/>
           </a:xfrm>
           <a:prstGeom prst="line">
             <a:avLst/>
@@ -16229,7 +16229,7 @@
             </a:ln>
             <a:extLst>
               <a:ext uri="{91240B29-F687-4f45-9708-019B960494DF}">
-                <a14:hiddenLine xmlns="" xmlns:a14="http://schemas.microsoft.com/office/drawing/2010/main" w="9525">
+                <a14:hiddenLine xmlns:a14="http://schemas.microsoft.com/office/drawing/2010/main" xmlns="" w="9525">
                   <a:solidFill>
                     <a:srgbClr val="000000"/>
                   </a:solidFill>
@@ -16289,14 +16289,14 @@
             </a:ln>
             <a:extLst>
               <a:ext uri="{909E8E84-426E-40dd-AFC4-6F175D3DCCD1}">
-                <a14:hiddenFill xmlns="" xmlns:a14="http://schemas.microsoft.com/office/drawing/2010/main">
+                <a14:hiddenFill xmlns:a14="http://schemas.microsoft.com/office/drawing/2010/main" xmlns="">
                   <a:solidFill>
                     <a:srgbClr val="FFFFFF"/>
                   </a:solidFill>
                 </a14:hiddenFill>
               </a:ext>
               <a:ext uri="{91240B29-F687-4f45-9708-019B960494DF}">
-                <a14:hiddenLine xmlns="" xmlns:a14="http://schemas.microsoft.com/office/drawing/2010/main" w="9525">
+                <a14:hiddenLine xmlns:a14="http://schemas.microsoft.com/office/drawing/2010/main" xmlns="" w="9525">
                   <a:solidFill>
                     <a:srgbClr val="000000"/>
                   </a:solidFill>
@@ -16425,7 +16425,7 @@
             </a:ln>
             <a:extLst>
               <a:ext uri="{91240B29-F687-4f45-9708-019B960494DF}">
-                <a14:hiddenLine xmlns="" xmlns:a14="http://schemas.microsoft.com/office/drawing/2010/main" w="9525">
+                <a14:hiddenLine xmlns:a14="http://schemas.microsoft.com/office/drawing/2010/main" xmlns="" w="9525">
                   <a:solidFill>
                     <a:srgbClr val="000000"/>
                   </a:solidFill>
@@ -16570,7 +16570,7 @@
             </a:ln>
             <a:extLst>
               <a:ext uri="{91240B29-F687-4f45-9708-019B960494DF}">
-                <a14:hiddenLine xmlns="" xmlns:a14="http://schemas.microsoft.com/office/drawing/2010/main" w="9525">
+                <a14:hiddenLine xmlns:a14="http://schemas.microsoft.com/office/drawing/2010/main" xmlns="" w="9525">
                   <a:solidFill>
                     <a:srgbClr val="000000"/>
                   </a:solidFill>
@@ -16779,7 +16779,7 @@
             </a:ln>
             <a:extLst>
               <a:ext uri="{91240B29-F687-4f45-9708-019B960494DF}">
-                <a14:hiddenLine xmlns="" xmlns:a14="http://schemas.microsoft.com/office/drawing/2010/main" w="9525">
+                <a14:hiddenLine xmlns:a14="http://schemas.microsoft.com/office/drawing/2010/main" xmlns="" w="9525">
                   <a:solidFill>
                     <a:srgbClr val="000000"/>
                   </a:solidFill>
@@ -16862,14 +16862,14 @@
             </a:ln>
             <a:extLst>
               <a:ext uri="{909E8E84-426E-40dd-AFC4-6F175D3DCCD1}">
-                <a14:hiddenFill xmlns="" xmlns:a14="http://schemas.microsoft.com/office/drawing/2010/main">
+                <a14:hiddenFill xmlns:a14="http://schemas.microsoft.com/office/drawing/2010/main" xmlns="">
                   <a:solidFill>
                     <a:srgbClr val="FFFFFF"/>
                   </a:solidFill>
                 </a14:hiddenFill>
               </a:ext>
               <a:ext uri="{91240B29-F687-4f45-9708-019B960494DF}">
-                <a14:hiddenLine xmlns="" xmlns:a14="http://schemas.microsoft.com/office/drawing/2010/main" w="9525">
+                <a14:hiddenLine xmlns:a14="http://schemas.microsoft.com/office/drawing/2010/main" xmlns="" w="9525">
                   <a:solidFill>
                     <a:srgbClr val="000000"/>
                   </a:solidFill>
@@ -17028,7 +17028,7 @@
             </a:ln>
             <a:extLst>
               <a:ext uri="{91240B29-F687-4f45-9708-019B960494DF}">
-                <a14:hiddenLine xmlns="" xmlns:a14="http://schemas.microsoft.com/office/drawing/2010/main" w="9525">
+                <a14:hiddenLine xmlns:a14="http://schemas.microsoft.com/office/drawing/2010/main" xmlns="" w="9525">
                   <a:solidFill>
                     <a:srgbClr val="000000"/>
                   </a:solidFill>
@@ -17214,7 +17214,7 @@
             </a:ln>
             <a:extLst>
               <a:ext uri="{91240B29-F687-4f45-9708-019B960494DF}">
-                <a14:hiddenLine xmlns="" xmlns:a14="http://schemas.microsoft.com/office/drawing/2010/main" w="9525">
+                <a14:hiddenLine xmlns:a14="http://schemas.microsoft.com/office/drawing/2010/main" xmlns="" w="9525">
                   <a:solidFill>
                     <a:srgbClr val="000000"/>
                   </a:solidFill>
@@ -17420,7 +17420,7 @@
             </a:ln>
             <a:extLst>
               <a:ext uri="{91240B29-F687-4f45-9708-019B960494DF}">
-                <a14:hiddenLine xmlns="" xmlns:a14="http://schemas.microsoft.com/office/drawing/2010/main" w="9525">
+                <a14:hiddenLine xmlns:a14="http://schemas.microsoft.com/office/drawing/2010/main" xmlns="" w="9525">
                   <a:solidFill>
                     <a:srgbClr val="000000"/>
                   </a:solidFill>
@@ -17629,7 +17629,7 @@
             </a:ln>
             <a:extLst>
               <a:ext uri="{91240B29-F687-4f45-9708-019B960494DF}">
-                <a14:hiddenLine xmlns="" xmlns:a14="http://schemas.microsoft.com/office/drawing/2010/main" w="9525">
+                <a14:hiddenLine xmlns:a14="http://schemas.microsoft.com/office/drawing/2010/main" xmlns="" w="9525">
                   <a:solidFill>
                     <a:srgbClr val="000000"/>
                   </a:solidFill>
@@ -17712,14 +17712,14 @@
             </a:ln>
             <a:extLst>
               <a:ext uri="{909E8E84-426E-40dd-AFC4-6F175D3DCCD1}">
-                <a14:hiddenFill xmlns="" xmlns:a14="http://schemas.microsoft.com/office/drawing/2010/main">
+                <a14:hiddenFill xmlns:a14="http://schemas.microsoft.com/office/drawing/2010/main" xmlns="">
                   <a:solidFill>
                     <a:srgbClr val="FFFFFF"/>
                   </a:solidFill>
                 </a14:hiddenFill>
               </a:ext>
               <a:ext uri="{91240B29-F687-4f45-9708-019B960494DF}">
-                <a14:hiddenLine xmlns="" xmlns:a14="http://schemas.microsoft.com/office/drawing/2010/main" w="9525">
+                <a14:hiddenLine xmlns:a14="http://schemas.microsoft.com/office/drawing/2010/main" xmlns="" w="9525">
                   <a:solidFill>
                     <a:srgbClr val="000000"/>
                   </a:solidFill>
@@ -17878,7 +17878,7 @@
             </a:ln>
             <a:extLst>
               <a:ext uri="{91240B29-F687-4f45-9708-019B960494DF}">
-                <a14:hiddenLine xmlns="" xmlns:a14="http://schemas.microsoft.com/office/drawing/2010/main" w="9525">
+                <a14:hiddenLine xmlns:a14="http://schemas.microsoft.com/office/drawing/2010/main" xmlns="" w="9525">
                   <a:solidFill>
                     <a:srgbClr val="000000"/>
                   </a:solidFill>
@@ -18064,7 +18064,7 @@
             </a:ln>
             <a:extLst>
               <a:ext uri="{91240B29-F687-4f45-9708-019B960494DF}">
-                <a14:hiddenLine xmlns="" xmlns:a14="http://schemas.microsoft.com/office/drawing/2010/main" w="9525">
+                <a14:hiddenLine xmlns:a14="http://schemas.microsoft.com/office/drawing/2010/main" xmlns="" w="9525">
                   <a:solidFill>
                     <a:srgbClr val="000000"/>
                   </a:solidFill>
@@ -18283,7 +18283,7 @@
             </a:ln>
             <a:extLst>
               <a:ext uri="{91240B29-F687-4f45-9708-019B960494DF}">
-                <a14:hiddenLine xmlns="" xmlns:a14="http://schemas.microsoft.com/office/drawing/2010/main" w="9525">
+                <a14:hiddenLine xmlns:a14="http://schemas.microsoft.com/office/drawing/2010/main" xmlns="" w="9525">
                   <a:solidFill>
                     <a:srgbClr val="000000"/>
                   </a:solidFill>
@@ -18492,7 +18492,7 @@
             </a:ln>
             <a:extLst>
               <a:ext uri="{91240B29-F687-4f45-9708-019B960494DF}">
-                <a14:hiddenLine xmlns="" xmlns:a14="http://schemas.microsoft.com/office/drawing/2010/main" w="9525">
+                <a14:hiddenLine xmlns:a14="http://schemas.microsoft.com/office/drawing/2010/main" xmlns="" w="9525">
                   <a:solidFill>
                     <a:srgbClr val="000000"/>
                   </a:solidFill>
@@ -18573,14 +18573,14 @@
             </a:ln>
             <a:extLst>
               <a:ext uri="{909E8E84-426E-40dd-AFC4-6F175D3DCCD1}">
-                <a14:hiddenFill xmlns:a14="http://schemas.microsoft.com/office/drawing/2010/main" xmlns="">
+                <a14:hiddenFill xmlns="" xmlns:a14="http://schemas.microsoft.com/office/drawing/2010/main">
                   <a:solidFill>
                     <a:srgbClr val="FFFFFF"/>
                   </a:solidFill>
                 </a14:hiddenFill>
               </a:ext>
               <a:ext uri="{91240B29-F687-4f45-9708-019B960494DF}">
-                <a14:hiddenLine xmlns:a14="http://schemas.microsoft.com/office/drawing/2010/main" xmlns="" w="9525">
+                <a14:hiddenLine xmlns="" xmlns:a14="http://schemas.microsoft.com/office/drawing/2010/main" w="9525">
                   <a:solidFill>
                     <a:srgbClr val="000000"/>
                   </a:solidFill>
@@ -18736,7 +18736,7 @@
             </a:ln>
             <a:extLst>
               <a:ext uri="{91240B29-F687-4f45-9708-019B960494DF}">
-                <a14:hiddenLine xmlns:a14="http://schemas.microsoft.com/office/drawing/2010/main" xmlns="" w="9525">
+                <a14:hiddenLine xmlns="" xmlns:a14="http://schemas.microsoft.com/office/drawing/2010/main" w="9525">
                   <a:solidFill>
                     <a:srgbClr val="000000"/>
                   </a:solidFill>
@@ -18852,14 +18852,14 @@
             </a:ln>
             <a:extLst>
               <a:ext uri="{909E8E84-426E-40dd-AFC4-6F175D3DCCD1}">
-                <a14:hiddenFill xmlns:a14="http://schemas.microsoft.com/office/drawing/2010/main" xmlns="">
+                <a14:hiddenFill xmlns="" xmlns:a14="http://schemas.microsoft.com/office/drawing/2010/main">
                   <a:solidFill>
                     <a:srgbClr val="FFFFFF"/>
                   </a:solidFill>
                 </a14:hiddenFill>
               </a:ext>
               <a:ext uri="{91240B29-F687-4f45-9708-019B960494DF}">
-                <a14:hiddenLine xmlns:a14="http://schemas.microsoft.com/office/drawing/2010/main" xmlns="" w="9525">
+                <a14:hiddenLine xmlns="" xmlns:a14="http://schemas.microsoft.com/office/drawing/2010/main" w="9525">
                   <a:solidFill>
                     <a:srgbClr val="000000"/>
                   </a:solidFill>
@@ -19015,7 +19015,7 @@
             </a:ln>
             <a:extLst>
               <a:ext uri="{91240B29-F687-4f45-9708-019B960494DF}">
-                <a14:hiddenLine xmlns:a14="http://schemas.microsoft.com/office/drawing/2010/main" xmlns="" w="9525">
+                <a14:hiddenLine xmlns="" xmlns:a14="http://schemas.microsoft.com/office/drawing/2010/main" w="9525">
                   <a:solidFill>
                     <a:srgbClr val="000000"/>
                   </a:solidFill>
@@ -19198,7 +19198,7 @@
             </a:ln>
             <a:extLst>
               <a:ext uri="{91240B29-F687-4f45-9708-019B960494DF}">
-                <a14:hiddenLine xmlns:a14="http://schemas.microsoft.com/office/drawing/2010/main" xmlns="" w="9525">
+                <a14:hiddenLine xmlns="" xmlns:a14="http://schemas.microsoft.com/office/drawing/2010/main" w="9525">
                   <a:solidFill>
                     <a:srgbClr val="000000"/>
                   </a:solidFill>
@@ -19356,7 +19356,7 @@
             </a:ln>
             <a:extLst>
               <a:ext uri="{91240B29-F687-4f45-9708-019B960494DF}">
-                <a14:hiddenLine xmlns:a14="http://schemas.microsoft.com/office/drawing/2010/main" xmlns="" w="9525">
+                <a14:hiddenLine xmlns="" xmlns:a14="http://schemas.microsoft.com/office/drawing/2010/main" w="9525">
                   <a:solidFill>
                     <a:srgbClr val="000000"/>
                   </a:solidFill>
@@ -19562,7 +19562,7 @@
             </a:ln>
             <a:extLst>
               <a:ext uri="{91240B29-F687-4f45-9708-019B960494DF}">
-                <a14:hiddenLine xmlns:a14="http://schemas.microsoft.com/office/drawing/2010/main" xmlns="" w="9525">
+                <a14:hiddenLine xmlns="" xmlns:a14="http://schemas.microsoft.com/office/drawing/2010/main" w="9525">
                   <a:solidFill>
                     <a:srgbClr val="000000"/>
                   </a:solidFill>
@@ -19911,14 +19911,14 @@
             </a:ln>
             <a:extLst>
               <a:ext uri="{909E8E84-426E-40dd-AFC4-6F175D3DCCD1}">
-                <a14:hiddenFill xmlns:a14="http://schemas.microsoft.com/office/drawing/2010/main" xmlns="">
+                <a14:hiddenFill xmlns="" xmlns:a14="http://schemas.microsoft.com/office/drawing/2010/main">
                   <a:solidFill>
                     <a:srgbClr val="FFFFFF"/>
                   </a:solidFill>
                 </a14:hiddenFill>
               </a:ext>
               <a:ext uri="{91240B29-F687-4f45-9708-019B960494DF}">
-                <a14:hiddenLine xmlns:a14="http://schemas.microsoft.com/office/drawing/2010/main" xmlns="" w="9525">
+                <a14:hiddenLine xmlns="" xmlns:a14="http://schemas.microsoft.com/office/drawing/2010/main" w="9525">
                   <a:solidFill>
                     <a:srgbClr val="000000"/>
                   </a:solidFill>
@@ -20074,7 +20074,7 @@
             </a:ln>
             <a:extLst>
               <a:ext uri="{91240B29-F687-4f45-9708-019B960494DF}">
-                <a14:hiddenLine xmlns:a14="http://schemas.microsoft.com/office/drawing/2010/main" xmlns="" w="9525">
+                <a14:hiddenLine xmlns="" xmlns:a14="http://schemas.microsoft.com/office/drawing/2010/main" w="9525">
                   <a:solidFill>
                     <a:srgbClr val="000000"/>
                   </a:solidFill>
@@ -20154,14 +20154,14 @@
             </a:ln>
             <a:extLst>
               <a:ext uri="{909E8E84-426E-40dd-AFC4-6F175D3DCCD1}">
-                <a14:hiddenFill xmlns="" xmlns:a14="http://schemas.microsoft.com/office/drawing/2010/main">
+                <a14:hiddenFill xmlns:a14="http://schemas.microsoft.com/office/drawing/2010/main" xmlns="">
                   <a:solidFill>
                     <a:srgbClr val="FFFFFF"/>
                   </a:solidFill>
                 </a14:hiddenFill>
               </a:ext>
               <a:ext uri="{91240B29-F687-4f45-9708-019B960494DF}">
-                <a14:hiddenLine xmlns="" xmlns:a14="http://schemas.microsoft.com/office/drawing/2010/main" w="9525">
+                <a14:hiddenLine xmlns:a14="http://schemas.microsoft.com/office/drawing/2010/main" xmlns="" w="9525">
                   <a:solidFill>
                     <a:srgbClr val="000000"/>
                   </a:solidFill>
@@ -20320,7 +20320,7 @@
             </a:ln>
             <a:extLst>
               <a:ext uri="{91240B29-F687-4f45-9708-019B960494DF}">
-                <a14:hiddenLine xmlns="" xmlns:a14="http://schemas.microsoft.com/office/drawing/2010/main" w="9525">
+                <a14:hiddenLine xmlns:a14="http://schemas.microsoft.com/office/drawing/2010/main" xmlns="" w="9525">
                   <a:solidFill>
                     <a:srgbClr val="000000"/>
                   </a:solidFill>
@@ -20506,7 +20506,7 @@
             </a:ln>
             <a:extLst>
               <a:ext uri="{91240B29-F687-4f45-9708-019B960494DF}">
-                <a14:hiddenLine xmlns="" xmlns:a14="http://schemas.microsoft.com/office/drawing/2010/main" w="9525">
+                <a14:hiddenLine xmlns:a14="http://schemas.microsoft.com/office/drawing/2010/main" xmlns="" w="9525">
                   <a:solidFill>
                     <a:srgbClr val="000000"/>
                   </a:solidFill>
@@ -20725,7 +20725,7 @@
             </a:ln>
             <a:extLst>
               <a:ext uri="{91240B29-F687-4f45-9708-019B960494DF}">
-                <a14:hiddenLine xmlns="" xmlns:a14="http://schemas.microsoft.com/office/drawing/2010/main" w="9525">
+                <a14:hiddenLine xmlns:a14="http://schemas.microsoft.com/office/drawing/2010/main" xmlns="" w="9525">
                   <a:solidFill>
                     <a:srgbClr val="000000"/>
                   </a:solidFill>
@@ -20934,7 +20934,7 @@
             </a:ln>
             <a:extLst>
               <a:ext uri="{91240B29-F687-4f45-9708-019B960494DF}">
-                <a14:hiddenLine xmlns="" xmlns:a14="http://schemas.microsoft.com/office/drawing/2010/main" w="9525">
+                <a14:hiddenLine xmlns:a14="http://schemas.microsoft.com/office/drawing/2010/main" xmlns="" w="9525">
                   <a:solidFill>
                     <a:srgbClr val="000000"/>
                   </a:solidFill>
@@ -21015,14 +21015,14 @@
             </a:ln>
             <a:extLst>
               <a:ext uri="{909E8E84-426E-40dd-AFC4-6F175D3DCCD1}">
-                <a14:hiddenFill xmlns:a14="http://schemas.microsoft.com/office/drawing/2010/main" xmlns="">
+                <a14:hiddenFill xmlns="" xmlns:a14="http://schemas.microsoft.com/office/drawing/2010/main">
                   <a:solidFill>
                     <a:srgbClr val="FFFFFF"/>
                   </a:solidFill>
                 </a14:hiddenFill>
               </a:ext>
               <a:ext uri="{91240B29-F687-4f45-9708-019B960494DF}">
-                <a14:hiddenLine xmlns:a14="http://schemas.microsoft.com/office/drawing/2010/main" xmlns="" w="9525">
+                <a14:hiddenLine xmlns="" xmlns:a14="http://schemas.microsoft.com/office/drawing/2010/main" w="9525">
                   <a:solidFill>
                     <a:srgbClr val="000000"/>
                   </a:solidFill>
@@ -21178,7 +21178,7 @@
             </a:ln>
             <a:extLst>
               <a:ext uri="{91240B29-F687-4f45-9708-019B960494DF}">
-                <a14:hiddenLine xmlns:a14="http://schemas.microsoft.com/office/drawing/2010/main" xmlns="" w="9525">
+                <a14:hiddenLine xmlns="" xmlns:a14="http://schemas.microsoft.com/office/drawing/2010/main" w="9525">
                   <a:solidFill>
                     <a:srgbClr val="000000"/>
                   </a:solidFill>
@@ -21333,14 +21333,14 @@
             </a:ln>
             <a:extLst>
               <a:ext uri="{909E8E84-426E-40dd-AFC4-6F175D3DCCD1}">
-                <a14:hiddenFill xmlns="" xmlns:a14="http://schemas.microsoft.com/office/drawing/2010/main">
+                <a14:hiddenFill xmlns:a14="http://schemas.microsoft.com/office/drawing/2010/main" xmlns="">
                   <a:solidFill>
                     <a:srgbClr val="FFFFFF"/>
                   </a:solidFill>
                 </a14:hiddenFill>
               </a:ext>
               <a:ext uri="{91240B29-F687-4f45-9708-019B960494DF}">
-                <a14:hiddenLine xmlns="" xmlns:a14="http://schemas.microsoft.com/office/drawing/2010/main" w="9525">
+                <a14:hiddenLine xmlns:a14="http://schemas.microsoft.com/office/drawing/2010/main" xmlns="" w="9525">
                   <a:solidFill>
                     <a:srgbClr val="000000"/>
                   </a:solidFill>
@@ -21499,7 +21499,7 @@
             </a:ln>
             <a:extLst>
               <a:ext uri="{91240B29-F687-4f45-9708-019B960494DF}">
-                <a14:hiddenLine xmlns="" xmlns:a14="http://schemas.microsoft.com/office/drawing/2010/main" w="9525">
+                <a14:hiddenLine xmlns:a14="http://schemas.microsoft.com/office/drawing/2010/main" xmlns="" w="9525">
                   <a:solidFill>
                     <a:srgbClr val="000000"/>
                   </a:solidFill>
@@ -21685,7 +21685,7 @@
             </a:ln>
             <a:extLst>
               <a:ext uri="{91240B29-F687-4f45-9708-019B960494DF}">
-                <a14:hiddenLine xmlns="" xmlns:a14="http://schemas.microsoft.com/office/drawing/2010/main" w="9525">
+                <a14:hiddenLine xmlns:a14="http://schemas.microsoft.com/office/drawing/2010/main" xmlns="" w="9525">
                   <a:solidFill>
                     <a:srgbClr val="000000"/>
                   </a:solidFill>
@@ -21891,7 +21891,7 @@
             </a:ln>
             <a:extLst>
               <a:ext uri="{91240B29-F687-4f45-9708-019B960494DF}">
-                <a14:hiddenLine xmlns="" xmlns:a14="http://schemas.microsoft.com/office/drawing/2010/main" w="9525">
+                <a14:hiddenLine xmlns:a14="http://schemas.microsoft.com/office/drawing/2010/main" xmlns="" w="9525">
                   <a:solidFill>
                     <a:srgbClr val="000000"/>
                   </a:solidFill>
@@ -22100,7 +22100,7 @@
             </a:ln>
             <a:extLst>
               <a:ext uri="{91240B29-F687-4f45-9708-019B960494DF}">
-                <a14:hiddenLine xmlns="" xmlns:a14="http://schemas.microsoft.com/office/drawing/2010/main" w="9525">
+                <a14:hiddenLine xmlns:a14="http://schemas.microsoft.com/office/drawing/2010/main" xmlns="" w="9525">
                   <a:solidFill>
                     <a:srgbClr val="000000"/>
                   </a:solidFill>
@@ -22280,7 +22280,7 @@
             </a:ln>
             <a:extLst>
               <a:ext uri="{91240B29-F687-4f45-9708-019B960494DF}">
-                <a14:hiddenLine xmlns="" xmlns:a14="http://schemas.microsoft.com/office/drawing/2010/main" w="9525">
+                <a14:hiddenLine xmlns:a14="http://schemas.microsoft.com/office/drawing/2010/main" xmlns="" w="9525">
                   <a:solidFill>
                     <a:srgbClr val="000000"/>
                   </a:solidFill>
@@ -22340,14 +22340,14 @@
             </a:ln>
             <a:extLst>
               <a:ext uri="{909E8E84-426E-40dd-AFC4-6F175D3DCCD1}">
-                <a14:hiddenFill xmlns="" xmlns:a14="http://schemas.microsoft.com/office/drawing/2010/main">
+                <a14:hiddenFill xmlns:a14="http://schemas.microsoft.com/office/drawing/2010/main" xmlns="">
                   <a:solidFill>
                     <a:srgbClr val="FFFFFF"/>
                   </a:solidFill>
                 </a14:hiddenFill>
               </a:ext>
               <a:ext uri="{91240B29-F687-4f45-9708-019B960494DF}">
-                <a14:hiddenLine xmlns="" xmlns:a14="http://schemas.microsoft.com/office/drawing/2010/main" w="9525">
+                <a14:hiddenLine xmlns:a14="http://schemas.microsoft.com/office/drawing/2010/main" xmlns="" w="9525">
                   <a:solidFill>
                     <a:srgbClr val="000000"/>
                   </a:solidFill>
@@ -22476,7 +22476,7 @@
             </a:ln>
             <a:extLst>
               <a:ext uri="{91240B29-F687-4f45-9708-019B960494DF}">
-                <a14:hiddenLine xmlns="" xmlns:a14="http://schemas.microsoft.com/office/drawing/2010/main" w="9525">
+                <a14:hiddenLine xmlns:a14="http://schemas.microsoft.com/office/drawing/2010/main" xmlns="" w="9525">
                   <a:solidFill>
                     <a:srgbClr val="000000"/>
                   </a:solidFill>
@@ -22621,7 +22621,7 @@
             </a:ln>
             <a:extLst>
               <a:ext uri="{91240B29-F687-4f45-9708-019B960494DF}">
-                <a14:hiddenLine xmlns="" xmlns:a14="http://schemas.microsoft.com/office/drawing/2010/main" w="9525">
+                <a14:hiddenLine xmlns:a14="http://schemas.microsoft.com/office/drawing/2010/main" xmlns="" w="9525">
                   <a:solidFill>
                     <a:srgbClr val="000000"/>
                   </a:solidFill>
@@ -22830,7 +22830,7 @@
             </a:ln>
             <a:extLst>
               <a:ext uri="{91240B29-F687-4f45-9708-019B960494DF}">
-                <a14:hiddenLine xmlns="" xmlns:a14="http://schemas.microsoft.com/office/drawing/2010/main" w="9525">
+                <a14:hiddenLine xmlns:a14="http://schemas.microsoft.com/office/drawing/2010/main" xmlns="" w="9525">
                   <a:solidFill>
                     <a:srgbClr val="000000"/>
                   </a:solidFill>
@@ -22880,7 +22880,7 @@
         <p:spPr>
           <a:xfrm>
             <a:off x="6477851" y="8302707"/>
-            <a:ext cx="1219110" cy="2654750"/>
+            <a:ext cx="1371191" cy="3193371"/>
           </a:xfrm>
           <a:prstGeom prst="line">
             <a:avLst/>
@@ -22917,14 +22917,13 @@
           </p:cNvPr>
           <p:cNvCxnSpPr>
             <a:cxnSpLocks/>
-            <a:stCxn id="478" idx="0"/>
           </p:cNvCxnSpPr>
           <p:nvPr/>
         </p:nvCxnSpPr>
         <p:spPr>
           <a:xfrm flipV="1">
-            <a:off x="8181474" y="9087117"/>
-            <a:ext cx="1490284" cy="1855818"/>
+            <a:off x="8672175" y="9640260"/>
+            <a:ext cx="1118986" cy="1860547"/>
           </a:xfrm>
           <a:prstGeom prst="line">
             <a:avLst/>
@@ -26528,8 +26527,8 @@
         </p:nvSpPr>
         <p:spPr>
           <a:xfrm>
-            <a:off x="8253742" y="11039709"/>
-            <a:ext cx="463568" cy="436000"/>
+            <a:off x="8499383" y="11635582"/>
+            <a:ext cx="552074" cy="523280"/>
           </a:xfrm>
           <a:prstGeom prst="roundRect">
             <a:avLst/>
@@ -26591,8 +26590,8 @@
         </p:nvSpPr>
         <p:spPr>
           <a:xfrm>
-            <a:off x="8301027" y="11191777"/>
-            <a:ext cx="382292" cy="213722"/>
+            <a:off x="8546668" y="11832146"/>
+            <a:ext cx="455280" cy="256506"/>
           </a:xfrm>
           <a:prstGeom prst="roundRect">
             <a:avLst/>
@@ -26651,7 +26650,7 @@
         </p:nvSpPr>
         <p:spPr>
           <a:xfrm>
-            <a:off x="8181085" y="11072302"/>
+            <a:off x="8453035" y="11718860"/>
             <a:ext cx="689333" cy="443198"/>
           </a:xfrm>
           <a:prstGeom prst="rect">
@@ -26698,8 +26697,8 @@
         </p:nvSpPr>
         <p:spPr>
           <a:xfrm>
-            <a:off x="8250291" y="11031776"/>
-            <a:ext cx="485447" cy="453605"/>
+            <a:off x="8495932" y="11624125"/>
+            <a:ext cx="578130" cy="544409"/>
           </a:xfrm>
           <a:prstGeom prst="roundRect">
             <a:avLst/>
@@ -26736,332 +26735,6 @@
           </a:p>
         </p:txBody>
       </p:sp>
-      <p:grpSp>
-        <p:nvGrpSpPr>
-          <p:cNvPr id="737" name="Group 736">
-            <a:extLst>
-              <a:ext uri="{FF2B5EF4-FFF2-40B4-BE49-F238E27FC236}">
-                <a16:creationId xmlns:a16="http://schemas.microsoft.com/office/drawing/2014/main" id="{1CE48070-6CC1-4A19-BB6D-95BAE21BCE97}"/>
-              </a:ext>
-            </a:extLst>
-          </p:cNvPr>
-          <p:cNvGrpSpPr/>
-          <p:nvPr/>
-        </p:nvGrpSpPr>
-        <p:grpSpPr>
-          <a:xfrm>
-            <a:off x="7621854" y="10872743"/>
-            <a:ext cx="689333" cy="648081"/>
-            <a:chOff x="6442860" y="1856989"/>
-            <a:chExt cx="689333" cy="648081"/>
-          </a:xfrm>
-        </p:grpSpPr>
-        <p:sp>
-          <p:nvSpPr>
-            <p:cNvPr id="738" name="Rectangle: Rounded Corners 737">
-              <a:extLst>
-                <a:ext uri="{FF2B5EF4-FFF2-40B4-BE49-F238E27FC236}">
-                  <a16:creationId xmlns:a16="http://schemas.microsoft.com/office/drawing/2014/main" id="{330D520E-5AD3-4381-8E6F-D985D909853D}"/>
-                </a:ext>
-              </a:extLst>
-            </p:cNvPr>
-            <p:cNvSpPr/>
-            <p:nvPr/>
-          </p:nvSpPr>
-          <p:spPr>
-            <a:xfrm>
-              <a:off x="6534014" y="2023957"/>
-              <a:ext cx="463568" cy="436000"/>
-            </a:xfrm>
-            <a:prstGeom prst="roundRect">
-              <a:avLst/>
-            </a:prstGeom>
-            <a:solidFill>
-              <a:schemeClr val="accent5">
-                <a:lumMod val="60000"/>
-                <a:lumOff val="40000"/>
-              </a:schemeClr>
-            </a:solidFill>
-            <a:ln w="12700" cap="flat" cmpd="sng" algn="ctr">
-              <a:noFill/>
-              <a:prstDash val="solid"/>
-              <a:miter lim="800000"/>
-            </a:ln>
-            <a:effectLst>
-              <a:outerShdw blurRad="190500" dist="228600" dir="2700000" algn="ctr">
-                <a:srgbClr val="000000">
-                  <a:alpha val="30000"/>
-                </a:srgbClr>
-              </a:outerShdw>
-            </a:effectLst>
-          </p:spPr>
-          <p:txBody>
-            <a:bodyPr rot="0" spcFirstLastPara="0" vertOverflow="overflow" horzOverflow="overflow" vert="horz" wrap="square" lIns="91440" tIns="45720" rIns="91440" bIns="45720" numCol="1" spcCol="0" rtlCol="0" fromWordArt="0" anchor="ctr" anchorCtr="0" forceAA="0" compatLnSpc="1">
-              <a:prstTxWarp prst="textNoShape">
-                <a:avLst/>
-              </a:prstTxWarp>
-              <a:noAutofit/>
-            </a:bodyPr>
-            <a:lstStyle/>
-            <a:p>
-              <a:pPr algn="ctr" defTabSz="914418">
-                <a:lnSpc>
-                  <a:spcPct val="90000"/>
-                </a:lnSpc>
-                <a:defRPr/>
-              </a:pPr>
-              <a:endParaRPr lang="en-US" sz="2000" kern="0" dirty="0">
-                <a:solidFill>
-                  <a:srgbClr val="FFFFFF"/>
-                </a:solidFill>
-                <a:latin typeface="Arial"/>
-              </a:endParaRPr>
-            </a:p>
-          </p:txBody>
-        </p:sp>
-        <p:sp>
-          <p:nvSpPr>
-            <p:cNvPr id="739" name="Rectangle: Rounded Corners 738">
-              <a:extLst>
-                <a:ext uri="{FF2B5EF4-FFF2-40B4-BE49-F238E27FC236}">
-                  <a16:creationId xmlns:a16="http://schemas.microsoft.com/office/drawing/2014/main" id="{442FB0A4-66FB-465E-A532-A64D4B726568}"/>
-                </a:ext>
-              </a:extLst>
-            </p:cNvPr>
-            <p:cNvSpPr/>
-            <p:nvPr/>
-          </p:nvSpPr>
-          <p:spPr>
-            <a:xfrm>
-              <a:off x="6580789" y="2175684"/>
-              <a:ext cx="382292" cy="213722"/>
-            </a:xfrm>
-            <a:prstGeom prst="roundRect">
-              <a:avLst/>
-            </a:prstGeom>
-            <a:solidFill>
-              <a:srgbClr val="FFFFFF"/>
-            </a:solidFill>
-            <a:ln w="12700" cap="flat" cmpd="sng" algn="ctr">
-              <a:noFill/>
-              <a:prstDash val="solid"/>
-              <a:miter lim="800000"/>
-            </a:ln>
-            <a:effectLst>
-              <a:innerShdw blurRad="63500" dist="50800" dir="2700000">
-                <a:prstClr val="black">
-                  <a:alpha val="50000"/>
-                </a:prstClr>
-              </a:innerShdw>
-            </a:effectLst>
-          </p:spPr>
-          <p:txBody>
-            <a:bodyPr rot="0" spcFirstLastPara="0" vertOverflow="overflow" horzOverflow="overflow" vert="horz" wrap="square" lIns="91440" tIns="45720" rIns="91440" bIns="45720" numCol="1" spcCol="0" rtlCol="0" fromWordArt="0" anchor="ctr" anchorCtr="0" forceAA="0" compatLnSpc="1">
-              <a:prstTxWarp prst="textNoShape">
-                <a:avLst/>
-              </a:prstTxWarp>
-              <a:noAutofit/>
-            </a:bodyPr>
-            <a:lstStyle/>
-            <a:p>
-              <a:pPr algn="ctr" defTabSz="914418">
-                <a:lnSpc>
-                  <a:spcPct val="90000"/>
-                </a:lnSpc>
-                <a:defRPr/>
-              </a:pPr>
-              <a:endParaRPr lang="en-US" sz="2000" kern="0" dirty="0">
-                <a:solidFill>
-                  <a:srgbClr val="FFFFFF"/>
-                </a:solidFill>
-                <a:latin typeface="Arial"/>
-              </a:endParaRPr>
-            </a:p>
-          </p:txBody>
-        </p:sp>
-        <p:grpSp>
-          <p:nvGrpSpPr>
-            <p:cNvPr id="740" name="Group 739">
-              <a:extLst>
-                <a:ext uri="{FF2B5EF4-FFF2-40B4-BE49-F238E27FC236}">
-                  <a16:creationId xmlns:a16="http://schemas.microsoft.com/office/drawing/2014/main" id="{F1B8788A-6D1D-4F39-9D68-00C0798A9769}"/>
-                </a:ext>
-              </a:extLst>
-            </p:cNvPr>
-            <p:cNvGrpSpPr/>
-            <p:nvPr/>
-          </p:nvGrpSpPr>
-          <p:grpSpPr>
-            <a:xfrm>
-              <a:off x="6442860" y="1856989"/>
-              <a:ext cx="689333" cy="648081"/>
-              <a:chOff x="6317965" y="1269299"/>
-              <a:chExt cx="689333" cy="648081"/>
-            </a:xfrm>
-          </p:grpSpPr>
-          <p:sp>
-            <p:nvSpPr>
-              <p:cNvPr id="745" name="TextBox 744">
-                <a:extLst>
-                  <a:ext uri="{FF2B5EF4-FFF2-40B4-BE49-F238E27FC236}">
-                    <a16:creationId xmlns:a16="http://schemas.microsoft.com/office/drawing/2014/main" id="{CD98A63C-D9CE-41AF-B166-C168A06A6E3A}"/>
-                  </a:ext>
-                </a:extLst>
-              </p:cNvPr>
-              <p:cNvSpPr txBox="1"/>
-              <p:nvPr/>
-            </p:nvSpPr>
-            <p:spPr>
-              <a:xfrm>
-                <a:off x="6392537" y="1269299"/>
-                <a:ext cx="503321" cy="483208"/>
-              </a:xfrm>
-              <a:prstGeom prst="rect">
-                <a:avLst/>
-              </a:prstGeom>
-              <a:noFill/>
-              <a:ln>
-                <a:noFill/>
-              </a:ln>
-              <a:effectLst>
-                <a:outerShdw blurRad="190500" dist="228600" dir="2700000" algn="ctr">
-                  <a:srgbClr val="000000">
-                    <a:alpha val="30000"/>
-                  </a:srgbClr>
-                </a:outerShdw>
-              </a:effectLst>
-            </p:spPr>
-            <p:txBody>
-              <a:bodyPr wrap="square" lIns="155448" tIns="155448" rIns="155448" bIns="155448" rtlCol="0">
-                <a:spAutoFit/>
-              </a:bodyPr>
-              <a:lstStyle/>
-              <a:p>
-                <a:pPr defTabSz="914418">
-                  <a:defRPr/>
-                </a:pPr>
-                <a:r>
-                  <a:rPr lang="en-US" sz="1100" kern="0" dirty="0">
-                    <a:gradFill>
-                      <a:gsLst>
-                        <a:gs pos="0">
-                          <a:srgbClr val="FFFFFF"/>
-                        </a:gs>
-                        <a:gs pos="100000">
-                          <a:srgbClr val="FFFFFF"/>
-                        </a:gs>
-                      </a:gsLst>
-                      <a:lin ang="5400000" scaled="1"/>
-                    </a:gradFill>
-                    <a:latin typeface="Arial Rounded MT Bold" panose="020F0704030504030204" pitchFamily="34" charset="0"/>
-                    <a:cs typeface="Arial" panose="020B0604020202020204" pitchFamily="34" charset="0"/>
-                  </a:rPr>
-                  <a:t>VE</a:t>
-                </a:r>
-              </a:p>
-            </p:txBody>
-          </p:sp>
-          <p:sp>
-            <p:nvSpPr>
-              <p:cNvPr id="746" name="TextBox 745">
-                <a:extLst>
-                  <a:ext uri="{FF2B5EF4-FFF2-40B4-BE49-F238E27FC236}">
-                    <a16:creationId xmlns:a16="http://schemas.microsoft.com/office/drawing/2014/main" id="{EDFB59CC-052D-4FC5-BF1E-164049E062FC}"/>
-                  </a:ext>
-                </a:extLst>
-              </p:cNvPr>
-              <p:cNvSpPr txBox="1"/>
-              <p:nvPr/>
-            </p:nvSpPr>
-            <p:spPr>
-              <a:xfrm>
-                <a:off x="6317965" y="1474182"/>
-                <a:ext cx="689333" cy="443198"/>
-              </a:xfrm>
-              <a:prstGeom prst="rect">
-                <a:avLst/>
-              </a:prstGeom>
-              <a:noFill/>
-              <a:ln>
-                <a:noFill/>
-              </a:ln>
-            </p:spPr>
-            <p:txBody>
-              <a:bodyPr wrap="square" lIns="155448" tIns="155448" rIns="155448" bIns="155448" rtlCol="0">
-                <a:spAutoFit/>
-              </a:bodyPr>
-              <a:lstStyle/>
-              <a:p>
-                <a:pPr defTabSz="914418">
-                  <a:defRPr/>
-                </a:pPr>
-                <a:r>
-                  <a:rPr lang="en-US" sz="800" kern="0" dirty="0">
-                    <a:solidFill>
-                      <a:srgbClr val="004892"/>
-                    </a:solidFill>
-                    <a:latin typeface="Arial Rounded MT Bold" panose="020F0704030504030204" pitchFamily="34" charset="0"/>
-                    <a:cs typeface="Arial" panose="020B0604020202020204" pitchFamily="34" charset="0"/>
-                  </a:rPr>
-                  <a:t>BIG-IQ</a:t>
-                </a:r>
-              </a:p>
-            </p:txBody>
-          </p:sp>
-        </p:grpSp>
-        <p:sp>
-          <p:nvSpPr>
-            <p:cNvPr id="744" name="Rectangle: Rounded Corners 743">
-              <a:extLst>
-                <a:ext uri="{FF2B5EF4-FFF2-40B4-BE49-F238E27FC236}">
-                  <a16:creationId xmlns:a16="http://schemas.microsoft.com/office/drawing/2014/main" id="{86498674-8385-4D98-9BCC-75D2607A57DA}"/>
-                </a:ext>
-              </a:extLst>
-            </p:cNvPr>
-            <p:cNvSpPr/>
-            <p:nvPr/>
-          </p:nvSpPr>
-          <p:spPr>
-            <a:xfrm>
-              <a:off x="6517431" y="2001815"/>
-              <a:ext cx="485447" cy="453605"/>
-            </a:xfrm>
-            <a:prstGeom prst="roundRect">
-              <a:avLst/>
-            </a:prstGeom>
-            <a:noFill/>
-            <a:ln w="12700" cap="flat" cmpd="sng" algn="ctr">
-              <a:noFill/>
-              <a:prstDash val="solid"/>
-              <a:miter lim="800000"/>
-            </a:ln>
-            <a:effectLst/>
-          </p:spPr>
-          <p:txBody>
-            <a:bodyPr rot="0" spcFirstLastPara="0" vertOverflow="overflow" horzOverflow="overflow" vert="horz" wrap="square" lIns="91440" tIns="45720" rIns="91440" bIns="45720" numCol="1" spcCol="0" rtlCol="0" fromWordArt="0" anchor="ctr" anchorCtr="0" forceAA="0" compatLnSpc="1">
-              <a:prstTxWarp prst="textNoShape">
-                <a:avLst/>
-              </a:prstTxWarp>
-              <a:noAutofit/>
-            </a:bodyPr>
-            <a:lstStyle/>
-            <a:p>
-              <a:pPr algn="ctr" defTabSz="914418">
-                <a:lnSpc>
-                  <a:spcPct val="90000"/>
-                </a:lnSpc>
-                <a:defRPr/>
-              </a:pPr>
-              <a:endParaRPr lang="en-US" sz="2000" kern="0" dirty="0">
-                <a:solidFill>
-                  <a:srgbClr val="FFFFFF"/>
-                </a:solidFill>
-                <a:latin typeface="Arial"/>
-              </a:endParaRPr>
-            </a:p>
-          </p:txBody>
-        </p:sp>
-      </p:grpSp>
       <p:sp>
         <p:nvSpPr>
           <p:cNvPr id="759" name="Flowchart: Connector 758">
@@ -27895,7 +27568,7 @@
             </a:ln>
             <a:extLst>
               <a:ext uri="{91240B29-F687-4f45-9708-019B960494DF}">
-                <a14:hiddenLine xmlns="" xmlns:a14="http://schemas.microsoft.com/office/drawing/2010/main" w="9525">
+                <a14:hiddenLine xmlns:a14="http://schemas.microsoft.com/office/drawing/2010/main" xmlns="" w="9525">
                   <a:solidFill>
                     <a:srgbClr val="000000"/>
                   </a:solidFill>
@@ -28241,13 +27914,14 @@
           </p:cNvPr>
           <p:cNvCxnSpPr>
             <a:cxnSpLocks/>
+            <a:stCxn id="478" idx="0"/>
           </p:cNvCxnSpPr>
           <p:nvPr/>
         </p:nvCxnSpPr>
         <p:spPr>
           <a:xfrm flipV="1">
-            <a:off x="8492173" y="10214352"/>
-            <a:ext cx="677269" cy="731999"/>
+            <a:off x="8444503" y="9116874"/>
+            <a:ext cx="1194595" cy="2379204"/>
           </a:xfrm>
           <a:prstGeom prst="line">
             <a:avLst/>
@@ -28332,7 +28006,7 @@
         </p:nvSpPr>
         <p:spPr>
           <a:xfrm>
-            <a:off x="8236472" y="10877595"/>
+            <a:off x="8520038" y="11496815"/>
             <a:ext cx="503321" cy="483209"/>
           </a:xfrm>
           <a:prstGeom prst="rect">
@@ -28396,8 +28070,8 @@
         </p:nvCxnSpPr>
         <p:spPr>
           <a:xfrm flipH="1" flipV="1">
-            <a:off x="3962731" y="9342971"/>
-            <a:ext cx="783385" cy="1530572"/>
+            <a:off x="3962732" y="9342971"/>
+            <a:ext cx="891071" cy="1969999"/>
           </a:xfrm>
           <a:prstGeom prst="line">
             <a:avLst/>
@@ -28439,7 +28113,7 @@
         </p:nvCxnSpPr>
         <p:spPr>
           <a:xfrm flipH="1" flipV="1">
-            <a:off x="4738740" y="10875731"/>
+            <a:off x="4850545" y="11314203"/>
             <a:ext cx="2850656" cy="653584"/>
           </a:xfrm>
           <a:prstGeom prst="line">
@@ -29366,8 +29040,8 @@
         </p:nvSpPr>
         <p:spPr>
           <a:xfrm>
-            <a:off x="7582241" y="10942935"/>
-            <a:ext cx="1198466" cy="895132"/>
+            <a:off x="7701644" y="11496078"/>
+            <a:ext cx="1485718" cy="912350"/>
           </a:xfrm>
           <a:prstGeom prst="roundRect">
             <a:avLst/>
@@ -29408,10 +29082,10 @@
       </p:sp>
       <p:sp>
         <p:nvSpPr>
-          <p:cNvPr id="481" name="TextBox 480">
+          <p:cNvPr id="482" name="TextBox 481">
             <a:extLst>
               <a:ext uri="{FF2B5EF4-FFF2-40B4-BE49-F238E27FC236}">
-                <a16:creationId xmlns:a16="http://schemas.microsoft.com/office/drawing/2014/main" id="{5FDC2516-89FF-416B-BFF3-20E4DFC040A7}"/>
+                <a16:creationId xmlns:a16="http://schemas.microsoft.com/office/drawing/2014/main" id="{440E0C88-E2F1-4201-B7CF-78B66313DA90}"/>
               </a:ext>
             </a:extLst>
           </p:cNvPr>
@@ -29420,8 +29094,8 @@
         </p:nvSpPr>
         <p:spPr>
           <a:xfrm>
-            <a:off x="7727784" y="11235746"/>
-            <a:ext cx="689333" cy="406265"/>
+            <a:off x="8478831" y="12038262"/>
+            <a:ext cx="820943" cy="467820"/>
           </a:xfrm>
           <a:prstGeom prst="rect">
             <a:avLst/>
@@ -29441,54 +29115,7 @@
               <a:defRPr/>
             </a:pPr>
             <a:r>
-              <a:rPr lang="en-US" sz="600" kern="0" dirty="0">
-                <a:solidFill>
-                  <a:srgbClr val="004892"/>
-                </a:solidFill>
-                <a:latin typeface="Arial Rounded MT Bold" panose="020F0704030504030204" pitchFamily="34" charset="0"/>
-                <a:cs typeface="Arial" panose="020B0604020202020204" pitchFamily="34" charset="0"/>
-              </a:rPr>
-              <a:t>CM</a:t>
-            </a:r>
-          </a:p>
-        </p:txBody>
-      </p:sp>
-      <p:sp>
-        <p:nvSpPr>
-          <p:cNvPr id="482" name="TextBox 481">
-            <a:extLst>
-              <a:ext uri="{FF2B5EF4-FFF2-40B4-BE49-F238E27FC236}">
-                <a16:creationId xmlns:a16="http://schemas.microsoft.com/office/drawing/2014/main" id="{440E0C88-E2F1-4201-B7CF-78B66313DA90}"/>
-              </a:ext>
-            </a:extLst>
-          </p:cNvPr>
-          <p:cNvSpPr txBox="1"/>
-          <p:nvPr/>
-        </p:nvSpPr>
-        <p:spPr>
-          <a:xfrm>
-            <a:off x="8246861" y="11232677"/>
-            <a:ext cx="689333" cy="406265"/>
-          </a:xfrm>
-          <a:prstGeom prst="rect">
-            <a:avLst/>
-          </a:prstGeom>
-          <a:noFill/>
-          <a:ln>
-            <a:noFill/>
-          </a:ln>
-        </p:spPr>
-        <p:txBody>
-          <a:bodyPr wrap="square" lIns="155448" tIns="155448" rIns="155448" bIns="155448" rtlCol="0">
-            <a:spAutoFit/>
-          </a:bodyPr>
-          <a:lstStyle/>
-          <a:p>
-            <a:pPr defTabSz="914418">
-              <a:defRPr/>
-            </a:pPr>
-            <a:r>
-              <a:rPr lang="en-US" sz="600" kern="0" dirty="0">
+              <a:rPr lang="en-US" sz="1000" kern="0" dirty="0">
                 <a:solidFill>
                   <a:srgbClr val="004892"/>
                 </a:solidFill>
@@ -29516,8 +29143,8 @@
         </p:nvCxnSpPr>
         <p:spPr>
           <a:xfrm flipV="1">
-            <a:off x="7921181" y="9750329"/>
-            <a:ext cx="0" cy="1197296"/>
+            <a:off x="7912171" y="9750329"/>
+            <a:ext cx="9010" cy="1745749"/>
           </a:xfrm>
           <a:prstGeom prst="line">
             <a:avLst/>
@@ -29866,14 +29493,14 @@
             </a:ln>
             <a:extLst>
               <a:ext uri="{909E8E84-426E-40dd-AFC4-6F175D3DCCD1}">
-                <a14:hiddenFill xmlns="" xmlns:a14="http://schemas.microsoft.com/office/drawing/2010/main">
+                <a14:hiddenFill xmlns:a14="http://schemas.microsoft.com/office/drawing/2010/main" xmlns="">
                   <a:solidFill>
                     <a:srgbClr val="FFFFFF"/>
                   </a:solidFill>
                 </a14:hiddenFill>
               </a:ext>
               <a:ext uri="{91240B29-F687-4f45-9708-019B960494DF}">
-                <a14:hiddenLine xmlns="" xmlns:a14="http://schemas.microsoft.com/office/drawing/2010/main" w="9525">
+                <a14:hiddenLine xmlns:a14="http://schemas.microsoft.com/office/drawing/2010/main" xmlns="" w="9525">
                   <a:solidFill>
                     <a:srgbClr val="000000"/>
                   </a:solidFill>
@@ -30032,7 +29659,7 @@
             </a:ln>
             <a:extLst>
               <a:ext uri="{91240B29-F687-4f45-9708-019B960494DF}">
-                <a14:hiddenLine xmlns="" xmlns:a14="http://schemas.microsoft.com/office/drawing/2010/main" w="9525">
+                <a14:hiddenLine xmlns:a14="http://schemas.microsoft.com/office/drawing/2010/main" xmlns="" w="9525">
                   <a:solidFill>
                     <a:srgbClr val="000000"/>
                   </a:solidFill>
@@ -30190,14 +29817,14 @@
           </a:ln>
           <a:extLst>
             <a:ext uri="{909E8E84-426E-40dd-AFC4-6F175D3DCCD1}">
-              <a14:hiddenFill xmlns="" xmlns:a14="http://schemas.microsoft.com/office/drawing/2010/main">
+              <a14:hiddenFill xmlns:a14="http://schemas.microsoft.com/office/drawing/2010/main" xmlns="">
                 <a:solidFill>
                   <a:srgbClr val="FFFFFF"/>
                 </a:solidFill>
               </a14:hiddenFill>
             </a:ext>
             <a:ext uri="{91240B29-F687-4f45-9708-019B960494DF}">
-              <a14:hiddenLine xmlns="" xmlns:a14="http://schemas.microsoft.com/office/drawing/2010/main" w="9525">
+              <a14:hiddenLine xmlns:a14="http://schemas.microsoft.com/office/drawing/2010/main" xmlns="" w="9525">
                 <a:solidFill>
                   <a:srgbClr val="000000"/>
                 </a:solidFill>
@@ -30538,7 +30165,7 @@
             </a:ln>
             <a:extLst>
               <a:ext uri="{91240B29-F687-4f45-9708-019B960494DF}">
-                <a14:hiddenLine xmlns="" xmlns:a14="http://schemas.microsoft.com/office/drawing/2010/main" w="9525">
+                <a14:hiddenLine xmlns:a14="http://schemas.microsoft.com/office/drawing/2010/main" xmlns="" w="9525">
                   <a:solidFill>
                     <a:srgbClr val="000000"/>
                   </a:solidFill>
@@ -30598,14 +30225,14 @@
             </a:ln>
             <a:extLst>
               <a:ext uri="{909E8E84-426E-40dd-AFC4-6F175D3DCCD1}">
-                <a14:hiddenFill xmlns="" xmlns:a14="http://schemas.microsoft.com/office/drawing/2010/main">
+                <a14:hiddenFill xmlns:a14="http://schemas.microsoft.com/office/drawing/2010/main" xmlns="">
                   <a:solidFill>
                     <a:srgbClr val="FFFFFF"/>
                   </a:solidFill>
                 </a14:hiddenFill>
               </a:ext>
               <a:ext uri="{91240B29-F687-4f45-9708-019B960494DF}">
-                <a14:hiddenLine xmlns="" xmlns:a14="http://schemas.microsoft.com/office/drawing/2010/main" w="9525">
+                <a14:hiddenLine xmlns:a14="http://schemas.microsoft.com/office/drawing/2010/main" xmlns="" w="9525">
                   <a:solidFill>
                     <a:srgbClr val="000000"/>
                   </a:solidFill>
@@ -30734,7 +30361,7 @@
             </a:ln>
             <a:extLst>
               <a:ext uri="{91240B29-F687-4f45-9708-019B960494DF}">
-                <a14:hiddenLine xmlns="" xmlns:a14="http://schemas.microsoft.com/office/drawing/2010/main" w="9525">
+                <a14:hiddenLine xmlns:a14="http://schemas.microsoft.com/office/drawing/2010/main" xmlns="" w="9525">
                   <a:solidFill>
                     <a:srgbClr val="000000"/>
                   </a:solidFill>
@@ -30879,7 +30506,7 @@
             </a:ln>
             <a:extLst>
               <a:ext uri="{91240B29-F687-4f45-9708-019B960494DF}">
-                <a14:hiddenLine xmlns="" xmlns:a14="http://schemas.microsoft.com/office/drawing/2010/main" w="9525">
+                <a14:hiddenLine xmlns:a14="http://schemas.microsoft.com/office/drawing/2010/main" xmlns="" w="9525">
                   <a:solidFill>
                     <a:srgbClr val="000000"/>
                   </a:solidFill>
@@ -31088,7 +30715,7 @@
             </a:ln>
             <a:extLst>
               <a:ext uri="{91240B29-F687-4f45-9708-019B960494DF}">
-                <a14:hiddenLine xmlns="" xmlns:a14="http://schemas.microsoft.com/office/drawing/2010/main" w="9525">
+                <a14:hiddenLine xmlns:a14="http://schemas.microsoft.com/office/drawing/2010/main" xmlns="" w="9525">
                   <a:solidFill>
                     <a:srgbClr val="000000"/>
                   </a:solidFill>
@@ -31275,7 +30902,7 @@
           </a:ln>
           <a:extLst>
             <a:ext uri="{91240B29-F687-4f45-9708-019B960494DF}">
-              <a14:hiddenLine xmlns="" xmlns:a14="http://schemas.microsoft.com/office/drawing/2010/main" w="9525">
+              <a14:hiddenLine xmlns:a14="http://schemas.microsoft.com/office/drawing/2010/main" xmlns="" w="9525">
                 <a:solidFill>
                   <a:srgbClr val="000000"/>
                 </a:solidFill>
@@ -31494,7 +31121,7 @@
           </a:ln>
           <a:extLst>
             <a:ext uri="{91240B29-F687-4f45-9708-019B960494DF}">
-              <a14:hiddenLine xmlns="" xmlns:a14="http://schemas.microsoft.com/office/drawing/2010/main" w="9525">
+              <a14:hiddenLine xmlns:a14="http://schemas.microsoft.com/office/drawing/2010/main" xmlns="" w="9525">
                 <a:solidFill>
                   <a:srgbClr val="000000"/>
                 </a:solidFill>
@@ -31703,7 +31330,7 @@
           </a:ln>
           <a:extLst>
             <a:ext uri="{91240B29-F687-4f45-9708-019B960494DF}">
-              <a14:hiddenLine xmlns="" xmlns:a14="http://schemas.microsoft.com/office/drawing/2010/main" w="9525">
+              <a14:hiddenLine xmlns:a14="http://schemas.microsoft.com/office/drawing/2010/main" xmlns="" w="9525">
                 <a:solidFill>
                   <a:srgbClr val="000000"/>
                 </a:solidFill>
@@ -32009,14 +31636,14 @@
             </a:ln>
             <a:extLst>
               <a:ext uri="{909E8E84-426E-40dd-AFC4-6F175D3DCCD1}">
-                <a14:hiddenFill xmlns="" xmlns:a14="http://schemas.microsoft.com/office/drawing/2010/main">
+                <a14:hiddenFill xmlns:a14="http://schemas.microsoft.com/office/drawing/2010/main" xmlns="">
                   <a:solidFill>
                     <a:srgbClr val="FFFFFF"/>
                   </a:solidFill>
                 </a14:hiddenFill>
               </a:ext>
               <a:ext uri="{91240B29-F687-4f45-9708-019B960494DF}">
-                <a14:hiddenLine xmlns="" xmlns:a14="http://schemas.microsoft.com/office/drawing/2010/main" w="9525">
+                <a14:hiddenLine xmlns:a14="http://schemas.microsoft.com/office/drawing/2010/main" xmlns="" w="9525">
                   <a:solidFill>
                     <a:srgbClr val="000000"/>
                   </a:solidFill>
@@ -32175,7 +31802,7 @@
             </a:ln>
             <a:extLst>
               <a:ext uri="{91240B29-F687-4f45-9708-019B960494DF}">
-                <a14:hiddenLine xmlns="" xmlns:a14="http://schemas.microsoft.com/office/drawing/2010/main" w="9525">
+                <a14:hiddenLine xmlns:a14="http://schemas.microsoft.com/office/drawing/2010/main" xmlns="" w="9525">
                   <a:solidFill>
                     <a:srgbClr val="000000"/>
                   </a:solidFill>
@@ -33082,14 +32709,14 @@
             </a:ln>
             <a:extLst>
               <a:ext uri="{909E8E84-426E-40dd-AFC4-6F175D3DCCD1}">
-                <a14:hiddenFill xmlns:a14="http://schemas.microsoft.com/office/drawing/2010/main" xmlns="">
+                <a14:hiddenFill xmlns="" xmlns:a14="http://schemas.microsoft.com/office/drawing/2010/main">
                   <a:solidFill>
                     <a:srgbClr val="FFFFFF"/>
                   </a:solidFill>
                 </a14:hiddenFill>
               </a:ext>
               <a:ext uri="{91240B29-F687-4f45-9708-019B960494DF}">
-                <a14:hiddenLine xmlns:a14="http://schemas.microsoft.com/office/drawing/2010/main" xmlns="" w="9525">
+                <a14:hiddenLine xmlns="" xmlns:a14="http://schemas.microsoft.com/office/drawing/2010/main" w="9525">
                   <a:solidFill>
                     <a:srgbClr val="000000"/>
                   </a:solidFill>
@@ -33149,14 +32776,14 @@
             </a:ln>
             <a:extLst>
               <a:ext uri="{909E8E84-426E-40dd-AFC4-6F175D3DCCD1}">
-                <a14:hiddenFill xmlns:a14="http://schemas.microsoft.com/office/drawing/2010/main" xmlns="">
+                <a14:hiddenFill xmlns="" xmlns:a14="http://schemas.microsoft.com/office/drawing/2010/main">
                   <a:solidFill>
                     <a:srgbClr val="FFFFFF"/>
                   </a:solidFill>
                 </a14:hiddenFill>
               </a:ext>
               <a:ext uri="{91240B29-F687-4f45-9708-019B960494DF}">
-                <a14:hiddenLine xmlns:a14="http://schemas.microsoft.com/office/drawing/2010/main" xmlns="" w="9525">
+                <a14:hiddenLine xmlns="" xmlns:a14="http://schemas.microsoft.com/office/drawing/2010/main" w="9525">
                   <a:solidFill>
                     <a:srgbClr val="000000"/>
                   </a:solidFill>
@@ -33216,14 +32843,14 @@
             </a:ln>
             <a:extLst>
               <a:ext uri="{909E8E84-426E-40dd-AFC4-6F175D3DCCD1}">
-                <a14:hiddenFill xmlns:a14="http://schemas.microsoft.com/office/drawing/2010/main" xmlns="">
+                <a14:hiddenFill xmlns="" xmlns:a14="http://schemas.microsoft.com/office/drawing/2010/main">
                   <a:solidFill>
                     <a:srgbClr val="FFFFFF"/>
                   </a:solidFill>
                 </a14:hiddenFill>
               </a:ext>
               <a:ext uri="{91240B29-F687-4f45-9708-019B960494DF}">
-                <a14:hiddenLine xmlns:a14="http://schemas.microsoft.com/office/drawing/2010/main" xmlns="" w="9525">
+                <a14:hiddenLine xmlns="" xmlns:a14="http://schemas.microsoft.com/office/drawing/2010/main" w="9525">
                   <a:solidFill>
                     <a:srgbClr val="000000"/>
                   </a:solidFill>
@@ -33283,14 +32910,14 @@
             </a:ln>
             <a:extLst>
               <a:ext uri="{909E8E84-426E-40dd-AFC4-6F175D3DCCD1}">
-                <a14:hiddenFill xmlns:a14="http://schemas.microsoft.com/office/drawing/2010/main" xmlns="">
+                <a14:hiddenFill xmlns="" xmlns:a14="http://schemas.microsoft.com/office/drawing/2010/main">
                   <a:solidFill>
                     <a:srgbClr val="FFFFFF"/>
                   </a:solidFill>
                 </a14:hiddenFill>
               </a:ext>
               <a:ext uri="{91240B29-F687-4f45-9708-019B960494DF}">
-                <a14:hiddenLine xmlns:a14="http://schemas.microsoft.com/office/drawing/2010/main" xmlns="" w="9525">
+                <a14:hiddenLine xmlns="" xmlns:a14="http://schemas.microsoft.com/office/drawing/2010/main" w="9525">
                   <a:solidFill>
                     <a:srgbClr val="000000"/>
                   </a:solidFill>
@@ -33371,14 +32998,14 @@
             </a:ln>
             <a:extLst>
               <a:ext uri="{909E8E84-426E-40dd-AFC4-6F175D3DCCD1}">
-                <a14:hiddenFill xmlns:a14="http://schemas.microsoft.com/office/drawing/2010/main" xmlns="">
+                <a14:hiddenFill xmlns="" xmlns:a14="http://schemas.microsoft.com/office/drawing/2010/main">
                   <a:solidFill>
                     <a:srgbClr val="FFFFFF"/>
                   </a:solidFill>
                 </a14:hiddenFill>
               </a:ext>
               <a:ext uri="{91240B29-F687-4f45-9708-019B960494DF}">
-                <a14:hiddenLine xmlns:a14="http://schemas.microsoft.com/office/drawing/2010/main" xmlns="" w="9525">
+                <a14:hiddenLine xmlns="" xmlns:a14="http://schemas.microsoft.com/office/drawing/2010/main" w="9525">
                   <a:solidFill>
                     <a:srgbClr val="000000"/>
                   </a:solidFill>
@@ -33438,14 +33065,14 @@
             </a:ln>
             <a:extLst>
               <a:ext uri="{909E8E84-426E-40dd-AFC4-6F175D3DCCD1}">
-                <a14:hiddenFill xmlns:a14="http://schemas.microsoft.com/office/drawing/2010/main" xmlns="">
+                <a14:hiddenFill xmlns="" xmlns:a14="http://schemas.microsoft.com/office/drawing/2010/main">
                   <a:solidFill>
                     <a:srgbClr val="FFFFFF"/>
                   </a:solidFill>
                 </a14:hiddenFill>
               </a:ext>
               <a:ext uri="{91240B29-F687-4f45-9708-019B960494DF}">
-                <a14:hiddenLine xmlns:a14="http://schemas.microsoft.com/office/drawing/2010/main" xmlns="" w="9525">
+                <a14:hiddenLine xmlns="" xmlns:a14="http://schemas.microsoft.com/office/drawing/2010/main" w="9525">
                   <a:solidFill>
                     <a:srgbClr val="000000"/>
                   </a:solidFill>
@@ -33505,14 +33132,14 @@
             </a:ln>
             <a:extLst>
               <a:ext uri="{909E8E84-426E-40dd-AFC4-6F175D3DCCD1}">
-                <a14:hiddenFill xmlns:a14="http://schemas.microsoft.com/office/drawing/2010/main" xmlns="">
+                <a14:hiddenFill xmlns="" xmlns:a14="http://schemas.microsoft.com/office/drawing/2010/main">
                   <a:solidFill>
                     <a:srgbClr val="FFFFFF"/>
                   </a:solidFill>
                 </a14:hiddenFill>
               </a:ext>
               <a:ext uri="{91240B29-F687-4f45-9708-019B960494DF}">
-                <a14:hiddenLine xmlns:a14="http://schemas.microsoft.com/office/drawing/2010/main" xmlns="" w="9525">
+                <a14:hiddenLine xmlns="" xmlns:a14="http://schemas.microsoft.com/office/drawing/2010/main" w="9525">
                   <a:solidFill>
                     <a:srgbClr val="000000"/>
                   </a:solidFill>
@@ -33572,14 +33199,14 @@
             </a:ln>
             <a:extLst>
               <a:ext uri="{909E8E84-426E-40dd-AFC4-6F175D3DCCD1}">
-                <a14:hiddenFill xmlns:a14="http://schemas.microsoft.com/office/drawing/2010/main" xmlns="">
+                <a14:hiddenFill xmlns="" xmlns:a14="http://schemas.microsoft.com/office/drawing/2010/main">
                   <a:solidFill>
                     <a:srgbClr val="FFFFFF"/>
                   </a:solidFill>
                 </a14:hiddenFill>
               </a:ext>
               <a:ext uri="{91240B29-F687-4f45-9708-019B960494DF}">
-                <a14:hiddenLine xmlns:a14="http://schemas.microsoft.com/office/drawing/2010/main" xmlns="" w="9525">
+                <a14:hiddenLine xmlns="" xmlns:a14="http://schemas.microsoft.com/office/drawing/2010/main" w="9525">
                   <a:solidFill>
                     <a:srgbClr val="000000"/>
                   </a:solidFill>
@@ -33975,7 +33602,7 @@
           </a:ln>
           <a:extLst>
             <a:ext uri="{91240B29-F687-4f45-9708-019B960494DF}">
-              <a14:hiddenLine xmlns:a14="http://schemas.microsoft.com/office/drawing/2010/main" xmlns="" w="9525">
+              <a14:hiddenLine xmlns="" xmlns:a14="http://schemas.microsoft.com/office/drawing/2010/main" w="9525">
                 <a:solidFill>
                   <a:srgbClr val="000000"/>
                 </a:solidFill>
@@ -34035,14 +33662,14 @@
           </a:ln>
           <a:extLst>
             <a:ext uri="{909E8E84-426E-40dd-AFC4-6F175D3DCCD1}">
-              <a14:hiddenFill xmlns:a14="http://schemas.microsoft.com/office/drawing/2010/main" xmlns="">
+              <a14:hiddenFill xmlns="" xmlns:a14="http://schemas.microsoft.com/office/drawing/2010/main">
                 <a:solidFill>
                   <a:srgbClr val="FFFFFF"/>
                 </a:solidFill>
               </a14:hiddenFill>
             </a:ext>
             <a:ext uri="{91240B29-F687-4f45-9708-019B960494DF}">
-              <a14:hiddenLine xmlns:a14="http://schemas.microsoft.com/office/drawing/2010/main" xmlns="" w="9525">
+              <a14:hiddenLine xmlns="" xmlns:a14="http://schemas.microsoft.com/office/drawing/2010/main" w="9525">
                 <a:solidFill>
                   <a:srgbClr val="000000"/>
                 </a:solidFill>
@@ -34171,7 +33798,7 @@
           </a:ln>
           <a:extLst>
             <a:ext uri="{91240B29-F687-4f45-9708-019B960494DF}">
-              <a14:hiddenLine xmlns:a14="http://schemas.microsoft.com/office/drawing/2010/main" xmlns="" w="9525">
+              <a14:hiddenLine xmlns="" xmlns:a14="http://schemas.microsoft.com/office/drawing/2010/main" w="9525">
                 <a:solidFill>
                   <a:srgbClr val="000000"/>
                 </a:solidFill>
@@ -34316,7 +33943,7 @@
           </a:ln>
           <a:extLst>
             <a:ext uri="{91240B29-F687-4f45-9708-019B960494DF}">
-              <a14:hiddenLine xmlns:a14="http://schemas.microsoft.com/office/drawing/2010/main" xmlns="" w="9525">
+              <a14:hiddenLine xmlns="" xmlns:a14="http://schemas.microsoft.com/office/drawing/2010/main" w="9525">
                 <a:solidFill>
                   <a:srgbClr val="000000"/>
                 </a:solidFill>
@@ -34525,7 +34152,7 @@
           </a:ln>
           <a:extLst>
             <a:ext uri="{91240B29-F687-4f45-9708-019B960494DF}">
-              <a14:hiddenLine xmlns:a14="http://schemas.microsoft.com/office/drawing/2010/main" xmlns="" w="9525">
+              <a14:hiddenLine xmlns="" xmlns:a14="http://schemas.microsoft.com/office/drawing/2010/main" w="9525">
                 <a:solidFill>
                   <a:srgbClr val="000000"/>
                 </a:solidFill>
@@ -34585,14 +34212,14 @@
           </a:ln>
           <a:extLst>
             <a:ext uri="{909E8E84-426E-40dd-AFC4-6F175D3DCCD1}">
-              <a14:hiddenFill xmlns:a14="http://schemas.microsoft.com/office/drawing/2010/main" xmlns="">
+              <a14:hiddenFill xmlns="" xmlns:a14="http://schemas.microsoft.com/office/drawing/2010/main">
                 <a:solidFill>
                   <a:srgbClr val="FFFFFF"/>
                 </a:solidFill>
               </a14:hiddenFill>
             </a:ext>
             <a:ext uri="{91240B29-F687-4f45-9708-019B960494DF}">
-              <a14:hiddenLine xmlns:a14="http://schemas.microsoft.com/office/drawing/2010/main" xmlns="" w="9525">
+              <a14:hiddenLine xmlns="" xmlns:a14="http://schemas.microsoft.com/office/drawing/2010/main" w="9525">
                 <a:solidFill>
                   <a:srgbClr val="000000"/>
                 </a:solidFill>
@@ -34751,7 +34378,7 @@
           </a:ln>
           <a:extLst>
             <a:ext uri="{91240B29-F687-4f45-9708-019B960494DF}">
-              <a14:hiddenLine xmlns:a14="http://schemas.microsoft.com/office/drawing/2010/main" xmlns="" w="9525">
+              <a14:hiddenLine xmlns="" xmlns:a14="http://schemas.microsoft.com/office/drawing/2010/main" w="9525">
                 <a:solidFill>
                   <a:srgbClr val="000000"/>
                 </a:solidFill>
@@ -34937,7 +34564,7 @@
           </a:ln>
           <a:extLst>
             <a:ext uri="{91240B29-F687-4f45-9708-019B960494DF}">
-              <a14:hiddenLine xmlns:a14="http://schemas.microsoft.com/office/drawing/2010/main" xmlns="" w="9525">
+              <a14:hiddenLine xmlns="" xmlns:a14="http://schemas.microsoft.com/office/drawing/2010/main" w="9525">
                 <a:solidFill>
                   <a:srgbClr val="000000"/>
                 </a:solidFill>
@@ -35156,7 +34783,7 @@
           </a:ln>
           <a:extLst>
             <a:ext uri="{91240B29-F687-4f45-9708-019B960494DF}">
-              <a14:hiddenLine xmlns:a14="http://schemas.microsoft.com/office/drawing/2010/main" xmlns="" w="9525">
+              <a14:hiddenLine xmlns="" xmlns:a14="http://schemas.microsoft.com/office/drawing/2010/main" w="9525">
                 <a:solidFill>
                   <a:srgbClr val="000000"/>
                 </a:solidFill>
@@ -35365,7 +34992,7 @@
           </a:ln>
           <a:extLst>
             <a:ext uri="{91240B29-F687-4f45-9708-019B960494DF}">
-              <a14:hiddenLine xmlns:a14="http://schemas.microsoft.com/office/drawing/2010/main" xmlns="" w="9525">
+              <a14:hiddenLine xmlns="" xmlns:a14="http://schemas.microsoft.com/office/drawing/2010/main" w="9525">
                 <a:solidFill>
                   <a:srgbClr val="000000"/>
                 </a:solidFill>
@@ -36260,14 +35887,14 @@
               </a:ln>
               <a:extLst>
                 <a:ext uri="{909E8E84-426E-40dd-AFC4-6F175D3DCCD1}">
-                  <a14:hiddenFill xmlns="" xmlns:a14="http://schemas.microsoft.com/office/drawing/2010/main">
+                  <a14:hiddenFill xmlns:a14="http://schemas.microsoft.com/office/drawing/2010/main" xmlns="">
                     <a:solidFill>
                       <a:srgbClr val="FFFFFF"/>
                     </a:solidFill>
                   </a14:hiddenFill>
                 </a:ext>
                 <a:ext uri="{91240B29-F687-4f45-9708-019B960494DF}">
-                  <a14:hiddenLine xmlns="" xmlns:a14="http://schemas.microsoft.com/office/drawing/2010/main" w="9525">
+                  <a14:hiddenLine xmlns:a14="http://schemas.microsoft.com/office/drawing/2010/main" xmlns="" w="9525">
                     <a:solidFill>
                       <a:srgbClr val="000000"/>
                     </a:solidFill>
@@ -37436,14 +37063,14 @@
               </a:ln>
               <a:extLst>
                 <a:ext uri="{909E8E84-426E-40dd-AFC4-6F175D3DCCD1}">
-                  <a14:hiddenFill xmlns="" xmlns:a14="http://schemas.microsoft.com/office/drawing/2010/main">
+                  <a14:hiddenFill xmlns:a14="http://schemas.microsoft.com/office/drawing/2010/main" xmlns="">
                     <a:solidFill>
                       <a:srgbClr val="FFFFFF"/>
                     </a:solidFill>
                   </a14:hiddenFill>
                 </a:ext>
                 <a:ext uri="{91240B29-F687-4f45-9708-019B960494DF}">
-                  <a14:hiddenLine xmlns="" xmlns:a14="http://schemas.microsoft.com/office/drawing/2010/main" w="9525">
+                  <a14:hiddenLine xmlns:a14="http://schemas.microsoft.com/office/drawing/2010/main" xmlns="" w="9525">
                     <a:solidFill>
                       <a:srgbClr val="000000"/>
                     </a:solidFill>
@@ -38180,7 +37807,7 @@
           </a:ln>
           <a:extLst>
             <a:ext uri="{91240B29-F687-4f45-9708-019B960494DF}">
-              <a14:hiddenLine xmlns="" xmlns:a14="http://schemas.microsoft.com/office/drawing/2010/main" w="9525">
+              <a14:hiddenLine xmlns:a14="http://schemas.microsoft.com/office/drawing/2010/main" xmlns="" w="9525">
                 <a:solidFill>
                   <a:srgbClr val="000000"/>
                 </a:solidFill>
@@ -38579,14 +38206,14 @@
             </a:ln>
             <a:extLst>
               <a:ext uri="{909E8E84-426E-40dd-AFC4-6F175D3DCCD1}">
-                <a14:hiddenFill xmlns:a14="http://schemas.microsoft.com/office/drawing/2010/main" xmlns="">
+                <a14:hiddenFill xmlns="" xmlns:a14="http://schemas.microsoft.com/office/drawing/2010/main">
                   <a:solidFill>
                     <a:srgbClr val="FFFFFF"/>
                   </a:solidFill>
                 </a14:hiddenFill>
               </a:ext>
               <a:ext uri="{91240B29-F687-4f45-9708-019B960494DF}">
-                <a14:hiddenLine xmlns:a14="http://schemas.microsoft.com/office/drawing/2010/main" xmlns="" w="9525">
+                <a14:hiddenLine xmlns="" xmlns:a14="http://schemas.microsoft.com/office/drawing/2010/main" w="9525">
                   <a:solidFill>
                     <a:srgbClr val="000000"/>
                   </a:solidFill>
@@ -38646,14 +38273,14 @@
             </a:ln>
             <a:extLst>
               <a:ext uri="{909E8E84-426E-40dd-AFC4-6F175D3DCCD1}">
-                <a14:hiddenFill xmlns:a14="http://schemas.microsoft.com/office/drawing/2010/main" xmlns="">
+                <a14:hiddenFill xmlns="" xmlns:a14="http://schemas.microsoft.com/office/drawing/2010/main">
                   <a:solidFill>
                     <a:srgbClr val="FFFFFF"/>
                   </a:solidFill>
                 </a14:hiddenFill>
               </a:ext>
               <a:ext uri="{91240B29-F687-4f45-9708-019B960494DF}">
-                <a14:hiddenLine xmlns:a14="http://schemas.microsoft.com/office/drawing/2010/main" xmlns="" w="9525">
+                <a14:hiddenLine xmlns="" xmlns:a14="http://schemas.microsoft.com/office/drawing/2010/main" w="9525">
                   <a:solidFill>
                     <a:srgbClr val="000000"/>
                   </a:solidFill>
@@ -38713,14 +38340,14 @@
             </a:ln>
             <a:extLst>
               <a:ext uri="{909E8E84-426E-40dd-AFC4-6F175D3DCCD1}">
-                <a14:hiddenFill xmlns:a14="http://schemas.microsoft.com/office/drawing/2010/main" xmlns="">
+                <a14:hiddenFill xmlns="" xmlns:a14="http://schemas.microsoft.com/office/drawing/2010/main">
                   <a:solidFill>
                     <a:srgbClr val="FFFFFF"/>
                   </a:solidFill>
                 </a14:hiddenFill>
               </a:ext>
               <a:ext uri="{91240B29-F687-4f45-9708-019B960494DF}">
-                <a14:hiddenLine xmlns:a14="http://schemas.microsoft.com/office/drawing/2010/main" xmlns="" w="9525">
+                <a14:hiddenLine xmlns="" xmlns:a14="http://schemas.microsoft.com/office/drawing/2010/main" w="9525">
                   <a:solidFill>
                     <a:srgbClr val="000000"/>
                   </a:solidFill>
@@ -38780,14 +38407,14 @@
             </a:ln>
             <a:extLst>
               <a:ext uri="{909E8E84-426E-40dd-AFC4-6F175D3DCCD1}">
-                <a14:hiddenFill xmlns:a14="http://schemas.microsoft.com/office/drawing/2010/main" xmlns="">
+                <a14:hiddenFill xmlns="" xmlns:a14="http://schemas.microsoft.com/office/drawing/2010/main">
                   <a:solidFill>
                     <a:srgbClr val="FFFFFF"/>
                   </a:solidFill>
                 </a14:hiddenFill>
               </a:ext>
               <a:ext uri="{91240B29-F687-4f45-9708-019B960494DF}">
-                <a14:hiddenLine xmlns:a14="http://schemas.microsoft.com/office/drawing/2010/main" xmlns="" w="9525">
+                <a14:hiddenLine xmlns="" xmlns:a14="http://schemas.microsoft.com/office/drawing/2010/main" w="9525">
                   <a:solidFill>
                     <a:srgbClr val="000000"/>
                   </a:solidFill>
@@ -38868,14 +38495,14 @@
             </a:ln>
             <a:extLst>
               <a:ext uri="{909E8E84-426E-40dd-AFC4-6F175D3DCCD1}">
-                <a14:hiddenFill xmlns:a14="http://schemas.microsoft.com/office/drawing/2010/main" xmlns="">
+                <a14:hiddenFill xmlns="" xmlns:a14="http://schemas.microsoft.com/office/drawing/2010/main">
                   <a:solidFill>
                     <a:srgbClr val="FFFFFF"/>
                   </a:solidFill>
                 </a14:hiddenFill>
               </a:ext>
               <a:ext uri="{91240B29-F687-4f45-9708-019B960494DF}">
-                <a14:hiddenLine xmlns:a14="http://schemas.microsoft.com/office/drawing/2010/main" xmlns="" w="9525">
+                <a14:hiddenLine xmlns="" xmlns:a14="http://schemas.microsoft.com/office/drawing/2010/main" w="9525">
                   <a:solidFill>
                     <a:srgbClr val="000000"/>
                   </a:solidFill>
@@ -38935,14 +38562,14 @@
             </a:ln>
             <a:extLst>
               <a:ext uri="{909E8E84-426E-40dd-AFC4-6F175D3DCCD1}">
-                <a14:hiddenFill xmlns:a14="http://schemas.microsoft.com/office/drawing/2010/main" xmlns="">
+                <a14:hiddenFill xmlns="" xmlns:a14="http://schemas.microsoft.com/office/drawing/2010/main">
                   <a:solidFill>
                     <a:srgbClr val="FFFFFF"/>
                   </a:solidFill>
                 </a14:hiddenFill>
               </a:ext>
               <a:ext uri="{91240B29-F687-4f45-9708-019B960494DF}">
-                <a14:hiddenLine xmlns:a14="http://schemas.microsoft.com/office/drawing/2010/main" xmlns="" w="9525">
+                <a14:hiddenLine xmlns="" xmlns:a14="http://schemas.microsoft.com/office/drawing/2010/main" w="9525">
                   <a:solidFill>
                     <a:srgbClr val="000000"/>
                   </a:solidFill>
@@ -39002,14 +38629,14 @@
             </a:ln>
             <a:extLst>
               <a:ext uri="{909E8E84-426E-40dd-AFC4-6F175D3DCCD1}">
-                <a14:hiddenFill xmlns:a14="http://schemas.microsoft.com/office/drawing/2010/main" xmlns="">
+                <a14:hiddenFill xmlns="" xmlns:a14="http://schemas.microsoft.com/office/drawing/2010/main">
                   <a:solidFill>
                     <a:srgbClr val="FFFFFF"/>
                   </a:solidFill>
                 </a14:hiddenFill>
               </a:ext>
               <a:ext uri="{91240B29-F687-4f45-9708-019B960494DF}">
-                <a14:hiddenLine xmlns:a14="http://schemas.microsoft.com/office/drawing/2010/main" xmlns="" w="9525">
+                <a14:hiddenLine xmlns="" xmlns:a14="http://schemas.microsoft.com/office/drawing/2010/main" w="9525">
                   <a:solidFill>
                     <a:srgbClr val="000000"/>
                   </a:solidFill>
@@ -39069,14 +38696,14 @@
             </a:ln>
             <a:extLst>
               <a:ext uri="{909E8E84-426E-40dd-AFC4-6F175D3DCCD1}">
-                <a14:hiddenFill xmlns:a14="http://schemas.microsoft.com/office/drawing/2010/main" xmlns="">
+                <a14:hiddenFill xmlns="" xmlns:a14="http://schemas.microsoft.com/office/drawing/2010/main">
                   <a:solidFill>
                     <a:srgbClr val="FFFFFF"/>
                   </a:solidFill>
                 </a14:hiddenFill>
               </a:ext>
               <a:ext uri="{91240B29-F687-4f45-9708-019B960494DF}">
-                <a14:hiddenLine xmlns:a14="http://schemas.microsoft.com/office/drawing/2010/main" xmlns="" w="9525">
+                <a14:hiddenLine xmlns="" xmlns:a14="http://schemas.microsoft.com/office/drawing/2010/main" w="9525">
                   <a:solidFill>
                     <a:srgbClr val="000000"/>
                   </a:solidFill>
@@ -39472,7 +39099,7 @@
           </a:ln>
           <a:extLst>
             <a:ext uri="{91240B29-F687-4f45-9708-019B960494DF}">
-              <a14:hiddenLine xmlns:a14="http://schemas.microsoft.com/office/drawing/2010/main" xmlns="" w="9525">
+              <a14:hiddenLine xmlns="" xmlns:a14="http://schemas.microsoft.com/office/drawing/2010/main" w="9525">
                 <a:solidFill>
                   <a:srgbClr val="000000"/>
                 </a:solidFill>
@@ -39532,14 +39159,14 @@
           </a:ln>
           <a:extLst>
             <a:ext uri="{909E8E84-426E-40dd-AFC4-6F175D3DCCD1}">
-              <a14:hiddenFill xmlns:a14="http://schemas.microsoft.com/office/drawing/2010/main" xmlns="">
+              <a14:hiddenFill xmlns="" xmlns:a14="http://schemas.microsoft.com/office/drawing/2010/main">
                 <a:solidFill>
                   <a:srgbClr val="FFFFFF"/>
                 </a:solidFill>
               </a14:hiddenFill>
             </a:ext>
             <a:ext uri="{91240B29-F687-4f45-9708-019B960494DF}">
-              <a14:hiddenLine xmlns:a14="http://schemas.microsoft.com/office/drawing/2010/main" xmlns="" w="9525">
+              <a14:hiddenLine xmlns="" xmlns:a14="http://schemas.microsoft.com/office/drawing/2010/main" w="9525">
                 <a:solidFill>
                   <a:srgbClr val="000000"/>
                 </a:solidFill>
@@ -39668,7 +39295,7 @@
           </a:ln>
           <a:extLst>
             <a:ext uri="{91240B29-F687-4f45-9708-019B960494DF}">
-              <a14:hiddenLine xmlns:a14="http://schemas.microsoft.com/office/drawing/2010/main" xmlns="" w="9525">
+              <a14:hiddenLine xmlns="" xmlns:a14="http://schemas.microsoft.com/office/drawing/2010/main" w="9525">
                 <a:solidFill>
                   <a:srgbClr val="000000"/>
                 </a:solidFill>
@@ -39813,7 +39440,7 @@
           </a:ln>
           <a:extLst>
             <a:ext uri="{91240B29-F687-4f45-9708-019B960494DF}">
-              <a14:hiddenLine xmlns:a14="http://schemas.microsoft.com/office/drawing/2010/main" xmlns="" w="9525">
+              <a14:hiddenLine xmlns="" xmlns:a14="http://schemas.microsoft.com/office/drawing/2010/main" w="9525">
                 <a:solidFill>
                   <a:srgbClr val="000000"/>
                 </a:solidFill>
@@ -40022,7 +39649,7 @@
           </a:ln>
           <a:extLst>
             <a:ext uri="{91240B29-F687-4f45-9708-019B960494DF}">
-              <a14:hiddenLine xmlns:a14="http://schemas.microsoft.com/office/drawing/2010/main" xmlns="" w="9525">
+              <a14:hiddenLine xmlns="" xmlns:a14="http://schemas.microsoft.com/office/drawing/2010/main" w="9525">
                 <a:solidFill>
                   <a:srgbClr val="000000"/>
                 </a:solidFill>
@@ -40082,14 +39709,14 @@
           </a:ln>
           <a:extLst>
             <a:ext uri="{909E8E84-426E-40dd-AFC4-6F175D3DCCD1}">
-              <a14:hiddenFill xmlns:a14="http://schemas.microsoft.com/office/drawing/2010/main" xmlns="">
+              <a14:hiddenFill xmlns="" xmlns:a14="http://schemas.microsoft.com/office/drawing/2010/main">
                 <a:solidFill>
                   <a:srgbClr val="FFFFFF"/>
                 </a:solidFill>
               </a14:hiddenFill>
             </a:ext>
             <a:ext uri="{91240B29-F687-4f45-9708-019B960494DF}">
-              <a14:hiddenLine xmlns:a14="http://schemas.microsoft.com/office/drawing/2010/main" xmlns="" w="9525">
+              <a14:hiddenLine xmlns="" xmlns:a14="http://schemas.microsoft.com/office/drawing/2010/main" w="9525">
                 <a:solidFill>
                   <a:srgbClr val="000000"/>
                 </a:solidFill>
@@ -40248,7 +39875,7 @@
           </a:ln>
           <a:extLst>
             <a:ext uri="{91240B29-F687-4f45-9708-019B960494DF}">
-              <a14:hiddenLine xmlns:a14="http://schemas.microsoft.com/office/drawing/2010/main" xmlns="" w="9525">
+              <a14:hiddenLine xmlns="" xmlns:a14="http://schemas.microsoft.com/office/drawing/2010/main" w="9525">
                 <a:solidFill>
                   <a:srgbClr val="000000"/>
                 </a:solidFill>
@@ -40434,7 +40061,7 @@
           </a:ln>
           <a:extLst>
             <a:ext uri="{91240B29-F687-4f45-9708-019B960494DF}">
-              <a14:hiddenLine xmlns:a14="http://schemas.microsoft.com/office/drawing/2010/main" xmlns="" w="9525">
+              <a14:hiddenLine xmlns="" xmlns:a14="http://schemas.microsoft.com/office/drawing/2010/main" w="9525">
                 <a:solidFill>
                   <a:srgbClr val="000000"/>
                 </a:solidFill>
@@ -40653,7 +40280,7 @@
           </a:ln>
           <a:extLst>
             <a:ext uri="{91240B29-F687-4f45-9708-019B960494DF}">
-              <a14:hiddenLine xmlns:a14="http://schemas.microsoft.com/office/drawing/2010/main" xmlns="" w="9525">
+              <a14:hiddenLine xmlns="" xmlns:a14="http://schemas.microsoft.com/office/drawing/2010/main" w="9525">
                 <a:solidFill>
                   <a:srgbClr val="000000"/>
                 </a:solidFill>
@@ -40862,7 +40489,7 @@
           </a:ln>
           <a:extLst>
             <a:ext uri="{91240B29-F687-4f45-9708-019B960494DF}">
-              <a14:hiddenLine xmlns:a14="http://schemas.microsoft.com/office/drawing/2010/main" xmlns="" w="9525">
+              <a14:hiddenLine xmlns="" xmlns:a14="http://schemas.microsoft.com/office/drawing/2010/main" w="9525">
                 <a:solidFill>
                   <a:srgbClr val="000000"/>
                 </a:solidFill>
@@ -41793,14 +41420,14 @@
               </a:ln>
               <a:extLst>
                 <a:ext uri="{909E8E84-426E-40dd-AFC4-6F175D3DCCD1}">
-                  <a14:hiddenFill xmlns="" xmlns:a14="http://schemas.microsoft.com/office/drawing/2010/main">
+                  <a14:hiddenFill xmlns:a14="http://schemas.microsoft.com/office/drawing/2010/main" xmlns="">
                     <a:solidFill>
                       <a:srgbClr val="FFFFFF"/>
                     </a:solidFill>
                   </a14:hiddenFill>
                 </a:ext>
                 <a:ext uri="{91240B29-F687-4f45-9708-019B960494DF}">
-                  <a14:hiddenLine xmlns="" xmlns:a14="http://schemas.microsoft.com/office/drawing/2010/main" w="9525">
+                  <a14:hiddenLine xmlns:a14="http://schemas.microsoft.com/office/drawing/2010/main" xmlns="" w="9525">
                     <a:solidFill>
                       <a:srgbClr val="000000"/>
                     </a:solidFill>
@@ -42969,14 +42596,14 @@
               </a:ln>
               <a:extLst>
                 <a:ext uri="{909E8E84-426E-40dd-AFC4-6F175D3DCCD1}">
-                  <a14:hiddenFill xmlns="" xmlns:a14="http://schemas.microsoft.com/office/drawing/2010/main">
+                  <a14:hiddenFill xmlns:a14="http://schemas.microsoft.com/office/drawing/2010/main" xmlns="">
                     <a:solidFill>
                       <a:srgbClr val="FFFFFF"/>
                     </a:solidFill>
                   </a14:hiddenFill>
                 </a:ext>
                 <a:ext uri="{91240B29-F687-4f45-9708-019B960494DF}">
-                  <a14:hiddenLine xmlns="" xmlns:a14="http://schemas.microsoft.com/office/drawing/2010/main" w="9525">
+                  <a14:hiddenLine xmlns:a14="http://schemas.microsoft.com/office/drawing/2010/main" xmlns="" w="9525">
                     <a:solidFill>
                       <a:srgbClr val="000000"/>
                     </a:solidFill>
@@ -43733,7 +43360,7 @@
             </a:ln>
             <a:extLst>
               <a:ext uri="{91240B29-F687-4f45-9708-019B960494DF}">
-                <a14:hiddenLine xmlns="" xmlns:a14="http://schemas.microsoft.com/office/drawing/2010/main" w="9525">
+                <a14:hiddenLine xmlns:a14="http://schemas.microsoft.com/office/drawing/2010/main" xmlns="" w="9525">
                   <a:solidFill>
                     <a:srgbClr val="000000"/>
                   </a:solidFill>
@@ -44264,7 +43891,7 @@
             </a:ln>
             <a:extLst>
               <a:ext uri="{91240B29-F687-4f45-9708-019B960494DF}">
-                <a14:hiddenLine xmlns="" xmlns:a14="http://schemas.microsoft.com/office/drawing/2010/main" w="9525">
+                <a14:hiddenLine xmlns:a14="http://schemas.microsoft.com/office/drawing/2010/main" xmlns="" w="9525">
                   <a:solidFill>
                     <a:srgbClr val="000000"/>
                   </a:solidFill>
@@ -44680,14 +44307,14 @@
               </a:ln>
               <a:extLst>
                 <a:ext uri="{909E8E84-426E-40dd-AFC4-6F175D3DCCD1}">
-                  <a14:hiddenFill xmlns="" xmlns:a14="http://schemas.microsoft.com/office/drawing/2010/main">
+                  <a14:hiddenFill xmlns:a14="http://schemas.microsoft.com/office/drawing/2010/main" xmlns="">
                     <a:solidFill>
                       <a:srgbClr val="FFFFFF"/>
                     </a:solidFill>
                   </a14:hiddenFill>
                 </a:ext>
                 <a:ext uri="{91240B29-F687-4f45-9708-019B960494DF}">
-                  <a14:hiddenLine xmlns="" xmlns:a14="http://schemas.microsoft.com/office/drawing/2010/main" w="9525">
+                  <a14:hiddenLine xmlns:a14="http://schemas.microsoft.com/office/drawing/2010/main" xmlns="" w="9525">
                     <a:solidFill>
                       <a:srgbClr val="000000"/>
                     </a:solidFill>
@@ -45201,14 +44828,14 @@
               </a:ln>
               <a:extLst>
                 <a:ext uri="{909E8E84-426E-40dd-AFC4-6F175D3DCCD1}">
-                  <a14:hiddenFill xmlns="" xmlns:a14="http://schemas.microsoft.com/office/drawing/2010/main">
+                  <a14:hiddenFill xmlns:a14="http://schemas.microsoft.com/office/drawing/2010/main" xmlns="">
                     <a:solidFill>
                       <a:srgbClr val="FFFFFF"/>
                     </a:solidFill>
                   </a14:hiddenFill>
                 </a:ext>
                 <a:ext uri="{91240B29-F687-4f45-9708-019B960494DF}">
-                  <a14:hiddenLine xmlns="" xmlns:a14="http://schemas.microsoft.com/office/drawing/2010/main" w="9525">
+                  <a14:hiddenLine xmlns:a14="http://schemas.microsoft.com/office/drawing/2010/main" xmlns="" w="9525">
                     <a:solidFill>
                       <a:srgbClr val="000000"/>
                     </a:solidFill>
@@ -46043,7 +45670,7 @@
               </a:ln>
               <a:extLst>
                 <a:ext uri="{91240B29-F687-4f45-9708-019B960494DF}">
-                  <a14:hiddenLine xmlns="" xmlns:a14="http://schemas.microsoft.com/office/drawing/2010/main" w="9525">
+                  <a14:hiddenLine xmlns:a14="http://schemas.microsoft.com/office/drawing/2010/main" xmlns="" w="9525">
                     <a:solidFill>
                       <a:srgbClr val="000000"/>
                     </a:solidFill>
@@ -46103,14 +45730,14 @@
               </a:ln>
               <a:extLst>
                 <a:ext uri="{909E8E84-426E-40dd-AFC4-6F175D3DCCD1}">
-                  <a14:hiddenFill xmlns="" xmlns:a14="http://schemas.microsoft.com/office/drawing/2010/main">
+                  <a14:hiddenFill xmlns:a14="http://schemas.microsoft.com/office/drawing/2010/main" xmlns="">
                     <a:solidFill>
                       <a:srgbClr val="FFFFFF"/>
                     </a:solidFill>
                   </a14:hiddenFill>
                 </a:ext>
                 <a:ext uri="{91240B29-F687-4f45-9708-019B960494DF}">
-                  <a14:hiddenLine xmlns="" xmlns:a14="http://schemas.microsoft.com/office/drawing/2010/main" w="9525">
+                  <a14:hiddenLine xmlns:a14="http://schemas.microsoft.com/office/drawing/2010/main" xmlns="" w="9525">
                     <a:solidFill>
                       <a:srgbClr val="000000"/>
                     </a:solidFill>
@@ -46239,7 +45866,7 @@
               </a:ln>
               <a:extLst>
                 <a:ext uri="{91240B29-F687-4f45-9708-019B960494DF}">
-                  <a14:hiddenLine xmlns="" xmlns:a14="http://schemas.microsoft.com/office/drawing/2010/main" w="9525">
+                  <a14:hiddenLine xmlns:a14="http://schemas.microsoft.com/office/drawing/2010/main" xmlns="" w="9525">
                     <a:solidFill>
                       <a:srgbClr val="000000"/>
                     </a:solidFill>
@@ -46384,7 +46011,7 @@
               </a:ln>
               <a:extLst>
                 <a:ext uri="{91240B29-F687-4f45-9708-019B960494DF}">
-                  <a14:hiddenLine xmlns="" xmlns:a14="http://schemas.microsoft.com/office/drawing/2010/main" w="9525">
+                  <a14:hiddenLine xmlns:a14="http://schemas.microsoft.com/office/drawing/2010/main" xmlns="" w="9525">
                     <a:solidFill>
                       <a:srgbClr val="000000"/>
                     </a:solidFill>
@@ -46593,7 +46220,7 @@
               </a:ln>
               <a:extLst>
                 <a:ext uri="{91240B29-F687-4f45-9708-019B960494DF}">
-                  <a14:hiddenLine xmlns="" xmlns:a14="http://schemas.microsoft.com/office/drawing/2010/main" w="9525">
+                  <a14:hiddenLine xmlns:a14="http://schemas.microsoft.com/office/drawing/2010/main" xmlns="" w="9525">
                     <a:solidFill>
                       <a:srgbClr val="000000"/>
                     </a:solidFill>
@@ -46773,7 +46400,7 @@
               </a:ln>
               <a:extLst>
                 <a:ext uri="{91240B29-F687-4f45-9708-019B960494DF}">
-                  <a14:hiddenLine xmlns="" xmlns:a14="http://schemas.microsoft.com/office/drawing/2010/main" w="9525">
+                  <a14:hiddenLine xmlns:a14="http://schemas.microsoft.com/office/drawing/2010/main" xmlns="" w="9525">
                     <a:solidFill>
                       <a:srgbClr val="000000"/>
                     </a:solidFill>
@@ -46959,7 +46586,7 @@
               </a:ln>
               <a:extLst>
                 <a:ext uri="{91240B29-F687-4f45-9708-019B960494DF}">
-                  <a14:hiddenLine xmlns="" xmlns:a14="http://schemas.microsoft.com/office/drawing/2010/main" w="9525">
+                  <a14:hiddenLine xmlns:a14="http://schemas.microsoft.com/office/drawing/2010/main" xmlns="" w="9525">
                     <a:solidFill>
                       <a:srgbClr val="000000"/>
                     </a:solidFill>
@@ -47178,7 +46805,7 @@
               </a:ln>
               <a:extLst>
                 <a:ext uri="{91240B29-F687-4f45-9708-019B960494DF}">
-                  <a14:hiddenLine xmlns="" xmlns:a14="http://schemas.microsoft.com/office/drawing/2010/main" w="9525">
+                  <a14:hiddenLine xmlns:a14="http://schemas.microsoft.com/office/drawing/2010/main" xmlns="" w="9525">
                     <a:solidFill>
                       <a:srgbClr val="000000"/>
                     </a:solidFill>
@@ -47387,7 +47014,7 @@
               </a:ln>
               <a:extLst>
                 <a:ext uri="{91240B29-F687-4f45-9708-019B960494DF}">
-                  <a14:hiddenLine xmlns="" xmlns:a14="http://schemas.microsoft.com/office/drawing/2010/main" w="9525">
+                  <a14:hiddenLine xmlns:a14="http://schemas.microsoft.com/office/drawing/2010/main" xmlns="" w="9525">
                     <a:solidFill>
                       <a:srgbClr val="000000"/>
                     </a:solidFill>
@@ -47789,8 +47416,8 @@
         </p:nvCxnSpPr>
         <p:spPr>
           <a:xfrm flipV="1">
-            <a:off x="8799155" y="9284824"/>
-            <a:ext cx="3181393" cy="2258407"/>
+            <a:off x="9187362" y="9284826"/>
+            <a:ext cx="2793186" cy="2513354"/>
           </a:xfrm>
           <a:prstGeom prst="line">
             <a:avLst/>
@@ -49810,6 +49437,3822 @@
           </a:extLst>
         </p:spPr>
       </p:pic>
+      <p:sp>
+        <p:nvSpPr>
+          <p:cNvPr id="438" name="Rounded Rectangle 38">
+            <a:extLst>
+              <a:ext uri="{FF2B5EF4-FFF2-40B4-BE49-F238E27FC236}">
+                <a16:creationId xmlns:a16="http://schemas.microsoft.com/office/drawing/2014/main" id="{DEF03DFF-1458-0643-98D0-8A732D71B4A6}"/>
+              </a:ext>
+            </a:extLst>
+          </p:cNvPr>
+          <p:cNvSpPr/>
+          <p:nvPr/>
+        </p:nvSpPr>
+        <p:spPr>
+          <a:xfrm>
+            <a:off x="11385268" y="10902084"/>
+            <a:ext cx="1615076" cy="2026279"/>
+          </a:xfrm>
+          <a:prstGeom prst="roundRect">
+            <a:avLst>
+              <a:gd name="adj" fmla="val 8285"/>
+            </a:avLst>
+          </a:prstGeom>
+          <a:solidFill>
+            <a:schemeClr val="bg1"/>
+          </a:solidFill>
+          <a:ln w="19050" cmpd="sng">
+            <a:solidFill>
+              <a:srgbClr val="4D4D4F"/>
+            </a:solidFill>
+          </a:ln>
+        </p:spPr>
+        <p:style>
+          <a:lnRef idx="2">
+            <a:schemeClr val="dk1"/>
+          </a:lnRef>
+          <a:fillRef idx="1">
+            <a:schemeClr val="lt1"/>
+          </a:fillRef>
+          <a:effectRef idx="0">
+            <a:schemeClr val="dk1"/>
+          </a:effectRef>
+          <a:fontRef idx="minor">
+            <a:schemeClr val="dk1"/>
+          </a:fontRef>
+        </p:style>
+        <p:txBody>
+          <a:bodyPr rtlCol="0" anchor="ctr"/>
+          <a:lstStyle/>
+          <a:p>
+            <a:pPr algn="ctr"/>
+            <a:endParaRPr lang="en-US" sz="2117"/>
+          </a:p>
+        </p:txBody>
+      </p:sp>
+      <p:sp>
+        <p:nvSpPr>
+          <p:cNvPr id="486" name="AutoShape 43">
+            <a:extLst>
+              <a:ext uri="{FF2B5EF4-FFF2-40B4-BE49-F238E27FC236}">
+                <a16:creationId xmlns:a16="http://schemas.microsoft.com/office/drawing/2014/main" id="{CB7DF17C-A4B1-7942-8D39-EF6535FC1E0F}"/>
+              </a:ext>
+            </a:extLst>
+          </p:cNvPr>
+          <p:cNvSpPr>
+            <a:spLocks noChangeAspect="1" noChangeArrowheads="1" noTextEdit="1"/>
+          </p:cNvSpPr>
+          <p:nvPr/>
+        </p:nvSpPr>
+        <p:spPr bwMode="auto">
+          <a:xfrm>
+            <a:off x="11991381" y="11588452"/>
+            <a:ext cx="342228" cy="162160"/>
+          </a:xfrm>
+          <a:prstGeom prst="rect">
+            <a:avLst/>
+          </a:prstGeom>
+          <a:noFill/>
+          <a:ln>
+            <a:noFill/>
+          </a:ln>
+          <a:extLst>
+            <a:ext uri="{909E8E84-426E-40dd-AFC4-6F175D3DCCD1}">
+              <a14:hiddenFill xmlns:a14="http://schemas.microsoft.com/office/drawing/2010/main" xmlns="">
+                <a:solidFill>
+                  <a:srgbClr val="FFFFFF"/>
+                </a:solidFill>
+              </a14:hiddenFill>
+            </a:ext>
+            <a:ext uri="{91240B29-F687-4f45-9708-019B960494DF}">
+              <a14:hiddenLine xmlns:a14="http://schemas.microsoft.com/office/drawing/2010/main" xmlns="" w="9525">
+                <a:solidFill>
+                  <a:srgbClr val="000000"/>
+                </a:solidFill>
+                <a:miter lim="800000"/>
+                <a:headEnd/>
+                <a:tailEnd/>
+              </a14:hiddenLine>
+            </a:ext>
+          </a:extLst>
+        </p:spPr>
+        <p:txBody>
+          <a:bodyPr vert="horz" wrap="square" lIns="91440" tIns="45720" rIns="91440" bIns="45720" numCol="1" anchor="t" anchorCtr="0" compatLnSpc="1">
+            <a:prstTxWarp prst="textNoShape">
+              <a:avLst/>
+            </a:prstTxWarp>
+          </a:bodyPr>
+          <a:lstStyle/>
+          <a:p>
+            <a:pPr defTabSz="914418">
+              <a:defRPr/>
+            </a:pPr>
+            <a:endParaRPr lang="en-US" sz="1600" kern="0">
+              <a:solidFill>
+                <a:srgbClr val="4D4F53"/>
+              </a:solidFill>
+              <a:latin typeface="Arial"/>
+              <a:cs typeface="Arial" panose="020B0604020202020204" pitchFamily="34" charset="0"/>
+            </a:endParaRPr>
+          </a:p>
+        </p:txBody>
+      </p:sp>
+      <p:grpSp>
+        <p:nvGrpSpPr>
+          <p:cNvPr id="519" name="Group 518">
+            <a:extLst>
+              <a:ext uri="{FF2B5EF4-FFF2-40B4-BE49-F238E27FC236}">
+                <a16:creationId xmlns:a16="http://schemas.microsoft.com/office/drawing/2014/main" id="{D12BCFD0-877A-1C4A-949B-C0CAA0EF10C9}"/>
+              </a:ext>
+            </a:extLst>
+          </p:cNvPr>
+          <p:cNvGrpSpPr/>
+          <p:nvPr/>
+        </p:nvGrpSpPr>
+        <p:grpSpPr>
+          <a:xfrm>
+            <a:off x="11617441" y="10802386"/>
+            <a:ext cx="1163264" cy="246221"/>
+            <a:chOff x="3052527" y="4614416"/>
+            <a:chExt cx="1163264" cy="246221"/>
+          </a:xfrm>
+        </p:grpSpPr>
+        <p:sp>
+          <p:nvSpPr>
+            <p:cNvPr id="521" name="Rounded Rectangle 37">
+              <a:extLst>
+                <a:ext uri="{FF2B5EF4-FFF2-40B4-BE49-F238E27FC236}">
+                  <a16:creationId xmlns:a16="http://schemas.microsoft.com/office/drawing/2014/main" id="{DE3BE798-5FD1-F844-B4B2-3625F77856C5}"/>
+                </a:ext>
+              </a:extLst>
+            </p:cNvPr>
+            <p:cNvSpPr/>
+            <p:nvPr/>
+          </p:nvSpPr>
+          <p:spPr>
+            <a:xfrm>
+              <a:off x="3052527" y="4642101"/>
+              <a:ext cx="1163264" cy="213937"/>
+            </a:xfrm>
+            <a:prstGeom prst="roundRect">
+              <a:avLst>
+                <a:gd name="adj" fmla="val 24315"/>
+              </a:avLst>
+            </a:prstGeom>
+            <a:solidFill>
+              <a:srgbClr val="4D4D4F"/>
+            </a:solidFill>
+            <a:ln w="25400">
+              <a:noFill/>
+            </a:ln>
+          </p:spPr>
+          <p:style>
+            <a:lnRef idx="2">
+              <a:schemeClr val="dk1"/>
+            </a:lnRef>
+            <a:fillRef idx="1">
+              <a:schemeClr val="lt1"/>
+            </a:fillRef>
+            <a:effectRef idx="0">
+              <a:schemeClr val="dk1"/>
+            </a:effectRef>
+            <a:fontRef idx="minor">
+              <a:schemeClr val="dk1"/>
+            </a:fontRef>
+          </p:style>
+          <p:txBody>
+            <a:bodyPr rtlCol="0" anchor="ctr"/>
+            <a:lstStyle/>
+            <a:p>
+              <a:pPr algn="ctr"/>
+              <a:endParaRPr lang="en-US" sz="1600">
+                <a:latin typeface="Arial" panose="020B0604020202020204" pitchFamily="34" charset="0"/>
+                <a:cs typeface="Arial" panose="020B0604020202020204" pitchFamily="34" charset="0"/>
+              </a:endParaRPr>
+            </a:p>
+          </p:txBody>
+        </p:sp>
+        <p:sp>
+          <p:nvSpPr>
+            <p:cNvPr id="538" name="TextBox 537">
+              <a:extLst>
+                <a:ext uri="{FF2B5EF4-FFF2-40B4-BE49-F238E27FC236}">
+                  <a16:creationId xmlns:a16="http://schemas.microsoft.com/office/drawing/2014/main" id="{14CFD974-C396-9047-9C1C-9E0275CF358E}"/>
+                </a:ext>
+              </a:extLst>
+            </p:cNvPr>
+            <p:cNvSpPr txBox="1"/>
+            <p:nvPr/>
+          </p:nvSpPr>
+          <p:spPr>
+            <a:xfrm>
+              <a:off x="3177565" y="4614416"/>
+              <a:ext cx="1010864" cy="246221"/>
+            </a:xfrm>
+            <a:prstGeom prst="rect">
+              <a:avLst/>
+            </a:prstGeom>
+            <a:noFill/>
+          </p:spPr>
+          <p:txBody>
+            <a:bodyPr wrap="square" rtlCol="0">
+              <a:spAutoFit/>
+            </a:bodyPr>
+            <a:lstStyle/>
+            <a:p>
+              <a:pPr algn="ctr"/>
+              <a:r>
+                <a:rPr lang="en-US" sz="1000" dirty="0">
+                  <a:solidFill>
+                    <a:schemeClr val="bg1"/>
+                  </a:solidFill>
+                  <a:latin typeface="Arial" panose="020B0604020202020204" pitchFamily="34" charset="0"/>
+                  <a:cs typeface="Arial" panose="020B0604020202020204" pitchFamily="34" charset="0"/>
+                </a:rPr>
+                <a:t>Dublin</a:t>
+              </a:r>
+            </a:p>
+          </p:txBody>
+        </p:sp>
+      </p:grpSp>
+      <p:cxnSp>
+        <p:nvCxnSpPr>
+          <p:cNvPr id="546" name="Straight Connector 545">
+            <a:extLst>
+              <a:ext uri="{FF2B5EF4-FFF2-40B4-BE49-F238E27FC236}">
+                <a16:creationId xmlns:a16="http://schemas.microsoft.com/office/drawing/2014/main" id="{E89F0BF4-3203-954C-A2B6-D2DCCEDC267D}"/>
+              </a:ext>
+            </a:extLst>
+          </p:cNvPr>
+          <p:cNvCxnSpPr>
+            <a:cxnSpLocks/>
+          </p:cNvCxnSpPr>
+          <p:nvPr/>
+        </p:nvCxnSpPr>
+        <p:spPr>
+          <a:xfrm flipV="1">
+            <a:off x="12178824" y="11096852"/>
+            <a:ext cx="11938" cy="994053"/>
+          </a:xfrm>
+          <a:prstGeom prst="line">
+            <a:avLst/>
+          </a:prstGeom>
+          <a:ln w="19050">
+            <a:solidFill>
+              <a:schemeClr val="accent6"/>
+            </a:solidFill>
+            <a:prstDash val="sysDot"/>
+          </a:ln>
+        </p:spPr>
+        <p:style>
+          <a:lnRef idx="1">
+            <a:schemeClr val="accent1"/>
+          </a:lnRef>
+          <a:fillRef idx="0">
+            <a:schemeClr val="accent1"/>
+          </a:fillRef>
+          <a:effectRef idx="0">
+            <a:schemeClr val="accent1"/>
+          </a:effectRef>
+          <a:fontRef idx="minor">
+            <a:schemeClr val="tx1"/>
+          </a:fontRef>
+        </p:style>
+      </p:cxnSp>
+      <p:grpSp>
+        <p:nvGrpSpPr>
+          <p:cNvPr id="547" name="Group 546">
+            <a:extLst>
+              <a:ext uri="{FF2B5EF4-FFF2-40B4-BE49-F238E27FC236}">
+                <a16:creationId xmlns:a16="http://schemas.microsoft.com/office/drawing/2014/main" id="{EAF796F3-87B8-8040-96E2-35E87CD060E6}"/>
+              </a:ext>
+            </a:extLst>
+          </p:cNvPr>
+          <p:cNvGrpSpPr/>
+          <p:nvPr/>
+        </p:nvGrpSpPr>
+        <p:grpSpPr>
+          <a:xfrm>
+            <a:off x="12017217" y="11098372"/>
+            <a:ext cx="342907" cy="167348"/>
+            <a:chOff x="832358" y="1066800"/>
+            <a:chExt cx="547180" cy="267040"/>
+          </a:xfrm>
+        </p:grpSpPr>
+        <p:sp>
+          <p:nvSpPr>
+            <p:cNvPr id="548" name="Freeform 5">
+              <a:extLst>
+                <a:ext uri="{FF2B5EF4-FFF2-40B4-BE49-F238E27FC236}">
+                  <a16:creationId xmlns:a16="http://schemas.microsoft.com/office/drawing/2014/main" id="{33607E9E-9E9E-EA43-BE1D-1B8F781C168A}"/>
+                </a:ext>
+              </a:extLst>
+            </p:cNvPr>
+            <p:cNvSpPr>
+              <a:spLocks/>
+            </p:cNvSpPr>
+            <p:nvPr/>
+          </p:nvSpPr>
+          <p:spPr bwMode="auto">
+            <a:xfrm>
+              <a:off x="832358" y="1075079"/>
+              <a:ext cx="544512" cy="258761"/>
+            </a:xfrm>
+            <a:custGeom>
+              <a:avLst/>
+              <a:gdLst>
+                <a:gd name="T0" fmla="*/ 403 w 403"/>
+                <a:gd name="T1" fmla="*/ 147 h 191"/>
+                <a:gd name="T2" fmla="*/ 359 w 403"/>
+                <a:gd name="T3" fmla="*/ 191 h 191"/>
+                <a:gd name="T4" fmla="*/ 44 w 403"/>
+                <a:gd name="T5" fmla="*/ 191 h 191"/>
+                <a:gd name="T6" fmla="*/ 0 w 403"/>
+                <a:gd name="T7" fmla="*/ 147 h 191"/>
+                <a:gd name="T8" fmla="*/ 0 w 403"/>
+                <a:gd name="T9" fmla="*/ 44 h 191"/>
+                <a:gd name="T10" fmla="*/ 44 w 403"/>
+                <a:gd name="T11" fmla="*/ 0 h 191"/>
+                <a:gd name="T12" fmla="*/ 359 w 403"/>
+                <a:gd name="T13" fmla="*/ 0 h 191"/>
+                <a:gd name="T14" fmla="*/ 403 w 403"/>
+                <a:gd name="T15" fmla="*/ 44 h 191"/>
+                <a:gd name="T16" fmla="*/ 403 w 403"/>
+                <a:gd name="T17" fmla="*/ 147 h 191"/>
+              </a:gdLst>
+              <a:ahLst/>
+              <a:cxnLst>
+                <a:cxn ang="0">
+                  <a:pos x="T0" y="T1"/>
+                </a:cxn>
+                <a:cxn ang="0">
+                  <a:pos x="T2" y="T3"/>
+                </a:cxn>
+                <a:cxn ang="0">
+                  <a:pos x="T4" y="T5"/>
+                </a:cxn>
+                <a:cxn ang="0">
+                  <a:pos x="T6" y="T7"/>
+                </a:cxn>
+                <a:cxn ang="0">
+                  <a:pos x="T8" y="T9"/>
+                </a:cxn>
+                <a:cxn ang="0">
+                  <a:pos x="T10" y="T11"/>
+                </a:cxn>
+                <a:cxn ang="0">
+                  <a:pos x="T12" y="T13"/>
+                </a:cxn>
+                <a:cxn ang="0">
+                  <a:pos x="T14" y="T15"/>
+                </a:cxn>
+                <a:cxn ang="0">
+                  <a:pos x="T16" y="T17"/>
+                </a:cxn>
+              </a:cxnLst>
+              <a:rect l="0" t="0" r="r" b="b"/>
+              <a:pathLst>
+                <a:path w="403" h="191">
+                  <a:moveTo>
+                    <a:pt x="403" y="147"/>
+                  </a:moveTo>
+                  <a:cubicBezTo>
+                    <a:pt x="403" y="171"/>
+                    <a:pt x="383" y="191"/>
+                    <a:pt x="359" y="191"/>
+                  </a:cubicBezTo>
+                  <a:cubicBezTo>
+                    <a:pt x="44" y="191"/>
+                    <a:pt x="44" y="191"/>
+                    <a:pt x="44" y="191"/>
+                  </a:cubicBezTo>
+                  <a:cubicBezTo>
+                    <a:pt x="20" y="191"/>
+                    <a:pt x="0" y="171"/>
+                    <a:pt x="0" y="147"/>
+                  </a:cubicBezTo>
+                  <a:cubicBezTo>
+                    <a:pt x="0" y="44"/>
+                    <a:pt x="0" y="44"/>
+                    <a:pt x="0" y="44"/>
+                  </a:cubicBezTo>
+                  <a:cubicBezTo>
+                    <a:pt x="0" y="20"/>
+                    <a:pt x="20" y="0"/>
+                    <a:pt x="44" y="0"/>
+                  </a:cubicBezTo>
+                  <a:cubicBezTo>
+                    <a:pt x="359" y="0"/>
+                    <a:pt x="359" y="0"/>
+                    <a:pt x="359" y="0"/>
+                  </a:cubicBezTo>
+                  <a:cubicBezTo>
+                    <a:pt x="383" y="0"/>
+                    <a:pt x="403" y="20"/>
+                    <a:pt x="403" y="44"/>
+                  </a:cubicBezTo>
+                  <a:lnTo>
+                    <a:pt x="403" y="147"/>
+                  </a:lnTo>
+                  <a:close/>
+                </a:path>
+              </a:pathLst>
+            </a:custGeom>
+            <a:solidFill>
+              <a:srgbClr val="073E77"/>
+            </a:solidFill>
+            <a:ln>
+              <a:noFill/>
+            </a:ln>
+            <a:extLst>
+              <a:ext uri="{91240B29-F687-4f45-9708-019B960494DF}">
+                <a14:hiddenLine xmlns:a14="http://schemas.microsoft.com/office/drawing/2010/main" xmlns="" w="9525">
+                  <a:solidFill>
+                    <a:srgbClr val="000000"/>
+                  </a:solidFill>
+                  <a:round/>
+                  <a:headEnd/>
+                  <a:tailEnd/>
+                </a14:hiddenLine>
+              </a:ext>
+            </a:extLst>
+          </p:spPr>
+          <p:txBody>
+            <a:bodyPr vert="horz" wrap="square" lIns="91440" tIns="45720" rIns="91440" bIns="45720" numCol="1" anchor="t" anchorCtr="0" compatLnSpc="1">
+              <a:prstTxWarp prst="textNoShape">
+                <a:avLst/>
+              </a:prstTxWarp>
+            </a:bodyPr>
+            <a:lstStyle/>
+            <a:p>
+              <a:pPr defTabSz="914418">
+                <a:defRPr/>
+              </a:pPr>
+              <a:endParaRPr lang="en-US" sz="1600" kern="0">
+                <a:solidFill>
+                  <a:srgbClr val="4D4F53"/>
+                </a:solidFill>
+                <a:latin typeface="Arial"/>
+                <a:cs typeface="Arial" panose="020B0604020202020204" pitchFamily="34" charset="0"/>
+              </a:endParaRPr>
+            </a:p>
+          </p:txBody>
+        </p:sp>
+        <p:sp>
+          <p:nvSpPr>
+            <p:cNvPr id="549" name="AutoShape 10">
+              <a:extLst>
+                <a:ext uri="{FF2B5EF4-FFF2-40B4-BE49-F238E27FC236}">
+                  <a16:creationId xmlns:a16="http://schemas.microsoft.com/office/drawing/2014/main" id="{179EEBAE-8448-5846-A7B7-CFDA4AD5FE64}"/>
+                </a:ext>
+              </a:extLst>
+            </p:cNvPr>
+            <p:cNvSpPr>
+              <a:spLocks noChangeAspect="1" noChangeArrowheads="1" noTextEdit="1"/>
+            </p:cNvSpPr>
+            <p:nvPr/>
+          </p:nvSpPr>
+          <p:spPr bwMode="auto">
+            <a:xfrm>
+              <a:off x="833439" y="1066800"/>
+              <a:ext cx="546099" cy="267040"/>
+            </a:xfrm>
+            <a:prstGeom prst="rect">
+              <a:avLst/>
+            </a:prstGeom>
+            <a:noFill/>
+            <a:ln>
+              <a:noFill/>
+            </a:ln>
+            <a:extLst>
+              <a:ext uri="{909E8E84-426E-40dd-AFC4-6F175D3DCCD1}">
+                <a14:hiddenFill xmlns:a14="http://schemas.microsoft.com/office/drawing/2010/main" xmlns="">
+                  <a:solidFill>
+                    <a:srgbClr val="FFFFFF"/>
+                  </a:solidFill>
+                </a14:hiddenFill>
+              </a:ext>
+              <a:ext uri="{91240B29-F687-4f45-9708-019B960494DF}">
+                <a14:hiddenLine xmlns:a14="http://schemas.microsoft.com/office/drawing/2010/main" xmlns="" w="9525">
+                  <a:solidFill>
+                    <a:srgbClr val="000000"/>
+                  </a:solidFill>
+                  <a:miter lim="800000"/>
+                  <a:headEnd/>
+                  <a:tailEnd/>
+                </a14:hiddenLine>
+              </a:ext>
+            </a:extLst>
+          </p:spPr>
+          <p:txBody>
+            <a:bodyPr vert="horz" wrap="square" lIns="91440" tIns="45720" rIns="91440" bIns="45720" numCol="1" anchor="t" anchorCtr="0" compatLnSpc="1">
+              <a:prstTxWarp prst="textNoShape">
+                <a:avLst/>
+              </a:prstTxWarp>
+            </a:bodyPr>
+            <a:lstStyle/>
+            <a:p>
+              <a:pPr defTabSz="914418">
+                <a:defRPr/>
+              </a:pPr>
+              <a:endParaRPr lang="en-US" sz="1600" kern="0">
+                <a:solidFill>
+                  <a:srgbClr val="4D4F53"/>
+                </a:solidFill>
+                <a:latin typeface="Arial"/>
+                <a:cs typeface="Arial" panose="020B0604020202020204" pitchFamily="34" charset="0"/>
+              </a:endParaRPr>
+            </a:p>
+          </p:txBody>
+        </p:sp>
+        <p:sp>
+          <p:nvSpPr>
+            <p:cNvPr id="550" name="Freeform 13">
+              <a:extLst>
+                <a:ext uri="{FF2B5EF4-FFF2-40B4-BE49-F238E27FC236}">
+                  <a16:creationId xmlns:a16="http://schemas.microsoft.com/office/drawing/2014/main" id="{97ED77C2-F9C1-0747-B77C-B1C08BD514D0}"/>
+                </a:ext>
+              </a:extLst>
+            </p:cNvPr>
+            <p:cNvSpPr>
+              <a:spLocks/>
+            </p:cNvSpPr>
+            <p:nvPr/>
+          </p:nvSpPr>
+          <p:spPr bwMode="auto">
+            <a:xfrm>
+              <a:off x="939801" y="1133475"/>
+              <a:ext cx="88900" cy="122238"/>
+            </a:xfrm>
+            <a:custGeom>
+              <a:avLst/>
+              <a:gdLst>
+                <a:gd name="T0" fmla="*/ 0 w 56"/>
+                <a:gd name="T1" fmla="*/ 0 h 77"/>
+                <a:gd name="T2" fmla="*/ 17 w 56"/>
+                <a:gd name="T3" fmla="*/ 0 h 77"/>
+                <a:gd name="T4" fmla="*/ 17 w 56"/>
+                <a:gd name="T5" fmla="*/ 63 h 77"/>
+                <a:gd name="T6" fmla="*/ 56 w 56"/>
+                <a:gd name="T7" fmla="*/ 63 h 77"/>
+                <a:gd name="T8" fmla="*/ 56 w 56"/>
+                <a:gd name="T9" fmla="*/ 77 h 77"/>
+                <a:gd name="T10" fmla="*/ 0 w 56"/>
+                <a:gd name="T11" fmla="*/ 77 h 77"/>
+                <a:gd name="T12" fmla="*/ 0 w 56"/>
+                <a:gd name="T13" fmla="*/ 0 h 77"/>
+              </a:gdLst>
+              <a:ahLst/>
+              <a:cxnLst>
+                <a:cxn ang="0">
+                  <a:pos x="T0" y="T1"/>
+                </a:cxn>
+                <a:cxn ang="0">
+                  <a:pos x="T2" y="T3"/>
+                </a:cxn>
+                <a:cxn ang="0">
+                  <a:pos x="T4" y="T5"/>
+                </a:cxn>
+                <a:cxn ang="0">
+                  <a:pos x="T6" y="T7"/>
+                </a:cxn>
+                <a:cxn ang="0">
+                  <a:pos x="T8" y="T9"/>
+                </a:cxn>
+                <a:cxn ang="0">
+                  <a:pos x="T10" y="T11"/>
+                </a:cxn>
+                <a:cxn ang="0">
+                  <a:pos x="T12" y="T13"/>
+                </a:cxn>
+              </a:cxnLst>
+              <a:rect l="0" t="0" r="r" b="b"/>
+              <a:pathLst>
+                <a:path w="56" h="77">
+                  <a:moveTo>
+                    <a:pt x="0" y="0"/>
+                  </a:moveTo>
+                  <a:lnTo>
+                    <a:pt x="17" y="0"/>
+                  </a:lnTo>
+                  <a:lnTo>
+                    <a:pt x="17" y="63"/>
+                  </a:lnTo>
+                  <a:lnTo>
+                    <a:pt x="56" y="63"/>
+                  </a:lnTo>
+                  <a:lnTo>
+                    <a:pt x="56" y="77"/>
+                  </a:lnTo>
+                  <a:lnTo>
+                    <a:pt x="0" y="77"/>
+                  </a:lnTo>
+                  <a:lnTo>
+                    <a:pt x="0" y="0"/>
+                  </a:lnTo>
+                  <a:close/>
+                </a:path>
+              </a:pathLst>
+            </a:custGeom>
+            <a:solidFill>
+              <a:srgbClr val="FFFFFF"/>
+            </a:solidFill>
+            <a:ln>
+              <a:noFill/>
+            </a:ln>
+            <a:extLst>
+              <a:ext uri="{91240B29-F687-4f45-9708-019B960494DF}">
+                <a14:hiddenLine xmlns:a14="http://schemas.microsoft.com/office/drawing/2010/main" xmlns="" w="9525">
+                  <a:solidFill>
+                    <a:srgbClr val="000000"/>
+                  </a:solidFill>
+                  <a:round/>
+                  <a:headEnd/>
+                  <a:tailEnd/>
+                </a14:hiddenLine>
+              </a:ext>
+            </a:extLst>
+          </p:spPr>
+          <p:txBody>
+            <a:bodyPr vert="horz" wrap="square" lIns="91440" tIns="45720" rIns="91440" bIns="45720" numCol="1" anchor="t" anchorCtr="0" compatLnSpc="1">
+              <a:prstTxWarp prst="textNoShape">
+                <a:avLst/>
+              </a:prstTxWarp>
+            </a:bodyPr>
+            <a:lstStyle/>
+            <a:p>
+              <a:pPr defTabSz="914418">
+                <a:defRPr/>
+              </a:pPr>
+              <a:endParaRPr lang="en-US" sz="1600" kern="0">
+                <a:solidFill>
+                  <a:srgbClr val="4D4F53"/>
+                </a:solidFill>
+                <a:latin typeface="Arial"/>
+                <a:cs typeface="Arial" panose="020B0604020202020204" pitchFamily="34" charset="0"/>
+              </a:endParaRPr>
+            </a:p>
+          </p:txBody>
+        </p:sp>
+        <p:sp>
+          <p:nvSpPr>
+            <p:cNvPr id="551" name="Freeform 14">
+              <a:extLst>
+                <a:ext uri="{FF2B5EF4-FFF2-40B4-BE49-F238E27FC236}">
+                  <a16:creationId xmlns:a16="http://schemas.microsoft.com/office/drawing/2014/main" id="{10B27968-9B4A-D146-AED7-CCA80BF7F1D5}"/>
+                </a:ext>
+              </a:extLst>
+            </p:cNvPr>
+            <p:cNvSpPr>
+              <a:spLocks/>
+            </p:cNvSpPr>
+            <p:nvPr/>
+          </p:nvSpPr>
+          <p:spPr bwMode="auto">
+            <a:xfrm>
+              <a:off x="1028701" y="1133475"/>
+              <a:ext cx="101600" cy="122238"/>
+            </a:xfrm>
+            <a:custGeom>
+              <a:avLst/>
+              <a:gdLst>
+                <a:gd name="T0" fmla="*/ 24 w 64"/>
+                <a:gd name="T1" fmla="*/ 14 h 77"/>
+                <a:gd name="T2" fmla="*/ 0 w 64"/>
+                <a:gd name="T3" fmla="*/ 14 h 77"/>
+                <a:gd name="T4" fmla="*/ 0 w 64"/>
+                <a:gd name="T5" fmla="*/ 0 h 77"/>
+                <a:gd name="T6" fmla="*/ 64 w 64"/>
+                <a:gd name="T7" fmla="*/ 0 h 77"/>
+                <a:gd name="T8" fmla="*/ 64 w 64"/>
+                <a:gd name="T9" fmla="*/ 14 h 77"/>
+                <a:gd name="T10" fmla="*/ 40 w 64"/>
+                <a:gd name="T11" fmla="*/ 14 h 77"/>
+                <a:gd name="T12" fmla="*/ 40 w 64"/>
+                <a:gd name="T13" fmla="*/ 77 h 77"/>
+                <a:gd name="T14" fmla="*/ 24 w 64"/>
+                <a:gd name="T15" fmla="*/ 77 h 77"/>
+                <a:gd name="T16" fmla="*/ 24 w 64"/>
+                <a:gd name="T17" fmla="*/ 14 h 77"/>
+              </a:gdLst>
+              <a:ahLst/>
+              <a:cxnLst>
+                <a:cxn ang="0">
+                  <a:pos x="T0" y="T1"/>
+                </a:cxn>
+                <a:cxn ang="0">
+                  <a:pos x="T2" y="T3"/>
+                </a:cxn>
+                <a:cxn ang="0">
+                  <a:pos x="T4" y="T5"/>
+                </a:cxn>
+                <a:cxn ang="0">
+                  <a:pos x="T6" y="T7"/>
+                </a:cxn>
+                <a:cxn ang="0">
+                  <a:pos x="T8" y="T9"/>
+                </a:cxn>
+                <a:cxn ang="0">
+                  <a:pos x="T10" y="T11"/>
+                </a:cxn>
+                <a:cxn ang="0">
+                  <a:pos x="T12" y="T13"/>
+                </a:cxn>
+                <a:cxn ang="0">
+                  <a:pos x="T14" y="T15"/>
+                </a:cxn>
+                <a:cxn ang="0">
+                  <a:pos x="T16" y="T17"/>
+                </a:cxn>
+              </a:cxnLst>
+              <a:rect l="0" t="0" r="r" b="b"/>
+              <a:pathLst>
+                <a:path w="64" h="77">
+                  <a:moveTo>
+                    <a:pt x="24" y="14"/>
+                  </a:moveTo>
+                  <a:lnTo>
+                    <a:pt x="0" y="14"/>
+                  </a:lnTo>
+                  <a:lnTo>
+                    <a:pt x="0" y="0"/>
+                  </a:lnTo>
+                  <a:lnTo>
+                    <a:pt x="64" y="0"/>
+                  </a:lnTo>
+                  <a:lnTo>
+                    <a:pt x="64" y="14"/>
+                  </a:lnTo>
+                  <a:lnTo>
+                    <a:pt x="40" y="14"/>
+                  </a:lnTo>
+                  <a:lnTo>
+                    <a:pt x="40" y="77"/>
+                  </a:lnTo>
+                  <a:lnTo>
+                    <a:pt x="24" y="77"/>
+                  </a:lnTo>
+                  <a:lnTo>
+                    <a:pt x="24" y="14"/>
+                  </a:lnTo>
+                  <a:close/>
+                </a:path>
+              </a:pathLst>
+            </a:custGeom>
+            <a:solidFill>
+              <a:srgbClr val="FFFFFF"/>
+            </a:solidFill>
+            <a:ln>
+              <a:noFill/>
+            </a:ln>
+            <a:extLst>
+              <a:ext uri="{91240B29-F687-4f45-9708-019B960494DF}">
+                <a14:hiddenLine xmlns:a14="http://schemas.microsoft.com/office/drawing/2010/main" xmlns="" w="9525">
+                  <a:solidFill>
+                    <a:srgbClr val="000000"/>
+                  </a:solidFill>
+                  <a:round/>
+                  <a:headEnd/>
+                  <a:tailEnd/>
+                </a14:hiddenLine>
+              </a:ext>
+            </a:extLst>
+          </p:spPr>
+          <p:txBody>
+            <a:bodyPr vert="horz" wrap="square" lIns="91440" tIns="45720" rIns="91440" bIns="45720" numCol="1" anchor="t" anchorCtr="0" compatLnSpc="1">
+              <a:prstTxWarp prst="textNoShape">
+                <a:avLst/>
+              </a:prstTxWarp>
+            </a:bodyPr>
+            <a:lstStyle/>
+            <a:p>
+              <a:pPr defTabSz="914418">
+                <a:defRPr/>
+              </a:pPr>
+              <a:endParaRPr lang="en-US" sz="1600" kern="0">
+                <a:solidFill>
+                  <a:srgbClr val="4D4F53"/>
+                </a:solidFill>
+                <a:latin typeface="Arial"/>
+                <a:cs typeface="Arial" panose="020B0604020202020204" pitchFamily="34" charset="0"/>
+              </a:endParaRPr>
+            </a:p>
+          </p:txBody>
+        </p:sp>
+        <p:sp>
+          <p:nvSpPr>
+            <p:cNvPr id="552" name="Freeform 15">
+              <a:extLst>
+                <a:ext uri="{FF2B5EF4-FFF2-40B4-BE49-F238E27FC236}">
+                  <a16:creationId xmlns:a16="http://schemas.microsoft.com/office/drawing/2014/main" id="{B1CCF2A3-3EFC-BC4B-AAAC-059EFD422109}"/>
+                </a:ext>
+              </a:extLst>
+            </p:cNvPr>
+            <p:cNvSpPr>
+              <a:spLocks/>
+            </p:cNvSpPr>
+            <p:nvPr/>
+          </p:nvSpPr>
+          <p:spPr bwMode="auto">
+            <a:xfrm>
+              <a:off x="1139826" y="1133475"/>
+              <a:ext cx="133350" cy="122238"/>
+            </a:xfrm>
+            <a:custGeom>
+              <a:avLst/>
+              <a:gdLst>
+                <a:gd name="T0" fmla="*/ 0 w 84"/>
+                <a:gd name="T1" fmla="*/ 0 h 77"/>
+                <a:gd name="T2" fmla="*/ 24 w 84"/>
+                <a:gd name="T3" fmla="*/ 0 h 77"/>
+                <a:gd name="T4" fmla="*/ 42 w 84"/>
+                <a:gd name="T5" fmla="*/ 54 h 77"/>
+                <a:gd name="T6" fmla="*/ 42 w 84"/>
+                <a:gd name="T7" fmla="*/ 54 h 77"/>
+                <a:gd name="T8" fmla="*/ 59 w 84"/>
+                <a:gd name="T9" fmla="*/ 0 h 77"/>
+                <a:gd name="T10" fmla="*/ 84 w 84"/>
+                <a:gd name="T11" fmla="*/ 0 h 77"/>
+                <a:gd name="T12" fmla="*/ 84 w 84"/>
+                <a:gd name="T13" fmla="*/ 77 h 77"/>
+                <a:gd name="T14" fmla="*/ 67 w 84"/>
+                <a:gd name="T15" fmla="*/ 77 h 77"/>
+                <a:gd name="T16" fmla="*/ 67 w 84"/>
+                <a:gd name="T17" fmla="*/ 23 h 77"/>
+                <a:gd name="T18" fmla="*/ 67 w 84"/>
+                <a:gd name="T19" fmla="*/ 23 h 77"/>
+                <a:gd name="T20" fmla="*/ 48 w 84"/>
+                <a:gd name="T21" fmla="*/ 77 h 77"/>
+                <a:gd name="T22" fmla="*/ 35 w 84"/>
+                <a:gd name="T23" fmla="*/ 77 h 77"/>
+                <a:gd name="T24" fmla="*/ 16 w 84"/>
+                <a:gd name="T25" fmla="*/ 23 h 77"/>
+                <a:gd name="T26" fmla="*/ 16 w 84"/>
+                <a:gd name="T27" fmla="*/ 23 h 77"/>
+                <a:gd name="T28" fmla="*/ 16 w 84"/>
+                <a:gd name="T29" fmla="*/ 77 h 77"/>
+                <a:gd name="T30" fmla="*/ 0 w 84"/>
+                <a:gd name="T31" fmla="*/ 77 h 77"/>
+                <a:gd name="T32" fmla="*/ 0 w 84"/>
+                <a:gd name="T33" fmla="*/ 0 h 77"/>
+              </a:gdLst>
+              <a:ahLst/>
+              <a:cxnLst>
+                <a:cxn ang="0">
+                  <a:pos x="T0" y="T1"/>
+                </a:cxn>
+                <a:cxn ang="0">
+                  <a:pos x="T2" y="T3"/>
+                </a:cxn>
+                <a:cxn ang="0">
+                  <a:pos x="T4" y="T5"/>
+                </a:cxn>
+                <a:cxn ang="0">
+                  <a:pos x="T6" y="T7"/>
+                </a:cxn>
+                <a:cxn ang="0">
+                  <a:pos x="T8" y="T9"/>
+                </a:cxn>
+                <a:cxn ang="0">
+                  <a:pos x="T10" y="T11"/>
+                </a:cxn>
+                <a:cxn ang="0">
+                  <a:pos x="T12" y="T13"/>
+                </a:cxn>
+                <a:cxn ang="0">
+                  <a:pos x="T14" y="T15"/>
+                </a:cxn>
+                <a:cxn ang="0">
+                  <a:pos x="T16" y="T17"/>
+                </a:cxn>
+                <a:cxn ang="0">
+                  <a:pos x="T18" y="T19"/>
+                </a:cxn>
+                <a:cxn ang="0">
+                  <a:pos x="T20" y="T21"/>
+                </a:cxn>
+                <a:cxn ang="0">
+                  <a:pos x="T22" y="T23"/>
+                </a:cxn>
+                <a:cxn ang="0">
+                  <a:pos x="T24" y="T25"/>
+                </a:cxn>
+                <a:cxn ang="0">
+                  <a:pos x="T26" y="T27"/>
+                </a:cxn>
+                <a:cxn ang="0">
+                  <a:pos x="T28" y="T29"/>
+                </a:cxn>
+                <a:cxn ang="0">
+                  <a:pos x="T30" y="T31"/>
+                </a:cxn>
+                <a:cxn ang="0">
+                  <a:pos x="T32" y="T33"/>
+                </a:cxn>
+              </a:cxnLst>
+              <a:rect l="0" t="0" r="r" b="b"/>
+              <a:pathLst>
+                <a:path w="84" h="77">
+                  <a:moveTo>
+                    <a:pt x="0" y="0"/>
+                  </a:moveTo>
+                  <a:lnTo>
+                    <a:pt x="24" y="0"/>
+                  </a:lnTo>
+                  <a:lnTo>
+                    <a:pt x="42" y="54"/>
+                  </a:lnTo>
+                  <a:lnTo>
+                    <a:pt x="42" y="54"/>
+                  </a:lnTo>
+                  <a:lnTo>
+                    <a:pt x="59" y="0"/>
+                  </a:lnTo>
+                  <a:lnTo>
+                    <a:pt x="84" y="0"/>
+                  </a:lnTo>
+                  <a:lnTo>
+                    <a:pt x="84" y="77"/>
+                  </a:lnTo>
+                  <a:lnTo>
+                    <a:pt x="67" y="77"/>
+                  </a:lnTo>
+                  <a:lnTo>
+                    <a:pt x="67" y="23"/>
+                  </a:lnTo>
+                  <a:lnTo>
+                    <a:pt x="67" y="23"/>
+                  </a:lnTo>
+                  <a:lnTo>
+                    <a:pt x="48" y="77"/>
+                  </a:lnTo>
+                  <a:lnTo>
+                    <a:pt x="35" y="77"/>
+                  </a:lnTo>
+                  <a:lnTo>
+                    <a:pt x="16" y="23"/>
+                  </a:lnTo>
+                  <a:lnTo>
+                    <a:pt x="16" y="23"/>
+                  </a:lnTo>
+                  <a:lnTo>
+                    <a:pt x="16" y="77"/>
+                  </a:lnTo>
+                  <a:lnTo>
+                    <a:pt x="0" y="77"/>
+                  </a:lnTo>
+                  <a:lnTo>
+                    <a:pt x="0" y="0"/>
+                  </a:lnTo>
+                  <a:close/>
+                </a:path>
+              </a:pathLst>
+            </a:custGeom>
+            <a:solidFill>
+              <a:srgbClr val="FFFFFF"/>
+            </a:solidFill>
+            <a:ln>
+              <a:noFill/>
+            </a:ln>
+            <a:extLst>
+              <a:ext uri="{91240B29-F687-4f45-9708-019B960494DF}">
+                <a14:hiddenLine xmlns:a14="http://schemas.microsoft.com/office/drawing/2010/main" xmlns="" w="9525">
+                  <a:solidFill>
+                    <a:srgbClr val="000000"/>
+                  </a:solidFill>
+                  <a:round/>
+                  <a:headEnd/>
+                  <a:tailEnd/>
+                </a14:hiddenLine>
+              </a:ext>
+            </a:extLst>
+          </p:spPr>
+          <p:txBody>
+            <a:bodyPr vert="horz" wrap="square" lIns="91440" tIns="45720" rIns="91440" bIns="45720" numCol="1" anchor="t" anchorCtr="0" compatLnSpc="1">
+              <a:prstTxWarp prst="textNoShape">
+                <a:avLst/>
+              </a:prstTxWarp>
+            </a:bodyPr>
+            <a:lstStyle/>
+            <a:p>
+              <a:pPr defTabSz="914418">
+                <a:defRPr/>
+              </a:pPr>
+              <a:endParaRPr lang="en-US" sz="1600" kern="0">
+                <a:solidFill>
+                  <a:srgbClr val="4D4F53"/>
+                </a:solidFill>
+                <a:latin typeface="Arial"/>
+                <a:cs typeface="Arial" panose="020B0604020202020204" pitchFamily="34" charset="0"/>
+              </a:endParaRPr>
+            </a:p>
+          </p:txBody>
+        </p:sp>
+      </p:grpSp>
+      <p:sp>
+        <p:nvSpPr>
+          <p:cNvPr id="557" name="Freeform 55">
+            <a:extLst>
+              <a:ext uri="{FF2B5EF4-FFF2-40B4-BE49-F238E27FC236}">
+                <a16:creationId xmlns:a16="http://schemas.microsoft.com/office/drawing/2014/main" id="{0955C266-7FA8-BB42-8D93-C223B00220DF}"/>
+              </a:ext>
+            </a:extLst>
+          </p:cNvPr>
+          <p:cNvSpPr>
+            <a:spLocks/>
+          </p:cNvSpPr>
+          <p:nvPr/>
+        </p:nvSpPr>
+        <p:spPr bwMode="auto">
+          <a:xfrm>
+            <a:off x="12425822" y="11136014"/>
+            <a:ext cx="82572" cy="77599"/>
+          </a:xfrm>
+          <a:custGeom>
+            <a:avLst/>
+            <a:gdLst>
+              <a:gd name="T0" fmla="*/ 0 w 83"/>
+              <a:gd name="T1" fmla="*/ 0 h 78"/>
+              <a:gd name="T2" fmla="*/ 24 w 83"/>
+              <a:gd name="T3" fmla="*/ 0 h 78"/>
+              <a:gd name="T4" fmla="*/ 42 w 83"/>
+              <a:gd name="T5" fmla="*/ 53 h 78"/>
+              <a:gd name="T6" fmla="*/ 42 w 83"/>
+              <a:gd name="T7" fmla="*/ 53 h 78"/>
+              <a:gd name="T8" fmla="*/ 59 w 83"/>
+              <a:gd name="T9" fmla="*/ 0 h 78"/>
+              <a:gd name="T10" fmla="*/ 83 w 83"/>
+              <a:gd name="T11" fmla="*/ 0 h 78"/>
+              <a:gd name="T12" fmla="*/ 83 w 83"/>
+              <a:gd name="T13" fmla="*/ 78 h 78"/>
+              <a:gd name="T14" fmla="*/ 67 w 83"/>
+              <a:gd name="T15" fmla="*/ 78 h 78"/>
+              <a:gd name="T16" fmla="*/ 67 w 83"/>
+              <a:gd name="T17" fmla="*/ 22 h 78"/>
+              <a:gd name="T18" fmla="*/ 67 w 83"/>
+              <a:gd name="T19" fmla="*/ 22 h 78"/>
+              <a:gd name="T20" fmla="*/ 48 w 83"/>
+              <a:gd name="T21" fmla="*/ 78 h 78"/>
+              <a:gd name="T22" fmla="*/ 35 w 83"/>
+              <a:gd name="T23" fmla="*/ 78 h 78"/>
+              <a:gd name="T24" fmla="*/ 16 w 83"/>
+              <a:gd name="T25" fmla="*/ 23 h 78"/>
+              <a:gd name="T26" fmla="*/ 16 w 83"/>
+              <a:gd name="T27" fmla="*/ 23 h 78"/>
+              <a:gd name="T28" fmla="*/ 16 w 83"/>
+              <a:gd name="T29" fmla="*/ 78 h 78"/>
+              <a:gd name="T30" fmla="*/ 0 w 83"/>
+              <a:gd name="T31" fmla="*/ 78 h 78"/>
+              <a:gd name="T32" fmla="*/ 0 w 83"/>
+              <a:gd name="T33" fmla="*/ 0 h 78"/>
+            </a:gdLst>
+            <a:ahLst/>
+            <a:cxnLst>
+              <a:cxn ang="0">
+                <a:pos x="T0" y="T1"/>
+              </a:cxn>
+              <a:cxn ang="0">
+                <a:pos x="T2" y="T3"/>
+              </a:cxn>
+              <a:cxn ang="0">
+                <a:pos x="T4" y="T5"/>
+              </a:cxn>
+              <a:cxn ang="0">
+                <a:pos x="T6" y="T7"/>
+              </a:cxn>
+              <a:cxn ang="0">
+                <a:pos x="T8" y="T9"/>
+              </a:cxn>
+              <a:cxn ang="0">
+                <a:pos x="T10" y="T11"/>
+              </a:cxn>
+              <a:cxn ang="0">
+                <a:pos x="T12" y="T13"/>
+              </a:cxn>
+              <a:cxn ang="0">
+                <a:pos x="T14" y="T15"/>
+              </a:cxn>
+              <a:cxn ang="0">
+                <a:pos x="T16" y="T17"/>
+              </a:cxn>
+              <a:cxn ang="0">
+                <a:pos x="T18" y="T19"/>
+              </a:cxn>
+              <a:cxn ang="0">
+                <a:pos x="T20" y="T21"/>
+              </a:cxn>
+              <a:cxn ang="0">
+                <a:pos x="T22" y="T23"/>
+              </a:cxn>
+              <a:cxn ang="0">
+                <a:pos x="T24" y="T25"/>
+              </a:cxn>
+              <a:cxn ang="0">
+                <a:pos x="T26" y="T27"/>
+              </a:cxn>
+              <a:cxn ang="0">
+                <a:pos x="T28" y="T29"/>
+              </a:cxn>
+              <a:cxn ang="0">
+                <a:pos x="T30" y="T31"/>
+              </a:cxn>
+              <a:cxn ang="0">
+                <a:pos x="T32" y="T33"/>
+              </a:cxn>
+            </a:cxnLst>
+            <a:rect l="0" t="0" r="r" b="b"/>
+            <a:pathLst>
+              <a:path w="83" h="78">
+                <a:moveTo>
+                  <a:pt x="0" y="0"/>
+                </a:moveTo>
+                <a:lnTo>
+                  <a:pt x="24" y="0"/>
+                </a:lnTo>
+                <a:lnTo>
+                  <a:pt x="42" y="53"/>
+                </a:lnTo>
+                <a:lnTo>
+                  <a:pt x="42" y="53"/>
+                </a:lnTo>
+                <a:lnTo>
+                  <a:pt x="59" y="0"/>
+                </a:lnTo>
+                <a:lnTo>
+                  <a:pt x="83" y="0"/>
+                </a:lnTo>
+                <a:lnTo>
+                  <a:pt x="83" y="78"/>
+                </a:lnTo>
+                <a:lnTo>
+                  <a:pt x="67" y="78"/>
+                </a:lnTo>
+                <a:lnTo>
+                  <a:pt x="67" y="22"/>
+                </a:lnTo>
+                <a:lnTo>
+                  <a:pt x="67" y="22"/>
+                </a:lnTo>
+                <a:lnTo>
+                  <a:pt x="48" y="78"/>
+                </a:lnTo>
+                <a:lnTo>
+                  <a:pt x="35" y="78"/>
+                </a:lnTo>
+                <a:lnTo>
+                  <a:pt x="16" y="23"/>
+                </a:lnTo>
+                <a:lnTo>
+                  <a:pt x="16" y="23"/>
+                </a:lnTo>
+                <a:lnTo>
+                  <a:pt x="16" y="78"/>
+                </a:lnTo>
+                <a:lnTo>
+                  <a:pt x="0" y="78"/>
+                </a:lnTo>
+                <a:lnTo>
+                  <a:pt x="0" y="0"/>
+                </a:lnTo>
+                <a:close/>
+              </a:path>
+            </a:pathLst>
+          </a:custGeom>
+          <a:solidFill>
+            <a:srgbClr val="FFFFFF"/>
+          </a:solidFill>
+          <a:ln>
+            <a:noFill/>
+          </a:ln>
+          <a:extLst>
+            <a:ext uri="{91240B29-F687-4f45-9708-019B960494DF}">
+              <a14:hiddenLine xmlns:a14="http://schemas.microsoft.com/office/drawing/2010/main" xmlns="" w="9525">
+                <a:solidFill>
+                  <a:srgbClr val="000000"/>
+                </a:solidFill>
+                <a:round/>
+                <a:headEnd/>
+                <a:tailEnd/>
+              </a14:hiddenLine>
+            </a:ext>
+          </a:extLst>
+        </p:spPr>
+        <p:txBody>
+          <a:bodyPr vert="horz" wrap="square" lIns="91440" tIns="45720" rIns="91440" bIns="45720" numCol="1" anchor="t" anchorCtr="0" compatLnSpc="1">
+            <a:prstTxWarp prst="textNoShape">
+              <a:avLst/>
+            </a:prstTxWarp>
+          </a:bodyPr>
+          <a:lstStyle/>
+          <a:p>
+            <a:pPr defTabSz="914418">
+              <a:defRPr/>
+            </a:pPr>
+            <a:endParaRPr lang="en-US" sz="1600" kern="0">
+              <a:solidFill>
+                <a:srgbClr val="4D4F53"/>
+              </a:solidFill>
+              <a:latin typeface="Arial"/>
+              <a:cs typeface="Arial" panose="020B0604020202020204" pitchFamily="34" charset="0"/>
+            </a:endParaRPr>
+          </a:p>
+        </p:txBody>
+      </p:sp>
+      <p:sp>
+        <p:nvSpPr>
+          <p:cNvPr id="558" name="Rectangle: Rounded Corners 234">
+            <a:extLst>
+              <a:ext uri="{FF2B5EF4-FFF2-40B4-BE49-F238E27FC236}">
+                <a16:creationId xmlns:a16="http://schemas.microsoft.com/office/drawing/2014/main" id="{FCE8766E-9193-E945-9C75-EC91180FAA86}"/>
+              </a:ext>
+            </a:extLst>
+          </p:cNvPr>
+          <p:cNvSpPr/>
+          <p:nvPr/>
+        </p:nvSpPr>
+        <p:spPr>
+          <a:xfrm>
+            <a:off x="11963995" y="11319153"/>
+            <a:ext cx="463568" cy="436000"/>
+          </a:xfrm>
+          <a:prstGeom prst="roundRect">
+            <a:avLst/>
+          </a:prstGeom>
+          <a:solidFill>
+            <a:srgbClr val="004892"/>
+          </a:solidFill>
+          <a:ln w="12700" cap="flat" cmpd="sng" algn="ctr">
+            <a:noFill/>
+            <a:prstDash val="solid"/>
+            <a:miter lim="800000"/>
+          </a:ln>
+          <a:effectLst>
+            <a:outerShdw blurRad="190500" dist="228600" dir="2700000" algn="ctr">
+              <a:srgbClr val="000000">
+                <a:alpha val="30000"/>
+              </a:srgbClr>
+            </a:outerShdw>
+          </a:effectLst>
+        </p:spPr>
+        <p:txBody>
+          <a:bodyPr rot="0" spcFirstLastPara="0" vertOverflow="overflow" horzOverflow="overflow" vert="horz" wrap="square" lIns="91440" tIns="45720" rIns="91440" bIns="45720" numCol="1" spcCol="0" rtlCol="0" fromWordArt="0" anchor="ctr" anchorCtr="0" forceAA="0" compatLnSpc="1">
+            <a:prstTxWarp prst="textNoShape">
+              <a:avLst/>
+            </a:prstTxWarp>
+            <a:noAutofit/>
+          </a:bodyPr>
+          <a:lstStyle/>
+          <a:p>
+            <a:pPr algn="ctr" defTabSz="914418">
+              <a:lnSpc>
+                <a:spcPct val="90000"/>
+              </a:lnSpc>
+              <a:defRPr/>
+            </a:pPr>
+            <a:endParaRPr lang="en-US" sz="2000" kern="0" dirty="0">
+              <a:solidFill>
+                <a:srgbClr val="FFFFFF"/>
+              </a:solidFill>
+              <a:latin typeface="Arial"/>
+            </a:endParaRPr>
+          </a:p>
+        </p:txBody>
+      </p:sp>
+      <p:sp>
+        <p:nvSpPr>
+          <p:cNvPr id="559" name="TextBox 558">
+            <a:extLst>
+              <a:ext uri="{FF2B5EF4-FFF2-40B4-BE49-F238E27FC236}">
+                <a16:creationId xmlns:a16="http://schemas.microsoft.com/office/drawing/2014/main" id="{50495C8B-3E6B-E143-B8CD-8579DFDC8E0A}"/>
+              </a:ext>
+            </a:extLst>
+          </p:cNvPr>
+          <p:cNvSpPr txBox="1"/>
+          <p:nvPr/>
+        </p:nvSpPr>
+        <p:spPr>
+          <a:xfrm>
+            <a:off x="11947417" y="11156547"/>
+            <a:ext cx="503321" cy="483209"/>
+          </a:xfrm>
+          <a:prstGeom prst="rect">
+            <a:avLst/>
+          </a:prstGeom>
+          <a:noFill/>
+          <a:ln>
+            <a:noFill/>
+          </a:ln>
+          <a:effectLst>
+            <a:outerShdw blurRad="190500" dist="228600" dir="2700000" algn="ctr">
+              <a:srgbClr val="000000">
+                <a:alpha val="30000"/>
+              </a:srgbClr>
+            </a:outerShdw>
+          </a:effectLst>
+        </p:spPr>
+        <p:txBody>
+          <a:bodyPr wrap="square" lIns="155448" tIns="155448" rIns="155448" bIns="155448" rtlCol="0">
+            <a:spAutoFit/>
+          </a:bodyPr>
+          <a:lstStyle/>
+          <a:p>
+            <a:pPr defTabSz="914418">
+              <a:defRPr/>
+            </a:pPr>
+            <a:r>
+              <a:rPr lang="en-US" sz="1100" kern="0" dirty="0">
+                <a:gradFill>
+                  <a:gsLst>
+                    <a:gs pos="0">
+                      <a:srgbClr val="FFFFFF"/>
+                    </a:gs>
+                    <a:gs pos="100000">
+                      <a:srgbClr val="FFFFFF"/>
+                    </a:gs>
+                  </a:gsLst>
+                  <a:lin ang="5400000" scaled="1"/>
+                </a:gradFill>
+                <a:latin typeface="Arial Rounded MT Bold" panose="020F0704030504030204" pitchFamily="34" charset="0"/>
+                <a:cs typeface="Arial" panose="020B0604020202020204" pitchFamily="34" charset="0"/>
+              </a:rPr>
+              <a:t>VE</a:t>
+            </a:r>
+          </a:p>
+        </p:txBody>
+      </p:sp>
+      <p:sp>
+        <p:nvSpPr>
+          <p:cNvPr id="561" name="Rectangle: Rounded Corners 236">
+            <a:extLst>
+              <a:ext uri="{FF2B5EF4-FFF2-40B4-BE49-F238E27FC236}">
+                <a16:creationId xmlns:a16="http://schemas.microsoft.com/office/drawing/2014/main" id="{05A822AE-78F5-8D49-B41B-43C3BC76E6F1}"/>
+              </a:ext>
+            </a:extLst>
+          </p:cNvPr>
+          <p:cNvSpPr/>
+          <p:nvPr/>
+        </p:nvSpPr>
+        <p:spPr>
+          <a:xfrm>
+            <a:off x="12010770" y="11470880"/>
+            <a:ext cx="382292" cy="213722"/>
+          </a:xfrm>
+          <a:prstGeom prst="roundRect">
+            <a:avLst/>
+          </a:prstGeom>
+          <a:solidFill>
+            <a:srgbClr val="FFFFFF"/>
+          </a:solidFill>
+          <a:ln w="12700" cap="flat" cmpd="sng" algn="ctr">
+            <a:noFill/>
+            <a:prstDash val="solid"/>
+            <a:miter lim="800000"/>
+          </a:ln>
+          <a:effectLst>
+            <a:innerShdw blurRad="63500" dist="50800" dir="2700000">
+              <a:prstClr val="black">
+                <a:alpha val="50000"/>
+              </a:prstClr>
+            </a:innerShdw>
+          </a:effectLst>
+        </p:spPr>
+        <p:txBody>
+          <a:bodyPr rot="0" spcFirstLastPara="0" vertOverflow="overflow" horzOverflow="overflow" vert="horz" wrap="square" lIns="91440" tIns="45720" rIns="91440" bIns="45720" numCol="1" spcCol="0" rtlCol="0" fromWordArt="0" anchor="ctr" anchorCtr="0" forceAA="0" compatLnSpc="1">
+            <a:prstTxWarp prst="textNoShape">
+              <a:avLst/>
+            </a:prstTxWarp>
+            <a:noAutofit/>
+          </a:bodyPr>
+          <a:lstStyle/>
+          <a:p>
+            <a:pPr algn="ctr" defTabSz="914418">
+              <a:lnSpc>
+                <a:spcPct val="90000"/>
+              </a:lnSpc>
+              <a:defRPr/>
+            </a:pPr>
+            <a:endParaRPr lang="en-US" sz="2000" kern="0" dirty="0">
+              <a:solidFill>
+                <a:srgbClr val="FFFFFF"/>
+              </a:solidFill>
+              <a:latin typeface="Arial"/>
+            </a:endParaRPr>
+          </a:p>
+        </p:txBody>
+      </p:sp>
+      <p:sp>
+        <p:nvSpPr>
+          <p:cNvPr id="562" name="TextBox 561">
+            <a:extLst>
+              <a:ext uri="{FF2B5EF4-FFF2-40B4-BE49-F238E27FC236}">
+                <a16:creationId xmlns:a16="http://schemas.microsoft.com/office/drawing/2014/main" id="{F679586D-9170-1F42-A8DB-52762BBCF593}"/>
+              </a:ext>
+            </a:extLst>
+          </p:cNvPr>
+          <p:cNvSpPr txBox="1"/>
+          <p:nvPr/>
+        </p:nvSpPr>
+        <p:spPr>
+          <a:xfrm>
+            <a:off x="11872844" y="11373701"/>
+            <a:ext cx="689333" cy="443198"/>
+          </a:xfrm>
+          <a:prstGeom prst="rect">
+            <a:avLst/>
+          </a:prstGeom>
+          <a:noFill/>
+        </p:spPr>
+        <p:txBody>
+          <a:bodyPr wrap="square" lIns="155448" tIns="155448" rIns="155448" bIns="155448" rtlCol="0">
+            <a:spAutoFit/>
+          </a:bodyPr>
+          <a:lstStyle/>
+          <a:p>
+            <a:pPr defTabSz="914418">
+              <a:defRPr/>
+            </a:pPr>
+            <a:r>
+              <a:rPr lang="en-US" sz="800" kern="0" dirty="0">
+                <a:solidFill>
+                  <a:srgbClr val="004892"/>
+                </a:solidFill>
+                <a:latin typeface="Arial Rounded MT Bold" panose="020F0704030504030204" pitchFamily="34" charset="0"/>
+                <a:cs typeface="Arial" panose="020B0604020202020204" pitchFamily="34" charset="0"/>
+              </a:rPr>
+              <a:t>BIG-IP</a:t>
+            </a:r>
+          </a:p>
+        </p:txBody>
+      </p:sp>
+      <p:grpSp>
+        <p:nvGrpSpPr>
+          <p:cNvPr id="563" name="Group 562">
+            <a:extLst>
+              <a:ext uri="{FF2B5EF4-FFF2-40B4-BE49-F238E27FC236}">
+                <a16:creationId xmlns:a16="http://schemas.microsoft.com/office/drawing/2014/main" id="{F57D421E-7C22-7343-9292-B560B6A018D2}"/>
+              </a:ext>
+            </a:extLst>
+          </p:cNvPr>
+          <p:cNvGrpSpPr/>
+          <p:nvPr/>
+        </p:nvGrpSpPr>
+        <p:grpSpPr>
+          <a:xfrm>
+            <a:off x="11673381" y="11972895"/>
+            <a:ext cx="1063162" cy="1059909"/>
+            <a:chOff x="3160878" y="5773414"/>
+            <a:chExt cx="1063162" cy="1059909"/>
+          </a:xfrm>
+        </p:grpSpPr>
+        <p:sp>
+          <p:nvSpPr>
+            <p:cNvPr id="565" name="Freeform 270">
+              <a:extLst>
+                <a:ext uri="{FF2B5EF4-FFF2-40B4-BE49-F238E27FC236}">
+                  <a16:creationId xmlns:a16="http://schemas.microsoft.com/office/drawing/2014/main" id="{90BBC7B6-D493-AE4C-B43E-13883BAF6DC6}"/>
+                </a:ext>
+              </a:extLst>
+            </p:cNvPr>
+            <p:cNvSpPr/>
+            <p:nvPr/>
+          </p:nvSpPr>
+          <p:spPr>
+            <a:xfrm rot="16200000">
+              <a:off x="3612076" y="6221359"/>
+              <a:ext cx="1059909" cy="164019"/>
+            </a:xfrm>
+            <a:custGeom>
+              <a:avLst/>
+              <a:gdLst>
+                <a:gd name="connsiteX0" fmla="*/ 0 w 1539358"/>
+                <a:gd name="connsiteY0" fmla="*/ 23091 h 254000"/>
+                <a:gd name="connsiteX1" fmla="*/ 261691 w 1539358"/>
+                <a:gd name="connsiteY1" fmla="*/ 254000 h 254000"/>
+                <a:gd name="connsiteX2" fmla="*/ 1277667 w 1539358"/>
+                <a:gd name="connsiteY2" fmla="*/ 254000 h 254000"/>
+                <a:gd name="connsiteX3" fmla="*/ 1539358 w 1539358"/>
+                <a:gd name="connsiteY3" fmla="*/ 0 h 254000"/>
+                <a:gd name="connsiteX4" fmla="*/ 0 w 1539358"/>
+                <a:gd name="connsiteY4" fmla="*/ 23091 h 254000"/>
+                <a:gd name="connsiteX0" fmla="*/ 0 w 1553628"/>
+                <a:gd name="connsiteY0" fmla="*/ 0 h 255882"/>
+                <a:gd name="connsiteX1" fmla="*/ 275961 w 1553628"/>
+                <a:gd name="connsiteY1" fmla="*/ 255882 h 255882"/>
+                <a:gd name="connsiteX2" fmla="*/ 1291937 w 1553628"/>
+                <a:gd name="connsiteY2" fmla="*/ 255882 h 255882"/>
+                <a:gd name="connsiteX3" fmla="*/ 1553628 w 1553628"/>
+                <a:gd name="connsiteY3" fmla="*/ 1882 h 255882"/>
+                <a:gd name="connsiteX4" fmla="*/ 0 w 1553628"/>
+                <a:gd name="connsiteY4" fmla="*/ 0 h 255882"/>
+                <a:gd name="connsiteX0" fmla="*/ 0 w 1553628"/>
+                <a:gd name="connsiteY0" fmla="*/ 0 h 258592"/>
+                <a:gd name="connsiteX1" fmla="*/ 275961 w 1553628"/>
+                <a:gd name="connsiteY1" fmla="*/ 255882 h 258592"/>
+                <a:gd name="connsiteX2" fmla="*/ 1253654 w 1553628"/>
+                <a:gd name="connsiteY2" fmla="*/ 258592 h 258592"/>
+                <a:gd name="connsiteX3" fmla="*/ 1553628 w 1553628"/>
+                <a:gd name="connsiteY3" fmla="*/ 1882 h 258592"/>
+                <a:gd name="connsiteX4" fmla="*/ 0 w 1553628"/>
+                <a:gd name="connsiteY4" fmla="*/ 0 h 258592"/>
+                <a:gd name="connsiteX0" fmla="*/ 0 w 2080032"/>
+                <a:gd name="connsiteY0" fmla="*/ 3538 h 262130"/>
+                <a:gd name="connsiteX1" fmla="*/ 275961 w 2080032"/>
+                <a:gd name="connsiteY1" fmla="*/ 259420 h 262130"/>
+                <a:gd name="connsiteX2" fmla="*/ 1253654 w 2080032"/>
+                <a:gd name="connsiteY2" fmla="*/ 262130 h 262130"/>
+                <a:gd name="connsiteX3" fmla="*/ 2080032 w 2080032"/>
+                <a:gd name="connsiteY3" fmla="*/ 0 h 262130"/>
+                <a:gd name="connsiteX4" fmla="*/ 0 w 2080032"/>
+                <a:gd name="connsiteY4" fmla="*/ 3538 h 262130"/>
+                <a:gd name="connsiteX0" fmla="*/ 0 w 2616007"/>
+                <a:gd name="connsiteY0" fmla="*/ 828 h 262130"/>
+                <a:gd name="connsiteX1" fmla="*/ 811936 w 2616007"/>
+                <a:gd name="connsiteY1" fmla="*/ 259420 h 262130"/>
+                <a:gd name="connsiteX2" fmla="*/ 1789629 w 2616007"/>
+                <a:gd name="connsiteY2" fmla="*/ 262130 h 262130"/>
+                <a:gd name="connsiteX3" fmla="*/ 2616007 w 2616007"/>
+                <a:gd name="connsiteY3" fmla="*/ 0 h 262130"/>
+                <a:gd name="connsiteX4" fmla="*/ 0 w 2616007"/>
+                <a:gd name="connsiteY4" fmla="*/ 828 h 262130"/>
+              </a:gdLst>
+              <a:ahLst/>
+              <a:cxnLst>
+                <a:cxn ang="0">
+                  <a:pos x="connsiteX0" y="connsiteY0"/>
+                </a:cxn>
+                <a:cxn ang="0">
+                  <a:pos x="connsiteX1" y="connsiteY1"/>
+                </a:cxn>
+                <a:cxn ang="0">
+                  <a:pos x="connsiteX2" y="connsiteY2"/>
+                </a:cxn>
+                <a:cxn ang="0">
+                  <a:pos x="connsiteX3" y="connsiteY3"/>
+                </a:cxn>
+                <a:cxn ang="0">
+                  <a:pos x="connsiteX4" y="connsiteY4"/>
+                </a:cxn>
+              </a:cxnLst>
+              <a:rect l="l" t="t" r="r" b="b"/>
+              <a:pathLst>
+                <a:path w="2616007" h="262130">
+                  <a:moveTo>
+                    <a:pt x="0" y="828"/>
+                  </a:moveTo>
+                  <a:lnTo>
+                    <a:pt x="811936" y="259420"/>
+                  </a:lnTo>
+                  <a:lnTo>
+                    <a:pt x="1789629" y="262130"/>
+                  </a:lnTo>
+                  <a:lnTo>
+                    <a:pt x="2616007" y="0"/>
+                  </a:lnTo>
+                  <a:lnTo>
+                    <a:pt x="0" y="828"/>
+                  </a:lnTo>
+                  <a:close/>
+                </a:path>
+              </a:pathLst>
+            </a:custGeom>
+            <a:gradFill flip="none" rotWithShape="1">
+              <a:gsLst>
+                <a:gs pos="0">
+                  <a:srgbClr val="777877"/>
+                </a:gs>
+                <a:gs pos="100000">
+                  <a:srgbClr val="FFFFFF">
+                    <a:alpha val="0"/>
+                  </a:srgbClr>
+                </a:gs>
+              </a:gsLst>
+              <a:lin ang="16200000" scaled="0"/>
+              <a:tileRect/>
+            </a:gradFill>
+          </p:spPr>
+          <p:txBody>
+            <a:bodyPr vert="horz" wrap="square" lIns="182880" tIns="0" rIns="91440" bIns="0" rtlCol="0" anchor="ctr">
+              <a:noAutofit/>
+            </a:bodyPr>
+            <a:lstStyle/>
+            <a:p>
+              <a:pPr algn="ctr">
+                <a:lnSpc>
+                  <a:spcPct val="90000"/>
+                </a:lnSpc>
+                <a:defRPr/>
+              </a:pPr>
+              <a:r>
+                <a:rPr lang="en-US" sz="2117" kern="0" cap="all" dirty="0">
+                  <a:solidFill>
+                    <a:srgbClr val="FFFFFF"/>
+                  </a:solidFill>
+                  <a:effectLst>
+                    <a:outerShdw blurRad="38100" dist="25400" dir="2700000" algn="tl">
+                      <a:srgbClr val="000000">
+                        <a:alpha val="0"/>
+                      </a:srgbClr>
+                    </a:outerShdw>
+                  </a:effectLst>
+                  <a:latin typeface="Arial"/>
+                  <a:cs typeface="Arial" panose="020B0604020202020204" pitchFamily="34" charset="0"/>
+                </a:rPr>
+                <a:t> </a:t>
+              </a:r>
+            </a:p>
+          </p:txBody>
+        </p:sp>
+        <p:grpSp>
+          <p:nvGrpSpPr>
+            <p:cNvPr id="566" name="Group 565">
+              <a:extLst>
+                <a:ext uri="{FF2B5EF4-FFF2-40B4-BE49-F238E27FC236}">
+                  <a16:creationId xmlns:a16="http://schemas.microsoft.com/office/drawing/2014/main" id="{CE830C6C-9B91-6E47-ABF4-A49744A7CB33}"/>
+                </a:ext>
+              </a:extLst>
+            </p:cNvPr>
+            <p:cNvGrpSpPr/>
+            <p:nvPr/>
+          </p:nvGrpSpPr>
+          <p:grpSpPr>
+            <a:xfrm>
+              <a:off x="3160878" y="5916956"/>
+              <a:ext cx="993652" cy="772003"/>
+              <a:chOff x="9132059" y="5821271"/>
+              <a:chExt cx="750505" cy="650645"/>
+            </a:xfrm>
+          </p:grpSpPr>
+          <p:sp>
+            <p:nvSpPr>
+              <p:cNvPr id="567" name="Rectangle: Rounded Corners 625">
+                <a:extLst>
+                  <a:ext uri="{FF2B5EF4-FFF2-40B4-BE49-F238E27FC236}">
+                    <a16:creationId xmlns:a16="http://schemas.microsoft.com/office/drawing/2014/main" id="{0B5BDD51-C747-F743-B3C4-A287571833DC}"/>
+                  </a:ext>
+                </a:extLst>
+              </p:cNvPr>
+              <p:cNvSpPr/>
+              <p:nvPr/>
+            </p:nvSpPr>
+            <p:spPr>
+              <a:xfrm>
+                <a:off x="9132059" y="5821271"/>
+                <a:ext cx="750505" cy="650645"/>
+              </a:xfrm>
+              <a:prstGeom prst="roundRect">
+                <a:avLst/>
+              </a:prstGeom>
+              <a:solidFill>
+                <a:schemeClr val="bg1"/>
+              </a:solidFill>
+              <a:ln w="12700" cap="flat" cmpd="sng" algn="ctr">
+                <a:solidFill>
+                  <a:schemeClr val="tx1"/>
+                </a:solidFill>
+                <a:prstDash val="solid"/>
+                <a:miter lim="800000"/>
+              </a:ln>
+              <a:effectLst/>
+            </p:spPr>
+            <p:txBody>
+              <a:bodyPr rot="0" spcFirstLastPara="0" vertOverflow="overflow" horzOverflow="overflow" vert="horz" wrap="square" lIns="91440" tIns="45720" rIns="91440" bIns="45720" numCol="1" spcCol="0" rtlCol="0" fromWordArt="0" anchor="ctr" anchorCtr="0" forceAA="0" compatLnSpc="1">
+                <a:prstTxWarp prst="textNoShape">
+                  <a:avLst/>
+                </a:prstTxWarp>
+                <a:noAutofit/>
+              </a:bodyPr>
+              <a:lstStyle/>
+              <a:p>
+                <a:pPr algn="ctr">
+                  <a:lnSpc>
+                    <a:spcPct val="90000"/>
+                  </a:lnSpc>
+                  <a:defRPr/>
+                </a:pPr>
+                <a:endParaRPr lang="en-US" sz="2000" kern="0" dirty="0">
+                  <a:solidFill>
+                    <a:srgbClr val="FFFFFF"/>
+                  </a:solidFill>
+                  <a:latin typeface="Arial"/>
+                </a:endParaRPr>
+              </a:p>
+            </p:txBody>
+          </p:sp>
+          <p:sp>
+            <p:nvSpPr>
+              <p:cNvPr id="568" name="Freeform 151">
+                <a:extLst>
+                  <a:ext uri="{FF2B5EF4-FFF2-40B4-BE49-F238E27FC236}">
+                    <a16:creationId xmlns:a16="http://schemas.microsoft.com/office/drawing/2014/main" id="{E5AB50BA-F390-904D-A863-E2663586F550}"/>
+                  </a:ext>
+                </a:extLst>
+              </p:cNvPr>
+              <p:cNvSpPr>
+                <a:spLocks noEditPoints="1"/>
+              </p:cNvSpPr>
+              <p:nvPr/>
+            </p:nvSpPr>
+            <p:spPr bwMode="auto">
+              <a:xfrm>
+                <a:off x="9196178" y="6145518"/>
+                <a:ext cx="289438" cy="296273"/>
+              </a:xfrm>
+              <a:custGeom>
+                <a:avLst/>
+                <a:gdLst>
+                  <a:gd name="T0" fmla="*/ 332 w 480"/>
+                  <a:gd name="T1" fmla="*/ 425 h 481"/>
+                  <a:gd name="T2" fmla="*/ 334 w 480"/>
+                  <a:gd name="T3" fmla="*/ 386 h 481"/>
+                  <a:gd name="T4" fmla="*/ 260 w 480"/>
+                  <a:gd name="T5" fmla="*/ 367 h 481"/>
+                  <a:gd name="T6" fmla="*/ 274 w 480"/>
+                  <a:gd name="T7" fmla="*/ 403 h 481"/>
+                  <a:gd name="T8" fmla="*/ 480 w 480"/>
+                  <a:gd name="T9" fmla="*/ 107 h 481"/>
+                  <a:gd name="T10" fmla="*/ 374 w 480"/>
+                  <a:gd name="T11" fmla="*/ 481 h 481"/>
+                  <a:gd name="T12" fmla="*/ 0 w 480"/>
+                  <a:gd name="T13" fmla="*/ 374 h 481"/>
+                  <a:gd name="T14" fmla="*/ 106 w 480"/>
+                  <a:gd name="T15" fmla="*/ 0 h 481"/>
+                  <a:gd name="T16" fmla="*/ 480 w 480"/>
+                  <a:gd name="T17" fmla="*/ 107 h 481"/>
+                  <a:gd name="T18" fmla="*/ 235 w 480"/>
+                  <a:gd name="T19" fmla="*/ 306 h 481"/>
+                  <a:gd name="T20" fmla="*/ 195 w 480"/>
+                  <a:gd name="T21" fmla="*/ 306 h 481"/>
+                  <a:gd name="T22" fmla="*/ 298 w 480"/>
+                  <a:gd name="T23" fmla="*/ 433 h 481"/>
+                  <a:gd name="T24" fmla="*/ 252 w 480"/>
+                  <a:gd name="T25" fmla="*/ 355 h 481"/>
+                  <a:gd name="T26" fmla="*/ 237 w 480"/>
+                  <a:gd name="T27" fmla="*/ 433 h 481"/>
+                  <a:gd name="T28" fmla="*/ 277 w 480"/>
+                  <a:gd name="T29" fmla="*/ 414 h 481"/>
+                  <a:gd name="T30" fmla="*/ 298 w 480"/>
+                  <a:gd name="T31" fmla="*/ 433 h 481"/>
+                  <a:gd name="T32" fmla="*/ 327 w 480"/>
+                  <a:gd name="T33" fmla="*/ 306 h 481"/>
+                  <a:gd name="T34" fmla="*/ 287 w 480"/>
+                  <a:gd name="T35" fmla="*/ 306 h 481"/>
+                  <a:gd name="T36" fmla="*/ 360 w 480"/>
+                  <a:gd name="T37" fmla="*/ 405 h 481"/>
+                  <a:gd name="T38" fmla="*/ 319 w 480"/>
+                  <a:gd name="T39" fmla="*/ 387 h 481"/>
+                  <a:gd name="T40" fmla="*/ 318 w 480"/>
+                  <a:gd name="T41" fmla="*/ 379 h 481"/>
+                  <a:gd name="T42" fmla="*/ 306 w 480"/>
+                  <a:gd name="T43" fmla="*/ 453 h 481"/>
+                  <a:gd name="T44" fmla="*/ 320 w 480"/>
+                  <a:gd name="T45" fmla="*/ 427 h 481"/>
+                  <a:gd name="T46" fmla="*/ 335 w 480"/>
+                  <a:gd name="T47" fmla="*/ 435 h 481"/>
+                  <a:gd name="T48" fmla="*/ 363 w 480"/>
+                  <a:gd name="T49" fmla="*/ 158 h 481"/>
+                  <a:gd name="T50" fmla="*/ 181 w 480"/>
+                  <a:gd name="T51" fmla="*/ 147 h 481"/>
+                  <a:gd name="T52" fmla="*/ 157 w 480"/>
+                  <a:gd name="T53" fmla="*/ 120 h 481"/>
+                  <a:gd name="T54" fmla="*/ 117 w 480"/>
+                  <a:gd name="T55" fmla="*/ 132 h 481"/>
+                  <a:gd name="T56" fmla="*/ 156 w 480"/>
+                  <a:gd name="T57" fmla="*/ 144 h 481"/>
+                  <a:gd name="T58" fmla="*/ 210 w 480"/>
+                  <a:gd name="T59" fmla="*/ 283 h 481"/>
+                  <a:gd name="T60" fmla="*/ 334 w 480"/>
+                  <a:gd name="T61" fmla="*/ 267 h 481"/>
+                  <a:gd name="T62" fmla="*/ 363 w 480"/>
+                  <a:gd name="T63" fmla="*/ 158 h 481"/>
+                  <a:gd name="T64" fmla="*/ 401 w 480"/>
+                  <a:gd name="T65" fmla="*/ 377 h 481"/>
+                  <a:gd name="T66" fmla="*/ 382 w 480"/>
+                  <a:gd name="T67" fmla="*/ 387 h 481"/>
+                  <a:gd name="T68" fmla="*/ 370 w 480"/>
+                  <a:gd name="T69" fmla="*/ 379 h 481"/>
+                  <a:gd name="T70" fmla="*/ 383 w 480"/>
+                  <a:gd name="T71" fmla="*/ 453 h 481"/>
+                  <a:gd name="T72" fmla="*/ 383 w 480"/>
+                  <a:gd name="T73" fmla="*/ 427 h 481"/>
+                  <a:gd name="T74" fmla="*/ 423 w 480"/>
+                  <a:gd name="T75" fmla="*/ 405 h 481"/>
+                  <a:gd name="T76" fmla="*/ 382 w 480"/>
+                  <a:gd name="T77" fmla="*/ 406 h 481"/>
+                  <a:gd name="T78" fmla="*/ 409 w 480"/>
+                  <a:gd name="T79" fmla="*/ 405 h 481"/>
+                </a:gdLst>
+                <a:ahLst/>
+                <a:cxnLst>
+                  <a:cxn ang="0">
+                    <a:pos x="T0" y="T1"/>
+                  </a:cxn>
+                  <a:cxn ang="0">
+                    <a:pos x="T2" y="T3"/>
+                  </a:cxn>
+                  <a:cxn ang="0">
+                    <a:pos x="T4" y="T5"/>
+                  </a:cxn>
+                  <a:cxn ang="0">
+                    <a:pos x="T6" y="T7"/>
+                  </a:cxn>
+                  <a:cxn ang="0">
+                    <a:pos x="T8" y="T9"/>
+                  </a:cxn>
+                  <a:cxn ang="0">
+                    <a:pos x="T10" y="T11"/>
+                  </a:cxn>
+                  <a:cxn ang="0">
+                    <a:pos x="T12" y="T13"/>
+                  </a:cxn>
+                  <a:cxn ang="0">
+                    <a:pos x="T14" y="T15"/>
+                  </a:cxn>
+                  <a:cxn ang="0">
+                    <a:pos x="T16" y="T17"/>
+                  </a:cxn>
+                  <a:cxn ang="0">
+                    <a:pos x="T18" y="T19"/>
+                  </a:cxn>
+                  <a:cxn ang="0">
+                    <a:pos x="T20" y="T21"/>
+                  </a:cxn>
+                  <a:cxn ang="0">
+                    <a:pos x="T22" y="T23"/>
+                  </a:cxn>
+                  <a:cxn ang="0">
+                    <a:pos x="T24" y="T25"/>
+                  </a:cxn>
+                  <a:cxn ang="0">
+                    <a:pos x="T26" y="T27"/>
+                  </a:cxn>
+                  <a:cxn ang="0">
+                    <a:pos x="T28" y="T29"/>
+                  </a:cxn>
+                  <a:cxn ang="0">
+                    <a:pos x="T30" y="T31"/>
+                  </a:cxn>
+                  <a:cxn ang="0">
+                    <a:pos x="T32" y="T33"/>
+                  </a:cxn>
+                  <a:cxn ang="0">
+                    <a:pos x="T34" y="T35"/>
+                  </a:cxn>
+                  <a:cxn ang="0">
+                    <a:pos x="T36" y="T37"/>
+                  </a:cxn>
+                  <a:cxn ang="0">
+                    <a:pos x="T38" y="T39"/>
+                  </a:cxn>
+                  <a:cxn ang="0">
+                    <a:pos x="T40" y="T41"/>
+                  </a:cxn>
+                  <a:cxn ang="0">
+                    <a:pos x="T42" y="T43"/>
+                  </a:cxn>
+                  <a:cxn ang="0">
+                    <a:pos x="T44" y="T45"/>
+                  </a:cxn>
+                  <a:cxn ang="0">
+                    <a:pos x="T46" y="T47"/>
+                  </a:cxn>
+                  <a:cxn ang="0">
+                    <a:pos x="T48" y="T49"/>
+                  </a:cxn>
+                  <a:cxn ang="0">
+                    <a:pos x="T50" y="T51"/>
+                  </a:cxn>
+                  <a:cxn ang="0">
+                    <a:pos x="T52" y="T53"/>
+                  </a:cxn>
+                  <a:cxn ang="0">
+                    <a:pos x="T54" y="T55"/>
+                  </a:cxn>
+                  <a:cxn ang="0">
+                    <a:pos x="T56" y="T57"/>
+                  </a:cxn>
+                  <a:cxn ang="0">
+                    <a:pos x="T58" y="T59"/>
+                  </a:cxn>
+                  <a:cxn ang="0">
+                    <a:pos x="T60" y="T61"/>
+                  </a:cxn>
+                  <a:cxn ang="0">
+                    <a:pos x="T62" y="T63"/>
+                  </a:cxn>
+                  <a:cxn ang="0">
+                    <a:pos x="T64" y="T65"/>
+                  </a:cxn>
+                  <a:cxn ang="0">
+                    <a:pos x="T66" y="T67"/>
+                  </a:cxn>
+                  <a:cxn ang="0">
+                    <a:pos x="T68" y="T69"/>
+                  </a:cxn>
+                  <a:cxn ang="0">
+                    <a:pos x="T70" y="T71"/>
+                  </a:cxn>
+                  <a:cxn ang="0">
+                    <a:pos x="T72" y="T73"/>
+                  </a:cxn>
+                  <a:cxn ang="0">
+                    <a:pos x="T74" y="T75"/>
+                  </a:cxn>
+                  <a:cxn ang="0">
+                    <a:pos x="T76" y="T77"/>
+                  </a:cxn>
+                  <a:cxn ang="0">
+                    <a:pos x="T78" y="T79"/>
+                  </a:cxn>
+                </a:cxnLst>
+                <a:rect l="0" t="0" r="r" b="b"/>
+                <a:pathLst>
+                  <a:path w="480" h="481">
+                    <a:moveTo>
+                      <a:pt x="346" y="405"/>
+                    </a:moveTo>
+                    <a:cubicBezTo>
+                      <a:pt x="346" y="419"/>
+                      <a:pt x="342" y="425"/>
+                      <a:pt x="332" y="425"/>
+                    </a:cubicBezTo>
+                    <a:cubicBezTo>
+                      <a:pt x="324" y="425"/>
+                      <a:pt x="319" y="420"/>
+                      <a:pt x="319" y="406"/>
+                    </a:cubicBezTo>
+                    <a:cubicBezTo>
+                      <a:pt x="319" y="393"/>
+                      <a:pt x="325" y="386"/>
+                      <a:pt x="334" y="386"/>
+                    </a:cubicBezTo>
+                    <a:cubicBezTo>
+                      <a:pt x="342" y="386"/>
+                      <a:pt x="346" y="392"/>
+                      <a:pt x="346" y="405"/>
+                    </a:cubicBezTo>
+                    <a:close/>
+                    <a:moveTo>
+                      <a:pt x="260" y="367"/>
+                    </a:moveTo>
+                    <a:cubicBezTo>
+                      <a:pt x="247" y="403"/>
+                      <a:pt x="247" y="403"/>
+                      <a:pt x="247" y="403"/>
+                    </a:cubicBezTo>
+                    <a:cubicBezTo>
+                      <a:pt x="274" y="403"/>
+                      <a:pt x="274" y="403"/>
+                      <a:pt x="274" y="403"/>
+                    </a:cubicBezTo>
+                    <a:cubicBezTo>
+                      <a:pt x="260" y="367"/>
+                      <a:pt x="260" y="367"/>
+                      <a:pt x="260" y="367"/>
+                    </a:cubicBezTo>
+                    <a:close/>
+                    <a:moveTo>
+                      <a:pt x="480" y="107"/>
+                    </a:moveTo>
+                    <a:cubicBezTo>
+                      <a:pt x="480" y="374"/>
+                      <a:pt x="480" y="374"/>
+                      <a:pt x="480" y="374"/>
+                    </a:cubicBezTo>
+                    <a:cubicBezTo>
+                      <a:pt x="480" y="433"/>
+                      <a:pt x="432" y="481"/>
+                      <a:pt x="374" y="481"/>
+                    </a:cubicBezTo>
+                    <a:cubicBezTo>
+                      <a:pt x="106" y="481"/>
+                      <a:pt x="106" y="481"/>
+                      <a:pt x="106" y="481"/>
+                    </a:cubicBezTo>
+                    <a:cubicBezTo>
+                      <a:pt x="48" y="481"/>
+                      <a:pt x="0" y="433"/>
+                      <a:pt x="0" y="374"/>
+                    </a:cubicBezTo>
+                    <a:cubicBezTo>
+                      <a:pt x="0" y="107"/>
+                      <a:pt x="0" y="107"/>
+                      <a:pt x="0" y="107"/>
+                    </a:cubicBezTo>
+                    <a:cubicBezTo>
+                      <a:pt x="0" y="48"/>
+                      <a:pt x="48" y="0"/>
+                      <a:pt x="106" y="0"/>
+                    </a:cubicBezTo>
+                    <a:cubicBezTo>
+                      <a:pt x="374" y="0"/>
+                      <a:pt x="374" y="0"/>
+                      <a:pt x="374" y="0"/>
+                    </a:cubicBezTo>
+                    <a:cubicBezTo>
+                      <a:pt x="432" y="0"/>
+                      <a:pt x="480" y="48"/>
+                      <a:pt x="480" y="107"/>
+                    </a:cubicBezTo>
+                    <a:close/>
+                    <a:moveTo>
+                      <a:pt x="215" y="326"/>
+                    </a:moveTo>
+                    <a:cubicBezTo>
+                      <a:pt x="226" y="326"/>
+                      <a:pt x="235" y="317"/>
+                      <a:pt x="235" y="306"/>
+                    </a:cubicBezTo>
+                    <a:cubicBezTo>
+                      <a:pt x="235" y="296"/>
+                      <a:pt x="226" y="287"/>
+                      <a:pt x="215" y="287"/>
+                    </a:cubicBezTo>
+                    <a:cubicBezTo>
+                      <a:pt x="204" y="287"/>
+                      <a:pt x="195" y="296"/>
+                      <a:pt x="195" y="306"/>
+                    </a:cubicBezTo>
+                    <a:cubicBezTo>
+                      <a:pt x="195" y="317"/>
+                      <a:pt x="204" y="326"/>
+                      <a:pt x="215" y="326"/>
+                    </a:cubicBezTo>
+                    <a:close/>
+                    <a:moveTo>
+                      <a:pt x="298" y="433"/>
+                    </a:moveTo>
+                    <a:cubicBezTo>
+                      <a:pt x="269" y="355"/>
+                      <a:pt x="269" y="355"/>
+                      <a:pt x="269" y="355"/>
+                    </a:cubicBezTo>
+                    <a:cubicBezTo>
+                      <a:pt x="252" y="355"/>
+                      <a:pt x="252" y="355"/>
+                      <a:pt x="252" y="355"/>
+                    </a:cubicBezTo>
+                    <a:cubicBezTo>
+                      <a:pt x="223" y="433"/>
+                      <a:pt x="223" y="433"/>
+                      <a:pt x="223" y="433"/>
+                    </a:cubicBezTo>
+                    <a:cubicBezTo>
+                      <a:pt x="237" y="433"/>
+                      <a:pt x="237" y="433"/>
+                      <a:pt x="237" y="433"/>
+                    </a:cubicBezTo>
+                    <a:cubicBezTo>
+                      <a:pt x="244" y="414"/>
+                      <a:pt x="244" y="414"/>
+                      <a:pt x="244" y="414"/>
+                    </a:cubicBezTo>
+                    <a:cubicBezTo>
+                      <a:pt x="277" y="414"/>
+                      <a:pt x="277" y="414"/>
+                      <a:pt x="277" y="414"/>
+                    </a:cubicBezTo>
+                    <a:cubicBezTo>
+                      <a:pt x="284" y="433"/>
+                      <a:pt x="284" y="433"/>
+                      <a:pt x="284" y="433"/>
+                    </a:cubicBezTo>
+                    <a:lnTo>
+                      <a:pt x="298" y="433"/>
+                    </a:lnTo>
+                    <a:close/>
+                    <a:moveTo>
+                      <a:pt x="307" y="326"/>
+                    </a:moveTo>
+                    <a:cubicBezTo>
+                      <a:pt x="318" y="326"/>
+                      <a:pt x="327" y="317"/>
+                      <a:pt x="327" y="306"/>
+                    </a:cubicBezTo>
+                    <a:cubicBezTo>
+                      <a:pt x="327" y="296"/>
+                      <a:pt x="318" y="287"/>
+                      <a:pt x="307" y="287"/>
+                    </a:cubicBezTo>
+                    <a:cubicBezTo>
+                      <a:pt x="296" y="287"/>
+                      <a:pt x="287" y="296"/>
+                      <a:pt x="287" y="306"/>
+                    </a:cubicBezTo>
+                    <a:cubicBezTo>
+                      <a:pt x="287" y="317"/>
+                      <a:pt x="296" y="326"/>
+                      <a:pt x="307" y="326"/>
+                    </a:cubicBezTo>
+                    <a:close/>
+                    <a:moveTo>
+                      <a:pt x="360" y="405"/>
+                    </a:moveTo>
+                    <a:cubicBezTo>
+                      <a:pt x="360" y="384"/>
+                      <a:pt x="349" y="377"/>
+                      <a:pt x="338" y="377"/>
+                    </a:cubicBezTo>
+                    <a:cubicBezTo>
+                      <a:pt x="328" y="377"/>
+                      <a:pt x="322" y="382"/>
+                      <a:pt x="319" y="387"/>
+                    </a:cubicBezTo>
+                    <a:cubicBezTo>
+                      <a:pt x="319" y="387"/>
+                      <a:pt x="319" y="387"/>
+                      <a:pt x="319" y="387"/>
+                    </a:cubicBezTo>
+                    <a:cubicBezTo>
+                      <a:pt x="318" y="379"/>
+                      <a:pt x="318" y="379"/>
+                      <a:pt x="318" y="379"/>
+                    </a:cubicBezTo>
+                    <a:cubicBezTo>
+                      <a:pt x="306" y="379"/>
+                      <a:pt x="306" y="379"/>
+                      <a:pt x="306" y="379"/>
+                    </a:cubicBezTo>
+                    <a:cubicBezTo>
+                      <a:pt x="306" y="453"/>
+                      <a:pt x="306" y="453"/>
+                      <a:pt x="306" y="453"/>
+                    </a:cubicBezTo>
+                    <a:cubicBezTo>
+                      <a:pt x="320" y="453"/>
+                      <a:pt x="320" y="453"/>
+                      <a:pt x="320" y="453"/>
+                    </a:cubicBezTo>
+                    <a:cubicBezTo>
+                      <a:pt x="320" y="427"/>
+                      <a:pt x="320" y="427"/>
+                      <a:pt x="320" y="427"/>
+                    </a:cubicBezTo>
+                    <a:cubicBezTo>
+                      <a:pt x="320" y="427"/>
+                      <a:pt x="320" y="427"/>
+                      <a:pt x="320" y="427"/>
+                    </a:cubicBezTo>
+                    <a:cubicBezTo>
+                      <a:pt x="323" y="432"/>
+                      <a:pt x="329" y="435"/>
+                      <a:pt x="335" y="435"/>
+                    </a:cubicBezTo>
+                    <a:cubicBezTo>
+                      <a:pt x="351" y="435"/>
+                      <a:pt x="360" y="424"/>
+                      <a:pt x="360" y="405"/>
+                    </a:cubicBezTo>
+                    <a:close/>
+                    <a:moveTo>
+                      <a:pt x="363" y="158"/>
+                    </a:moveTo>
+                    <a:cubicBezTo>
+                      <a:pt x="363" y="152"/>
+                      <a:pt x="358" y="147"/>
+                      <a:pt x="351" y="147"/>
+                    </a:cubicBezTo>
+                    <a:cubicBezTo>
+                      <a:pt x="181" y="147"/>
+                      <a:pt x="181" y="147"/>
+                      <a:pt x="181" y="147"/>
+                    </a:cubicBezTo>
+                    <a:cubicBezTo>
+                      <a:pt x="179" y="137"/>
+                      <a:pt x="179" y="137"/>
+                      <a:pt x="179" y="137"/>
+                    </a:cubicBezTo>
+                    <a:cubicBezTo>
+                      <a:pt x="176" y="127"/>
+                      <a:pt x="167" y="120"/>
+                      <a:pt x="157" y="120"/>
+                    </a:cubicBezTo>
+                    <a:cubicBezTo>
+                      <a:pt x="129" y="120"/>
+                      <a:pt x="129" y="120"/>
+                      <a:pt x="129" y="120"/>
+                    </a:cubicBezTo>
+                    <a:cubicBezTo>
+                      <a:pt x="122" y="120"/>
+                      <a:pt x="117" y="125"/>
+                      <a:pt x="117" y="132"/>
+                    </a:cubicBezTo>
+                    <a:cubicBezTo>
+                      <a:pt x="117" y="139"/>
+                      <a:pt x="122" y="144"/>
+                      <a:pt x="129" y="144"/>
+                    </a:cubicBezTo>
+                    <a:cubicBezTo>
+                      <a:pt x="156" y="144"/>
+                      <a:pt x="156" y="144"/>
+                      <a:pt x="156" y="144"/>
+                    </a:cubicBezTo>
+                    <a:cubicBezTo>
+                      <a:pt x="188" y="267"/>
+                      <a:pt x="188" y="267"/>
+                      <a:pt x="188" y="267"/>
+                    </a:cubicBezTo>
+                    <a:cubicBezTo>
+                      <a:pt x="191" y="276"/>
+                      <a:pt x="200" y="283"/>
+                      <a:pt x="210" y="283"/>
+                    </a:cubicBezTo>
+                    <a:cubicBezTo>
+                      <a:pt x="312" y="283"/>
+                      <a:pt x="312" y="283"/>
+                      <a:pt x="312" y="283"/>
+                    </a:cubicBezTo>
+                    <a:cubicBezTo>
+                      <a:pt x="322" y="283"/>
+                      <a:pt x="331" y="276"/>
+                      <a:pt x="334" y="267"/>
+                    </a:cubicBezTo>
+                    <a:cubicBezTo>
+                      <a:pt x="361" y="169"/>
+                      <a:pt x="361" y="169"/>
+                      <a:pt x="361" y="169"/>
+                    </a:cubicBezTo>
+                    <a:cubicBezTo>
+                      <a:pt x="362" y="164"/>
+                      <a:pt x="363" y="161"/>
+                      <a:pt x="363" y="158"/>
+                    </a:cubicBezTo>
+                    <a:close/>
+                    <a:moveTo>
+                      <a:pt x="423" y="405"/>
+                    </a:moveTo>
+                    <a:cubicBezTo>
+                      <a:pt x="423" y="384"/>
+                      <a:pt x="412" y="377"/>
+                      <a:pt x="401" y="377"/>
+                    </a:cubicBezTo>
+                    <a:cubicBezTo>
+                      <a:pt x="391" y="377"/>
+                      <a:pt x="385" y="382"/>
+                      <a:pt x="383" y="387"/>
+                    </a:cubicBezTo>
+                    <a:cubicBezTo>
+                      <a:pt x="382" y="387"/>
+                      <a:pt x="382" y="387"/>
+                      <a:pt x="382" y="387"/>
+                    </a:cubicBezTo>
+                    <a:cubicBezTo>
+                      <a:pt x="381" y="379"/>
+                      <a:pt x="381" y="379"/>
+                      <a:pt x="381" y="379"/>
+                    </a:cubicBezTo>
+                    <a:cubicBezTo>
+                      <a:pt x="370" y="379"/>
+                      <a:pt x="370" y="379"/>
+                      <a:pt x="370" y="379"/>
+                    </a:cubicBezTo>
+                    <a:cubicBezTo>
+                      <a:pt x="370" y="453"/>
+                      <a:pt x="370" y="453"/>
+                      <a:pt x="370" y="453"/>
+                    </a:cubicBezTo>
+                    <a:cubicBezTo>
+                      <a:pt x="383" y="453"/>
+                      <a:pt x="383" y="453"/>
+                      <a:pt x="383" y="453"/>
+                    </a:cubicBezTo>
+                    <a:cubicBezTo>
+                      <a:pt x="383" y="427"/>
+                      <a:pt x="383" y="427"/>
+                      <a:pt x="383" y="427"/>
+                    </a:cubicBezTo>
+                    <a:cubicBezTo>
+                      <a:pt x="383" y="427"/>
+                      <a:pt x="383" y="427"/>
+                      <a:pt x="383" y="427"/>
+                    </a:cubicBezTo>
+                    <a:cubicBezTo>
+                      <a:pt x="386" y="432"/>
+                      <a:pt x="392" y="435"/>
+                      <a:pt x="399" y="435"/>
+                    </a:cubicBezTo>
+                    <a:cubicBezTo>
+                      <a:pt x="414" y="435"/>
+                      <a:pt x="423" y="424"/>
+                      <a:pt x="423" y="405"/>
+                    </a:cubicBezTo>
+                    <a:close/>
+                    <a:moveTo>
+                      <a:pt x="397" y="386"/>
+                    </a:moveTo>
+                    <a:cubicBezTo>
+                      <a:pt x="388" y="386"/>
+                      <a:pt x="382" y="393"/>
+                      <a:pt x="382" y="406"/>
+                    </a:cubicBezTo>
+                    <a:cubicBezTo>
+                      <a:pt x="382" y="420"/>
+                      <a:pt x="387" y="425"/>
+                      <a:pt x="396" y="425"/>
+                    </a:cubicBezTo>
+                    <a:cubicBezTo>
+                      <a:pt x="405" y="425"/>
+                      <a:pt x="409" y="419"/>
+                      <a:pt x="409" y="405"/>
+                    </a:cubicBezTo>
+                    <a:cubicBezTo>
+                      <a:pt x="409" y="392"/>
+                      <a:pt x="405" y="386"/>
+                      <a:pt x="397" y="386"/>
+                    </a:cubicBezTo>
+                    <a:close/>
+                  </a:path>
+                </a:pathLst>
+              </a:custGeom>
+              <a:solidFill>
+                <a:schemeClr val="bg1">
+                  <a:lumMod val="75000"/>
+                </a:schemeClr>
+              </a:solidFill>
+              <a:ln>
+                <a:noFill/>
+              </a:ln>
+            </p:spPr>
+            <p:txBody>
+              <a:bodyPr vert="horz" wrap="square" lIns="91440" tIns="45720" rIns="91440" bIns="45720" numCol="1" anchor="t" anchorCtr="0" compatLnSpc="1">
+                <a:prstTxWarp prst="textNoShape">
+                  <a:avLst/>
+                </a:prstTxWarp>
+              </a:bodyPr>
+              <a:lstStyle/>
+              <a:p>
+                <a:pPr defTabSz="914418">
+                  <a:defRPr/>
+                </a:pPr>
+                <a:endParaRPr lang="en-US" sz="1600" kern="0">
+                  <a:solidFill>
+                    <a:srgbClr val="FFFFFF"/>
+                  </a:solidFill>
+                  <a:latin typeface="Arial" panose="020B0604020202020204" pitchFamily="34" charset="0"/>
+                  <a:cs typeface="Arial" panose="020B0604020202020204" pitchFamily="34" charset="0"/>
+                </a:endParaRPr>
+              </a:p>
+            </p:txBody>
+          </p:sp>
+          <p:sp>
+            <p:nvSpPr>
+              <p:cNvPr id="578" name="Freeform 270">
+                <a:extLst>
+                  <a:ext uri="{FF2B5EF4-FFF2-40B4-BE49-F238E27FC236}">
+                    <a16:creationId xmlns:a16="http://schemas.microsoft.com/office/drawing/2014/main" id="{B48911E1-A600-6D43-985A-CA03BC97CAA7}"/>
+                  </a:ext>
+                </a:extLst>
+              </p:cNvPr>
+              <p:cNvSpPr/>
+              <p:nvPr/>
+            </p:nvSpPr>
+            <p:spPr>
+              <a:xfrm rot="10800000">
+                <a:off x="9171133" y="6063523"/>
+                <a:ext cx="338617" cy="133192"/>
+              </a:xfrm>
+              <a:custGeom>
+                <a:avLst/>
+                <a:gdLst>
+                  <a:gd name="connsiteX0" fmla="*/ 0 w 1539358"/>
+                  <a:gd name="connsiteY0" fmla="*/ 23091 h 254000"/>
+                  <a:gd name="connsiteX1" fmla="*/ 261691 w 1539358"/>
+                  <a:gd name="connsiteY1" fmla="*/ 254000 h 254000"/>
+                  <a:gd name="connsiteX2" fmla="*/ 1277667 w 1539358"/>
+                  <a:gd name="connsiteY2" fmla="*/ 254000 h 254000"/>
+                  <a:gd name="connsiteX3" fmla="*/ 1539358 w 1539358"/>
+                  <a:gd name="connsiteY3" fmla="*/ 0 h 254000"/>
+                  <a:gd name="connsiteX4" fmla="*/ 0 w 1539358"/>
+                  <a:gd name="connsiteY4" fmla="*/ 23091 h 254000"/>
+                  <a:gd name="connsiteX0" fmla="*/ 0 w 1553628"/>
+                  <a:gd name="connsiteY0" fmla="*/ 0 h 255882"/>
+                  <a:gd name="connsiteX1" fmla="*/ 275961 w 1553628"/>
+                  <a:gd name="connsiteY1" fmla="*/ 255882 h 255882"/>
+                  <a:gd name="connsiteX2" fmla="*/ 1291937 w 1553628"/>
+                  <a:gd name="connsiteY2" fmla="*/ 255882 h 255882"/>
+                  <a:gd name="connsiteX3" fmla="*/ 1553628 w 1553628"/>
+                  <a:gd name="connsiteY3" fmla="*/ 1882 h 255882"/>
+                  <a:gd name="connsiteX4" fmla="*/ 0 w 1553628"/>
+                  <a:gd name="connsiteY4" fmla="*/ 0 h 255882"/>
+                  <a:gd name="connsiteX0" fmla="*/ 0 w 1553628"/>
+                  <a:gd name="connsiteY0" fmla="*/ 0 h 258592"/>
+                  <a:gd name="connsiteX1" fmla="*/ 275961 w 1553628"/>
+                  <a:gd name="connsiteY1" fmla="*/ 255882 h 258592"/>
+                  <a:gd name="connsiteX2" fmla="*/ 1253654 w 1553628"/>
+                  <a:gd name="connsiteY2" fmla="*/ 258592 h 258592"/>
+                  <a:gd name="connsiteX3" fmla="*/ 1553628 w 1553628"/>
+                  <a:gd name="connsiteY3" fmla="*/ 1882 h 258592"/>
+                  <a:gd name="connsiteX4" fmla="*/ 0 w 1553628"/>
+                  <a:gd name="connsiteY4" fmla="*/ 0 h 258592"/>
+                  <a:gd name="connsiteX0" fmla="*/ 0 w 2080032"/>
+                  <a:gd name="connsiteY0" fmla="*/ 3538 h 262130"/>
+                  <a:gd name="connsiteX1" fmla="*/ 275961 w 2080032"/>
+                  <a:gd name="connsiteY1" fmla="*/ 259420 h 262130"/>
+                  <a:gd name="connsiteX2" fmla="*/ 1253654 w 2080032"/>
+                  <a:gd name="connsiteY2" fmla="*/ 262130 h 262130"/>
+                  <a:gd name="connsiteX3" fmla="*/ 2080032 w 2080032"/>
+                  <a:gd name="connsiteY3" fmla="*/ 0 h 262130"/>
+                  <a:gd name="connsiteX4" fmla="*/ 0 w 2080032"/>
+                  <a:gd name="connsiteY4" fmla="*/ 3538 h 262130"/>
+                  <a:gd name="connsiteX0" fmla="*/ 0 w 2616007"/>
+                  <a:gd name="connsiteY0" fmla="*/ 828 h 262130"/>
+                  <a:gd name="connsiteX1" fmla="*/ 811936 w 2616007"/>
+                  <a:gd name="connsiteY1" fmla="*/ 259420 h 262130"/>
+                  <a:gd name="connsiteX2" fmla="*/ 1789629 w 2616007"/>
+                  <a:gd name="connsiteY2" fmla="*/ 262130 h 262130"/>
+                  <a:gd name="connsiteX3" fmla="*/ 2616007 w 2616007"/>
+                  <a:gd name="connsiteY3" fmla="*/ 0 h 262130"/>
+                  <a:gd name="connsiteX4" fmla="*/ 0 w 2616007"/>
+                  <a:gd name="connsiteY4" fmla="*/ 828 h 262130"/>
+                </a:gdLst>
+                <a:ahLst/>
+                <a:cxnLst>
+                  <a:cxn ang="0">
+                    <a:pos x="connsiteX0" y="connsiteY0"/>
+                  </a:cxn>
+                  <a:cxn ang="0">
+                    <a:pos x="connsiteX1" y="connsiteY1"/>
+                  </a:cxn>
+                  <a:cxn ang="0">
+                    <a:pos x="connsiteX2" y="connsiteY2"/>
+                  </a:cxn>
+                  <a:cxn ang="0">
+                    <a:pos x="connsiteX3" y="connsiteY3"/>
+                  </a:cxn>
+                  <a:cxn ang="0">
+                    <a:pos x="connsiteX4" y="connsiteY4"/>
+                  </a:cxn>
+                </a:cxnLst>
+                <a:rect l="l" t="t" r="r" b="b"/>
+                <a:pathLst>
+                  <a:path w="2616007" h="262130">
+                    <a:moveTo>
+                      <a:pt x="0" y="828"/>
+                    </a:moveTo>
+                    <a:lnTo>
+                      <a:pt x="811936" y="259420"/>
+                    </a:lnTo>
+                    <a:lnTo>
+                      <a:pt x="1789629" y="262130"/>
+                    </a:lnTo>
+                    <a:lnTo>
+                      <a:pt x="2616007" y="0"/>
+                    </a:lnTo>
+                    <a:lnTo>
+                      <a:pt x="0" y="828"/>
+                    </a:lnTo>
+                    <a:close/>
+                  </a:path>
+                </a:pathLst>
+              </a:custGeom>
+              <a:gradFill flip="none" rotWithShape="1">
+                <a:gsLst>
+                  <a:gs pos="0">
+                    <a:srgbClr val="777877"/>
+                  </a:gs>
+                  <a:gs pos="100000">
+                    <a:srgbClr val="FFFFFF">
+                      <a:alpha val="0"/>
+                    </a:srgbClr>
+                  </a:gs>
+                </a:gsLst>
+                <a:lin ang="16200000" scaled="0"/>
+                <a:tileRect/>
+              </a:gradFill>
+            </p:spPr>
+            <p:txBody>
+              <a:bodyPr vert="horz" wrap="square" lIns="182880" tIns="0" rIns="91440" bIns="0" rtlCol="0" anchor="ctr">
+                <a:noAutofit/>
+              </a:bodyPr>
+              <a:lstStyle/>
+              <a:p>
+                <a:pPr algn="ctr">
+                  <a:lnSpc>
+                    <a:spcPct val="90000"/>
+                  </a:lnSpc>
+                  <a:defRPr/>
+                </a:pPr>
+                <a:r>
+                  <a:rPr lang="en-US" sz="2117" kern="0" cap="all" dirty="0">
+                    <a:solidFill>
+                      <a:srgbClr val="FFFFFF"/>
+                    </a:solidFill>
+                    <a:effectLst>
+                      <a:outerShdw blurRad="38100" dist="25400" dir="2700000" algn="tl">
+                        <a:srgbClr val="000000">
+                          <a:alpha val="0"/>
+                        </a:srgbClr>
+                      </a:outerShdw>
+                    </a:effectLst>
+                    <a:latin typeface="Arial"/>
+                    <a:cs typeface="Arial" panose="020B0604020202020204" pitchFamily="34" charset="0"/>
+                  </a:rPr>
+                  <a:t> </a:t>
+                </a:r>
+              </a:p>
+            </p:txBody>
+          </p:sp>
+          <p:sp>
+            <p:nvSpPr>
+              <p:cNvPr id="579" name="Freeform 151">
+                <a:extLst>
+                  <a:ext uri="{FF2B5EF4-FFF2-40B4-BE49-F238E27FC236}">
+                    <a16:creationId xmlns:a16="http://schemas.microsoft.com/office/drawing/2014/main" id="{63A43A07-AE2C-5B4C-A9F9-74F52BB65100}"/>
+                  </a:ext>
+                </a:extLst>
+              </p:cNvPr>
+              <p:cNvSpPr>
+                <a:spLocks noEditPoints="1"/>
+              </p:cNvSpPr>
+              <p:nvPr/>
+            </p:nvSpPr>
+            <p:spPr bwMode="auto">
+              <a:xfrm>
+                <a:off x="9532185" y="6143528"/>
+                <a:ext cx="289438" cy="296273"/>
+              </a:xfrm>
+              <a:custGeom>
+                <a:avLst/>
+                <a:gdLst>
+                  <a:gd name="T0" fmla="*/ 332 w 480"/>
+                  <a:gd name="T1" fmla="*/ 425 h 481"/>
+                  <a:gd name="T2" fmla="*/ 334 w 480"/>
+                  <a:gd name="T3" fmla="*/ 386 h 481"/>
+                  <a:gd name="T4" fmla="*/ 260 w 480"/>
+                  <a:gd name="T5" fmla="*/ 367 h 481"/>
+                  <a:gd name="T6" fmla="*/ 274 w 480"/>
+                  <a:gd name="T7" fmla="*/ 403 h 481"/>
+                  <a:gd name="T8" fmla="*/ 480 w 480"/>
+                  <a:gd name="T9" fmla="*/ 107 h 481"/>
+                  <a:gd name="T10" fmla="*/ 374 w 480"/>
+                  <a:gd name="T11" fmla="*/ 481 h 481"/>
+                  <a:gd name="T12" fmla="*/ 0 w 480"/>
+                  <a:gd name="T13" fmla="*/ 374 h 481"/>
+                  <a:gd name="T14" fmla="*/ 106 w 480"/>
+                  <a:gd name="T15" fmla="*/ 0 h 481"/>
+                  <a:gd name="T16" fmla="*/ 480 w 480"/>
+                  <a:gd name="T17" fmla="*/ 107 h 481"/>
+                  <a:gd name="T18" fmla="*/ 235 w 480"/>
+                  <a:gd name="T19" fmla="*/ 306 h 481"/>
+                  <a:gd name="T20" fmla="*/ 195 w 480"/>
+                  <a:gd name="T21" fmla="*/ 306 h 481"/>
+                  <a:gd name="T22" fmla="*/ 298 w 480"/>
+                  <a:gd name="T23" fmla="*/ 433 h 481"/>
+                  <a:gd name="T24" fmla="*/ 252 w 480"/>
+                  <a:gd name="T25" fmla="*/ 355 h 481"/>
+                  <a:gd name="T26" fmla="*/ 237 w 480"/>
+                  <a:gd name="T27" fmla="*/ 433 h 481"/>
+                  <a:gd name="T28" fmla="*/ 277 w 480"/>
+                  <a:gd name="T29" fmla="*/ 414 h 481"/>
+                  <a:gd name="T30" fmla="*/ 298 w 480"/>
+                  <a:gd name="T31" fmla="*/ 433 h 481"/>
+                  <a:gd name="T32" fmla="*/ 327 w 480"/>
+                  <a:gd name="T33" fmla="*/ 306 h 481"/>
+                  <a:gd name="T34" fmla="*/ 287 w 480"/>
+                  <a:gd name="T35" fmla="*/ 306 h 481"/>
+                  <a:gd name="T36" fmla="*/ 360 w 480"/>
+                  <a:gd name="T37" fmla="*/ 405 h 481"/>
+                  <a:gd name="T38" fmla="*/ 319 w 480"/>
+                  <a:gd name="T39" fmla="*/ 387 h 481"/>
+                  <a:gd name="T40" fmla="*/ 318 w 480"/>
+                  <a:gd name="T41" fmla="*/ 379 h 481"/>
+                  <a:gd name="T42" fmla="*/ 306 w 480"/>
+                  <a:gd name="T43" fmla="*/ 453 h 481"/>
+                  <a:gd name="T44" fmla="*/ 320 w 480"/>
+                  <a:gd name="T45" fmla="*/ 427 h 481"/>
+                  <a:gd name="T46" fmla="*/ 335 w 480"/>
+                  <a:gd name="T47" fmla="*/ 435 h 481"/>
+                  <a:gd name="T48" fmla="*/ 363 w 480"/>
+                  <a:gd name="T49" fmla="*/ 158 h 481"/>
+                  <a:gd name="T50" fmla="*/ 181 w 480"/>
+                  <a:gd name="T51" fmla="*/ 147 h 481"/>
+                  <a:gd name="T52" fmla="*/ 157 w 480"/>
+                  <a:gd name="T53" fmla="*/ 120 h 481"/>
+                  <a:gd name="T54" fmla="*/ 117 w 480"/>
+                  <a:gd name="T55" fmla="*/ 132 h 481"/>
+                  <a:gd name="T56" fmla="*/ 156 w 480"/>
+                  <a:gd name="T57" fmla="*/ 144 h 481"/>
+                  <a:gd name="T58" fmla="*/ 210 w 480"/>
+                  <a:gd name="T59" fmla="*/ 283 h 481"/>
+                  <a:gd name="T60" fmla="*/ 334 w 480"/>
+                  <a:gd name="T61" fmla="*/ 267 h 481"/>
+                  <a:gd name="T62" fmla="*/ 363 w 480"/>
+                  <a:gd name="T63" fmla="*/ 158 h 481"/>
+                  <a:gd name="T64" fmla="*/ 401 w 480"/>
+                  <a:gd name="T65" fmla="*/ 377 h 481"/>
+                  <a:gd name="T66" fmla="*/ 382 w 480"/>
+                  <a:gd name="T67" fmla="*/ 387 h 481"/>
+                  <a:gd name="T68" fmla="*/ 370 w 480"/>
+                  <a:gd name="T69" fmla="*/ 379 h 481"/>
+                  <a:gd name="T70" fmla="*/ 383 w 480"/>
+                  <a:gd name="T71" fmla="*/ 453 h 481"/>
+                  <a:gd name="T72" fmla="*/ 383 w 480"/>
+                  <a:gd name="T73" fmla="*/ 427 h 481"/>
+                  <a:gd name="T74" fmla="*/ 423 w 480"/>
+                  <a:gd name="T75" fmla="*/ 405 h 481"/>
+                  <a:gd name="T76" fmla="*/ 382 w 480"/>
+                  <a:gd name="T77" fmla="*/ 406 h 481"/>
+                  <a:gd name="T78" fmla="*/ 409 w 480"/>
+                  <a:gd name="T79" fmla="*/ 405 h 481"/>
+                </a:gdLst>
+                <a:ahLst/>
+                <a:cxnLst>
+                  <a:cxn ang="0">
+                    <a:pos x="T0" y="T1"/>
+                  </a:cxn>
+                  <a:cxn ang="0">
+                    <a:pos x="T2" y="T3"/>
+                  </a:cxn>
+                  <a:cxn ang="0">
+                    <a:pos x="T4" y="T5"/>
+                  </a:cxn>
+                  <a:cxn ang="0">
+                    <a:pos x="T6" y="T7"/>
+                  </a:cxn>
+                  <a:cxn ang="0">
+                    <a:pos x="T8" y="T9"/>
+                  </a:cxn>
+                  <a:cxn ang="0">
+                    <a:pos x="T10" y="T11"/>
+                  </a:cxn>
+                  <a:cxn ang="0">
+                    <a:pos x="T12" y="T13"/>
+                  </a:cxn>
+                  <a:cxn ang="0">
+                    <a:pos x="T14" y="T15"/>
+                  </a:cxn>
+                  <a:cxn ang="0">
+                    <a:pos x="T16" y="T17"/>
+                  </a:cxn>
+                  <a:cxn ang="0">
+                    <a:pos x="T18" y="T19"/>
+                  </a:cxn>
+                  <a:cxn ang="0">
+                    <a:pos x="T20" y="T21"/>
+                  </a:cxn>
+                  <a:cxn ang="0">
+                    <a:pos x="T22" y="T23"/>
+                  </a:cxn>
+                  <a:cxn ang="0">
+                    <a:pos x="T24" y="T25"/>
+                  </a:cxn>
+                  <a:cxn ang="0">
+                    <a:pos x="T26" y="T27"/>
+                  </a:cxn>
+                  <a:cxn ang="0">
+                    <a:pos x="T28" y="T29"/>
+                  </a:cxn>
+                  <a:cxn ang="0">
+                    <a:pos x="T30" y="T31"/>
+                  </a:cxn>
+                  <a:cxn ang="0">
+                    <a:pos x="T32" y="T33"/>
+                  </a:cxn>
+                  <a:cxn ang="0">
+                    <a:pos x="T34" y="T35"/>
+                  </a:cxn>
+                  <a:cxn ang="0">
+                    <a:pos x="T36" y="T37"/>
+                  </a:cxn>
+                  <a:cxn ang="0">
+                    <a:pos x="T38" y="T39"/>
+                  </a:cxn>
+                  <a:cxn ang="0">
+                    <a:pos x="T40" y="T41"/>
+                  </a:cxn>
+                  <a:cxn ang="0">
+                    <a:pos x="T42" y="T43"/>
+                  </a:cxn>
+                  <a:cxn ang="0">
+                    <a:pos x="T44" y="T45"/>
+                  </a:cxn>
+                  <a:cxn ang="0">
+                    <a:pos x="T46" y="T47"/>
+                  </a:cxn>
+                  <a:cxn ang="0">
+                    <a:pos x="T48" y="T49"/>
+                  </a:cxn>
+                  <a:cxn ang="0">
+                    <a:pos x="T50" y="T51"/>
+                  </a:cxn>
+                  <a:cxn ang="0">
+                    <a:pos x="T52" y="T53"/>
+                  </a:cxn>
+                  <a:cxn ang="0">
+                    <a:pos x="T54" y="T55"/>
+                  </a:cxn>
+                  <a:cxn ang="0">
+                    <a:pos x="T56" y="T57"/>
+                  </a:cxn>
+                  <a:cxn ang="0">
+                    <a:pos x="T58" y="T59"/>
+                  </a:cxn>
+                  <a:cxn ang="0">
+                    <a:pos x="T60" y="T61"/>
+                  </a:cxn>
+                  <a:cxn ang="0">
+                    <a:pos x="T62" y="T63"/>
+                  </a:cxn>
+                  <a:cxn ang="0">
+                    <a:pos x="T64" y="T65"/>
+                  </a:cxn>
+                  <a:cxn ang="0">
+                    <a:pos x="T66" y="T67"/>
+                  </a:cxn>
+                  <a:cxn ang="0">
+                    <a:pos x="T68" y="T69"/>
+                  </a:cxn>
+                  <a:cxn ang="0">
+                    <a:pos x="T70" y="T71"/>
+                  </a:cxn>
+                  <a:cxn ang="0">
+                    <a:pos x="T72" y="T73"/>
+                  </a:cxn>
+                  <a:cxn ang="0">
+                    <a:pos x="T74" y="T75"/>
+                  </a:cxn>
+                  <a:cxn ang="0">
+                    <a:pos x="T76" y="T77"/>
+                  </a:cxn>
+                  <a:cxn ang="0">
+                    <a:pos x="T78" y="T79"/>
+                  </a:cxn>
+                </a:cxnLst>
+                <a:rect l="0" t="0" r="r" b="b"/>
+                <a:pathLst>
+                  <a:path w="480" h="481">
+                    <a:moveTo>
+                      <a:pt x="346" y="405"/>
+                    </a:moveTo>
+                    <a:cubicBezTo>
+                      <a:pt x="346" y="419"/>
+                      <a:pt x="342" y="425"/>
+                      <a:pt x="332" y="425"/>
+                    </a:cubicBezTo>
+                    <a:cubicBezTo>
+                      <a:pt x="324" y="425"/>
+                      <a:pt x="319" y="420"/>
+                      <a:pt x="319" y="406"/>
+                    </a:cubicBezTo>
+                    <a:cubicBezTo>
+                      <a:pt x="319" y="393"/>
+                      <a:pt x="325" y="386"/>
+                      <a:pt x="334" y="386"/>
+                    </a:cubicBezTo>
+                    <a:cubicBezTo>
+                      <a:pt x="342" y="386"/>
+                      <a:pt x="346" y="392"/>
+                      <a:pt x="346" y="405"/>
+                    </a:cubicBezTo>
+                    <a:close/>
+                    <a:moveTo>
+                      <a:pt x="260" y="367"/>
+                    </a:moveTo>
+                    <a:cubicBezTo>
+                      <a:pt x="247" y="403"/>
+                      <a:pt x="247" y="403"/>
+                      <a:pt x="247" y="403"/>
+                    </a:cubicBezTo>
+                    <a:cubicBezTo>
+                      <a:pt x="274" y="403"/>
+                      <a:pt x="274" y="403"/>
+                      <a:pt x="274" y="403"/>
+                    </a:cubicBezTo>
+                    <a:cubicBezTo>
+                      <a:pt x="260" y="367"/>
+                      <a:pt x="260" y="367"/>
+                      <a:pt x="260" y="367"/>
+                    </a:cubicBezTo>
+                    <a:close/>
+                    <a:moveTo>
+                      <a:pt x="480" y="107"/>
+                    </a:moveTo>
+                    <a:cubicBezTo>
+                      <a:pt x="480" y="374"/>
+                      <a:pt x="480" y="374"/>
+                      <a:pt x="480" y="374"/>
+                    </a:cubicBezTo>
+                    <a:cubicBezTo>
+                      <a:pt x="480" y="433"/>
+                      <a:pt x="432" y="481"/>
+                      <a:pt x="374" y="481"/>
+                    </a:cubicBezTo>
+                    <a:cubicBezTo>
+                      <a:pt x="106" y="481"/>
+                      <a:pt x="106" y="481"/>
+                      <a:pt x="106" y="481"/>
+                    </a:cubicBezTo>
+                    <a:cubicBezTo>
+                      <a:pt x="48" y="481"/>
+                      <a:pt x="0" y="433"/>
+                      <a:pt x="0" y="374"/>
+                    </a:cubicBezTo>
+                    <a:cubicBezTo>
+                      <a:pt x="0" y="107"/>
+                      <a:pt x="0" y="107"/>
+                      <a:pt x="0" y="107"/>
+                    </a:cubicBezTo>
+                    <a:cubicBezTo>
+                      <a:pt x="0" y="48"/>
+                      <a:pt x="48" y="0"/>
+                      <a:pt x="106" y="0"/>
+                    </a:cubicBezTo>
+                    <a:cubicBezTo>
+                      <a:pt x="374" y="0"/>
+                      <a:pt x="374" y="0"/>
+                      <a:pt x="374" y="0"/>
+                    </a:cubicBezTo>
+                    <a:cubicBezTo>
+                      <a:pt x="432" y="0"/>
+                      <a:pt x="480" y="48"/>
+                      <a:pt x="480" y="107"/>
+                    </a:cubicBezTo>
+                    <a:close/>
+                    <a:moveTo>
+                      <a:pt x="215" y="326"/>
+                    </a:moveTo>
+                    <a:cubicBezTo>
+                      <a:pt x="226" y="326"/>
+                      <a:pt x="235" y="317"/>
+                      <a:pt x="235" y="306"/>
+                    </a:cubicBezTo>
+                    <a:cubicBezTo>
+                      <a:pt x="235" y="296"/>
+                      <a:pt x="226" y="287"/>
+                      <a:pt x="215" y="287"/>
+                    </a:cubicBezTo>
+                    <a:cubicBezTo>
+                      <a:pt x="204" y="287"/>
+                      <a:pt x="195" y="296"/>
+                      <a:pt x="195" y="306"/>
+                    </a:cubicBezTo>
+                    <a:cubicBezTo>
+                      <a:pt x="195" y="317"/>
+                      <a:pt x="204" y="326"/>
+                      <a:pt x="215" y="326"/>
+                    </a:cubicBezTo>
+                    <a:close/>
+                    <a:moveTo>
+                      <a:pt x="298" y="433"/>
+                    </a:moveTo>
+                    <a:cubicBezTo>
+                      <a:pt x="269" y="355"/>
+                      <a:pt x="269" y="355"/>
+                      <a:pt x="269" y="355"/>
+                    </a:cubicBezTo>
+                    <a:cubicBezTo>
+                      <a:pt x="252" y="355"/>
+                      <a:pt x="252" y="355"/>
+                      <a:pt x="252" y="355"/>
+                    </a:cubicBezTo>
+                    <a:cubicBezTo>
+                      <a:pt x="223" y="433"/>
+                      <a:pt x="223" y="433"/>
+                      <a:pt x="223" y="433"/>
+                    </a:cubicBezTo>
+                    <a:cubicBezTo>
+                      <a:pt x="237" y="433"/>
+                      <a:pt x="237" y="433"/>
+                      <a:pt x="237" y="433"/>
+                    </a:cubicBezTo>
+                    <a:cubicBezTo>
+                      <a:pt x="244" y="414"/>
+                      <a:pt x="244" y="414"/>
+                      <a:pt x="244" y="414"/>
+                    </a:cubicBezTo>
+                    <a:cubicBezTo>
+                      <a:pt x="277" y="414"/>
+                      <a:pt x="277" y="414"/>
+                      <a:pt x="277" y="414"/>
+                    </a:cubicBezTo>
+                    <a:cubicBezTo>
+                      <a:pt x="284" y="433"/>
+                      <a:pt x="284" y="433"/>
+                      <a:pt x="284" y="433"/>
+                    </a:cubicBezTo>
+                    <a:lnTo>
+                      <a:pt x="298" y="433"/>
+                    </a:lnTo>
+                    <a:close/>
+                    <a:moveTo>
+                      <a:pt x="307" y="326"/>
+                    </a:moveTo>
+                    <a:cubicBezTo>
+                      <a:pt x="318" y="326"/>
+                      <a:pt x="327" y="317"/>
+                      <a:pt x="327" y="306"/>
+                    </a:cubicBezTo>
+                    <a:cubicBezTo>
+                      <a:pt x="327" y="296"/>
+                      <a:pt x="318" y="287"/>
+                      <a:pt x="307" y="287"/>
+                    </a:cubicBezTo>
+                    <a:cubicBezTo>
+                      <a:pt x="296" y="287"/>
+                      <a:pt x="287" y="296"/>
+                      <a:pt x="287" y="306"/>
+                    </a:cubicBezTo>
+                    <a:cubicBezTo>
+                      <a:pt x="287" y="317"/>
+                      <a:pt x="296" y="326"/>
+                      <a:pt x="307" y="326"/>
+                    </a:cubicBezTo>
+                    <a:close/>
+                    <a:moveTo>
+                      <a:pt x="360" y="405"/>
+                    </a:moveTo>
+                    <a:cubicBezTo>
+                      <a:pt x="360" y="384"/>
+                      <a:pt x="349" y="377"/>
+                      <a:pt x="338" y="377"/>
+                    </a:cubicBezTo>
+                    <a:cubicBezTo>
+                      <a:pt x="328" y="377"/>
+                      <a:pt x="322" y="382"/>
+                      <a:pt x="319" y="387"/>
+                    </a:cubicBezTo>
+                    <a:cubicBezTo>
+                      <a:pt x="319" y="387"/>
+                      <a:pt x="319" y="387"/>
+                      <a:pt x="319" y="387"/>
+                    </a:cubicBezTo>
+                    <a:cubicBezTo>
+                      <a:pt x="318" y="379"/>
+                      <a:pt x="318" y="379"/>
+                      <a:pt x="318" y="379"/>
+                    </a:cubicBezTo>
+                    <a:cubicBezTo>
+                      <a:pt x="306" y="379"/>
+                      <a:pt x="306" y="379"/>
+                      <a:pt x="306" y="379"/>
+                    </a:cubicBezTo>
+                    <a:cubicBezTo>
+                      <a:pt x="306" y="453"/>
+                      <a:pt x="306" y="453"/>
+                      <a:pt x="306" y="453"/>
+                    </a:cubicBezTo>
+                    <a:cubicBezTo>
+                      <a:pt x="320" y="453"/>
+                      <a:pt x="320" y="453"/>
+                      <a:pt x="320" y="453"/>
+                    </a:cubicBezTo>
+                    <a:cubicBezTo>
+                      <a:pt x="320" y="427"/>
+                      <a:pt x="320" y="427"/>
+                      <a:pt x="320" y="427"/>
+                    </a:cubicBezTo>
+                    <a:cubicBezTo>
+                      <a:pt x="320" y="427"/>
+                      <a:pt x="320" y="427"/>
+                      <a:pt x="320" y="427"/>
+                    </a:cubicBezTo>
+                    <a:cubicBezTo>
+                      <a:pt x="323" y="432"/>
+                      <a:pt x="329" y="435"/>
+                      <a:pt x="335" y="435"/>
+                    </a:cubicBezTo>
+                    <a:cubicBezTo>
+                      <a:pt x="351" y="435"/>
+                      <a:pt x="360" y="424"/>
+                      <a:pt x="360" y="405"/>
+                    </a:cubicBezTo>
+                    <a:close/>
+                    <a:moveTo>
+                      <a:pt x="363" y="158"/>
+                    </a:moveTo>
+                    <a:cubicBezTo>
+                      <a:pt x="363" y="152"/>
+                      <a:pt x="358" y="147"/>
+                      <a:pt x="351" y="147"/>
+                    </a:cubicBezTo>
+                    <a:cubicBezTo>
+                      <a:pt x="181" y="147"/>
+                      <a:pt x="181" y="147"/>
+                      <a:pt x="181" y="147"/>
+                    </a:cubicBezTo>
+                    <a:cubicBezTo>
+                      <a:pt x="179" y="137"/>
+                      <a:pt x="179" y="137"/>
+                      <a:pt x="179" y="137"/>
+                    </a:cubicBezTo>
+                    <a:cubicBezTo>
+                      <a:pt x="176" y="127"/>
+                      <a:pt x="167" y="120"/>
+                      <a:pt x="157" y="120"/>
+                    </a:cubicBezTo>
+                    <a:cubicBezTo>
+                      <a:pt x="129" y="120"/>
+                      <a:pt x="129" y="120"/>
+                      <a:pt x="129" y="120"/>
+                    </a:cubicBezTo>
+                    <a:cubicBezTo>
+                      <a:pt x="122" y="120"/>
+                      <a:pt x="117" y="125"/>
+                      <a:pt x="117" y="132"/>
+                    </a:cubicBezTo>
+                    <a:cubicBezTo>
+                      <a:pt x="117" y="139"/>
+                      <a:pt x="122" y="144"/>
+                      <a:pt x="129" y="144"/>
+                    </a:cubicBezTo>
+                    <a:cubicBezTo>
+                      <a:pt x="156" y="144"/>
+                      <a:pt x="156" y="144"/>
+                      <a:pt x="156" y="144"/>
+                    </a:cubicBezTo>
+                    <a:cubicBezTo>
+                      <a:pt x="188" y="267"/>
+                      <a:pt x="188" y="267"/>
+                      <a:pt x="188" y="267"/>
+                    </a:cubicBezTo>
+                    <a:cubicBezTo>
+                      <a:pt x="191" y="276"/>
+                      <a:pt x="200" y="283"/>
+                      <a:pt x="210" y="283"/>
+                    </a:cubicBezTo>
+                    <a:cubicBezTo>
+                      <a:pt x="312" y="283"/>
+                      <a:pt x="312" y="283"/>
+                      <a:pt x="312" y="283"/>
+                    </a:cubicBezTo>
+                    <a:cubicBezTo>
+                      <a:pt x="322" y="283"/>
+                      <a:pt x="331" y="276"/>
+                      <a:pt x="334" y="267"/>
+                    </a:cubicBezTo>
+                    <a:cubicBezTo>
+                      <a:pt x="361" y="169"/>
+                      <a:pt x="361" y="169"/>
+                      <a:pt x="361" y="169"/>
+                    </a:cubicBezTo>
+                    <a:cubicBezTo>
+                      <a:pt x="362" y="164"/>
+                      <a:pt x="363" y="161"/>
+                      <a:pt x="363" y="158"/>
+                    </a:cubicBezTo>
+                    <a:close/>
+                    <a:moveTo>
+                      <a:pt x="423" y="405"/>
+                    </a:moveTo>
+                    <a:cubicBezTo>
+                      <a:pt x="423" y="384"/>
+                      <a:pt x="412" y="377"/>
+                      <a:pt x="401" y="377"/>
+                    </a:cubicBezTo>
+                    <a:cubicBezTo>
+                      <a:pt x="391" y="377"/>
+                      <a:pt x="385" y="382"/>
+                      <a:pt x="383" y="387"/>
+                    </a:cubicBezTo>
+                    <a:cubicBezTo>
+                      <a:pt x="382" y="387"/>
+                      <a:pt x="382" y="387"/>
+                      <a:pt x="382" y="387"/>
+                    </a:cubicBezTo>
+                    <a:cubicBezTo>
+                      <a:pt x="381" y="379"/>
+                      <a:pt x="381" y="379"/>
+                      <a:pt x="381" y="379"/>
+                    </a:cubicBezTo>
+                    <a:cubicBezTo>
+                      <a:pt x="370" y="379"/>
+                      <a:pt x="370" y="379"/>
+                      <a:pt x="370" y="379"/>
+                    </a:cubicBezTo>
+                    <a:cubicBezTo>
+                      <a:pt x="370" y="453"/>
+                      <a:pt x="370" y="453"/>
+                      <a:pt x="370" y="453"/>
+                    </a:cubicBezTo>
+                    <a:cubicBezTo>
+                      <a:pt x="383" y="453"/>
+                      <a:pt x="383" y="453"/>
+                      <a:pt x="383" y="453"/>
+                    </a:cubicBezTo>
+                    <a:cubicBezTo>
+                      <a:pt x="383" y="427"/>
+                      <a:pt x="383" y="427"/>
+                      <a:pt x="383" y="427"/>
+                    </a:cubicBezTo>
+                    <a:cubicBezTo>
+                      <a:pt x="383" y="427"/>
+                      <a:pt x="383" y="427"/>
+                      <a:pt x="383" y="427"/>
+                    </a:cubicBezTo>
+                    <a:cubicBezTo>
+                      <a:pt x="386" y="432"/>
+                      <a:pt x="392" y="435"/>
+                      <a:pt x="399" y="435"/>
+                    </a:cubicBezTo>
+                    <a:cubicBezTo>
+                      <a:pt x="414" y="435"/>
+                      <a:pt x="423" y="424"/>
+                      <a:pt x="423" y="405"/>
+                    </a:cubicBezTo>
+                    <a:close/>
+                    <a:moveTo>
+                      <a:pt x="397" y="386"/>
+                    </a:moveTo>
+                    <a:cubicBezTo>
+                      <a:pt x="388" y="386"/>
+                      <a:pt x="382" y="393"/>
+                      <a:pt x="382" y="406"/>
+                    </a:cubicBezTo>
+                    <a:cubicBezTo>
+                      <a:pt x="382" y="420"/>
+                      <a:pt x="387" y="425"/>
+                      <a:pt x="396" y="425"/>
+                    </a:cubicBezTo>
+                    <a:cubicBezTo>
+                      <a:pt x="405" y="425"/>
+                      <a:pt x="409" y="419"/>
+                      <a:pt x="409" y="405"/>
+                    </a:cubicBezTo>
+                    <a:cubicBezTo>
+                      <a:pt x="409" y="392"/>
+                      <a:pt x="405" y="386"/>
+                      <a:pt x="397" y="386"/>
+                    </a:cubicBezTo>
+                    <a:close/>
+                  </a:path>
+                </a:pathLst>
+              </a:custGeom>
+              <a:solidFill>
+                <a:schemeClr val="bg1">
+                  <a:lumMod val="75000"/>
+                </a:schemeClr>
+              </a:solidFill>
+              <a:ln>
+                <a:noFill/>
+              </a:ln>
+            </p:spPr>
+            <p:txBody>
+              <a:bodyPr vert="horz" wrap="square" lIns="91440" tIns="45720" rIns="91440" bIns="45720" numCol="1" anchor="t" anchorCtr="0" compatLnSpc="1">
+                <a:prstTxWarp prst="textNoShape">
+                  <a:avLst/>
+                </a:prstTxWarp>
+              </a:bodyPr>
+              <a:lstStyle/>
+              <a:p>
+                <a:pPr defTabSz="914418">
+                  <a:defRPr/>
+                </a:pPr>
+                <a:endParaRPr lang="en-US" sz="1600" kern="0">
+                  <a:solidFill>
+                    <a:srgbClr val="FFFFFF"/>
+                  </a:solidFill>
+                  <a:latin typeface="Arial" panose="020B0604020202020204" pitchFamily="34" charset="0"/>
+                  <a:cs typeface="Arial" panose="020B0604020202020204" pitchFamily="34" charset="0"/>
+                </a:endParaRPr>
+              </a:p>
+            </p:txBody>
+          </p:sp>
+          <p:sp>
+            <p:nvSpPr>
+              <p:cNvPr id="580" name="Freeform 270">
+                <a:extLst>
+                  <a:ext uri="{FF2B5EF4-FFF2-40B4-BE49-F238E27FC236}">
+                    <a16:creationId xmlns:a16="http://schemas.microsoft.com/office/drawing/2014/main" id="{E5798FDF-4043-7B4E-8AB5-F53151DE1EA1}"/>
+                  </a:ext>
+                </a:extLst>
+              </p:cNvPr>
+              <p:cNvSpPr/>
+              <p:nvPr/>
+            </p:nvSpPr>
+            <p:spPr>
+              <a:xfrm rot="10800000">
+                <a:off x="9507140" y="6065367"/>
+                <a:ext cx="338617" cy="133192"/>
+              </a:xfrm>
+              <a:custGeom>
+                <a:avLst/>
+                <a:gdLst>
+                  <a:gd name="connsiteX0" fmla="*/ 0 w 1539358"/>
+                  <a:gd name="connsiteY0" fmla="*/ 23091 h 254000"/>
+                  <a:gd name="connsiteX1" fmla="*/ 261691 w 1539358"/>
+                  <a:gd name="connsiteY1" fmla="*/ 254000 h 254000"/>
+                  <a:gd name="connsiteX2" fmla="*/ 1277667 w 1539358"/>
+                  <a:gd name="connsiteY2" fmla="*/ 254000 h 254000"/>
+                  <a:gd name="connsiteX3" fmla="*/ 1539358 w 1539358"/>
+                  <a:gd name="connsiteY3" fmla="*/ 0 h 254000"/>
+                  <a:gd name="connsiteX4" fmla="*/ 0 w 1539358"/>
+                  <a:gd name="connsiteY4" fmla="*/ 23091 h 254000"/>
+                  <a:gd name="connsiteX0" fmla="*/ 0 w 1553628"/>
+                  <a:gd name="connsiteY0" fmla="*/ 0 h 255882"/>
+                  <a:gd name="connsiteX1" fmla="*/ 275961 w 1553628"/>
+                  <a:gd name="connsiteY1" fmla="*/ 255882 h 255882"/>
+                  <a:gd name="connsiteX2" fmla="*/ 1291937 w 1553628"/>
+                  <a:gd name="connsiteY2" fmla="*/ 255882 h 255882"/>
+                  <a:gd name="connsiteX3" fmla="*/ 1553628 w 1553628"/>
+                  <a:gd name="connsiteY3" fmla="*/ 1882 h 255882"/>
+                  <a:gd name="connsiteX4" fmla="*/ 0 w 1553628"/>
+                  <a:gd name="connsiteY4" fmla="*/ 0 h 255882"/>
+                  <a:gd name="connsiteX0" fmla="*/ 0 w 1553628"/>
+                  <a:gd name="connsiteY0" fmla="*/ 0 h 258592"/>
+                  <a:gd name="connsiteX1" fmla="*/ 275961 w 1553628"/>
+                  <a:gd name="connsiteY1" fmla="*/ 255882 h 258592"/>
+                  <a:gd name="connsiteX2" fmla="*/ 1253654 w 1553628"/>
+                  <a:gd name="connsiteY2" fmla="*/ 258592 h 258592"/>
+                  <a:gd name="connsiteX3" fmla="*/ 1553628 w 1553628"/>
+                  <a:gd name="connsiteY3" fmla="*/ 1882 h 258592"/>
+                  <a:gd name="connsiteX4" fmla="*/ 0 w 1553628"/>
+                  <a:gd name="connsiteY4" fmla="*/ 0 h 258592"/>
+                  <a:gd name="connsiteX0" fmla="*/ 0 w 2080032"/>
+                  <a:gd name="connsiteY0" fmla="*/ 3538 h 262130"/>
+                  <a:gd name="connsiteX1" fmla="*/ 275961 w 2080032"/>
+                  <a:gd name="connsiteY1" fmla="*/ 259420 h 262130"/>
+                  <a:gd name="connsiteX2" fmla="*/ 1253654 w 2080032"/>
+                  <a:gd name="connsiteY2" fmla="*/ 262130 h 262130"/>
+                  <a:gd name="connsiteX3" fmla="*/ 2080032 w 2080032"/>
+                  <a:gd name="connsiteY3" fmla="*/ 0 h 262130"/>
+                  <a:gd name="connsiteX4" fmla="*/ 0 w 2080032"/>
+                  <a:gd name="connsiteY4" fmla="*/ 3538 h 262130"/>
+                  <a:gd name="connsiteX0" fmla="*/ 0 w 2616007"/>
+                  <a:gd name="connsiteY0" fmla="*/ 828 h 262130"/>
+                  <a:gd name="connsiteX1" fmla="*/ 811936 w 2616007"/>
+                  <a:gd name="connsiteY1" fmla="*/ 259420 h 262130"/>
+                  <a:gd name="connsiteX2" fmla="*/ 1789629 w 2616007"/>
+                  <a:gd name="connsiteY2" fmla="*/ 262130 h 262130"/>
+                  <a:gd name="connsiteX3" fmla="*/ 2616007 w 2616007"/>
+                  <a:gd name="connsiteY3" fmla="*/ 0 h 262130"/>
+                  <a:gd name="connsiteX4" fmla="*/ 0 w 2616007"/>
+                  <a:gd name="connsiteY4" fmla="*/ 828 h 262130"/>
+                </a:gdLst>
+                <a:ahLst/>
+                <a:cxnLst>
+                  <a:cxn ang="0">
+                    <a:pos x="connsiteX0" y="connsiteY0"/>
+                  </a:cxn>
+                  <a:cxn ang="0">
+                    <a:pos x="connsiteX1" y="connsiteY1"/>
+                  </a:cxn>
+                  <a:cxn ang="0">
+                    <a:pos x="connsiteX2" y="connsiteY2"/>
+                  </a:cxn>
+                  <a:cxn ang="0">
+                    <a:pos x="connsiteX3" y="connsiteY3"/>
+                  </a:cxn>
+                  <a:cxn ang="0">
+                    <a:pos x="connsiteX4" y="connsiteY4"/>
+                  </a:cxn>
+                </a:cxnLst>
+                <a:rect l="l" t="t" r="r" b="b"/>
+                <a:pathLst>
+                  <a:path w="2616007" h="262130">
+                    <a:moveTo>
+                      <a:pt x="0" y="828"/>
+                    </a:moveTo>
+                    <a:lnTo>
+                      <a:pt x="811936" y="259420"/>
+                    </a:lnTo>
+                    <a:lnTo>
+                      <a:pt x="1789629" y="262130"/>
+                    </a:lnTo>
+                    <a:lnTo>
+                      <a:pt x="2616007" y="0"/>
+                    </a:lnTo>
+                    <a:lnTo>
+                      <a:pt x="0" y="828"/>
+                    </a:lnTo>
+                    <a:close/>
+                  </a:path>
+                </a:pathLst>
+              </a:custGeom>
+              <a:gradFill flip="none" rotWithShape="1">
+                <a:gsLst>
+                  <a:gs pos="0">
+                    <a:srgbClr val="777877"/>
+                  </a:gs>
+                  <a:gs pos="100000">
+                    <a:srgbClr val="FFFFFF">
+                      <a:alpha val="0"/>
+                    </a:srgbClr>
+                  </a:gs>
+                </a:gsLst>
+                <a:lin ang="16200000" scaled="0"/>
+                <a:tileRect/>
+              </a:gradFill>
+            </p:spPr>
+            <p:txBody>
+              <a:bodyPr vert="horz" wrap="square" lIns="182880" tIns="0" rIns="91440" bIns="0" rtlCol="0" anchor="ctr">
+                <a:noAutofit/>
+              </a:bodyPr>
+              <a:lstStyle/>
+              <a:p>
+                <a:pPr algn="ctr">
+                  <a:lnSpc>
+                    <a:spcPct val="90000"/>
+                  </a:lnSpc>
+                  <a:defRPr/>
+                </a:pPr>
+                <a:r>
+                  <a:rPr lang="en-US" sz="2117" kern="0" cap="all" dirty="0">
+                    <a:solidFill>
+                      <a:srgbClr val="FFFFFF"/>
+                    </a:solidFill>
+                    <a:effectLst>
+                      <a:outerShdw blurRad="38100" dist="25400" dir="2700000" algn="tl">
+                        <a:srgbClr val="000000">
+                          <a:alpha val="0"/>
+                        </a:srgbClr>
+                      </a:outerShdw>
+                    </a:effectLst>
+                    <a:latin typeface="Arial"/>
+                    <a:cs typeface="Arial" panose="020B0604020202020204" pitchFamily="34" charset="0"/>
+                  </a:rPr>
+                  <a:t> </a:t>
+                </a:r>
+              </a:p>
+            </p:txBody>
+          </p:sp>
+        </p:grpSp>
+      </p:grpSp>
+      <p:pic>
+        <p:nvPicPr>
+          <p:cNvPr id="581" name="Picture 2" descr="Image result for docker">
+            <a:extLst>
+              <a:ext uri="{FF2B5EF4-FFF2-40B4-BE49-F238E27FC236}">
+                <a16:creationId xmlns:a16="http://schemas.microsoft.com/office/drawing/2014/main" id="{3C0E4426-6E7E-614A-BEE3-98B610CA4890}"/>
+              </a:ext>
+            </a:extLst>
+          </p:cNvPr>
+          <p:cNvPicPr>
+            <a:picLocks noChangeAspect="1" noChangeArrowheads="1"/>
+          </p:cNvPicPr>
+          <p:nvPr/>
+        </p:nvPicPr>
+        <p:blipFill>
+          <a:blip r:embed="rId4">
+            <a:extLst>
+              <a:ext uri="{28A0092B-C50C-407E-A947-70E740481C1C}">
+                <a14:useLocalDpi xmlns:a14="http://schemas.microsoft.com/office/drawing/2010/main" val="0"/>
+              </a:ext>
+            </a:extLst>
+          </a:blip>
+          <a:srcRect/>
+          <a:stretch>
+            <a:fillRect/>
+          </a:stretch>
+        </p:blipFill>
+        <p:spPr bwMode="auto">
+          <a:xfrm>
+            <a:off x="11752733" y="12092486"/>
+            <a:ext cx="406858" cy="362996"/>
+          </a:xfrm>
+          <a:prstGeom prst="rect">
+            <a:avLst/>
+          </a:prstGeom>
+          <a:ln>
+            <a:noFill/>
+          </a:ln>
+          <a:effectLst>
+            <a:outerShdw blurRad="190500" algn="tl" rotWithShape="0">
+              <a:srgbClr val="000000">
+                <a:alpha val="70000"/>
+              </a:srgbClr>
+            </a:outerShdw>
+          </a:effectLst>
+          <a:extLst>
+            <a:ext uri="{909E8E84-426E-40DD-AFC4-6F175D3DCCD1}">
+              <a14:hiddenFill xmlns:a14="http://schemas.microsoft.com/office/drawing/2010/main">
+                <a:solidFill>
+                  <a:srgbClr val="FFFFFF"/>
+                </a:solidFill>
+              </a14:hiddenFill>
+            </a:ext>
+          </a:extLst>
+        </p:spPr>
+      </p:pic>
+      <p:pic>
+        <p:nvPicPr>
+          <p:cNvPr id="582" name="Picture 2" descr="Image result for docker">
+            <a:extLst>
+              <a:ext uri="{FF2B5EF4-FFF2-40B4-BE49-F238E27FC236}">
+                <a16:creationId xmlns:a16="http://schemas.microsoft.com/office/drawing/2014/main" id="{BE775C38-A2FF-4349-9B75-FEE7BC9FFE65}"/>
+              </a:ext>
+            </a:extLst>
+          </p:cNvPr>
+          <p:cNvPicPr>
+            <a:picLocks noChangeAspect="1" noChangeArrowheads="1"/>
+          </p:cNvPicPr>
+          <p:nvPr/>
+        </p:nvPicPr>
+        <p:blipFill>
+          <a:blip r:embed="rId4">
+            <a:extLst>
+              <a:ext uri="{28A0092B-C50C-407E-A947-70E740481C1C}">
+                <a14:useLocalDpi xmlns:a14="http://schemas.microsoft.com/office/drawing/2010/main" val="0"/>
+              </a:ext>
+            </a:extLst>
+          </a:blip>
+          <a:srcRect/>
+          <a:stretch>
+            <a:fillRect/>
+          </a:stretch>
+        </p:blipFill>
+        <p:spPr bwMode="auto">
+          <a:xfrm>
+            <a:off x="12208395" y="12096788"/>
+            <a:ext cx="406858" cy="362996"/>
+          </a:xfrm>
+          <a:prstGeom prst="rect">
+            <a:avLst/>
+          </a:prstGeom>
+          <a:ln>
+            <a:noFill/>
+          </a:ln>
+          <a:effectLst>
+            <a:outerShdw blurRad="190500" algn="tl" rotWithShape="0">
+              <a:srgbClr val="000000">
+                <a:alpha val="70000"/>
+              </a:srgbClr>
+            </a:outerShdw>
+          </a:effectLst>
+          <a:extLst>
+            <a:ext uri="{909E8E84-426E-40DD-AFC4-6F175D3DCCD1}">
+              <a14:hiddenFill xmlns:a14="http://schemas.microsoft.com/office/drawing/2010/main">
+                <a:solidFill>
+                  <a:srgbClr val="FFFFFF"/>
+                </a:solidFill>
+              </a14:hiddenFill>
+            </a:ext>
+          </a:extLst>
+        </p:spPr>
+      </p:pic>
+      <p:cxnSp>
+        <p:nvCxnSpPr>
+          <p:cNvPr id="583" name="Straight Connector 582">
+            <a:extLst>
+              <a:ext uri="{FF2B5EF4-FFF2-40B4-BE49-F238E27FC236}">
+                <a16:creationId xmlns:a16="http://schemas.microsoft.com/office/drawing/2014/main" id="{71F3DE18-D334-A940-AB00-2062259CE9A0}"/>
+              </a:ext>
+            </a:extLst>
+          </p:cNvPr>
+          <p:cNvCxnSpPr>
+            <a:cxnSpLocks/>
+          </p:cNvCxnSpPr>
+          <p:nvPr/>
+        </p:nvCxnSpPr>
+        <p:spPr>
+          <a:xfrm flipV="1">
+            <a:off x="9187362" y="11529318"/>
+            <a:ext cx="2811597" cy="409533"/>
+          </a:xfrm>
+          <a:prstGeom prst="line">
+            <a:avLst/>
+          </a:prstGeom>
+          <a:ln w="19050">
+            <a:solidFill>
+              <a:schemeClr val="accent1"/>
+            </a:solidFill>
+          </a:ln>
+        </p:spPr>
+        <p:style>
+          <a:lnRef idx="1">
+            <a:schemeClr val="accent1"/>
+          </a:lnRef>
+          <a:fillRef idx="0">
+            <a:schemeClr val="accent1"/>
+          </a:fillRef>
+          <a:effectRef idx="0">
+            <a:schemeClr val="accent1"/>
+          </a:effectRef>
+          <a:fontRef idx="minor">
+            <a:schemeClr val="tx1"/>
+          </a:fontRef>
+        </p:style>
+      </p:cxnSp>
+      <p:sp>
+        <p:nvSpPr>
+          <p:cNvPr id="585" name="Rectangle: Rounded Corners 718">
+            <a:extLst>
+              <a:ext uri="{FF2B5EF4-FFF2-40B4-BE49-F238E27FC236}">
+                <a16:creationId xmlns:a16="http://schemas.microsoft.com/office/drawing/2014/main" id="{E5873021-5D1F-5C48-A4A0-4BB445A0770B}"/>
+              </a:ext>
+            </a:extLst>
+          </p:cNvPr>
+          <p:cNvSpPr/>
+          <p:nvPr/>
+        </p:nvSpPr>
+        <p:spPr>
+          <a:xfrm>
+            <a:off x="7858445" y="11630150"/>
+            <a:ext cx="552074" cy="523280"/>
+          </a:xfrm>
+          <a:prstGeom prst="roundRect">
+            <a:avLst/>
+          </a:prstGeom>
+          <a:solidFill>
+            <a:schemeClr val="accent5">
+              <a:lumMod val="60000"/>
+              <a:lumOff val="40000"/>
+            </a:schemeClr>
+          </a:solidFill>
+          <a:ln w="12700" cap="flat" cmpd="sng" algn="ctr">
+            <a:noFill/>
+            <a:prstDash val="solid"/>
+            <a:miter lim="800000"/>
+          </a:ln>
+          <a:effectLst>
+            <a:outerShdw blurRad="190500" dist="228600" dir="2700000" algn="ctr">
+              <a:srgbClr val="000000">
+                <a:alpha val="30000"/>
+              </a:srgbClr>
+            </a:outerShdw>
+          </a:effectLst>
+        </p:spPr>
+        <p:txBody>
+          <a:bodyPr rot="0" spcFirstLastPara="0" vertOverflow="overflow" horzOverflow="overflow" vert="horz" wrap="square" lIns="91440" tIns="45720" rIns="91440" bIns="45720" numCol="1" spcCol="0" rtlCol="0" fromWordArt="0" anchor="ctr" anchorCtr="0" forceAA="0" compatLnSpc="1">
+            <a:prstTxWarp prst="textNoShape">
+              <a:avLst/>
+            </a:prstTxWarp>
+            <a:noAutofit/>
+          </a:bodyPr>
+          <a:lstStyle/>
+          <a:p>
+            <a:pPr algn="ctr" defTabSz="914418">
+              <a:lnSpc>
+                <a:spcPct val="90000"/>
+              </a:lnSpc>
+              <a:defRPr/>
+            </a:pPr>
+            <a:endParaRPr lang="en-US" sz="2000" kern="0" dirty="0">
+              <a:solidFill>
+                <a:srgbClr val="FFFFFF"/>
+              </a:solidFill>
+              <a:latin typeface="Arial"/>
+            </a:endParaRPr>
+          </a:p>
+        </p:txBody>
+      </p:sp>
+      <p:sp>
+        <p:nvSpPr>
+          <p:cNvPr id="589" name="Rectangle: Rounded Corners 734">
+            <a:extLst>
+              <a:ext uri="{FF2B5EF4-FFF2-40B4-BE49-F238E27FC236}">
+                <a16:creationId xmlns:a16="http://schemas.microsoft.com/office/drawing/2014/main" id="{6ABD2EBA-59D4-FC4A-B27E-B9607736A9F9}"/>
+              </a:ext>
+            </a:extLst>
+          </p:cNvPr>
+          <p:cNvSpPr/>
+          <p:nvPr/>
+        </p:nvSpPr>
+        <p:spPr>
+          <a:xfrm>
+            <a:off x="7905730" y="11826714"/>
+            <a:ext cx="455280" cy="256506"/>
+          </a:xfrm>
+          <a:prstGeom prst="roundRect">
+            <a:avLst/>
+          </a:prstGeom>
+          <a:solidFill>
+            <a:srgbClr val="FFFFFF"/>
+          </a:solidFill>
+          <a:ln w="12700" cap="flat" cmpd="sng" algn="ctr">
+            <a:noFill/>
+            <a:prstDash val="solid"/>
+            <a:miter lim="800000"/>
+          </a:ln>
+          <a:effectLst>
+            <a:innerShdw blurRad="63500" dist="50800" dir="2700000">
+              <a:prstClr val="black">
+                <a:alpha val="50000"/>
+              </a:prstClr>
+            </a:innerShdw>
+          </a:effectLst>
+        </p:spPr>
+        <p:txBody>
+          <a:bodyPr rot="0" spcFirstLastPara="0" vertOverflow="overflow" horzOverflow="overflow" vert="horz" wrap="square" lIns="91440" tIns="45720" rIns="91440" bIns="45720" numCol="1" spcCol="0" rtlCol="0" fromWordArt="0" anchor="ctr" anchorCtr="0" forceAA="0" compatLnSpc="1">
+            <a:prstTxWarp prst="textNoShape">
+              <a:avLst/>
+            </a:prstTxWarp>
+            <a:noAutofit/>
+          </a:bodyPr>
+          <a:lstStyle/>
+          <a:p>
+            <a:pPr algn="ctr" defTabSz="914418">
+              <a:lnSpc>
+                <a:spcPct val="90000"/>
+              </a:lnSpc>
+              <a:defRPr/>
+            </a:pPr>
+            <a:endParaRPr lang="en-US" sz="2000" kern="0" dirty="0">
+              <a:solidFill>
+                <a:srgbClr val="FFFFFF"/>
+              </a:solidFill>
+              <a:latin typeface="Arial"/>
+            </a:endParaRPr>
+          </a:p>
+        </p:txBody>
+      </p:sp>
+      <p:sp>
+        <p:nvSpPr>
+          <p:cNvPr id="590" name="TextBox 589">
+            <a:extLst>
+              <a:ext uri="{FF2B5EF4-FFF2-40B4-BE49-F238E27FC236}">
+                <a16:creationId xmlns:a16="http://schemas.microsoft.com/office/drawing/2014/main" id="{B07C7B08-5037-2A49-BBCD-6DE5A9969947}"/>
+              </a:ext>
+            </a:extLst>
+          </p:cNvPr>
+          <p:cNvSpPr txBox="1"/>
+          <p:nvPr/>
+        </p:nvSpPr>
+        <p:spPr>
+          <a:xfrm>
+            <a:off x="7812097" y="11713428"/>
+            <a:ext cx="689333" cy="443198"/>
+          </a:xfrm>
+          <a:prstGeom prst="rect">
+            <a:avLst/>
+          </a:prstGeom>
+          <a:noFill/>
+          <a:ln>
+            <a:noFill/>
+          </a:ln>
+        </p:spPr>
+        <p:txBody>
+          <a:bodyPr wrap="square" lIns="155448" tIns="155448" rIns="155448" bIns="155448" rtlCol="0">
+            <a:spAutoFit/>
+          </a:bodyPr>
+          <a:lstStyle/>
+          <a:p>
+            <a:pPr defTabSz="914418">
+              <a:defRPr/>
+            </a:pPr>
+            <a:r>
+              <a:rPr lang="en-US" sz="800" kern="0" dirty="0">
+                <a:solidFill>
+                  <a:srgbClr val="004892"/>
+                </a:solidFill>
+                <a:latin typeface="Arial Rounded MT Bold" panose="020F0704030504030204" pitchFamily="34" charset="0"/>
+                <a:cs typeface="Arial" panose="020B0604020202020204" pitchFamily="34" charset="0"/>
+              </a:rPr>
+              <a:t>BIG-IQ</a:t>
+            </a:r>
+          </a:p>
+        </p:txBody>
+      </p:sp>
+      <p:sp>
+        <p:nvSpPr>
+          <p:cNvPr id="591" name="Rectangle: Rounded Corners 715">
+            <a:extLst>
+              <a:ext uri="{FF2B5EF4-FFF2-40B4-BE49-F238E27FC236}">
+                <a16:creationId xmlns:a16="http://schemas.microsoft.com/office/drawing/2014/main" id="{230248D0-5234-8A42-B9F6-E1C33F8CA80B}"/>
+              </a:ext>
+            </a:extLst>
+          </p:cNvPr>
+          <p:cNvSpPr/>
+          <p:nvPr/>
+        </p:nvSpPr>
+        <p:spPr>
+          <a:xfrm>
+            <a:off x="7854994" y="11618693"/>
+            <a:ext cx="578130" cy="544409"/>
+          </a:xfrm>
+          <a:prstGeom prst="roundRect">
+            <a:avLst/>
+          </a:prstGeom>
+          <a:noFill/>
+          <a:ln w="12700" cap="flat" cmpd="sng" algn="ctr">
+            <a:noFill/>
+            <a:prstDash val="solid"/>
+            <a:miter lim="800000"/>
+          </a:ln>
+          <a:effectLst/>
+        </p:spPr>
+        <p:txBody>
+          <a:bodyPr rot="0" spcFirstLastPara="0" vertOverflow="overflow" horzOverflow="overflow" vert="horz" wrap="square" lIns="91440" tIns="45720" rIns="91440" bIns="45720" numCol="1" spcCol="0" rtlCol="0" fromWordArt="0" anchor="ctr" anchorCtr="0" forceAA="0" compatLnSpc="1">
+            <a:prstTxWarp prst="textNoShape">
+              <a:avLst/>
+            </a:prstTxWarp>
+            <a:noAutofit/>
+          </a:bodyPr>
+          <a:lstStyle/>
+          <a:p>
+            <a:pPr algn="ctr" defTabSz="914418">
+              <a:lnSpc>
+                <a:spcPct val="90000"/>
+              </a:lnSpc>
+              <a:defRPr/>
+            </a:pPr>
+            <a:endParaRPr lang="en-US" sz="2000" kern="0" dirty="0">
+              <a:solidFill>
+                <a:srgbClr val="FFFFFF"/>
+              </a:solidFill>
+              <a:latin typeface="Arial"/>
+            </a:endParaRPr>
+          </a:p>
+        </p:txBody>
+      </p:sp>
+      <p:sp>
+        <p:nvSpPr>
+          <p:cNvPr id="592" name="TextBox 591">
+            <a:extLst>
+              <a:ext uri="{FF2B5EF4-FFF2-40B4-BE49-F238E27FC236}">
+                <a16:creationId xmlns:a16="http://schemas.microsoft.com/office/drawing/2014/main" id="{800F19DC-824F-D246-8E5C-5A62451390D7}"/>
+              </a:ext>
+            </a:extLst>
+          </p:cNvPr>
+          <p:cNvSpPr txBox="1"/>
+          <p:nvPr/>
+        </p:nvSpPr>
+        <p:spPr>
+          <a:xfrm>
+            <a:off x="7872657" y="12022851"/>
+            <a:ext cx="820943" cy="467820"/>
+          </a:xfrm>
+          <a:prstGeom prst="rect">
+            <a:avLst/>
+          </a:prstGeom>
+          <a:noFill/>
+          <a:ln>
+            <a:noFill/>
+          </a:ln>
+        </p:spPr>
+        <p:txBody>
+          <a:bodyPr wrap="square" lIns="155448" tIns="155448" rIns="155448" bIns="155448" rtlCol="0">
+            <a:spAutoFit/>
+          </a:bodyPr>
+          <a:lstStyle/>
+          <a:p>
+            <a:pPr defTabSz="914418">
+              <a:defRPr/>
+            </a:pPr>
+            <a:r>
+              <a:rPr lang="en-US" sz="1000" kern="0" dirty="0">
+                <a:solidFill>
+                  <a:srgbClr val="004892"/>
+                </a:solidFill>
+                <a:latin typeface="Arial Rounded MT Bold" panose="020F0704030504030204" pitchFamily="34" charset="0"/>
+                <a:cs typeface="Arial" panose="020B0604020202020204" pitchFamily="34" charset="0"/>
+              </a:rPr>
+              <a:t>CM</a:t>
+            </a:r>
+          </a:p>
+        </p:txBody>
+      </p:sp>
+      <p:sp>
+        <p:nvSpPr>
+          <p:cNvPr id="600" name="TextBox 599">
+            <a:extLst>
+              <a:ext uri="{FF2B5EF4-FFF2-40B4-BE49-F238E27FC236}">
+                <a16:creationId xmlns:a16="http://schemas.microsoft.com/office/drawing/2014/main" id="{A4D0218D-E829-3248-BD7C-0C399E4D0381}"/>
+              </a:ext>
+            </a:extLst>
+          </p:cNvPr>
+          <p:cNvSpPr txBox="1"/>
+          <p:nvPr/>
+        </p:nvSpPr>
+        <p:spPr>
+          <a:xfrm>
+            <a:off x="7877864" y="11490116"/>
+            <a:ext cx="503321" cy="483209"/>
+          </a:xfrm>
+          <a:prstGeom prst="rect">
+            <a:avLst/>
+          </a:prstGeom>
+          <a:noFill/>
+          <a:ln>
+            <a:noFill/>
+          </a:ln>
+          <a:effectLst>
+            <a:outerShdw blurRad="190500" dist="228600" dir="2700000" algn="ctr">
+              <a:srgbClr val="000000">
+                <a:alpha val="30000"/>
+              </a:srgbClr>
+            </a:outerShdw>
+          </a:effectLst>
+        </p:spPr>
+        <p:txBody>
+          <a:bodyPr wrap="square" lIns="155448" tIns="155448" rIns="155448" bIns="155448" rtlCol="0">
+            <a:spAutoFit/>
+          </a:bodyPr>
+          <a:lstStyle/>
+          <a:p>
+            <a:pPr defTabSz="914418">
+              <a:defRPr/>
+            </a:pPr>
+            <a:r>
+              <a:rPr lang="en-US" sz="1100" kern="0" dirty="0">
+                <a:gradFill>
+                  <a:gsLst>
+                    <a:gs pos="0">
+                      <a:srgbClr val="FFFFFF"/>
+                    </a:gs>
+                    <a:gs pos="100000">
+                      <a:srgbClr val="FFFFFF"/>
+                    </a:gs>
+                  </a:gsLst>
+                  <a:lin ang="5400000" scaled="1"/>
+                </a:gradFill>
+                <a:latin typeface="Arial Rounded MT Bold" panose="020F0704030504030204" pitchFamily="34" charset="0"/>
+                <a:cs typeface="Arial" panose="020B0604020202020204" pitchFamily="34" charset="0"/>
+              </a:rPr>
+              <a:t>VE</a:t>
+            </a:r>
+          </a:p>
+        </p:txBody>
+      </p:sp>
     </p:spTree>
     <p:extLst>
       <p:ext uri="{BB962C8B-B14F-4D97-AF65-F5344CB8AC3E}">

--- a/docs/pptx/BlueprintDiag.pptx
+++ b/docs/pptx/BlueprintDiag.pptx
@@ -198,7 +198,7 @@
           <a:p>
             <a:fld id="{5E8AE13A-5A80-4F17-971D-03F4C3B28A8B}" type="datetimeFigureOut">
               <a:rPr lang="en-US" smtClean="0"/>
-              <a:t>7/24/20</a:t>
+              <a:t>7/27/20</a:t>
             </a:fld>
             <a:endParaRPr lang="en-US"/>
           </a:p>
@@ -1922,7 +1922,7 @@
           <a:p>
             <a:fld id="{24AFE612-74AD-4B6F-8D78-7C42EB8A6CD6}" type="datetimeFigureOut">
               <a:rPr lang="en-US" smtClean="0"/>
-              <a:t>7/24/20</a:t>
+              <a:t>7/27/20</a:t>
             </a:fld>
             <a:endParaRPr lang="en-US"/>
           </a:p>
@@ -2092,7 +2092,7 @@
           <a:p>
             <a:fld id="{24AFE612-74AD-4B6F-8D78-7C42EB8A6CD6}" type="datetimeFigureOut">
               <a:rPr lang="en-US" smtClean="0"/>
-              <a:t>7/24/20</a:t>
+              <a:t>7/27/20</a:t>
             </a:fld>
             <a:endParaRPr lang="en-US"/>
           </a:p>
@@ -2634,7 +2634,7 @@
           <a:p>
             <a:fld id="{24AFE612-74AD-4B6F-8D78-7C42EB8A6CD6}" type="datetimeFigureOut">
               <a:rPr lang="en-US" smtClean="0"/>
-              <a:t>7/24/20</a:t>
+              <a:t>7/27/20</a:t>
             </a:fld>
             <a:endParaRPr lang="en-US"/>
           </a:p>
@@ -2866,7 +2866,7 @@
           <a:p>
             <a:fld id="{24AFE612-74AD-4B6F-8D78-7C42EB8A6CD6}" type="datetimeFigureOut">
               <a:rPr lang="en-US" smtClean="0"/>
-              <a:t>7/24/20</a:t>
+              <a:t>7/27/20</a:t>
             </a:fld>
             <a:endParaRPr lang="en-US"/>
           </a:p>
@@ -3233,7 +3233,7 @@
           <a:p>
             <a:fld id="{24AFE612-74AD-4B6F-8D78-7C42EB8A6CD6}" type="datetimeFigureOut">
               <a:rPr lang="en-US" smtClean="0"/>
-              <a:t>7/24/20</a:t>
+              <a:t>7/27/20</a:t>
             </a:fld>
             <a:endParaRPr lang="en-US"/>
           </a:p>
@@ -3351,7 +3351,7 @@
           <a:p>
             <a:fld id="{24AFE612-74AD-4B6F-8D78-7C42EB8A6CD6}" type="datetimeFigureOut">
               <a:rPr lang="en-US" smtClean="0"/>
-              <a:t>7/24/20</a:t>
+              <a:t>7/27/20</a:t>
             </a:fld>
             <a:endParaRPr lang="en-US"/>
           </a:p>
@@ -3446,7 +3446,7 @@
           <a:p>
             <a:fld id="{24AFE612-74AD-4B6F-8D78-7C42EB8A6CD6}" type="datetimeFigureOut">
               <a:rPr lang="en-US" smtClean="0"/>
-              <a:t>7/24/20</a:t>
+              <a:t>7/27/20</a:t>
             </a:fld>
             <a:endParaRPr lang="en-US"/>
           </a:p>
@@ -3723,7 +3723,7 @@
           <a:p>
             <a:fld id="{24AFE612-74AD-4B6F-8D78-7C42EB8A6CD6}" type="datetimeFigureOut">
               <a:rPr lang="en-US" smtClean="0"/>
-              <a:t>7/24/20</a:t>
+              <a:t>7/27/20</a:t>
             </a:fld>
             <a:endParaRPr lang="en-US"/>
           </a:p>
@@ -3980,7 +3980,7 @@
           <a:p>
             <a:fld id="{24AFE612-74AD-4B6F-8D78-7C42EB8A6CD6}" type="datetimeFigureOut">
               <a:rPr lang="en-US" smtClean="0"/>
-              <a:t>7/24/20</a:t>
+              <a:t>7/27/20</a:t>
             </a:fld>
             <a:endParaRPr lang="en-US"/>
           </a:p>
@@ -4150,7 +4150,7 @@
           <a:p>
             <a:fld id="{24AFE612-74AD-4B6F-8D78-7C42EB8A6CD6}" type="datetimeFigureOut">
               <a:rPr lang="en-US" smtClean="0"/>
-              <a:t>7/24/20</a:t>
+              <a:t>7/27/20</a:t>
             </a:fld>
             <a:endParaRPr lang="en-US"/>
           </a:p>
@@ -4330,7 +4330,7 @@
           <a:p>
             <a:fld id="{24AFE612-74AD-4B6F-8D78-7C42EB8A6CD6}" type="datetimeFigureOut">
               <a:rPr lang="en-US" smtClean="0"/>
-              <a:t>7/24/20</a:t>
+              <a:t>7/27/20</a:t>
             </a:fld>
             <a:endParaRPr lang="en-US"/>
           </a:p>
@@ -7589,7 +7589,7 @@
           <a:p>
             <a:fld id="{24AFE612-74AD-4B6F-8D78-7C42EB8A6CD6}" type="datetimeFigureOut">
               <a:rPr lang="en-US" smtClean="0"/>
-              <a:t>7/24/20</a:t>
+              <a:t>7/27/20</a:t>
             </a:fld>
             <a:endParaRPr lang="en-US"/>
           </a:p>
@@ -9938,7 +9938,7 @@
                 </a:ln>
                 <a:extLst>
                   <a:ext uri="{91240B29-F687-4f45-9708-019B960494DF}">
-                    <a14:hiddenLine xmlns:a14="http://schemas.microsoft.com/office/drawing/2010/main" xmlns="" w="9525">
+                    <a14:hiddenLine xmlns="" xmlns:a14="http://schemas.microsoft.com/office/drawing/2010/main" w="9525">
                       <a:solidFill>
                         <a:srgbClr val="000000"/>
                       </a:solidFill>
@@ -10091,7 +10091,7 @@
                 </a:ln>
                 <a:extLst>
                   <a:ext uri="{91240B29-F687-4f45-9708-019B960494DF}">
-                    <a14:hiddenLine xmlns:a14="http://schemas.microsoft.com/office/drawing/2010/main" xmlns="" w="9525">
+                    <a14:hiddenLine xmlns="" xmlns:a14="http://schemas.microsoft.com/office/drawing/2010/main" w="9525">
                       <a:solidFill>
                         <a:srgbClr val="000000"/>
                       </a:solidFill>
@@ -10244,7 +10244,7 @@
                 </a:ln>
                 <a:extLst>
                   <a:ext uri="{91240B29-F687-4f45-9708-019B960494DF}">
-                    <a14:hiddenLine xmlns:a14="http://schemas.microsoft.com/office/drawing/2010/main" xmlns="" w="9525">
+                    <a14:hiddenLine xmlns="" xmlns:a14="http://schemas.microsoft.com/office/drawing/2010/main" w="9525">
                       <a:solidFill>
                         <a:srgbClr val="000000"/>
                       </a:solidFill>
@@ -10397,7 +10397,7 @@
                 </a:ln>
                 <a:extLst>
                   <a:ext uri="{91240B29-F687-4f45-9708-019B960494DF}">
-                    <a14:hiddenLine xmlns:a14="http://schemas.microsoft.com/office/drawing/2010/main" xmlns="" w="9525">
+                    <a14:hiddenLine xmlns="" xmlns:a14="http://schemas.microsoft.com/office/drawing/2010/main" w="9525">
                       <a:solidFill>
                         <a:srgbClr val="000000"/>
                       </a:solidFill>
@@ -10550,7 +10550,7 @@
                 </a:ln>
                 <a:extLst>
                   <a:ext uri="{91240B29-F687-4f45-9708-019B960494DF}">
-                    <a14:hiddenLine xmlns:a14="http://schemas.microsoft.com/office/drawing/2010/main" xmlns="" w="9525">
+                    <a14:hiddenLine xmlns="" xmlns:a14="http://schemas.microsoft.com/office/drawing/2010/main" w="9525">
                       <a:solidFill>
                         <a:srgbClr val="000000"/>
                       </a:solidFill>
@@ -10703,7 +10703,7 @@
                 </a:ln>
                 <a:extLst>
                   <a:ext uri="{91240B29-F687-4f45-9708-019B960494DF}">
-                    <a14:hiddenLine xmlns:a14="http://schemas.microsoft.com/office/drawing/2010/main" xmlns="" w="9525">
+                    <a14:hiddenLine xmlns="" xmlns:a14="http://schemas.microsoft.com/office/drawing/2010/main" w="9525">
                       <a:solidFill>
                         <a:srgbClr val="000000"/>
                       </a:solidFill>
@@ -10856,7 +10856,7 @@
                 </a:ln>
                 <a:extLst>
                   <a:ext uri="{91240B29-F687-4f45-9708-019B960494DF}">
-                    <a14:hiddenLine xmlns:a14="http://schemas.microsoft.com/office/drawing/2010/main" xmlns="" w="9525">
+                    <a14:hiddenLine xmlns="" xmlns:a14="http://schemas.microsoft.com/office/drawing/2010/main" w="9525">
                       <a:solidFill>
                         <a:srgbClr val="000000"/>
                       </a:solidFill>
@@ -11009,7 +11009,7 @@
                 </a:ln>
                 <a:extLst>
                   <a:ext uri="{91240B29-F687-4f45-9708-019B960494DF}">
-                    <a14:hiddenLine xmlns:a14="http://schemas.microsoft.com/office/drawing/2010/main" xmlns="" w="9525">
+                    <a14:hiddenLine xmlns="" xmlns:a14="http://schemas.microsoft.com/office/drawing/2010/main" w="9525">
                       <a:solidFill>
                         <a:srgbClr val="000000"/>
                       </a:solidFill>
@@ -11162,7 +11162,7 @@
                 </a:ln>
                 <a:extLst>
                   <a:ext uri="{91240B29-F687-4f45-9708-019B960494DF}">
-                    <a14:hiddenLine xmlns:a14="http://schemas.microsoft.com/office/drawing/2010/main" xmlns="" w="9525">
+                    <a14:hiddenLine xmlns="" xmlns:a14="http://schemas.microsoft.com/office/drawing/2010/main" w="9525">
                       <a:solidFill>
                         <a:srgbClr val="000000"/>
                       </a:solidFill>
@@ -11315,7 +11315,7 @@
                 </a:ln>
                 <a:extLst>
                   <a:ext uri="{91240B29-F687-4f45-9708-019B960494DF}">
-                    <a14:hiddenLine xmlns:a14="http://schemas.microsoft.com/office/drawing/2010/main" xmlns="" w="9525">
+                    <a14:hiddenLine xmlns="" xmlns:a14="http://schemas.microsoft.com/office/drawing/2010/main" w="9525">
                       <a:solidFill>
                         <a:srgbClr val="000000"/>
                       </a:solidFill>
@@ -11468,7 +11468,7 @@
                 </a:ln>
                 <a:extLst>
                   <a:ext uri="{91240B29-F687-4f45-9708-019B960494DF}">
-                    <a14:hiddenLine xmlns:a14="http://schemas.microsoft.com/office/drawing/2010/main" xmlns="" w="9525">
+                    <a14:hiddenLine xmlns="" xmlns:a14="http://schemas.microsoft.com/office/drawing/2010/main" w="9525">
                       <a:solidFill>
                         <a:srgbClr val="000000"/>
                       </a:solidFill>
@@ -11621,7 +11621,7 @@
                 </a:ln>
                 <a:extLst>
                   <a:ext uri="{91240B29-F687-4f45-9708-019B960494DF}">
-                    <a14:hiddenLine xmlns:a14="http://schemas.microsoft.com/office/drawing/2010/main" xmlns="" w="9525">
+                    <a14:hiddenLine xmlns="" xmlns:a14="http://schemas.microsoft.com/office/drawing/2010/main" w="9525">
                       <a:solidFill>
                         <a:srgbClr val="000000"/>
                       </a:solidFill>
@@ -11945,7 +11945,7 @@
           </a:ln>
           <a:extLst>
             <a:ext uri="{91240B29-F687-4f45-9708-019B960494DF}">
-              <a14:hiddenLine xmlns="" xmlns:a14="http://schemas.microsoft.com/office/drawing/2010/main" w="9525">
+              <a14:hiddenLine xmlns:a14="http://schemas.microsoft.com/office/drawing/2010/main" xmlns="" w="9525">
                 <a:solidFill>
                   <a:srgbClr val="000000"/>
                 </a:solidFill>
@@ -12113,14 +12113,14 @@
           </a:ln>
           <a:extLst>
             <a:ext uri="{909E8E84-426E-40dd-AFC4-6F175D3DCCD1}">
-              <a14:hiddenFill xmlns="" xmlns:a14="http://schemas.microsoft.com/office/drawing/2010/main">
+              <a14:hiddenFill xmlns:a14="http://schemas.microsoft.com/office/drawing/2010/main" xmlns="">
                 <a:solidFill>
                   <a:srgbClr val="FFFFFF"/>
                 </a:solidFill>
               </a14:hiddenFill>
             </a:ext>
             <a:ext uri="{91240B29-F687-4f45-9708-019B960494DF}">
-              <a14:hiddenLine xmlns="" xmlns:a14="http://schemas.microsoft.com/office/drawing/2010/main" w="9525">
+              <a14:hiddenLine xmlns:a14="http://schemas.microsoft.com/office/drawing/2010/main" xmlns="" w="9525">
                 <a:solidFill>
                   <a:srgbClr val="000000"/>
                 </a:solidFill>
@@ -13337,7 +13337,7 @@
           </a:ln>
           <a:extLst>
             <a:ext uri="{91240B29-F687-4f45-9708-019B960494DF}">
-              <a14:hiddenLine xmlns="" xmlns:a14="http://schemas.microsoft.com/office/drawing/2010/main" w="9525">
+              <a14:hiddenLine xmlns:a14="http://schemas.microsoft.com/office/drawing/2010/main" xmlns="" w="9525">
                 <a:solidFill>
                   <a:srgbClr val="000000"/>
                 </a:solidFill>
@@ -13619,7 +13619,7 @@
           </a:ln>
           <a:extLst>
             <a:ext uri="{91240B29-F687-4f45-9708-019B960494DF}">
-              <a14:hiddenLine xmlns="" xmlns:a14="http://schemas.microsoft.com/office/drawing/2010/main" w="9525">
+              <a14:hiddenLine xmlns:a14="http://schemas.microsoft.com/office/drawing/2010/main" xmlns="" w="9525">
                 <a:solidFill>
                   <a:srgbClr val="000000"/>
                 </a:solidFill>
@@ -14413,7 +14413,7 @@
             </a:ln>
             <a:extLst>
               <a:ext uri="{91240B29-F687-4f45-9708-019B960494DF}">
-                <a14:hiddenLine xmlns="" xmlns:a14="http://schemas.microsoft.com/office/drawing/2010/main" w="9525">
+                <a14:hiddenLine xmlns:a14="http://schemas.microsoft.com/office/drawing/2010/main" xmlns="" w="9525">
                   <a:solidFill>
                     <a:srgbClr val="000000"/>
                   </a:solidFill>
@@ -14473,14 +14473,14 @@
             </a:ln>
             <a:extLst>
               <a:ext uri="{909E8E84-426E-40dd-AFC4-6F175D3DCCD1}">
-                <a14:hiddenFill xmlns="" xmlns:a14="http://schemas.microsoft.com/office/drawing/2010/main">
+                <a14:hiddenFill xmlns:a14="http://schemas.microsoft.com/office/drawing/2010/main" xmlns="">
                   <a:solidFill>
                     <a:srgbClr val="FFFFFF"/>
                   </a:solidFill>
                 </a14:hiddenFill>
               </a:ext>
               <a:ext uri="{91240B29-F687-4f45-9708-019B960494DF}">
-                <a14:hiddenLine xmlns="" xmlns:a14="http://schemas.microsoft.com/office/drawing/2010/main" w="9525">
+                <a14:hiddenLine xmlns:a14="http://schemas.microsoft.com/office/drawing/2010/main" xmlns="" w="9525">
                   <a:solidFill>
                     <a:srgbClr val="000000"/>
                   </a:solidFill>
@@ -14609,7 +14609,7 @@
             </a:ln>
             <a:extLst>
               <a:ext uri="{91240B29-F687-4f45-9708-019B960494DF}">
-                <a14:hiddenLine xmlns="" xmlns:a14="http://schemas.microsoft.com/office/drawing/2010/main" w="9525">
+                <a14:hiddenLine xmlns:a14="http://schemas.microsoft.com/office/drawing/2010/main" xmlns="" w="9525">
                   <a:solidFill>
                     <a:srgbClr val="000000"/>
                   </a:solidFill>
@@ -14754,7 +14754,7 @@
             </a:ln>
             <a:extLst>
               <a:ext uri="{91240B29-F687-4f45-9708-019B960494DF}">
-                <a14:hiddenLine xmlns="" xmlns:a14="http://schemas.microsoft.com/office/drawing/2010/main" w="9525">
+                <a14:hiddenLine xmlns:a14="http://schemas.microsoft.com/office/drawing/2010/main" xmlns="" w="9525">
                   <a:solidFill>
                     <a:srgbClr val="000000"/>
                   </a:solidFill>
@@ -14963,7 +14963,7 @@
             </a:ln>
             <a:extLst>
               <a:ext uri="{91240B29-F687-4f45-9708-019B960494DF}">
-                <a14:hiddenLine xmlns="" xmlns:a14="http://schemas.microsoft.com/office/drawing/2010/main" w="9525">
+                <a14:hiddenLine xmlns:a14="http://schemas.microsoft.com/office/drawing/2010/main" xmlns="" w="9525">
                   <a:solidFill>
                     <a:srgbClr val="000000"/>
                   </a:solidFill>
@@ -15123,7 +15123,7 @@
           </a:ln>
           <a:extLst>
             <a:ext uri="{91240B29-F687-4f45-9708-019B960494DF}">
-              <a14:hiddenLine xmlns="" xmlns:a14="http://schemas.microsoft.com/office/drawing/2010/main" w="9525">
+              <a14:hiddenLine xmlns:a14="http://schemas.microsoft.com/office/drawing/2010/main" xmlns="" w="9525">
                 <a:solidFill>
                   <a:srgbClr val="000000"/>
                 </a:solidFill>
@@ -15309,7 +15309,7 @@
           </a:ln>
           <a:extLst>
             <a:ext uri="{91240B29-F687-4f45-9708-019B960494DF}">
-              <a14:hiddenLine xmlns="" xmlns:a14="http://schemas.microsoft.com/office/drawing/2010/main" w="9525">
+              <a14:hiddenLine xmlns:a14="http://schemas.microsoft.com/office/drawing/2010/main" xmlns="" w="9525">
                 <a:solidFill>
                   <a:srgbClr val="000000"/>
                 </a:solidFill>
@@ -15528,7 +15528,7 @@
           </a:ln>
           <a:extLst>
             <a:ext uri="{91240B29-F687-4f45-9708-019B960494DF}">
-              <a14:hiddenLine xmlns="" xmlns:a14="http://schemas.microsoft.com/office/drawing/2010/main" w="9525">
+              <a14:hiddenLine xmlns:a14="http://schemas.microsoft.com/office/drawing/2010/main" xmlns="" w="9525">
                 <a:solidFill>
                   <a:srgbClr val="000000"/>
                 </a:solidFill>
@@ -15737,7 +15737,7 @@
           </a:ln>
           <a:extLst>
             <a:ext uri="{91240B29-F687-4f45-9708-019B960494DF}">
-              <a14:hiddenLine xmlns="" xmlns:a14="http://schemas.microsoft.com/office/drawing/2010/main" w="9525">
+              <a14:hiddenLine xmlns:a14="http://schemas.microsoft.com/office/drawing/2010/main" xmlns="" w="9525">
                 <a:solidFill>
                   <a:srgbClr val="000000"/>
                 </a:solidFill>
@@ -16229,7 +16229,7 @@
             </a:ln>
             <a:extLst>
               <a:ext uri="{91240B29-F687-4f45-9708-019B960494DF}">
-                <a14:hiddenLine xmlns="" xmlns:a14="http://schemas.microsoft.com/office/drawing/2010/main" w="9525">
+                <a14:hiddenLine xmlns:a14="http://schemas.microsoft.com/office/drawing/2010/main" xmlns="" w="9525">
                   <a:solidFill>
                     <a:srgbClr val="000000"/>
                   </a:solidFill>
@@ -16289,14 +16289,14 @@
             </a:ln>
             <a:extLst>
               <a:ext uri="{909E8E84-426E-40dd-AFC4-6F175D3DCCD1}">
-                <a14:hiddenFill xmlns="" xmlns:a14="http://schemas.microsoft.com/office/drawing/2010/main">
+                <a14:hiddenFill xmlns:a14="http://schemas.microsoft.com/office/drawing/2010/main" xmlns="">
                   <a:solidFill>
                     <a:srgbClr val="FFFFFF"/>
                   </a:solidFill>
                 </a14:hiddenFill>
               </a:ext>
               <a:ext uri="{91240B29-F687-4f45-9708-019B960494DF}">
-                <a14:hiddenLine xmlns="" xmlns:a14="http://schemas.microsoft.com/office/drawing/2010/main" w="9525">
+                <a14:hiddenLine xmlns:a14="http://schemas.microsoft.com/office/drawing/2010/main" xmlns="" w="9525">
                   <a:solidFill>
                     <a:srgbClr val="000000"/>
                   </a:solidFill>
@@ -16425,7 +16425,7 @@
             </a:ln>
             <a:extLst>
               <a:ext uri="{91240B29-F687-4f45-9708-019B960494DF}">
-                <a14:hiddenLine xmlns="" xmlns:a14="http://schemas.microsoft.com/office/drawing/2010/main" w="9525">
+                <a14:hiddenLine xmlns:a14="http://schemas.microsoft.com/office/drawing/2010/main" xmlns="" w="9525">
                   <a:solidFill>
                     <a:srgbClr val="000000"/>
                   </a:solidFill>
@@ -16570,7 +16570,7 @@
             </a:ln>
             <a:extLst>
               <a:ext uri="{91240B29-F687-4f45-9708-019B960494DF}">
-                <a14:hiddenLine xmlns="" xmlns:a14="http://schemas.microsoft.com/office/drawing/2010/main" w="9525">
+                <a14:hiddenLine xmlns:a14="http://schemas.microsoft.com/office/drawing/2010/main" xmlns="" w="9525">
                   <a:solidFill>
                     <a:srgbClr val="000000"/>
                   </a:solidFill>
@@ -16779,7 +16779,7 @@
             </a:ln>
             <a:extLst>
               <a:ext uri="{91240B29-F687-4f45-9708-019B960494DF}">
-                <a14:hiddenLine xmlns="" xmlns:a14="http://schemas.microsoft.com/office/drawing/2010/main" w="9525">
+                <a14:hiddenLine xmlns:a14="http://schemas.microsoft.com/office/drawing/2010/main" xmlns="" w="9525">
                   <a:solidFill>
                     <a:srgbClr val="000000"/>
                   </a:solidFill>
@@ -16862,14 +16862,14 @@
             </a:ln>
             <a:extLst>
               <a:ext uri="{909E8E84-426E-40dd-AFC4-6F175D3DCCD1}">
-                <a14:hiddenFill xmlns="" xmlns:a14="http://schemas.microsoft.com/office/drawing/2010/main">
+                <a14:hiddenFill xmlns:a14="http://schemas.microsoft.com/office/drawing/2010/main" xmlns="">
                   <a:solidFill>
                     <a:srgbClr val="FFFFFF"/>
                   </a:solidFill>
                 </a14:hiddenFill>
               </a:ext>
               <a:ext uri="{91240B29-F687-4f45-9708-019B960494DF}">
-                <a14:hiddenLine xmlns="" xmlns:a14="http://schemas.microsoft.com/office/drawing/2010/main" w="9525">
+                <a14:hiddenLine xmlns:a14="http://schemas.microsoft.com/office/drawing/2010/main" xmlns="" w="9525">
                   <a:solidFill>
                     <a:srgbClr val="000000"/>
                   </a:solidFill>
@@ -17028,7 +17028,7 @@
             </a:ln>
             <a:extLst>
               <a:ext uri="{91240B29-F687-4f45-9708-019B960494DF}">
-                <a14:hiddenLine xmlns="" xmlns:a14="http://schemas.microsoft.com/office/drawing/2010/main" w="9525">
+                <a14:hiddenLine xmlns:a14="http://schemas.microsoft.com/office/drawing/2010/main" xmlns="" w="9525">
                   <a:solidFill>
                     <a:srgbClr val="000000"/>
                   </a:solidFill>
@@ -17214,7 +17214,7 @@
             </a:ln>
             <a:extLst>
               <a:ext uri="{91240B29-F687-4f45-9708-019B960494DF}">
-                <a14:hiddenLine xmlns="" xmlns:a14="http://schemas.microsoft.com/office/drawing/2010/main" w="9525">
+                <a14:hiddenLine xmlns:a14="http://schemas.microsoft.com/office/drawing/2010/main" xmlns="" w="9525">
                   <a:solidFill>
                     <a:srgbClr val="000000"/>
                   </a:solidFill>
@@ -17420,7 +17420,7 @@
             </a:ln>
             <a:extLst>
               <a:ext uri="{91240B29-F687-4f45-9708-019B960494DF}">
-                <a14:hiddenLine xmlns="" xmlns:a14="http://schemas.microsoft.com/office/drawing/2010/main" w="9525">
+                <a14:hiddenLine xmlns:a14="http://schemas.microsoft.com/office/drawing/2010/main" xmlns="" w="9525">
                   <a:solidFill>
                     <a:srgbClr val="000000"/>
                   </a:solidFill>
@@ -17629,7 +17629,7 @@
             </a:ln>
             <a:extLst>
               <a:ext uri="{91240B29-F687-4f45-9708-019B960494DF}">
-                <a14:hiddenLine xmlns="" xmlns:a14="http://schemas.microsoft.com/office/drawing/2010/main" w="9525">
+                <a14:hiddenLine xmlns:a14="http://schemas.microsoft.com/office/drawing/2010/main" xmlns="" w="9525">
                   <a:solidFill>
                     <a:srgbClr val="000000"/>
                   </a:solidFill>
@@ -17712,14 +17712,14 @@
             </a:ln>
             <a:extLst>
               <a:ext uri="{909E8E84-426E-40dd-AFC4-6F175D3DCCD1}">
-                <a14:hiddenFill xmlns="" xmlns:a14="http://schemas.microsoft.com/office/drawing/2010/main">
+                <a14:hiddenFill xmlns:a14="http://schemas.microsoft.com/office/drawing/2010/main" xmlns="">
                   <a:solidFill>
                     <a:srgbClr val="FFFFFF"/>
                   </a:solidFill>
                 </a14:hiddenFill>
               </a:ext>
               <a:ext uri="{91240B29-F687-4f45-9708-019B960494DF}">
-                <a14:hiddenLine xmlns="" xmlns:a14="http://schemas.microsoft.com/office/drawing/2010/main" w="9525">
+                <a14:hiddenLine xmlns:a14="http://schemas.microsoft.com/office/drawing/2010/main" xmlns="" w="9525">
                   <a:solidFill>
                     <a:srgbClr val="000000"/>
                   </a:solidFill>
@@ -17878,7 +17878,7 @@
             </a:ln>
             <a:extLst>
               <a:ext uri="{91240B29-F687-4f45-9708-019B960494DF}">
-                <a14:hiddenLine xmlns="" xmlns:a14="http://schemas.microsoft.com/office/drawing/2010/main" w="9525">
+                <a14:hiddenLine xmlns:a14="http://schemas.microsoft.com/office/drawing/2010/main" xmlns="" w="9525">
                   <a:solidFill>
                     <a:srgbClr val="000000"/>
                   </a:solidFill>
@@ -18064,7 +18064,7 @@
             </a:ln>
             <a:extLst>
               <a:ext uri="{91240B29-F687-4f45-9708-019B960494DF}">
-                <a14:hiddenLine xmlns="" xmlns:a14="http://schemas.microsoft.com/office/drawing/2010/main" w="9525">
+                <a14:hiddenLine xmlns:a14="http://schemas.microsoft.com/office/drawing/2010/main" xmlns="" w="9525">
                   <a:solidFill>
                     <a:srgbClr val="000000"/>
                   </a:solidFill>
@@ -18283,7 +18283,7 @@
             </a:ln>
             <a:extLst>
               <a:ext uri="{91240B29-F687-4f45-9708-019B960494DF}">
-                <a14:hiddenLine xmlns="" xmlns:a14="http://schemas.microsoft.com/office/drawing/2010/main" w="9525">
+                <a14:hiddenLine xmlns:a14="http://schemas.microsoft.com/office/drawing/2010/main" xmlns="" w="9525">
                   <a:solidFill>
                     <a:srgbClr val="000000"/>
                   </a:solidFill>
@@ -18492,7 +18492,7 @@
             </a:ln>
             <a:extLst>
               <a:ext uri="{91240B29-F687-4f45-9708-019B960494DF}">
-                <a14:hiddenLine xmlns="" xmlns:a14="http://schemas.microsoft.com/office/drawing/2010/main" w="9525">
+                <a14:hiddenLine xmlns:a14="http://schemas.microsoft.com/office/drawing/2010/main" xmlns="" w="9525">
                   <a:solidFill>
                     <a:srgbClr val="000000"/>
                   </a:solidFill>
@@ -18573,14 +18573,14 @@
             </a:ln>
             <a:extLst>
               <a:ext uri="{909E8E84-426E-40dd-AFC4-6F175D3DCCD1}">
-                <a14:hiddenFill xmlns:a14="http://schemas.microsoft.com/office/drawing/2010/main" xmlns="">
+                <a14:hiddenFill xmlns="" xmlns:a14="http://schemas.microsoft.com/office/drawing/2010/main">
                   <a:solidFill>
                     <a:srgbClr val="FFFFFF"/>
                   </a:solidFill>
                 </a14:hiddenFill>
               </a:ext>
               <a:ext uri="{91240B29-F687-4f45-9708-019B960494DF}">
-                <a14:hiddenLine xmlns:a14="http://schemas.microsoft.com/office/drawing/2010/main" xmlns="" w="9525">
+                <a14:hiddenLine xmlns="" xmlns:a14="http://schemas.microsoft.com/office/drawing/2010/main" w="9525">
                   <a:solidFill>
                     <a:srgbClr val="000000"/>
                   </a:solidFill>
@@ -18736,7 +18736,7 @@
             </a:ln>
             <a:extLst>
               <a:ext uri="{91240B29-F687-4f45-9708-019B960494DF}">
-                <a14:hiddenLine xmlns:a14="http://schemas.microsoft.com/office/drawing/2010/main" xmlns="" w="9525">
+                <a14:hiddenLine xmlns="" xmlns:a14="http://schemas.microsoft.com/office/drawing/2010/main" w="9525">
                   <a:solidFill>
                     <a:srgbClr val="000000"/>
                   </a:solidFill>
@@ -18852,14 +18852,14 @@
             </a:ln>
             <a:extLst>
               <a:ext uri="{909E8E84-426E-40dd-AFC4-6F175D3DCCD1}">
-                <a14:hiddenFill xmlns:a14="http://schemas.microsoft.com/office/drawing/2010/main" xmlns="">
+                <a14:hiddenFill xmlns="" xmlns:a14="http://schemas.microsoft.com/office/drawing/2010/main">
                   <a:solidFill>
                     <a:srgbClr val="FFFFFF"/>
                   </a:solidFill>
                 </a14:hiddenFill>
               </a:ext>
               <a:ext uri="{91240B29-F687-4f45-9708-019B960494DF}">
-                <a14:hiddenLine xmlns:a14="http://schemas.microsoft.com/office/drawing/2010/main" xmlns="" w="9525">
+                <a14:hiddenLine xmlns="" xmlns:a14="http://schemas.microsoft.com/office/drawing/2010/main" w="9525">
                   <a:solidFill>
                     <a:srgbClr val="000000"/>
                   </a:solidFill>
@@ -19015,7 +19015,7 @@
             </a:ln>
             <a:extLst>
               <a:ext uri="{91240B29-F687-4f45-9708-019B960494DF}">
-                <a14:hiddenLine xmlns:a14="http://schemas.microsoft.com/office/drawing/2010/main" xmlns="" w="9525">
+                <a14:hiddenLine xmlns="" xmlns:a14="http://schemas.microsoft.com/office/drawing/2010/main" w="9525">
                   <a:solidFill>
                     <a:srgbClr val="000000"/>
                   </a:solidFill>
@@ -19198,7 +19198,7 @@
             </a:ln>
             <a:extLst>
               <a:ext uri="{91240B29-F687-4f45-9708-019B960494DF}">
-                <a14:hiddenLine xmlns:a14="http://schemas.microsoft.com/office/drawing/2010/main" xmlns="" w="9525">
+                <a14:hiddenLine xmlns="" xmlns:a14="http://schemas.microsoft.com/office/drawing/2010/main" w="9525">
                   <a:solidFill>
                     <a:srgbClr val="000000"/>
                   </a:solidFill>
@@ -19356,7 +19356,7 @@
             </a:ln>
             <a:extLst>
               <a:ext uri="{91240B29-F687-4f45-9708-019B960494DF}">
-                <a14:hiddenLine xmlns:a14="http://schemas.microsoft.com/office/drawing/2010/main" xmlns="" w="9525">
+                <a14:hiddenLine xmlns="" xmlns:a14="http://schemas.microsoft.com/office/drawing/2010/main" w="9525">
                   <a:solidFill>
                     <a:srgbClr val="000000"/>
                   </a:solidFill>
@@ -19562,7 +19562,7 @@
             </a:ln>
             <a:extLst>
               <a:ext uri="{91240B29-F687-4f45-9708-019B960494DF}">
-                <a14:hiddenLine xmlns:a14="http://schemas.microsoft.com/office/drawing/2010/main" xmlns="" w="9525">
+                <a14:hiddenLine xmlns="" xmlns:a14="http://schemas.microsoft.com/office/drawing/2010/main" w="9525">
                   <a:solidFill>
                     <a:srgbClr val="000000"/>
                   </a:solidFill>
@@ -19911,14 +19911,14 @@
             </a:ln>
             <a:extLst>
               <a:ext uri="{909E8E84-426E-40dd-AFC4-6F175D3DCCD1}">
-                <a14:hiddenFill xmlns:a14="http://schemas.microsoft.com/office/drawing/2010/main" xmlns="">
+                <a14:hiddenFill xmlns="" xmlns:a14="http://schemas.microsoft.com/office/drawing/2010/main">
                   <a:solidFill>
                     <a:srgbClr val="FFFFFF"/>
                   </a:solidFill>
                 </a14:hiddenFill>
               </a:ext>
               <a:ext uri="{91240B29-F687-4f45-9708-019B960494DF}">
-                <a14:hiddenLine xmlns:a14="http://schemas.microsoft.com/office/drawing/2010/main" xmlns="" w="9525">
+                <a14:hiddenLine xmlns="" xmlns:a14="http://schemas.microsoft.com/office/drawing/2010/main" w="9525">
                   <a:solidFill>
                     <a:srgbClr val="000000"/>
                   </a:solidFill>
@@ -20074,7 +20074,7 @@
             </a:ln>
             <a:extLst>
               <a:ext uri="{91240B29-F687-4f45-9708-019B960494DF}">
-                <a14:hiddenLine xmlns:a14="http://schemas.microsoft.com/office/drawing/2010/main" xmlns="" w="9525">
+                <a14:hiddenLine xmlns="" xmlns:a14="http://schemas.microsoft.com/office/drawing/2010/main" w="9525">
                   <a:solidFill>
                     <a:srgbClr val="000000"/>
                   </a:solidFill>
@@ -20154,14 +20154,14 @@
             </a:ln>
             <a:extLst>
               <a:ext uri="{909E8E84-426E-40dd-AFC4-6F175D3DCCD1}">
-                <a14:hiddenFill xmlns="" xmlns:a14="http://schemas.microsoft.com/office/drawing/2010/main">
+                <a14:hiddenFill xmlns:a14="http://schemas.microsoft.com/office/drawing/2010/main" xmlns="">
                   <a:solidFill>
                     <a:srgbClr val="FFFFFF"/>
                   </a:solidFill>
                 </a14:hiddenFill>
               </a:ext>
               <a:ext uri="{91240B29-F687-4f45-9708-019B960494DF}">
-                <a14:hiddenLine xmlns="" xmlns:a14="http://schemas.microsoft.com/office/drawing/2010/main" w="9525">
+                <a14:hiddenLine xmlns:a14="http://schemas.microsoft.com/office/drawing/2010/main" xmlns="" w="9525">
                   <a:solidFill>
                     <a:srgbClr val="000000"/>
                   </a:solidFill>
@@ -20320,7 +20320,7 @@
             </a:ln>
             <a:extLst>
               <a:ext uri="{91240B29-F687-4f45-9708-019B960494DF}">
-                <a14:hiddenLine xmlns="" xmlns:a14="http://schemas.microsoft.com/office/drawing/2010/main" w="9525">
+                <a14:hiddenLine xmlns:a14="http://schemas.microsoft.com/office/drawing/2010/main" xmlns="" w="9525">
                   <a:solidFill>
                     <a:srgbClr val="000000"/>
                   </a:solidFill>
@@ -20506,7 +20506,7 @@
             </a:ln>
             <a:extLst>
               <a:ext uri="{91240B29-F687-4f45-9708-019B960494DF}">
-                <a14:hiddenLine xmlns="" xmlns:a14="http://schemas.microsoft.com/office/drawing/2010/main" w="9525">
+                <a14:hiddenLine xmlns:a14="http://schemas.microsoft.com/office/drawing/2010/main" xmlns="" w="9525">
                   <a:solidFill>
                     <a:srgbClr val="000000"/>
                   </a:solidFill>
@@ -20725,7 +20725,7 @@
             </a:ln>
             <a:extLst>
               <a:ext uri="{91240B29-F687-4f45-9708-019B960494DF}">
-                <a14:hiddenLine xmlns="" xmlns:a14="http://schemas.microsoft.com/office/drawing/2010/main" w="9525">
+                <a14:hiddenLine xmlns:a14="http://schemas.microsoft.com/office/drawing/2010/main" xmlns="" w="9525">
                   <a:solidFill>
                     <a:srgbClr val="000000"/>
                   </a:solidFill>
@@ -20934,7 +20934,7 @@
             </a:ln>
             <a:extLst>
               <a:ext uri="{91240B29-F687-4f45-9708-019B960494DF}">
-                <a14:hiddenLine xmlns="" xmlns:a14="http://schemas.microsoft.com/office/drawing/2010/main" w="9525">
+                <a14:hiddenLine xmlns:a14="http://schemas.microsoft.com/office/drawing/2010/main" xmlns="" w="9525">
                   <a:solidFill>
                     <a:srgbClr val="000000"/>
                   </a:solidFill>
@@ -21015,14 +21015,14 @@
             </a:ln>
             <a:extLst>
               <a:ext uri="{909E8E84-426E-40dd-AFC4-6F175D3DCCD1}">
-                <a14:hiddenFill xmlns:a14="http://schemas.microsoft.com/office/drawing/2010/main" xmlns="">
+                <a14:hiddenFill xmlns="" xmlns:a14="http://schemas.microsoft.com/office/drawing/2010/main">
                   <a:solidFill>
                     <a:srgbClr val="FFFFFF"/>
                   </a:solidFill>
                 </a14:hiddenFill>
               </a:ext>
               <a:ext uri="{91240B29-F687-4f45-9708-019B960494DF}">
-                <a14:hiddenLine xmlns:a14="http://schemas.microsoft.com/office/drawing/2010/main" xmlns="" w="9525">
+                <a14:hiddenLine xmlns="" xmlns:a14="http://schemas.microsoft.com/office/drawing/2010/main" w="9525">
                   <a:solidFill>
                     <a:srgbClr val="000000"/>
                   </a:solidFill>
@@ -21178,7 +21178,7 @@
             </a:ln>
             <a:extLst>
               <a:ext uri="{91240B29-F687-4f45-9708-019B960494DF}">
-                <a14:hiddenLine xmlns:a14="http://schemas.microsoft.com/office/drawing/2010/main" xmlns="" w="9525">
+                <a14:hiddenLine xmlns="" xmlns:a14="http://schemas.microsoft.com/office/drawing/2010/main" w="9525">
                   <a:solidFill>
                     <a:srgbClr val="000000"/>
                   </a:solidFill>
@@ -21333,14 +21333,14 @@
             </a:ln>
             <a:extLst>
               <a:ext uri="{909E8E84-426E-40dd-AFC4-6F175D3DCCD1}">
-                <a14:hiddenFill xmlns="" xmlns:a14="http://schemas.microsoft.com/office/drawing/2010/main">
+                <a14:hiddenFill xmlns:a14="http://schemas.microsoft.com/office/drawing/2010/main" xmlns="">
                   <a:solidFill>
                     <a:srgbClr val="FFFFFF"/>
                   </a:solidFill>
                 </a14:hiddenFill>
               </a:ext>
               <a:ext uri="{91240B29-F687-4f45-9708-019B960494DF}">
-                <a14:hiddenLine xmlns="" xmlns:a14="http://schemas.microsoft.com/office/drawing/2010/main" w="9525">
+                <a14:hiddenLine xmlns:a14="http://schemas.microsoft.com/office/drawing/2010/main" xmlns="" w="9525">
                   <a:solidFill>
                     <a:srgbClr val="000000"/>
                   </a:solidFill>
@@ -21499,7 +21499,7 @@
             </a:ln>
             <a:extLst>
               <a:ext uri="{91240B29-F687-4f45-9708-019B960494DF}">
-                <a14:hiddenLine xmlns="" xmlns:a14="http://schemas.microsoft.com/office/drawing/2010/main" w="9525">
+                <a14:hiddenLine xmlns:a14="http://schemas.microsoft.com/office/drawing/2010/main" xmlns="" w="9525">
                   <a:solidFill>
                     <a:srgbClr val="000000"/>
                   </a:solidFill>
@@ -21685,7 +21685,7 @@
             </a:ln>
             <a:extLst>
               <a:ext uri="{91240B29-F687-4f45-9708-019B960494DF}">
-                <a14:hiddenLine xmlns="" xmlns:a14="http://schemas.microsoft.com/office/drawing/2010/main" w="9525">
+                <a14:hiddenLine xmlns:a14="http://schemas.microsoft.com/office/drawing/2010/main" xmlns="" w="9525">
                   <a:solidFill>
                     <a:srgbClr val="000000"/>
                   </a:solidFill>
@@ -21891,7 +21891,7 @@
             </a:ln>
             <a:extLst>
               <a:ext uri="{91240B29-F687-4f45-9708-019B960494DF}">
-                <a14:hiddenLine xmlns="" xmlns:a14="http://schemas.microsoft.com/office/drawing/2010/main" w="9525">
+                <a14:hiddenLine xmlns:a14="http://schemas.microsoft.com/office/drawing/2010/main" xmlns="" w="9525">
                   <a:solidFill>
                     <a:srgbClr val="000000"/>
                   </a:solidFill>
@@ -22100,7 +22100,7 @@
             </a:ln>
             <a:extLst>
               <a:ext uri="{91240B29-F687-4f45-9708-019B960494DF}">
-                <a14:hiddenLine xmlns="" xmlns:a14="http://schemas.microsoft.com/office/drawing/2010/main" w="9525">
+                <a14:hiddenLine xmlns:a14="http://schemas.microsoft.com/office/drawing/2010/main" xmlns="" w="9525">
                   <a:solidFill>
                     <a:srgbClr val="000000"/>
                   </a:solidFill>
@@ -22280,7 +22280,7 @@
             </a:ln>
             <a:extLst>
               <a:ext uri="{91240B29-F687-4f45-9708-019B960494DF}">
-                <a14:hiddenLine xmlns="" xmlns:a14="http://schemas.microsoft.com/office/drawing/2010/main" w="9525">
+                <a14:hiddenLine xmlns:a14="http://schemas.microsoft.com/office/drawing/2010/main" xmlns="" w="9525">
                   <a:solidFill>
                     <a:srgbClr val="000000"/>
                   </a:solidFill>
@@ -22340,14 +22340,14 @@
             </a:ln>
             <a:extLst>
               <a:ext uri="{909E8E84-426E-40dd-AFC4-6F175D3DCCD1}">
-                <a14:hiddenFill xmlns="" xmlns:a14="http://schemas.microsoft.com/office/drawing/2010/main">
+                <a14:hiddenFill xmlns:a14="http://schemas.microsoft.com/office/drawing/2010/main" xmlns="">
                   <a:solidFill>
                     <a:srgbClr val="FFFFFF"/>
                   </a:solidFill>
                 </a14:hiddenFill>
               </a:ext>
               <a:ext uri="{91240B29-F687-4f45-9708-019B960494DF}">
-                <a14:hiddenLine xmlns="" xmlns:a14="http://schemas.microsoft.com/office/drawing/2010/main" w="9525">
+                <a14:hiddenLine xmlns:a14="http://schemas.microsoft.com/office/drawing/2010/main" xmlns="" w="9525">
                   <a:solidFill>
                     <a:srgbClr val="000000"/>
                   </a:solidFill>
@@ -22476,7 +22476,7 @@
             </a:ln>
             <a:extLst>
               <a:ext uri="{91240B29-F687-4f45-9708-019B960494DF}">
-                <a14:hiddenLine xmlns="" xmlns:a14="http://schemas.microsoft.com/office/drawing/2010/main" w="9525">
+                <a14:hiddenLine xmlns:a14="http://schemas.microsoft.com/office/drawing/2010/main" xmlns="" w="9525">
                   <a:solidFill>
                     <a:srgbClr val="000000"/>
                   </a:solidFill>
@@ -22621,7 +22621,7 @@
             </a:ln>
             <a:extLst>
               <a:ext uri="{91240B29-F687-4f45-9708-019B960494DF}">
-                <a14:hiddenLine xmlns="" xmlns:a14="http://schemas.microsoft.com/office/drawing/2010/main" w="9525">
+                <a14:hiddenLine xmlns:a14="http://schemas.microsoft.com/office/drawing/2010/main" xmlns="" w="9525">
                   <a:solidFill>
                     <a:srgbClr val="000000"/>
                   </a:solidFill>
@@ -22830,7 +22830,7 @@
             </a:ln>
             <a:extLst>
               <a:ext uri="{91240B29-F687-4f45-9708-019B960494DF}">
-                <a14:hiddenLine xmlns="" xmlns:a14="http://schemas.microsoft.com/office/drawing/2010/main" w="9525">
+                <a14:hiddenLine xmlns:a14="http://schemas.microsoft.com/office/drawing/2010/main" xmlns="" w="9525">
                   <a:solidFill>
                     <a:srgbClr val="000000"/>
                   </a:solidFill>
@@ -27568,7 +27568,7 @@
             </a:ln>
             <a:extLst>
               <a:ext uri="{91240B29-F687-4f45-9708-019B960494DF}">
-                <a14:hiddenLine xmlns="" xmlns:a14="http://schemas.microsoft.com/office/drawing/2010/main" w="9525">
+                <a14:hiddenLine xmlns:a14="http://schemas.microsoft.com/office/drawing/2010/main" xmlns="" w="9525">
                   <a:solidFill>
                     <a:srgbClr val="000000"/>
                   </a:solidFill>
@@ -29493,14 +29493,14 @@
             </a:ln>
             <a:extLst>
               <a:ext uri="{909E8E84-426E-40dd-AFC4-6F175D3DCCD1}">
-                <a14:hiddenFill xmlns="" xmlns:a14="http://schemas.microsoft.com/office/drawing/2010/main">
+                <a14:hiddenFill xmlns:a14="http://schemas.microsoft.com/office/drawing/2010/main" xmlns="">
                   <a:solidFill>
                     <a:srgbClr val="FFFFFF"/>
                   </a:solidFill>
                 </a14:hiddenFill>
               </a:ext>
               <a:ext uri="{91240B29-F687-4f45-9708-019B960494DF}">
-                <a14:hiddenLine xmlns="" xmlns:a14="http://schemas.microsoft.com/office/drawing/2010/main" w="9525">
+                <a14:hiddenLine xmlns:a14="http://schemas.microsoft.com/office/drawing/2010/main" xmlns="" w="9525">
                   <a:solidFill>
                     <a:srgbClr val="000000"/>
                   </a:solidFill>
@@ -29659,7 +29659,7 @@
             </a:ln>
             <a:extLst>
               <a:ext uri="{91240B29-F687-4f45-9708-019B960494DF}">
-                <a14:hiddenLine xmlns="" xmlns:a14="http://schemas.microsoft.com/office/drawing/2010/main" w="9525">
+                <a14:hiddenLine xmlns:a14="http://schemas.microsoft.com/office/drawing/2010/main" xmlns="" w="9525">
                   <a:solidFill>
                     <a:srgbClr val="000000"/>
                   </a:solidFill>
@@ -29817,14 +29817,14 @@
           </a:ln>
           <a:extLst>
             <a:ext uri="{909E8E84-426E-40dd-AFC4-6F175D3DCCD1}">
-              <a14:hiddenFill xmlns="" xmlns:a14="http://schemas.microsoft.com/office/drawing/2010/main">
+              <a14:hiddenFill xmlns:a14="http://schemas.microsoft.com/office/drawing/2010/main" xmlns="">
                 <a:solidFill>
                   <a:srgbClr val="FFFFFF"/>
                 </a:solidFill>
               </a14:hiddenFill>
             </a:ext>
             <a:ext uri="{91240B29-F687-4f45-9708-019B960494DF}">
-              <a14:hiddenLine xmlns="" xmlns:a14="http://schemas.microsoft.com/office/drawing/2010/main" w="9525">
+              <a14:hiddenLine xmlns:a14="http://schemas.microsoft.com/office/drawing/2010/main" xmlns="" w="9525">
                 <a:solidFill>
                   <a:srgbClr val="000000"/>
                 </a:solidFill>
@@ -30165,7 +30165,7 @@
             </a:ln>
             <a:extLst>
               <a:ext uri="{91240B29-F687-4f45-9708-019B960494DF}">
-                <a14:hiddenLine xmlns="" xmlns:a14="http://schemas.microsoft.com/office/drawing/2010/main" w="9525">
+                <a14:hiddenLine xmlns:a14="http://schemas.microsoft.com/office/drawing/2010/main" xmlns="" w="9525">
                   <a:solidFill>
                     <a:srgbClr val="000000"/>
                   </a:solidFill>
@@ -30225,14 +30225,14 @@
             </a:ln>
             <a:extLst>
               <a:ext uri="{909E8E84-426E-40dd-AFC4-6F175D3DCCD1}">
-                <a14:hiddenFill xmlns="" xmlns:a14="http://schemas.microsoft.com/office/drawing/2010/main">
+                <a14:hiddenFill xmlns:a14="http://schemas.microsoft.com/office/drawing/2010/main" xmlns="">
                   <a:solidFill>
                     <a:srgbClr val="FFFFFF"/>
                   </a:solidFill>
                 </a14:hiddenFill>
               </a:ext>
               <a:ext uri="{91240B29-F687-4f45-9708-019B960494DF}">
-                <a14:hiddenLine xmlns="" xmlns:a14="http://schemas.microsoft.com/office/drawing/2010/main" w="9525">
+                <a14:hiddenLine xmlns:a14="http://schemas.microsoft.com/office/drawing/2010/main" xmlns="" w="9525">
                   <a:solidFill>
                     <a:srgbClr val="000000"/>
                   </a:solidFill>
@@ -30361,7 +30361,7 @@
             </a:ln>
             <a:extLst>
               <a:ext uri="{91240B29-F687-4f45-9708-019B960494DF}">
-                <a14:hiddenLine xmlns="" xmlns:a14="http://schemas.microsoft.com/office/drawing/2010/main" w="9525">
+                <a14:hiddenLine xmlns:a14="http://schemas.microsoft.com/office/drawing/2010/main" xmlns="" w="9525">
                   <a:solidFill>
                     <a:srgbClr val="000000"/>
                   </a:solidFill>
@@ -30506,7 +30506,7 @@
             </a:ln>
             <a:extLst>
               <a:ext uri="{91240B29-F687-4f45-9708-019B960494DF}">
-                <a14:hiddenLine xmlns="" xmlns:a14="http://schemas.microsoft.com/office/drawing/2010/main" w="9525">
+                <a14:hiddenLine xmlns:a14="http://schemas.microsoft.com/office/drawing/2010/main" xmlns="" w="9525">
                   <a:solidFill>
                     <a:srgbClr val="000000"/>
                   </a:solidFill>
@@ -30715,7 +30715,7 @@
             </a:ln>
             <a:extLst>
               <a:ext uri="{91240B29-F687-4f45-9708-019B960494DF}">
-                <a14:hiddenLine xmlns="" xmlns:a14="http://schemas.microsoft.com/office/drawing/2010/main" w="9525">
+                <a14:hiddenLine xmlns:a14="http://schemas.microsoft.com/office/drawing/2010/main" xmlns="" w="9525">
                   <a:solidFill>
                     <a:srgbClr val="000000"/>
                   </a:solidFill>
@@ -30902,7 +30902,7 @@
           </a:ln>
           <a:extLst>
             <a:ext uri="{91240B29-F687-4f45-9708-019B960494DF}">
-              <a14:hiddenLine xmlns="" xmlns:a14="http://schemas.microsoft.com/office/drawing/2010/main" w="9525">
+              <a14:hiddenLine xmlns:a14="http://schemas.microsoft.com/office/drawing/2010/main" xmlns="" w="9525">
                 <a:solidFill>
                   <a:srgbClr val="000000"/>
                 </a:solidFill>
@@ -31121,7 +31121,7 @@
           </a:ln>
           <a:extLst>
             <a:ext uri="{91240B29-F687-4f45-9708-019B960494DF}">
-              <a14:hiddenLine xmlns="" xmlns:a14="http://schemas.microsoft.com/office/drawing/2010/main" w="9525">
+              <a14:hiddenLine xmlns:a14="http://schemas.microsoft.com/office/drawing/2010/main" xmlns="" w="9525">
                 <a:solidFill>
                   <a:srgbClr val="000000"/>
                 </a:solidFill>
@@ -31330,7 +31330,7 @@
           </a:ln>
           <a:extLst>
             <a:ext uri="{91240B29-F687-4f45-9708-019B960494DF}">
-              <a14:hiddenLine xmlns="" xmlns:a14="http://schemas.microsoft.com/office/drawing/2010/main" w="9525">
+              <a14:hiddenLine xmlns:a14="http://schemas.microsoft.com/office/drawing/2010/main" xmlns="" w="9525">
                 <a:solidFill>
                   <a:srgbClr val="000000"/>
                 </a:solidFill>
@@ -31636,14 +31636,14 @@
             </a:ln>
             <a:extLst>
               <a:ext uri="{909E8E84-426E-40dd-AFC4-6F175D3DCCD1}">
-                <a14:hiddenFill xmlns="" xmlns:a14="http://schemas.microsoft.com/office/drawing/2010/main">
+                <a14:hiddenFill xmlns:a14="http://schemas.microsoft.com/office/drawing/2010/main" xmlns="">
                   <a:solidFill>
                     <a:srgbClr val="FFFFFF"/>
                   </a:solidFill>
                 </a14:hiddenFill>
               </a:ext>
               <a:ext uri="{91240B29-F687-4f45-9708-019B960494DF}">
-                <a14:hiddenLine xmlns="" xmlns:a14="http://schemas.microsoft.com/office/drawing/2010/main" w="9525">
+                <a14:hiddenLine xmlns:a14="http://schemas.microsoft.com/office/drawing/2010/main" xmlns="" w="9525">
                   <a:solidFill>
                     <a:srgbClr val="000000"/>
                   </a:solidFill>
@@ -31802,7 +31802,7 @@
             </a:ln>
             <a:extLst>
               <a:ext uri="{91240B29-F687-4f45-9708-019B960494DF}">
-                <a14:hiddenLine xmlns="" xmlns:a14="http://schemas.microsoft.com/office/drawing/2010/main" w="9525">
+                <a14:hiddenLine xmlns:a14="http://schemas.microsoft.com/office/drawing/2010/main" xmlns="" w="9525">
                   <a:solidFill>
                     <a:srgbClr val="000000"/>
                   </a:solidFill>
@@ -32709,14 +32709,14 @@
             </a:ln>
             <a:extLst>
               <a:ext uri="{909E8E84-426E-40dd-AFC4-6F175D3DCCD1}">
-                <a14:hiddenFill xmlns:a14="http://schemas.microsoft.com/office/drawing/2010/main" xmlns="">
+                <a14:hiddenFill xmlns="" xmlns:a14="http://schemas.microsoft.com/office/drawing/2010/main">
                   <a:solidFill>
                     <a:srgbClr val="FFFFFF"/>
                   </a:solidFill>
                 </a14:hiddenFill>
               </a:ext>
               <a:ext uri="{91240B29-F687-4f45-9708-019B960494DF}">
-                <a14:hiddenLine xmlns:a14="http://schemas.microsoft.com/office/drawing/2010/main" xmlns="" w="9525">
+                <a14:hiddenLine xmlns="" xmlns:a14="http://schemas.microsoft.com/office/drawing/2010/main" w="9525">
                   <a:solidFill>
                     <a:srgbClr val="000000"/>
                   </a:solidFill>
@@ -32776,14 +32776,14 @@
             </a:ln>
             <a:extLst>
               <a:ext uri="{909E8E84-426E-40dd-AFC4-6F175D3DCCD1}">
-                <a14:hiddenFill xmlns:a14="http://schemas.microsoft.com/office/drawing/2010/main" xmlns="">
+                <a14:hiddenFill xmlns="" xmlns:a14="http://schemas.microsoft.com/office/drawing/2010/main">
                   <a:solidFill>
                     <a:srgbClr val="FFFFFF"/>
                   </a:solidFill>
                 </a14:hiddenFill>
               </a:ext>
               <a:ext uri="{91240B29-F687-4f45-9708-019B960494DF}">
-                <a14:hiddenLine xmlns:a14="http://schemas.microsoft.com/office/drawing/2010/main" xmlns="" w="9525">
+                <a14:hiddenLine xmlns="" xmlns:a14="http://schemas.microsoft.com/office/drawing/2010/main" w="9525">
                   <a:solidFill>
                     <a:srgbClr val="000000"/>
                   </a:solidFill>
@@ -32843,14 +32843,14 @@
             </a:ln>
             <a:extLst>
               <a:ext uri="{909E8E84-426E-40dd-AFC4-6F175D3DCCD1}">
-                <a14:hiddenFill xmlns:a14="http://schemas.microsoft.com/office/drawing/2010/main" xmlns="">
+                <a14:hiddenFill xmlns="" xmlns:a14="http://schemas.microsoft.com/office/drawing/2010/main">
                   <a:solidFill>
                     <a:srgbClr val="FFFFFF"/>
                   </a:solidFill>
                 </a14:hiddenFill>
               </a:ext>
               <a:ext uri="{91240B29-F687-4f45-9708-019B960494DF}">
-                <a14:hiddenLine xmlns:a14="http://schemas.microsoft.com/office/drawing/2010/main" xmlns="" w="9525">
+                <a14:hiddenLine xmlns="" xmlns:a14="http://schemas.microsoft.com/office/drawing/2010/main" w="9525">
                   <a:solidFill>
                     <a:srgbClr val="000000"/>
                   </a:solidFill>
@@ -32910,14 +32910,14 @@
             </a:ln>
             <a:extLst>
               <a:ext uri="{909E8E84-426E-40dd-AFC4-6F175D3DCCD1}">
-                <a14:hiddenFill xmlns:a14="http://schemas.microsoft.com/office/drawing/2010/main" xmlns="">
+                <a14:hiddenFill xmlns="" xmlns:a14="http://schemas.microsoft.com/office/drawing/2010/main">
                   <a:solidFill>
                     <a:srgbClr val="FFFFFF"/>
                   </a:solidFill>
                 </a14:hiddenFill>
               </a:ext>
               <a:ext uri="{91240B29-F687-4f45-9708-019B960494DF}">
-                <a14:hiddenLine xmlns:a14="http://schemas.microsoft.com/office/drawing/2010/main" xmlns="" w="9525">
+                <a14:hiddenLine xmlns="" xmlns:a14="http://schemas.microsoft.com/office/drawing/2010/main" w="9525">
                   <a:solidFill>
                     <a:srgbClr val="000000"/>
                   </a:solidFill>
@@ -32998,14 +32998,14 @@
             </a:ln>
             <a:extLst>
               <a:ext uri="{909E8E84-426E-40dd-AFC4-6F175D3DCCD1}">
-                <a14:hiddenFill xmlns:a14="http://schemas.microsoft.com/office/drawing/2010/main" xmlns="">
+                <a14:hiddenFill xmlns="" xmlns:a14="http://schemas.microsoft.com/office/drawing/2010/main">
                   <a:solidFill>
                     <a:srgbClr val="FFFFFF"/>
                   </a:solidFill>
                 </a14:hiddenFill>
               </a:ext>
               <a:ext uri="{91240B29-F687-4f45-9708-019B960494DF}">
-                <a14:hiddenLine xmlns:a14="http://schemas.microsoft.com/office/drawing/2010/main" xmlns="" w="9525">
+                <a14:hiddenLine xmlns="" xmlns:a14="http://schemas.microsoft.com/office/drawing/2010/main" w="9525">
                   <a:solidFill>
                     <a:srgbClr val="000000"/>
                   </a:solidFill>
@@ -33065,14 +33065,14 @@
             </a:ln>
             <a:extLst>
               <a:ext uri="{909E8E84-426E-40dd-AFC4-6F175D3DCCD1}">
-                <a14:hiddenFill xmlns:a14="http://schemas.microsoft.com/office/drawing/2010/main" xmlns="">
+                <a14:hiddenFill xmlns="" xmlns:a14="http://schemas.microsoft.com/office/drawing/2010/main">
                   <a:solidFill>
                     <a:srgbClr val="FFFFFF"/>
                   </a:solidFill>
                 </a14:hiddenFill>
               </a:ext>
               <a:ext uri="{91240B29-F687-4f45-9708-019B960494DF}">
-                <a14:hiddenLine xmlns:a14="http://schemas.microsoft.com/office/drawing/2010/main" xmlns="" w="9525">
+                <a14:hiddenLine xmlns="" xmlns:a14="http://schemas.microsoft.com/office/drawing/2010/main" w="9525">
                   <a:solidFill>
                     <a:srgbClr val="000000"/>
                   </a:solidFill>
@@ -33132,14 +33132,14 @@
             </a:ln>
             <a:extLst>
               <a:ext uri="{909E8E84-426E-40dd-AFC4-6F175D3DCCD1}">
-                <a14:hiddenFill xmlns:a14="http://schemas.microsoft.com/office/drawing/2010/main" xmlns="">
+                <a14:hiddenFill xmlns="" xmlns:a14="http://schemas.microsoft.com/office/drawing/2010/main">
                   <a:solidFill>
                     <a:srgbClr val="FFFFFF"/>
                   </a:solidFill>
                 </a14:hiddenFill>
               </a:ext>
               <a:ext uri="{91240B29-F687-4f45-9708-019B960494DF}">
-                <a14:hiddenLine xmlns:a14="http://schemas.microsoft.com/office/drawing/2010/main" xmlns="" w="9525">
+                <a14:hiddenLine xmlns="" xmlns:a14="http://schemas.microsoft.com/office/drawing/2010/main" w="9525">
                   <a:solidFill>
                     <a:srgbClr val="000000"/>
                   </a:solidFill>
@@ -33199,14 +33199,14 @@
             </a:ln>
             <a:extLst>
               <a:ext uri="{909E8E84-426E-40dd-AFC4-6F175D3DCCD1}">
-                <a14:hiddenFill xmlns:a14="http://schemas.microsoft.com/office/drawing/2010/main" xmlns="">
+                <a14:hiddenFill xmlns="" xmlns:a14="http://schemas.microsoft.com/office/drawing/2010/main">
                   <a:solidFill>
                     <a:srgbClr val="FFFFFF"/>
                   </a:solidFill>
                 </a14:hiddenFill>
               </a:ext>
               <a:ext uri="{91240B29-F687-4f45-9708-019B960494DF}">
-                <a14:hiddenLine xmlns:a14="http://schemas.microsoft.com/office/drawing/2010/main" xmlns="" w="9525">
+                <a14:hiddenLine xmlns="" xmlns:a14="http://schemas.microsoft.com/office/drawing/2010/main" w="9525">
                   <a:solidFill>
                     <a:srgbClr val="000000"/>
                   </a:solidFill>
@@ -33602,7 +33602,7 @@
           </a:ln>
           <a:extLst>
             <a:ext uri="{91240B29-F687-4f45-9708-019B960494DF}">
-              <a14:hiddenLine xmlns:a14="http://schemas.microsoft.com/office/drawing/2010/main" xmlns="" w="9525">
+              <a14:hiddenLine xmlns="" xmlns:a14="http://schemas.microsoft.com/office/drawing/2010/main" w="9525">
                 <a:solidFill>
                   <a:srgbClr val="000000"/>
                 </a:solidFill>
@@ -33662,14 +33662,14 @@
           </a:ln>
           <a:extLst>
             <a:ext uri="{909E8E84-426E-40dd-AFC4-6F175D3DCCD1}">
-              <a14:hiddenFill xmlns:a14="http://schemas.microsoft.com/office/drawing/2010/main" xmlns="">
+              <a14:hiddenFill xmlns="" xmlns:a14="http://schemas.microsoft.com/office/drawing/2010/main">
                 <a:solidFill>
                   <a:srgbClr val="FFFFFF"/>
                 </a:solidFill>
               </a14:hiddenFill>
             </a:ext>
             <a:ext uri="{91240B29-F687-4f45-9708-019B960494DF}">
-              <a14:hiddenLine xmlns:a14="http://schemas.microsoft.com/office/drawing/2010/main" xmlns="" w="9525">
+              <a14:hiddenLine xmlns="" xmlns:a14="http://schemas.microsoft.com/office/drawing/2010/main" w="9525">
                 <a:solidFill>
                   <a:srgbClr val="000000"/>
                 </a:solidFill>
@@ -33798,7 +33798,7 @@
           </a:ln>
           <a:extLst>
             <a:ext uri="{91240B29-F687-4f45-9708-019B960494DF}">
-              <a14:hiddenLine xmlns:a14="http://schemas.microsoft.com/office/drawing/2010/main" xmlns="" w="9525">
+              <a14:hiddenLine xmlns="" xmlns:a14="http://schemas.microsoft.com/office/drawing/2010/main" w="9525">
                 <a:solidFill>
                   <a:srgbClr val="000000"/>
                 </a:solidFill>
@@ -33943,7 +33943,7 @@
           </a:ln>
           <a:extLst>
             <a:ext uri="{91240B29-F687-4f45-9708-019B960494DF}">
-              <a14:hiddenLine xmlns:a14="http://schemas.microsoft.com/office/drawing/2010/main" xmlns="" w="9525">
+              <a14:hiddenLine xmlns="" xmlns:a14="http://schemas.microsoft.com/office/drawing/2010/main" w="9525">
                 <a:solidFill>
                   <a:srgbClr val="000000"/>
                 </a:solidFill>
@@ -34152,7 +34152,7 @@
           </a:ln>
           <a:extLst>
             <a:ext uri="{91240B29-F687-4f45-9708-019B960494DF}">
-              <a14:hiddenLine xmlns:a14="http://schemas.microsoft.com/office/drawing/2010/main" xmlns="" w="9525">
+              <a14:hiddenLine xmlns="" xmlns:a14="http://schemas.microsoft.com/office/drawing/2010/main" w="9525">
                 <a:solidFill>
                   <a:srgbClr val="000000"/>
                 </a:solidFill>
@@ -34212,14 +34212,14 @@
           </a:ln>
           <a:extLst>
             <a:ext uri="{909E8E84-426E-40dd-AFC4-6F175D3DCCD1}">
-              <a14:hiddenFill xmlns:a14="http://schemas.microsoft.com/office/drawing/2010/main" xmlns="">
+              <a14:hiddenFill xmlns="" xmlns:a14="http://schemas.microsoft.com/office/drawing/2010/main">
                 <a:solidFill>
                   <a:srgbClr val="FFFFFF"/>
                 </a:solidFill>
               </a14:hiddenFill>
             </a:ext>
             <a:ext uri="{91240B29-F687-4f45-9708-019B960494DF}">
-              <a14:hiddenLine xmlns:a14="http://schemas.microsoft.com/office/drawing/2010/main" xmlns="" w="9525">
+              <a14:hiddenLine xmlns="" xmlns:a14="http://schemas.microsoft.com/office/drawing/2010/main" w="9525">
                 <a:solidFill>
                   <a:srgbClr val="000000"/>
                 </a:solidFill>
@@ -34378,7 +34378,7 @@
           </a:ln>
           <a:extLst>
             <a:ext uri="{91240B29-F687-4f45-9708-019B960494DF}">
-              <a14:hiddenLine xmlns:a14="http://schemas.microsoft.com/office/drawing/2010/main" xmlns="" w="9525">
+              <a14:hiddenLine xmlns="" xmlns:a14="http://schemas.microsoft.com/office/drawing/2010/main" w="9525">
                 <a:solidFill>
                   <a:srgbClr val="000000"/>
                 </a:solidFill>
@@ -34564,7 +34564,7 @@
           </a:ln>
           <a:extLst>
             <a:ext uri="{91240B29-F687-4f45-9708-019B960494DF}">
-              <a14:hiddenLine xmlns:a14="http://schemas.microsoft.com/office/drawing/2010/main" xmlns="" w="9525">
+              <a14:hiddenLine xmlns="" xmlns:a14="http://schemas.microsoft.com/office/drawing/2010/main" w="9525">
                 <a:solidFill>
                   <a:srgbClr val="000000"/>
                 </a:solidFill>
@@ -34783,7 +34783,7 @@
           </a:ln>
           <a:extLst>
             <a:ext uri="{91240B29-F687-4f45-9708-019B960494DF}">
-              <a14:hiddenLine xmlns:a14="http://schemas.microsoft.com/office/drawing/2010/main" xmlns="" w="9525">
+              <a14:hiddenLine xmlns="" xmlns:a14="http://schemas.microsoft.com/office/drawing/2010/main" w="9525">
                 <a:solidFill>
                   <a:srgbClr val="000000"/>
                 </a:solidFill>
@@ -34992,7 +34992,7 @@
           </a:ln>
           <a:extLst>
             <a:ext uri="{91240B29-F687-4f45-9708-019B960494DF}">
-              <a14:hiddenLine xmlns:a14="http://schemas.microsoft.com/office/drawing/2010/main" xmlns="" w="9525">
+              <a14:hiddenLine xmlns="" xmlns:a14="http://schemas.microsoft.com/office/drawing/2010/main" w="9525">
                 <a:solidFill>
                   <a:srgbClr val="000000"/>
                 </a:solidFill>
@@ -35887,14 +35887,14 @@
               </a:ln>
               <a:extLst>
                 <a:ext uri="{909E8E84-426E-40dd-AFC4-6F175D3DCCD1}">
-                  <a14:hiddenFill xmlns="" xmlns:a14="http://schemas.microsoft.com/office/drawing/2010/main">
+                  <a14:hiddenFill xmlns:a14="http://schemas.microsoft.com/office/drawing/2010/main" xmlns="">
                     <a:solidFill>
                       <a:srgbClr val="FFFFFF"/>
                     </a:solidFill>
                   </a14:hiddenFill>
                 </a:ext>
                 <a:ext uri="{91240B29-F687-4f45-9708-019B960494DF}">
-                  <a14:hiddenLine xmlns="" xmlns:a14="http://schemas.microsoft.com/office/drawing/2010/main" w="9525">
+                  <a14:hiddenLine xmlns:a14="http://schemas.microsoft.com/office/drawing/2010/main" xmlns="" w="9525">
                     <a:solidFill>
                       <a:srgbClr val="000000"/>
                     </a:solidFill>
@@ -37063,14 +37063,14 @@
               </a:ln>
               <a:extLst>
                 <a:ext uri="{909E8E84-426E-40dd-AFC4-6F175D3DCCD1}">
-                  <a14:hiddenFill xmlns="" xmlns:a14="http://schemas.microsoft.com/office/drawing/2010/main">
+                  <a14:hiddenFill xmlns:a14="http://schemas.microsoft.com/office/drawing/2010/main" xmlns="">
                     <a:solidFill>
                       <a:srgbClr val="FFFFFF"/>
                     </a:solidFill>
                   </a14:hiddenFill>
                 </a:ext>
                 <a:ext uri="{91240B29-F687-4f45-9708-019B960494DF}">
-                  <a14:hiddenLine xmlns="" xmlns:a14="http://schemas.microsoft.com/office/drawing/2010/main" w="9525">
+                  <a14:hiddenLine xmlns:a14="http://schemas.microsoft.com/office/drawing/2010/main" xmlns="" w="9525">
                     <a:solidFill>
                       <a:srgbClr val="000000"/>
                     </a:solidFill>
@@ -37807,7 +37807,7 @@
           </a:ln>
           <a:extLst>
             <a:ext uri="{91240B29-F687-4f45-9708-019B960494DF}">
-              <a14:hiddenLine xmlns="" xmlns:a14="http://schemas.microsoft.com/office/drawing/2010/main" w="9525">
+              <a14:hiddenLine xmlns:a14="http://schemas.microsoft.com/office/drawing/2010/main" xmlns="" w="9525">
                 <a:solidFill>
                   <a:srgbClr val="000000"/>
                 </a:solidFill>
@@ -38206,14 +38206,14 @@
             </a:ln>
             <a:extLst>
               <a:ext uri="{909E8E84-426E-40dd-AFC4-6F175D3DCCD1}">
-                <a14:hiddenFill xmlns:a14="http://schemas.microsoft.com/office/drawing/2010/main" xmlns="">
+                <a14:hiddenFill xmlns="" xmlns:a14="http://schemas.microsoft.com/office/drawing/2010/main">
                   <a:solidFill>
                     <a:srgbClr val="FFFFFF"/>
                   </a:solidFill>
                 </a14:hiddenFill>
               </a:ext>
               <a:ext uri="{91240B29-F687-4f45-9708-019B960494DF}">
-                <a14:hiddenLine xmlns:a14="http://schemas.microsoft.com/office/drawing/2010/main" xmlns="" w="9525">
+                <a14:hiddenLine xmlns="" xmlns:a14="http://schemas.microsoft.com/office/drawing/2010/main" w="9525">
                   <a:solidFill>
                     <a:srgbClr val="000000"/>
                   </a:solidFill>
@@ -38273,14 +38273,14 @@
             </a:ln>
             <a:extLst>
               <a:ext uri="{909E8E84-426E-40dd-AFC4-6F175D3DCCD1}">
-                <a14:hiddenFill xmlns:a14="http://schemas.microsoft.com/office/drawing/2010/main" xmlns="">
+                <a14:hiddenFill xmlns="" xmlns:a14="http://schemas.microsoft.com/office/drawing/2010/main">
                   <a:solidFill>
                     <a:srgbClr val="FFFFFF"/>
                   </a:solidFill>
                 </a14:hiddenFill>
               </a:ext>
               <a:ext uri="{91240B29-F687-4f45-9708-019B960494DF}">
-                <a14:hiddenLine xmlns:a14="http://schemas.microsoft.com/office/drawing/2010/main" xmlns="" w="9525">
+                <a14:hiddenLine xmlns="" xmlns:a14="http://schemas.microsoft.com/office/drawing/2010/main" w="9525">
                   <a:solidFill>
                     <a:srgbClr val="000000"/>
                   </a:solidFill>
@@ -38340,14 +38340,14 @@
             </a:ln>
             <a:extLst>
               <a:ext uri="{909E8E84-426E-40dd-AFC4-6F175D3DCCD1}">
-                <a14:hiddenFill xmlns:a14="http://schemas.microsoft.com/office/drawing/2010/main" xmlns="">
+                <a14:hiddenFill xmlns="" xmlns:a14="http://schemas.microsoft.com/office/drawing/2010/main">
                   <a:solidFill>
                     <a:srgbClr val="FFFFFF"/>
                   </a:solidFill>
                 </a14:hiddenFill>
               </a:ext>
               <a:ext uri="{91240B29-F687-4f45-9708-019B960494DF}">
-                <a14:hiddenLine xmlns:a14="http://schemas.microsoft.com/office/drawing/2010/main" xmlns="" w="9525">
+                <a14:hiddenLine xmlns="" xmlns:a14="http://schemas.microsoft.com/office/drawing/2010/main" w="9525">
                   <a:solidFill>
                     <a:srgbClr val="000000"/>
                   </a:solidFill>
@@ -38407,14 +38407,14 @@
             </a:ln>
             <a:extLst>
               <a:ext uri="{909E8E84-426E-40dd-AFC4-6F175D3DCCD1}">
-                <a14:hiddenFill xmlns:a14="http://schemas.microsoft.com/office/drawing/2010/main" xmlns="">
+                <a14:hiddenFill xmlns="" xmlns:a14="http://schemas.microsoft.com/office/drawing/2010/main">
                   <a:solidFill>
                     <a:srgbClr val="FFFFFF"/>
                   </a:solidFill>
                 </a14:hiddenFill>
               </a:ext>
               <a:ext uri="{91240B29-F687-4f45-9708-019B960494DF}">
-                <a14:hiddenLine xmlns:a14="http://schemas.microsoft.com/office/drawing/2010/main" xmlns="" w="9525">
+                <a14:hiddenLine xmlns="" xmlns:a14="http://schemas.microsoft.com/office/drawing/2010/main" w="9525">
                   <a:solidFill>
                     <a:srgbClr val="000000"/>
                   </a:solidFill>
@@ -38495,14 +38495,14 @@
             </a:ln>
             <a:extLst>
               <a:ext uri="{909E8E84-426E-40dd-AFC4-6F175D3DCCD1}">
-                <a14:hiddenFill xmlns:a14="http://schemas.microsoft.com/office/drawing/2010/main" xmlns="">
+                <a14:hiddenFill xmlns="" xmlns:a14="http://schemas.microsoft.com/office/drawing/2010/main">
                   <a:solidFill>
                     <a:srgbClr val="FFFFFF"/>
                   </a:solidFill>
                 </a14:hiddenFill>
               </a:ext>
               <a:ext uri="{91240B29-F687-4f45-9708-019B960494DF}">
-                <a14:hiddenLine xmlns:a14="http://schemas.microsoft.com/office/drawing/2010/main" xmlns="" w="9525">
+                <a14:hiddenLine xmlns="" xmlns:a14="http://schemas.microsoft.com/office/drawing/2010/main" w="9525">
                   <a:solidFill>
                     <a:srgbClr val="000000"/>
                   </a:solidFill>
@@ -38562,14 +38562,14 @@
             </a:ln>
             <a:extLst>
               <a:ext uri="{909E8E84-426E-40dd-AFC4-6F175D3DCCD1}">
-                <a14:hiddenFill xmlns:a14="http://schemas.microsoft.com/office/drawing/2010/main" xmlns="">
+                <a14:hiddenFill xmlns="" xmlns:a14="http://schemas.microsoft.com/office/drawing/2010/main">
                   <a:solidFill>
                     <a:srgbClr val="FFFFFF"/>
                   </a:solidFill>
                 </a14:hiddenFill>
               </a:ext>
               <a:ext uri="{91240B29-F687-4f45-9708-019B960494DF}">
-                <a14:hiddenLine xmlns:a14="http://schemas.microsoft.com/office/drawing/2010/main" xmlns="" w="9525">
+                <a14:hiddenLine xmlns="" xmlns:a14="http://schemas.microsoft.com/office/drawing/2010/main" w="9525">
                   <a:solidFill>
                     <a:srgbClr val="000000"/>
                   </a:solidFill>
@@ -38629,14 +38629,14 @@
             </a:ln>
             <a:extLst>
               <a:ext uri="{909E8E84-426E-40dd-AFC4-6F175D3DCCD1}">
-                <a14:hiddenFill xmlns:a14="http://schemas.microsoft.com/office/drawing/2010/main" xmlns="">
+                <a14:hiddenFill xmlns="" xmlns:a14="http://schemas.microsoft.com/office/drawing/2010/main">
                   <a:solidFill>
                     <a:srgbClr val="FFFFFF"/>
                   </a:solidFill>
                 </a14:hiddenFill>
               </a:ext>
               <a:ext uri="{91240B29-F687-4f45-9708-019B960494DF}">
-                <a14:hiddenLine xmlns:a14="http://schemas.microsoft.com/office/drawing/2010/main" xmlns="" w="9525">
+                <a14:hiddenLine xmlns="" xmlns:a14="http://schemas.microsoft.com/office/drawing/2010/main" w="9525">
                   <a:solidFill>
                     <a:srgbClr val="000000"/>
                   </a:solidFill>
@@ -38696,14 +38696,14 @@
             </a:ln>
             <a:extLst>
               <a:ext uri="{909E8E84-426E-40dd-AFC4-6F175D3DCCD1}">
-                <a14:hiddenFill xmlns:a14="http://schemas.microsoft.com/office/drawing/2010/main" xmlns="">
+                <a14:hiddenFill xmlns="" xmlns:a14="http://schemas.microsoft.com/office/drawing/2010/main">
                   <a:solidFill>
                     <a:srgbClr val="FFFFFF"/>
                   </a:solidFill>
                 </a14:hiddenFill>
               </a:ext>
               <a:ext uri="{91240B29-F687-4f45-9708-019B960494DF}">
-                <a14:hiddenLine xmlns:a14="http://schemas.microsoft.com/office/drawing/2010/main" xmlns="" w="9525">
+                <a14:hiddenLine xmlns="" xmlns:a14="http://schemas.microsoft.com/office/drawing/2010/main" w="9525">
                   <a:solidFill>
                     <a:srgbClr val="000000"/>
                   </a:solidFill>
@@ -39099,7 +39099,7 @@
           </a:ln>
           <a:extLst>
             <a:ext uri="{91240B29-F687-4f45-9708-019B960494DF}">
-              <a14:hiddenLine xmlns:a14="http://schemas.microsoft.com/office/drawing/2010/main" xmlns="" w="9525">
+              <a14:hiddenLine xmlns="" xmlns:a14="http://schemas.microsoft.com/office/drawing/2010/main" w="9525">
                 <a:solidFill>
                   <a:srgbClr val="000000"/>
                 </a:solidFill>
@@ -39159,14 +39159,14 @@
           </a:ln>
           <a:extLst>
             <a:ext uri="{909E8E84-426E-40dd-AFC4-6F175D3DCCD1}">
-              <a14:hiddenFill xmlns:a14="http://schemas.microsoft.com/office/drawing/2010/main" xmlns="">
+              <a14:hiddenFill xmlns="" xmlns:a14="http://schemas.microsoft.com/office/drawing/2010/main">
                 <a:solidFill>
                   <a:srgbClr val="FFFFFF"/>
                 </a:solidFill>
               </a14:hiddenFill>
             </a:ext>
             <a:ext uri="{91240B29-F687-4f45-9708-019B960494DF}">
-              <a14:hiddenLine xmlns:a14="http://schemas.microsoft.com/office/drawing/2010/main" xmlns="" w="9525">
+              <a14:hiddenLine xmlns="" xmlns:a14="http://schemas.microsoft.com/office/drawing/2010/main" w="9525">
                 <a:solidFill>
                   <a:srgbClr val="000000"/>
                 </a:solidFill>
@@ -39295,7 +39295,7 @@
           </a:ln>
           <a:extLst>
             <a:ext uri="{91240B29-F687-4f45-9708-019B960494DF}">
-              <a14:hiddenLine xmlns:a14="http://schemas.microsoft.com/office/drawing/2010/main" xmlns="" w="9525">
+              <a14:hiddenLine xmlns="" xmlns:a14="http://schemas.microsoft.com/office/drawing/2010/main" w="9525">
                 <a:solidFill>
                   <a:srgbClr val="000000"/>
                 </a:solidFill>
@@ -39440,7 +39440,7 @@
           </a:ln>
           <a:extLst>
             <a:ext uri="{91240B29-F687-4f45-9708-019B960494DF}">
-              <a14:hiddenLine xmlns:a14="http://schemas.microsoft.com/office/drawing/2010/main" xmlns="" w="9525">
+              <a14:hiddenLine xmlns="" xmlns:a14="http://schemas.microsoft.com/office/drawing/2010/main" w="9525">
                 <a:solidFill>
                   <a:srgbClr val="000000"/>
                 </a:solidFill>
@@ -39649,7 +39649,7 @@
           </a:ln>
           <a:extLst>
             <a:ext uri="{91240B29-F687-4f45-9708-019B960494DF}">
-              <a14:hiddenLine xmlns:a14="http://schemas.microsoft.com/office/drawing/2010/main" xmlns="" w="9525">
+              <a14:hiddenLine xmlns="" xmlns:a14="http://schemas.microsoft.com/office/drawing/2010/main" w="9525">
                 <a:solidFill>
                   <a:srgbClr val="000000"/>
                 </a:solidFill>
@@ -39709,14 +39709,14 @@
           </a:ln>
           <a:extLst>
             <a:ext uri="{909E8E84-426E-40dd-AFC4-6F175D3DCCD1}">
-              <a14:hiddenFill xmlns:a14="http://schemas.microsoft.com/office/drawing/2010/main" xmlns="">
+              <a14:hiddenFill xmlns="" xmlns:a14="http://schemas.microsoft.com/office/drawing/2010/main">
                 <a:solidFill>
                   <a:srgbClr val="FFFFFF"/>
                 </a:solidFill>
               </a14:hiddenFill>
             </a:ext>
             <a:ext uri="{91240B29-F687-4f45-9708-019B960494DF}">
-              <a14:hiddenLine xmlns:a14="http://schemas.microsoft.com/office/drawing/2010/main" xmlns="" w="9525">
+              <a14:hiddenLine xmlns="" xmlns:a14="http://schemas.microsoft.com/office/drawing/2010/main" w="9525">
                 <a:solidFill>
                   <a:srgbClr val="000000"/>
                 </a:solidFill>
@@ -39875,7 +39875,7 @@
           </a:ln>
           <a:extLst>
             <a:ext uri="{91240B29-F687-4f45-9708-019B960494DF}">
-              <a14:hiddenLine xmlns:a14="http://schemas.microsoft.com/office/drawing/2010/main" xmlns="" w="9525">
+              <a14:hiddenLine xmlns="" xmlns:a14="http://schemas.microsoft.com/office/drawing/2010/main" w="9525">
                 <a:solidFill>
                   <a:srgbClr val="000000"/>
                 </a:solidFill>
@@ -40061,7 +40061,7 @@
           </a:ln>
           <a:extLst>
             <a:ext uri="{91240B29-F687-4f45-9708-019B960494DF}">
-              <a14:hiddenLine xmlns:a14="http://schemas.microsoft.com/office/drawing/2010/main" xmlns="" w="9525">
+              <a14:hiddenLine xmlns="" xmlns:a14="http://schemas.microsoft.com/office/drawing/2010/main" w="9525">
                 <a:solidFill>
                   <a:srgbClr val="000000"/>
                 </a:solidFill>
@@ -40280,7 +40280,7 @@
           </a:ln>
           <a:extLst>
             <a:ext uri="{91240B29-F687-4f45-9708-019B960494DF}">
-              <a14:hiddenLine xmlns:a14="http://schemas.microsoft.com/office/drawing/2010/main" xmlns="" w="9525">
+              <a14:hiddenLine xmlns="" xmlns:a14="http://schemas.microsoft.com/office/drawing/2010/main" w="9525">
                 <a:solidFill>
                   <a:srgbClr val="000000"/>
                 </a:solidFill>
@@ -40489,7 +40489,7 @@
           </a:ln>
           <a:extLst>
             <a:ext uri="{91240B29-F687-4f45-9708-019B960494DF}">
-              <a14:hiddenLine xmlns:a14="http://schemas.microsoft.com/office/drawing/2010/main" xmlns="" w="9525">
+              <a14:hiddenLine xmlns="" xmlns:a14="http://schemas.microsoft.com/office/drawing/2010/main" w="9525">
                 <a:solidFill>
                   <a:srgbClr val="000000"/>
                 </a:solidFill>
@@ -41420,14 +41420,14 @@
               </a:ln>
               <a:extLst>
                 <a:ext uri="{909E8E84-426E-40dd-AFC4-6F175D3DCCD1}">
-                  <a14:hiddenFill xmlns="" xmlns:a14="http://schemas.microsoft.com/office/drawing/2010/main">
+                  <a14:hiddenFill xmlns:a14="http://schemas.microsoft.com/office/drawing/2010/main" xmlns="">
                     <a:solidFill>
                       <a:srgbClr val="FFFFFF"/>
                     </a:solidFill>
                   </a14:hiddenFill>
                 </a:ext>
                 <a:ext uri="{91240B29-F687-4f45-9708-019B960494DF}">
-                  <a14:hiddenLine xmlns="" xmlns:a14="http://schemas.microsoft.com/office/drawing/2010/main" w="9525">
+                  <a14:hiddenLine xmlns:a14="http://schemas.microsoft.com/office/drawing/2010/main" xmlns="" w="9525">
                     <a:solidFill>
                       <a:srgbClr val="000000"/>
                     </a:solidFill>
@@ -42596,14 +42596,14 @@
               </a:ln>
               <a:extLst>
                 <a:ext uri="{909E8E84-426E-40dd-AFC4-6F175D3DCCD1}">
-                  <a14:hiddenFill xmlns="" xmlns:a14="http://schemas.microsoft.com/office/drawing/2010/main">
+                  <a14:hiddenFill xmlns:a14="http://schemas.microsoft.com/office/drawing/2010/main" xmlns="">
                     <a:solidFill>
                       <a:srgbClr val="FFFFFF"/>
                     </a:solidFill>
                   </a14:hiddenFill>
                 </a:ext>
                 <a:ext uri="{91240B29-F687-4f45-9708-019B960494DF}">
-                  <a14:hiddenLine xmlns="" xmlns:a14="http://schemas.microsoft.com/office/drawing/2010/main" w="9525">
+                  <a14:hiddenLine xmlns:a14="http://schemas.microsoft.com/office/drawing/2010/main" xmlns="" w="9525">
                     <a:solidFill>
                       <a:srgbClr val="000000"/>
                     </a:solidFill>
@@ -43360,7 +43360,7 @@
             </a:ln>
             <a:extLst>
               <a:ext uri="{91240B29-F687-4f45-9708-019B960494DF}">
-                <a14:hiddenLine xmlns="" xmlns:a14="http://schemas.microsoft.com/office/drawing/2010/main" w="9525">
+                <a14:hiddenLine xmlns:a14="http://schemas.microsoft.com/office/drawing/2010/main" xmlns="" w="9525">
                   <a:solidFill>
                     <a:srgbClr val="000000"/>
                   </a:solidFill>
@@ -43891,7 +43891,7 @@
             </a:ln>
             <a:extLst>
               <a:ext uri="{91240B29-F687-4f45-9708-019B960494DF}">
-                <a14:hiddenLine xmlns="" xmlns:a14="http://schemas.microsoft.com/office/drawing/2010/main" w="9525">
+                <a14:hiddenLine xmlns:a14="http://schemas.microsoft.com/office/drawing/2010/main" xmlns="" w="9525">
                   <a:solidFill>
                     <a:srgbClr val="000000"/>
                   </a:solidFill>
@@ -44307,14 +44307,14 @@
               </a:ln>
               <a:extLst>
                 <a:ext uri="{909E8E84-426E-40dd-AFC4-6F175D3DCCD1}">
-                  <a14:hiddenFill xmlns="" xmlns:a14="http://schemas.microsoft.com/office/drawing/2010/main">
+                  <a14:hiddenFill xmlns:a14="http://schemas.microsoft.com/office/drawing/2010/main" xmlns="">
                     <a:solidFill>
                       <a:srgbClr val="FFFFFF"/>
                     </a:solidFill>
                   </a14:hiddenFill>
                 </a:ext>
                 <a:ext uri="{91240B29-F687-4f45-9708-019B960494DF}">
-                  <a14:hiddenLine xmlns="" xmlns:a14="http://schemas.microsoft.com/office/drawing/2010/main" w="9525">
+                  <a14:hiddenLine xmlns:a14="http://schemas.microsoft.com/office/drawing/2010/main" xmlns="" w="9525">
                     <a:solidFill>
                       <a:srgbClr val="000000"/>
                     </a:solidFill>
@@ -44828,14 +44828,14 @@
               </a:ln>
               <a:extLst>
                 <a:ext uri="{909E8E84-426E-40dd-AFC4-6F175D3DCCD1}">
-                  <a14:hiddenFill xmlns="" xmlns:a14="http://schemas.microsoft.com/office/drawing/2010/main">
+                  <a14:hiddenFill xmlns:a14="http://schemas.microsoft.com/office/drawing/2010/main" xmlns="">
                     <a:solidFill>
                       <a:srgbClr val="FFFFFF"/>
                     </a:solidFill>
                   </a14:hiddenFill>
                 </a:ext>
                 <a:ext uri="{91240B29-F687-4f45-9708-019B960494DF}">
-                  <a14:hiddenLine xmlns="" xmlns:a14="http://schemas.microsoft.com/office/drawing/2010/main" w="9525">
+                  <a14:hiddenLine xmlns:a14="http://schemas.microsoft.com/office/drawing/2010/main" xmlns="" w="9525">
                     <a:solidFill>
                       <a:srgbClr val="000000"/>
                     </a:solidFill>
@@ -45670,7 +45670,7 @@
               </a:ln>
               <a:extLst>
                 <a:ext uri="{91240B29-F687-4f45-9708-019B960494DF}">
-                  <a14:hiddenLine xmlns="" xmlns:a14="http://schemas.microsoft.com/office/drawing/2010/main" w="9525">
+                  <a14:hiddenLine xmlns:a14="http://schemas.microsoft.com/office/drawing/2010/main" xmlns="" w="9525">
                     <a:solidFill>
                       <a:srgbClr val="000000"/>
                     </a:solidFill>
@@ -45730,14 +45730,14 @@
               </a:ln>
               <a:extLst>
                 <a:ext uri="{909E8E84-426E-40dd-AFC4-6F175D3DCCD1}">
-                  <a14:hiddenFill xmlns="" xmlns:a14="http://schemas.microsoft.com/office/drawing/2010/main">
+                  <a14:hiddenFill xmlns:a14="http://schemas.microsoft.com/office/drawing/2010/main" xmlns="">
                     <a:solidFill>
                       <a:srgbClr val="FFFFFF"/>
                     </a:solidFill>
                   </a14:hiddenFill>
                 </a:ext>
                 <a:ext uri="{91240B29-F687-4f45-9708-019B960494DF}">
-                  <a14:hiddenLine xmlns="" xmlns:a14="http://schemas.microsoft.com/office/drawing/2010/main" w="9525">
+                  <a14:hiddenLine xmlns:a14="http://schemas.microsoft.com/office/drawing/2010/main" xmlns="" w="9525">
                     <a:solidFill>
                       <a:srgbClr val="000000"/>
                     </a:solidFill>
@@ -45866,7 +45866,7 @@
               </a:ln>
               <a:extLst>
                 <a:ext uri="{91240B29-F687-4f45-9708-019B960494DF}">
-                  <a14:hiddenLine xmlns="" xmlns:a14="http://schemas.microsoft.com/office/drawing/2010/main" w="9525">
+                  <a14:hiddenLine xmlns:a14="http://schemas.microsoft.com/office/drawing/2010/main" xmlns="" w="9525">
                     <a:solidFill>
                       <a:srgbClr val="000000"/>
                     </a:solidFill>
@@ -46011,7 +46011,7 @@
               </a:ln>
               <a:extLst>
                 <a:ext uri="{91240B29-F687-4f45-9708-019B960494DF}">
-                  <a14:hiddenLine xmlns="" xmlns:a14="http://schemas.microsoft.com/office/drawing/2010/main" w="9525">
+                  <a14:hiddenLine xmlns:a14="http://schemas.microsoft.com/office/drawing/2010/main" xmlns="" w="9525">
                     <a:solidFill>
                       <a:srgbClr val="000000"/>
                     </a:solidFill>
@@ -46220,7 +46220,7 @@
               </a:ln>
               <a:extLst>
                 <a:ext uri="{91240B29-F687-4f45-9708-019B960494DF}">
-                  <a14:hiddenLine xmlns="" xmlns:a14="http://schemas.microsoft.com/office/drawing/2010/main" w="9525">
+                  <a14:hiddenLine xmlns:a14="http://schemas.microsoft.com/office/drawing/2010/main" xmlns="" w="9525">
                     <a:solidFill>
                       <a:srgbClr val="000000"/>
                     </a:solidFill>
@@ -46400,7 +46400,7 @@
               </a:ln>
               <a:extLst>
                 <a:ext uri="{91240B29-F687-4f45-9708-019B960494DF}">
-                  <a14:hiddenLine xmlns="" xmlns:a14="http://schemas.microsoft.com/office/drawing/2010/main" w="9525">
+                  <a14:hiddenLine xmlns:a14="http://schemas.microsoft.com/office/drawing/2010/main" xmlns="" w="9525">
                     <a:solidFill>
                       <a:srgbClr val="000000"/>
                     </a:solidFill>
@@ -46586,7 +46586,7 @@
               </a:ln>
               <a:extLst>
                 <a:ext uri="{91240B29-F687-4f45-9708-019B960494DF}">
-                  <a14:hiddenLine xmlns="" xmlns:a14="http://schemas.microsoft.com/office/drawing/2010/main" w="9525">
+                  <a14:hiddenLine xmlns:a14="http://schemas.microsoft.com/office/drawing/2010/main" xmlns="" w="9525">
                     <a:solidFill>
                       <a:srgbClr val="000000"/>
                     </a:solidFill>
@@ -46805,7 +46805,7 @@
               </a:ln>
               <a:extLst>
                 <a:ext uri="{91240B29-F687-4f45-9708-019B960494DF}">
-                  <a14:hiddenLine xmlns="" xmlns:a14="http://schemas.microsoft.com/office/drawing/2010/main" w="9525">
+                  <a14:hiddenLine xmlns:a14="http://schemas.microsoft.com/office/drawing/2010/main" xmlns="" w="9525">
                     <a:solidFill>
                       <a:srgbClr val="000000"/>
                     </a:solidFill>
@@ -47014,7 +47014,7 @@
               </a:ln>
               <a:extLst>
                 <a:ext uri="{91240B29-F687-4f45-9708-019B960494DF}">
-                  <a14:hiddenLine xmlns="" xmlns:a14="http://schemas.microsoft.com/office/drawing/2010/main" w="9525">
+                  <a14:hiddenLine xmlns:a14="http://schemas.microsoft.com/office/drawing/2010/main" xmlns="" w="9525">
                     <a:solidFill>
                       <a:srgbClr val="000000"/>
                     </a:solidFill>
@@ -49439,3491 +49439,6 @@
       </p:pic>
       <p:sp>
         <p:nvSpPr>
-          <p:cNvPr id="438" name="Rounded Rectangle 38">
-            <a:extLst>
-              <a:ext uri="{FF2B5EF4-FFF2-40B4-BE49-F238E27FC236}">
-                <a16:creationId xmlns:a16="http://schemas.microsoft.com/office/drawing/2014/main" id="{DEF03DFF-1458-0643-98D0-8A732D71B4A6}"/>
-              </a:ext>
-            </a:extLst>
-          </p:cNvPr>
-          <p:cNvSpPr/>
-          <p:nvPr/>
-        </p:nvSpPr>
-        <p:spPr>
-          <a:xfrm>
-            <a:off x="11385268" y="10902084"/>
-            <a:ext cx="1615076" cy="2070144"/>
-          </a:xfrm>
-          <a:prstGeom prst="roundRect">
-            <a:avLst>
-              <a:gd name="adj" fmla="val 8285"/>
-            </a:avLst>
-          </a:prstGeom>
-          <a:solidFill>
-            <a:schemeClr val="bg1"/>
-          </a:solidFill>
-          <a:ln w="19050" cmpd="sng">
-            <a:solidFill>
-              <a:srgbClr val="4D4D4F"/>
-            </a:solidFill>
-          </a:ln>
-        </p:spPr>
-        <p:style>
-          <a:lnRef idx="2">
-            <a:schemeClr val="dk1"/>
-          </a:lnRef>
-          <a:fillRef idx="1">
-            <a:schemeClr val="lt1"/>
-          </a:fillRef>
-          <a:effectRef idx="0">
-            <a:schemeClr val="dk1"/>
-          </a:effectRef>
-          <a:fontRef idx="minor">
-            <a:schemeClr val="dk1"/>
-          </a:fontRef>
-        </p:style>
-        <p:txBody>
-          <a:bodyPr rtlCol="0" anchor="ctr"/>
-          <a:lstStyle/>
-          <a:p>
-            <a:pPr algn="ctr"/>
-            <a:endParaRPr lang="en-US" sz="2117"/>
-          </a:p>
-        </p:txBody>
-      </p:sp>
-      <p:sp>
-        <p:nvSpPr>
-          <p:cNvPr id="486" name="AutoShape 43">
-            <a:extLst>
-              <a:ext uri="{FF2B5EF4-FFF2-40B4-BE49-F238E27FC236}">
-                <a16:creationId xmlns:a16="http://schemas.microsoft.com/office/drawing/2014/main" id="{CB7DF17C-A4B1-7942-8D39-EF6535FC1E0F}"/>
-              </a:ext>
-            </a:extLst>
-          </p:cNvPr>
-          <p:cNvSpPr>
-            <a:spLocks noChangeAspect="1" noChangeArrowheads="1" noTextEdit="1"/>
-          </p:cNvSpPr>
-          <p:nvPr/>
-        </p:nvSpPr>
-        <p:spPr bwMode="auto">
-          <a:xfrm>
-            <a:off x="11991381" y="11588452"/>
-            <a:ext cx="342228" cy="162160"/>
-          </a:xfrm>
-          <a:prstGeom prst="rect">
-            <a:avLst/>
-          </a:prstGeom>
-          <a:noFill/>
-          <a:ln>
-            <a:noFill/>
-          </a:ln>
-          <a:extLst>
-            <a:ext uri="{909E8E84-426E-40dd-AFC4-6F175D3DCCD1}">
-              <a14:hiddenFill xmlns="" xmlns:a14="http://schemas.microsoft.com/office/drawing/2010/main">
-                <a:solidFill>
-                  <a:srgbClr val="FFFFFF"/>
-                </a:solidFill>
-              </a14:hiddenFill>
-            </a:ext>
-            <a:ext uri="{91240B29-F687-4f45-9708-019B960494DF}">
-              <a14:hiddenLine xmlns="" xmlns:a14="http://schemas.microsoft.com/office/drawing/2010/main" w="9525">
-                <a:solidFill>
-                  <a:srgbClr val="000000"/>
-                </a:solidFill>
-                <a:miter lim="800000"/>
-                <a:headEnd/>
-                <a:tailEnd/>
-              </a14:hiddenLine>
-            </a:ext>
-          </a:extLst>
-        </p:spPr>
-        <p:txBody>
-          <a:bodyPr vert="horz" wrap="square" lIns="91440" tIns="45720" rIns="91440" bIns="45720" numCol="1" anchor="t" anchorCtr="0" compatLnSpc="1">
-            <a:prstTxWarp prst="textNoShape">
-              <a:avLst/>
-            </a:prstTxWarp>
-          </a:bodyPr>
-          <a:lstStyle/>
-          <a:p>
-            <a:pPr defTabSz="914418">
-              <a:defRPr/>
-            </a:pPr>
-            <a:endParaRPr lang="en-US" sz="1600" kern="0">
-              <a:solidFill>
-                <a:srgbClr val="4D4F53"/>
-              </a:solidFill>
-              <a:latin typeface="Arial"/>
-              <a:cs typeface="Arial" panose="020B0604020202020204" pitchFamily="34" charset="0"/>
-            </a:endParaRPr>
-          </a:p>
-        </p:txBody>
-      </p:sp>
-      <p:grpSp>
-        <p:nvGrpSpPr>
-          <p:cNvPr id="519" name="Group 518">
-            <a:extLst>
-              <a:ext uri="{FF2B5EF4-FFF2-40B4-BE49-F238E27FC236}">
-                <a16:creationId xmlns:a16="http://schemas.microsoft.com/office/drawing/2014/main" id="{D12BCFD0-877A-1C4A-949B-C0CAA0EF10C9}"/>
-              </a:ext>
-            </a:extLst>
-          </p:cNvPr>
-          <p:cNvGrpSpPr/>
-          <p:nvPr/>
-        </p:nvGrpSpPr>
-        <p:grpSpPr>
-          <a:xfrm>
-            <a:off x="11617441" y="10807235"/>
-            <a:ext cx="1163264" cy="246221"/>
-            <a:chOff x="3052527" y="4619265"/>
-            <a:chExt cx="1163264" cy="246221"/>
-          </a:xfrm>
-        </p:grpSpPr>
-        <p:sp>
-          <p:nvSpPr>
-            <p:cNvPr id="521" name="Rounded Rectangle 37">
-              <a:extLst>
-                <a:ext uri="{FF2B5EF4-FFF2-40B4-BE49-F238E27FC236}">
-                  <a16:creationId xmlns:a16="http://schemas.microsoft.com/office/drawing/2014/main" id="{DE3BE798-5FD1-F844-B4B2-3625F77856C5}"/>
-                </a:ext>
-              </a:extLst>
-            </p:cNvPr>
-            <p:cNvSpPr/>
-            <p:nvPr/>
-          </p:nvSpPr>
-          <p:spPr>
-            <a:xfrm>
-              <a:off x="3052527" y="4642101"/>
-              <a:ext cx="1163264" cy="213937"/>
-            </a:xfrm>
-            <a:prstGeom prst="roundRect">
-              <a:avLst>
-                <a:gd name="adj" fmla="val 24315"/>
-              </a:avLst>
-            </a:prstGeom>
-            <a:solidFill>
-              <a:srgbClr val="4D4D4F"/>
-            </a:solidFill>
-            <a:ln w="25400">
-              <a:noFill/>
-            </a:ln>
-          </p:spPr>
-          <p:style>
-            <a:lnRef idx="2">
-              <a:schemeClr val="dk1"/>
-            </a:lnRef>
-            <a:fillRef idx="1">
-              <a:schemeClr val="lt1"/>
-            </a:fillRef>
-            <a:effectRef idx="0">
-              <a:schemeClr val="dk1"/>
-            </a:effectRef>
-            <a:fontRef idx="minor">
-              <a:schemeClr val="dk1"/>
-            </a:fontRef>
-          </p:style>
-          <p:txBody>
-            <a:bodyPr rtlCol="0" anchor="ctr"/>
-            <a:lstStyle/>
-            <a:p>
-              <a:pPr algn="ctr"/>
-              <a:endParaRPr lang="en-US" sz="1600">
-                <a:latin typeface="Arial" panose="020B0604020202020204" pitchFamily="34" charset="0"/>
-                <a:cs typeface="Arial" panose="020B0604020202020204" pitchFamily="34" charset="0"/>
-              </a:endParaRPr>
-            </a:p>
-          </p:txBody>
-        </p:sp>
-        <p:sp>
-          <p:nvSpPr>
-            <p:cNvPr id="538" name="TextBox 537">
-              <a:extLst>
-                <a:ext uri="{FF2B5EF4-FFF2-40B4-BE49-F238E27FC236}">
-                  <a16:creationId xmlns:a16="http://schemas.microsoft.com/office/drawing/2014/main" id="{14CFD974-C396-9047-9C1C-9E0275CF358E}"/>
-                </a:ext>
-              </a:extLst>
-            </p:cNvPr>
-            <p:cNvSpPr txBox="1"/>
-            <p:nvPr/>
-          </p:nvSpPr>
-          <p:spPr>
-            <a:xfrm>
-              <a:off x="3108985" y="4619265"/>
-              <a:ext cx="1010864" cy="246221"/>
-            </a:xfrm>
-            <a:prstGeom prst="rect">
-              <a:avLst/>
-            </a:prstGeom>
-            <a:noFill/>
-          </p:spPr>
-          <p:txBody>
-            <a:bodyPr wrap="square" rtlCol="0">
-              <a:spAutoFit/>
-            </a:bodyPr>
-            <a:lstStyle/>
-            <a:p>
-              <a:pPr algn="ctr"/>
-              <a:r>
-                <a:rPr lang="en-US" sz="1000" dirty="0">
-                  <a:solidFill>
-                    <a:schemeClr val="bg1"/>
-                  </a:solidFill>
-                  <a:latin typeface="Arial" panose="020B0604020202020204" pitchFamily="34" charset="0"/>
-                  <a:cs typeface="Arial" panose="020B0604020202020204" pitchFamily="34" charset="0"/>
-                </a:rPr>
-                <a:t>Dublin</a:t>
-              </a:r>
-            </a:p>
-          </p:txBody>
-        </p:sp>
-      </p:grpSp>
-      <p:cxnSp>
-        <p:nvCxnSpPr>
-          <p:cNvPr id="546" name="Straight Connector 545">
-            <a:extLst>
-              <a:ext uri="{FF2B5EF4-FFF2-40B4-BE49-F238E27FC236}">
-                <a16:creationId xmlns:a16="http://schemas.microsoft.com/office/drawing/2014/main" id="{E89F0BF4-3203-954C-A2B6-D2DCCEDC267D}"/>
-              </a:ext>
-            </a:extLst>
-          </p:cNvPr>
-          <p:cNvCxnSpPr>
-            <a:cxnSpLocks/>
-          </p:cNvCxnSpPr>
-          <p:nvPr/>
-        </p:nvCxnSpPr>
-        <p:spPr>
-          <a:xfrm flipV="1">
-            <a:off x="12178824" y="11096852"/>
-            <a:ext cx="11938" cy="994053"/>
-          </a:xfrm>
-          <a:prstGeom prst="line">
-            <a:avLst/>
-          </a:prstGeom>
-          <a:ln w="19050">
-            <a:solidFill>
-              <a:schemeClr val="accent6"/>
-            </a:solidFill>
-            <a:prstDash val="sysDot"/>
-          </a:ln>
-        </p:spPr>
-        <p:style>
-          <a:lnRef idx="1">
-            <a:schemeClr val="accent1"/>
-          </a:lnRef>
-          <a:fillRef idx="0">
-            <a:schemeClr val="accent1"/>
-          </a:fillRef>
-          <a:effectRef idx="0">
-            <a:schemeClr val="accent1"/>
-          </a:effectRef>
-          <a:fontRef idx="minor">
-            <a:schemeClr val="tx1"/>
-          </a:fontRef>
-        </p:style>
-      </p:cxnSp>
-      <p:grpSp>
-        <p:nvGrpSpPr>
-          <p:cNvPr id="547" name="Group 546">
-            <a:extLst>
-              <a:ext uri="{FF2B5EF4-FFF2-40B4-BE49-F238E27FC236}">
-                <a16:creationId xmlns:a16="http://schemas.microsoft.com/office/drawing/2014/main" id="{EAF796F3-87B8-8040-96E2-35E87CD060E6}"/>
-              </a:ext>
-            </a:extLst>
-          </p:cNvPr>
-          <p:cNvGrpSpPr/>
-          <p:nvPr/>
-        </p:nvGrpSpPr>
-        <p:grpSpPr>
-          <a:xfrm>
-            <a:off x="12017217" y="11098372"/>
-            <a:ext cx="342907" cy="167348"/>
-            <a:chOff x="832358" y="1066800"/>
-            <a:chExt cx="547180" cy="267040"/>
-          </a:xfrm>
-        </p:grpSpPr>
-        <p:sp>
-          <p:nvSpPr>
-            <p:cNvPr id="548" name="Freeform 5">
-              <a:extLst>
-                <a:ext uri="{FF2B5EF4-FFF2-40B4-BE49-F238E27FC236}">
-                  <a16:creationId xmlns:a16="http://schemas.microsoft.com/office/drawing/2014/main" id="{33607E9E-9E9E-EA43-BE1D-1B8F781C168A}"/>
-                </a:ext>
-              </a:extLst>
-            </p:cNvPr>
-            <p:cNvSpPr>
-              <a:spLocks/>
-            </p:cNvSpPr>
-            <p:nvPr/>
-          </p:nvSpPr>
-          <p:spPr bwMode="auto">
-            <a:xfrm>
-              <a:off x="832358" y="1075079"/>
-              <a:ext cx="544512" cy="258761"/>
-            </a:xfrm>
-            <a:custGeom>
-              <a:avLst/>
-              <a:gdLst>
-                <a:gd name="T0" fmla="*/ 403 w 403"/>
-                <a:gd name="T1" fmla="*/ 147 h 191"/>
-                <a:gd name="T2" fmla="*/ 359 w 403"/>
-                <a:gd name="T3" fmla="*/ 191 h 191"/>
-                <a:gd name="T4" fmla="*/ 44 w 403"/>
-                <a:gd name="T5" fmla="*/ 191 h 191"/>
-                <a:gd name="T6" fmla="*/ 0 w 403"/>
-                <a:gd name="T7" fmla="*/ 147 h 191"/>
-                <a:gd name="T8" fmla="*/ 0 w 403"/>
-                <a:gd name="T9" fmla="*/ 44 h 191"/>
-                <a:gd name="T10" fmla="*/ 44 w 403"/>
-                <a:gd name="T11" fmla="*/ 0 h 191"/>
-                <a:gd name="T12" fmla="*/ 359 w 403"/>
-                <a:gd name="T13" fmla="*/ 0 h 191"/>
-                <a:gd name="T14" fmla="*/ 403 w 403"/>
-                <a:gd name="T15" fmla="*/ 44 h 191"/>
-                <a:gd name="T16" fmla="*/ 403 w 403"/>
-                <a:gd name="T17" fmla="*/ 147 h 191"/>
-              </a:gdLst>
-              <a:ahLst/>
-              <a:cxnLst>
-                <a:cxn ang="0">
-                  <a:pos x="T0" y="T1"/>
-                </a:cxn>
-                <a:cxn ang="0">
-                  <a:pos x="T2" y="T3"/>
-                </a:cxn>
-                <a:cxn ang="0">
-                  <a:pos x="T4" y="T5"/>
-                </a:cxn>
-                <a:cxn ang="0">
-                  <a:pos x="T6" y="T7"/>
-                </a:cxn>
-                <a:cxn ang="0">
-                  <a:pos x="T8" y="T9"/>
-                </a:cxn>
-                <a:cxn ang="0">
-                  <a:pos x="T10" y="T11"/>
-                </a:cxn>
-                <a:cxn ang="0">
-                  <a:pos x="T12" y="T13"/>
-                </a:cxn>
-                <a:cxn ang="0">
-                  <a:pos x="T14" y="T15"/>
-                </a:cxn>
-                <a:cxn ang="0">
-                  <a:pos x="T16" y="T17"/>
-                </a:cxn>
-              </a:cxnLst>
-              <a:rect l="0" t="0" r="r" b="b"/>
-              <a:pathLst>
-                <a:path w="403" h="191">
-                  <a:moveTo>
-                    <a:pt x="403" y="147"/>
-                  </a:moveTo>
-                  <a:cubicBezTo>
-                    <a:pt x="403" y="171"/>
-                    <a:pt x="383" y="191"/>
-                    <a:pt x="359" y="191"/>
-                  </a:cubicBezTo>
-                  <a:cubicBezTo>
-                    <a:pt x="44" y="191"/>
-                    <a:pt x="44" y="191"/>
-                    <a:pt x="44" y="191"/>
-                  </a:cubicBezTo>
-                  <a:cubicBezTo>
-                    <a:pt x="20" y="191"/>
-                    <a:pt x="0" y="171"/>
-                    <a:pt x="0" y="147"/>
-                  </a:cubicBezTo>
-                  <a:cubicBezTo>
-                    <a:pt x="0" y="44"/>
-                    <a:pt x="0" y="44"/>
-                    <a:pt x="0" y="44"/>
-                  </a:cubicBezTo>
-                  <a:cubicBezTo>
-                    <a:pt x="0" y="20"/>
-                    <a:pt x="20" y="0"/>
-                    <a:pt x="44" y="0"/>
-                  </a:cubicBezTo>
-                  <a:cubicBezTo>
-                    <a:pt x="359" y="0"/>
-                    <a:pt x="359" y="0"/>
-                    <a:pt x="359" y="0"/>
-                  </a:cubicBezTo>
-                  <a:cubicBezTo>
-                    <a:pt x="383" y="0"/>
-                    <a:pt x="403" y="20"/>
-                    <a:pt x="403" y="44"/>
-                  </a:cubicBezTo>
-                  <a:lnTo>
-                    <a:pt x="403" y="147"/>
-                  </a:lnTo>
-                  <a:close/>
-                </a:path>
-              </a:pathLst>
-            </a:custGeom>
-            <a:solidFill>
-              <a:srgbClr val="073E77"/>
-            </a:solidFill>
-            <a:ln>
-              <a:noFill/>
-            </a:ln>
-            <a:extLst>
-              <a:ext uri="{91240B29-F687-4f45-9708-019B960494DF}">
-                <a14:hiddenLine xmlns="" xmlns:a14="http://schemas.microsoft.com/office/drawing/2010/main" w="9525">
-                  <a:solidFill>
-                    <a:srgbClr val="000000"/>
-                  </a:solidFill>
-                  <a:round/>
-                  <a:headEnd/>
-                  <a:tailEnd/>
-                </a14:hiddenLine>
-              </a:ext>
-            </a:extLst>
-          </p:spPr>
-          <p:txBody>
-            <a:bodyPr vert="horz" wrap="square" lIns="91440" tIns="45720" rIns="91440" bIns="45720" numCol="1" anchor="t" anchorCtr="0" compatLnSpc="1">
-              <a:prstTxWarp prst="textNoShape">
-                <a:avLst/>
-              </a:prstTxWarp>
-            </a:bodyPr>
-            <a:lstStyle/>
-            <a:p>
-              <a:pPr defTabSz="914418">
-                <a:defRPr/>
-              </a:pPr>
-              <a:endParaRPr lang="en-US" sz="1600" kern="0">
-                <a:solidFill>
-                  <a:srgbClr val="4D4F53"/>
-                </a:solidFill>
-                <a:latin typeface="Arial"/>
-                <a:cs typeface="Arial" panose="020B0604020202020204" pitchFamily="34" charset="0"/>
-              </a:endParaRPr>
-            </a:p>
-          </p:txBody>
-        </p:sp>
-        <p:sp>
-          <p:nvSpPr>
-            <p:cNvPr id="549" name="AutoShape 10">
-              <a:extLst>
-                <a:ext uri="{FF2B5EF4-FFF2-40B4-BE49-F238E27FC236}">
-                  <a16:creationId xmlns:a16="http://schemas.microsoft.com/office/drawing/2014/main" id="{179EEBAE-8448-5846-A7B7-CFDA4AD5FE64}"/>
-                </a:ext>
-              </a:extLst>
-            </p:cNvPr>
-            <p:cNvSpPr>
-              <a:spLocks noChangeAspect="1" noChangeArrowheads="1" noTextEdit="1"/>
-            </p:cNvSpPr>
-            <p:nvPr/>
-          </p:nvSpPr>
-          <p:spPr bwMode="auto">
-            <a:xfrm>
-              <a:off x="833439" y="1066800"/>
-              <a:ext cx="546099" cy="267040"/>
-            </a:xfrm>
-            <a:prstGeom prst="rect">
-              <a:avLst/>
-            </a:prstGeom>
-            <a:noFill/>
-            <a:ln>
-              <a:noFill/>
-            </a:ln>
-            <a:extLst>
-              <a:ext uri="{909E8E84-426E-40dd-AFC4-6F175D3DCCD1}">
-                <a14:hiddenFill xmlns="" xmlns:a14="http://schemas.microsoft.com/office/drawing/2010/main">
-                  <a:solidFill>
-                    <a:srgbClr val="FFFFFF"/>
-                  </a:solidFill>
-                </a14:hiddenFill>
-              </a:ext>
-              <a:ext uri="{91240B29-F687-4f45-9708-019B960494DF}">
-                <a14:hiddenLine xmlns="" xmlns:a14="http://schemas.microsoft.com/office/drawing/2010/main" w="9525">
-                  <a:solidFill>
-                    <a:srgbClr val="000000"/>
-                  </a:solidFill>
-                  <a:miter lim="800000"/>
-                  <a:headEnd/>
-                  <a:tailEnd/>
-                </a14:hiddenLine>
-              </a:ext>
-            </a:extLst>
-          </p:spPr>
-          <p:txBody>
-            <a:bodyPr vert="horz" wrap="square" lIns="91440" tIns="45720" rIns="91440" bIns="45720" numCol="1" anchor="t" anchorCtr="0" compatLnSpc="1">
-              <a:prstTxWarp prst="textNoShape">
-                <a:avLst/>
-              </a:prstTxWarp>
-            </a:bodyPr>
-            <a:lstStyle/>
-            <a:p>
-              <a:pPr defTabSz="914418">
-                <a:defRPr/>
-              </a:pPr>
-              <a:endParaRPr lang="en-US" sz="1600" kern="0">
-                <a:solidFill>
-                  <a:srgbClr val="4D4F53"/>
-                </a:solidFill>
-                <a:latin typeface="Arial"/>
-                <a:cs typeface="Arial" panose="020B0604020202020204" pitchFamily="34" charset="0"/>
-              </a:endParaRPr>
-            </a:p>
-          </p:txBody>
-        </p:sp>
-        <p:sp>
-          <p:nvSpPr>
-            <p:cNvPr id="550" name="Freeform 13">
-              <a:extLst>
-                <a:ext uri="{FF2B5EF4-FFF2-40B4-BE49-F238E27FC236}">
-                  <a16:creationId xmlns:a16="http://schemas.microsoft.com/office/drawing/2014/main" id="{97ED77C2-F9C1-0747-B77C-B1C08BD514D0}"/>
-                </a:ext>
-              </a:extLst>
-            </p:cNvPr>
-            <p:cNvSpPr>
-              <a:spLocks/>
-            </p:cNvSpPr>
-            <p:nvPr/>
-          </p:nvSpPr>
-          <p:spPr bwMode="auto">
-            <a:xfrm>
-              <a:off x="939801" y="1133475"/>
-              <a:ext cx="88900" cy="122238"/>
-            </a:xfrm>
-            <a:custGeom>
-              <a:avLst/>
-              <a:gdLst>
-                <a:gd name="T0" fmla="*/ 0 w 56"/>
-                <a:gd name="T1" fmla="*/ 0 h 77"/>
-                <a:gd name="T2" fmla="*/ 17 w 56"/>
-                <a:gd name="T3" fmla="*/ 0 h 77"/>
-                <a:gd name="T4" fmla="*/ 17 w 56"/>
-                <a:gd name="T5" fmla="*/ 63 h 77"/>
-                <a:gd name="T6" fmla="*/ 56 w 56"/>
-                <a:gd name="T7" fmla="*/ 63 h 77"/>
-                <a:gd name="T8" fmla="*/ 56 w 56"/>
-                <a:gd name="T9" fmla="*/ 77 h 77"/>
-                <a:gd name="T10" fmla="*/ 0 w 56"/>
-                <a:gd name="T11" fmla="*/ 77 h 77"/>
-                <a:gd name="T12" fmla="*/ 0 w 56"/>
-                <a:gd name="T13" fmla="*/ 0 h 77"/>
-              </a:gdLst>
-              <a:ahLst/>
-              <a:cxnLst>
-                <a:cxn ang="0">
-                  <a:pos x="T0" y="T1"/>
-                </a:cxn>
-                <a:cxn ang="0">
-                  <a:pos x="T2" y="T3"/>
-                </a:cxn>
-                <a:cxn ang="0">
-                  <a:pos x="T4" y="T5"/>
-                </a:cxn>
-                <a:cxn ang="0">
-                  <a:pos x="T6" y="T7"/>
-                </a:cxn>
-                <a:cxn ang="0">
-                  <a:pos x="T8" y="T9"/>
-                </a:cxn>
-                <a:cxn ang="0">
-                  <a:pos x="T10" y="T11"/>
-                </a:cxn>
-                <a:cxn ang="0">
-                  <a:pos x="T12" y="T13"/>
-                </a:cxn>
-              </a:cxnLst>
-              <a:rect l="0" t="0" r="r" b="b"/>
-              <a:pathLst>
-                <a:path w="56" h="77">
-                  <a:moveTo>
-                    <a:pt x="0" y="0"/>
-                  </a:moveTo>
-                  <a:lnTo>
-                    <a:pt x="17" y="0"/>
-                  </a:lnTo>
-                  <a:lnTo>
-                    <a:pt x="17" y="63"/>
-                  </a:lnTo>
-                  <a:lnTo>
-                    <a:pt x="56" y="63"/>
-                  </a:lnTo>
-                  <a:lnTo>
-                    <a:pt x="56" y="77"/>
-                  </a:lnTo>
-                  <a:lnTo>
-                    <a:pt x="0" y="77"/>
-                  </a:lnTo>
-                  <a:lnTo>
-                    <a:pt x="0" y="0"/>
-                  </a:lnTo>
-                  <a:close/>
-                </a:path>
-              </a:pathLst>
-            </a:custGeom>
-            <a:solidFill>
-              <a:srgbClr val="FFFFFF"/>
-            </a:solidFill>
-            <a:ln>
-              <a:noFill/>
-            </a:ln>
-            <a:extLst>
-              <a:ext uri="{91240B29-F687-4f45-9708-019B960494DF}">
-                <a14:hiddenLine xmlns="" xmlns:a14="http://schemas.microsoft.com/office/drawing/2010/main" w="9525">
-                  <a:solidFill>
-                    <a:srgbClr val="000000"/>
-                  </a:solidFill>
-                  <a:round/>
-                  <a:headEnd/>
-                  <a:tailEnd/>
-                </a14:hiddenLine>
-              </a:ext>
-            </a:extLst>
-          </p:spPr>
-          <p:txBody>
-            <a:bodyPr vert="horz" wrap="square" lIns="91440" tIns="45720" rIns="91440" bIns="45720" numCol="1" anchor="t" anchorCtr="0" compatLnSpc="1">
-              <a:prstTxWarp prst="textNoShape">
-                <a:avLst/>
-              </a:prstTxWarp>
-            </a:bodyPr>
-            <a:lstStyle/>
-            <a:p>
-              <a:pPr defTabSz="914418">
-                <a:defRPr/>
-              </a:pPr>
-              <a:endParaRPr lang="en-US" sz="1600" kern="0">
-                <a:solidFill>
-                  <a:srgbClr val="4D4F53"/>
-                </a:solidFill>
-                <a:latin typeface="Arial"/>
-                <a:cs typeface="Arial" panose="020B0604020202020204" pitchFamily="34" charset="0"/>
-              </a:endParaRPr>
-            </a:p>
-          </p:txBody>
-        </p:sp>
-        <p:sp>
-          <p:nvSpPr>
-            <p:cNvPr id="551" name="Freeform 14">
-              <a:extLst>
-                <a:ext uri="{FF2B5EF4-FFF2-40B4-BE49-F238E27FC236}">
-                  <a16:creationId xmlns:a16="http://schemas.microsoft.com/office/drawing/2014/main" id="{10B27968-9B4A-D146-AED7-CCA80BF7F1D5}"/>
-                </a:ext>
-              </a:extLst>
-            </p:cNvPr>
-            <p:cNvSpPr>
-              <a:spLocks/>
-            </p:cNvSpPr>
-            <p:nvPr/>
-          </p:nvSpPr>
-          <p:spPr bwMode="auto">
-            <a:xfrm>
-              <a:off x="1028701" y="1133475"/>
-              <a:ext cx="101600" cy="122238"/>
-            </a:xfrm>
-            <a:custGeom>
-              <a:avLst/>
-              <a:gdLst>
-                <a:gd name="T0" fmla="*/ 24 w 64"/>
-                <a:gd name="T1" fmla="*/ 14 h 77"/>
-                <a:gd name="T2" fmla="*/ 0 w 64"/>
-                <a:gd name="T3" fmla="*/ 14 h 77"/>
-                <a:gd name="T4" fmla="*/ 0 w 64"/>
-                <a:gd name="T5" fmla="*/ 0 h 77"/>
-                <a:gd name="T6" fmla="*/ 64 w 64"/>
-                <a:gd name="T7" fmla="*/ 0 h 77"/>
-                <a:gd name="T8" fmla="*/ 64 w 64"/>
-                <a:gd name="T9" fmla="*/ 14 h 77"/>
-                <a:gd name="T10" fmla="*/ 40 w 64"/>
-                <a:gd name="T11" fmla="*/ 14 h 77"/>
-                <a:gd name="T12" fmla="*/ 40 w 64"/>
-                <a:gd name="T13" fmla="*/ 77 h 77"/>
-                <a:gd name="T14" fmla="*/ 24 w 64"/>
-                <a:gd name="T15" fmla="*/ 77 h 77"/>
-                <a:gd name="T16" fmla="*/ 24 w 64"/>
-                <a:gd name="T17" fmla="*/ 14 h 77"/>
-              </a:gdLst>
-              <a:ahLst/>
-              <a:cxnLst>
-                <a:cxn ang="0">
-                  <a:pos x="T0" y="T1"/>
-                </a:cxn>
-                <a:cxn ang="0">
-                  <a:pos x="T2" y="T3"/>
-                </a:cxn>
-                <a:cxn ang="0">
-                  <a:pos x="T4" y="T5"/>
-                </a:cxn>
-                <a:cxn ang="0">
-                  <a:pos x="T6" y="T7"/>
-                </a:cxn>
-                <a:cxn ang="0">
-                  <a:pos x="T8" y="T9"/>
-                </a:cxn>
-                <a:cxn ang="0">
-                  <a:pos x="T10" y="T11"/>
-                </a:cxn>
-                <a:cxn ang="0">
-                  <a:pos x="T12" y="T13"/>
-                </a:cxn>
-                <a:cxn ang="0">
-                  <a:pos x="T14" y="T15"/>
-                </a:cxn>
-                <a:cxn ang="0">
-                  <a:pos x="T16" y="T17"/>
-                </a:cxn>
-              </a:cxnLst>
-              <a:rect l="0" t="0" r="r" b="b"/>
-              <a:pathLst>
-                <a:path w="64" h="77">
-                  <a:moveTo>
-                    <a:pt x="24" y="14"/>
-                  </a:moveTo>
-                  <a:lnTo>
-                    <a:pt x="0" y="14"/>
-                  </a:lnTo>
-                  <a:lnTo>
-                    <a:pt x="0" y="0"/>
-                  </a:lnTo>
-                  <a:lnTo>
-                    <a:pt x="64" y="0"/>
-                  </a:lnTo>
-                  <a:lnTo>
-                    <a:pt x="64" y="14"/>
-                  </a:lnTo>
-                  <a:lnTo>
-                    <a:pt x="40" y="14"/>
-                  </a:lnTo>
-                  <a:lnTo>
-                    <a:pt x="40" y="77"/>
-                  </a:lnTo>
-                  <a:lnTo>
-                    <a:pt x="24" y="77"/>
-                  </a:lnTo>
-                  <a:lnTo>
-                    <a:pt x="24" y="14"/>
-                  </a:lnTo>
-                  <a:close/>
-                </a:path>
-              </a:pathLst>
-            </a:custGeom>
-            <a:solidFill>
-              <a:srgbClr val="FFFFFF"/>
-            </a:solidFill>
-            <a:ln>
-              <a:noFill/>
-            </a:ln>
-            <a:extLst>
-              <a:ext uri="{91240B29-F687-4f45-9708-019B960494DF}">
-                <a14:hiddenLine xmlns="" xmlns:a14="http://schemas.microsoft.com/office/drawing/2010/main" w="9525">
-                  <a:solidFill>
-                    <a:srgbClr val="000000"/>
-                  </a:solidFill>
-                  <a:round/>
-                  <a:headEnd/>
-                  <a:tailEnd/>
-                </a14:hiddenLine>
-              </a:ext>
-            </a:extLst>
-          </p:spPr>
-          <p:txBody>
-            <a:bodyPr vert="horz" wrap="square" lIns="91440" tIns="45720" rIns="91440" bIns="45720" numCol="1" anchor="t" anchorCtr="0" compatLnSpc="1">
-              <a:prstTxWarp prst="textNoShape">
-                <a:avLst/>
-              </a:prstTxWarp>
-            </a:bodyPr>
-            <a:lstStyle/>
-            <a:p>
-              <a:pPr defTabSz="914418">
-                <a:defRPr/>
-              </a:pPr>
-              <a:endParaRPr lang="en-US" sz="1600" kern="0">
-                <a:solidFill>
-                  <a:srgbClr val="4D4F53"/>
-                </a:solidFill>
-                <a:latin typeface="Arial"/>
-                <a:cs typeface="Arial" panose="020B0604020202020204" pitchFamily="34" charset="0"/>
-              </a:endParaRPr>
-            </a:p>
-          </p:txBody>
-        </p:sp>
-        <p:sp>
-          <p:nvSpPr>
-            <p:cNvPr id="552" name="Freeform 15">
-              <a:extLst>
-                <a:ext uri="{FF2B5EF4-FFF2-40B4-BE49-F238E27FC236}">
-                  <a16:creationId xmlns:a16="http://schemas.microsoft.com/office/drawing/2014/main" id="{B1CCF2A3-3EFC-BC4B-AAAC-059EFD422109}"/>
-                </a:ext>
-              </a:extLst>
-            </p:cNvPr>
-            <p:cNvSpPr>
-              <a:spLocks/>
-            </p:cNvSpPr>
-            <p:nvPr/>
-          </p:nvSpPr>
-          <p:spPr bwMode="auto">
-            <a:xfrm>
-              <a:off x="1139826" y="1133475"/>
-              <a:ext cx="133350" cy="122238"/>
-            </a:xfrm>
-            <a:custGeom>
-              <a:avLst/>
-              <a:gdLst>
-                <a:gd name="T0" fmla="*/ 0 w 84"/>
-                <a:gd name="T1" fmla="*/ 0 h 77"/>
-                <a:gd name="T2" fmla="*/ 24 w 84"/>
-                <a:gd name="T3" fmla="*/ 0 h 77"/>
-                <a:gd name="T4" fmla="*/ 42 w 84"/>
-                <a:gd name="T5" fmla="*/ 54 h 77"/>
-                <a:gd name="T6" fmla="*/ 42 w 84"/>
-                <a:gd name="T7" fmla="*/ 54 h 77"/>
-                <a:gd name="T8" fmla="*/ 59 w 84"/>
-                <a:gd name="T9" fmla="*/ 0 h 77"/>
-                <a:gd name="T10" fmla="*/ 84 w 84"/>
-                <a:gd name="T11" fmla="*/ 0 h 77"/>
-                <a:gd name="T12" fmla="*/ 84 w 84"/>
-                <a:gd name="T13" fmla="*/ 77 h 77"/>
-                <a:gd name="T14" fmla="*/ 67 w 84"/>
-                <a:gd name="T15" fmla="*/ 77 h 77"/>
-                <a:gd name="T16" fmla="*/ 67 w 84"/>
-                <a:gd name="T17" fmla="*/ 23 h 77"/>
-                <a:gd name="T18" fmla="*/ 67 w 84"/>
-                <a:gd name="T19" fmla="*/ 23 h 77"/>
-                <a:gd name="T20" fmla="*/ 48 w 84"/>
-                <a:gd name="T21" fmla="*/ 77 h 77"/>
-                <a:gd name="T22" fmla="*/ 35 w 84"/>
-                <a:gd name="T23" fmla="*/ 77 h 77"/>
-                <a:gd name="T24" fmla="*/ 16 w 84"/>
-                <a:gd name="T25" fmla="*/ 23 h 77"/>
-                <a:gd name="T26" fmla="*/ 16 w 84"/>
-                <a:gd name="T27" fmla="*/ 23 h 77"/>
-                <a:gd name="T28" fmla="*/ 16 w 84"/>
-                <a:gd name="T29" fmla="*/ 77 h 77"/>
-                <a:gd name="T30" fmla="*/ 0 w 84"/>
-                <a:gd name="T31" fmla="*/ 77 h 77"/>
-                <a:gd name="T32" fmla="*/ 0 w 84"/>
-                <a:gd name="T33" fmla="*/ 0 h 77"/>
-              </a:gdLst>
-              <a:ahLst/>
-              <a:cxnLst>
-                <a:cxn ang="0">
-                  <a:pos x="T0" y="T1"/>
-                </a:cxn>
-                <a:cxn ang="0">
-                  <a:pos x="T2" y="T3"/>
-                </a:cxn>
-                <a:cxn ang="0">
-                  <a:pos x="T4" y="T5"/>
-                </a:cxn>
-                <a:cxn ang="0">
-                  <a:pos x="T6" y="T7"/>
-                </a:cxn>
-                <a:cxn ang="0">
-                  <a:pos x="T8" y="T9"/>
-                </a:cxn>
-                <a:cxn ang="0">
-                  <a:pos x="T10" y="T11"/>
-                </a:cxn>
-                <a:cxn ang="0">
-                  <a:pos x="T12" y="T13"/>
-                </a:cxn>
-                <a:cxn ang="0">
-                  <a:pos x="T14" y="T15"/>
-                </a:cxn>
-                <a:cxn ang="0">
-                  <a:pos x="T16" y="T17"/>
-                </a:cxn>
-                <a:cxn ang="0">
-                  <a:pos x="T18" y="T19"/>
-                </a:cxn>
-                <a:cxn ang="0">
-                  <a:pos x="T20" y="T21"/>
-                </a:cxn>
-                <a:cxn ang="0">
-                  <a:pos x="T22" y="T23"/>
-                </a:cxn>
-                <a:cxn ang="0">
-                  <a:pos x="T24" y="T25"/>
-                </a:cxn>
-                <a:cxn ang="0">
-                  <a:pos x="T26" y="T27"/>
-                </a:cxn>
-                <a:cxn ang="0">
-                  <a:pos x="T28" y="T29"/>
-                </a:cxn>
-                <a:cxn ang="0">
-                  <a:pos x="T30" y="T31"/>
-                </a:cxn>
-                <a:cxn ang="0">
-                  <a:pos x="T32" y="T33"/>
-                </a:cxn>
-              </a:cxnLst>
-              <a:rect l="0" t="0" r="r" b="b"/>
-              <a:pathLst>
-                <a:path w="84" h="77">
-                  <a:moveTo>
-                    <a:pt x="0" y="0"/>
-                  </a:moveTo>
-                  <a:lnTo>
-                    <a:pt x="24" y="0"/>
-                  </a:lnTo>
-                  <a:lnTo>
-                    <a:pt x="42" y="54"/>
-                  </a:lnTo>
-                  <a:lnTo>
-                    <a:pt x="42" y="54"/>
-                  </a:lnTo>
-                  <a:lnTo>
-                    <a:pt x="59" y="0"/>
-                  </a:lnTo>
-                  <a:lnTo>
-                    <a:pt x="84" y="0"/>
-                  </a:lnTo>
-                  <a:lnTo>
-                    <a:pt x="84" y="77"/>
-                  </a:lnTo>
-                  <a:lnTo>
-                    <a:pt x="67" y="77"/>
-                  </a:lnTo>
-                  <a:lnTo>
-                    <a:pt x="67" y="23"/>
-                  </a:lnTo>
-                  <a:lnTo>
-                    <a:pt x="67" y="23"/>
-                  </a:lnTo>
-                  <a:lnTo>
-                    <a:pt x="48" y="77"/>
-                  </a:lnTo>
-                  <a:lnTo>
-                    <a:pt x="35" y="77"/>
-                  </a:lnTo>
-                  <a:lnTo>
-                    <a:pt x="16" y="23"/>
-                  </a:lnTo>
-                  <a:lnTo>
-                    <a:pt x="16" y="23"/>
-                  </a:lnTo>
-                  <a:lnTo>
-                    <a:pt x="16" y="77"/>
-                  </a:lnTo>
-                  <a:lnTo>
-                    <a:pt x="0" y="77"/>
-                  </a:lnTo>
-                  <a:lnTo>
-                    <a:pt x="0" y="0"/>
-                  </a:lnTo>
-                  <a:close/>
-                </a:path>
-              </a:pathLst>
-            </a:custGeom>
-            <a:solidFill>
-              <a:srgbClr val="FFFFFF"/>
-            </a:solidFill>
-            <a:ln>
-              <a:noFill/>
-            </a:ln>
-            <a:extLst>
-              <a:ext uri="{91240B29-F687-4f45-9708-019B960494DF}">
-                <a14:hiddenLine xmlns="" xmlns:a14="http://schemas.microsoft.com/office/drawing/2010/main" w="9525">
-                  <a:solidFill>
-                    <a:srgbClr val="000000"/>
-                  </a:solidFill>
-                  <a:round/>
-                  <a:headEnd/>
-                  <a:tailEnd/>
-                </a14:hiddenLine>
-              </a:ext>
-            </a:extLst>
-          </p:spPr>
-          <p:txBody>
-            <a:bodyPr vert="horz" wrap="square" lIns="91440" tIns="45720" rIns="91440" bIns="45720" numCol="1" anchor="t" anchorCtr="0" compatLnSpc="1">
-              <a:prstTxWarp prst="textNoShape">
-                <a:avLst/>
-              </a:prstTxWarp>
-            </a:bodyPr>
-            <a:lstStyle/>
-            <a:p>
-              <a:pPr defTabSz="914418">
-                <a:defRPr/>
-              </a:pPr>
-              <a:endParaRPr lang="en-US" sz="1600" kern="0">
-                <a:solidFill>
-                  <a:srgbClr val="4D4F53"/>
-                </a:solidFill>
-                <a:latin typeface="Arial"/>
-                <a:cs typeface="Arial" panose="020B0604020202020204" pitchFamily="34" charset="0"/>
-              </a:endParaRPr>
-            </a:p>
-          </p:txBody>
-        </p:sp>
-      </p:grpSp>
-      <p:sp>
-        <p:nvSpPr>
-          <p:cNvPr id="557" name="Freeform 55">
-            <a:extLst>
-              <a:ext uri="{FF2B5EF4-FFF2-40B4-BE49-F238E27FC236}">
-                <a16:creationId xmlns:a16="http://schemas.microsoft.com/office/drawing/2014/main" id="{0955C266-7FA8-BB42-8D93-C223B00220DF}"/>
-              </a:ext>
-            </a:extLst>
-          </p:cNvPr>
-          <p:cNvSpPr>
-            <a:spLocks/>
-          </p:cNvSpPr>
-          <p:nvPr/>
-        </p:nvSpPr>
-        <p:spPr bwMode="auto">
-          <a:xfrm>
-            <a:off x="12425822" y="11136014"/>
-            <a:ext cx="82572" cy="77599"/>
-          </a:xfrm>
-          <a:custGeom>
-            <a:avLst/>
-            <a:gdLst>
-              <a:gd name="T0" fmla="*/ 0 w 83"/>
-              <a:gd name="T1" fmla="*/ 0 h 78"/>
-              <a:gd name="T2" fmla="*/ 24 w 83"/>
-              <a:gd name="T3" fmla="*/ 0 h 78"/>
-              <a:gd name="T4" fmla="*/ 42 w 83"/>
-              <a:gd name="T5" fmla="*/ 53 h 78"/>
-              <a:gd name="T6" fmla="*/ 42 w 83"/>
-              <a:gd name="T7" fmla="*/ 53 h 78"/>
-              <a:gd name="T8" fmla="*/ 59 w 83"/>
-              <a:gd name="T9" fmla="*/ 0 h 78"/>
-              <a:gd name="T10" fmla="*/ 83 w 83"/>
-              <a:gd name="T11" fmla="*/ 0 h 78"/>
-              <a:gd name="T12" fmla="*/ 83 w 83"/>
-              <a:gd name="T13" fmla="*/ 78 h 78"/>
-              <a:gd name="T14" fmla="*/ 67 w 83"/>
-              <a:gd name="T15" fmla="*/ 78 h 78"/>
-              <a:gd name="T16" fmla="*/ 67 w 83"/>
-              <a:gd name="T17" fmla="*/ 22 h 78"/>
-              <a:gd name="T18" fmla="*/ 67 w 83"/>
-              <a:gd name="T19" fmla="*/ 22 h 78"/>
-              <a:gd name="T20" fmla="*/ 48 w 83"/>
-              <a:gd name="T21" fmla="*/ 78 h 78"/>
-              <a:gd name="T22" fmla="*/ 35 w 83"/>
-              <a:gd name="T23" fmla="*/ 78 h 78"/>
-              <a:gd name="T24" fmla="*/ 16 w 83"/>
-              <a:gd name="T25" fmla="*/ 23 h 78"/>
-              <a:gd name="T26" fmla="*/ 16 w 83"/>
-              <a:gd name="T27" fmla="*/ 23 h 78"/>
-              <a:gd name="T28" fmla="*/ 16 w 83"/>
-              <a:gd name="T29" fmla="*/ 78 h 78"/>
-              <a:gd name="T30" fmla="*/ 0 w 83"/>
-              <a:gd name="T31" fmla="*/ 78 h 78"/>
-              <a:gd name="T32" fmla="*/ 0 w 83"/>
-              <a:gd name="T33" fmla="*/ 0 h 78"/>
-            </a:gdLst>
-            <a:ahLst/>
-            <a:cxnLst>
-              <a:cxn ang="0">
-                <a:pos x="T0" y="T1"/>
-              </a:cxn>
-              <a:cxn ang="0">
-                <a:pos x="T2" y="T3"/>
-              </a:cxn>
-              <a:cxn ang="0">
-                <a:pos x="T4" y="T5"/>
-              </a:cxn>
-              <a:cxn ang="0">
-                <a:pos x="T6" y="T7"/>
-              </a:cxn>
-              <a:cxn ang="0">
-                <a:pos x="T8" y="T9"/>
-              </a:cxn>
-              <a:cxn ang="0">
-                <a:pos x="T10" y="T11"/>
-              </a:cxn>
-              <a:cxn ang="0">
-                <a:pos x="T12" y="T13"/>
-              </a:cxn>
-              <a:cxn ang="0">
-                <a:pos x="T14" y="T15"/>
-              </a:cxn>
-              <a:cxn ang="0">
-                <a:pos x="T16" y="T17"/>
-              </a:cxn>
-              <a:cxn ang="0">
-                <a:pos x="T18" y="T19"/>
-              </a:cxn>
-              <a:cxn ang="0">
-                <a:pos x="T20" y="T21"/>
-              </a:cxn>
-              <a:cxn ang="0">
-                <a:pos x="T22" y="T23"/>
-              </a:cxn>
-              <a:cxn ang="0">
-                <a:pos x="T24" y="T25"/>
-              </a:cxn>
-              <a:cxn ang="0">
-                <a:pos x="T26" y="T27"/>
-              </a:cxn>
-              <a:cxn ang="0">
-                <a:pos x="T28" y="T29"/>
-              </a:cxn>
-              <a:cxn ang="0">
-                <a:pos x="T30" y="T31"/>
-              </a:cxn>
-              <a:cxn ang="0">
-                <a:pos x="T32" y="T33"/>
-              </a:cxn>
-            </a:cxnLst>
-            <a:rect l="0" t="0" r="r" b="b"/>
-            <a:pathLst>
-              <a:path w="83" h="78">
-                <a:moveTo>
-                  <a:pt x="0" y="0"/>
-                </a:moveTo>
-                <a:lnTo>
-                  <a:pt x="24" y="0"/>
-                </a:lnTo>
-                <a:lnTo>
-                  <a:pt x="42" y="53"/>
-                </a:lnTo>
-                <a:lnTo>
-                  <a:pt x="42" y="53"/>
-                </a:lnTo>
-                <a:lnTo>
-                  <a:pt x="59" y="0"/>
-                </a:lnTo>
-                <a:lnTo>
-                  <a:pt x="83" y="0"/>
-                </a:lnTo>
-                <a:lnTo>
-                  <a:pt x="83" y="78"/>
-                </a:lnTo>
-                <a:lnTo>
-                  <a:pt x="67" y="78"/>
-                </a:lnTo>
-                <a:lnTo>
-                  <a:pt x="67" y="22"/>
-                </a:lnTo>
-                <a:lnTo>
-                  <a:pt x="67" y="22"/>
-                </a:lnTo>
-                <a:lnTo>
-                  <a:pt x="48" y="78"/>
-                </a:lnTo>
-                <a:lnTo>
-                  <a:pt x="35" y="78"/>
-                </a:lnTo>
-                <a:lnTo>
-                  <a:pt x="16" y="23"/>
-                </a:lnTo>
-                <a:lnTo>
-                  <a:pt x="16" y="23"/>
-                </a:lnTo>
-                <a:lnTo>
-                  <a:pt x="16" y="78"/>
-                </a:lnTo>
-                <a:lnTo>
-                  <a:pt x="0" y="78"/>
-                </a:lnTo>
-                <a:lnTo>
-                  <a:pt x="0" y="0"/>
-                </a:lnTo>
-                <a:close/>
-              </a:path>
-            </a:pathLst>
-          </a:custGeom>
-          <a:solidFill>
-            <a:srgbClr val="FFFFFF"/>
-          </a:solidFill>
-          <a:ln>
-            <a:noFill/>
-          </a:ln>
-          <a:extLst>
-            <a:ext uri="{91240B29-F687-4f45-9708-019B960494DF}">
-              <a14:hiddenLine xmlns="" xmlns:a14="http://schemas.microsoft.com/office/drawing/2010/main" w="9525">
-                <a:solidFill>
-                  <a:srgbClr val="000000"/>
-                </a:solidFill>
-                <a:round/>
-                <a:headEnd/>
-                <a:tailEnd/>
-              </a14:hiddenLine>
-            </a:ext>
-          </a:extLst>
-        </p:spPr>
-        <p:txBody>
-          <a:bodyPr vert="horz" wrap="square" lIns="91440" tIns="45720" rIns="91440" bIns="45720" numCol="1" anchor="t" anchorCtr="0" compatLnSpc="1">
-            <a:prstTxWarp prst="textNoShape">
-              <a:avLst/>
-            </a:prstTxWarp>
-          </a:bodyPr>
-          <a:lstStyle/>
-          <a:p>
-            <a:pPr defTabSz="914418">
-              <a:defRPr/>
-            </a:pPr>
-            <a:endParaRPr lang="en-US" sz="1600" kern="0">
-              <a:solidFill>
-                <a:srgbClr val="4D4F53"/>
-              </a:solidFill>
-              <a:latin typeface="Arial"/>
-              <a:cs typeface="Arial" panose="020B0604020202020204" pitchFamily="34" charset="0"/>
-            </a:endParaRPr>
-          </a:p>
-        </p:txBody>
-      </p:sp>
-      <p:sp>
-        <p:nvSpPr>
-          <p:cNvPr id="558" name="Rectangle: Rounded Corners 234">
-            <a:extLst>
-              <a:ext uri="{FF2B5EF4-FFF2-40B4-BE49-F238E27FC236}">
-                <a16:creationId xmlns:a16="http://schemas.microsoft.com/office/drawing/2014/main" id="{FCE8766E-9193-E945-9C75-EC91180FAA86}"/>
-              </a:ext>
-            </a:extLst>
-          </p:cNvPr>
-          <p:cNvSpPr/>
-          <p:nvPr/>
-        </p:nvSpPr>
-        <p:spPr>
-          <a:xfrm>
-            <a:off x="11963995" y="11319153"/>
-            <a:ext cx="463568" cy="436000"/>
-          </a:xfrm>
-          <a:prstGeom prst="roundRect">
-            <a:avLst/>
-          </a:prstGeom>
-          <a:solidFill>
-            <a:srgbClr val="004892"/>
-          </a:solidFill>
-          <a:ln w="12700" cap="flat" cmpd="sng" algn="ctr">
-            <a:noFill/>
-            <a:prstDash val="solid"/>
-            <a:miter lim="800000"/>
-          </a:ln>
-          <a:effectLst>
-            <a:outerShdw blurRad="190500" dist="228600" dir="2700000" algn="ctr">
-              <a:srgbClr val="000000">
-                <a:alpha val="30000"/>
-              </a:srgbClr>
-            </a:outerShdw>
-          </a:effectLst>
-        </p:spPr>
-        <p:txBody>
-          <a:bodyPr rot="0" spcFirstLastPara="0" vertOverflow="overflow" horzOverflow="overflow" vert="horz" wrap="square" lIns="91440" tIns="45720" rIns="91440" bIns="45720" numCol="1" spcCol="0" rtlCol="0" fromWordArt="0" anchor="ctr" anchorCtr="0" forceAA="0" compatLnSpc="1">
-            <a:prstTxWarp prst="textNoShape">
-              <a:avLst/>
-            </a:prstTxWarp>
-            <a:noAutofit/>
-          </a:bodyPr>
-          <a:lstStyle/>
-          <a:p>
-            <a:pPr algn="ctr" defTabSz="914418">
-              <a:lnSpc>
-                <a:spcPct val="90000"/>
-              </a:lnSpc>
-              <a:defRPr/>
-            </a:pPr>
-            <a:endParaRPr lang="en-US" sz="2000" kern="0" dirty="0">
-              <a:solidFill>
-                <a:srgbClr val="FFFFFF"/>
-              </a:solidFill>
-              <a:latin typeface="Arial"/>
-            </a:endParaRPr>
-          </a:p>
-        </p:txBody>
-      </p:sp>
-      <p:sp>
-        <p:nvSpPr>
-          <p:cNvPr id="559" name="TextBox 558">
-            <a:extLst>
-              <a:ext uri="{FF2B5EF4-FFF2-40B4-BE49-F238E27FC236}">
-                <a16:creationId xmlns:a16="http://schemas.microsoft.com/office/drawing/2014/main" id="{50495C8B-3E6B-E143-B8CD-8579DFDC8E0A}"/>
-              </a:ext>
-            </a:extLst>
-          </p:cNvPr>
-          <p:cNvSpPr txBox="1"/>
-          <p:nvPr/>
-        </p:nvSpPr>
-        <p:spPr>
-          <a:xfrm>
-            <a:off x="11947417" y="11156547"/>
-            <a:ext cx="503321" cy="483209"/>
-          </a:xfrm>
-          <a:prstGeom prst="rect">
-            <a:avLst/>
-          </a:prstGeom>
-          <a:noFill/>
-          <a:ln>
-            <a:noFill/>
-          </a:ln>
-          <a:effectLst>
-            <a:outerShdw blurRad="190500" dist="228600" dir="2700000" algn="ctr">
-              <a:srgbClr val="000000">
-                <a:alpha val="30000"/>
-              </a:srgbClr>
-            </a:outerShdw>
-          </a:effectLst>
-        </p:spPr>
-        <p:txBody>
-          <a:bodyPr wrap="square" lIns="155448" tIns="155448" rIns="155448" bIns="155448" rtlCol="0">
-            <a:spAutoFit/>
-          </a:bodyPr>
-          <a:lstStyle/>
-          <a:p>
-            <a:pPr defTabSz="914418">
-              <a:defRPr/>
-            </a:pPr>
-            <a:r>
-              <a:rPr lang="en-US" sz="1100" kern="0" dirty="0">
-                <a:gradFill>
-                  <a:gsLst>
-                    <a:gs pos="0">
-                      <a:srgbClr val="FFFFFF"/>
-                    </a:gs>
-                    <a:gs pos="100000">
-                      <a:srgbClr val="FFFFFF"/>
-                    </a:gs>
-                  </a:gsLst>
-                  <a:lin ang="5400000" scaled="1"/>
-                </a:gradFill>
-                <a:latin typeface="Arial Rounded MT Bold" panose="020F0704030504030204" pitchFamily="34" charset="0"/>
-                <a:cs typeface="Arial" panose="020B0604020202020204" pitchFamily="34" charset="0"/>
-              </a:rPr>
-              <a:t>VE</a:t>
-            </a:r>
-          </a:p>
-        </p:txBody>
-      </p:sp>
-      <p:sp>
-        <p:nvSpPr>
-          <p:cNvPr id="561" name="Rectangle: Rounded Corners 236">
-            <a:extLst>
-              <a:ext uri="{FF2B5EF4-FFF2-40B4-BE49-F238E27FC236}">
-                <a16:creationId xmlns:a16="http://schemas.microsoft.com/office/drawing/2014/main" id="{05A822AE-78F5-8D49-B41B-43C3BC76E6F1}"/>
-              </a:ext>
-            </a:extLst>
-          </p:cNvPr>
-          <p:cNvSpPr/>
-          <p:nvPr/>
-        </p:nvSpPr>
-        <p:spPr>
-          <a:xfrm>
-            <a:off x="12010770" y="11470880"/>
-            <a:ext cx="382292" cy="213722"/>
-          </a:xfrm>
-          <a:prstGeom prst="roundRect">
-            <a:avLst/>
-          </a:prstGeom>
-          <a:solidFill>
-            <a:srgbClr val="FFFFFF"/>
-          </a:solidFill>
-          <a:ln w="12700" cap="flat" cmpd="sng" algn="ctr">
-            <a:noFill/>
-            <a:prstDash val="solid"/>
-            <a:miter lim="800000"/>
-          </a:ln>
-          <a:effectLst>
-            <a:innerShdw blurRad="63500" dist="50800" dir="2700000">
-              <a:prstClr val="black">
-                <a:alpha val="50000"/>
-              </a:prstClr>
-            </a:innerShdw>
-          </a:effectLst>
-        </p:spPr>
-        <p:txBody>
-          <a:bodyPr rot="0" spcFirstLastPara="0" vertOverflow="overflow" horzOverflow="overflow" vert="horz" wrap="square" lIns="91440" tIns="45720" rIns="91440" bIns="45720" numCol="1" spcCol="0" rtlCol="0" fromWordArt="0" anchor="ctr" anchorCtr="0" forceAA="0" compatLnSpc="1">
-            <a:prstTxWarp prst="textNoShape">
-              <a:avLst/>
-            </a:prstTxWarp>
-            <a:noAutofit/>
-          </a:bodyPr>
-          <a:lstStyle/>
-          <a:p>
-            <a:pPr algn="ctr" defTabSz="914418">
-              <a:lnSpc>
-                <a:spcPct val="90000"/>
-              </a:lnSpc>
-              <a:defRPr/>
-            </a:pPr>
-            <a:endParaRPr lang="en-US" sz="2000" kern="0" dirty="0">
-              <a:solidFill>
-                <a:srgbClr val="FFFFFF"/>
-              </a:solidFill>
-              <a:latin typeface="Arial"/>
-            </a:endParaRPr>
-          </a:p>
-        </p:txBody>
-      </p:sp>
-      <p:sp>
-        <p:nvSpPr>
-          <p:cNvPr id="562" name="TextBox 561">
-            <a:extLst>
-              <a:ext uri="{FF2B5EF4-FFF2-40B4-BE49-F238E27FC236}">
-                <a16:creationId xmlns:a16="http://schemas.microsoft.com/office/drawing/2014/main" id="{F679586D-9170-1F42-A8DB-52762BBCF593}"/>
-              </a:ext>
-            </a:extLst>
-          </p:cNvPr>
-          <p:cNvSpPr txBox="1"/>
-          <p:nvPr/>
-        </p:nvSpPr>
-        <p:spPr>
-          <a:xfrm>
-            <a:off x="11872844" y="11373701"/>
-            <a:ext cx="689333" cy="443198"/>
-          </a:xfrm>
-          <a:prstGeom prst="rect">
-            <a:avLst/>
-          </a:prstGeom>
-          <a:noFill/>
-        </p:spPr>
-        <p:txBody>
-          <a:bodyPr wrap="square" lIns="155448" tIns="155448" rIns="155448" bIns="155448" rtlCol="0">
-            <a:spAutoFit/>
-          </a:bodyPr>
-          <a:lstStyle/>
-          <a:p>
-            <a:pPr defTabSz="914418">
-              <a:defRPr/>
-            </a:pPr>
-            <a:r>
-              <a:rPr lang="en-US" sz="800" kern="0" dirty="0">
-                <a:solidFill>
-                  <a:srgbClr val="004892"/>
-                </a:solidFill>
-                <a:latin typeface="Arial Rounded MT Bold" panose="020F0704030504030204" pitchFamily="34" charset="0"/>
-                <a:cs typeface="Arial" panose="020B0604020202020204" pitchFamily="34" charset="0"/>
-              </a:rPr>
-              <a:t>BIG-IP</a:t>
-            </a:r>
-          </a:p>
-        </p:txBody>
-      </p:sp>
-      <p:grpSp>
-        <p:nvGrpSpPr>
-          <p:cNvPr id="563" name="Group 562">
-            <a:extLst>
-              <a:ext uri="{FF2B5EF4-FFF2-40B4-BE49-F238E27FC236}">
-                <a16:creationId xmlns:a16="http://schemas.microsoft.com/office/drawing/2014/main" id="{F57D421E-7C22-7343-9292-B560B6A018D2}"/>
-              </a:ext>
-            </a:extLst>
-          </p:cNvPr>
-          <p:cNvGrpSpPr/>
-          <p:nvPr/>
-        </p:nvGrpSpPr>
-        <p:grpSpPr>
-          <a:xfrm>
-            <a:off x="11673381" y="11972895"/>
-            <a:ext cx="1063162" cy="1059909"/>
-            <a:chOff x="3160878" y="5773414"/>
-            <a:chExt cx="1063162" cy="1059909"/>
-          </a:xfrm>
-        </p:grpSpPr>
-        <p:sp>
-          <p:nvSpPr>
-            <p:cNvPr id="565" name="Freeform 270">
-              <a:extLst>
-                <a:ext uri="{FF2B5EF4-FFF2-40B4-BE49-F238E27FC236}">
-                  <a16:creationId xmlns:a16="http://schemas.microsoft.com/office/drawing/2014/main" id="{90BBC7B6-D493-AE4C-B43E-13883BAF6DC6}"/>
-                </a:ext>
-              </a:extLst>
-            </p:cNvPr>
-            <p:cNvSpPr/>
-            <p:nvPr/>
-          </p:nvSpPr>
-          <p:spPr>
-            <a:xfrm rot="16200000">
-              <a:off x="3612076" y="6221359"/>
-              <a:ext cx="1059909" cy="164019"/>
-            </a:xfrm>
-            <a:custGeom>
-              <a:avLst/>
-              <a:gdLst>
-                <a:gd name="connsiteX0" fmla="*/ 0 w 1539358"/>
-                <a:gd name="connsiteY0" fmla="*/ 23091 h 254000"/>
-                <a:gd name="connsiteX1" fmla="*/ 261691 w 1539358"/>
-                <a:gd name="connsiteY1" fmla="*/ 254000 h 254000"/>
-                <a:gd name="connsiteX2" fmla="*/ 1277667 w 1539358"/>
-                <a:gd name="connsiteY2" fmla="*/ 254000 h 254000"/>
-                <a:gd name="connsiteX3" fmla="*/ 1539358 w 1539358"/>
-                <a:gd name="connsiteY3" fmla="*/ 0 h 254000"/>
-                <a:gd name="connsiteX4" fmla="*/ 0 w 1539358"/>
-                <a:gd name="connsiteY4" fmla="*/ 23091 h 254000"/>
-                <a:gd name="connsiteX0" fmla="*/ 0 w 1553628"/>
-                <a:gd name="connsiteY0" fmla="*/ 0 h 255882"/>
-                <a:gd name="connsiteX1" fmla="*/ 275961 w 1553628"/>
-                <a:gd name="connsiteY1" fmla="*/ 255882 h 255882"/>
-                <a:gd name="connsiteX2" fmla="*/ 1291937 w 1553628"/>
-                <a:gd name="connsiteY2" fmla="*/ 255882 h 255882"/>
-                <a:gd name="connsiteX3" fmla="*/ 1553628 w 1553628"/>
-                <a:gd name="connsiteY3" fmla="*/ 1882 h 255882"/>
-                <a:gd name="connsiteX4" fmla="*/ 0 w 1553628"/>
-                <a:gd name="connsiteY4" fmla="*/ 0 h 255882"/>
-                <a:gd name="connsiteX0" fmla="*/ 0 w 1553628"/>
-                <a:gd name="connsiteY0" fmla="*/ 0 h 258592"/>
-                <a:gd name="connsiteX1" fmla="*/ 275961 w 1553628"/>
-                <a:gd name="connsiteY1" fmla="*/ 255882 h 258592"/>
-                <a:gd name="connsiteX2" fmla="*/ 1253654 w 1553628"/>
-                <a:gd name="connsiteY2" fmla="*/ 258592 h 258592"/>
-                <a:gd name="connsiteX3" fmla="*/ 1553628 w 1553628"/>
-                <a:gd name="connsiteY3" fmla="*/ 1882 h 258592"/>
-                <a:gd name="connsiteX4" fmla="*/ 0 w 1553628"/>
-                <a:gd name="connsiteY4" fmla="*/ 0 h 258592"/>
-                <a:gd name="connsiteX0" fmla="*/ 0 w 2080032"/>
-                <a:gd name="connsiteY0" fmla="*/ 3538 h 262130"/>
-                <a:gd name="connsiteX1" fmla="*/ 275961 w 2080032"/>
-                <a:gd name="connsiteY1" fmla="*/ 259420 h 262130"/>
-                <a:gd name="connsiteX2" fmla="*/ 1253654 w 2080032"/>
-                <a:gd name="connsiteY2" fmla="*/ 262130 h 262130"/>
-                <a:gd name="connsiteX3" fmla="*/ 2080032 w 2080032"/>
-                <a:gd name="connsiteY3" fmla="*/ 0 h 262130"/>
-                <a:gd name="connsiteX4" fmla="*/ 0 w 2080032"/>
-                <a:gd name="connsiteY4" fmla="*/ 3538 h 262130"/>
-                <a:gd name="connsiteX0" fmla="*/ 0 w 2616007"/>
-                <a:gd name="connsiteY0" fmla="*/ 828 h 262130"/>
-                <a:gd name="connsiteX1" fmla="*/ 811936 w 2616007"/>
-                <a:gd name="connsiteY1" fmla="*/ 259420 h 262130"/>
-                <a:gd name="connsiteX2" fmla="*/ 1789629 w 2616007"/>
-                <a:gd name="connsiteY2" fmla="*/ 262130 h 262130"/>
-                <a:gd name="connsiteX3" fmla="*/ 2616007 w 2616007"/>
-                <a:gd name="connsiteY3" fmla="*/ 0 h 262130"/>
-                <a:gd name="connsiteX4" fmla="*/ 0 w 2616007"/>
-                <a:gd name="connsiteY4" fmla="*/ 828 h 262130"/>
-              </a:gdLst>
-              <a:ahLst/>
-              <a:cxnLst>
-                <a:cxn ang="0">
-                  <a:pos x="connsiteX0" y="connsiteY0"/>
-                </a:cxn>
-                <a:cxn ang="0">
-                  <a:pos x="connsiteX1" y="connsiteY1"/>
-                </a:cxn>
-                <a:cxn ang="0">
-                  <a:pos x="connsiteX2" y="connsiteY2"/>
-                </a:cxn>
-                <a:cxn ang="0">
-                  <a:pos x="connsiteX3" y="connsiteY3"/>
-                </a:cxn>
-                <a:cxn ang="0">
-                  <a:pos x="connsiteX4" y="connsiteY4"/>
-                </a:cxn>
-              </a:cxnLst>
-              <a:rect l="l" t="t" r="r" b="b"/>
-              <a:pathLst>
-                <a:path w="2616007" h="262130">
-                  <a:moveTo>
-                    <a:pt x="0" y="828"/>
-                  </a:moveTo>
-                  <a:lnTo>
-                    <a:pt x="811936" y="259420"/>
-                  </a:lnTo>
-                  <a:lnTo>
-                    <a:pt x="1789629" y="262130"/>
-                  </a:lnTo>
-                  <a:lnTo>
-                    <a:pt x="2616007" y="0"/>
-                  </a:lnTo>
-                  <a:lnTo>
-                    <a:pt x="0" y="828"/>
-                  </a:lnTo>
-                  <a:close/>
-                </a:path>
-              </a:pathLst>
-            </a:custGeom>
-            <a:gradFill flip="none" rotWithShape="1">
-              <a:gsLst>
-                <a:gs pos="0">
-                  <a:srgbClr val="777877"/>
-                </a:gs>
-                <a:gs pos="100000">
-                  <a:srgbClr val="FFFFFF">
-                    <a:alpha val="0"/>
-                  </a:srgbClr>
-                </a:gs>
-              </a:gsLst>
-              <a:lin ang="16200000" scaled="0"/>
-              <a:tileRect/>
-            </a:gradFill>
-          </p:spPr>
-          <p:txBody>
-            <a:bodyPr vert="horz" wrap="square" lIns="182880" tIns="0" rIns="91440" bIns="0" rtlCol="0" anchor="ctr">
-              <a:noAutofit/>
-            </a:bodyPr>
-            <a:lstStyle/>
-            <a:p>
-              <a:pPr algn="ctr">
-                <a:lnSpc>
-                  <a:spcPct val="90000"/>
-                </a:lnSpc>
-                <a:defRPr/>
-              </a:pPr>
-              <a:r>
-                <a:rPr lang="en-US" sz="2117" kern="0" cap="all" dirty="0">
-                  <a:solidFill>
-                    <a:srgbClr val="FFFFFF"/>
-                  </a:solidFill>
-                  <a:effectLst>
-                    <a:outerShdw blurRad="38100" dist="25400" dir="2700000" algn="tl">
-                      <a:srgbClr val="000000">
-                        <a:alpha val="0"/>
-                      </a:srgbClr>
-                    </a:outerShdw>
-                  </a:effectLst>
-                  <a:latin typeface="Arial"/>
-                  <a:cs typeface="Arial" panose="020B0604020202020204" pitchFamily="34" charset="0"/>
-                </a:rPr>
-                <a:t> </a:t>
-              </a:r>
-            </a:p>
-          </p:txBody>
-        </p:sp>
-        <p:grpSp>
-          <p:nvGrpSpPr>
-            <p:cNvPr id="566" name="Group 565">
-              <a:extLst>
-                <a:ext uri="{FF2B5EF4-FFF2-40B4-BE49-F238E27FC236}">
-                  <a16:creationId xmlns:a16="http://schemas.microsoft.com/office/drawing/2014/main" id="{CE830C6C-9B91-6E47-ABF4-A49744A7CB33}"/>
-                </a:ext>
-              </a:extLst>
-            </p:cNvPr>
-            <p:cNvGrpSpPr/>
-            <p:nvPr/>
-          </p:nvGrpSpPr>
-          <p:grpSpPr>
-            <a:xfrm>
-              <a:off x="3160878" y="5916956"/>
-              <a:ext cx="993652" cy="772003"/>
-              <a:chOff x="9132059" y="5821271"/>
-              <a:chExt cx="750505" cy="650645"/>
-            </a:xfrm>
-          </p:grpSpPr>
-          <p:sp>
-            <p:nvSpPr>
-              <p:cNvPr id="567" name="Rectangle: Rounded Corners 625">
-                <a:extLst>
-                  <a:ext uri="{FF2B5EF4-FFF2-40B4-BE49-F238E27FC236}">
-                    <a16:creationId xmlns:a16="http://schemas.microsoft.com/office/drawing/2014/main" id="{0B5BDD51-C747-F743-B3C4-A287571833DC}"/>
-                  </a:ext>
-                </a:extLst>
-              </p:cNvPr>
-              <p:cNvSpPr/>
-              <p:nvPr/>
-            </p:nvSpPr>
-            <p:spPr>
-              <a:xfrm>
-                <a:off x="9132059" y="5821271"/>
-                <a:ext cx="750505" cy="650645"/>
-              </a:xfrm>
-              <a:prstGeom prst="roundRect">
-                <a:avLst/>
-              </a:prstGeom>
-              <a:solidFill>
-                <a:schemeClr val="bg1"/>
-              </a:solidFill>
-              <a:ln w="12700" cap="flat" cmpd="sng" algn="ctr">
-                <a:solidFill>
-                  <a:schemeClr val="tx1"/>
-                </a:solidFill>
-                <a:prstDash val="solid"/>
-                <a:miter lim="800000"/>
-              </a:ln>
-              <a:effectLst/>
-            </p:spPr>
-            <p:txBody>
-              <a:bodyPr rot="0" spcFirstLastPara="0" vertOverflow="overflow" horzOverflow="overflow" vert="horz" wrap="square" lIns="91440" tIns="45720" rIns="91440" bIns="45720" numCol="1" spcCol="0" rtlCol="0" fromWordArt="0" anchor="ctr" anchorCtr="0" forceAA="0" compatLnSpc="1">
-                <a:prstTxWarp prst="textNoShape">
-                  <a:avLst/>
-                </a:prstTxWarp>
-                <a:noAutofit/>
-              </a:bodyPr>
-              <a:lstStyle/>
-              <a:p>
-                <a:pPr algn="ctr">
-                  <a:lnSpc>
-                    <a:spcPct val="90000"/>
-                  </a:lnSpc>
-                  <a:defRPr/>
-                </a:pPr>
-                <a:endParaRPr lang="en-US" sz="2000" kern="0" dirty="0">
-                  <a:solidFill>
-                    <a:srgbClr val="FFFFFF"/>
-                  </a:solidFill>
-                  <a:latin typeface="Arial"/>
-                </a:endParaRPr>
-              </a:p>
-            </p:txBody>
-          </p:sp>
-          <p:sp>
-            <p:nvSpPr>
-              <p:cNvPr id="568" name="Freeform 151">
-                <a:extLst>
-                  <a:ext uri="{FF2B5EF4-FFF2-40B4-BE49-F238E27FC236}">
-                    <a16:creationId xmlns:a16="http://schemas.microsoft.com/office/drawing/2014/main" id="{E5AB50BA-F390-904D-A863-E2663586F550}"/>
-                  </a:ext>
-                </a:extLst>
-              </p:cNvPr>
-              <p:cNvSpPr>
-                <a:spLocks noEditPoints="1"/>
-              </p:cNvSpPr>
-              <p:nvPr/>
-            </p:nvSpPr>
-            <p:spPr bwMode="auto">
-              <a:xfrm>
-                <a:off x="9196178" y="6145518"/>
-                <a:ext cx="289438" cy="296273"/>
-              </a:xfrm>
-              <a:custGeom>
-                <a:avLst/>
-                <a:gdLst>
-                  <a:gd name="T0" fmla="*/ 332 w 480"/>
-                  <a:gd name="T1" fmla="*/ 425 h 481"/>
-                  <a:gd name="T2" fmla="*/ 334 w 480"/>
-                  <a:gd name="T3" fmla="*/ 386 h 481"/>
-                  <a:gd name="T4" fmla="*/ 260 w 480"/>
-                  <a:gd name="T5" fmla="*/ 367 h 481"/>
-                  <a:gd name="T6" fmla="*/ 274 w 480"/>
-                  <a:gd name="T7" fmla="*/ 403 h 481"/>
-                  <a:gd name="T8" fmla="*/ 480 w 480"/>
-                  <a:gd name="T9" fmla="*/ 107 h 481"/>
-                  <a:gd name="T10" fmla="*/ 374 w 480"/>
-                  <a:gd name="T11" fmla="*/ 481 h 481"/>
-                  <a:gd name="T12" fmla="*/ 0 w 480"/>
-                  <a:gd name="T13" fmla="*/ 374 h 481"/>
-                  <a:gd name="T14" fmla="*/ 106 w 480"/>
-                  <a:gd name="T15" fmla="*/ 0 h 481"/>
-                  <a:gd name="T16" fmla="*/ 480 w 480"/>
-                  <a:gd name="T17" fmla="*/ 107 h 481"/>
-                  <a:gd name="T18" fmla="*/ 235 w 480"/>
-                  <a:gd name="T19" fmla="*/ 306 h 481"/>
-                  <a:gd name="T20" fmla="*/ 195 w 480"/>
-                  <a:gd name="T21" fmla="*/ 306 h 481"/>
-                  <a:gd name="T22" fmla="*/ 298 w 480"/>
-                  <a:gd name="T23" fmla="*/ 433 h 481"/>
-                  <a:gd name="T24" fmla="*/ 252 w 480"/>
-                  <a:gd name="T25" fmla="*/ 355 h 481"/>
-                  <a:gd name="T26" fmla="*/ 237 w 480"/>
-                  <a:gd name="T27" fmla="*/ 433 h 481"/>
-                  <a:gd name="T28" fmla="*/ 277 w 480"/>
-                  <a:gd name="T29" fmla="*/ 414 h 481"/>
-                  <a:gd name="T30" fmla="*/ 298 w 480"/>
-                  <a:gd name="T31" fmla="*/ 433 h 481"/>
-                  <a:gd name="T32" fmla="*/ 327 w 480"/>
-                  <a:gd name="T33" fmla="*/ 306 h 481"/>
-                  <a:gd name="T34" fmla="*/ 287 w 480"/>
-                  <a:gd name="T35" fmla="*/ 306 h 481"/>
-                  <a:gd name="T36" fmla="*/ 360 w 480"/>
-                  <a:gd name="T37" fmla="*/ 405 h 481"/>
-                  <a:gd name="T38" fmla="*/ 319 w 480"/>
-                  <a:gd name="T39" fmla="*/ 387 h 481"/>
-                  <a:gd name="T40" fmla="*/ 318 w 480"/>
-                  <a:gd name="T41" fmla="*/ 379 h 481"/>
-                  <a:gd name="T42" fmla="*/ 306 w 480"/>
-                  <a:gd name="T43" fmla="*/ 453 h 481"/>
-                  <a:gd name="T44" fmla="*/ 320 w 480"/>
-                  <a:gd name="T45" fmla="*/ 427 h 481"/>
-                  <a:gd name="T46" fmla="*/ 335 w 480"/>
-                  <a:gd name="T47" fmla="*/ 435 h 481"/>
-                  <a:gd name="T48" fmla="*/ 363 w 480"/>
-                  <a:gd name="T49" fmla="*/ 158 h 481"/>
-                  <a:gd name="T50" fmla="*/ 181 w 480"/>
-                  <a:gd name="T51" fmla="*/ 147 h 481"/>
-                  <a:gd name="T52" fmla="*/ 157 w 480"/>
-                  <a:gd name="T53" fmla="*/ 120 h 481"/>
-                  <a:gd name="T54" fmla="*/ 117 w 480"/>
-                  <a:gd name="T55" fmla="*/ 132 h 481"/>
-                  <a:gd name="T56" fmla="*/ 156 w 480"/>
-                  <a:gd name="T57" fmla="*/ 144 h 481"/>
-                  <a:gd name="T58" fmla="*/ 210 w 480"/>
-                  <a:gd name="T59" fmla="*/ 283 h 481"/>
-                  <a:gd name="T60" fmla="*/ 334 w 480"/>
-                  <a:gd name="T61" fmla="*/ 267 h 481"/>
-                  <a:gd name="T62" fmla="*/ 363 w 480"/>
-                  <a:gd name="T63" fmla="*/ 158 h 481"/>
-                  <a:gd name="T64" fmla="*/ 401 w 480"/>
-                  <a:gd name="T65" fmla="*/ 377 h 481"/>
-                  <a:gd name="T66" fmla="*/ 382 w 480"/>
-                  <a:gd name="T67" fmla="*/ 387 h 481"/>
-                  <a:gd name="T68" fmla="*/ 370 w 480"/>
-                  <a:gd name="T69" fmla="*/ 379 h 481"/>
-                  <a:gd name="T70" fmla="*/ 383 w 480"/>
-                  <a:gd name="T71" fmla="*/ 453 h 481"/>
-                  <a:gd name="T72" fmla="*/ 383 w 480"/>
-                  <a:gd name="T73" fmla="*/ 427 h 481"/>
-                  <a:gd name="T74" fmla="*/ 423 w 480"/>
-                  <a:gd name="T75" fmla="*/ 405 h 481"/>
-                  <a:gd name="T76" fmla="*/ 382 w 480"/>
-                  <a:gd name="T77" fmla="*/ 406 h 481"/>
-                  <a:gd name="T78" fmla="*/ 409 w 480"/>
-                  <a:gd name="T79" fmla="*/ 405 h 481"/>
-                </a:gdLst>
-                <a:ahLst/>
-                <a:cxnLst>
-                  <a:cxn ang="0">
-                    <a:pos x="T0" y="T1"/>
-                  </a:cxn>
-                  <a:cxn ang="0">
-                    <a:pos x="T2" y="T3"/>
-                  </a:cxn>
-                  <a:cxn ang="0">
-                    <a:pos x="T4" y="T5"/>
-                  </a:cxn>
-                  <a:cxn ang="0">
-                    <a:pos x="T6" y="T7"/>
-                  </a:cxn>
-                  <a:cxn ang="0">
-                    <a:pos x="T8" y="T9"/>
-                  </a:cxn>
-                  <a:cxn ang="0">
-                    <a:pos x="T10" y="T11"/>
-                  </a:cxn>
-                  <a:cxn ang="0">
-                    <a:pos x="T12" y="T13"/>
-                  </a:cxn>
-                  <a:cxn ang="0">
-                    <a:pos x="T14" y="T15"/>
-                  </a:cxn>
-                  <a:cxn ang="0">
-                    <a:pos x="T16" y="T17"/>
-                  </a:cxn>
-                  <a:cxn ang="0">
-                    <a:pos x="T18" y="T19"/>
-                  </a:cxn>
-                  <a:cxn ang="0">
-                    <a:pos x="T20" y="T21"/>
-                  </a:cxn>
-                  <a:cxn ang="0">
-                    <a:pos x="T22" y="T23"/>
-                  </a:cxn>
-                  <a:cxn ang="0">
-                    <a:pos x="T24" y="T25"/>
-                  </a:cxn>
-                  <a:cxn ang="0">
-                    <a:pos x="T26" y="T27"/>
-                  </a:cxn>
-                  <a:cxn ang="0">
-                    <a:pos x="T28" y="T29"/>
-                  </a:cxn>
-                  <a:cxn ang="0">
-                    <a:pos x="T30" y="T31"/>
-                  </a:cxn>
-                  <a:cxn ang="0">
-                    <a:pos x="T32" y="T33"/>
-                  </a:cxn>
-                  <a:cxn ang="0">
-                    <a:pos x="T34" y="T35"/>
-                  </a:cxn>
-                  <a:cxn ang="0">
-                    <a:pos x="T36" y="T37"/>
-                  </a:cxn>
-                  <a:cxn ang="0">
-                    <a:pos x="T38" y="T39"/>
-                  </a:cxn>
-                  <a:cxn ang="0">
-                    <a:pos x="T40" y="T41"/>
-                  </a:cxn>
-                  <a:cxn ang="0">
-                    <a:pos x="T42" y="T43"/>
-                  </a:cxn>
-                  <a:cxn ang="0">
-                    <a:pos x="T44" y="T45"/>
-                  </a:cxn>
-                  <a:cxn ang="0">
-                    <a:pos x="T46" y="T47"/>
-                  </a:cxn>
-                  <a:cxn ang="0">
-                    <a:pos x="T48" y="T49"/>
-                  </a:cxn>
-                  <a:cxn ang="0">
-                    <a:pos x="T50" y="T51"/>
-                  </a:cxn>
-                  <a:cxn ang="0">
-                    <a:pos x="T52" y="T53"/>
-                  </a:cxn>
-                  <a:cxn ang="0">
-                    <a:pos x="T54" y="T55"/>
-                  </a:cxn>
-                  <a:cxn ang="0">
-                    <a:pos x="T56" y="T57"/>
-                  </a:cxn>
-                  <a:cxn ang="0">
-                    <a:pos x="T58" y="T59"/>
-                  </a:cxn>
-                  <a:cxn ang="0">
-                    <a:pos x="T60" y="T61"/>
-                  </a:cxn>
-                  <a:cxn ang="0">
-                    <a:pos x="T62" y="T63"/>
-                  </a:cxn>
-                  <a:cxn ang="0">
-                    <a:pos x="T64" y="T65"/>
-                  </a:cxn>
-                  <a:cxn ang="0">
-                    <a:pos x="T66" y="T67"/>
-                  </a:cxn>
-                  <a:cxn ang="0">
-                    <a:pos x="T68" y="T69"/>
-                  </a:cxn>
-                  <a:cxn ang="0">
-                    <a:pos x="T70" y="T71"/>
-                  </a:cxn>
-                  <a:cxn ang="0">
-                    <a:pos x="T72" y="T73"/>
-                  </a:cxn>
-                  <a:cxn ang="0">
-                    <a:pos x="T74" y="T75"/>
-                  </a:cxn>
-                  <a:cxn ang="0">
-                    <a:pos x="T76" y="T77"/>
-                  </a:cxn>
-                  <a:cxn ang="0">
-                    <a:pos x="T78" y="T79"/>
-                  </a:cxn>
-                </a:cxnLst>
-                <a:rect l="0" t="0" r="r" b="b"/>
-                <a:pathLst>
-                  <a:path w="480" h="481">
-                    <a:moveTo>
-                      <a:pt x="346" y="405"/>
-                    </a:moveTo>
-                    <a:cubicBezTo>
-                      <a:pt x="346" y="419"/>
-                      <a:pt x="342" y="425"/>
-                      <a:pt x="332" y="425"/>
-                    </a:cubicBezTo>
-                    <a:cubicBezTo>
-                      <a:pt x="324" y="425"/>
-                      <a:pt x="319" y="420"/>
-                      <a:pt x="319" y="406"/>
-                    </a:cubicBezTo>
-                    <a:cubicBezTo>
-                      <a:pt x="319" y="393"/>
-                      <a:pt x="325" y="386"/>
-                      <a:pt x="334" y="386"/>
-                    </a:cubicBezTo>
-                    <a:cubicBezTo>
-                      <a:pt x="342" y="386"/>
-                      <a:pt x="346" y="392"/>
-                      <a:pt x="346" y="405"/>
-                    </a:cubicBezTo>
-                    <a:close/>
-                    <a:moveTo>
-                      <a:pt x="260" y="367"/>
-                    </a:moveTo>
-                    <a:cubicBezTo>
-                      <a:pt x="247" y="403"/>
-                      <a:pt x="247" y="403"/>
-                      <a:pt x="247" y="403"/>
-                    </a:cubicBezTo>
-                    <a:cubicBezTo>
-                      <a:pt x="274" y="403"/>
-                      <a:pt x="274" y="403"/>
-                      <a:pt x="274" y="403"/>
-                    </a:cubicBezTo>
-                    <a:cubicBezTo>
-                      <a:pt x="260" y="367"/>
-                      <a:pt x="260" y="367"/>
-                      <a:pt x="260" y="367"/>
-                    </a:cubicBezTo>
-                    <a:close/>
-                    <a:moveTo>
-                      <a:pt x="480" y="107"/>
-                    </a:moveTo>
-                    <a:cubicBezTo>
-                      <a:pt x="480" y="374"/>
-                      <a:pt x="480" y="374"/>
-                      <a:pt x="480" y="374"/>
-                    </a:cubicBezTo>
-                    <a:cubicBezTo>
-                      <a:pt x="480" y="433"/>
-                      <a:pt x="432" y="481"/>
-                      <a:pt x="374" y="481"/>
-                    </a:cubicBezTo>
-                    <a:cubicBezTo>
-                      <a:pt x="106" y="481"/>
-                      <a:pt x="106" y="481"/>
-                      <a:pt x="106" y="481"/>
-                    </a:cubicBezTo>
-                    <a:cubicBezTo>
-                      <a:pt x="48" y="481"/>
-                      <a:pt x="0" y="433"/>
-                      <a:pt x="0" y="374"/>
-                    </a:cubicBezTo>
-                    <a:cubicBezTo>
-                      <a:pt x="0" y="107"/>
-                      <a:pt x="0" y="107"/>
-                      <a:pt x="0" y="107"/>
-                    </a:cubicBezTo>
-                    <a:cubicBezTo>
-                      <a:pt x="0" y="48"/>
-                      <a:pt x="48" y="0"/>
-                      <a:pt x="106" y="0"/>
-                    </a:cubicBezTo>
-                    <a:cubicBezTo>
-                      <a:pt x="374" y="0"/>
-                      <a:pt x="374" y="0"/>
-                      <a:pt x="374" y="0"/>
-                    </a:cubicBezTo>
-                    <a:cubicBezTo>
-                      <a:pt x="432" y="0"/>
-                      <a:pt x="480" y="48"/>
-                      <a:pt x="480" y="107"/>
-                    </a:cubicBezTo>
-                    <a:close/>
-                    <a:moveTo>
-                      <a:pt x="215" y="326"/>
-                    </a:moveTo>
-                    <a:cubicBezTo>
-                      <a:pt x="226" y="326"/>
-                      <a:pt x="235" y="317"/>
-                      <a:pt x="235" y="306"/>
-                    </a:cubicBezTo>
-                    <a:cubicBezTo>
-                      <a:pt x="235" y="296"/>
-                      <a:pt x="226" y="287"/>
-                      <a:pt x="215" y="287"/>
-                    </a:cubicBezTo>
-                    <a:cubicBezTo>
-                      <a:pt x="204" y="287"/>
-                      <a:pt x="195" y="296"/>
-                      <a:pt x="195" y="306"/>
-                    </a:cubicBezTo>
-                    <a:cubicBezTo>
-                      <a:pt x="195" y="317"/>
-                      <a:pt x="204" y="326"/>
-                      <a:pt x="215" y="326"/>
-                    </a:cubicBezTo>
-                    <a:close/>
-                    <a:moveTo>
-                      <a:pt x="298" y="433"/>
-                    </a:moveTo>
-                    <a:cubicBezTo>
-                      <a:pt x="269" y="355"/>
-                      <a:pt x="269" y="355"/>
-                      <a:pt x="269" y="355"/>
-                    </a:cubicBezTo>
-                    <a:cubicBezTo>
-                      <a:pt x="252" y="355"/>
-                      <a:pt x="252" y="355"/>
-                      <a:pt x="252" y="355"/>
-                    </a:cubicBezTo>
-                    <a:cubicBezTo>
-                      <a:pt x="223" y="433"/>
-                      <a:pt x="223" y="433"/>
-                      <a:pt x="223" y="433"/>
-                    </a:cubicBezTo>
-                    <a:cubicBezTo>
-                      <a:pt x="237" y="433"/>
-                      <a:pt x="237" y="433"/>
-                      <a:pt x="237" y="433"/>
-                    </a:cubicBezTo>
-                    <a:cubicBezTo>
-                      <a:pt x="244" y="414"/>
-                      <a:pt x="244" y="414"/>
-                      <a:pt x="244" y="414"/>
-                    </a:cubicBezTo>
-                    <a:cubicBezTo>
-                      <a:pt x="277" y="414"/>
-                      <a:pt x="277" y="414"/>
-                      <a:pt x="277" y="414"/>
-                    </a:cubicBezTo>
-                    <a:cubicBezTo>
-                      <a:pt x="284" y="433"/>
-                      <a:pt x="284" y="433"/>
-                      <a:pt x="284" y="433"/>
-                    </a:cubicBezTo>
-                    <a:lnTo>
-                      <a:pt x="298" y="433"/>
-                    </a:lnTo>
-                    <a:close/>
-                    <a:moveTo>
-                      <a:pt x="307" y="326"/>
-                    </a:moveTo>
-                    <a:cubicBezTo>
-                      <a:pt x="318" y="326"/>
-                      <a:pt x="327" y="317"/>
-                      <a:pt x="327" y="306"/>
-                    </a:cubicBezTo>
-                    <a:cubicBezTo>
-                      <a:pt x="327" y="296"/>
-                      <a:pt x="318" y="287"/>
-                      <a:pt x="307" y="287"/>
-                    </a:cubicBezTo>
-                    <a:cubicBezTo>
-                      <a:pt x="296" y="287"/>
-                      <a:pt x="287" y="296"/>
-                      <a:pt x="287" y="306"/>
-                    </a:cubicBezTo>
-                    <a:cubicBezTo>
-                      <a:pt x="287" y="317"/>
-                      <a:pt x="296" y="326"/>
-                      <a:pt x="307" y="326"/>
-                    </a:cubicBezTo>
-                    <a:close/>
-                    <a:moveTo>
-                      <a:pt x="360" y="405"/>
-                    </a:moveTo>
-                    <a:cubicBezTo>
-                      <a:pt x="360" y="384"/>
-                      <a:pt x="349" y="377"/>
-                      <a:pt x="338" y="377"/>
-                    </a:cubicBezTo>
-                    <a:cubicBezTo>
-                      <a:pt x="328" y="377"/>
-                      <a:pt x="322" y="382"/>
-                      <a:pt x="319" y="387"/>
-                    </a:cubicBezTo>
-                    <a:cubicBezTo>
-                      <a:pt x="319" y="387"/>
-                      <a:pt x="319" y="387"/>
-                      <a:pt x="319" y="387"/>
-                    </a:cubicBezTo>
-                    <a:cubicBezTo>
-                      <a:pt x="318" y="379"/>
-                      <a:pt x="318" y="379"/>
-                      <a:pt x="318" y="379"/>
-                    </a:cubicBezTo>
-                    <a:cubicBezTo>
-                      <a:pt x="306" y="379"/>
-                      <a:pt x="306" y="379"/>
-                      <a:pt x="306" y="379"/>
-                    </a:cubicBezTo>
-                    <a:cubicBezTo>
-                      <a:pt x="306" y="453"/>
-                      <a:pt x="306" y="453"/>
-                      <a:pt x="306" y="453"/>
-                    </a:cubicBezTo>
-                    <a:cubicBezTo>
-                      <a:pt x="320" y="453"/>
-                      <a:pt x="320" y="453"/>
-                      <a:pt x="320" y="453"/>
-                    </a:cubicBezTo>
-                    <a:cubicBezTo>
-                      <a:pt x="320" y="427"/>
-                      <a:pt x="320" y="427"/>
-                      <a:pt x="320" y="427"/>
-                    </a:cubicBezTo>
-                    <a:cubicBezTo>
-                      <a:pt x="320" y="427"/>
-                      <a:pt x="320" y="427"/>
-                      <a:pt x="320" y="427"/>
-                    </a:cubicBezTo>
-                    <a:cubicBezTo>
-                      <a:pt x="323" y="432"/>
-                      <a:pt x="329" y="435"/>
-                      <a:pt x="335" y="435"/>
-                    </a:cubicBezTo>
-                    <a:cubicBezTo>
-                      <a:pt x="351" y="435"/>
-                      <a:pt x="360" y="424"/>
-                      <a:pt x="360" y="405"/>
-                    </a:cubicBezTo>
-                    <a:close/>
-                    <a:moveTo>
-                      <a:pt x="363" y="158"/>
-                    </a:moveTo>
-                    <a:cubicBezTo>
-                      <a:pt x="363" y="152"/>
-                      <a:pt x="358" y="147"/>
-                      <a:pt x="351" y="147"/>
-                    </a:cubicBezTo>
-                    <a:cubicBezTo>
-                      <a:pt x="181" y="147"/>
-                      <a:pt x="181" y="147"/>
-                      <a:pt x="181" y="147"/>
-                    </a:cubicBezTo>
-                    <a:cubicBezTo>
-                      <a:pt x="179" y="137"/>
-                      <a:pt x="179" y="137"/>
-                      <a:pt x="179" y="137"/>
-                    </a:cubicBezTo>
-                    <a:cubicBezTo>
-                      <a:pt x="176" y="127"/>
-                      <a:pt x="167" y="120"/>
-                      <a:pt x="157" y="120"/>
-                    </a:cubicBezTo>
-                    <a:cubicBezTo>
-                      <a:pt x="129" y="120"/>
-                      <a:pt x="129" y="120"/>
-                      <a:pt x="129" y="120"/>
-                    </a:cubicBezTo>
-                    <a:cubicBezTo>
-                      <a:pt x="122" y="120"/>
-                      <a:pt x="117" y="125"/>
-                      <a:pt x="117" y="132"/>
-                    </a:cubicBezTo>
-                    <a:cubicBezTo>
-                      <a:pt x="117" y="139"/>
-                      <a:pt x="122" y="144"/>
-                      <a:pt x="129" y="144"/>
-                    </a:cubicBezTo>
-                    <a:cubicBezTo>
-                      <a:pt x="156" y="144"/>
-                      <a:pt x="156" y="144"/>
-                      <a:pt x="156" y="144"/>
-                    </a:cubicBezTo>
-                    <a:cubicBezTo>
-                      <a:pt x="188" y="267"/>
-                      <a:pt x="188" y="267"/>
-                      <a:pt x="188" y="267"/>
-                    </a:cubicBezTo>
-                    <a:cubicBezTo>
-                      <a:pt x="191" y="276"/>
-                      <a:pt x="200" y="283"/>
-                      <a:pt x="210" y="283"/>
-                    </a:cubicBezTo>
-                    <a:cubicBezTo>
-                      <a:pt x="312" y="283"/>
-                      <a:pt x="312" y="283"/>
-                      <a:pt x="312" y="283"/>
-                    </a:cubicBezTo>
-                    <a:cubicBezTo>
-                      <a:pt x="322" y="283"/>
-                      <a:pt x="331" y="276"/>
-                      <a:pt x="334" y="267"/>
-                    </a:cubicBezTo>
-                    <a:cubicBezTo>
-                      <a:pt x="361" y="169"/>
-                      <a:pt x="361" y="169"/>
-                      <a:pt x="361" y="169"/>
-                    </a:cubicBezTo>
-                    <a:cubicBezTo>
-                      <a:pt x="362" y="164"/>
-                      <a:pt x="363" y="161"/>
-                      <a:pt x="363" y="158"/>
-                    </a:cubicBezTo>
-                    <a:close/>
-                    <a:moveTo>
-                      <a:pt x="423" y="405"/>
-                    </a:moveTo>
-                    <a:cubicBezTo>
-                      <a:pt x="423" y="384"/>
-                      <a:pt x="412" y="377"/>
-                      <a:pt x="401" y="377"/>
-                    </a:cubicBezTo>
-                    <a:cubicBezTo>
-                      <a:pt x="391" y="377"/>
-                      <a:pt x="385" y="382"/>
-                      <a:pt x="383" y="387"/>
-                    </a:cubicBezTo>
-                    <a:cubicBezTo>
-                      <a:pt x="382" y="387"/>
-                      <a:pt x="382" y="387"/>
-                      <a:pt x="382" y="387"/>
-                    </a:cubicBezTo>
-                    <a:cubicBezTo>
-                      <a:pt x="381" y="379"/>
-                      <a:pt x="381" y="379"/>
-                      <a:pt x="381" y="379"/>
-                    </a:cubicBezTo>
-                    <a:cubicBezTo>
-                      <a:pt x="370" y="379"/>
-                      <a:pt x="370" y="379"/>
-                      <a:pt x="370" y="379"/>
-                    </a:cubicBezTo>
-                    <a:cubicBezTo>
-                      <a:pt x="370" y="453"/>
-                      <a:pt x="370" y="453"/>
-                      <a:pt x="370" y="453"/>
-                    </a:cubicBezTo>
-                    <a:cubicBezTo>
-                      <a:pt x="383" y="453"/>
-                      <a:pt x="383" y="453"/>
-                      <a:pt x="383" y="453"/>
-                    </a:cubicBezTo>
-                    <a:cubicBezTo>
-                      <a:pt x="383" y="427"/>
-                      <a:pt x="383" y="427"/>
-                      <a:pt x="383" y="427"/>
-                    </a:cubicBezTo>
-                    <a:cubicBezTo>
-                      <a:pt x="383" y="427"/>
-                      <a:pt x="383" y="427"/>
-                      <a:pt x="383" y="427"/>
-                    </a:cubicBezTo>
-                    <a:cubicBezTo>
-                      <a:pt x="386" y="432"/>
-                      <a:pt x="392" y="435"/>
-                      <a:pt x="399" y="435"/>
-                    </a:cubicBezTo>
-                    <a:cubicBezTo>
-                      <a:pt x="414" y="435"/>
-                      <a:pt x="423" y="424"/>
-                      <a:pt x="423" y="405"/>
-                    </a:cubicBezTo>
-                    <a:close/>
-                    <a:moveTo>
-                      <a:pt x="397" y="386"/>
-                    </a:moveTo>
-                    <a:cubicBezTo>
-                      <a:pt x="388" y="386"/>
-                      <a:pt x="382" y="393"/>
-                      <a:pt x="382" y="406"/>
-                    </a:cubicBezTo>
-                    <a:cubicBezTo>
-                      <a:pt x="382" y="420"/>
-                      <a:pt x="387" y="425"/>
-                      <a:pt x="396" y="425"/>
-                    </a:cubicBezTo>
-                    <a:cubicBezTo>
-                      <a:pt x="405" y="425"/>
-                      <a:pt x="409" y="419"/>
-                      <a:pt x="409" y="405"/>
-                    </a:cubicBezTo>
-                    <a:cubicBezTo>
-                      <a:pt x="409" y="392"/>
-                      <a:pt x="405" y="386"/>
-                      <a:pt x="397" y="386"/>
-                    </a:cubicBezTo>
-                    <a:close/>
-                  </a:path>
-                </a:pathLst>
-              </a:custGeom>
-              <a:solidFill>
-                <a:schemeClr val="bg1">
-                  <a:lumMod val="75000"/>
-                </a:schemeClr>
-              </a:solidFill>
-              <a:ln>
-                <a:noFill/>
-              </a:ln>
-            </p:spPr>
-            <p:txBody>
-              <a:bodyPr vert="horz" wrap="square" lIns="91440" tIns="45720" rIns="91440" bIns="45720" numCol="1" anchor="t" anchorCtr="0" compatLnSpc="1">
-                <a:prstTxWarp prst="textNoShape">
-                  <a:avLst/>
-                </a:prstTxWarp>
-              </a:bodyPr>
-              <a:lstStyle/>
-              <a:p>
-                <a:pPr defTabSz="914418">
-                  <a:defRPr/>
-                </a:pPr>
-                <a:endParaRPr lang="en-US" sz="1600" kern="0">
-                  <a:solidFill>
-                    <a:srgbClr val="FFFFFF"/>
-                  </a:solidFill>
-                  <a:latin typeface="Arial" panose="020B0604020202020204" pitchFamily="34" charset="0"/>
-                  <a:cs typeface="Arial" panose="020B0604020202020204" pitchFamily="34" charset="0"/>
-                </a:endParaRPr>
-              </a:p>
-            </p:txBody>
-          </p:sp>
-          <p:sp>
-            <p:nvSpPr>
-              <p:cNvPr id="578" name="Freeform 270">
-                <a:extLst>
-                  <a:ext uri="{FF2B5EF4-FFF2-40B4-BE49-F238E27FC236}">
-                    <a16:creationId xmlns:a16="http://schemas.microsoft.com/office/drawing/2014/main" id="{B48911E1-A600-6D43-985A-CA03BC97CAA7}"/>
-                  </a:ext>
-                </a:extLst>
-              </p:cNvPr>
-              <p:cNvSpPr/>
-              <p:nvPr/>
-            </p:nvSpPr>
-            <p:spPr>
-              <a:xfrm rot="10800000">
-                <a:off x="9171133" y="6063523"/>
-                <a:ext cx="338617" cy="133192"/>
-              </a:xfrm>
-              <a:custGeom>
-                <a:avLst/>
-                <a:gdLst>
-                  <a:gd name="connsiteX0" fmla="*/ 0 w 1539358"/>
-                  <a:gd name="connsiteY0" fmla="*/ 23091 h 254000"/>
-                  <a:gd name="connsiteX1" fmla="*/ 261691 w 1539358"/>
-                  <a:gd name="connsiteY1" fmla="*/ 254000 h 254000"/>
-                  <a:gd name="connsiteX2" fmla="*/ 1277667 w 1539358"/>
-                  <a:gd name="connsiteY2" fmla="*/ 254000 h 254000"/>
-                  <a:gd name="connsiteX3" fmla="*/ 1539358 w 1539358"/>
-                  <a:gd name="connsiteY3" fmla="*/ 0 h 254000"/>
-                  <a:gd name="connsiteX4" fmla="*/ 0 w 1539358"/>
-                  <a:gd name="connsiteY4" fmla="*/ 23091 h 254000"/>
-                  <a:gd name="connsiteX0" fmla="*/ 0 w 1553628"/>
-                  <a:gd name="connsiteY0" fmla="*/ 0 h 255882"/>
-                  <a:gd name="connsiteX1" fmla="*/ 275961 w 1553628"/>
-                  <a:gd name="connsiteY1" fmla="*/ 255882 h 255882"/>
-                  <a:gd name="connsiteX2" fmla="*/ 1291937 w 1553628"/>
-                  <a:gd name="connsiteY2" fmla="*/ 255882 h 255882"/>
-                  <a:gd name="connsiteX3" fmla="*/ 1553628 w 1553628"/>
-                  <a:gd name="connsiteY3" fmla="*/ 1882 h 255882"/>
-                  <a:gd name="connsiteX4" fmla="*/ 0 w 1553628"/>
-                  <a:gd name="connsiteY4" fmla="*/ 0 h 255882"/>
-                  <a:gd name="connsiteX0" fmla="*/ 0 w 1553628"/>
-                  <a:gd name="connsiteY0" fmla="*/ 0 h 258592"/>
-                  <a:gd name="connsiteX1" fmla="*/ 275961 w 1553628"/>
-                  <a:gd name="connsiteY1" fmla="*/ 255882 h 258592"/>
-                  <a:gd name="connsiteX2" fmla="*/ 1253654 w 1553628"/>
-                  <a:gd name="connsiteY2" fmla="*/ 258592 h 258592"/>
-                  <a:gd name="connsiteX3" fmla="*/ 1553628 w 1553628"/>
-                  <a:gd name="connsiteY3" fmla="*/ 1882 h 258592"/>
-                  <a:gd name="connsiteX4" fmla="*/ 0 w 1553628"/>
-                  <a:gd name="connsiteY4" fmla="*/ 0 h 258592"/>
-                  <a:gd name="connsiteX0" fmla="*/ 0 w 2080032"/>
-                  <a:gd name="connsiteY0" fmla="*/ 3538 h 262130"/>
-                  <a:gd name="connsiteX1" fmla="*/ 275961 w 2080032"/>
-                  <a:gd name="connsiteY1" fmla="*/ 259420 h 262130"/>
-                  <a:gd name="connsiteX2" fmla="*/ 1253654 w 2080032"/>
-                  <a:gd name="connsiteY2" fmla="*/ 262130 h 262130"/>
-                  <a:gd name="connsiteX3" fmla="*/ 2080032 w 2080032"/>
-                  <a:gd name="connsiteY3" fmla="*/ 0 h 262130"/>
-                  <a:gd name="connsiteX4" fmla="*/ 0 w 2080032"/>
-                  <a:gd name="connsiteY4" fmla="*/ 3538 h 262130"/>
-                  <a:gd name="connsiteX0" fmla="*/ 0 w 2616007"/>
-                  <a:gd name="connsiteY0" fmla="*/ 828 h 262130"/>
-                  <a:gd name="connsiteX1" fmla="*/ 811936 w 2616007"/>
-                  <a:gd name="connsiteY1" fmla="*/ 259420 h 262130"/>
-                  <a:gd name="connsiteX2" fmla="*/ 1789629 w 2616007"/>
-                  <a:gd name="connsiteY2" fmla="*/ 262130 h 262130"/>
-                  <a:gd name="connsiteX3" fmla="*/ 2616007 w 2616007"/>
-                  <a:gd name="connsiteY3" fmla="*/ 0 h 262130"/>
-                  <a:gd name="connsiteX4" fmla="*/ 0 w 2616007"/>
-                  <a:gd name="connsiteY4" fmla="*/ 828 h 262130"/>
-                </a:gdLst>
-                <a:ahLst/>
-                <a:cxnLst>
-                  <a:cxn ang="0">
-                    <a:pos x="connsiteX0" y="connsiteY0"/>
-                  </a:cxn>
-                  <a:cxn ang="0">
-                    <a:pos x="connsiteX1" y="connsiteY1"/>
-                  </a:cxn>
-                  <a:cxn ang="0">
-                    <a:pos x="connsiteX2" y="connsiteY2"/>
-                  </a:cxn>
-                  <a:cxn ang="0">
-                    <a:pos x="connsiteX3" y="connsiteY3"/>
-                  </a:cxn>
-                  <a:cxn ang="0">
-                    <a:pos x="connsiteX4" y="connsiteY4"/>
-                  </a:cxn>
-                </a:cxnLst>
-                <a:rect l="l" t="t" r="r" b="b"/>
-                <a:pathLst>
-                  <a:path w="2616007" h="262130">
-                    <a:moveTo>
-                      <a:pt x="0" y="828"/>
-                    </a:moveTo>
-                    <a:lnTo>
-                      <a:pt x="811936" y="259420"/>
-                    </a:lnTo>
-                    <a:lnTo>
-                      <a:pt x="1789629" y="262130"/>
-                    </a:lnTo>
-                    <a:lnTo>
-                      <a:pt x="2616007" y="0"/>
-                    </a:lnTo>
-                    <a:lnTo>
-                      <a:pt x="0" y="828"/>
-                    </a:lnTo>
-                    <a:close/>
-                  </a:path>
-                </a:pathLst>
-              </a:custGeom>
-              <a:gradFill flip="none" rotWithShape="1">
-                <a:gsLst>
-                  <a:gs pos="0">
-                    <a:srgbClr val="777877"/>
-                  </a:gs>
-                  <a:gs pos="100000">
-                    <a:srgbClr val="FFFFFF">
-                      <a:alpha val="0"/>
-                    </a:srgbClr>
-                  </a:gs>
-                </a:gsLst>
-                <a:lin ang="16200000" scaled="0"/>
-                <a:tileRect/>
-              </a:gradFill>
-            </p:spPr>
-            <p:txBody>
-              <a:bodyPr vert="horz" wrap="square" lIns="182880" tIns="0" rIns="91440" bIns="0" rtlCol="0" anchor="ctr">
-                <a:noAutofit/>
-              </a:bodyPr>
-              <a:lstStyle/>
-              <a:p>
-                <a:pPr algn="ctr">
-                  <a:lnSpc>
-                    <a:spcPct val="90000"/>
-                  </a:lnSpc>
-                  <a:defRPr/>
-                </a:pPr>
-                <a:r>
-                  <a:rPr lang="en-US" sz="2117" kern="0" cap="all" dirty="0">
-                    <a:solidFill>
-                      <a:srgbClr val="FFFFFF"/>
-                    </a:solidFill>
-                    <a:effectLst>
-                      <a:outerShdw blurRad="38100" dist="25400" dir="2700000" algn="tl">
-                        <a:srgbClr val="000000">
-                          <a:alpha val="0"/>
-                        </a:srgbClr>
-                      </a:outerShdw>
-                    </a:effectLst>
-                    <a:latin typeface="Arial"/>
-                    <a:cs typeface="Arial" panose="020B0604020202020204" pitchFamily="34" charset="0"/>
-                  </a:rPr>
-                  <a:t> </a:t>
-                </a:r>
-              </a:p>
-            </p:txBody>
-          </p:sp>
-          <p:sp>
-            <p:nvSpPr>
-              <p:cNvPr id="579" name="Freeform 151">
-                <a:extLst>
-                  <a:ext uri="{FF2B5EF4-FFF2-40B4-BE49-F238E27FC236}">
-                    <a16:creationId xmlns:a16="http://schemas.microsoft.com/office/drawing/2014/main" id="{63A43A07-AE2C-5B4C-A9F9-74F52BB65100}"/>
-                  </a:ext>
-                </a:extLst>
-              </p:cNvPr>
-              <p:cNvSpPr>
-                <a:spLocks noEditPoints="1"/>
-              </p:cNvSpPr>
-              <p:nvPr/>
-            </p:nvSpPr>
-            <p:spPr bwMode="auto">
-              <a:xfrm>
-                <a:off x="9532185" y="6143528"/>
-                <a:ext cx="289438" cy="296273"/>
-              </a:xfrm>
-              <a:custGeom>
-                <a:avLst/>
-                <a:gdLst>
-                  <a:gd name="T0" fmla="*/ 332 w 480"/>
-                  <a:gd name="T1" fmla="*/ 425 h 481"/>
-                  <a:gd name="T2" fmla="*/ 334 w 480"/>
-                  <a:gd name="T3" fmla="*/ 386 h 481"/>
-                  <a:gd name="T4" fmla="*/ 260 w 480"/>
-                  <a:gd name="T5" fmla="*/ 367 h 481"/>
-                  <a:gd name="T6" fmla="*/ 274 w 480"/>
-                  <a:gd name="T7" fmla="*/ 403 h 481"/>
-                  <a:gd name="T8" fmla="*/ 480 w 480"/>
-                  <a:gd name="T9" fmla="*/ 107 h 481"/>
-                  <a:gd name="T10" fmla="*/ 374 w 480"/>
-                  <a:gd name="T11" fmla="*/ 481 h 481"/>
-                  <a:gd name="T12" fmla="*/ 0 w 480"/>
-                  <a:gd name="T13" fmla="*/ 374 h 481"/>
-                  <a:gd name="T14" fmla="*/ 106 w 480"/>
-                  <a:gd name="T15" fmla="*/ 0 h 481"/>
-                  <a:gd name="T16" fmla="*/ 480 w 480"/>
-                  <a:gd name="T17" fmla="*/ 107 h 481"/>
-                  <a:gd name="T18" fmla="*/ 235 w 480"/>
-                  <a:gd name="T19" fmla="*/ 306 h 481"/>
-                  <a:gd name="T20" fmla="*/ 195 w 480"/>
-                  <a:gd name="T21" fmla="*/ 306 h 481"/>
-                  <a:gd name="T22" fmla="*/ 298 w 480"/>
-                  <a:gd name="T23" fmla="*/ 433 h 481"/>
-                  <a:gd name="T24" fmla="*/ 252 w 480"/>
-                  <a:gd name="T25" fmla="*/ 355 h 481"/>
-                  <a:gd name="T26" fmla="*/ 237 w 480"/>
-                  <a:gd name="T27" fmla="*/ 433 h 481"/>
-                  <a:gd name="T28" fmla="*/ 277 w 480"/>
-                  <a:gd name="T29" fmla="*/ 414 h 481"/>
-                  <a:gd name="T30" fmla="*/ 298 w 480"/>
-                  <a:gd name="T31" fmla="*/ 433 h 481"/>
-                  <a:gd name="T32" fmla="*/ 327 w 480"/>
-                  <a:gd name="T33" fmla="*/ 306 h 481"/>
-                  <a:gd name="T34" fmla="*/ 287 w 480"/>
-                  <a:gd name="T35" fmla="*/ 306 h 481"/>
-                  <a:gd name="T36" fmla="*/ 360 w 480"/>
-                  <a:gd name="T37" fmla="*/ 405 h 481"/>
-                  <a:gd name="T38" fmla="*/ 319 w 480"/>
-                  <a:gd name="T39" fmla="*/ 387 h 481"/>
-                  <a:gd name="T40" fmla="*/ 318 w 480"/>
-                  <a:gd name="T41" fmla="*/ 379 h 481"/>
-                  <a:gd name="T42" fmla="*/ 306 w 480"/>
-                  <a:gd name="T43" fmla="*/ 453 h 481"/>
-                  <a:gd name="T44" fmla="*/ 320 w 480"/>
-                  <a:gd name="T45" fmla="*/ 427 h 481"/>
-                  <a:gd name="T46" fmla="*/ 335 w 480"/>
-                  <a:gd name="T47" fmla="*/ 435 h 481"/>
-                  <a:gd name="T48" fmla="*/ 363 w 480"/>
-                  <a:gd name="T49" fmla="*/ 158 h 481"/>
-                  <a:gd name="T50" fmla="*/ 181 w 480"/>
-                  <a:gd name="T51" fmla="*/ 147 h 481"/>
-                  <a:gd name="T52" fmla="*/ 157 w 480"/>
-                  <a:gd name="T53" fmla="*/ 120 h 481"/>
-                  <a:gd name="T54" fmla="*/ 117 w 480"/>
-                  <a:gd name="T55" fmla="*/ 132 h 481"/>
-                  <a:gd name="T56" fmla="*/ 156 w 480"/>
-                  <a:gd name="T57" fmla="*/ 144 h 481"/>
-                  <a:gd name="T58" fmla="*/ 210 w 480"/>
-                  <a:gd name="T59" fmla="*/ 283 h 481"/>
-                  <a:gd name="T60" fmla="*/ 334 w 480"/>
-                  <a:gd name="T61" fmla="*/ 267 h 481"/>
-                  <a:gd name="T62" fmla="*/ 363 w 480"/>
-                  <a:gd name="T63" fmla="*/ 158 h 481"/>
-                  <a:gd name="T64" fmla="*/ 401 w 480"/>
-                  <a:gd name="T65" fmla="*/ 377 h 481"/>
-                  <a:gd name="T66" fmla="*/ 382 w 480"/>
-                  <a:gd name="T67" fmla="*/ 387 h 481"/>
-                  <a:gd name="T68" fmla="*/ 370 w 480"/>
-                  <a:gd name="T69" fmla="*/ 379 h 481"/>
-                  <a:gd name="T70" fmla="*/ 383 w 480"/>
-                  <a:gd name="T71" fmla="*/ 453 h 481"/>
-                  <a:gd name="T72" fmla="*/ 383 w 480"/>
-                  <a:gd name="T73" fmla="*/ 427 h 481"/>
-                  <a:gd name="T74" fmla="*/ 423 w 480"/>
-                  <a:gd name="T75" fmla="*/ 405 h 481"/>
-                  <a:gd name="T76" fmla="*/ 382 w 480"/>
-                  <a:gd name="T77" fmla="*/ 406 h 481"/>
-                  <a:gd name="T78" fmla="*/ 409 w 480"/>
-                  <a:gd name="T79" fmla="*/ 405 h 481"/>
-                </a:gdLst>
-                <a:ahLst/>
-                <a:cxnLst>
-                  <a:cxn ang="0">
-                    <a:pos x="T0" y="T1"/>
-                  </a:cxn>
-                  <a:cxn ang="0">
-                    <a:pos x="T2" y="T3"/>
-                  </a:cxn>
-                  <a:cxn ang="0">
-                    <a:pos x="T4" y="T5"/>
-                  </a:cxn>
-                  <a:cxn ang="0">
-                    <a:pos x="T6" y="T7"/>
-                  </a:cxn>
-                  <a:cxn ang="0">
-                    <a:pos x="T8" y="T9"/>
-                  </a:cxn>
-                  <a:cxn ang="0">
-                    <a:pos x="T10" y="T11"/>
-                  </a:cxn>
-                  <a:cxn ang="0">
-                    <a:pos x="T12" y="T13"/>
-                  </a:cxn>
-                  <a:cxn ang="0">
-                    <a:pos x="T14" y="T15"/>
-                  </a:cxn>
-                  <a:cxn ang="0">
-                    <a:pos x="T16" y="T17"/>
-                  </a:cxn>
-                  <a:cxn ang="0">
-                    <a:pos x="T18" y="T19"/>
-                  </a:cxn>
-                  <a:cxn ang="0">
-                    <a:pos x="T20" y="T21"/>
-                  </a:cxn>
-                  <a:cxn ang="0">
-                    <a:pos x="T22" y="T23"/>
-                  </a:cxn>
-                  <a:cxn ang="0">
-                    <a:pos x="T24" y="T25"/>
-                  </a:cxn>
-                  <a:cxn ang="0">
-                    <a:pos x="T26" y="T27"/>
-                  </a:cxn>
-                  <a:cxn ang="0">
-                    <a:pos x="T28" y="T29"/>
-                  </a:cxn>
-                  <a:cxn ang="0">
-                    <a:pos x="T30" y="T31"/>
-                  </a:cxn>
-                  <a:cxn ang="0">
-                    <a:pos x="T32" y="T33"/>
-                  </a:cxn>
-                  <a:cxn ang="0">
-                    <a:pos x="T34" y="T35"/>
-                  </a:cxn>
-                  <a:cxn ang="0">
-                    <a:pos x="T36" y="T37"/>
-                  </a:cxn>
-                  <a:cxn ang="0">
-                    <a:pos x="T38" y="T39"/>
-                  </a:cxn>
-                  <a:cxn ang="0">
-                    <a:pos x="T40" y="T41"/>
-                  </a:cxn>
-                  <a:cxn ang="0">
-                    <a:pos x="T42" y="T43"/>
-                  </a:cxn>
-                  <a:cxn ang="0">
-                    <a:pos x="T44" y="T45"/>
-                  </a:cxn>
-                  <a:cxn ang="0">
-                    <a:pos x="T46" y="T47"/>
-                  </a:cxn>
-                  <a:cxn ang="0">
-                    <a:pos x="T48" y="T49"/>
-                  </a:cxn>
-                  <a:cxn ang="0">
-                    <a:pos x="T50" y="T51"/>
-                  </a:cxn>
-                  <a:cxn ang="0">
-                    <a:pos x="T52" y="T53"/>
-                  </a:cxn>
-                  <a:cxn ang="0">
-                    <a:pos x="T54" y="T55"/>
-                  </a:cxn>
-                  <a:cxn ang="0">
-                    <a:pos x="T56" y="T57"/>
-                  </a:cxn>
-                  <a:cxn ang="0">
-                    <a:pos x="T58" y="T59"/>
-                  </a:cxn>
-                  <a:cxn ang="0">
-                    <a:pos x="T60" y="T61"/>
-                  </a:cxn>
-                  <a:cxn ang="0">
-                    <a:pos x="T62" y="T63"/>
-                  </a:cxn>
-                  <a:cxn ang="0">
-                    <a:pos x="T64" y="T65"/>
-                  </a:cxn>
-                  <a:cxn ang="0">
-                    <a:pos x="T66" y="T67"/>
-                  </a:cxn>
-                  <a:cxn ang="0">
-                    <a:pos x="T68" y="T69"/>
-                  </a:cxn>
-                  <a:cxn ang="0">
-                    <a:pos x="T70" y="T71"/>
-                  </a:cxn>
-                  <a:cxn ang="0">
-                    <a:pos x="T72" y="T73"/>
-                  </a:cxn>
-                  <a:cxn ang="0">
-                    <a:pos x="T74" y="T75"/>
-                  </a:cxn>
-                  <a:cxn ang="0">
-                    <a:pos x="T76" y="T77"/>
-                  </a:cxn>
-                  <a:cxn ang="0">
-                    <a:pos x="T78" y="T79"/>
-                  </a:cxn>
-                </a:cxnLst>
-                <a:rect l="0" t="0" r="r" b="b"/>
-                <a:pathLst>
-                  <a:path w="480" h="481">
-                    <a:moveTo>
-                      <a:pt x="346" y="405"/>
-                    </a:moveTo>
-                    <a:cubicBezTo>
-                      <a:pt x="346" y="419"/>
-                      <a:pt x="342" y="425"/>
-                      <a:pt x="332" y="425"/>
-                    </a:cubicBezTo>
-                    <a:cubicBezTo>
-                      <a:pt x="324" y="425"/>
-                      <a:pt x="319" y="420"/>
-                      <a:pt x="319" y="406"/>
-                    </a:cubicBezTo>
-                    <a:cubicBezTo>
-                      <a:pt x="319" y="393"/>
-                      <a:pt x="325" y="386"/>
-                      <a:pt x="334" y="386"/>
-                    </a:cubicBezTo>
-                    <a:cubicBezTo>
-                      <a:pt x="342" y="386"/>
-                      <a:pt x="346" y="392"/>
-                      <a:pt x="346" y="405"/>
-                    </a:cubicBezTo>
-                    <a:close/>
-                    <a:moveTo>
-                      <a:pt x="260" y="367"/>
-                    </a:moveTo>
-                    <a:cubicBezTo>
-                      <a:pt x="247" y="403"/>
-                      <a:pt x="247" y="403"/>
-                      <a:pt x="247" y="403"/>
-                    </a:cubicBezTo>
-                    <a:cubicBezTo>
-                      <a:pt x="274" y="403"/>
-                      <a:pt x="274" y="403"/>
-                      <a:pt x="274" y="403"/>
-                    </a:cubicBezTo>
-                    <a:cubicBezTo>
-                      <a:pt x="260" y="367"/>
-                      <a:pt x="260" y="367"/>
-                      <a:pt x="260" y="367"/>
-                    </a:cubicBezTo>
-                    <a:close/>
-                    <a:moveTo>
-                      <a:pt x="480" y="107"/>
-                    </a:moveTo>
-                    <a:cubicBezTo>
-                      <a:pt x="480" y="374"/>
-                      <a:pt x="480" y="374"/>
-                      <a:pt x="480" y="374"/>
-                    </a:cubicBezTo>
-                    <a:cubicBezTo>
-                      <a:pt x="480" y="433"/>
-                      <a:pt x="432" y="481"/>
-                      <a:pt x="374" y="481"/>
-                    </a:cubicBezTo>
-                    <a:cubicBezTo>
-                      <a:pt x="106" y="481"/>
-                      <a:pt x="106" y="481"/>
-                      <a:pt x="106" y="481"/>
-                    </a:cubicBezTo>
-                    <a:cubicBezTo>
-                      <a:pt x="48" y="481"/>
-                      <a:pt x="0" y="433"/>
-                      <a:pt x="0" y="374"/>
-                    </a:cubicBezTo>
-                    <a:cubicBezTo>
-                      <a:pt x="0" y="107"/>
-                      <a:pt x="0" y="107"/>
-                      <a:pt x="0" y="107"/>
-                    </a:cubicBezTo>
-                    <a:cubicBezTo>
-                      <a:pt x="0" y="48"/>
-                      <a:pt x="48" y="0"/>
-                      <a:pt x="106" y="0"/>
-                    </a:cubicBezTo>
-                    <a:cubicBezTo>
-                      <a:pt x="374" y="0"/>
-                      <a:pt x="374" y="0"/>
-                      <a:pt x="374" y="0"/>
-                    </a:cubicBezTo>
-                    <a:cubicBezTo>
-                      <a:pt x="432" y="0"/>
-                      <a:pt x="480" y="48"/>
-                      <a:pt x="480" y="107"/>
-                    </a:cubicBezTo>
-                    <a:close/>
-                    <a:moveTo>
-                      <a:pt x="215" y="326"/>
-                    </a:moveTo>
-                    <a:cubicBezTo>
-                      <a:pt x="226" y="326"/>
-                      <a:pt x="235" y="317"/>
-                      <a:pt x="235" y="306"/>
-                    </a:cubicBezTo>
-                    <a:cubicBezTo>
-                      <a:pt x="235" y="296"/>
-                      <a:pt x="226" y="287"/>
-                      <a:pt x="215" y="287"/>
-                    </a:cubicBezTo>
-                    <a:cubicBezTo>
-                      <a:pt x="204" y="287"/>
-                      <a:pt x="195" y="296"/>
-                      <a:pt x="195" y="306"/>
-                    </a:cubicBezTo>
-                    <a:cubicBezTo>
-                      <a:pt x="195" y="317"/>
-                      <a:pt x="204" y="326"/>
-                      <a:pt x="215" y="326"/>
-                    </a:cubicBezTo>
-                    <a:close/>
-                    <a:moveTo>
-                      <a:pt x="298" y="433"/>
-                    </a:moveTo>
-                    <a:cubicBezTo>
-                      <a:pt x="269" y="355"/>
-                      <a:pt x="269" y="355"/>
-                      <a:pt x="269" y="355"/>
-                    </a:cubicBezTo>
-                    <a:cubicBezTo>
-                      <a:pt x="252" y="355"/>
-                      <a:pt x="252" y="355"/>
-                      <a:pt x="252" y="355"/>
-                    </a:cubicBezTo>
-                    <a:cubicBezTo>
-                      <a:pt x="223" y="433"/>
-                      <a:pt x="223" y="433"/>
-                      <a:pt x="223" y="433"/>
-                    </a:cubicBezTo>
-                    <a:cubicBezTo>
-                      <a:pt x="237" y="433"/>
-                      <a:pt x="237" y="433"/>
-                      <a:pt x="237" y="433"/>
-                    </a:cubicBezTo>
-                    <a:cubicBezTo>
-                      <a:pt x="244" y="414"/>
-                      <a:pt x="244" y="414"/>
-                      <a:pt x="244" y="414"/>
-                    </a:cubicBezTo>
-                    <a:cubicBezTo>
-                      <a:pt x="277" y="414"/>
-                      <a:pt x="277" y="414"/>
-                      <a:pt x="277" y="414"/>
-                    </a:cubicBezTo>
-                    <a:cubicBezTo>
-                      <a:pt x="284" y="433"/>
-                      <a:pt x="284" y="433"/>
-                      <a:pt x="284" y="433"/>
-                    </a:cubicBezTo>
-                    <a:lnTo>
-                      <a:pt x="298" y="433"/>
-                    </a:lnTo>
-                    <a:close/>
-                    <a:moveTo>
-                      <a:pt x="307" y="326"/>
-                    </a:moveTo>
-                    <a:cubicBezTo>
-                      <a:pt x="318" y="326"/>
-                      <a:pt x="327" y="317"/>
-                      <a:pt x="327" y="306"/>
-                    </a:cubicBezTo>
-                    <a:cubicBezTo>
-                      <a:pt x="327" y="296"/>
-                      <a:pt x="318" y="287"/>
-                      <a:pt x="307" y="287"/>
-                    </a:cubicBezTo>
-                    <a:cubicBezTo>
-                      <a:pt x="296" y="287"/>
-                      <a:pt x="287" y="296"/>
-                      <a:pt x="287" y="306"/>
-                    </a:cubicBezTo>
-                    <a:cubicBezTo>
-                      <a:pt x="287" y="317"/>
-                      <a:pt x="296" y="326"/>
-                      <a:pt x="307" y="326"/>
-                    </a:cubicBezTo>
-                    <a:close/>
-                    <a:moveTo>
-                      <a:pt x="360" y="405"/>
-                    </a:moveTo>
-                    <a:cubicBezTo>
-                      <a:pt x="360" y="384"/>
-                      <a:pt x="349" y="377"/>
-                      <a:pt x="338" y="377"/>
-                    </a:cubicBezTo>
-                    <a:cubicBezTo>
-                      <a:pt x="328" y="377"/>
-                      <a:pt x="322" y="382"/>
-                      <a:pt x="319" y="387"/>
-                    </a:cubicBezTo>
-                    <a:cubicBezTo>
-                      <a:pt x="319" y="387"/>
-                      <a:pt x="319" y="387"/>
-                      <a:pt x="319" y="387"/>
-                    </a:cubicBezTo>
-                    <a:cubicBezTo>
-                      <a:pt x="318" y="379"/>
-                      <a:pt x="318" y="379"/>
-                      <a:pt x="318" y="379"/>
-                    </a:cubicBezTo>
-                    <a:cubicBezTo>
-                      <a:pt x="306" y="379"/>
-                      <a:pt x="306" y="379"/>
-                      <a:pt x="306" y="379"/>
-                    </a:cubicBezTo>
-                    <a:cubicBezTo>
-                      <a:pt x="306" y="453"/>
-                      <a:pt x="306" y="453"/>
-                      <a:pt x="306" y="453"/>
-                    </a:cubicBezTo>
-                    <a:cubicBezTo>
-                      <a:pt x="320" y="453"/>
-                      <a:pt x="320" y="453"/>
-                      <a:pt x="320" y="453"/>
-                    </a:cubicBezTo>
-                    <a:cubicBezTo>
-                      <a:pt x="320" y="427"/>
-                      <a:pt x="320" y="427"/>
-                      <a:pt x="320" y="427"/>
-                    </a:cubicBezTo>
-                    <a:cubicBezTo>
-                      <a:pt x="320" y="427"/>
-                      <a:pt x="320" y="427"/>
-                      <a:pt x="320" y="427"/>
-                    </a:cubicBezTo>
-                    <a:cubicBezTo>
-                      <a:pt x="323" y="432"/>
-                      <a:pt x="329" y="435"/>
-                      <a:pt x="335" y="435"/>
-                    </a:cubicBezTo>
-                    <a:cubicBezTo>
-                      <a:pt x="351" y="435"/>
-                      <a:pt x="360" y="424"/>
-                      <a:pt x="360" y="405"/>
-                    </a:cubicBezTo>
-                    <a:close/>
-                    <a:moveTo>
-                      <a:pt x="363" y="158"/>
-                    </a:moveTo>
-                    <a:cubicBezTo>
-                      <a:pt x="363" y="152"/>
-                      <a:pt x="358" y="147"/>
-                      <a:pt x="351" y="147"/>
-                    </a:cubicBezTo>
-                    <a:cubicBezTo>
-                      <a:pt x="181" y="147"/>
-                      <a:pt x="181" y="147"/>
-                      <a:pt x="181" y="147"/>
-                    </a:cubicBezTo>
-                    <a:cubicBezTo>
-                      <a:pt x="179" y="137"/>
-                      <a:pt x="179" y="137"/>
-                      <a:pt x="179" y="137"/>
-                    </a:cubicBezTo>
-                    <a:cubicBezTo>
-                      <a:pt x="176" y="127"/>
-                      <a:pt x="167" y="120"/>
-                      <a:pt x="157" y="120"/>
-                    </a:cubicBezTo>
-                    <a:cubicBezTo>
-                      <a:pt x="129" y="120"/>
-                      <a:pt x="129" y="120"/>
-                      <a:pt x="129" y="120"/>
-                    </a:cubicBezTo>
-                    <a:cubicBezTo>
-                      <a:pt x="122" y="120"/>
-                      <a:pt x="117" y="125"/>
-                      <a:pt x="117" y="132"/>
-                    </a:cubicBezTo>
-                    <a:cubicBezTo>
-                      <a:pt x="117" y="139"/>
-                      <a:pt x="122" y="144"/>
-                      <a:pt x="129" y="144"/>
-                    </a:cubicBezTo>
-                    <a:cubicBezTo>
-                      <a:pt x="156" y="144"/>
-                      <a:pt x="156" y="144"/>
-                      <a:pt x="156" y="144"/>
-                    </a:cubicBezTo>
-                    <a:cubicBezTo>
-                      <a:pt x="188" y="267"/>
-                      <a:pt x="188" y="267"/>
-                      <a:pt x="188" y="267"/>
-                    </a:cubicBezTo>
-                    <a:cubicBezTo>
-                      <a:pt x="191" y="276"/>
-                      <a:pt x="200" y="283"/>
-                      <a:pt x="210" y="283"/>
-                    </a:cubicBezTo>
-                    <a:cubicBezTo>
-                      <a:pt x="312" y="283"/>
-                      <a:pt x="312" y="283"/>
-                      <a:pt x="312" y="283"/>
-                    </a:cubicBezTo>
-                    <a:cubicBezTo>
-                      <a:pt x="322" y="283"/>
-                      <a:pt x="331" y="276"/>
-                      <a:pt x="334" y="267"/>
-                    </a:cubicBezTo>
-                    <a:cubicBezTo>
-                      <a:pt x="361" y="169"/>
-                      <a:pt x="361" y="169"/>
-                      <a:pt x="361" y="169"/>
-                    </a:cubicBezTo>
-                    <a:cubicBezTo>
-                      <a:pt x="362" y="164"/>
-                      <a:pt x="363" y="161"/>
-                      <a:pt x="363" y="158"/>
-                    </a:cubicBezTo>
-                    <a:close/>
-                    <a:moveTo>
-                      <a:pt x="423" y="405"/>
-                    </a:moveTo>
-                    <a:cubicBezTo>
-                      <a:pt x="423" y="384"/>
-                      <a:pt x="412" y="377"/>
-                      <a:pt x="401" y="377"/>
-                    </a:cubicBezTo>
-                    <a:cubicBezTo>
-                      <a:pt x="391" y="377"/>
-                      <a:pt x="385" y="382"/>
-                      <a:pt x="383" y="387"/>
-                    </a:cubicBezTo>
-                    <a:cubicBezTo>
-                      <a:pt x="382" y="387"/>
-                      <a:pt x="382" y="387"/>
-                      <a:pt x="382" y="387"/>
-                    </a:cubicBezTo>
-                    <a:cubicBezTo>
-                      <a:pt x="381" y="379"/>
-                      <a:pt x="381" y="379"/>
-                      <a:pt x="381" y="379"/>
-                    </a:cubicBezTo>
-                    <a:cubicBezTo>
-                      <a:pt x="370" y="379"/>
-                      <a:pt x="370" y="379"/>
-                      <a:pt x="370" y="379"/>
-                    </a:cubicBezTo>
-                    <a:cubicBezTo>
-                      <a:pt x="370" y="453"/>
-                      <a:pt x="370" y="453"/>
-                      <a:pt x="370" y="453"/>
-                    </a:cubicBezTo>
-                    <a:cubicBezTo>
-                      <a:pt x="383" y="453"/>
-                      <a:pt x="383" y="453"/>
-                      <a:pt x="383" y="453"/>
-                    </a:cubicBezTo>
-                    <a:cubicBezTo>
-                      <a:pt x="383" y="427"/>
-                      <a:pt x="383" y="427"/>
-                      <a:pt x="383" y="427"/>
-                    </a:cubicBezTo>
-                    <a:cubicBezTo>
-                      <a:pt x="383" y="427"/>
-                      <a:pt x="383" y="427"/>
-                      <a:pt x="383" y="427"/>
-                    </a:cubicBezTo>
-                    <a:cubicBezTo>
-                      <a:pt x="386" y="432"/>
-                      <a:pt x="392" y="435"/>
-                      <a:pt x="399" y="435"/>
-                    </a:cubicBezTo>
-                    <a:cubicBezTo>
-                      <a:pt x="414" y="435"/>
-                      <a:pt x="423" y="424"/>
-                      <a:pt x="423" y="405"/>
-                    </a:cubicBezTo>
-                    <a:close/>
-                    <a:moveTo>
-                      <a:pt x="397" y="386"/>
-                    </a:moveTo>
-                    <a:cubicBezTo>
-                      <a:pt x="388" y="386"/>
-                      <a:pt x="382" y="393"/>
-                      <a:pt x="382" y="406"/>
-                    </a:cubicBezTo>
-                    <a:cubicBezTo>
-                      <a:pt x="382" y="420"/>
-                      <a:pt x="387" y="425"/>
-                      <a:pt x="396" y="425"/>
-                    </a:cubicBezTo>
-                    <a:cubicBezTo>
-                      <a:pt x="405" y="425"/>
-                      <a:pt x="409" y="419"/>
-                      <a:pt x="409" y="405"/>
-                    </a:cubicBezTo>
-                    <a:cubicBezTo>
-                      <a:pt x="409" y="392"/>
-                      <a:pt x="405" y="386"/>
-                      <a:pt x="397" y="386"/>
-                    </a:cubicBezTo>
-                    <a:close/>
-                  </a:path>
-                </a:pathLst>
-              </a:custGeom>
-              <a:solidFill>
-                <a:schemeClr val="bg1">
-                  <a:lumMod val="75000"/>
-                </a:schemeClr>
-              </a:solidFill>
-              <a:ln>
-                <a:noFill/>
-              </a:ln>
-            </p:spPr>
-            <p:txBody>
-              <a:bodyPr vert="horz" wrap="square" lIns="91440" tIns="45720" rIns="91440" bIns="45720" numCol="1" anchor="t" anchorCtr="0" compatLnSpc="1">
-                <a:prstTxWarp prst="textNoShape">
-                  <a:avLst/>
-                </a:prstTxWarp>
-              </a:bodyPr>
-              <a:lstStyle/>
-              <a:p>
-                <a:pPr defTabSz="914418">
-                  <a:defRPr/>
-                </a:pPr>
-                <a:endParaRPr lang="en-US" sz="1600" kern="0">
-                  <a:solidFill>
-                    <a:srgbClr val="FFFFFF"/>
-                  </a:solidFill>
-                  <a:latin typeface="Arial" panose="020B0604020202020204" pitchFamily="34" charset="0"/>
-                  <a:cs typeface="Arial" panose="020B0604020202020204" pitchFamily="34" charset="0"/>
-                </a:endParaRPr>
-              </a:p>
-            </p:txBody>
-          </p:sp>
-          <p:sp>
-            <p:nvSpPr>
-              <p:cNvPr id="580" name="Freeform 270">
-                <a:extLst>
-                  <a:ext uri="{FF2B5EF4-FFF2-40B4-BE49-F238E27FC236}">
-                    <a16:creationId xmlns:a16="http://schemas.microsoft.com/office/drawing/2014/main" id="{E5798FDF-4043-7B4E-8AB5-F53151DE1EA1}"/>
-                  </a:ext>
-                </a:extLst>
-              </p:cNvPr>
-              <p:cNvSpPr/>
-              <p:nvPr/>
-            </p:nvSpPr>
-            <p:spPr>
-              <a:xfrm rot="10800000">
-                <a:off x="9507140" y="6065367"/>
-                <a:ext cx="338617" cy="133192"/>
-              </a:xfrm>
-              <a:custGeom>
-                <a:avLst/>
-                <a:gdLst>
-                  <a:gd name="connsiteX0" fmla="*/ 0 w 1539358"/>
-                  <a:gd name="connsiteY0" fmla="*/ 23091 h 254000"/>
-                  <a:gd name="connsiteX1" fmla="*/ 261691 w 1539358"/>
-                  <a:gd name="connsiteY1" fmla="*/ 254000 h 254000"/>
-                  <a:gd name="connsiteX2" fmla="*/ 1277667 w 1539358"/>
-                  <a:gd name="connsiteY2" fmla="*/ 254000 h 254000"/>
-                  <a:gd name="connsiteX3" fmla="*/ 1539358 w 1539358"/>
-                  <a:gd name="connsiteY3" fmla="*/ 0 h 254000"/>
-                  <a:gd name="connsiteX4" fmla="*/ 0 w 1539358"/>
-                  <a:gd name="connsiteY4" fmla="*/ 23091 h 254000"/>
-                  <a:gd name="connsiteX0" fmla="*/ 0 w 1553628"/>
-                  <a:gd name="connsiteY0" fmla="*/ 0 h 255882"/>
-                  <a:gd name="connsiteX1" fmla="*/ 275961 w 1553628"/>
-                  <a:gd name="connsiteY1" fmla="*/ 255882 h 255882"/>
-                  <a:gd name="connsiteX2" fmla="*/ 1291937 w 1553628"/>
-                  <a:gd name="connsiteY2" fmla="*/ 255882 h 255882"/>
-                  <a:gd name="connsiteX3" fmla="*/ 1553628 w 1553628"/>
-                  <a:gd name="connsiteY3" fmla="*/ 1882 h 255882"/>
-                  <a:gd name="connsiteX4" fmla="*/ 0 w 1553628"/>
-                  <a:gd name="connsiteY4" fmla="*/ 0 h 255882"/>
-                  <a:gd name="connsiteX0" fmla="*/ 0 w 1553628"/>
-                  <a:gd name="connsiteY0" fmla="*/ 0 h 258592"/>
-                  <a:gd name="connsiteX1" fmla="*/ 275961 w 1553628"/>
-                  <a:gd name="connsiteY1" fmla="*/ 255882 h 258592"/>
-                  <a:gd name="connsiteX2" fmla="*/ 1253654 w 1553628"/>
-                  <a:gd name="connsiteY2" fmla="*/ 258592 h 258592"/>
-                  <a:gd name="connsiteX3" fmla="*/ 1553628 w 1553628"/>
-                  <a:gd name="connsiteY3" fmla="*/ 1882 h 258592"/>
-                  <a:gd name="connsiteX4" fmla="*/ 0 w 1553628"/>
-                  <a:gd name="connsiteY4" fmla="*/ 0 h 258592"/>
-                  <a:gd name="connsiteX0" fmla="*/ 0 w 2080032"/>
-                  <a:gd name="connsiteY0" fmla="*/ 3538 h 262130"/>
-                  <a:gd name="connsiteX1" fmla="*/ 275961 w 2080032"/>
-                  <a:gd name="connsiteY1" fmla="*/ 259420 h 262130"/>
-                  <a:gd name="connsiteX2" fmla="*/ 1253654 w 2080032"/>
-                  <a:gd name="connsiteY2" fmla="*/ 262130 h 262130"/>
-                  <a:gd name="connsiteX3" fmla="*/ 2080032 w 2080032"/>
-                  <a:gd name="connsiteY3" fmla="*/ 0 h 262130"/>
-                  <a:gd name="connsiteX4" fmla="*/ 0 w 2080032"/>
-                  <a:gd name="connsiteY4" fmla="*/ 3538 h 262130"/>
-                  <a:gd name="connsiteX0" fmla="*/ 0 w 2616007"/>
-                  <a:gd name="connsiteY0" fmla="*/ 828 h 262130"/>
-                  <a:gd name="connsiteX1" fmla="*/ 811936 w 2616007"/>
-                  <a:gd name="connsiteY1" fmla="*/ 259420 h 262130"/>
-                  <a:gd name="connsiteX2" fmla="*/ 1789629 w 2616007"/>
-                  <a:gd name="connsiteY2" fmla="*/ 262130 h 262130"/>
-                  <a:gd name="connsiteX3" fmla="*/ 2616007 w 2616007"/>
-                  <a:gd name="connsiteY3" fmla="*/ 0 h 262130"/>
-                  <a:gd name="connsiteX4" fmla="*/ 0 w 2616007"/>
-                  <a:gd name="connsiteY4" fmla="*/ 828 h 262130"/>
-                </a:gdLst>
-                <a:ahLst/>
-                <a:cxnLst>
-                  <a:cxn ang="0">
-                    <a:pos x="connsiteX0" y="connsiteY0"/>
-                  </a:cxn>
-                  <a:cxn ang="0">
-                    <a:pos x="connsiteX1" y="connsiteY1"/>
-                  </a:cxn>
-                  <a:cxn ang="0">
-                    <a:pos x="connsiteX2" y="connsiteY2"/>
-                  </a:cxn>
-                  <a:cxn ang="0">
-                    <a:pos x="connsiteX3" y="connsiteY3"/>
-                  </a:cxn>
-                  <a:cxn ang="0">
-                    <a:pos x="connsiteX4" y="connsiteY4"/>
-                  </a:cxn>
-                </a:cxnLst>
-                <a:rect l="l" t="t" r="r" b="b"/>
-                <a:pathLst>
-                  <a:path w="2616007" h="262130">
-                    <a:moveTo>
-                      <a:pt x="0" y="828"/>
-                    </a:moveTo>
-                    <a:lnTo>
-                      <a:pt x="811936" y="259420"/>
-                    </a:lnTo>
-                    <a:lnTo>
-                      <a:pt x="1789629" y="262130"/>
-                    </a:lnTo>
-                    <a:lnTo>
-                      <a:pt x="2616007" y="0"/>
-                    </a:lnTo>
-                    <a:lnTo>
-                      <a:pt x="0" y="828"/>
-                    </a:lnTo>
-                    <a:close/>
-                  </a:path>
-                </a:pathLst>
-              </a:custGeom>
-              <a:gradFill flip="none" rotWithShape="1">
-                <a:gsLst>
-                  <a:gs pos="0">
-                    <a:srgbClr val="777877"/>
-                  </a:gs>
-                  <a:gs pos="100000">
-                    <a:srgbClr val="FFFFFF">
-                      <a:alpha val="0"/>
-                    </a:srgbClr>
-                  </a:gs>
-                </a:gsLst>
-                <a:lin ang="16200000" scaled="0"/>
-                <a:tileRect/>
-              </a:gradFill>
-            </p:spPr>
-            <p:txBody>
-              <a:bodyPr vert="horz" wrap="square" lIns="182880" tIns="0" rIns="91440" bIns="0" rtlCol="0" anchor="ctr">
-                <a:noAutofit/>
-              </a:bodyPr>
-              <a:lstStyle/>
-              <a:p>
-                <a:pPr algn="ctr">
-                  <a:lnSpc>
-                    <a:spcPct val="90000"/>
-                  </a:lnSpc>
-                  <a:defRPr/>
-                </a:pPr>
-                <a:r>
-                  <a:rPr lang="en-US" sz="2117" kern="0" cap="all" dirty="0">
-                    <a:solidFill>
-                      <a:srgbClr val="FFFFFF"/>
-                    </a:solidFill>
-                    <a:effectLst>
-                      <a:outerShdw blurRad="38100" dist="25400" dir="2700000" algn="tl">
-                        <a:srgbClr val="000000">
-                          <a:alpha val="0"/>
-                        </a:srgbClr>
-                      </a:outerShdw>
-                    </a:effectLst>
-                    <a:latin typeface="Arial"/>
-                    <a:cs typeface="Arial" panose="020B0604020202020204" pitchFamily="34" charset="0"/>
-                  </a:rPr>
-                  <a:t> </a:t>
-                </a:r>
-              </a:p>
-            </p:txBody>
-          </p:sp>
-        </p:grpSp>
-      </p:grpSp>
-      <p:pic>
-        <p:nvPicPr>
-          <p:cNvPr id="581" name="Picture 2" descr="Image result for docker">
-            <a:extLst>
-              <a:ext uri="{FF2B5EF4-FFF2-40B4-BE49-F238E27FC236}">
-                <a16:creationId xmlns:a16="http://schemas.microsoft.com/office/drawing/2014/main" id="{3C0E4426-6E7E-614A-BEE3-98B610CA4890}"/>
-              </a:ext>
-            </a:extLst>
-          </p:cNvPr>
-          <p:cNvPicPr>
-            <a:picLocks noChangeAspect="1" noChangeArrowheads="1"/>
-          </p:cNvPicPr>
-          <p:nvPr/>
-        </p:nvPicPr>
-        <p:blipFill>
-          <a:blip r:embed="rId4">
-            <a:extLst>
-              <a:ext uri="{28A0092B-C50C-407E-A947-70E740481C1C}">
-                <a14:useLocalDpi xmlns:a14="http://schemas.microsoft.com/office/drawing/2010/main" val="0"/>
-              </a:ext>
-            </a:extLst>
-          </a:blip>
-          <a:srcRect/>
-          <a:stretch>
-            <a:fillRect/>
-          </a:stretch>
-        </p:blipFill>
-        <p:spPr bwMode="auto">
-          <a:xfrm>
-            <a:off x="11752733" y="12092486"/>
-            <a:ext cx="406858" cy="362996"/>
-          </a:xfrm>
-          <a:prstGeom prst="rect">
-            <a:avLst/>
-          </a:prstGeom>
-          <a:ln>
-            <a:noFill/>
-          </a:ln>
-          <a:effectLst>
-            <a:outerShdw blurRad="190500" algn="tl" rotWithShape="0">
-              <a:srgbClr val="000000">
-                <a:alpha val="70000"/>
-              </a:srgbClr>
-            </a:outerShdw>
-          </a:effectLst>
-          <a:extLst>
-            <a:ext uri="{909E8E84-426E-40DD-AFC4-6F175D3DCCD1}">
-              <a14:hiddenFill xmlns:a14="http://schemas.microsoft.com/office/drawing/2010/main">
-                <a:solidFill>
-                  <a:srgbClr val="FFFFFF"/>
-                </a:solidFill>
-              </a14:hiddenFill>
-            </a:ext>
-          </a:extLst>
-        </p:spPr>
-      </p:pic>
-      <p:pic>
-        <p:nvPicPr>
-          <p:cNvPr id="582" name="Picture 2" descr="Image result for docker">
-            <a:extLst>
-              <a:ext uri="{FF2B5EF4-FFF2-40B4-BE49-F238E27FC236}">
-                <a16:creationId xmlns:a16="http://schemas.microsoft.com/office/drawing/2014/main" id="{BE775C38-A2FF-4349-9B75-FEE7BC9FFE65}"/>
-              </a:ext>
-            </a:extLst>
-          </p:cNvPr>
-          <p:cNvPicPr>
-            <a:picLocks noChangeAspect="1" noChangeArrowheads="1"/>
-          </p:cNvPicPr>
-          <p:nvPr/>
-        </p:nvPicPr>
-        <p:blipFill>
-          <a:blip r:embed="rId4">
-            <a:extLst>
-              <a:ext uri="{28A0092B-C50C-407E-A947-70E740481C1C}">
-                <a14:useLocalDpi xmlns:a14="http://schemas.microsoft.com/office/drawing/2010/main" val="0"/>
-              </a:ext>
-            </a:extLst>
-          </a:blip>
-          <a:srcRect/>
-          <a:stretch>
-            <a:fillRect/>
-          </a:stretch>
-        </p:blipFill>
-        <p:spPr bwMode="auto">
-          <a:xfrm>
-            <a:off x="12208395" y="12096788"/>
-            <a:ext cx="406858" cy="362996"/>
-          </a:xfrm>
-          <a:prstGeom prst="rect">
-            <a:avLst/>
-          </a:prstGeom>
-          <a:ln>
-            <a:noFill/>
-          </a:ln>
-          <a:effectLst>
-            <a:outerShdw blurRad="190500" algn="tl" rotWithShape="0">
-              <a:srgbClr val="000000">
-                <a:alpha val="70000"/>
-              </a:srgbClr>
-            </a:outerShdw>
-          </a:effectLst>
-          <a:extLst>
-            <a:ext uri="{909E8E84-426E-40DD-AFC4-6F175D3DCCD1}">
-              <a14:hiddenFill xmlns:a14="http://schemas.microsoft.com/office/drawing/2010/main">
-                <a:solidFill>
-                  <a:srgbClr val="FFFFFF"/>
-                </a:solidFill>
-              </a14:hiddenFill>
-            </a:ext>
-          </a:extLst>
-        </p:spPr>
-      </p:pic>
-      <p:cxnSp>
-        <p:nvCxnSpPr>
-          <p:cNvPr id="583" name="Straight Connector 582">
-            <a:extLst>
-              <a:ext uri="{FF2B5EF4-FFF2-40B4-BE49-F238E27FC236}">
-                <a16:creationId xmlns:a16="http://schemas.microsoft.com/office/drawing/2014/main" id="{71F3DE18-D334-A940-AB00-2062259CE9A0}"/>
-              </a:ext>
-            </a:extLst>
-          </p:cNvPr>
-          <p:cNvCxnSpPr>
-            <a:cxnSpLocks/>
-          </p:cNvCxnSpPr>
-          <p:nvPr/>
-        </p:nvCxnSpPr>
-        <p:spPr>
-          <a:xfrm flipV="1">
-            <a:off x="9159469" y="11529319"/>
-            <a:ext cx="2839490" cy="38724"/>
-          </a:xfrm>
-          <a:prstGeom prst="line">
-            <a:avLst/>
-          </a:prstGeom>
-          <a:ln w="19050">
-            <a:solidFill>
-              <a:schemeClr val="accent1"/>
-            </a:solidFill>
-          </a:ln>
-        </p:spPr>
-        <p:style>
-          <a:lnRef idx="1">
-            <a:schemeClr val="accent1"/>
-          </a:lnRef>
-          <a:fillRef idx="0">
-            <a:schemeClr val="accent1"/>
-          </a:fillRef>
-          <a:effectRef idx="0">
-            <a:schemeClr val="accent1"/>
-          </a:effectRef>
-          <a:fontRef idx="minor">
-            <a:schemeClr val="tx1"/>
-          </a:fontRef>
-        </p:style>
-      </p:cxnSp>
-      <p:sp>
-        <p:nvSpPr>
           <p:cNvPr id="585" name="Rectangle: Rounded Corners 718">
             <a:extLst>
               <a:ext uri="{FF2B5EF4-FFF2-40B4-BE49-F238E27FC236}">

--- a/docs/pptx/BlueprintDiag.pptx
+++ b/docs/pptx/BlueprintDiag.pptx
@@ -198,7 +198,7 @@
           <a:p>
             <a:fld id="{5E8AE13A-5A80-4F17-971D-03F4C3B28A8B}" type="datetimeFigureOut">
               <a:rPr lang="en-US" smtClean="0"/>
-              <a:t>7/27/20</a:t>
+              <a:t>7/30/20</a:t>
             </a:fld>
             <a:endParaRPr lang="en-US"/>
           </a:p>
@@ -1922,7 +1922,7 @@
           <a:p>
             <a:fld id="{24AFE612-74AD-4B6F-8D78-7C42EB8A6CD6}" type="datetimeFigureOut">
               <a:rPr lang="en-US" smtClean="0"/>
-              <a:t>7/27/20</a:t>
+              <a:t>7/30/20</a:t>
             </a:fld>
             <a:endParaRPr lang="en-US"/>
           </a:p>
@@ -2092,7 +2092,7 @@
           <a:p>
             <a:fld id="{24AFE612-74AD-4B6F-8D78-7C42EB8A6CD6}" type="datetimeFigureOut">
               <a:rPr lang="en-US" smtClean="0"/>
-              <a:t>7/27/20</a:t>
+              <a:t>7/30/20</a:t>
             </a:fld>
             <a:endParaRPr lang="en-US"/>
           </a:p>
@@ -2634,7 +2634,7 @@
           <a:p>
             <a:fld id="{24AFE612-74AD-4B6F-8D78-7C42EB8A6CD6}" type="datetimeFigureOut">
               <a:rPr lang="en-US" smtClean="0"/>
-              <a:t>7/27/20</a:t>
+              <a:t>7/30/20</a:t>
             </a:fld>
             <a:endParaRPr lang="en-US"/>
           </a:p>
@@ -2866,7 +2866,7 @@
           <a:p>
             <a:fld id="{24AFE612-74AD-4B6F-8D78-7C42EB8A6CD6}" type="datetimeFigureOut">
               <a:rPr lang="en-US" smtClean="0"/>
-              <a:t>7/27/20</a:t>
+              <a:t>7/30/20</a:t>
             </a:fld>
             <a:endParaRPr lang="en-US"/>
           </a:p>
@@ -3233,7 +3233,7 @@
           <a:p>
             <a:fld id="{24AFE612-74AD-4B6F-8D78-7C42EB8A6CD6}" type="datetimeFigureOut">
               <a:rPr lang="en-US" smtClean="0"/>
-              <a:t>7/27/20</a:t>
+              <a:t>7/30/20</a:t>
             </a:fld>
             <a:endParaRPr lang="en-US"/>
           </a:p>
@@ -3351,7 +3351,7 @@
           <a:p>
             <a:fld id="{24AFE612-74AD-4B6F-8D78-7C42EB8A6CD6}" type="datetimeFigureOut">
               <a:rPr lang="en-US" smtClean="0"/>
-              <a:t>7/27/20</a:t>
+              <a:t>7/30/20</a:t>
             </a:fld>
             <a:endParaRPr lang="en-US"/>
           </a:p>
@@ -3446,7 +3446,7 @@
           <a:p>
             <a:fld id="{24AFE612-74AD-4B6F-8D78-7C42EB8A6CD6}" type="datetimeFigureOut">
               <a:rPr lang="en-US" smtClean="0"/>
-              <a:t>7/27/20</a:t>
+              <a:t>7/30/20</a:t>
             </a:fld>
             <a:endParaRPr lang="en-US"/>
           </a:p>
@@ -3723,7 +3723,7 @@
           <a:p>
             <a:fld id="{24AFE612-74AD-4B6F-8D78-7C42EB8A6CD6}" type="datetimeFigureOut">
               <a:rPr lang="en-US" smtClean="0"/>
-              <a:t>7/27/20</a:t>
+              <a:t>7/30/20</a:t>
             </a:fld>
             <a:endParaRPr lang="en-US"/>
           </a:p>
@@ -3980,7 +3980,7 @@
           <a:p>
             <a:fld id="{24AFE612-74AD-4B6F-8D78-7C42EB8A6CD6}" type="datetimeFigureOut">
               <a:rPr lang="en-US" smtClean="0"/>
-              <a:t>7/27/20</a:t>
+              <a:t>7/30/20</a:t>
             </a:fld>
             <a:endParaRPr lang="en-US"/>
           </a:p>
@@ -4150,7 +4150,7 @@
           <a:p>
             <a:fld id="{24AFE612-74AD-4B6F-8D78-7C42EB8A6CD6}" type="datetimeFigureOut">
               <a:rPr lang="en-US" smtClean="0"/>
-              <a:t>7/27/20</a:t>
+              <a:t>7/30/20</a:t>
             </a:fld>
             <a:endParaRPr lang="en-US"/>
           </a:p>
@@ -4330,7 +4330,7 @@
           <a:p>
             <a:fld id="{24AFE612-74AD-4B6F-8D78-7C42EB8A6CD6}" type="datetimeFigureOut">
               <a:rPr lang="en-US" smtClean="0"/>
-              <a:t>7/27/20</a:t>
+              <a:t>7/30/20</a:t>
             </a:fld>
             <a:endParaRPr lang="en-US"/>
           </a:p>
@@ -7589,7 +7589,7 @@
           <a:p>
             <a:fld id="{24AFE612-74AD-4B6F-8D78-7C42EB8A6CD6}" type="datetimeFigureOut">
               <a:rPr lang="en-US" smtClean="0"/>
-              <a:t>7/27/20</a:t>
+              <a:t>7/30/20</a:t>
             </a:fld>
             <a:endParaRPr lang="en-US"/>
           </a:p>
@@ -9938,7 +9938,7 @@
                 </a:ln>
                 <a:extLst>
                   <a:ext uri="{91240B29-F687-4f45-9708-019B960494DF}">
-                    <a14:hiddenLine xmlns="" xmlns:a14="http://schemas.microsoft.com/office/drawing/2010/main" w="9525">
+                    <a14:hiddenLine xmlns:a14="http://schemas.microsoft.com/office/drawing/2010/main" xmlns="" w="9525">
                       <a:solidFill>
                         <a:srgbClr val="000000"/>
                       </a:solidFill>
@@ -10091,7 +10091,7 @@
                 </a:ln>
                 <a:extLst>
                   <a:ext uri="{91240B29-F687-4f45-9708-019B960494DF}">
-                    <a14:hiddenLine xmlns="" xmlns:a14="http://schemas.microsoft.com/office/drawing/2010/main" w="9525">
+                    <a14:hiddenLine xmlns:a14="http://schemas.microsoft.com/office/drawing/2010/main" xmlns="" w="9525">
                       <a:solidFill>
                         <a:srgbClr val="000000"/>
                       </a:solidFill>
@@ -10244,7 +10244,7 @@
                 </a:ln>
                 <a:extLst>
                   <a:ext uri="{91240B29-F687-4f45-9708-019B960494DF}">
-                    <a14:hiddenLine xmlns="" xmlns:a14="http://schemas.microsoft.com/office/drawing/2010/main" w="9525">
+                    <a14:hiddenLine xmlns:a14="http://schemas.microsoft.com/office/drawing/2010/main" xmlns="" w="9525">
                       <a:solidFill>
                         <a:srgbClr val="000000"/>
                       </a:solidFill>
@@ -10397,7 +10397,7 @@
                 </a:ln>
                 <a:extLst>
                   <a:ext uri="{91240B29-F687-4f45-9708-019B960494DF}">
-                    <a14:hiddenLine xmlns="" xmlns:a14="http://schemas.microsoft.com/office/drawing/2010/main" w="9525">
+                    <a14:hiddenLine xmlns:a14="http://schemas.microsoft.com/office/drawing/2010/main" xmlns="" w="9525">
                       <a:solidFill>
                         <a:srgbClr val="000000"/>
                       </a:solidFill>
@@ -10550,7 +10550,7 @@
                 </a:ln>
                 <a:extLst>
                   <a:ext uri="{91240B29-F687-4f45-9708-019B960494DF}">
-                    <a14:hiddenLine xmlns="" xmlns:a14="http://schemas.microsoft.com/office/drawing/2010/main" w="9525">
+                    <a14:hiddenLine xmlns:a14="http://schemas.microsoft.com/office/drawing/2010/main" xmlns="" w="9525">
                       <a:solidFill>
                         <a:srgbClr val="000000"/>
                       </a:solidFill>
@@ -10703,7 +10703,7 @@
                 </a:ln>
                 <a:extLst>
                   <a:ext uri="{91240B29-F687-4f45-9708-019B960494DF}">
-                    <a14:hiddenLine xmlns="" xmlns:a14="http://schemas.microsoft.com/office/drawing/2010/main" w="9525">
+                    <a14:hiddenLine xmlns:a14="http://schemas.microsoft.com/office/drawing/2010/main" xmlns="" w="9525">
                       <a:solidFill>
                         <a:srgbClr val="000000"/>
                       </a:solidFill>
@@ -10856,7 +10856,7 @@
                 </a:ln>
                 <a:extLst>
                   <a:ext uri="{91240B29-F687-4f45-9708-019B960494DF}">
-                    <a14:hiddenLine xmlns="" xmlns:a14="http://schemas.microsoft.com/office/drawing/2010/main" w="9525">
+                    <a14:hiddenLine xmlns:a14="http://schemas.microsoft.com/office/drawing/2010/main" xmlns="" w="9525">
                       <a:solidFill>
                         <a:srgbClr val="000000"/>
                       </a:solidFill>
@@ -11009,7 +11009,7 @@
                 </a:ln>
                 <a:extLst>
                   <a:ext uri="{91240B29-F687-4f45-9708-019B960494DF}">
-                    <a14:hiddenLine xmlns="" xmlns:a14="http://schemas.microsoft.com/office/drawing/2010/main" w="9525">
+                    <a14:hiddenLine xmlns:a14="http://schemas.microsoft.com/office/drawing/2010/main" xmlns="" w="9525">
                       <a:solidFill>
                         <a:srgbClr val="000000"/>
                       </a:solidFill>
@@ -11162,7 +11162,7 @@
                 </a:ln>
                 <a:extLst>
                   <a:ext uri="{91240B29-F687-4f45-9708-019B960494DF}">
-                    <a14:hiddenLine xmlns="" xmlns:a14="http://schemas.microsoft.com/office/drawing/2010/main" w="9525">
+                    <a14:hiddenLine xmlns:a14="http://schemas.microsoft.com/office/drawing/2010/main" xmlns="" w="9525">
                       <a:solidFill>
                         <a:srgbClr val="000000"/>
                       </a:solidFill>
@@ -11315,7 +11315,7 @@
                 </a:ln>
                 <a:extLst>
                   <a:ext uri="{91240B29-F687-4f45-9708-019B960494DF}">
-                    <a14:hiddenLine xmlns="" xmlns:a14="http://schemas.microsoft.com/office/drawing/2010/main" w="9525">
+                    <a14:hiddenLine xmlns:a14="http://schemas.microsoft.com/office/drawing/2010/main" xmlns="" w="9525">
                       <a:solidFill>
                         <a:srgbClr val="000000"/>
                       </a:solidFill>
@@ -11468,7 +11468,7 @@
                 </a:ln>
                 <a:extLst>
                   <a:ext uri="{91240B29-F687-4f45-9708-019B960494DF}">
-                    <a14:hiddenLine xmlns="" xmlns:a14="http://schemas.microsoft.com/office/drawing/2010/main" w="9525">
+                    <a14:hiddenLine xmlns:a14="http://schemas.microsoft.com/office/drawing/2010/main" xmlns="" w="9525">
                       <a:solidFill>
                         <a:srgbClr val="000000"/>
                       </a:solidFill>
@@ -11621,7 +11621,7 @@
                 </a:ln>
                 <a:extLst>
                   <a:ext uri="{91240B29-F687-4f45-9708-019B960494DF}">
-                    <a14:hiddenLine xmlns="" xmlns:a14="http://schemas.microsoft.com/office/drawing/2010/main" w="9525">
+                    <a14:hiddenLine xmlns:a14="http://schemas.microsoft.com/office/drawing/2010/main" xmlns="" w="9525">
                       <a:solidFill>
                         <a:srgbClr val="000000"/>
                       </a:solidFill>
@@ -11945,7 +11945,7 @@
           </a:ln>
           <a:extLst>
             <a:ext uri="{91240B29-F687-4f45-9708-019B960494DF}">
-              <a14:hiddenLine xmlns:a14="http://schemas.microsoft.com/office/drawing/2010/main" xmlns="" w="9525">
+              <a14:hiddenLine xmlns="" xmlns:a14="http://schemas.microsoft.com/office/drawing/2010/main" w="9525">
                 <a:solidFill>
                   <a:srgbClr val="000000"/>
                 </a:solidFill>
@@ -12113,14 +12113,14 @@
           </a:ln>
           <a:extLst>
             <a:ext uri="{909E8E84-426E-40dd-AFC4-6F175D3DCCD1}">
-              <a14:hiddenFill xmlns:a14="http://schemas.microsoft.com/office/drawing/2010/main" xmlns="">
+              <a14:hiddenFill xmlns="" xmlns:a14="http://schemas.microsoft.com/office/drawing/2010/main">
                 <a:solidFill>
                   <a:srgbClr val="FFFFFF"/>
                 </a:solidFill>
               </a14:hiddenFill>
             </a:ext>
             <a:ext uri="{91240B29-F687-4f45-9708-019B960494DF}">
-              <a14:hiddenLine xmlns:a14="http://schemas.microsoft.com/office/drawing/2010/main" xmlns="" w="9525">
+              <a14:hiddenLine xmlns="" xmlns:a14="http://schemas.microsoft.com/office/drawing/2010/main" w="9525">
                 <a:solidFill>
                   <a:srgbClr val="000000"/>
                 </a:solidFill>
@@ -12681,8 +12681,8 @@
         </p:nvSpPr>
         <p:spPr>
           <a:xfrm>
-            <a:off x="2949055" y="8069496"/>
-            <a:ext cx="1163264" cy="213937"/>
+            <a:off x="2949055" y="8037212"/>
+            <a:ext cx="1599038" cy="246221"/>
           </a:xfrm>
           <a:prstGeom prst="roundRect">
             <a:avLst>
@@ -13337,7 +13337,7 @@
           </a:ln>
           <a:extLst>
             <a:ext uri="{91240B29-F687-4f45-9708-019B960494DF}">
-              <a14:hiddenLine xmlns:a14="http://schemas.microsoft.com/office/drawing/2010/main" xmlns="" w="9525">
+              <a14:hiddenLine xmlns="" xmlns:a14="http://schemas.microsoft.com/office/drawing/2010/main" w="9525">
                 <a:solidFill>
                   <a:srgbClr val="000000"/>
                 </a:solidFill>
@@ -13619,7 +13619,7 @@
           </a:ln>
           <a:extLst>
             <a:ext uri="{91240B29-F687-4f45-9708-019B960494DF}">
-              <a14:hiddenLine xmlns:a14="http://schemas.microsoft.com/office/drawing/2010/main" xmlns="" w="9525">
+              <a14:hiddenLine xmlns="" xmlns:a14="http://schemas.microsoft.com/office/drawing/2010/main" w="9525">
                 <a:solidFill>
                   <a:srgbClr val="000000"/>
                 </a:solidFill>
@@ -13882,8 +13882,8 @@
         </p:nvSpPr>
         <p:spPr>
           <a:xfrm>
-            <a:off x="3008919" y="8050614"/>
-            <a:ext cx="1010864" cy="246221"/>
+            <a:off x="3029437" y="8020274"/>
+            <a:ext cx="1448627" cy="246221"/>
           </a:xfrm>
           <a:prstGeom prst="rect">
             <a:avLst/>
@@ -13905,7 +13905,7 @@
                 <a:latin typeface="Arial" panose="020B0604020202020204" pitchFamily="34" charset="0"/>
                 <a:cs typeface="Arial" panose="020B0604020202020204" pitchFamily="34" charset="0"/>
               </a:rPr>
-              <a:t>UDF Ravello</a:t>
+              <a:t>Lab Environment</a:t>
             </a:r>
           </a:p>
         </p:txBody>
@@ -14022,7 +14022,7 @@
                   <a:latin typeface="Arial" panose="020B0604020202020204" pitchFamily="34" charset="0"/>
                   <a:cs typeface="Arial" panose="020B0604020202020204" pitchFamily="34" charset="0"/>
                 </a:rPr>
-                <a:t>San Jose</a:t>
+                <a:t>San Jose DC</a:t>
               </a:r>
             </a:p>
           </p:txBody>
@@ -14120,7 +14120,7 @@
                 <a:latin typeface="Arial" panose="020B0604020202020204" pitchFamily="34" charset="0"/>
                 <a:cs typeface="Arial" panose="020B0604020202020204" pitchFamily="34" charset="0"/>
               </a:rPr>
-              <a:t> Boston </a:t>
+              <a:t> Boston DC </a:t>
             </a:r>
           </a:p>
         </p:txBody>
@@ -14217,7 +14217,7 @@
                 <a:latin typeface="Arial" panose="020B0604020202020204" pitchFamily="34" charset="0"/>
                 <a:cs typeface="Arial" panose="020B0604020202020204" pitchFamily="34" charset="0"/>
               </a:rPr>
-              <a:t>Seattle </a:t>
+              <a:t>Seattle DC </a:t>
             </a:r>
           </a:p>
         </p:txBody>
@@ -14413,7 +14413,7 @@
             </a:ln>
             <a:extLst>
               <a:ext uri="{91240B29-F687-4f45-9708-019B960494DF}">
-                <a14:hiddenLine xmlns:a14="http://schemas.microsoft.com/office/drawing/2010/main" xmlns="" w="9525">
+                <a14:hiddenLine xmlns="" xmlns:a14="http://schemas.microsoft.com/office/drawing/2010/main" w="9525">
                   <a:solidFill>
                     <a:srgbClr val="000000"/>
                   </a:solidFill>
@@ -14473,14 +14473,14 @@
             </a:ln>
             <a:extLst>
               <a:ext uri="{909E8E84-426E-40dd-AFC4-6F175D3DCCD1}">
-                <a14:hiddenFill xmlns:a14="http://schemas.microsoft.com/office/drawing/2010/main" xmlns="">
+                <a14:hiddenFill xmlns="" xmlns:a14="http://schemas.microsoft.com/office/drawing/2010/main">
                   <a:solidFill>
                     <a:srgbClr val="FFFFFF"/>
                   </a:solidFill>
                 </a14:hiddenFill>
               </a:ext>
               <a:ext uri="{91240B29-F687-4f45-9708-019B960494DF}">
-                <a14:hiddenLine xmlns:a14="http://schemas.microsoft.com/office/drawing/2010/main" xmlns="" w="9525">
+                <a14:hiddenLine xmlns="" xmlns:a14="http://schemas.microsoft.com/office/drawing/2010/main" w="9525">
                   <a:solidFill>
                     <a:srgbClr val="000000"/>
                   </a:solidFill>
@@ -14609,7 +14609,7 @@
             </a:ln>
             <a:extLst>
               <a:ext uri="{91240B29-F687-4f45-9708-019B960494DF}">
-                <a14:hiddenLine xmlns:a14="http://schemas.microsoft.com/office/drawing/2010/main" xmlns="" w="9525">
+                <a14:hiddenLine xmlns="" xmlns:a14="http://schemas.microsoft.com/office/drawing/2010/main" w="9525">
                   <a:solidFill>
                     <a:srgbClr val="000000"/>
                   </a:solidFill>
@@ -14754,7 +14754,7 @@
             </a:ln>
             <a:extLst>
               <a:ext uri="{91240B29-F687-4f45-9708-019B960494DF}">
-                <a14:hiddenLine xmlns:a14="http://schemas.microsoft.com/office/drawing/2010/main" xmlns="" w="9525">
+                <a14:hiddenLine xmlns="" xmlns:a14="http://schemas.microsoft.com/office/drawing/2010/main" w="9525">
                   <a:solidFill>
                     <a:srgbClr val="000000"/>
                   </a:solidFill>
@@ -14963,7 +14963,7 @@
             </a:ln>
             <a:extLst>
               <a:ext uri="{91240B29-F687-4f45-9708-019B960494DF}">
-                <a14:hiddenLine xmlns:a14="http://schemas.microsoft.com/office/drawing/2010/main" xmlns="" w="9525">
+                <a14:hiddenLine xmlns="" xmlns:a14="http://schemas.microsoft.com/office/drawing/2010/main" w="9525">
                   <a:solidFill>
                     <a:srgbClr val="000000"/>
                   </a:solidFill>
@@ -15123,7 +15123,7 @@
           </a:ln>
           <a:extLst>
             <a:ext uri="{91240B29-F687-4f45-9708-019B960494DF}">
-              <a14:hiddenLine xmlns:a14="http://schemas.microsoft.com/office/drawing/2010/main" xmlns="" w="9525">
+              <a14:hiddenLine xmlns="" xmlns:a14="http://schemas.microsoft.com/office/drawing/2010/main" w="9525">
                 <a:solidFill>
                   <a:srgbClr val="000000"/>
                 </a:solidFill>
@@ -15309,7 +15309,7 @@
           </a:ln>
           <a:extLst>
             <a:ext uri="{91240B29-F687-4f45-9708-019B960494DF}">
-              <a14:hiddenLine xmlns:a14="http://schemas.microsoft.com/office/drawing/2010/main" xmlns="" w="9525">
+              <a14:hiddenLine xmlns="" xmlns:a14="http://schemas.microsoft.com/office/drawing/2010/main" w="9525">
                 <a:solidFill>
                   <a:srgbClr val="000000"/>
                 </a:solidFill>
@@ -15528,7 +15528,7 @@
           </a:ln>
           <a:extLst>
             <a:ext uri="{91240B29-F687-4f45-9708-019B960494DF}">
-              <a14:hiddenLine xmlns:a14="http://schemas.microsoft.com/office/drawing/2010/main" xmlns="" w="9525">
+              <a14:hiddenLine xmlns="" xmlns:a14="http://schemas.microsoft.com/office/drawing/2010/main" w="9525">
                 <a:solidFill>
                   <a:srgbClr val="000000"/>
                 </a:solidFill>
@@ -15737,7 +15737,7 @@
           </a:ln>
           <a:extLst>
             <a:ext uri="{91240B29-F687-4f45-9708-019B960494DF}">
-              <a14:hiddenLine xmlns:a14="http://schemas.microsoft.com/office/drawing/2010/main" xmlns="" w="9525">
+              <a14:hiddenLine xmlns="" xmlns:a14="http://schemas.microsoft.com/office/drawing/2010/main" w="9525">
                 <a:solidFill>
                   <a:srgbClr val="000000"/>
                 </a:solidFill>
@@ -16229,7 +16229,7 @@
             </a:ln>
             <a:extLst>
               <a:ext uri="{91240B29-F687-4f45-9708-019B960494DF}">
-                <a14:hiddenLine xmlns:a14="http://schemas.microsoft.com/office/drawing/2010/main" xmlns="" w="9525">
+                <a14:hiddenLine xmlns="" xmlns:a14="http://schemas.microsoft.com/office/drawing/2010/main" w="9525">
                   <a:solidFill>
                     <a:srgbClr val="000000"/>
                   </a:solidFill>
@@ -16289,14 +16289,14 @@
             </a:ln>
             <a:extLst>
               <a:ext uri="{909E8E84-426E-40dd-AFC4-6F175D3DCCD1}">
-                <a14:hiddenFill xmlns:a14="http://schemas.microsoft.com/office/drawing/2010/main" xmlns="">
+                <a14:hiddenFill xmlns="" xmlns:a14="http://schemas.microsoft.com/office/drawing/2010/main">
                   <a:solidFill>
                     <a:srgbClr val="FFFFFF"/>
                   </a:solidFill>
                 </a14:hiddenFill>
               </a:ext>
               <a:ext uri="{91240B29-F687-4f45-9708-019B960494DF}">
-                <a14:hiddenLine xmlns:a14="http://schemas.microsoft.com/office/drawing/2010/main" xmlns="" w="9525">
+                <a14:hiddenLine xmlns="" xmlns:a14="http://schemas.microsoft.com/office/drawing/2010/main" w="9525">
                   <a:solidFill>
                     <a:srgbClr val="000000"/>
                   </a:solidFill>
@@ -16425,7 +16425,7 @@
             </a:ln>
             <a:extLst>
               <a:ext uri="{91240B29-F687-4f45-9708-019B960494DF}">
-                <a14:hiddenLine xmlns:a14="http://schemas.microsoft.com/office/drawing/2010/main" xmlns="" w="9525">
+                <a14:hiddenLine xmlns="" xmlns:a14="http://schemas.microsoft.com/office/drawing/2010/main" w="9525">
                   <a:solidFill>
                     <a:srgbClr val="000000"/>
                   </a:solidFill>
@@ -16570,7 +16570,7 @@
             </a:ln>
             <a:extLst>
               <a:ext uri="{91240B29-F687-4f45-9708-019B960494DF}">
-                <a14:hiddenLine xmlns:a14="http://schemas.microsoft.com/office/drawing/2010/main" xmlns="" w="9525">
+                <a14:hiddenLine xmlns="" xmlns:a14="http://schemas.microsoft.com/office/drawing/2010/main" w="9525">
                   <a:solidFill>
                     <a:srgbClr val="000000"/>
                   </a:solidFill>
@@ -16779,7 +16779,7 @@
             </a:ln>
             <a:extLst>
               <a:ext uri="{91240B29-F687-4f45-9708-019B960494DF}">
-                <a14:hiddenLine xmlns:a14="http://schemas.microsoft.com/office/drawing/2010/main" xmlns="" w="9525">
+                <a14:hiddenLine xmlns="" xmlns:a14="http://schemas.microsoft.com/office/drawing/2010/main" w="9525">
                   <a:solidFill>
                     <a:srgbClr val="000000"/>
                   </a:solidFill>
@@ -16862,14 +16862,14 @@
             </a:ln>
             <a:extLst>
               <a:ext uri="{909E8E84-426E-40dd-AFC4-6F175D3DCCD1}">
-                <a14:hiddenFill xmlns:a14="http://schemas.microsoft.com/office/drawing/2010/main" xmlns="">
+                <a14:hiddenFill xmlns="" xmlns:a14="http://schemas.microsoft.com/office/drawing/2010/main">
                   <a:solidFill>
                     <a:srgbClr val="FFFFFF"/>
                   </a:solidFill>
                 </a14:hiddenFill>
               </a:ext>
               <a:ext uri="{91240B29-F687-4f45-9708-019B960494DF}">
-                <a14:hiddenLine xmlns:a14="http://schemas.microsoft.com/office/drawing/2010/main" xmlns="" w="9525">
+                <a14:hiddenLine xmlns="" xmlns:a14="http://schemas.microsoft.com/office/drawing/2010/main" w="9525">
                   <a:solidFill>
                     <a:srgbClr val="000000"/>
                   </a:solidFill>
@@ -17028,7 +17028,7 @@
             </a:ln>
             <a:extLst>
               <a:ext uri="{91240B29-F687-4f45-9708-019B960494DF}">
-                <a14:hiddenLine xmlns:a14="http://schemas.microsoft.com/office/drawing/2010/main" xmlns="" w="9525">
+                <a14:hiddenLine xmlns="" xmlns:a14="http://schemas.microsoft.com/office/drawing/2010/main" w="9525">
                   <a:solidFill>
                     <a:srgbClr val="000000"/>
                   </a:solidFill>
@@ -17214,7 +17214,7 @@
             </a:ln>
             <a:extLst>
               <a:ext uri="{91240B29-F687-4f45-9708-019B960494DF}">
-                <a14:hiddenLine xmlns:a14="http://schemas.microsoft.com/office/drawing/2010/main" xmlns="" w="9525">
+                <a14:hiddenLine xmlns="" xmlns:a14="http://schemas.microsoft.com/office/drawing/2010/main" w="9525">
                   <a:solidFill>
                     <a:srgbClr val="000000"/>
                   </a:solidFill>
@@ -17420,7 +17420,7 @@
             </a:ln>
             <a:extLst>
               <a:ext uri="{91240B29-F687-4f45-9708-019B960494DF}">
-                <a14:hiddenLine xmlns:a14="http://schemas.microsoft.com/office/drawing/2010/main" xmlns="" w="9525">
+                <a14:hiddenLine xmlns="" xmlns:a14="http://schemas.microsoft.com/office/drawing/2010/main" w="9525">
                   <a:solidFill>
                     <a:srgbClr val="000000"/>
                   </a:solidFill>
@@ -17629,7 +17629,7 @@
             </a:ln>
             <a:extLst>
               <a:ext uri="{91240B29-F687-4f45-9708-019B960494DF}">
-                <a14:hiddenLine xmlns:a14="http://schemas.microsoft.com/office/drawing/2010/main" xmlns="" w="9525">
+                <a14:hiddenLine xmlns="" xmlns:a14="http://schemas.microsoft.com/office/drawing/2010/main" w="9525">
                   <a:solidFill>
                     <a:srgbClr val="000000"/>
                   </a:solidFill>
@@ -17712,14 +17712,14 @@
             </a:ln>
             <a:extLst>
               <a:ext uri="{909E8E84-426E-40dd-AFC4-6F175D3DCCD1}">
-                <a14:hiddenFill xmlns:a14="http://schemas.microsoft.com/office/drawing/2010/main" xmlns="">
+                <a14:hiddenFill xmlns="" xmlns:a14="http://schemas.microsoft.com/office/drawing/2010/main">
                   <a:solidFill>
                     <a:srgbClr val="FFFFFF"/>
                   </a:solidFill>
                 </a14:hiddenFill>
               </a:ext>
               <a:ext uri="{91240B29-F687-4f45-9708-019B960494DF}">
-                <a14:hiddenLine xmlns:a14="http://schemas.microsoft.com/office/drawing/2010/main" xmlns="" w="9525">
+                <a14:hiddenLine xmlns="" xmlns:a14="http://schemas.microsoft.com/office/drawing/2010/main" w="9525">
                   <a:solidFill>
                     <a:srgbClr val="000000"/>
                   </a:solidFill>
@@ -17878,7 +17878,7 @@
             </a:ln>
             <a:extLst>
               <a:ext uri="{91240B29-F687-4f45-9708-019B960494DF}">
-                <a14:hiddenLine xmlns:a14="http://schemas.microsoft.com/office/drawing/2010/main" xmlns="" w="9525">
+                <a14:hiddenLine xmlns="" xmlns:a14="http://schemas.microsoft.com/office/drawing/2010/main" w="9525">
                   <a:solidFill>
                     <a:srgbClr val="000000"/>
                   </a:solidFill>
@@ -18064,7 +18064,7 @@
             </a:ln>
             <a:extLst>
               <a:ext uri="{91240B29-F687-4f45-9708-019B960494DF}">
-                <a14:hiddenLine xmlns:a14="http://schemas.microsoft.com/office/drawing/2010/main" xmlns="" w="9525">
+                <a14:hiddenLine xmlns="" xmlns:a14="http://schemas.microsoft.com/office/drawing/2010/main" w="9525">
                   <a:solidFill>
                     <a:srgbClr val="000000"/>
                   </a:solidFill>
@@ -18283,7 +18283,7 @@
             </a:ln>
             <a:extLst>
               <a:ext uri="{91240B29-F687-4f45-9708-019B960494DF}">
-                <a14:hiddenLine xmlns:a14="http://schemas.microsoft.com/office/drawing/2010/main" xmlns="" w="9525">
+                <a14:hiddenLine xmlns="" xmlns:a14="http://schemas.microsoft.com/office/drawing/2010/main" w="9525">
                   <a:solidFill>
                     <a:srgbClr val="000000"/>
                   </a:solidFill>
@@ -18492,7 +18492,7 @@
             </a:ln>
             <a:extLst>
               <a:ext uri="{91240B29-F687-4f45-9708-019B960494DF}">
-                <a14:hiddenLine xmlns:a14="http://schemas.microsoft.com/office/drawing/2010/main" xmlns="" w="9525">
+                <a14:hiddenLine xmlns="" xmlns:a14="http://schemas.microsoft.com/office/drawing/2010/main" w="9525">
                   <a:solidFill>
                     <a:srgbClr val="000000"/>
                   </a:solidFill>
@@ -18573,14 +18573,14 @@
             </a:ln>
             <a:extLst>
               <a:ext uri="{909E8E84-426E-40dd-AFC4-6F175D3DCCD1}">
-                <a14:hiddenFill xmlns="" xmlns:a14="http://schemas.microsoft.com/office/drawing/2010/main">
+                <a14:hiddenFill xmlns:a14="http://schemas.microsoft.com/office/drawing/2010/main" xmlns="">
                   <a:solidFill>
                     <a:srgbClr val="FFFFFF"/>
                   </a:solidFill>
                 </a14:hiddenFill>
               </a:ext>
               <a:ext uri="{91240B29-F687-4f45-9708-019B960494DF}">
-                <a14:hiddenLine xmlns="" xmlns:a14="http://schemas.microsoft.com/office/drawing/2010/main" w="9525">
+                <a14:hiddenLine xmlns:a14="http://schemas.microsoft.com/office/drawing/2010/main" xmlns="" w="9525">
                   <a:solidFill>
                     <a:srgbClr val="000000"/>
                   </a:solidFill>
@@ -18736,7 +18736,7 @@
             </a:ln>
             <a:extLst>
               <a:ext uri="{91240B29-F687-4f45-9708-019B960494DF}">
-                <a14:hiddenLine xmlns="" xmlns:a14="http://schemas.microsoft.com/office/drawing/2010/main" w="9525">
+                <a14:hiddenLine xmlns:a14="http://schemas.microsoft.com/office/drawing/2010/main" xmlns="" w="9525">
                   <a:solidFill>
                     <a:srgbClr val="000000"/>
                   </a:solidFill>
@@ -18852,14 +18852,14 @@
             </a:ln>
             <a:extLst>
               <a:ext uri="{909E8E84-426E-40dd-AFC4-6F175D3DCCD1}">
-                <a14:hiddenFill xmlns="" xmlns:a14="http://schemas.microsoft.com/office/drawing/2010/main">
+                <a14:hiddenFill xmlns:a14="http://schemas.microsoft.com/office/drawing/2010/main" xmlns="">
                   <a:solidFill>
                     <a:srgbClr val="FFFFFF"/>
                   </a:solidFill>
                 </a14:hiddenFill>
               </a:ext>
               <a:ext uri="{91240B29-F687-4f45-9708-019B960494DF}">
-                <a14:hiddenLine xmlns="" xmlns:a14="http://schemas.microsoft.com/office/drawing/2010/main" w="9525">
+                <a14:hiddenLine xmlns:a14="http://schemas.microsoft.com/office/drawing/2010/main" xmlns="" w="9525">
                   <a:solidFill>
                     <a:srgbClr val="000000"/>
                   </a:solidFill>
@@ -19015,7 +19015,7 @@
             </a:ln>
             <a:extLst>
               <a:ext uri="{91240B29-F687-4f45-9708-019B960494DF}">
-                <a14:hiddenLine xmlns="" xmlns:a14="http://schemas.microsoft.com/office/drawing/2010/main" w="9525">
+                <a14:hiddenLine xmlns:a14="http://schemas.microsoft.com/office/drawing/2010/main" xmlns="" w="9525">
                   <a:solidFill>
                     <a:srgbClr val="000000"/>
                   </a:solidFill>
@@ -19198,7 +19198,7 @@
             </a:ln>
             <a:extLst>
               <a:ext uri="{91240B29-F687-4f45-9708-019B960494DF}">
-                <a14:hiddenLine xmlns="" xmlns:a14="http://schemas.microsoft.com/office/drawing/2010/main" w="9525">
+                <a14:hiddenLine xmlns:a14="http://schemas.microsoft.com/office/drawing/2010/main" xmlns="" w="9525">
                   <a:solidFill>
                     <a:srgbClr val="000000"/>
                   </a:solidFill>
@@ -19356,7 +19356,7 @@
             </a:ln>
             <a:extLst>
               <a:ext uri="{91240B29-F687-4f45-9708-019B960494DF}">
-                <a14:hiddenLine xmlns="" xmlns:a14="http://schemas.microsoft.com/office/drawing/2010/main" w="9525">
+                <a14:hiddenLine xmlns:a14="http://schemas.microsoft.com/office/drawing/2010/main" xmlns="" w="9525">
                   <a:solidFill>
                     <a:srgbClr val="000000"/>
                   </a:solidFill>
@@ -19562,7 +19562,7 @@
             </a:ln>
             <a:extLst>
               <a:ext uri="{91240B29-F687-4f45-9708-019B960494DF}">
-                <a14:hiddenLine xmlns="" xmlns:a14="http://schemas.microsoft.com/office/drawing/2010/main" w="9525">
+                <a14:hiddenLine xmlns:a14="http://schemas.microsoft.com/office/drawing/2010/main" xmlns="" w="9525">
                   <a:solidFill>
                     <a:srgbClr val="000000"/>
                   </a:solidFill>
@@ -19911,14 +19911,14 @@
             </a:ln>
             <a:extLst>
               <a:ext uri="{909E8E84-426E-40dd-AFC4-6F175D3DCCD1}">
-                <a14:hiddenFill xmlns="" xmlns:a14="http://schemas.microsoft.com/office/drawing/2010/main">
+                <a14:hiddenFill xmlns:a14="http://schemas.microsoft.com/office/drawing/2010/main" xmlns="">
                   <a:solidFill>
                     <a:srgbClr val="FFFFFF"/>
                   </a:solidFill>
                 </a14:hiddenFill>
               </a:ext>
               <a:ext uri="{91240B29-F687-4f45-9708-019B960494DF}">
-                <a14:hiddenLine xmlns="" xmlns:a14="http://schemas.microsoft.com/office/drawing/2010/main" w="9525">
+                <a14:hiddenLine xmlns:a14="http://schemas.microsoft.com/office/drawing/2010/main" xmlns="" w="9525">
                   <a:solidFill>
                     <a:srgbClr val="000000"/>
                   </a:solidFill>
@@ -20074,7 +20074,7 @@
             </a:ln>
             <a:extLst>
               <a:ext uri="{91240B29-F687-4f45-9708-019B960494DF}">
-                <a14:hiddenLine xmlns="" xmlns:a14="http://schemas.microsoft.com/office/drawing/2010/main" w="9525">
+                <a14:hiddenLine xmlns:a14="http://schemas.microsoft.com/office/drawing/2010/main" xmlns="" w="9525">
                   <a:solidFill>
                     <a:srgbClr val="000000"/>
                   </a:solidFill>
@@ -20154,14 +20154,14 @@
             </a:ln>
             <a:extLst>
               <a:ext uri="{909E8E84-426E-40dd-AFC4-6F175D3DCCD1}">
-                <a14:hiddenFill xmlns:a14="http://schemas.microsoft.com/office/drawing/2010/main" xmlns="">
+                <a14:hiddenFill xmlns="" xmlns:a14="http://schemas.microsoft.com/office/drawing/2010/main">
                   <a:solidFill>
                     <a:srgbClr val="FFFFFF"/>
                   </a:solidFill>
                 </a14:hiddenFill>
               </a:ext>
               <a:ext uri="{91240B29-F687-4f45-9708-019B960494DF}">
-                <a14:hiddenLine xmlns:a14="http://schemas.microsoft.com/office/drawing/2010/main" xmlns="" w="9525">
+                <a14:hiddenLine xmlns="" xmlns:a14="http://schemas.microsoft.com/office/drawing/2010/main" w="9525">
                   <a:solidFill>
                     <a:srgbClr val="000000"/>
                   </a:solidFill>
@@ -20320,7 +20320,7 @@
             </a:ln>
             <a:extLst>
               <a:ext uri="{91240B29-F687-4f45-9708-019B960494DF}">
-                <a14:hiddenLine xmlns:a14="http://schemas.microsoft.com/office/drawing/2010/main" xmlns="" w="9525">
+                <a14:hiddenLine xmlns="" xmlns:a14="http://schemas.microsoft.com/office/drawing/2010/main" w="9525">
                   <a:solidFill>
                     <a:srgbClr val="000000"/>
                   </a:solidFill>
@@ -20506,7 +20506,7 @@
             </a:ln>
             <a:extLst>
               <a:ext uri="{91240B29-F687-4f45-9708-019B960494DF}">
-                <a14:hiddenLine xmlns:a14="http://schemas.microsoft.com/office/drawing/2010/main" xmlns="" w="9525">
+                <a14:hiddenLine xmlns="" xmlns:a14="http://schemas.microsoft.com/office/drawing/2010/main" w="9525">
                   <a:solidFill>
                     <a:srgbClr val="000000"/>
                   </a:solidFill>
@@ -20725,7 +20725,7 @@
             </a:ln>
             <a:extLst>
               <a:ext uri="{91240B29-F687-4f45-9708-019B960494DF}">
-                <a14:hiddenLine xmlns:a14="http://schemas.microsoft.com/office/drawing/2010/main" xmlns="" w="9525">
+                <a14:hiddenLine xmlns="" xmlns:a14="http://schemas.microsoft.com/office/drawing/2010/main" w="9525">
                   <a:solidFill>
                     <a:srgbClr val="000000"/>
                   </a:solidFill>
@@ -20934,7 +20934,7 @@
             </a:ln>
             <a:extLst>
               <a:ext uri="{91240B29-F687-4f45-9708-019B960494DF}">
-                <a14:hiddenLine xmlns:a14="http://schemas.microsoft.com/office/drawing/2010/main" xmlns="" w="9525">
+                <a14:hiddenLine xmlns="" xmlns:a14="http://schemas.microsoft.com/office/drawing/2010/main" w="9525">
                   <a:solidFill>
                     <a:srgbClr val="000000"/>
                   </a:solidFill>
@@ -21015,14 +21015,14 @@
             </a:ln>
             <a:extLst>
               <a:ext uri="{909E8E84-426E-40dd-AFC4-6F175D3DCCD1}">
-                <a14:hiddenFill xmlns="" xmlns:a14="http://schemas.microsoft.com/office/drawing/2010/main">
+                <a14:hiddenFill xmlns:a14="http://schemas.microsoft.com/office/drawing/2010/main" xmlns="">
                   <a:solidFill>
                     <a:srgbClr val="FFFFFF"/>
                   </a:solidFill>
                 </a14:hiddenFill>
               </a:ext>
               <a:ext uri="{91240B29-F687-4f45-9708-019B960494DF}">
-                <a14:hiddenLine xmlns="" xmlns:a14="http://schemas.microsoft.com/office/drawing/2010/main" w="9525">
+                <a14:hiddenLine xmlns:a14="http://schemas.microsoft.com/office/drawing/2010/main" xmlns="" w="9525">
                   <a:solidFill>
                     <a:srgbClr val="000000"/>
                   </a:solidFill>
@@ -21178,7 +21178,7 @@
             </a:ln>
             <a:extLst>
               <a:ext uri="{91240B29-F687-4f45-9708-019B960494DF}">
-                <a14:hiddenLine xmlns="" xmlns:a14="http://schemas.microsoft.com/office/drawing/2010/main" w="9525">
+                <a14:hiddenLine xmlns:a14="http://schemas.microsoft.com/office/drawing/2010/main" xmlns="" w="9525">
                   <a:solidFill>
                     <a:srgbClr val="000000"/>
                   </a:solidFill>
@@ -21333,14 +21333,14 @@
             </a:ln>
             <a:extLst>
               <a:ext uri="{909E8E84-426E-40dd-AFC4-6F175D3DCCD1}">
-                <a14:hiddenFill xmlns:a14="http://schemas.microsoft.com/office/drawing/2010/main" xmlns="">
+                <a14:hiddenFill xmlns="" xmlns:a14="http://schemas.microsoft.com/office/drawing/2010/main">
                   <a:solidFill>
                     <a:srgbClr val="FFFFFF"/>
                   </a:solidFill>
                 </a14:hiddenFill>
               </a:ext>
               <a:ext uri="{91240B29-F687-4f45-9708-019B960494DF}">
-                <a14:hiddenLine xmlns:a14="http://schemas.microsoft.com/office/drawing/2010/main" xmlns="" w="9525">
+                <a14:hiddenLine xmlns="" xmlns:a14="http://schemas.microsoft.com/office/drawing/2010/main" w="9525">
                   <a:solidFill>
                     <a:srgbClr val="000000"/>
                   </a:solidFill>
@@ -21499,7 +21499,7 @@
             </a:ln>
             <a:extLst>
               <a:ext uri="{91240B29-F687-4f45-9708-019B960494DF}">
-                <a14:hiddenLine xmlns:a14="http://schemas.microsoft.com/office/drawing/2010/main" xmlns="" w="9525">
+                <a14:hiddenLine xmlns="" xmlns:a14="http://schemas.microsoft.com/office/drawing/2010/main" w="9525">
                   <a:solidFill>
                     <a:srgbClr val="000000"/>
                   </a:solidFill>
@@ -21685,7 +21685,7 @@
             </a:ln>
             <a:extLst>
               <a:ext uri="{91240B29-F687-4f45-9708-019B960494DF}">
-                <a14:hiddenLine xmlns:a14="http://schemas.microsoft.com/office/drawing/2010/main" xmlns="" w="9525">
+                <a14:hiddenLine xmlns="" xmlns:a14="http://schemas.microsoft.com/office/drawing/2010/main" w="9525">
                   <a:solidFill>
                     <a:srgbClr val="000000"/>
                   </a:solidFill>
@@ -21891,7 +21891,7 @@
             </a:ln>
             <a:extLst>
               <a:ext uri="{91240B29-F687-4f45-9708-019B960494DF}">
-                <a14:hiddenLine xmlns:a14="http://schemas.microsoft.com/office/drawing/2010/main" xmlns="" w="9525">
+                <a14:hiddenLine xmlns="" xmlns:a14="http://schemas.microsoft.com/office/drawing/2010/main" w="9525">
                   <a:solidFill>
                     <a:srgbClr val="000000"/>
                   </a:solidFill>
@@ -22100,7 +22100,7 @@
             </a:ln>
             <a:extLst>
               <a:ext uri="{91240B29-F687-4f45-9708-019B960494DF}">
-                <a14:hiddenLine xmlns:a14="http://schemas.microsoft.com/office/drawing/2010/main" xmlns="" w="9525">
+                <a14:hiddenLine xmlns="" xmlns:a14="http://schemas.microsoft.com/office/drawing/2010/main" w="9525">
                   <a:solidFill>
                     <a:srgbClr val="000000"/>
                   </a:solidFill>
@@ -22280,7 +22280,7 @@
             </a:ln>
             <a:extLst>
               <a:ext uri="{91240B29-F687-4f45-9708-019B960494DF}">
-                <a14:hiddenLine xmlns:a14="http://schemas.microsoft.com/office/drawing/2010/main" xmlns="" w="9525">
+                <a14:hiddenLine xmlns="" xmlns:a14="http://schemas.microsoft.com/office/drawing/2010/main" w="9525">
                   <a:solidFill>
                     <a:srgbClr val="000000"/>
                   </a:solidFill>
@@ -22340,14 +22340,14 @@
             </a:ln>
             <a:extLst>
               <a:ext uri="{909E8E84-426E-40dd-AFC4-6F175D3DCCD1}">
-                <a14:hiddenFill xmlns:a14="http://schemas.microsoft.com/office/drawing/2010/main" xmlns="">
+                <a14:hiddenFill xmlns="" xmlns:a14="http://schemas.microsoft.com/office/drawing/2010/main">
                   <a:solidFill>
                     <a:srgbClr val="FFFFFF"/>
                   </a:solidFill>
                 </a14:hiddenFill>
               </a:ext>
               <a:ext uri="{91240B29-F687-4f45-9708-019B960494DF}">
-                <a14:hiddenLine xmlns:a14="http://schemas.microsoft.com/office/drawing/2010/main" xmlns="" w="9525">
+                <a14:hiddenLine xmlns="" xmlns:a14="http://schemas.microsoft.com/office/drawing/2010/main" w="9525">
                   <a:solidFill>
                     <a:srgbClr val="000000"/>
                   </a:solidFill>
@@ -22476,7 +22476,7 @@
             </a:ln>
             <a:extLst>
               <a:ext uri="{91240B29-F687-4f45-9708-019B960494DF}">
-                <a14:hiddenLine xmlns:a14="http://schemas.microsoft.com/office/drawing/2010/main" xmlns="" w="9525">
+                <a14:hiddenLine xmlns="" xmlns:a14="http://schemas.microsoft.com/office/drawing/2010/main" w="9525">
                   <a:solidFill>
                     <a:srgbClr val="000000"/>
                   </a:solidFill>
@@ -22621,7 +22621,7 @@
             </a:ln>
             <a:extLst>
               <a:ext uri="{91240B29-F687-4f45-9708-019B960494DF}">
-                <a14:hiddenLine xmlns:a14="http://schemas.microsoft.com/office/drawing/2010/main" xmlns="" w="9525">
+                <a14:hiddenLine xmlns="" xmlns:a14="http://schemas.microsoft.com/office/drawing/2010/main" w="9525">
                   <a:solidFill>
                     <a:srgbClr val="000000"/>
                   </a:solidFill>
@@ -22830,7 +22830,7 @@
             </a:ln>
             <a:extLst>
               <a:ext uri="{91240B29-F687-4f45-9708-019B960494DF}">
-                <a14:hiddenLine xmlns:a14="http://schemas.microsoft.com/office/drawing/2010/main" xmlns="" w="9525">
+                <a14:hiddenLine xmlns="" xmlns:a14="http://schemas.microsoft.com/office/drawing/2010/main" w="9525">
                   <a:solidFill>
                     <a:srgbClr val="000000"/>
                   </a:solidFill>
@@ -27568,7 +27568,7 @@
             </a:ln>
             <a:extLst>
               <a:ext uri="{91240B29-F687-4f45-9708-019B960494DF}">
-                <a14:hiddenLine xmlns:a14="http://schemas.microsoft.com/office/drawing/2010/main" xmlns="" w="9525">
+                <a14:hiddenLine xmlns="" xmlns:a14="http://schemas.microsoft.com/office/drawing/2010/main" w="9525">
                   <a:solidFill>
                     <a:srgbClr val="000000"/>
                   </a:solidFill>
@@ -29493,14 +29493,14 @@
             </a:ln>
             <a:extLst>
               <a:ext uri="{909E8E84-426E-40dd-AFC4-6F175D3DCCD1}">
-                <a14:hiddenFill xmlns:a14="http://schemas.microsoft.com/office/drawing/2010/main" xmlns="">
+                <a14:hiddenFill xmlns="" xmlns:a14="http://schemas.microsoft.com/office/drawing/2010/main">
                   <a:solidFill>
                     <a:srgbClr val="FFFFFF"/>
                   </a:solidFill>
                 </a14:hiddenFill>
               </a:ext>
               <a:ext uri="{91240B29-F687-4f45-9708-019B960494DF}">
-                <a14:hiddenLine xmlns:a14="http://schemas.microsoft.com/office/drawing/2010/main" xmlns="" w="9525">
+                <a14:hiddenLine xmlns="" xmlns:a14="http://schemas.microsoft.com/office/drawing/2010/main" w="9525">
                   <a:solidFill>
                     <a:srgbClr val="000000"/>
                   </a:solidFill>
@@ -29659,7 +29659,7 @@
             </a:ln>
             <a:extLst>
               <a:ext uri="{91240B29-F687-4f45-9708-019B960494DF}">
-                <a14:hiddenLine xmlns:a14="http://schemas.microsoft.com/office/drawing/2010/main" xmlns="" w="9525">
+                <a14:hiddenLine xmlns="" xmlns:a14="http://schemas.microsoft.com/office/drawing/2010/main" w="9525">
                   <a:solidFill>
                     <a:srgbClr val="000000"/>
                   </a:solidFill>
@@ -29817,14 +29817,14 @@
           </a:ln>
           <a:extLst>
             <a:ext uri="{909E8E84-426E-40dd-AFC4-6F175D3DCCD1}">
-              <a14:hiddenFill xmlns:a14="http://schemas.microsoft.com/office/drawing/2010/main" xmlns="">
+              <a14:hiddenFill xmlns="" xmlns:a14="http://schemas.microsoft.com/office/drawing/2010/main">
                 <a:solidFill>
                   <a:srgbClr val="FFFFFF"/>
                 </a:solidFill>
               </a14:hiddenFill>
             </a:ext>
             <a:ext uri="{91240B29-F687-4f45-9708-019B960494DF}">
-              <a14:hiddenLine xmlns:a14="http://schemas.microsoft.com/office/drawing/2010/main" xmlns="" w="9525">
+              <a14:hiddenLine xmlns="" xmlns:a14="http://schemas.microsoft.com/office/drawing/2010/main" w="9525">
                 <a:solidFill>
                   <a:srgbClr val="000000"/>
                 </a:solidFill>
@@ -29968,7 +29968,7 @@
                   <a:latin typeface="Arial" panose="020B0604020202020204" pitchFamily="34" charset="0"/>
                   <a:cs typeface="Arial" panose="020B0604020202020204" pitchFamily="34" charset="0"/>
                 </a:rPr>
-                <a:t>Paris</a:t>
+                <a:t>Paris DC</a:t>
               </a:r>
             </a:p>
           </p:txBody>
@@ -30165,7 +30165,7 @@
             </a:ln>
             <a:extLst>
               <a:ext uri="{91240B29-F687-4f45-9708-019B960494DF}">
-                <a14:hiddenLine xmlns:a14="http://schemas.microsoft.com/office/drawing/2010/main" xmlns="" w="9525">
+                <a14:hiddenLine xmlns="" xmlns:a14="http://schemas.microsoft.com/office/drawing/2010/main" w="9525">
                   <a:solidFill>
                     <a:srgbClr val="000000"/>
                   </a:solidFill>
@@ -30225,14 +30225,14 @@
             </a:ln>
             <a:extLst>
               <a:ext uri="{909E8E84-426E-40dd-AFC4-6F175D3DCCD1}">
-                <a14:hiddenFill xmlns:a14="http://schemas.microsoft.com/office/drawing/2010/main" xmlns="">
+                <a14:hiddenFill xmlns="" xmlns:a14="http://schemas.microsoft.com/office/drawing/2010/main">
                   <a:solidFill>
                     <a:srgbClr val="FFFFFF"/>
                   </a:solidFill>
                 </a14:hiddenFill>
               </a:ext>
               <a:ext uri="{91240B29-F687-4f45-9708-019B960494DF}">
-                <a14:hiddenLine xmlns:a14="http://schemas.microsoft.com/office/drawing/2010/main" xmlns="" w="9525">
+                <a14:hiddenLine xmlns="" xmlns:a14="http://schemas.microsoft.com/office/drawing/2010/main" w="9525">
                   <a:solidFill>
                     <a:srgbClr val="000000"/>
                   </a:solidFill>
@@ -30361,7 +30361,7 @@
             </a:ln>
             <a:extLst>
               <a:ext uri="{91240B29-F687-4f45-9708-019B960494DF}">
-                <a14:hiddenLine xmlns:a14="http://schemas.microsoft.com/office/drawing/2010/main" xmlns="" w="9525">
+                <a14:hiddenLine xmlns="" xmlns:a14="http://schemas.microsoft.com/office/drawing/2010/main" w="9525">
                   <a:solidFill>
                     <a:srgbClr val="000000"/>
                   </a:solidFill>
@@ -30506,7 +30506,7 @@
             </a:ln>
             <a:extLst>
               <a:ext uri="{91240B29-F687-4f45-9708-019B960494DF}">
-                <a14:hiddenLine xmlns:a14="http://schemas.microsoft.com/office/drawing/2010/main" xmlns="" w="9525">
+                <a14:hiddenLine xmlns="" xmlns:a14="http://schemas.microsoft.com/office/drawing/2010/main" w="9525">
                   <a:solidFill>
                     <a:srgbClr val="000000"/>
                   </a:solidFill>
@@ -30715,7 +30715,7 @@
             </a:ln>
             <a:extLst>
               <a:ext uri="{91240B29-F687-4f45-9708-019B960494DF}">
-                <a14:hiddenLine xmlns:a14="http://schemas.microsoft.com/office/drawing/2010/main" xmlns="" w="9525">
+                <a14:hiddenLine xmlns="" xmlns:a14="http://schemas.microsoft.com/office/drawing/2010/main" w="9525">
                   <a:solidFill>
                     <a:srgbClr val="000000"/>
                   </a:solidFill>
@@ -30902,7 +30902,7 @@
           </a:ln>
           <a:extLst>
             <a:ext uri="{91240B29-F687-4f45-9708-019B960494DF}">
-              <a14:hiddenLine xmlns:a14="http://schemas.microsoft.com/office/drawing/2010/main" xmlns="" w="9525">
+              <a14:hiddenLine xmlns="" xmlns:a14="http://schemas.microsoft.com/office/drawing/2010/main" w="9525">
                 <a:solidFill>
                   <a:srgbClr val="000000"/>
                 </a:solidFill>
@@ -31121,7 +31121,7 @@
           </a:ln>
           <a:extLst>
             <a:ext uri="{91240B29-F687-4f45-9708-019B960494DF}">
-              <a14:hiddenLine xmlns:a14="http://schemas.microsoft.com/office/drawing/2010/main" xmlns="" w="9525">
+              <a14:hiddenLine xmlns="" xmlns:a14="http://schemas.microsoft.com/office/drawing/2010/main" w="9525">
                 <a:solidFill>
                   <a:srgbClr val="000000"/>
                 </a:solidFill>
@@ -31330,7 +31330,7 @@
           </a:ln>
           <a:extLst>
             <a:ext uri="{91240B29-F687-4f45-9708-019B960494DF}">
-              <a14:hiddenLine xmlns:a14="http://schemas.microsoft.com/office/drawing/2010/main" xmlns="" w="9525">
+              <a14:hiddenLine xmlns="" xmlns:a14="http://schemas.microsoft.com/office/drawing/2010/main" w="9525">
                 <a:solidFill>
                   <a:srgbClr val="000000"/>
                 </a:solidFill>
@@ -31636,14 +31636,14 @@
             </a:ln>
             <a:extLst>
               <a:ext uri="{909E8E84-426E-40dd-AFC4-6F175D3DCCD1}">
-                <a14:hiddenFill xmlns:a14="http://schemas.microsoft.com/office/drawing/2010/main" xmlns="">
+                <a14:hiddenFill xmlns="" xmlns:a14="http://schemas.microsoft.com/office/drawing/2010/main">
                   <a:solidFill>
                     <a:srgbClr val="FFFFFF"/>
                   </a:solidFill>
                 </a14:hiddenFill>
               </a:ext>
               <a:ext uri="{91240B29-F687-4f45-9708-019B960494DF}">
-                <a14:hiddenLine xmlns:a14="http://schemas.microsoft.com/office/drawing/2010/main" xmlns="" w="9525">
+                <a14:hiddenLine xmlns="" xmlns:a14="http://schemas.microsoft.com/office/drawing/2010/main" w="9525">
                   <a:solidFill>
                     <a:srgbClr val="000000"/>
                   </a:solidFill>
@@ -31802,7 +31802,7 @@
             </a:ln>
             <a:extLst>
               <a:ext uri="{91240B29-F687-4f45-9708-019B960494DF}">
-                <a14:hiddenLine xmlns:a14="http://schemas.microsoft.com/office/drawing/2010/main" xmlns="" w="9525">
+                <a14:hiddenLine xmlns="" xmlns:a14="http://schemas.microsoft.com/office/drawing/2010/main" w="9525">
                   <a:solidFill>
                     <a:srgbClr val="000000"/>
                   </a:solidFill>
@@ -32709,14 +32709,14 @@
             </a:ln>
             <a:extLst>
               <a:ext uri="{909E8E84-426E-40dd-AFC4-6F175D3DCCD1}">
-                <a14:hiddenFill xmlns="" xmlns:a14="http://schemas.microsoft.com/office/drawing/2010/main">
+                <a14:hiddenFill xmlns:a14="http://schemas.microsoft.com/office/drawing/2010/main" xmlns="">
                   <a:solidFill>
                     <a:srgbClr val="FFFFFF"/>
                   </a:solidFill>
                 </a14:hiddenFill>
               </a:ext>
               <a:ext uri="{91240B29-F687-4f45-9708-019B960494DF}">
-                <a14:hiddenLine xmlns="" xmlns:a14="http://schemas.microsoft.com/office/drawing/2010/main" w="9525">
+                <a14:hiddenLine xmlns:a14="http://schemas.microsoft.com/office/drawing/2010/main" xmlns="" w="9525">
                   <a:solidFill>
                     <a:srgbClr val="000000"/>
                   </a:solidFill>
@@ -32776,14 +32776,14 @@
             </a:ln>
             <a:extLst>
               <a:ext uri="{909E8E84-426E-40dd-AFC4-6F175D3DCCD1}">
-                <a14:hiddenFill xmlns="" xmlns:a14="http://schemas.microsoft.com/office/drawing/2010/main">
+                <a14:hiddenFill xmlns:a14="http://schemas.microsoft.com/office/drawing/2010/main" xmlns="">
                   <a:solidFill>
                     <a:srgbClr val="FFFFFF"/>
                   </a:solidFill>
                 </a14:hiddenFill>
               </a:ext>
               <a:ext uri="{91240B29-F687-4f45-9708-019B960494DF}">
-                <a14:hiddenLine xmlns="" xmlns:a14="http://schemas.microsoft.com/office/drawing/2010/main" w="9525">
+                <a14:hiddenLine xmlns:a14="http://schemas.microsoft.com/office/drawing/2010/main" xmlns="" w="9525">
                   <a:solidFill>
                     <a:srgbClr val="000000"/>
                   </a:solidFill>
@@ -32843,14 +32843,14 @@
             </a:ln>
             <a:extLst>
               <a:ext uri="{909E8E84-426E-40dd-AFC4-6F175D3DCCD1}">
-                <a14:hiddenFill xmlns="" xmlns:a14="http://schemas.microsoft.com/office/drawing/2010/main">
+                <a14:hiddenFill xmlns:a14="http://schemas.microsoft.com/office/drawing/2010/main" xmlns="">
                   <a:solidFill>
                     <a:srgbClr val="FFFFFF"/>
                   </a:solidFill>
                 </a14:hiddenFill>
               </a:ext>
               <a:ext uri="{91240B29-F687-4f45-9708-019B960494DF}">
-                <a14:hiddenLine xmlns="" xmlns:a14="http://schemas.microsoft.com/office/drawing/2010/main" w="9525">
+                <a14:hiddenLine xmlns:a14="http://schemas.microsoft.com/office/drawing/2010/main" xmlns="" w="9525">
                   <a:solidFill>
                     <a:srgbClr val="000000"/>
                   </a:solidFill>
@@ -32910,14 +32910,14 @@
             </a:ln>
             <a:extLst>
               <a:ext uri="{909E8E84-426E-40dd-AFC4-6F175D3DCCD1}">
-                <a14:hiddenFill xmlns="" xmlns:a14="http://schemas.microsoft.com/office/drawing/2010/main">
+                <a14:hiddenFill xmlns:a14="http://schemas.microsoft.com/office/drawing/2010/main" xmlns="">
                   <a:solidFill>
                     <a:srgbClr val="FFFFFF"/>
                   </a:solidFill>
                 </a14:hiddenFill>
               </a:ext>
               <a:ext uri="{91240B29-F687-4f45-9708-019B960494DF}">
-                <a14:hiddenLine xmlns="" xmlns:a14="http://schemas.microsoft.com/office/drawing/2010/main" w="9525">
+                <a14:hiddenLine xmlns:a14="http://schemas.microsoft.com/office/drawing/2010/main" xmlns="" w="9525">
                   <a:solidFill>
                     <a:srgbClr val="000000"/>
                   </a:solidFill>
@@ -32998,14 +32998,14 @@
             </a:ln>
             <a:extLst>
               <a:ext uri="{909E8E84-426E-40dd-AFC4-6F175D3DCCD1}">
-                <a14:hiddenFill xmlns="" xmlns:a14="http://schemas.microsoft.com/office/drawing/2010/main">
+                <a14:hiddenFill xmlns:a14="http://schemas.microsoft.com/office/drawing/2010/main" xmlns="">
                   <a:solidFill>
                     <a:srgbClr val="FFFFFF"/>
                   </a:solidFill>
                 </a14:hiddenFill>
               </a:ext>
               <a:ext uri="{91240B29-F687-4f45-9708-019B960494DF}">
-                <a14:hiddenLine xmlns="" xmlns:a14="http://schemas.microsoft.com/office/drawing/2010/main" w="9525">
+                <a14:hiddenLine xmlns:a14="http://schemas.microsoft.com/office/drawing/2010/main" xmlns="" w="9525">
                   <a:solidFill>
                     <a:srgbClr val="000000"/>
                   </a:solidFill>
@@ -33065,14 +33065,14 @@
             </a:ln>
             <a:extLst>
               <a:ext uri="{909E8E84-426E-40dd-AFC4-6F175D3DCCD1}">
-                <a14:hiddenFill xmlns="" xmlns:a14="http://schemas.microsoft.com/office/drawing/2010/main">
+                <a14:hiddenFill xmlns:a14="http://schemas.microsoft.com/office/drawing/2010/main" xmlns="">
                   <a:solidFill>
                     <a:srgbClr val="FFFFFF"/>
                   </a:solidFill>
                 </a14:hiddenFill>
               </a:ext>
               <a:ext uri="{91240B29-F687-4f45-9708-019B960494DF}">
-                <a14:hiddenLine xmlns="" xmlns:a14="http://schemas.microsoft.com/office/drawing/2010/main" w="9525">
+                <a14:hiddenLine xmlns:a14="http://schemas.microsoft.com/office/drawing/2010/main" xmlns="" w="9525">
                   <a:solidFill>
                     <a:srgbClr val="000000"/>
                   </a:solidFill>
@@ -33132,14 +33132,14 @@
             </a:ln>
             <a:extLst>
               <a:ext uri="{909E8E84-426E-40dd-AFC4-6F175D3DCCD1}">
-                <a14:hiddenFill xmlns="" xmlns:a14="http://schemas.microsoft.com/office/drawing/2010/main">
+                <a14:hiddenFill xmlns:a14="http://schemas.microsoft.com/office/drawing/2010/main" xmlns="">
                   <a:solidFill>
                     <a:srgbClr val="FFFFFF"/>
                   </a:solidFill>
                 </a14:hiddenFill>
               </a:ext>
               <a:ext uri="{91240B29-F687-4f45-9708-019B960494DF}">
-                <a14:hiddenLine xmlns="" xmlns:a14="http://schemas.microsoft.com/office/drawing/2010/main" w="9525">
+                <a14:hiddenLine xmlns:a14="http://schemas.microsoft.com/office/drawing/2010/main" xmlns="" w="9525">
                   <a:solidFill>
                     <a:srgbClr val="000000"/>
                   </a:solidFill>
@@ -33199,14 +33199,14 @@
             </a:ln>
             <a:extLst>
               <a:ext uri="{909E8E84-426E-40dd-AFC4-6F175D3DCCD1}">
-                <a14:hiddenFill xmlns="" xmlns:a14="http://schemas.microsoft.com/office/drawing/2010/main">
+                <a14:hiddenFill xmlns:a14="http://schemas.microsoft.com/office/drawing/2010/main" xmlns="">
                   <a:solidFill>
                     <a:srgbClr val="FFFFFF"/>
                   </a:solidFill>
                 </a14:hiddenFill>
               </a:ext>
               <a:ext uri="{91240B29-F687-4f45-9708-019B960494DF}">
-                <a14:hiddenLine xmlns="" xmlns:a14="http://schemas.microsoft.com/office/drawing/2010/main" w="9525">
+                <a14:hiddenLine xmlns:a14="http://schemas.microsoft.com/office/drawing/2010/main" xmlns="" w="9525">
                   <a:solidFill>
                     <a:srgbClr val="000000"/>
                   </a:solidFill>
@@ -33602,7 +33602,7 @@
           </a:ln>
           <a:extLst>
             <a:ext uri="{91240B29-F687-4f45-9708-019B960494DF}">
-              <a14:hiddenLine xmlns="" xmlns:a14="http://schemas.microsoft.com/office/drawing/2010/main" w="9525">
+              <a14:hiddenLine xmlns:a14="http://schemas.microsoft.com/office/drawing/2010/main" xmlns="" w="9525">
                 <a:solidFill>
                   <a:srgbClr val="000000"/>
                 </a:solidFill>
@@ -33662,14 +33662,14 @@
           </a:ln>
           <a:extLst>
             <a:ext uri="{909E8E84-426E-40dd-AFC4-6F175D3DCCD1}">
-              <a14:hiddenFill xmlns="" xmlns:a14="http://schemas.microsoft.com/office/drawing/2010/main">
+              <a14:hiddenFill xmlns:a14="http://schemas.microsoft.com/office/drawing/2010/main" xmlns="">
                 <a:solidFill>
                   <a:srgbClr val="FFFFFF"/>
                 </a:solidFill>
               </a14:hiddenFill>
             </a:ext>
             <a:ext uri="{91240B29-F687-4f45-9708-019B960494DF}">
-              <a14:hiddenLine xmlns="" xmlns:a14="http://schemas.microsoft.com/office/drawing/2010/main" w="9525">
+              <a14:hiddenLine xmlns:a14="http://schemas.microsoft.com/office/drawing/2010/main" xmlns="" w="9525">
                 <a:solidFill>
                   <a:srgbClr val="000000"/>
                 </a:solidFill>
@@ -33798,7 +33798,7 @@
           </a:ln>
           <a:extLst>
             <a:ext uri="{91240B29-F687-4f45-9708-019B960494DF}">
-              <a14:hiddenLine xmlns="" xmlns:a14="http://schemas.microsoft.com/office/drawing/2010/main" w="9525">
+              <a14:hiddenLine xmlns:a14="http://schemas.microsoft.com/office/drawing/2010/main" xmlns="" w="9525">
                 <a:solidFill>
                   <a:srgbClr val="000000"/>
                 </a:solidFill>
@@ -33943,7 +33943,7 @@
           </a:ln>
           <a:extLst>
             <a:ext uri="{91240B29-F687-4f45-9708-019B960494DF}">
-              <a14:hiddenLine xmlns="" xmlns:a14="http://schemas.microsoft.com/office/drawing/2010/main" w="9525">
+              <a14:hiddenLine xmlns:a14="http://schemas.microsoft.com/office/drawing/2010/main" xmlns="" w="9525">
                 <a:solidFill>
                   <a:srgbClr val="000000"/>
                 </a:solidFill>
@@ -34152,7 +34152,7 @@
           </a:ln>
           <a:extLst>
             <a:ext uri="{91240B29-F687-4f45-9708-019B960494DF}">
-              <a14:hiddenLine xmlns="" xmlns:a14="http://schemas.microsoft.com/office/drawing/2010/main" w="9525">
+              <a14:hiddenLine xmlns:a14="http://schemas.microsoft.com/office/drawing/2010/main" xmlns="" w="9525">
                 <a:solidFill>
                   <a:srgbClr val="000000"/>
                 </a:solidFill>
@@ -34212,14 +34212,14 @@
           </a:ln>
           <a:extLst>
             <a:ext uri="{909E8E84-426E-40dd-AFC4-6F175D3DCCD1}">
-              <a14:hiddenFill xmlns="" xmlns:a14="http://schemas.microsoft.com/office/drawing/2010/main">
+              <a14:hiddenFill xmlns:a14="http://schemas.microsoft.com/office/drawing/2010/main" xmlns="">
                 <a:solidFill>
                   <a:srgbClr val="FFFFFF"/>
                 </a:solidFill>
               </a14:hiddenFill>
             </a:ext>
             <a:ext uri="{91240B29-F687-4f45-9708-019B960494DF}">
-              <a14:hiddenLine xmlns="" xmlns:a14="http://schemas.microsoft.com/office/drawing/2010/main" w="9525">
+              <a14:hiddenLine xmlns:a14="http://schemas.microsoft.com/office/drawing/2010/main" xmlns="" w="9525">
                 <a:solidFill>
                   <a:srgbClr val="000000"/>
                 </a:solidFill>
@@ -34378,7 +34378,7 @@
           </a:ln>
           <a:extLst>
             <a:ext uri="{91240B29-F687-4f45-9708-019B960494DF}">
-              <a14:hiddenLine xmlns="" xmlns:a14="http://schemas.microsoft.com/office/drawing/2010/main" w="9525">
+              <a14:hiddenLine xmlns:a14="http://schemas.microsoft.com/office/drawing/2010/main" xmlns="" w="9525">
                 <a:solidFill>
                   <a:srgbClr val="000000"/>
                 </a:solidFill>
@@ -34564,7 +34564,7 @@
           </a:ln>
           <a:extLst>
             <a:ext uri="{91240B29-F687-4f45-9708-019B960494DF}">
-              <a14:hiddenLine xmlns="" xmlns:a14="http://schemas.microsoft.com/office/drawing/2010/main" w="9525">
+              <a14:hiddenLine xmlns:a14="http://schemas.microsoft.com/office/drawing/2010/main" xmlns="" w="9525">
                 <a:solidFill>
                   <a:srgbClr val="000000"/>
                 </a:solidFill>
@@ -34783,7 +34783,7 @@
           </a:ln>
           <a:extLst>
             <a:ext uri="{91240B29-F687-4f45-9708-019B960494DF}">
-              <a14:hiddenLine xmlns="" xmlns:a14="http://schemas.microsoft.com/office/drawing/2010/main" w="9525">
+              <a14:hiddenLine xmlns:a14="http://schemas.microsoft.com/office/drawing/2010/main" xmlns="" w="9525">
                 <a:solidFill>
                   <a:srgbClr val="000000"/>
                 </a:solidFill>
@@ -34992,7 +34992,7 @@
           </a:ln>
           <a:extLst>
             <a:ext uri="{91240B29-F687-4f45-9708-019B960494DF}">
-              <a14:hiddenLine xmlns="" xmlns:a14="http://schemas.microsoft.com/office/drawing/2010/main" w="9525">
+              <a14:hiddenLine xmlns:a14="http://schemas.microsoft.com/office/drawing/2010/main" xmlns="" w="9525">
                 <a:solidFill>
                   <a:srgbClr val="000000"/>
                 </a:solidFill>
@@ -35887,14 +35887,14 @@
               </a:ln>
               <a:extLst>
                 <a:ext uri="{909E8E84-426E-40dd-AFC4-6F175D3DCCD1}">
-                  <a14:hiddenFill xmlns:a14="http://schemas.microsoft.com/office/drawing/2010/main" xmlns="">
+                  <a14:hiddenFill xmlns="" xmlns:a14="http://schemas.microsoft.com/office/drawing/2010/main">
                     <a:solidFill>
                       <a:srgbClr val="FFFFFF"/>
                     </a:solidFill>
                   </a14:hiddenFill>
                 </a:ext>
                 <a:ext uri="{91240B29-F687-4f45-9708-019B960494DF}">
-                  <a14:hiddenLine xmlns:a14="http://schemas.microsoft.com/office/drawing/2010/main" xmlns="" w="9525">
+                  <a14:hiddenLine xmlns="" xmlns:a14="http://schemas.microsoft.com/office/drawing/2010/main" w="9525">
                     <a:solidFill>
                       <a:srgbClr val="000000"/>
                     </a:solidFill>
@@ -37063,14 +37063,14 @@
               </a:ln>
               <a:extLst>
                 <a:ext uri="{909E8E84-426E-40dd-AFC4-6F175D3DCCD1}">
-                  <a14:hiddenFill xmlns:a14="http://schemas.microsoft.com/office/drawing/2010/main" xmlns="">
+                  <a14:hiddenFill xmlns="" xmlns:a14="http://schemas.microsoft.com/office/drawing/2010/main">
                     <a:solidFill>
                       <a:srgbClr val="FFFFFF"/>
                     </a:solidFill>
                   </a14:hiddenFill>
                 </a:ext>
                 <a:ext uri="{91240B29-F687-4f45-9708-019B960494DF}">
-                  <a14:hiddenLine xmlns:a14="http://schemas.microsoft.com/office/drawing/2010/main" xmlns="" w="9525">
+                  <a14:hiddenLine xmlns="" xmlns:a14="http://schemas.microsoft.com/office/drawing/2010/main" w="9525">
                     <a:solidFill>
                       <a:srgbClr val="000000"/>
                     </a:solidFill>
@@ -37807,7 +37807,7 @@
           </a:ln>
           <a:extLst>
             <a:ext uri="{91240B29-F687-4f45-9708-019B960494DF}">
-              <a14:hiddenLine xmlns:a14="http://schemas.microsoft.com/office/drawing/2010/main" xmlns="" w="9525">
+              <a14:hiddenLine xmlns="" xmlns:a14="http://schemas.microsoft.com/office/drawing/2010/main" w="9525">
                 <a:solidFill>
                   <a:srgbClr val="000000"/>
                 </a:solidFill>
@@ -38206,14 +38206,14 @@
             </a:ln>
             <a:extLst>
               <a:ext uri="{909E8E84-426E-40dd-AFC4-6F175D3DCCD1}">
-                <a14:hiddenFill xmlns="" xmlns:a14="http://schemas.microsoft.com/office/drawing/2010/main">
+                <a14:hiddenFill xmlns:a14="http://schemas.microsoft.com/office/drawing/2010/main" xmlns="">
                   <a:solidFill>
                     <a:srgbClr val="FFFFFF"/>
                   </a:solidFill>
                 </a14:hiddenFill>
               </a:ext>
               <a:ext uri="{91240B29-F687-4f45-9708-019B960494DF}">
-                <a14:hiddenLine xmlns="" xmlns:a14="http://schemas.microsoft.com/office/drawing/2010/main" w="9525">
+                <a14:hiddenLine xmlns:a14="http://schemas.microsoft.com/office/drawing/2010/main" xmlns="" w="9525">
                   <a:solidFill>
                     <a:srgbClr val="000000"/>
                   </a:solidFill>
@@ -38273,14 +38273,14 @@
             </a:ln>
             <a:extLst>
               <a:ext uri="{909E8E84-426E-40dd-AFC4-6F175D3DCCD1}">
-                <a14:hiddenFill xmlns="" xmlns:a14="http://schemas.microsoft.com/office/drawing/2010/main">
+                <a14:hiddenFill xmlns:a14="http://schemas.microsoft.com/office/drawing/2010/main" xmlns="">
                   <a:solidFill>
                     <a:srgbClr val="FFFFFF"/>
                   </a:solidFill>
                 </a14:hiddenFill>
               </a:ext>
               <a:ext uri="{91240B29-F687-4f45-9708-019B960494DF}">
-                <a14:hiddenLine xmlns="" xmlns:a14="http://schemas.microsoft.com/office/drawing/2010/main" w="9525">
+                <a14:hiddenLine xmlns:a14="http://schemas.microsoft.com/office/drawing/2010/main" xmlns="" w="9525">
                   <a:solidFill>
                     <a:srgbClr val="000000"/>
                   </a:solidFill>
@@ -38340,14 +38340,14 @@
             </a:ln>
             <a:extLst>
               <a:ext uri="{909E8E84-426E-40dd-AFC4-6F175D3DCCD1}">
-                <a14:hiddenFill xmlns="" xmlns:a14="http://schemas.microsoft.com/office/drawing/2010/main">
+                <a14:hiddenFill xmlns:a14="http://schemas.microsoft.com/office/drawing/2010/main" xmlns="">
                   <a:solidFill>
                     <a:srgbClr val="FFFFFF"/>
                   </a:solidFill>
                 </a14:hiddenFill>
               </a:ext>
               <a:ext uri="{91240B29-F687-4f45-9708-019B960494DF}">
-                <a14:hiddenLine xmlns="" xmlns:a14="http://schemas.microsoft.com/office/drawing/2010/main" w="9525">
+                <a14:hiddenLine xmlns:a14="http://schemas.microsoft.com/office/drawing/2010/main" xmlns="" w="9525">
                   <a:solidFill>
                     <a:srgbClr val="000000"/>
                   </a:solidFill>
@@ -38407,14 +38407,14 @@
             </a:ln>
             <a:extLst>
               <a:ext uri="{909E8E84-426E-40dd-AFC4-6F175D3DCCD1}">
-                <a14:hiddenFill xmlns="" xmlns:a14="http://schemas.microsoft.com/office/drawing/2010/main">
+                <a14:hiddenFill xmlns:a14="http://schemas.microsoft.com/office/drawing/2010/main" xmlns="">
                   <a:solidFill>
                     <a:srgbClr val="FFFFFF"/>
                   </a:solidFill>
                 </a14:hiddenFill>
               </a:ext>
               <a:ext uri="{91240B29-F687-4f45-9708-019B960494DF}">
-                <a14:hiddenLine xmlns="" xmlns:a14="http://schemas.microsoft.com/office/drawing/2010/main" w="9525">
+                <a14:hiddenLine xmlns:a14="http://schemas.microsoft.com/office/drawing/2010/main" xmlns="" w="9525">
                   <a:solidFill>
                     <a:srgbClr val="000000"/>
                   </a:solidFill>
@@ -38495,14 +38495,14 @@
             </a:ln>
             <a:extLst>
               <a:ext uri="{909E8E84-426E-40dd-AFC4-6F175D3DCCD1}">
-                <a14:hiddenFill xmlns="" xmlns:a14="http://schemas.microsoft.com/office/drawing/2010/main">
+                <a14:hiddenFill xmlns:a14="http://schemas.microsoft.com/office/drawing/2010/main" xmlns="">
                   <a:solidFill>
                     <a:srgbClr val="FFFFFF"/>
                   </a:solidFill>
                 </a14:hiddenFill>
               </a:ext>
               <a:ext uri="{91240B29-F687-4f45-9708-019B960494DF}">
-                <a14:hiddenLine xmlns="" xmlns:a14="http://schemas.microsoft.com/office/drawing/2010/main" w="9525">
+                <a14:hiddenLine xmlns:a14="http://schemas.microsoft.com/office/drawing/2010/main" xmlns="" w="9525">
                   <a:solidFill>
                     <a:srgbClr val="000000"/>
                   </a:solidFill>
@@ -38562,14 +38562,14 @@
             </a:ln>
             <a:extLst>
               <a:ext uri="{909E8E84-426E-40dd-AFC4-6F175D3DCCD1}">
-                <a14:hiddenFill xmlns="" xmlns:a14="http://schemas.microsoft.com/office/drawing/2010/main">
+                <a14:hiddenFill xmlns:a14="http://schemas.microsoft.com/office/drawing/2010/main" xmlns="">
                   <a:solidFill>
                     <a:srgbClr val="FFFFFF"/>
                   </a:solidFill>
                 </a14:hiddenFill>
               </a:ext>
               <a:ext uri="{91240B29-F687-4f45-9708-019B960494DF}">
-                <a14:hiddenLine xmlns="" xmlns:a14="http://schemas.microsoft.com/office/drawing/2010/main" w="9525">
+                <a14:hiddenLine xmlns:a14="http://schemas.microsoft.com/office/drawing/2010/main" xmlns="" w="9525">
                   <a:solidFill>
                     <a:srgbClr val="000000"/>
                   </a:solidFill>
@@ -38629,14 +38629,14 @@
             </a:ln>
             <a:extLst>
               <a:ext uri="{909E8E84-426E-40dd-AFC4-6F175D3DCCD1}">
-                <a14:hiddenFill xmlns="" xmlns:a14="http://schemas.microsoft.com/office/drawing/2010/main">
+                <a14:hiddenFill xmlns:a14="http://schemas.microsoft.com/office/drawing/2010/main" xmlns="">
                   <a:solidFill>
                     <a:srgbClr val="FFFFFF"/>
                   </a:solidFill>
                 </a14:hiddenFill>
               </a:ext>
               <a:ext uri="{91240B29-F687-4f45-9708-019B960494DF}">
-                <a14:hiddenLine xmlns="" xmlns:a14="http://schemas.microsoft.com/office/drawing/2010/main" w="9525">
+                <a14:hiddenLine xmlns:a14="http://schemas.microsoft.com/office/drawing/2010/main" xmlns="" w="9525">
                   <a:solidFill>
                     <a:srgbClr val="000000"/>
                   </a:solidFill>
@@ -38696,14 +38696,14 @@
             </a:ln>
             <a:extLst>
               <a:ext uri="{909E8E84-426E-40dd-AFC4-6F175D3DCCD1}">
-                <a14:hiddenFill xmlns="" xmlns:a14="http://schemas.microsoft.com/office/drawing/2010/main">
+                <a14:hiddenFill xmlns:a14="http://schemas.microsoft.com/office/drawing/2010/main" xmlns="">
                   <a:solidFill>
                     <a:srgbClr val="FFFFFF"/>
                   </a:solidFill>
                 </a14:hiddenFill>
               </a:ext>
               <a:ext uri="{91240B29-F687-4f45-9708-019B960494DF}">
-                <a14:hiddenLine xmlns="" xmlns:a14="http://schemas.microsoft.com/office/drawing/2010/main" w="9525">
+                <a14:hiddenLine xmlns:a14="http://schemas.microsoft.com/office/drawing/2010/main" xmlns="" w="9525">
                   <a:solidFill>
                     <a:srgbClr val="000000"/>
                   </a:solidFill>
@@ -39099,7 +39099,7 @@
           </a:ln>
           <a:extLst>
             <a:ext uri="{91240B29-F687-4f45-9708-019B960494DF}">
-              <a14:hiddenLine xmlns="" xmlns:a14="http://schemas.microsoft.com/office/drawing/2010/main" w="9525">
+              <a14:hiddenLine xmlns:a14="http://schemas.microsoft.com/office/drawing/2010/main" xmlns="" w="9525">
                 <a:solidFill>
                   <a:srgbClr val="000000"/>
                 </a:solidFill>
@@ -39159,14 +39159,14 @@
           </a:ln>
           <a:extLst>
             <a:ext uri="{909E8E84-426E-40dd-AFC4-6F175D3DCCD1}">
-              <a14:hiddenFill xmlns="" xmlns:a14="http://schemas.microsoft.com/office/drawing/2010/main">
+              <a14:hiddenFill xmlns:a14="http://schemas.microsoft.com/office/drawing/2010/main" xmlns="">
                 <a:solidFill>
                   <a:srgbClr val="FFFFFF"/>
                 </a:solidFill>
               </a14:hiddenFill>
             </a:ext>
             <a:ext uri="{91240B29-F687-4f45-9708-019B960494DF}">
-              <a14:hiddenLine xmlns="" xmlns:a14="http://schemas.microsoft.com/office/drawing/2010/main" w="9525">
+              <a14:hiddenLine xmlns:a14="http://schemas.microsoft.com/office/drawing/2010/main" xmlns="" w="9525">
                 <a:solidFill>
                   <a:srgbClr val="000000"/>
                 </a:solidFill>
@@ -39295,7 +39295,7 @@
           </a:ln>
           <a:extLst>
             <a:ext uri="{91240B29-F687-4f45-9708-019B960494DF}">
-              <a14:hiddenLine xmlns="" xmlns:a14="http://schemas.microsoft.com/office/drawing/2010/main" w="9525">
+              <a14:hiddenLine xmlns:a14="http://schemas.microsoft.com/office/drawing/2010/main" xmlns="" w="9525">
                 <a:solidFill>
                   <a:srgbClr val="000000"/>
                 </a:solidFill>
@@ -39440,7 +39440,7 @@
           </a:ln>
           <a:extLst>
             <a:ext uri="{91240B29-F687-4f45-9708-019B960494DF}">
-              <a14:hiddenLine xmlns="" xmlns:a14="http://schemas.microsoft.com/office/drawing/2010/main" w="9525">
+              <a14:hiddenLine xmlns:a14="http://schemas.microsoft.com/office/drawing/2010/main" xmlns="" w="9525">
                 <a:solidFill>
                   <a:srgbClr val="000000"/>
                 </a:solidFill>
@@ -39649,7 +39649,7 @@
           </a:ln>
           <a:extLst>
             <a:ext uri="{91240B29-F687-4f45-9708-019B960494DF}">
-              <a14:hiddenLine xmlns="" xmlns:a14="http://schemas.microsoft.com/office/drawing/2010/main" w="9525">
+              <a14:hiddenLine xmlns:a14="http://schemas.microsoft.com/office/drawing/2010/main" xmlns="" w="9525">
                 <a:solidFill>
                   <a:srgbClr val="000000"/>
                 </a:solidFill>
@@ -39709,14 +39709,14 @@
           </a:ln>
           <a:extLst>
             <a:ext uri="{909E8E84-426E-40dd-AFC4-6F175D3DCCD1}">
-              <a14:hiddenFill xmlns="" xmlns:a14="http://schemas.microsoft.com/office/drawing/2010/main">
+              <a14:hiddenFill xmlns:a14="http://schemas.microsoft.com/office/drawing/2010/main" xmlns="">
                 <a:solidFill>
                   <a:srgbClr val="FFFFFF"/>
                 </a:solidFill>
               </a14:hiddenFill>
             </a:ext>
             <a:ext uri="{91240B29-F687-4f45-9708-019B960494DF}">
-              <a14:hiddenLine xmlns="" xmlns:a14="http://schemas.microsoft.com/office/drawing/2010/main" w="9525">
+              <a14:hiddenLine xmlns:a14="http://schemas.microsoft.com/office/drawing/2010/main" xmlns="" w="9525">
                 <a:solidFill>
                   <a:srgbClr val="000000"/>
                 </a:solidFill>
@@ -39875,7 +39875,7 @@
           </a:ln>
           <a:extLst>
             <a:ext uri="{91240B29-F687-4f45-9708-019B960494DF}">
-              <a14:hiddenLine xmlns="" xmlns:a14="http://schemas.microsoft.com/office/drawing/2010/main" w="9525">
+              <a14:hiddenLine xmlns:a14="http://schemas.microsoft.com/office/drawing/2010/main" xmlns="" w="9525">
                 <a:solidFill>
                   <a:srgbClr val="000000"/>
                 </a:solidFill>
@@ -40061,7 +40061,7 @@
           </a:ln>
           <a:extLst>
             <a:ext uri="{91240B29-F687-4f45-9708-019B960494DF}">
-              <a14:hiddenLine xmlns="" xmlns:a14="http://schemas.microsoft.com/office/drawing/2010/main" w="9525">
+              <a14:hiddenLine xmlns:a14="http://schemas.microsoft.com/office/drawing/2010/main" xmlns="" w="9525">
                 <a:solidFill>
                   <a:srgbClr val="000000"/>
                 </a:solidFill>
@@ -40280,7 +40280,7 @@
           </a:ln>
           <a:extLst>
             <a:ext uri="{91240B29-F687-4f45-9708-019B960494DF}">
-              <a14:hiddenLine xmlns="" xmlns:a14="http://schemas.microsoft.com/office/drawing/2010/main" w="9525">
+              <a14:hiddenLine xmlns:a14="http://schemas.microsoft.com/office/drawing/2010/main" xmlns="" w="9525">
                 <a:solidFill>
                   <a:srgbClr val="000000"/>
                 </a:solidFill>
@@ -40489,7 +40489,7 @@
           </a:ln>
           <a:extLst>
             <a:ext uri="{91240B29-F687-4f45-9708-019B960494DF}">
-              <a14:hiddenLine xmlns="" xmlns:a14="http://schemas.microsoft.com/office/drawing/2010/main" w="9525">
+              <a14:hiddenLine xmlns:a14="http://schemas.microsoft.com/office/drawing/2010/main" xmlns="" w="9525">
                 <a:solidFill>
                   <a:srgbClr val="000000"/>
                 </a:solidFill>
@@ -41420,14 +41420,14 @@
               </a:ln>
               <a:extLst>
                 <a:ext uri="{909E8E84-426E-40dd-AFC4-6F175D3DCCD1}">
-                  <a14:hiddenFill xmlns:a14="http://schemas.microsoft.com/office/drawing/2010/main" xmlns="">
+                  <a14:hiddenFill xmlns="" xmlns:a14="http://schemas.microsoft.com/office/drawing/2010/main">
                     <a:solidFill>
                       <a:srgbClr val="FFFFFF"/>
                     </a:solidFill>
                   </a14:hiddenFill>
                 </a:ext>
                 <a:ext uri="{91240B29-F687-4f45-9708-019B960494DF}">
-                  <a14:hiddenLine xmlns:a14="http://schemas.microsoft.com/office/drawing/2010/main" xmlns="" w="9525">
+                  <a14:hiddenLine xmlns="" xmlns:a14="http://schemas.microsoft.com/office/drawing/2010/main" w="9525">
                     <a:solidFill>
                       <a:srgbClr val="000000"/>
                     </a:solidFill>
@@ -42596,14 +42596,14 @@
               </a:ln>
               <a:extLst>
                 <a:ext uri="{909E8E84-426E-40dd-AFC4-6F175D3DCCD1}">
-                  <a14:hiddenFill xmlns:a14="http://schemas.microsoft.com/office/drawing/2010/main" xmlns="">
+                  <a14:hiddenFill xmlns="" xmlns:a14="http://schemas.microsoft.com/office/drawing/2010/main">
                     <a:solidFill>
                       <a:srgbClr val="FFFFFF"/>
                     </a:solidFill>
                   </a14:hiddenFill>
                 </a:ext>
                 <a:ext uri="{91240B29-F687-4f45-9708-019B960494DF}">
-                  <a14:hiddenLine xmlns:a14="http://schemas.microsoft.com/office/drawing/2010/main" xmlns="" w="9525">
+                  <a14:hiddenLine xmlns="" xmlns:a14="http://schemas.microsoft.com/office/drawing/2010/main" w="9525">
                     <a:solidFill>
                       <a:srgbClr val="000000"/>
                     </a:solidFill>
@@ -43360,7 +43360,7 @@
             </a:ln>
             <a:extLst>
               <a:ext uri="{91240B29-F687-4f45-9708-019B960494DF}">
-                <a14:hiddenLine xmlns:a14="http://schemas.microsoft.com/office/drawing/2010/main" xmlns="" w="9525">
+                <a14:hiddenLine xmlns="" xmlns:a14="http://schemas.microsoft.com/office/drawing/2010/main" w="9525">
                   <a:solidFill>
                     <a:srgbClr val="000000"/>
                   </a:solidFill>
@@ -43891,7 +43891,7 @@
             </a:ln>
             <a:extLst>
               <a:ext uri="{91240B29-F687-4f45-9708-019B960494DF}">
-                <a14:hiddenLine xmlns:a14="http://schemas.microsoft.com/office/drawing/2010/main" xmlns="" w="9525">
+                <a14:hiddenLine xmlns="" xmlns:a14="http://schemas.microsoft.com/office/drawing/2010/main" w="9525">
                   <a:solidFill>
                     <a:srgbClr val="000000"/>
                   </a:solidFill>
@@ -44307,14 +44307,14 @@
               </a:ln>
               <a:extLst>
                 <a:ext uri="{909E8E84-426E-40dd-AFC4-6F175D3DCCD1}">
-                  <a14:hiddenFill xmlns:a14="http://schemas.microsoft.com/office/drawing/2010/main" xmlns="">
+                  <a14:hiddenFill xmlns="" xmlns:a14="http://schemas.microsoft.com/office/drawing/2010/main">
                     <a:solidFill>
                       <a:srgbClr val="FFFFFF"/>
                     </a:solidFill>
                   </a14:hiddenFill>
                 </a:ext>
                 <a:ext uri="{91240B29-F687-4f45-9708-019B960494DF}">
-                  <a14:hiddenLine xmlns:a14="http://schemas.microsoft.com/office/drawing/2010/main" xmlns="" w="9525">
+                  <a14:hiddenLine xmlns="" xmlns:a14="http://schemas.microsoft.com/office/drawing/2010/main" w="9525">
                     <a:solidFill>
                       <a:srgbClr val="000000"/>
                     </a:solidFill>
@@ -44828,14 +44828,14 @@
               </a:ln>
               <a:extLst>
                 <a:ext uri="{909E8E84-426E-40dd-AFC4-6F175D3DCCD1}">
-                  <a14:hiddenFill xmlns:a14="http://schemas.microsoft.com/office/drawing/2010/main" xmlns="">
+                  <a14:hiddenFill xmlns="" xmlns:a14="http://schemas.microsoft.com/office/drawing/2010/main">
                     <a:solidFill>
                       <a:srgbClr val="FFFFFF"/>
                     </a:solidFill>
                   </a14:hiddenFill>
                 </a:ext>
                 <a:ext uri="{91240B29-F687-4f45-9708-019B960494DF}">
-                  <a14:hiddenLine xmlns:a14="http://schemas.microsoft.com/office/drawing/2010/main" xmlns="" w="9525">
+                  <a14:hiddenLine xmlns="" xmlns:a14="http://schemas.microsoft.com/office/drawing/2010/main" w="9525">
                     <a:solidFill>
                       <a:srgbClr val="000000"/>
                     </a:solidFill>
@@ -45670,7 +45670,7 @@
               </a:ln>
               <a:extLst>
                 <a:ext uri="{91240B29-F687-4f45-9708-019B960494DF}">
-                  <a14:hiddenLine xmlns:a14="http://schemas.microsoft.com/office/drawing/2010/main" xmlns="" w="9525">
+                  <a14:hiddenLine xmlns="" xmlns:a14="http://schemas.microsoft.com/office/drawing/2010/main" w="9525">
                     <a:solidFill>
                       <a:srgbClr val="000000"/>
                     </a:solidFill>
@@ -45730,14 +45730,14 @@
               </a:ln>
               <a:extLst>
                 <a:ext uri="{909E8E84-426E-40dd-AFC4-6F175D3DCCD1}">
-                  <a14:hiddenFill xmlns:a14="http://schemas.microsoft.com/office/drawing/2010/main" xmlns="">
+                  <a14:hiddenFill xmlns="" xmlns:a14="http://schemas.microsoft.com/office/drawing/2010/main">
                     <a:solidFill>
                       <a:srgbClr val="FFFFFF"/>
                     </a:solidFill>
                   </a14:hiddenFill>
                 </a:ext>
                 <a:ext uri="{91240B29-F687-4f45-9708-019B960494DF}">
-                  <a14:hiddenLine xmlns:a14="http://schemas.microsoft.com/office/drawing/2010/main" xmlns="" w="9525">
+                  <a14:hiddenLine xmlns="" xmlns:a14="http://schemas.microsoft.com/office/drawing/2010/main" w="9525">
                     <a:solidFill>
                       <a:srgbClr val="000000"/>
                     </a:solidFill>
@@ -45866,7 +45866,7 @@
               </a:ln>
               <a:extLst>
                 <a:ext uri="{91240B29-F687-4f45-9708-019B960494DF}">
-                  <a14:hiddenLine xmlns:a14="http://schemas.microsoft.com/office/drawing/2010/main" xmlns="" w="9525">
+                  <a14:hiddenLine xmlns="" xmlns:a14="http://schemas.microsoft.com/office/drawing/2010/main" w="9525">
                     <a:solidFill>
                       <a:srgbClr val="000000"/>
                     </a:solidFill>
@@ -46011,7 +46011,7 @@
               </a:ln>
               <a:extLst>
                 <a:ext uri="{91240B29-F687-4f45-9708-019B960494DF}">
-                  <a14:hiddenLine xmlns:a14="http://schemas.microsoft.com/office/drawing/2010/main" xmlns="" w="9525">
+                  <a14:hiddenLine xmlns="" xmlns:a14="http://schemas.microsoft.com/office/drawing/2010/main" w="9525">
                     <a:solidFill>
                       <a:srgbClr val="000000"/>
                     </a:solidFill>
@@ -46220,7 +46220,7 @@
               </a:ln>
               <a:extLst>
                 <a:ext uri="{91240B29-F687-4f45-9708-019B960494DF}">
-                  <a14:hiddenLine xmlns:a14="http://schemas.microsoft.com/office/drawing/2010/main" xmlns="" w="9525">
+                  <a14:hiddenLine xmlns="" xmlns:a14="http://schemas.microsoft.com/office/drawing/2010/main" w="9525">
                     <a:solidFill>
                       <a:srgbClr val="000000"/>
                     </a:solidFill>
@@ -46400,7 +46400,7 @@
               </a:ln>
               <a:extLst>
                 <a:ext uri="{91240B29-F687-4f45-9708-019B960494DF}">
-                  <a14:hiddenLine xmlns:a14="http://schemas.microsoft.com/office/drawing/2010/main" xmlns="" w="9525">
+                  <a14:hiddenLine xmlns="" xmlns:a14="http://schemas.microsoft.com/office/drawing/2010/main" w="9525">
                     <a:solidFill>
                       <a:srgbClr val="000000"/>
                     </a:solidFill>
@@ -46586,7 +46586,7 @@
               </a:ln>
               <a:extLst>
                 <a:ext uri="{91240B29-F687-4f45-9708-019B960494DF}">
-                  <a14:hiddenLine xmlns:a14="http://schemas.microsoft.com/office/drawing/2010/main" xmlns="" w="9525">
+                  <a14:hiddenLine xmlns="" xmlns:a14="http://schemas.microsoft.com/office/drawing/2010/main" w="9525">
                     <a:solidFill>
                       <a:srgbClr val="000000"/>
                     </a:solidFill>
@@ -46805,7 +46805,7 @@
               </a:ln>
               <a:extLst>
                 <a:ext uri="{91240B29-F687-4f45-9708-019B960494DF}">
-                  <a14:hiddenLine xmlns:a14="http://schemas.microsoft.com/office/drawing/2010/main" xmlns="" w="9525">
+                  <a14:hiddenLine xmlns="" xmlns:a14="http://schemas.microsoft.com/office/drawing/2010/main" w="9525">
                     <a:solidFill>
                       <a:srgbClr val="000000"/>
                     </a:solidFill>
@@ -47014,7 +47014,7 @@
               </a:ln>
               <a:extLst>
                 <a:ext uri="{91240B29-F687-4f45-9708-019B960494DF}">
-                  <a14:hiddenLine xmlns:a14="http://schemas.microsoft.com/office/drawing/2010/main" xmlns="" w="9525">
+                  <a14:hiddenLine xmlns="" xmlns:a14="http://schemas.microsoft.com/office/drawing/2010/main" w="9525">
                     <a:solidFill>
                       <a:srgbClr val="000000"/>
                     </a:solidFill>

--- a/docs/pptx/BlueprintDiag.pptx
+++ b/docs/pptx/BlueprintDiag.pptx
@@ -198,7 +198,7 @@
           <a:p>
             <a:fld id="{5E8AE13A-5A80-4F17-971D-03F4C3B28A8B}" type="datetimeFigureOut">
               <a:rPr lang="en-US" smtClean="0"/>
-              <a:t>7/30/20</a:t>
+              <a:t>8/13/20</a:t>
             </a:fld>
             <a:endParaRPr lang="en-US"/>
           </a:p>
@@ -1922,7 +1922,7 @@
           <a:p>
             <a:fld id="{24AFE612-74AD-4B6F-8D78-7C42EB8A6CD6}" type="datetimeFigureOut">
               <a:rPr lang="en-US" smtClean="0"/>
-              <a:t>7/30/20</a:t>
+              <a:t>8/13/20</a:t>
             </a:fld>
             <a:endParaRPr lang="en-US"/>
           </a:p>
@@ -2092,7 +2092,7 @@
           <a:p>
             <a:fld id="{24AFE612-74AD-4B6F-8D78-7C42EB8A6CD6}" type="datetimeFigureOut">
               <a:rPr lang="en-US" smtClean="0"/>
-              <a:t>7/30/20</a:t>
+              <a:t>8/13/20</a:t>
             </a:fld>
             <a:endParaRPr lang="en-US"/>
           </a:p>
@@ -2634,7 +2634,7 @@
           <a:p>
             <a:fld id="{24AFE612-74AD-4B6F-8D78-7C42EB8A6CD6}" type="datetimeFigureOut">
               <a:rPr lang="en-US" smtClean="0"/>
-              <a:t>7/30/20</a:t>
+              <a:t>8/13/20</a:t>
             </a:fld>
             <a:endParaRPr lang="en-US"/>
           </a:p>
@@ -2866,7 +2866,7 @@
           <a:p>
             <a:fld id="{24AFE612-74AD-4B6F-8D78-7C42EB8A6CD6}" type="datetimeFigureOut">
               <a:rPr lang="en-US" smtClean="0"/>
-              <a:t>7/30/20</a:t>
+              <a:t>8/13/20</a:t>
             </a:fld>
             <a:endParaRPr lang="en-US"/>
           </a:p>
@@ -3233,7 +3233,7 @@
           <a:p>
             <a:fld id="{24AFE612-74AD-4B6F-8D78-7C42EB8A6CD6}" type="datetimeFigureOut">
               <a:rPr lang="en-US" smtClean="0"/>
-              <a:t>7/30/20</a:t>
+              <a:t>8/13/20</a:t>
             </a:fld>
             <a:endParaRPr lang="en-US"/>
           </a:p>
@@ -3351,7 +3351,7 @@
           <a:p>
             <a:fld id="{24AFE612-74AD-4B6F-8D78-7C42EB8A6CD6}" type="datetimeFigureOut">
               <a:rPr lang="en-US" smtClean="0"/>
-              <a:t>7/30/20</a:t>
+              <a:t>8/13/20</a:t>
             </a:fld>
             <a:endParaRPr lang="en-US"/>
           </a:p>
@@ -3446,7 +3446,7 @@
           <a:p>
             <a:fld id="{24AFE612-74AD-4B6F-8D78-7C42EB8A6CD6}" type="datetimeFigureOut">
               <a:rPr lang="en-US" smtClean="0"/>
-              <a:t>7/30/20</a:t>
+              <a:t>8/13/20</a:t>
             </a:fld>
             <a:endParaRPr lang="en-US"/>
           </a:p>
@@ -3723,7 +3723,7 @@
           <a:p>
             <a:fld id="{24AFE612-74AD-4B6F-8D78-7C42EB8A6CD6}" type="datetimeFigureOut">
               <a:rPr lang="en-US" smtClean="0"/>
-              <a:t>7/30/20</a:t>
+              <a:t>8/13/20</a:t>
             </a:fld>
             <a:endParaRPr lang="en-US"/>
           </a:p>
@@ -3980,7 +3980,7 @@
           <a:p>
             <a:fld id="{24AFE612-74AD-4B6F-8D78-7C42EB8A6CD6}" type="datetimeFigureOut">
               <a:rPr lang="en-US" smtClean="0"/>
-              <a:t>7/30/20</a:t>
+              <a:t>8/13/20</a:t>
             </a:fld>
             <a:endParaRPr lang="en-US"/>
           </a:p>
@@ -4150,7 +4150,7 @@
           <a:p>
             <a:fld id="{24AFE612-74AD-4B6F-8D78-7C42EB8A6CD6}" type="datetimeFigureOut">
               <a:rPr lang="en-US" smtClean="0"/>
-              <a:t>7/30/20</a:t>
+              <a:t>8/13/20</a:t>
             </a:fld>
             <a:endParaRPr lang="en-US"/>
           </a:p>
@@ -4330,7 +4330,7 @@
           <a:p>
             <a:fld id="{24AFE612-74AD-4B6F-8D78-7C42EB8A6CD6}" type="datetimeFigureOut">
               <a:rPr lang="en-US" smtClean="0"/>
-              <a:t>7/30/20</a:t>
+              <a:t>8/13/20</a:t>
             </a:fld>
             <a:endParaRPr lang="en-US"/>
           </a:p>
@@ -7589,7 +7589,7 @@
           <a:p>
             <a:fld id="{24AFE612-74AD-4B6F-8D78-7C42EB8A6CD6}" type="datetimeFigureOut">
               <a:rPr lang="en-US" smtClean="0"/>
-              <a:t>7/30/20</a:t>
+              <a:t>8/13/20</a:t>
             </a:fld>
             <a:endParaRPr lang="en-US"/>
           </a:p>
@@ -9938,7 +9938,7 @@
                 </a:ln>
                 <a:extLst>
                   <a:ext uri="{91240B29-F687-4f45-9708-019B960494DF}">
-                    <a14:hiddenLine xmlns:a14="http://schemas.microsoft.com/office/drawing/2010/main" xmlns="" w="9525">
+                    <a14:hiddenLine xmlns="" xmlns:a14="http://schemas.microsoft.com/office/drawing/2010/main" w="9525">
                       <a:solidFill>
                         <a:srgbClr val="000000"/>
                       </a:solidFill>
@@ -10091,7 +10091,7 @@
                 </a:ln>
                 <a:extLst>
                   <a:ext uri="{91240B29-F687-4f45-9708-019B960494DF}">
-                    <a14:hiddenLine xmlns:a14="http://schemas.microsoft.com/office/drawing/2010/main" xmlns="" w="9525">
+                    <a14:hiddenLine xmlns="" xmlns:a14="http://schemas.microsoft.com/office/drawing/2010/main" w="9525">
                       <a:solidFill>
                         <a:srgbClr val="000000"/>
                       </a:solidFill>
@@ -10244,7 +10244,7 @@
                 </a:ln>
                 <a:extLst>
                   <a:ext uri="{91240B29-F687-4f45-9708-019B960494DF}">
-                    <a14:hiddenLine xmlns:a14="http://schemas.microsoft.com/office/drawing/2010/main" xmlns="" w="9525">
+                    <a14:hiddenLine xmlns="" xmlns:a14="http://schemas.microsoft.com/office/drawing/2010/main" w="9525">
                       <a:solidFill>
                         <a:srgbClr val="000000"/>
                       </a:solidFill>
@@ -10397,7 +10397,7 @@
                 </a:ln>
                 <a:extLst>
                   <a:ext uri="{91240B29-F687-4f45-9708-019B960494DF}">
-                    <a14:hiddenLine xmlns:a14="http://schemas.microsoft.com/office/drawing/2010/main" xmlns="" w="9525">
+                    <a14:hiddenLine xmlns="" xmlns:a14="http://schemas.microsoft.com/office/drawing/2010/main" w="9525">
                       <a:solidFill>
                         <a:srgbClr val="000000"/>
                       </a:solidFill>
@@ -10550,7 +10550,7 @@
                 </a:ln>
                 <a:extLst>
                   <a:ext uri="{91240B29-F687-4f45-9708-019B960494DF}">
-                    <a14:hiddenLine xmlns:a14="http://schemas.microsoft.com/office/drawing/2010/main" xmlns="" w="9525">
+                    <a14:hiddenLine xmlns="" xmlns:a14="http://schemas.microsoft.com/office/drawing/2010/main" w="9525">
                       <a:solidFill>
                         <a:srgbClr val="000000"/>
                       </a:solidFill>
@@ -10703,7 +10703,7 @@
                 </a:ln>
                 <a:extLst>
                   <a:ext uri="{91240B29-F687-4f45-9708-019B960494DF}">
-                    <a14:hiddenLine xmlns:a14="http://schemas.microsoft.com/office/drawing/2010/main" xmlns="" w="9525">
+                    <a14:hiddenLine xmlns="" xmlns:a14="http://schemas.microsoft.com/office/drawing/2010/main" w="9525">
                       <a:solidFill>
                         <a:srgbClr val="000000"/>
                       </a:solidFill>
@@ -10856,7 +10856,7 @@
                 </a:ln>
                 <a:extLst>
                   <a:ext uri="{91240B29-F687-4f45-9708-019B960494DF}">
-                    <a14:hiddenLine xmlns:a14="http://schemas.microsoft.com/office/drawing/2010/main" xmlns="" w="9525">
+                    <a14:hiddenLine xmlns="" xmlns:a14="http://schemas.microsoft.com/office/drawing/2010/main" w="9525">
                       <a:solidFill>
                         <a:srgbClr val="000000"/>
                       </a:solidFill>
@@ -11009,7 +11009,7 @@
                 </a:ln>
                 <a:extLst>
                   <a:ext uri="{91240B29-F687-4f45-9708-019B960494DF}">
-                    <a14:hiddenLine xmlns:a14="http://schemas.microsoft.com/office/drawing/2010/main" xmlns="" w="9525">
+                    <a14:hiddenLine xmlns="" xmlns:a14="http://schemas.microsoft.com/office/drawing/2010/main" w="9525">
                       <a:solidFill>
                         <a:srgbClr val="000000"/>
                       </a:solidFill>
@@ -11162,7 +11162,7 @@
                 </a:ln>
                 <a:extLst>
                   <a:ext uri="{91240B29-F687-4f45-9708-019B960494DF}">
-                    <a14:hiddenLine xmlns:a14="http://schemas.microsoft.com/office/drawing/2010/main" xmlns="" w="9525">
+                    <a14:hiddenLine xmlns="" xmlns:a14="http://schemas.microsoft.com/office/drawing/2010/main" w="9525">
                       <a:solidFill>
                         <a:srgbClr val="000000"/>
                       </a:solidFill>
@@ -11315,7 +11315,7 @@
                 </a:ln>
                 <a:extLst>
                   <a:ext uri="{91240B29-F687-4f45-9708-019B960494DF}">
-                    <a14:hiddenLine xmlns:a14="http://schemas.microsoft.com/office/drawing/2010/main" xmlns="" w="9525">
+                    <a14:hiddenLine xmlns="" xmlns:a14="http://schemas.microsoft.com/office/drawing/2010/main" w="9525">
                       <a:solidFill>
                         <a:srgbClr val="000000"/>
                       </a:solidFill>
@@ -11468,7 +11468,7 @@
                 </a:ln>
                 <a:extLst>
                   <a:ext uri="{91240B29-F687-4f45-9708-019B960494DF}">
-                    <a14:hiddenLine xmlns:a14="http://schemas.microsoft.com/office/drawing/2010/main" xmlns="" w="9525">
+                    <a14:hiddenLine xmlns="" xmlns:a14="http://schemas.microsoft.com/office/drawing/2010/main" w="9525">
                       <a:solidFill>
                         <a:srgbClr val="000000"/>
                       </a:solidFill>
@@ -11621,7 +11621,7 @@
                 </a:ln>
                 <a:extLst>
                   <a:ext uri="{91240B29-F687-4f45-9708-019B960494DF}">
-                    <a14:hiddenLine xmlns:a14="http://schemas.microsoft.com/office/drawing/2010/main" xmlns="" w="9525">
+                    <a14:hiddenLine xmlns="" xmlns:a14="http://schemas.microsoft.com/office/drawing/2010/main" w="9525">
                       <a:solidFill>
                         <a:srgbClr val="000000"/>
                       </a:solidFill>
@@ -11945,7 +11945,7 @@
           </a:ln>
           <a:extLst>
             <a:ext uri="{91240B29-F687-4f45-9708-019B960494DF}">
-              <a14:hiddenLine xmlns="" xmlns:a14="http://schemas.microsoft.com/office/drawing/2010/main" w="9525">
+              <a14:hiddenLine xmlns:a14="http://schemas.microsoft.com/office/drawing/2010/main" xmlns="" w="9525">
                 <a:solidFill>
                   <a:srgbClr val="000000"/>
                 </a:solidFill>
@@ -12046,7 +12046,7 @@
         <p:spPr>
           <a:xfrm>
             <a:off x="7054623" y="8586626"/>
-            <a:ext cx="3997239" cy="4335744"/>
+            <a:ext cx="3997239" cy="4449436"/>
           </a:xfrm>
           <a:prstGeom prst="roundRect">
             <a:avLst>
@@ -12113,14 +12113,14 @@
           </a:ln>
           <a:extLst>
             <a:ext uri="{909E8E84-426E-40dd-AFC4-6F175D3DCCD1}">
-              <a14:hiddenFill xmlns="" xmlns:a14="http://schemas.microsoft.com/office/drawing/2010/main">
+              <a14:hiddenFill xmlns:a14="http://schemas.microsoft.com/office/drawing/2010/main" xmlns="">
                 <a:solidFill>
                   <a:srgbClr val="FFFFFF"/>
                 </a:solidFill>
               </a14:hiddenFill>
             </a:ext>
             <a:ext uri="{91240B29-F687-4f45-9708-019B960494DF}">
-              <a14:hiddenLine xmlns="" xmlns:a14="http://schemas.microsoft.com/office/drawing/2010/main" w="9525">
+              <a14:hiddenLine xmlns:a14="http://schemas.microsoft.com/office/drawing/2010/main" xmlns="" w="9525">
                 <a:solidFill>
                   <a:srgbClr val="000000"/>
                 </a:solidFill>
@@ -13337,7 +13337,7 @@
           </a:ln>
           <a:extLst>
             <a:ext uri="{91240B29-F687-4f45-9708-019B960494DF}">
-              <a14:hiddenLine xmlns="" xmlns:a14="http://schemas.microsoft.com/office/drawing/2010/main" w="9525">
+              <a14:hiddenLine xmlns:a14="http://schemas.microsoft.com/office/drawing/2010/main" xmlns="" w="9525">
                 <a:solidFill>
                   <a:srgbClr val="000000"/>
                 </a:solidFill>
@@ -13619,7 +13619,7 @@
           </a:ln>
           <a:extLst>
             <a:ext uri="{91240B29-F687-4f45-9708-019B960494DF}">
-              <a14:hiddenLine xmlns="" xmlns:a14="http://schemas.microsoft.com/office/drawing/2010/main" w="9525">
+              <a14:hiddenLine xmlns:a14="http://schemas.microsoft.com/office/drawing/2010/main" xmlns="" w="9525">
                 <a:solidFill>
                   <a:srgbClr val="000000"/>
                 </a:solidFill>
@@ -14413,7 +14413,7 @@
             </a:ln>
             <a:extLst>
               <a:ext uri="{91240B29-F687-4f45-9708-019B960494DF}">
-                <a14:hiddenLine xmlns="" xmlns:a14="http://schemas.microsoft.com/office/drawing/2010/main" w="9525">
+                <a14:hiddenLine xmlns:a14="http://schemas.microsoft.com/office/drawing/2010/main" xmlns="" w="9525">
                   <a:solidFill>
                     <a:srgbClr val="000000"/>
                   </a:solidFill>
@@ -14473,14 +14473,14 @@
             </a:ln>
             <a:extLst>
               <a:ext uri="{909E8E84-426E-40dd-AFC4-6F175D3DCCD1}">
-                <a14:hiddenFill xmlns="" xmlns:a14="http://schemas.microsoft.com/office/drawing/2010/main">
+                <a14:hiddenFill xmlns:a14="http://schemas.microsoft.com/office/drawing/2010/main" xmlns="">
                   <a:solidFill>
                     <a:srgbClr val="FFFFFF"/>
                   </a:solidFill>
                 </a14:hiddenFill>
               </a:ext>
               <a:ext uri="{91240B29-F687-4f45-9708-019B960494DF}">
-                <a14:hiddenLine xmlns="" xmlns:a14="http://schemas.microsoft.com/office/drawing/2010/main" w="9525">
+                <a14:hiddenLine xmlns:a14="http://schemas.microsoft.com/office/drawing/2010/main" xmlns="" w="9525">
                   <a:solidFill>
                     <a:srgbClr val="000000"/>
                   </a:solidFill>
@@ -14609,7 +14609,7 @@
             </a:ln>
             <a:extLst>
               <a:ext uri="{91240B29-F687-4f45-9708-019B960494DF}">
-                <a14:hiddenLine xmlns="" xmlns:a14="http://schemas.microsoft.com/office/drawing/2010/main" w="9525">
+                <a14:hiddenLine xmlns:a14="http://schemas.microsoft.com/office/drawing/2010/main" xmlns="" w="9525">
                   <a:solidFill>
                     <a:srgbClr val="000000"/>
                   </a:solidFill>
@@ -14754,7 +14754,7 @@
             </a:ln>
             <a:extLst>
               <a:ext uri="{91240B29-F687-4f45-9708-019B960494DF}">
-                <a14:hiddenLine xmlns="" xmlns:a14="http://schemas.microsoft.com/office/drawing/2010/main" w="9525">
+                <a14:hiddenLine xmlns:a14="http://schemas.microsoft.com/office/drawing/2010/main" xmlns="" w="9525">
                   <a:solidFill>
                     <a:srgbClr val="000000"/>
                   </a:solidFill>
@@ -14963,7 +14963,7 @@
             </a:ln>
             <a:extLst>
               <a:ext uri="{91240B29-F687-4f45-9708-019B960494DF}">
-                <a14:hiddenLine xmlns="" xmlns:a14="http://schemas.microsoft.com/office/drawing/2010/main" w="9525">
+                <a14:hiddenLine xmlns:a14="http://schemas.microsoft.com/office/drawing/2010/main" xmlns="" w="9525">
                   <a:solidFill>
                     <a:srgbClr val="000000"/>
                   </a:solidFill>
@@ -15123,7 +15123,7 @@
           </a:ln>
           <a:extLst>
             <a:ext uri="{91240B29-F687-4f45-9708-019B960494DF}">
-              <a14:hiddenLine xmlns="" xmlns:a14="http://schemas.microsoft.com/office/drawing/2010/main" w="9525">
+              <a14:hiddenLine xmlns:a14="http://schemas.microsoft.com/office/drawing/2010/main" xmlns="" w="9525">
                 <a:solidFill>
                   <a:srgbClr val="000000"/>
                 </a:solidFill>
@@ -15309,7 +15309,7 @@
           </a:ln>
           <a:extLst>
             <a:ext uri="{91240B29-F687-4f45-9708-019B960494DF}">
-              <a14:hiddenLine xmlns="" xmlns:a14="http://schemas.microsoft.com/office/drawing/2010/main" w="9525">
+              <a14:hiddenLine xmlns:a14="http://schemas.microsoft.com/office/drawing/2010/main" xmlns="" w="9525">
                 <a:solidFill>
                   <a:srgbClr val="000000"/>
                 </a:solidFill>
@@ -15528,7 +15528,7 @@
           </a:ln>
           <a:extLst>
             <a:ext uri="{91240B29-F687-4f45-9708-019B960494DF}">
-              <a14:hiddenLine xmlns="" xmlns:a14="http://schemas.microsoft.com/office/drawing/2010/main" w="9525">
+              <a14:hiddenLine xmlns:a14="http://schemas.microsoft.com/office/drawing/2010/main" xmlns="" w="9525">
                 <a:solidFill>
                   <a:srgbClr val="000000"/>
                 </a:solidFill>
@@ -15737,7 +15737,7 @@
           </a:ln>
           <a:extLst>
             <a:ext uri="{91240B29-F687-4f45-9708-019B960494DF}">
-              <a14:hiddenLine xmlns="" xmlns:a14="http://schemas.microsoft.com/office/drawing/2010/main" w="9525">
+              <a14:hiddenLine xmlns:a14="http://schemas.microsoft.com/office/drawing/2010/main" xmlns="" w="9525">
                 <a:solidFill>
                   <a:srgbClr val="000000"/>
                 </a:solidFill>
@@ -16229,7 +16229,7 @@
             </a:ln>
             <a:extLst>
               <a:ext uri="{91240B29-F687-4f45-9708-019B960494DF}">
-                <a14:hiddenLine xmlns="" xmlns:a14="http://schemas.microsoft.com/office/drawing/2010/main" w="9525">
+                <a14:hiddenLine xmlns:a14="http://schemas.microsoft.com/office/drawing/2010/main" xmlns="" w="9525">
                   <a:solidFill>
                     <a:srgbClr val="000000"/>
                   </a:solidFill>
@@ -16289,14 +16289,14 @@
             </a:ln>
             <a:extLst>
               <a:ext uri="{909E8E84-426E-40dd-AFC4-6F175D3DCCD1}">
-                <a14:hiddenFill xmlns="" xmlns:a14="http://schemas.microsoft.com/office/drawing/2010/main">
+                <a14:hiddenFill xmlns:a14="http://schemas.microsoft.com/office/drawing/2010/main" xmlns="">
                   <a:solidFill>
                     <a:srgbClr val="FFFFFF"/>
                   </a:solidFill>
                 </a14:hiddenFill>
               </a:ext>
               <a:ext uri="{91240B29-F687-4f45-9708-019B960494DF}">
-                <a14:hiddenLine xmlns="" xmlns:a14="http://schemas.microsoft.com/office/drawing/2010/main" w="9525">
+                <a14:hiddenLine xmlns:a14="http://schemas.microsoft.com/office/drawing/2010/main" xmlns="" w="9525">
                   <a:solidFill>
                     <a:srgbClr val="000000"/>
                   </a:solidFill>
@@ -16425,7 +16425,7 @@
             </a:ln>
             <a:extLst>
               <a:ext uri="{91240B29-F687-4f45-9708-019B960494DF}">
-                <a14:hiddenLine xmlns="" xmlns:a14="http://schemas.microsoft.com/office/drawing/2010/main" w="9525">
+                <a14:hiddenLine xmlns:a14="http://schemas.microsoft.com/office/drawing/2010/main" xmlns="" w="9525">
                   <a:solidFill>
                     <a:srgbClr val="000000"/>
                   </a:solidFill>
@@ -16570,7 +16570,7 @@
             </a:ln>
             <a:extLst>
               <a:ext uri="{91240B29-F687-4f45-9708-019B960494DF}">
-                <a14:hiddenLine xmlns="" xmlns:a14="http://schemas.microsoft.com/office/drawing/2010/main" w="9525">
+                <a14:hiddenLine xmlns:a14="http://schemas.microsoft.com/office/drawing/2010/main" xmlns="" w="9525">
                   <a:solidFill>
                     <a:srgbClr val="000000"/>
                   </a:solidFill>
@@ -16779,7 +16779,7 @@
             </a:ln>
             <a:extLst>
               <a:ext uri="{91240B29-F687-4f45-9708-019B960494DF}">
-                <a14:hiddenLine xmlns="" xmlns:a14="http://schemas.microsoft.com/office/drawing/2010/main" w="9525">
+                <a14:hiddenLine xmlns:a14="http://schemas.microsoft.com/office/drawing/2010/main" xmlns="" w="9525">
                   <a:solidFill>
                     <a:srgbClr val="000000"/>
                   </a:solidFill>
@@ -16862,14 +16862,14 @@
             </a:ln>
             <a:extLst>
               <a:ext uri="{909E8E84-426E-40dd-AFC4-6F175D3DCCD1}">
-                <a14:hiddenFill xmlns="" xmlns:a14="http://schemas.microsoft.com/office/drawing/2010/main">
+                <a14:hiddenFill xmlns:a14="http://schemas.microsoft.com/office/drawing/2010/main" xmlns="">
                   <a:solidFill>
                     <a:srgbClr val="FFFFFF"/>
                   </a:solidFill>
                 </a14:hiddenFill>
               </a:ext>
               <a:ext uri="{91240B29-F687-4f45-9708-019B960494DF}">
-                <a14:hiddenLine xmlns="" xmlns:a14="http://schemas.microsoft.com/office/drawing/2010/main" w="9525">
+                <a14:hiddenLine xmlns:a14="http://schemas.microsoft.com/office/drawing/2010/main" xmlns="" w="9525">
                   <a:solidFill>
                     <a:srgbClr val="000000"/>
                   </a:solidFill>
@@ -17028,7 +17028,7 @@
             </a:ln>
             <a:extLst>
               <a:ext uri="{91240B29-F687-4f45-9708-019B960494DF}">
-                <a14:hiddenLine xmlns="" xmlns:a14="http://schemas.microsoft.com/office/drawing/2010/main" w="9525">
+                <a14:hiddenLine xmlns:a14="http://schemas.microsoft.com/office/drawing/2010/main" xmlns="" w="9525">
                   <a:solidFill>
                     <a:srgbClr val="000000"/>
                   </a:solidFill>
@@ -17214,7 +17214,7 @@
             </a:ln>
             <a:extLst>
               <a:ext uri="{91240B29-F687-4f45-9708-019B960494DF}">
-                <a14:hiddenLine xmlns="" xmlns:a14="http://schemas.microsoft.com/office/drawing/2010/main" w="9525">
+                <a14:hiddenLine xmlns:a14="http://schemas.microsoft.com/office/drawing/2010/main" xmlns="" w="9525">
                   <a:solidFill>
                     <a:srgbClr val="000000"/>
                   </a:solidFill>
@@ -17420,7 +17420,7 @@
             </a:ln>
             <a:extLst>
               <a:ext uri="{91240B29-F687-4f45-9708-019B960494DF}">
-                <a14:hiddenLine xmlns="" xmlns:a14="http://schemas.microsoft.com/office/drawing/2010/main" w="9525">
+                <a14:hiddenLine xmlns:a14="http://schemas.microsoft.com/office/drawing/2010/main" xmlns="" w="9525">
                   <a:solidFill>
                     <a:srgbClr val="000000"/>
                   </a:solidFill>
@@ -17629,7 +17629,7 @@
             </a:ln>
             <a:extLst>
               <a:ext uri="{91240B29-F687-4f45-9708-019B960494DF}">
-                <a14:hiddenLine xmlns="" xmlns:a14="http://schemas.microsoft.com/office/drawing/2010/main" w="9525">
+                <a14:hiddenLine xmlns:a14="http://schemas.microsoft.com/office/drawing/2010/main" xmlns="" w="9525">
                   <a:solidFill>
                     <a:srgbClr val="000000"/>
                   </a:solidFill>
@@ -17712,14 +17712,14 @@
             </a:ln>
             <a:extLst>
               <a:ext uri="{909E8E84-426E-40dd-AFC4-6F175D3DCCD1}">
-                <a14:hiddenFill xmlns="" xmlns:a14="http://schemas.microsoft.com/office/drawing/2010/main">
+                <a14:hiddenFill xmlns:a14="http://schemas.microsoft.com/office/drawing/2010/main" xmlns="">
                   <a:solidFill>
                     <a:srgbClr val="FFFFFF"/>
                   </a:solidFill>
                 </a14:hiddenFill>
               </a:ext>
               <a:ext uri="{91240B29-F687-4f45-9708-019B960494DF}">
-                <a14:hiddenLine xmlns="" xmlns:a14="http://schemas.microsoft.com/office/drawing/2010/main" w="9525">
+                <a14:hiddenLine xmlns:a14="http://schemas.microsoft.com/office/drawing/2010/main" xmlns="" w="9525">
                   <a:solidFill>
                     <a:srgbClr val="000000"/>
                   </a:solidFill>
@@ -17878,7 +17878,7 @@
             </a:ln>
             <a:extLst>
               <a:ext uri="{91240B29-F687-4f45-9708-019B960494DF}">
-                <a14:hiddenLine xmlns="" xmlns:a14="http://schemas.microsoft.com/office/drawing/2010/main" w="9525">
+                <a14:hiddenLine xmlns:a14="http://schemas.microsoft.com/office/drawing/2010/main" xmlns="" w="9525">
                   <a:solidFill>
                     <a:srgbClr val="000000"/>
                   </a:solidFill>
@@ -18064,7 +18064,7 @@
             </a:ln>
             <a:extLst>
               <a:ext uri="{91240B29-F687-4f45-9708-019B960494DF}">
-                <a14:hiddenLine xmlns="" xmlns:a14="http://schemas.microsoft.com/office/drawing/2010/main" w="9525">
+                <a14:hiddenLine xmlns:a14="http://schemas.microsoft.com/office/drawing/2010/main" xmlns="" w="9525">
                   <a:solidFill>
                     <a:srgbClr val="000000"/>
                   </a:solidFill>
@@ -18283,7 +18283,7 @@
             </a:ln>
             <a:extLst>
               <a:ext uri="{91240B29-F687-4f45-9708-019B960494DF}">
-                <a14:hiddenLine xmlns="" xmlns:a14="http://schemas.microsoft.com/office/drawing/2010/main" w="9525">
+                <a14:hiddenLine xmlns:a14="http://schemas.microsoft.com/office/drawing/2010/main" xmlns="" w="9525">
                   <a:solidFill>
                     <a:srgbClr val="000000"/>
                   </a:solidFill>
@@ -18492,7 +18492,7 @@
             </a:ln>
             <a:extLst>
               <a:ext uri="{91240B29-F687-4f45-9708-019B960494DF}">
-                <a14:hiddenLine xmlns="" xmlns:a14="http://schemas.microsoft.com/office/drawing/2010/main" w="9525">
+                <a14:hiddenLine xmlns:a14="http://schemas.microsoft.com/office/drawing/2010/main" xmlns="" w="9525">
                   <a:solidFill>
                     <a:srgbClr val="000000"/>
                   </a:solidFill>
@@ -18573,14 +18573,14 @@
             </a:ln>
             <a:extLst>
               <a:ext uri="{909E8E84-426E-40dd-AFC4-6F175D3DCCD1}">
-                <a14:hiddenFill xmlns:a14="http://schemas.microsoft.com/office/drawing/2010/main" xmlns="">
+                <a14:hiddenFill xmlns="" xmlns:a14="http://schemas.microsoft.com/office/drawing/2010/main">
                   <a:solidFill>
                     <a:srgbClr val="FFFFFF"/>
                   </a:solidFill>
                 </a14:hiddenFill>
               </a:ext>
               <a:ext uri="{91240B29-F687-4f45-9708-019B960494DF}">
-                <a14:hiddenLine xmlns:a14="http://schemas.microsoft.com/office/drawing/2010/main" xmlns="" w="9525">
+                <a14:hiddenLine xmlns="" xmlns:a14="http://schemas.microsoft.com/office/drawing/2010/main" w="9525">
                   <a:solidFill>
                     <a:srgbClr val="000000"/>
                   </a:solidFill>
@@ -18736,7 +18736,7 @@
             </a:ln>
             <a:extLst>
               <a:ext uri="{91240B29-F687-4f45-9708-019B960494DF}">
-                <a14:hiddenLine xmlns:a14="http://schemas.microsoft.com/office/drawing/2010/main" xmlns="" w="9525">
+                <a14:hiddenLine xmlns="" xmlns:a14="http://schemas.microsoft.com/office/drawing/2010/main" w="9525">
                   <a:solidFill>
                     <a:srgbClr val="000000"/>
                   </a:solidFill>
@@ -18852,14 +18852,14 @@
             </a:ln>
             <a:extLst>
               <a:ext uri="{909E8E84-426E-40dd-AFC4-6F175D3DCCD1}">
-                <a14:hiddenFill xmlns:a14="http://schemas.microsoft.com/office/drawing/2010/main" xmlns="">
+                <a14:hiddenFill xmlns="" xmlns:a14="http://schemas.microsoft.com/office/drawing/2010/main">
                   <a:solidFill>
                     <a:srgbClr val="FFFFFF"/>
                   </a:solidFill>
                 </a14:hiddenFill>
               </a:ext>
               <a:ext uri="{91240B29-F687-4f45-9708-019B960494DF}">
-                <a14:hiddenLine xmlns:a14="http://schemas.microsoft.com/office/drawing/2010/main" xmlns="" w="9525">
+                <a14:hiddenLine xmlns="" xmlns:a14="http://schemas.microsoft.com/office/drawing/2010/main" w="9525">
                   <a:solidFill>
                     <a:srgbClr val="000000"/>
                   </a:solidFill>
@@ -19015,7 +19015,7 @@
             </a:ln>
             <a:extLst>
               <a:ext uri="{91240B29-F687-4f45-9708-019B960494DF}">
-                <a14:hiddenLine xmlns:a14="http://schemas.microsoft.com/office/drawing/2010/main" xmlns="" w="9525">
+                <a14:hiddenLine xmlns="" xmlns:a14="http://schemas.microsoft.com/office/drawing/2010/main" w="9525">
                   <a:solidFill>
                     <a:srgbClr val="000000"/>
                   </a:solidFill>
@@ -19198,7 +19198,7 @@
             </a:ln>
             <a:extLst>
               <a:ext uri="{91240B29-F687-4f45-9708-019B960494DF}">
-                <a14:hiddenLine xmlns:a14="http://schemas.microsoft.com/office/drawing/2010/main" xmlns="" w="9525">
+                <a14:hiddenLine xmlns="" xmlns:a14="http://schemas.microsoft.com/office/drawing/2010/main" w="9525">
                   <a:solidFill>
                     <a:srgbClr val="000000"/>
                   </a:solidFill>
@@ -19356,7 +19356,7 @@
             </a:ln>
             <a:extLst>
               <a:ext uri="{91240B29-F687-4f45-9708-019B960494DF}">
-                <a14:hiddenLine xmlns:a14="http://schemas.microsoft.com/office/drawing/2010/main" xmlns="" w="9525">
+                <a14:hiddenLine xmlns="" xmlns:a14="http://schemas.microsoft.com/office/drawing/2010/main" w="9525">
                   <a:solidFill>
                     <a:srgbClr val="000000"/>
                   </a:solidFill>
@@ -19562,7 +19562,7 @@
             </a:ln>
             <a:extLst>
               <a:ext uri="{91240B29-F687-4f45-9708-019B960494DF}">
-                <a14:hiddenLine xmlns:a14="http://schemas.microsoft.com/office/drawing/2010/main" xmlns="" w="9525">
+                <a14:hiddenLine xmlns="" xmlns:a14="http://schemas.microsoft.com/office/drawing/2010/main" w="9525">
                   <a:solidFill>
                     <a:srgbClr val="000000"/>
                   </a:solidFill>
@@ -19911,14 +19911,14 @@
             </a:ln>
             <a:extLst>
               <a:ext uri="{909E8E84-426E-40dd-AFC4-6F175D3DCCD1}">
-                <a14:hiddenFill xmlns:a14="http://schemas.microsoft.com/office/drawing/2010/main" xmlns="">
+                <a14:hiddenFill xmlns="" xmlns:a14="http://schemas.microsoft.com/office/drawing/2010/main">
                   <a:solidFill>
                     <a:srgbClr val="FFFFFF"/>
                   </a:solidFill>
                 </a14:hiddenFill>
               </a:ext>
               <a:ext uri="{91240B29-F687-4f45-9708-019B960494DF}">
-                <a14:hiddenLine xmlns:a14="http://schemas.microsoft.com/office/drawing/2010/main" xmlns="" w="9525">
+                <a14:hiddenLine xmlns="" xmlns:a14="http://schemas.microsoft.com/office/drawing/2010/main" w="9525">
                   <a:solidFill>
                     <a:srgbClr val="000000"/>
                   </a:solidFill>
@@ -20074,7 +20074,7 @@
             </a:ln>
             <a:extLst>
               <a:ext uri="{91240B29-F687-4f45-9708-019B960494DF}">
-                <a14:hiddenLine xmlns:a14="http://schemas.microsoft.com/office/drawing/2010/main" xmlns="" w="9525">
+                <a14:hiddenLine xmlns="" xmlns:a14="http://schemas.microsoft.com/office/drawing/2010/main" w="9525">
                   <a:solidFill>
                     <a:srgbClr val="000000"/>
                   </a:solidFill>
@@ -20154,14 +20154,14 @@
             </a:ln>
             <a:extLst>
               <a:ext uri="{909E8E84-426E-40dd-AFC4-6F175D3DCCD1}">
-                <a14:hiddenFill xmlns="" xmlns:a14="http://schemas.microsoft.com/office/drawing/2010/main">
+                <a14:hiddenFill xmlns:a14="http://schemas.microsoft.com/office/drawing/2010/main" xmlns="">
                   <a:solidFill>
                     <a:srgbClr val="FFFFFF"/>
                   </a:solidFill>
                 </a14:hiddenFill>
               </a:ext>
               <a:ext uri="{91240B29-F687-4f45-9708-019B960494DF}">
-                <a14:hiddenLine xmlns="" xmlns:a14="http://schemas.microsoft.com/office/drawing/2010/main" w="9525">
+                <a14:hiddenLine xmlns:a14="http://schemas.microsoft.com/office/drawing/2010/main" xmlns="" w="9525">
                   <a:solidFill>
                     <a:srgbClr val="000000"/>
                   </a:solidFill>
@@ -20320,7 +20320,7 @@
             </a:ln>
             <a:extLst>
               <a:ext uri="{91240B29-F687-4f45-9708-019B960494DF}">
-                <a14:hiddenLine xmlns="" xmlns:a14="http://schemas.microsoft.com/office/drawing/2010/main" w="9525">
+                <a14:hiddenLine xmlns:a14="http://schemas.microsoft.com/office/drawing/2010/main" xmlns="" w="9525">
                   <a:solidFill>
                     <a:srgbClr val="000000"/>
                   </a:solidFill>
@@ -20506,7 +20506,7 @@
             </a:ln>
             <a:extLst>
               <a:ext uri="{91240B29-F687-4f45-9708-019B960494DF}">
-                <a14:hiddenLine xmlns="" xmlns:a14="http://schemas.microsoft.com/office/drawing/2010/main" w="9525">
+                <a14:hiddenLine xmlns:a14="http://schemas.microsoft.com/office/drawing/2010/main" xmlns="" w="9525">
                   <a:solidFill>
                     <a:srgbClr val="000000"/>
                   </a:solidFill>
@@ -20725,7 +20725,7 @@
             </a:ln>
             <a:extLst>
               <a:ext uri="{91240B29-F687-4f45-9708-019B960494DF}">
-                <a14:hiddenLine xmlns="" xmlns:a14="http://schemas.microsoft.com/office/drawing/2010/main" w="9525">
+                <a14:hiddenLine xmlns:a14="http://schemas.microsoft.com/office/drawing/2010/main" xmlns="" w="9525">
                   <a:solidFill>
                     <a:srgbClr val="000000"/>
                   </a:solidFill>
@@ -20934,7 +20934,7 @@
             </a:ln>
             <a:extLst>
               <a:ext uri="{91240B29-F687-4f45-9708-019B960494DF}">
-                <a14:hiddenLine xmlns="" xmlns:a14="http://schemas.microsoft.com/office/drawing/2010/main" w="9525">
+                <a14:hiddenLine xmlns:a14="http://schemas.microsoft.com/office/drawing/2010/main" xmlns="" w="9525">
                   <a:solidFill>
                     <a:srgbClr val="000000"/>
                   </a:solidFill>
@@ -21015,14 +21015,14 @@
             </a:ln>
             <a:extLst>
               <a:ext uri="{909E8E84-426E-40dd-AFC4-6F175D3DCCD1}">
-                <a14:hiddenFill xmlns:a14="http://schemas.microsoft.com/office/drawing/2010/main" xmlns="">
+                <a14:hiddenFill xmlns="" xmlns:a14="http://schemas.microsoft.com/office/drawing/2010/main">
                   <a:solidFill>
                     <a:srgbClr val="FFFFFF"/>
                   </a:solidFill>
                 </a14:hiddenFill>
               </a:ext>
               <a:ext uri="{91240B29-F687-4f45-9708-019B960494DF}">
-                <a14:hiddenLine xmlns:a14="http://schemas.microsoft.com/office/drawing/2010/main" xmlns="" w="9525">
+                <a14:hiddenLine xmlns="" xmlns:a14="http://schemas.microsoft.com/office/drawing/2010/main" w="9525">
                   <a:solidFill>
                     <a:srgbClr val="000000"/>
                   </a:solidFill>
@@ -21178,7 +21178,7 @@
             </a:ln>
             <a:extLst>
               <a:ext uri="{91240B29-F687-4f45-9708-019B960494DF}">
-                <a14:hiddenLine xmlns:a14="http://schemas.microsoft.com/office/drawing/2010/main" xmlns="" w="9525">
+                <a14:hiddenLine xmlns="" xmlns:a14="http://schemas.microsoft.com/office/drawing/2010/main" w="9525">
                   <a:solidFill>
                     <a:srgbClr val="000000"/>
                   </a:solidFill>
@@ -21333,14 +21333,14 @@
             </a:ln>
             <a:extLst>
               <a:ext uri="{909E8E84-426E-40dd-AFC4-6F175D3DCCD1}">
-                <a14:hiddenFill xmlns="" xmlns:a14="http://schemas.microsoft.com/office/drawing/2010/main">
+                <a14:hiddenFill xmlns:a14="http://schemas.microsoft.com/office/drawing/2010/main" xmlns="">
                   <a:solidFill>
                     <a:srgbClr val="FFFFFF"/>
                   </a:solidFill>
                 </a14:hiddenFill>
               </a:ext>
               <a:ext uri="{91240B29-F687-4f45-9708-019B960494DF}">
-                <a14:hiddenLine xmlns="" xmlns:a14="http://schemas.microsoft.com/office/drawing/2010/main" w="9525">
+                <a14:hiddenLine xmlns:a14="http://schemas.microsoft.com/office/drawing/2010/main" xmlns="" w="9525">
                   <a:solidFill>
                     <a:srgbClr val="000000"/>
                   </a:solidFill>
@@ -21499,7 +21499,7 @@
             </a:ln>
             <a:extLst>
               <a:ext uri="{91240B29-F687-4f45-9708-019B960494DF}">
-                <a14:hiddenLine xmlns="" xmlns:a14="http://schemas.microsoft.com/office/drawing/2010/main" w="9525">
+                <a14:hiddenLine xmlns:a14="http://schemas.microsoft.com/office/drawing/2010/main" xmlns="" w="9525">
                   <a:solidFill>
                     <a:srgbClr val="000000"/>
                   </a:solidFill>
@@ -21685,7 +21685,7 @@
             </a:ln>
             <a:extLst>
               <a:ext uri="{91240B29-F687-4f45-9708-019B960494DF}">
-                <a14:hiddenLine xmlns="" xmlns:a14="http://schemas.microsoft.com/office/drawing/2010/main" w="9525">
+                <a14:hiddenLine xmlns:a14="http://schemas.microsoft.com/office/drawing/2010/main" xmlns="" w="9525">
                   <a:solidFill>
                     <a:srgbClr val="000000"/>
                   </a:solidFill>
@@ -21891,7 +21891,7 @@
             </a:ln>
             <a:extLst>
               <a:ext uri="{91240B29-F687-4f45-9708-019B960494DF}">
-                <a14:hiddenLine xmlns="" xmlns:a14="http://schemas.microsoft.com/office/drawing/2010/main" w="9525">
+                <a14:hiddenLine xmlns:a14="http://schemas.microsoft.com/office/drawing/2010/main" xmlns="" w="9525">
                   <a:solidFill>
                     <a:srgbClr val="000000"/>
                   </a:solidFill>
@@ -22100,7 +22100,7 @@
             </a:ln>
             <a:extLst>
               <a:ext uri="{91240B29-F687-4f45-9708-019B960494DF}">
-                <a14:hiddenLine xmlns="" xmlns:a14="http://schemas.microsoft.com/office/drawing/2010/main" w="9525">
+                <a14:hiddenLine xmlns:a14="http://schemas.microsoft.com/office/drawing/2010/main" xmlns="" w="9525">
                   <a:solidFill>
                     <a:srgbClr val="000000"/>
                   </a:solidFill>
@@ -22280,7 +22280,7 @@
             </a:ln>
             <a:extLst>
               <a:ext uri="{91240B29-F687-4f45-9708-019B960494DF}">
-                <a14:hiddenLine xmlns="" xmlns:a14="http://schemas.microsoft.com/office/drawing/2010/main" w="9525">
+                <a14:hiddenLine xmlns:a14="http://schemas.microsoft.com/office/drawing/2010/main" xmlns="" w="9525">
                   <a:solidFill>
                     <a:srgbClr val="000000"/>
                   </a:solidFill>
@@ -22340,14 +22340,14 @@
             </a:ln>
             <a:extLst>
               <a:ext uri="{909E8E84-426E-40dd-AFC4-6F175D3DCCD1}">
-                <a14:hiddenFill xmlns="" xmlns:a14="http://schemas.microsoft.com/office/drawing/2010/main">
+                <a14:hiddenFill xmlns:a14="http://schemas.microsoft.com/office/drawing/2010/main" xmlns="">
                   <a:solidFill>
                     <a:srgbClr val="FFFFFF"/>
                   </a:solidFill>
                 </a14:hiddenFill>
               </a:ext>
               <a:ext uri="{91240B29-F687-4f45-9708-019B960494DF}">
-                <a14:hiddenLine xmlns="" xmlns:a14="http://schemas.microsoft.com/office/drawing/2010/main" w="9525">
+                <a14:hiddenLine xmlns:a14="http://schemas.microsoft.com/office/drawing/2010/main" xmlns="" w="9525">
                   <a:solidFill>
                     <a:srgbClr val="000000"/>
                   </a:solidFill>
@@ -22476,7 +22476,7 @@
             </a:ln>
             <a:extLst>
               <a:ext uri="{91240B29-F687-4f45-9708-019B960494DF}">
-                <a14:hiddenLine xmlns="" xmlns:a14="http://schemas.microsoft.com/office/drawing/2010/main" w="9525">
+                <a14:hiddenLine xmlns:a14="http://schemas.microsoft.com/office/drawing/2010/main" xmlns="" w="9525">
                   <a:solidFill>
                     <a:srgbClr val="000000"/>
                   </a:solidFill>
@@ -22621,7 +22621,7 @@
             </a:ln>
             <a:extLst>
               <a:ext uri="{91240B29-F687-4f45-9708-019B960494DF}">
-                <a14:hiddenLine xmlns="" xmlns:a14="http://schemas.microsoft.com/office/drawing/2010/main" w="9525">
+                <a14:hiddenLine xmlns:a14="http://schemas.microsoft.com/office/drawing/2010/main" xmlns="" w="9525">
                   <a:solidFill>
                     <a:srgbClr val="000000"/>
                   </a:solidFill>
@@ -22830,7 +22830,7 @@
             </a:ln>
             <a:extLst>
               <a:ext uri="{91240B29-F687-4f45-9708-019B960494DF}">
-                <a14:hiddenLine xmlns="" xmlns:a14="http://schemas.microsoft.com/office/drawing/2010/main" w="9525">
+                <a14:hiddenLine xmlns:a14="http://schemas.microsoft.com/office/drawing/2010/main" xmlns="" w="9525">
                   <a:solidFill>
                     <a:srgbClr val="000000"/>
                   </a:solidFill>
@@ -27568,7 +27568,7 @@
             </a:ln>
             <a:extLst>
               <a:ext uri="{91240B29-F687-4f45-9708-019B960494DF}">
-                <a14:hiddenLine xmlns="" xmlns:a14="http://schemas.microsoft.com/office/drawing/2010/main" w="9525">
+                <a14:hiddenLine xmlns:a14="http://schemas.microsoft.com/office/drawing/2010/main" xmlns="" w="9525">
                   <a:solidFill>
                     <a:srgbClr val="000000"/>
                   </a:solidFill>
@@ -29493,14 +29493,14 @@
             </a:ln>
             <a:extLst>
               <a:ext uri="{909E8E84-426E-40dd-AFC4-6F175D3DCCD1}">
-                <a14:hiddenFill xmlns="" xmlns:a14="http://schemas.microsoft.com/office/drawing/2010/main">
+                <a14:hiddenFill xmlns:a14="http://schemas.microsoft.com/office/drawing/2010/main" xmlns="">
                   <a:solidFill>
                     <a:srgbClr val="FFFFFF"/>
                   </a:solidFill>
                 </a14:hiddenFill>
               </a:ext>
               <a:ext uri="{91240B29-F687-4f45-9708-019B960494DF}">
-                <a14:hiddenLine xmlns="" xmlns:a14="http://schemas.microsoft.com/office/drawing/2010/main" w="9525">
+                <a14:hiddenLine xmlns:a14="http://schemas.microsoft.com/office/drawing/2010/main" xmlns="" w="9525">
                   <a:solidFill>
                     <a:srgbClr val="000000"/>
                   </a:solidFill>
@@ -29659,7 +29659,7 @@
             </a:ln>
             <a:extLst>
               <a:ext uri="{91240B29-F687-4f45-9708-019B960494DF}">
-                <a14:hiddenLine xmlns="" xmlns:a14="http://schemas.microsoft.com/office/drawing/2010/main" w="9525">
+                <a14:hiddenLine xmlns:a14="http://schemas.microsoft.com/office/drawing/2010/main" xmlns="" w="9525">
                   <a:solidFill>
                     <a:srgbClr val="000000"/>
                   </a:solidFill>
@@ -29817,14 +29817,14 @@
           </a:ln>
           <a:extLst>
             <a:ext uri="{909E8E84-426E-40dd-AFC4-6F175D3DCCD1}">
-              <a14:hiddenFill xmlns="" xmlns:a14="http://schemas.microsoft.com/office/drawing/2010/main">
+              <a14:hiddenFill xmlns:a14="http://schemas.microsoft.com/office/drawing/2010/main" xmlns="">
                 <a:solidFill>
                   <a:srgbClr val="FFFFFF"/>
                 </a:solidFill>
               </a14:hiddenFill>
             </a:ext>
             <a:ext uri="{91240B29-F687-4f45-9708-019B960494DF}">
-              <a14:hiddenLine xmlns="" xmlns:a14="http://schemas.microsoft.com/office/drawing/2010/main" w="9525">
+              <a14:hiddenLine xmlns:a14="http://schemas.microsoft.com/office/drawing/2010/main" xmlns="" w="9525">
                 <a:solidFill>
                   <a:srgbClr val="000000"/>
                 </a:solidFill>
@@ -30165,7 +30165,7 @@
             </a:ln>
             <a:extLst>
               <a:ext uri="{91240B29-F687-4f45-9708-019B960494DF}">
-                <a14:hiddenLine xmlns="" xmlns:a14="http://schemas.microsoft.com/office/drawing/2010/main" w="9525">
+                <a14:hiddenLine xmlns:a14="http://schemas.microsoft.com/office/drawing/2010/main" xmlns="" w="9525">
                   <a:solidFill>
                     <a:srgbClr val="000000"/>
                   </a:solidFill>
@@ -30225,14 +30225,14 @@
             </a:ln>
             <a:extLst>
               <a:ext uri="{909E8E84-426E-40dd-AFC4-6F175D3DCCD1}">
-                <a14:hiddenFill xmlns="" xmlns:a14="http://schemas.microsoft.com/office/drawing/2010/main">
+                <a14:hiddenFill xmlns:a14="http://schemas.microsoft.com/office/drawing/2010/main" xmlns="">
                   <a:solidFill>
                     <a:srgbClr val="FFFFFF"/>
                   </a:solidFill>
                 </a14:hiddenFill>
               </a:ext>
               <a:ext uri="{91240B29-F687-4f45-9708-019B960494DF}">
-                <a14:hiddenLine xmlns="" xmlns:a14="http://schemas.microsoft.com/office/drawing/2010/main" w="9525">
+                <a14:hiddenLine xmlns:a14="http://schemas.microsoft.com/office/drawing/2010/main" xmlns="" w="9525">
                   <a:solidFill>
                     <a:srgbClr val="000000"/>
                   </a:solidFill>
@@ -30361,7 +30361,7 @@
             </a:ln>
             <a:extLst>
               <a:ext uri="{91240B29-F687-4f45-9708-019B960494DF}">
-                <a14:hiddenLine xmlns="" xmlns:a14="http://schemas.microsoft.com/office/drawing/2010/main" w="9525">
+                <a14:hiddenLine xmlns:a14="http://schemas.microsoft.com/office/drawing/2010/main" xmlns="" w="9525">
                   <a:solidFill>
                     <a:srgbClr val="000000"/>
                   </a:solidFill>
@@ -30506,7 +30506,7 @@
             </a:ln>
             <a:extLst>
               <a:ext uri="{91240B29-F687-4f45-9708-019B960494DF}">
-                <a14:hiddenLine xmlns="" xmlns:a14="http://schemas.microsoft.com/office/drawing/2010/main" w="9525">
+                <a14:hiddenLine xmlns:a14="http://schemas.microsoft.com/office/drawing/2010/main" xmlns="" w="9525">
                   <a:solidFill>
                     <a:srgbClr val="000000"/>
                   </a:solidFill>
@@ -30715,7 +30715,7 @@
             </a:ln>
             <a:extLst>
               <a:ext uri="{91240B29-F687-4f45-9708-019B960494DF}">
-                <a14:hiddenLine xmlns="" xmlns:a14="http://schemas.microsoft.com/office/drawing/2010/main" w="9525">
+                <a14:hiddenLine xmlns:a14="http://schemas.microsoft.com/office/drawing/2010/main" xmlns="" w="9525">
                   <a:solidFill>
                     <a:srgbClr val="000000"/>
                   </a:solidFill>
@@ -30902,7 +30902,7 @@
           </a:ln>
           <a:extLst>
             <a:ext uri="{91240B29-F687-4f45-9708-019B960494DF}">
-              <a14:hiddenLine xmlns="" xmlns:a14="http://schemas.microsoft.com/office/drawing/2010/main" w="9525">
+              <a14:hiddenLine xmlns:a14="http://schemas.microsoft.com/office/drawing/2010/main" xmlns="" w="9525">
                 <a:solidFill>
                   <a:srgbClr val="000000"/>
                 </a:solidFill>
@@ -31121,7 +31121,7 @@
           </a:ln>
           <a:extLst>
             <a:ext uri="{91240B29-F687-4f45-9708-019B960494DF}">
-              <a14:hiddenLine xmlns="" xmlns:a14="http://schemas.microsoft.com/office/drawing/2010/main" w="9525">
+              <a14:hiddenLine xmlns:a14="http://schemas.microsoft.com/office/drawing/2010/main" xmlns="" w="9525">
                 <a:solidFill>
                   <a:srgbClr val="000000"/>
                 </a:solidFill>
@@ -31330,7 +31330,7 @@
           </a:ln>
           <a:extLst>
             <a:ext uri="{91240B29-F687-4f45-9708-019B960494DF}">
-              <a14:hiddenLine xmlns="" xmlns:a14="http://schemas.microsoft.com/office/drawing/2010/main" w="9525">
+              <a14:hiddenLine xmlns:a14="http://schemas.microsoft.com/office/drawing/2010/main" xmlns="" w="9525">
                 <a:solidFill>
                   <a:srgbClr val="000000"/>
                 </a:solidFill>
@@ -31636,14 +31636,14 @@
             </a:ln>
             <a:extLst>
               <a:ext uri="{909E8E84-426E-40dd-AFC4-6F175D3DCCD1}">
-                <a14:hiddenFill xmlns="" xmlns:a14="http://schemas.microsoft.com/office/drawing/2010/main">
+                <a14:hiddenFill xmlns:a14="http://schemas.microsoft.com/office/drawing/2010/main" xmlns="">
                   <a:solidFill>
                     <a:srgbClr val="FFFFFF"/>
                   </a:solidFill>
                 </a14:hiddenFill>
               </a:ext>
               <a:ext uri="{91240B29-F687-4f45-9708-019B960494DF}">
-                <a14:hiddenLine xmlns="" xmlns:a14="http://schemas.microsoft.com/office/drawing/2010/main" w="9525">
+                <a14:hiddenLine xmlns:a14="http://schemas.microsoft.com/office/drawing/2010/main" xmlns="" w="9525">
                   <a:solidFill>
                     <a:srgbClr val="000000"/>
                   </a:solidFill>
@@ -31802,7 +31802,7 @@
             </a:ln>
             <a:extLst>
               <a:ext uri="{91240B29-F687-4f45-9708-019B960494DF}">
-                <a14:hiddenLine xmlns="" xmlns:a14="http://schemas.microsoft.com/office/drawing/2010/main" w="9525">
+                <a14:hiddenLine xmlns:a14="http://schemas.microsoft.com/office/drawing/2010/main" xmlns="" w="9525">
                   <a:solidFill>
                     <a:srgbClr val="000000"/>
                   </a:solidFill>
@@ -32709,14 +32709,14 @@
             </a:ln>
             <a:extLst>
               <a:ext uri="{909E8E84-426E-40dd-AFC4-6F175D3DCCD1}">
-                <a14:hiddenFill xmlns:a14="http://schemas.microsoft.com/office/drawing/2010/main" xmlns="">
+                <a14:hiddenFill xmlns="" xmlns:a14="http://schemas.microsoft.com/office/drawing/2010/main">
                   <a:solidFill>
                     <a:srgbClr val="FFFFFF"/>
                   </a:solidFill>
                 </a14:hiddenFill>
               </a:ext>
               <a:ext uri="{91240B29-F687-4f45-9708-019B960494DF}">
-                <a14:hiddenLine xmlns:a14="http://schemas.microsoft.com/office/drawing/2010/main" xmlns="" w="9525">
+                <a14:hiddenLine xmlns="" xmlns:a14="http://schemas.microsoft.com/office/drawing/2010/main" w="9525">
                   <a:solidFill>
                     <a:srgbClr val="000000"/>
                   </a:solidFill>
@@ -32776,14 +32776,14 @@
             </a:ln>
             <a:extLst>
               <a:ext uri="{909E8E84-426E-40dd-AFC4-6F175D3DCCD1}">
-                <a14:hiddenFill xmlns:a14="http://schemas.microsoft.com/office/drawing/2010/main" xmlns="">
+                <a14:hiddenFill xmlns="" xmlns:a14="http://schemas.microsoft.com/office/drawing/2010/main">
                   <a:solidFill>
                     <a:srgbClr val="FFFFFF"/>
                   </a:solidFill>
                 </a14:hiddenFill>
               </a:ext>
               <a:ext uri="{91240B29-F687-4f45-9708-019B960494DF}">
-                <a14:hiddenLine xmlns:a14="http://schemas.microsoft.com/office/drawing/2010/main" xmlns="" w="9525">
+                <a14:hiddenLine xmlns="" xmlns:a14="http://schemas.microsoft.com/office/drawing/2010/main" w="9525">
                   <a:solidFill>
                     <a:srgbClr val="000000"/>
                   </a:solidFill>
@@ -32843,14 +32843,14 @@
             </a:ln>
             <a:extLst>
               <a:ext uri="{909E8E84-426E-40dd-AFC4-6F175D3DCCD1}">
-                <a14:hiddenFill xmlns:a14="http://schemas.microsoft.com/office/drawing/2010/main" xmlns="">
+                <a14:hiddenFill xmlns="" xmlns:a14="http://schemas.microsoft.com/office/drawing/2010/main">
                   <a:solidFill>
                     <a:srgbClr val="FFFFFF"/>
                   </a:solidFill>
                 </a14:hiddenFill>
               </a:ext>
               <a:ext uri="{91240B29-F687-4f45-9708-019B960494DF}">
-                <a14:hiddenLine xmlns:a14="http://schemas.microsoft.com/office/drawing/2010/main" xmlns="" w="9525">
+                <a14:hiddenLine xmlns="" xmlns:a14="http://schemas.microsoft.com/office/drawing/2010/main" w="9525">
                   <a:solidFill>
                     <a:srgbClr val="000000"/>
                   </a:solidFill>
@@ -32910,14 +32910,14 @@
             </a:ln>
             <a:extLst>
               <a:ext uri="{909E8E84-426E-40dd-AFC4-6F175D3DCCD1}">
-                <a14:hiddenFill xmlns:a14="http://schemas.microsoft.com/office/drawing/2010/main" xmlns="">
+                <a14:hiddenFill xmlns="" xmlns:a14="http://schemas.microsoft.com/office/drawing/2010/main">
                   <a:solidFill>
                     <a:srgbClr val="FFFFFF"/>
                   </a:solidFill>
                 </a14:hiddenFill>
               </a:ext>
               <a:ext uri="{91240B29-F687-4f45-9708-019B960494DF}">
-                <a14:hiddenLine xmlns:a14="http://schemas.microsoft.com/office/drawing/2010/main" xmlns="" w="9525">
+                <a14:hiddenLine xmlns="" xmlns:a14="http://schemas.microsoft.com/office/drawing/2010/main" w="9525">
                   <a:solidFill>
                     <a:srgbClr val="000000"/>
                   </a:solidFill>
@@ -32998,14 +32998,14 @@
             </a:ln>
             <a:extLst>
               <a:ext uri="{909E8E84-426E-40dd-AFC4-6F175D3DCCD1}">
-                <a14:hiddenFill xmlns:a14="http://schemas.microsoft.com/office/drawing/2010/main" xmlns="">
+                <a14:hiddenFill xmlns="" xmlns:a14="http://schemas.microsoft.com/office/drawing/2010/main">
                   <a:solidFill>
                     <a:srgbClr val="FFFFFF"/>
                   </a:solidFill>
                 </a14:hiddenFill>
               </a:ext>
               <a:ext uri="{91240B29-F687-4f45-9708-019B960494DF}">
-                <a14:hiddenLine xmlns:a14="http://schemas.microsoft.com/office/drawing/2010/main" xmlns="" w="9525">
+                <a14:hiddenLine xmlns="" xmlns:a14="http://schemas.microsoft.com/office/drawing/2010/main" w="9525">
                   <a:solidFill>
                     <a:srgbClr val="000000"/>
                   </a:solidFill>
@@ -33065,14 +33065,14 @@
             </a:ln>
             <a:extLst>
               <a:ext uri="{909E8E84-426E-40dd-AFC4-6F175D3DCCD1}">
-                <a14:hiddenFill xmlns:a14="http://schemas.microsoft.com/office/drawing/2010/main" xmlns="">
+                <a14:hiddenFill xmlns="" xmlns:a14="http://schemas.microsoft.com/office/drawing/2010/main">
                   <a:solidFill>
                     <a:srgbClr val="FFFFFF"/>
                   </a:solidFill>
                 </a14:hiddenFill>
               </a:ext>
               <a:ext uri="{91240B29-F687-4f45-9708-019B960494DF}">
-                <a14:hiddenLine xmlns:a14="http://schemas.microsoft.com/office/drawing/2010/main" xmlns="" w="9525">
+                <a14:hiddenLine xmlns="" xmlns:a14="http://schemas.microsoft.com/office/drawing/2010/main" w="9525">
                   <a:solidFill>
                     <a:srgbClr val="000000"/>
                   </a:solidFill>
@@ -33132,14 +33132,14 @@
             </a:ln>
             <a:extLst>
               <a:ext uri="{909E8E84-426E-40dd-AFC4-6F175D3DCCD1}">
-                <a14:hiddenFill xmlns:a14="http://schemas.microsoft.com/office/drawing/2010/main" xmlns="">
+                <a14:hiddenFill xmlns="" xmlns:a14="http://schemas.microsoft.com/office/drawing/2010/main">
                   <a:solidFill>
                     <a:srgbClr val="FFFFFF"/>
                   </a:solidFill>
                 </a14:hiddenFill>
               </a:ext>
               <a:ext uri="{91240B29-F687-4f45-9708-019B960494DF}">
-                <a14:hiddenLine xmlns:a14="http://schemas.microsoft.com/office/drawing/2010/main" xmlns="" w="9525">
+                <a14:hiddenLine xmlns="" xmlns:a14="http://schemas.microsoft.com/office/drawing/2010/main" w="9525">
                   <a:solidFill>
                     <a:srgbClr val="000000"/>
                   </a:solidFill>
@@ -33199,14 +33199,14 @@
             </a:ln>
             <a:extLst>
               <a:ext uri="{909E8E84-426E-40dd-AFC4-6F175D3DCCD1}">
-                <a14:hiddenFill xmlns:a14="http://schemas.microsoft.com/office/drawing/2010/main" xmlns="">
+                <a14:hiddenFill xmlns="" xmlns:a14="http://schemas.microsoft.com/office/drawing/2010/main">
                   <a:solidFill>
                     <a:srgbClr val="FFFFFF"/>
                   </a:solidFill>
                 </a14:hiddenFill>
               </a:ext>
               <a:ext uri="{91240B29-F687-4f45-9708-019B960494DF}">
-                <a14:hiddenLine xmlns:a14="http://schemas.microsoft.com/office/drawing/2010/main" xmlns="" w="9525">
+                <a14:hiddenLine xmlns="" xmlns:a14="http://schemas.microsoft.com/office/drawing/2010/main" w="9525">
                   <a:solidFill>
                     <a:srgbClr val="000000"/>
                   </a:solidFill>
@@ -33602,7 +33602,7 @@
           </a:ln>
           <a:extLst>
             <a:ext uri="{91240B29-F687-4f45-9708-019B960494DF}">
-              <a14:hiddenLine xmlns:a14="http://schemas.microsoft.com/office/drawing/2010/main" xmlns="" w="9525">
+              <a14:hiddenLine xmlns="" xmlns:a14="http://schemas.microsoft.com/office/drawing/2010/main" w="9525">
                 <a:solidFill>
                   <a:srgbClr val="000000"/>
                 </a:solidFill>
@@ -33662,14 +33662,14 @@
           </a:ln>
           <a:extLst>
             <a:ext uri="{909E8E84-426E-40dd-AFC4-6F175D3DCCD1}">
-              <a14:hiddenFill xmlns:a14="http://schemas.microsoft.com/office/drawing/2010/main" xmlns="">
+              <a14:hiddenFill xmlns="" xmlns:a14="http://schemas.microsoft.com/office/drawing/2010/main">
                 <a:solidFill>
                   <a:srgbClr val="FFFFFF"/>
                 </a:solidFill>
               </a14:hiddenFill>
             </a:ext>
             <a:ext uri="{91240B29-F687-4f45-9708-019B960494DF}">
-              <a14:hiddenLine xmlns:a14="http://schemas.microsoft.com/office/drawing/2010/main" xmlns="" w="9525">
+              <a14:hiddenLine xmlns="" xmlns:a14="http://schemas.microsoft.com/office/drawing/2010/main" w="9525">
                 <a:solidFill>
                   <a:srgbClr val="000000"/>
                 </a:solidFill>
@@ -33798,7 +33798,7 @@
           </a:ln>
           <a:extLst>
             <a:ext uri="{91240B29-F687-4f45-9708-019B960494DF}">
-              <a14:hiddenLine xmlns:a14="http://schemas.microsoft.com/office/drawing/2010/main" xmlns="" w="9525">
+              <a14:hiddenLine xmlns="" xmlns:a14="http://schemas.microsoft.com/office/drawing/2010/main" w="9525">
                 <a:solidFill>
                   <a:srgbClr val="000000"/>
                 </a:solidFill>
@@ -33943,7 +33943,7 @@
           </a:ln>
           <a:extLst>
             <a:ext uri="{91240B29-F687-4f45-9708-019B960494DF}">
-              <a14:hiddenLine xmlns:a14="http://schemas.microsoft.com/office/drawing/2010/main" xmlns="" w="9525">
+              <a14:hiddenLine xmlns="" xmlns:a14="http://schemas.microsoft.com/office/drawing/2010/main" w="9525">
                 <a:solidFill>
                   <a:srgbClr val="000000"/>
                 </a:solidFill>
@@ -34152,7 +34152,7 @@
           </a:ln>
           <a:extLst>
             <a:ext uri="{91240B29-F687-4f45-9708-019B960494DF}">
-              <a14:hiddenLine xmlns:a14="http://schemas.microsoft.com/office/drawing/2010/main" xmlns="" w="9525">
+              <a14:hiddenLine xmlns="" xmlns:a14="http://schemas.microsoft.com/office/drawing/2010/main" w="9525">
                 <a:solidFill>
                   <a:srgbClr val="000000"/>
                 </a:solidFill>
@@ -34212,14 +34212,14 @@
           </a:ln>
           <a:extLst>
             <a:ext uri="{909E8E84-426E-40dd-AFC4-6F175D3DCCD1}">
-              <a14:hiddenFill xmlns:a14="http://schemas.microsoft.com/office/drawing/2010/main" xmlns="">
+              <a14:hiddenFill xmlns="" xmlns:a14="http://schemas.microsoft.com/office/drawing/2010/main">
                 <a:solidFill>
                   <a:srgbClr val="FFFFFF"/>
                 </a:solidFill>
               </a14:hiddenFill>
             </a:ext>
             <a:ext uri="{91240B29-F687-4f45-9708-019B960494DF}">
-              <a14:hiddenLine xmlns:a14="http://schemas.microsoft.com/office/drawing/2010/main" xmlns="" w="9525">
+              <a14:hiddenLine xmlns="" xmlns:a14="http://schemas.microsoft.com/office/drawing/2010/main" w="9525">
                 <a:solidFill>
                   <a:srgbClr val="000000"/>
                 </a:solidFill>
@@ -34378,7 +34378,7 @@
           </a:ln>
           <a:extLst>
             <a:ext uri="{91240B29-F687-4f45-9708-019B960494DF}">
-              <a14:hiddenLine xmlns:a14="http://schemas.microsoft.com/office/drawing/2010/main" xmlns="" w="9525">
+              <a14:hiddenLine xmlns="" xmlns:a14="http://schemas.microsoft.com/office/drawing/2010/main" w="9525">
                 <a:solidFill>
                   <a:srgbClr val="000000"/>
                 </a:solidFill>
@@ -34564,7 +34564,7 @@
           </a:ln>
           <a:extLst>
             <a:ext uri="{91240B29-F687-4f45-9708-019B960494DF}">
-              <a14:hiddenLine xmlns:a14="http://schemas.microsoft.com/office/drawing/2010/main" xmlns="" w="9525">
+              <a14:hiddenLine xmlns="" xmlns:a14="http://schemas.microsoft.com/office/drawing/2010/main" w="9525">
                 <a:solidFill>
                   <a:srgbClr val="000000"/>
                 </a:solidFill>
@@ -34783,7 +34783,7 @@
           </a:ln>
           <a:extLst>
             <a:ext uri="{91240B29-F687-4f45-9708-019B960494DF}">
-              <a14:hiddenLine xmlns:a14="http://schemas.microsoft.com/office/drawing/2010/main" xmlns="" w="9525">
+              <a14:hiddenLine xmlns="" xmlns:a14="http://schemas.microsoft.com/office/drawing/2010/main" w="9525">
                 <a:solidFill>
                   <a:srgbClr val="000000"/>
                 </a:solidFill>
@@ -34992,7 +34992,7 @@
           </a:ln>
           <a:extLst>
             <a:ext uri="{91240B29-F687-4f45-9708-019B960494DF}">
-              <a14:hiddenLine xmlns:a14="http://schemas.microsoft.com/office/drawing/2010/main" xmlns="" w="9525">
+              <a14:hiddenLine xmlns="" xmlns:a14="http://schemas.microsoft.com/office/drawing/2010/main" w="9525">
                 <a:solidFill>
                   <a:srgbClr val="000000"/>
                 </a:solidFill>
@@ -35887,14 +35887,14 @@
               </a:ln>
               <a:extLst>
                 <a:ext uri="{909E8E84-426E-40dd-AFC4-6F175D3DCCD1}">
-                  <a14:hiddenFill xmlns="" xmlns:a14="http://schemas.microsoft.com/office/drawing/2010/main">
+                  <a14:hiddenFill xmlns:a14="http://schemas.microsoft.com/office/drawing/2010/main" xmlns="">
                     <a:solidFill>
                       <a:srgbClr val="FFFFFF"/>
                     </a:solidFill>
                   </a14:hiddenFill>
                 </a:ext>
                 <a:ext uri="{91240B29-F687-4f45-9708-019B960494DF}">
-                  <a14:hiddenLine xmlns="" xmlns:a14="http://schemas.microsoft.com/office/drawing/2010/main" w="9525">
+                  <a14:hiddenLine xmlns:a14="http://schemas.microsoft.com/office/drawing/2010/main" xmlns="" w="9525">
                     <a:solidFill>
                       <a:srgbClr val="000000"/>
                     </a:solidFill>
@@ -37063,14 +37063,14 @@
               </a:ln>
               <a:extLst>
                 <a:ext uri="{909E8E84-426E-40dd-AFC4-6F175D3DCCD1}">
-                  <a14:hiddenFill xmlns="" xmlns:a14="http://schemas.microsoft.com/office/drawing/2010/main">
+                  <a14:hiddenFill xmlns:a14="http://schemas.microsoft.com/office/drawing/2010/main" xmlns="">
                     <a:solidFill>
                       <a:srgbClr val="FFFFFF"/>
                     </a:solidFill>
                   </a14:hiddenFill>
                 </a:ext>
                 <a:ext uri="{91240B29-F687-4f45-9708-019B960494DF}">
-                  <a14:hiddenLine xmlns="" xmlns:a14="http://schemas.microsoft.com/office/drawing/2010/main" w="9525">
+                  <a14:hiddenLine xmlns:a14="http://schemas.microsoft.com/office/drawing/2010/main" xmlns="" w="9525">
                     <a:solidFill>
                       <a:srgbClr val="000000"/>
                     </a:solidFill>
@@ -37807,7 +37807,7 @@
           </a:ln>
           <a:extLst>
             <a:ext uri="{91240B29-F687-4f45-9708-019B960494DF}">
-              <a14:hiddenLine xmlns="" xmlns:a14="http://schemas.microsoft.com/office/drawing/2010/main" w="9525">
+              <a14:hiddenLine xmlns:a14="http://schemas.microsoft.com/office/drawing/2010/main" xmlns="" w="9525">
                 <a:solidFill>
                   <a:srgbClr val="000000"/>
                 </a:solidFill>
@@ -38206,14 +38206,14 @@
             </a:ln>
             <a:extLst>
               <a:ext uri="{909E8E84-426E-40dd-AFC4-6F175D3DCCD1}">
-                <a14:hiddenFill xmlns:a14="http://schemas.microsoft.com/office/drawing/2010/main" xmlns="">
+                <a14:hiddenFill xmlns="" xmlns:a14="http://schemas.microsoft.com/office/drawing/2010/main">
                   <a:solidFill>
                     <a:srgbClr val="FFFFFF"/>
                   </a:solidFill>
                 </a14:hiddenFill>
               </a:ext>
               <a:ext uri="{91240B29-F687-4f45-9708-019B960494DF}">
-                <a14:hiddenLine xmlns:a14="http://schemas.microsoft.com/office/drawing/2010/main" xmlns="" w="9525">
+                <a14:hiddenLine xmlns="" xmlns:a14="http://schemas.microsoft.com/office/drawing/2010/main" w="9525">
                   <a:solidFill>
                     <a:srgbClr val="000000"/>
                   </a:solidFill>
@@ -38273,14 +38273,14 @@
             </a:ln>
             <a:extLst>
               <a:ext uri="{909E8E84-426E-40dd-AFC4-6F175D3DCCD1}">
-                <a14:hiddenFill xmlns:a14="http://schemas.microsoft.com/office/drawing/2010/main" xmlns="">
+                <a14:hiddenFill xmlns="" xmlns:a14="http://schemas.microsoft.com/office/drawing/2010/main">
                   <a:solidFill>
                     <a:srgbClr val="FFFFFF"/>
                   </a:solidFill>
                 </a14:hiddenFill>
               </a:ext>
               <a:ext uri="{91240B29-F687-4f45-9708-019B960494DF}">
-                <a14:hiddenLine xmlns:a14="http://schemas.microsoft.com/office/drawing/2010/main" xmlns="" w="9525">
+                <a14:hiddenLine xmlns="" xmlns:a14="http://schemas.microsoft.com/office/drawing/2010/main" w="9525">
                   <a:solidFill>
                     <a:srgbClr val="000000"/>
                   </a:solidFill>
@@ -38340,14 +38340,14 @@
             </a:ln>
             <a:extLst>
               <a:ext uri="{909E8E84-426E-40dd-AFC4-6F175D3DCCD1}">
-                <a14:hiddenFill xmlns:a14="http://schemas.microsoft.com/office/drawing/2010/main" xmlns="">
+                <a14:hiddenFill xmlns="" xmlns:a14="http://schemas.microsoft.com/office/drawing/2010/main">
                   <a:solidFill>
                     <a:srgbClr val="FFFFFF"/>
                   </a:solidFill>
                 </a14:hiddenFill>
               </a:ext>
               <a:ext uri="{91240B29-F687-4f45-9708-019B960494DF}">
-                <a14:hiddenLine xmlns:a14="http://schemas.microsoft.com/office/drawing/2010/main" xmlns="" w="9525">
+                <a14:hiddenLine xmlns="" xmlns:a14="http://schemas.microsoft.com/office/drawing/2010/main" w="9525">
                   <a:solidFill>
                     <a:srgbClr val="000000"/>
                   </a:solidFill>
@@ -38407,14 +38407,14 @@
             </a:ln>
             <a:extLst>
               <a:ext uri="{909E8E84-426E-40dd-AFC4-6F175D3DCCD1}">
-                <a14:hiddenFill xmlns:a14="http://schemas.microsoft.com/office/drawing/2010/main" xmlns="">
+                <a14:hiddenFill xmlns="" xmlns:a14="http://schemas.microsoft.com/office/drawing/2010/main">
                   <a:solidFill>
                     <a:srgbClr val="FFFFFF"/>
                   </a:solidFill>
                 </a14:hiddenFill>
               </a:ext>
               <a:ext uri="{91240B29-F687-4f45-9708-019B960494DF}">
-                <a14:hiddenLine xmlns:a14="http://schemas.microsoft.com/office/drawing/2010/main" xmlns="" w="9525">
+                <a14:hiddenLine xmlns="" xmlns:a14="http://schemas.microsoft.com/office/drawing/2010/main" w="9525">
                   <a:solidFill>
                     <a:srgbClr val="000000"/>
                   </a:solidFill>
@@ -38495,14 +38495,14 @@
             </a:ln>
             <a:extLst>
               <a:ext uri="{909E8E84-426E-40dd-AFC4-6F175D3DCCD1}">
-                <a14:hiddenFill xmlns:a14="http://schemas.microsoft.com/office/drawing/2010/main" xmlns="">
+                <a14:hiddenFill xmlns="" xmlns:a14="http://schemas.microsoft.com/office/drawing/2010/main">
                   <a:solidFill>
                     <a:srgbClr val="FFFFFF"/>
                   </a:solidFill>
                 </a14:hiddenFill>
               </a:ext>
               <a:ext uri="{91240B29-F687-4f45-9708-019B960494DF}">
-                <a14:hiddenLine xmlns:a14="http://schemas.microsoft.com/office/drawing/2010/main" xmlns="" w="9525">
+                <a14:hiddenLine xmlns="" xmlns:a14="http://schemas.microsoft.com/office/drawing/2010/main" w="9525">
                   <a:solidFill>
                     <a:srgbClr val="000000"/>
                   </a:solidFill>
@@ -38562,14 +38562,14 @@
             </a:ln>
             <a:extLst>
               <a:ext uri="{909E8E84-426E-40dd-AFC4-6F175D3DCCD1}">
-                <a14:hiddenFill xmlns:a14="http://schemas.microsoft.com/office/drawing/2010/main" xmlns="">
+                <a14:hiddenFill xmlns="" xmlns:a14="http://schemas.microsoft.com/office/drawing/2010/main">
                   <a:solidFill>
                     <a:srgbClr val="FFFFFF"/>
                   </a:solidFill>
                 </a14:hiddenFill>
               </a:ext>
               <a:ext uri="{91240B29-F687-4f45-9708-019B960494DF}">
-                <a14:hiddenLine xmlns:a14="http://schemas.microsoft.com/office/drawing/2010/main" xmlns="" w="9525">
+                <a14:hiddenLine xmlns="" xmlns:a14="http://schemas.microsoft.com/office/drawing/2010/main" w="9525">
                   <a:solidFill>
                     <a:srgbClr val="000000"/>
                   </a:solidFill>
@@ -38629,14 +38629,14 @@
             </a:ln>
             <a:extLst>
               <a:ext uri="{909E8E84-426E-40dd-AFC4-6F175D3DCCD1}">
-                <a14:hiddenFill xmlns:a14="http://schemas.microsoft.com/office/drawing/2010/main" xmlns="">
+                <a14:hiddenFill xmlns="" xmlns:a14="http://schemas.microsoft.com/office/drawing/2010/main">
                   <a:solidFill>
                     <a:srgbClr val="FFFFFF"/>
                   </a:solidFill>
                 </a14:hiddenFill>
               </a:ext>
               <a:ext uri="{91240B29-F687-4f45-9708-019B960494DF}">
-                <a14:hiddenLine xmlns:a14="http://schemas.microsoft.com/office/drawing/2010/main" xmlns="" w="9525">
+                <a14:hiddenLine xmlns="" xmlns:a14="http://schemas.microsoft.com/office/drawing/2010/main" w="9525">
                   <a:solidFill>
                     <a:srgbClr val="000000"/>
                   </a:solidFill>
@@ -38696,14 +38696,14 @@
             </a:ln>
             <a:extLst>
               <a:ext uri="{909E8E84-426E-40dd-AFC4-6F175D3DCCD1}">
-                <a14:hiddenFill xmlns:a14="http://schemas.microsoft.com/office/drawing/2010/main" xmlns="">
+                <a14:hiddenFill xmlns="" xmlns:a14="http://schemas.microsoft.com/office/drawing/2010/main">
                   <a:solidFill>
                     <a:srgbClr val="FFFFFF"/>
                   </a:solidFill>
                 </a14:hiddenFill>
               </a:ext>
               <a:ext uri="{91240B29-F687-4f45-9708-019B960494DF}">
-                <a14:hiddenLine xmlns:a14="http://schemas.microsoft.com/office/drawing/2010/main" xmlns="" w="9525">
+                <a14:hiddenLine xmlns="" xmlns:a14="http://schemas.microsoft.com/office/drawing/2010/main" w="9525">
                   <a:solidFill>
                     <a:srgbClr val="000000"/>
                   </a:solidFill>
@@ -39099,7 +39099,7 @@
           </a:ln>
           <a:extLst>
             <a:ext uri="{91240B29-F687-4f45-9708-019B960494DF}">
-              <a14:hiddenLine xmlns:a14="http://schemas.microsoft.com/office/drawing/2010/main" xmlns="" w="9525">
+              <a14:hiddenLine xmlns="" xmlns:a14="http://schemas.microsoft.com/office/drawing/2010/main" w="9525">
                 <a:solidFill>
                   <a:srgbClr val="000000"/>
                 </a:solidFill>
@@ -39159,14 +39159,14 @@
           </a:ln>
           <a:extLst>
             <a:ext uri="{909E8E84-426E-40dd-AFC4-6F175D3DCCD1}">
-              <a14:hiddenFill xmlns:a14="http://schemas.microsoft.com/office/drawing/2010/main" xmlns="">
+              <a14:hiddenFill xmlns="" xmlns:a14="http://schemas.microsoft.com/office/drawing/2010/main">
                 <a:solidFill>
                   <a:srgbClr val="FFFFFF"/>
                 </a:solidFill>
               </a14:hiddenFill>
             </a:ext>
             <a:ext uri="{91240B29-F687-4f45-9708-019B960494DF}">
-              <a14:hiddenLine xmlns:a14="http://schemas.microsoft.com/office/drawing/2010/main" xmlns="" w="9525">
+              <a14:hiddenLine xmlns="" xmlns:a14="http://schemas.microsoft.com/office/drawing/2010/main" w="9525">
                 <a:solidFill>
                   <a:srgbClr val="000000"/>
                 </a:solidFill>
@@ -39295,7 +39295,7 @@
           </a:ln>
           <a:extLst>
             <a:ext uri="{91240B29-F687-4f45-9708-019B960494DF}">
-              <a14:hiddenLine xmlns:a14="http://schemas.microsoft.com/office/drawing/2010/main" xmlns="" w="9525">
+              <a14:hiddenLine xmlns="" xmlns:a14="http://schemas.microsoft.com/office/drawing/2010/main" w="9525">
                 <a:solidFill>
                   <a:srgbClr val="000000"/>
                 </a:solidFill>
@@ -39440,7 +39440,7 @@
           </a:ln>
           <a:extLst>
             <a:ext uri="{91240B29-F687-4f45-9708-019B960494DF}">
-              <a14:hiddenLine xmlns:a14="http://schemas.microsoft.com/office/drawing/2010/main" xmlns="" w="9525">
+              <a14:hiddenLine xmlns="" xmlns:a14="http://schemas.microsoft.com/office/drawing/2010/main" w="9525">
                 <a:solidFill>
                   <a:srgbClr val="000000"/>
                 </a:solidFill>
@@ -39649,7 +39649,7 @@
           </a:ln>
           <a:extLst>
             <a:ext uri="{91240B29-F687-4f45-9708-019B960494DF}">
-              <a14:hiddenLine xmlns:a14="http://schemas.microsoft.com/office/drawing/2010/main" xmlns="" w="9525">
+              <a14:hiddenLine xmlns="" xmlns:a14="http://schemas.microsoft.com/office/drawing/2010/main" w="9525">
                 <a:solidFill>
                   <a:srgbClr val="000000"/>
                 </a:solidFill>
@@ -39709,14 +39709,14 @@
           </a:ln>
           <a:extLst>
             <a:ext uri="{909E8E84-426E-40dd-AFC4-6F175D3DCCD1}">
-              <a14:hiddenFill xmlns:a14="http://schemas.microsoft.com/office/drawing/2010/main" xmlns="">
+              <a14:hiddenFill xmlns="" xmlns:a14="http://schemas.microsoft.com/office/drawing/2010/main">
                 <a:solidFill>
                   <a:srgbClr val="FFFFFF"/>
                 </a:solidFill>
               </a14:hiddenFill>
             </a:ext>
             <a:ext uri="{91240B29-F687-4f45-9708-019B960494DF}">
-              <a14:hiddenLine xmlns:a14="http://schemas.microsoft.com/office/drawing/2010/main" xmlns="" w="9525">
+              <a14:hiddenLine xmlns="" xmlns:a14="http://schemas.microsoft.com/office/drawing/2010/main" w="9525">
                 <a:solidFill>
                   <a:srgbClr val="000000"/>
                 </a:solidFill>
@@ -39875,7 +39875,7 @@
           </a:ln>
           <a:extLst>
             <a:ext uri="{91240B29-F687-4f45-9708-019B960494DF}">
-              <a14:hiddenLine xmlns:a14="http://schemas.microsoft.com/office/drawing/2010/main" xmlns="" w="9525">
+              <a14:hiddenLine xmlns="" xmlns:a14="http://schemas.microsoft.com/office/drawing/2010/main" w="9525">
                 <a:solidFill>
                   <a:srgbClr val="000000"/>
                 </a:solidFill>
@@ -40061,7 +40061,7 @@
           </a:ln>
           <a:extLst>
             <a:ext uri="{91240B29-F687-4f45-9708-019B960494DF}">
-              <a14:hiddenLine xmlns:a14="http://schemas.microsoft.com/office/drawing/2010/main" xmlns="" w="9525">
+              <a14:hiddenLine xmlns="" xmlns:a14="http://schemas.microsoft.com/office/drawing/2010/main" w="9525">
                 <a:solidFill>
                   <a:srgbClr val="000000"/>
                 </a:solidFill>
@@ -40280,7 +40280,7 @@
           </a:ln>
           <a:extLst>
             <a:ext uri="{91240B29-F687-4f45-9708-019B960494DF}">
-              <a14:hiddenLine xmlns:a14="http://schemas.microsoft.com/office/drawing/2010/main" xmlns="" w="9525">
+              <a14:hiddenLine xmlns="" xmlns:a14="http://schemas.microsoft.com/office/drawing/2010/main" w="9525">
                 <a:solidFill>
                   <a:srgbClr val="000000"/>
                 </a:solidFill>
@@ -40489,7 +40489,7 @@
           </a:ln>
           <a:extLst>
             <a:ext uri="{91240B29-F687-4f45-9708-019B960494DF}">
-              <a14:hiddenLine xmlns:a14="http://schemas.microsoft.com/office/drawing/2010/main" xmlns="" w="9525">
+              <a14:hiddenLine xmlns="" xmlns:a14="http://schemas.microsoft.com/office/drawing/2010/main" w="9525">
                 <a:solidFill>
                   <a:srgbClr val="000000"/>
                 </a:solidFill>
@@ -41420,14 +41420,14 @@
               </a:ln>
               <a:extLst>
                 <a:ext uri="{909E8E84-426E-40dd-AFC4-6F175D3DCCD1}">
-                  <a14:hiddenFill xmlns="" xmlns:a14="http://schemas.microsoft.com/office/drawing/2010/main">
+                  <a14:hiddenFill xmlns:a14="http://schemas.microsoft.com/office/drawing/2010/main" xmlns="">
                     <a:solidFill>
                       <a:srgbClr val="FFFFFF"/>
                     </a:solidFill>
                   </a14:hiddenFill>
                 </a:ext>
                 <a:ext uri="{91240B29-F687-4f45-9708-019B960494DF}">
-                  <a14:hiddenLine xmlns="" xmlns:a14="http://schemas.microsoft.com/office/drawing/2010/main" w="9525">
+                  <a14:hiddenLine xmlns:a14="http://schemas.microsoft.com/office/drawing/2010/main" xmlns="" w="9525">
                     <a:solidFill>
                       <a:srgbClr val="000000"/>
                     </a:solidFill>
@@ -42596,14 +42596,14 @@
               </a:ln>
               <a:extLst>
                 <a:ext uri="{909E8E84-426E-40dd-AFC4-6F175D3DCCD1}">
-                  <a14:hiddenFill xmlns="" xmlns:a14="http://schemas.microsoft.com/office/drawing/2010/main">
+                  <a14:hiddenFill xmlns:a14="http://schemas.microsoft.com/office/drawing/2010/main" xmlns="">
                     <a:solidFill>
                       <a:srgbClr val="FFFFFF"/>
                     </a:solidFill>
                   </a14:hiddenFill>
                 </a:ext>
                 <a:ext uri="{91240B29-F687-4f45-9708-019B960494DF}">
-                  <a14:hiddenLine xmlns="" xmlns:a14="http://schemas.microsoft.com/office/drawing/2010/main" w="9525">
+                  <a14:hiddenLine xmlns:a14="http://schemas.microsoft.com/office/drawing/2010/main" xmlns="" w="9525">
                     <a:solidFill>
                       <a:srgbClr val="000000"/>
                     </a:solidFill>
@@ -43360,7 +43360,7 @@
             </a:ln>
             <a:extLst>
               <a:ext uri="{91240B29-F687-4f45-9708-019B960494DF}">
-                <a14:hiddenLine xmlns="" xmlns:a14="http://schemas.microsoft.com/office/drawing/2010/main" w="9525">
+                <a14:hiddenLine xmlns:a14="http://schemas.microsoft.com/office/drawing/2010/main" xmlns="" w="9525">
                   <a:solidFill>
                     <a:srgbClr val="000000"/>
                   </a:solidFill>
@@ -43891,7 +43891,7 @@
             </a:ln>
             <a:extLst>
               <a:ext uri="{91240B29-F687-4f45-9708-019B960494DF}">
-                <a14:hiddenLine xmlns="" xmlns:a14="http://schemas.microsoft.com/office/drawing/2010/main" w="9525">
+                <a14:hiddenLine xmlns:a14="http://schemas.microsoft.com/office/drawing/2010/main" xmlns="" w="9525">
                   <a:solidFill>
                     <a:srgbClr val="000000"/>
                   </a:solidFill>
@@ -44307,14 +44307,14 @@
               </a:ln>
               <a:extLst>
                 <a:ext uri="{909E8E84-426E-40dd-AFC4-6F175D3DCCD1}">
-                  <a14:hiddenFill xmlns="" xmlns:a14="http://schemas.microsoft.com/office/drawing/2010/main">
+                  <a14:hiddenFill xmlns:a14="http://schemas.microsoft.com/office/drawing/2010/main" xmlns="">
                     <a:solidFill>
                       <a:srgbClr val="FFFFFF"/>
                     </a:solidFill>
                   </a14:hiddenFill>
                 </a:ext>
                 <a:ext uri="{91240B29-F687-4f45-9708-019B960494DF}">
-                  <a14:hiddenLine xmlns="" xmlns:a14="http://schemas.microsoft.com/office/drawing/2010/main" w="9525">
+                  <a14:hiddenLine xmlns:a14="http://schemas.microsoft.com/office/drawing/2010/main" xmlns="" w="9525">
                     <a:solidFill>
                       <a:srgbClr val="000000"/>
                     </a:solidFill>
@@ -44828,14 +44828,14 @@
               </a:ln>
               <a:extLst>
                 <a:ext uri="{909E8E84-426E-40dd-AFC4-6F175D3DCCD1}">
-                  <a14:hiddenFill xmlns="" xmlns:a14="http://schemas.microsoft.com/office/drawing/2010/main">
+                  <a14:hiddenFill xmlns:a14="http://schemas.microsoft.com/office/drawing/2010/main" xmlns="">
                     <a:solidFill>
                       <a:srgbClr val="FFFFFF"/>
                     </a:solidFill>
                   </a14:hiddenFill>
                 </a:ext>
                 <a:ext uri="{91240B29-F687-4f45-9708-019B960494DF}">
-                  <a14:hiddenLine xmlns="" xmlns:a14="http://schemas.microsoft.com/office/drawing/2010/main" w="9525">
+                  <a14:hiddenLine xmlns:a14="http://schemas.microsoft.com/office/drawing/2010/main" xmlns="" w="9525">
                     <a:solidFill>
                       <a:srgbClr val="000000"/>
                     </a:solidFill>
@@ -45670,7 +45670,7 @@
               </a:ln>
               <a:extLst>
                 <a:ext uri="{91240B29-F687-4f45-9708-019B960494DF}">
-                  <a14:hiddenLine xmlns="" xmlns:a14="http://schemas.microsoft.com/office/drawing/2010/main" w="9525">
+                  <a14:hiddenLine xmlns:a14="http://schemas.microsoft.com/office/drawing/2010/main" xmlns="" w="9525">
                     <a:solidFill>
                       <a:srgbClr val="000000"/>
                     </a:solidFill>
@@ -45730,14 +45730,14 @@
               </a:ln>
               <a:extLst>
                 <a:ext uri="{909E8E84-426E-40dd-AFC4-6F175D3DCCD1}">
-                  <a14:hiddenFill xmlns="" xmlns:a14="http://schemas.microsoft.com/office/drawing/2010/main">
+                  <a14:hiddenFill xmlns:a14="http://schemas.microsoft.com/office/drawing/2010/main" xmlns="">
                     <a:solidFill>
                       <a:srgbClr val="FFFFFF"/>
                     </a:solidFill>
                   </a14:hiddenFill>
                 </a:ext>
                 <a:ext uri="{91240B29-F687-4f45-9708-019B960494DF}">
-                  <a14:hiddenLine xmlns="" xmlns:a14="http://schemas.microsoft.com/office/drawing/2010/main" w="9525">
+                  <a14:hiddenLine xmlns:a14="http://schemas.microsoft.com/office/drawing/2010/main" xmlns="" w="9525">
                     <a:solidFill>
                       <a:srgbClr val="000000"/>
                     </a:solidFill>
@@ -45866,7 +45866,7 @@
               </a:ln>
               <a:extLst>
                 <a:ext uri="{91240B29-F687-4f45-9708-019B960494DF}">
-                  <a14:hiddenLine xmlns="" xmlns:a14="http://schemas.microsoft.com/office/drawing/2010/main" w="9525">
+                  <a14:hiddenLine xmlns:a14="http://schemas.microsoft.com/office/drawing/2010/main" xmlns="" w="9525">
                     <a:solidFill>
                       <a:srgbClr val="000000"/>
                     </a:solidFill>
@@ -46011,7 +46011,7 @@
               </a:ln>
               <a:extLst>
                 <a:ext uri="{91240B29-F687-4f45-9708-019B960494DF}">
-                  <a14:hiddenLine xmlns="" xmlns:a14="http://schemas.microsoft.com/office/drawing/2010/main" w="9525">
+                  <a14:hiddenLine xmlns:a14="http://schemas.microsoft.com/office/drawing/2010/main" xmlns="" w="9525">
                     <a:solidFill>
                       <a:srgbClr val="000000"/>
                     </a:solidFill>
@@ -46220,7 +46220,7 @@
               </a:ln>
               <a:extLst>
                 <a:ext uri="{91240B29-F687-4f45-9708-019B960494DF}">
-                  <a14:hiddenLine xmlns="" xmlns:a14="http://schemas.microsoft.com/office/drawing/2010/main" w="9525">
+                  <a14:hiddenLine xmlns:a14="http://schemas.microsoft.com/office/drawing/2010/main" xmlns="" w="9525">
                     <a:solidFill>
                       <a:srgbClr val="000000"/>
                     </a:solidFill>
@@ -46400,7 +46400,7 @@
               </a:ln>
               <a:extLst>
                 <a:ext uri="{91240B29-F687-4f45-9708-019B960494DF}">
-                  <a14:hiddenLine xmlns="" xmlns:a14="http://schemas.microsoft.com/office/drawing/2010/main" w="9525">
+                  <a14:hiddenLine xmlns:a14="http://schemas.microsoft.com/office/drawing/2010/main" xmlns="" w="9525">
                     <a:solidFill>
                       <a:srgbClr val="000000"/>
                     </a:solidFill>
@@ -46586,7 +46586,7 @@
               </a:ln>
               <a:extLst>
                 <a:ext uri="{91240B29-F687-4f45-9708-019B960494DF}">
-                  <a14:hiddenLine xmlns="" xmlns:a14="http://schemas.microsoft.com/office/drawing/2010/main" w="9525">
+                  <a14:hiddenLine xmlns:a14="http://schemas.microsoft.com/office/drawing/2010/main" xmlns="" w="9525">
                     <a:solidFill>
                       <a:srgbClr val="000000"/>
                     </a:solidFill>
@@ -46805,7 +46805,7 @@
               </a:ln>
               <a:extLst>
                 <a:ext uri="{91240B29-F687-4f45-9708-019B960494DF}">
-                  <a14:hiddenLine xmlns="" xmlns:a14="http://schemas.microsoft.com/office/drawing/2010/main" w="9525">
+                  <a14:hiddenLine xmlns:a14="http://schemas.microsoft.com/office/drawing/2010/main" xmlns="" w="9525">
                     <a:solidFill>
                       <a:srgbClr val="000000"/>
                     </a:solidFill>
@@ -47014,7 +47014,7 @@
               </a:ln>
               <a:extLst>
                 <a:ext uri="{91240B29-F687-4f45-9708-019B960494DF}">
-                  <a14:hiddenLine xmlns="" xmlns:a14="http://schemas.microsoft.com/office/drawing/2010/main" w="9525">
+                  <a14:hiddenLine xmlns:a14="http://schemas.microsoft.com/office/drawing/2010/main" xmlns="" w="9525">
                     <a:solidFill>
                       <a:srgbClr val="000000"/>
                     </a:solidFill>
@@ -49790,8 +49790,8 @@
         </p:blipFill>
         <p:spPr>
           <a:xfrm>
-            <a:off x="10008423" y="12233894"/>
-            <a:ext cx="350367" cy="351736"/>
+            <a:off x="9903228" y="11788544"/>
+            <a:ext cx="214061" cy="214897"/>
           </a:xfrm>
           <a:prstGeom prst="rect">
             <a:avLst/>
@@ -49812,8 +49812,8 @@
         </p:nvSpPr>
         <p:spPr>
           <a:xfrm>
-            <a:off x="9739754" y="11821324"/>
-            <a:ext cx="878915" cy="816909"/>
+            <a:off x="9739755" y="11521217"/>
+            <a:ext cx="576553" cy="587104"/>
           </a:xfrm>
           <a:prstGeom prst="roundRect">
             <a:avLst/>
@@ -49880,8 +49880,8 @@
         </p:blipFill>
         <p:spPr>
           <a:xfrm>
-            <a:off x="9776873" y="11961034"/>
-            <a:ext cx="823035" cy="203016"/>
+            <a:off x="9783131" y="11637668"/>
+            <a:ext cx="487500" cy="120250"/>
           </a:xfrm>
           <a:prstGeom prst="rect">
             <a:avLst/>
@@ -49904,7 +49904,7 @@
         </p:nvCxnSpPr>
         <p:spPr>
           <a:xfrm>
-            <a:off x="9187362" y="12131885"/>
+            <a:off x="9187362" y="11831777"/>
             <a:ext cx="547240" cy="0"/>
           </a:xfrm>
           <a:prstGeom prst="line">
@@ -49931,6 +49931,311 @@
           </a:fontRef>
         </p:style>
       </p:cxnSp>
+      <p:sp>
+        <p:nvSpPr>
+          <p:cNvPr id="486" name="Rectangle: Rounded Corners 477">
+            <a:extLst>
+              <a:ext uri="{FF2B5EF4-FFF2-40B4-BE49-F238E27FC236}">
+                <a16:creationId xmlns:a16="http://schemas.microsoft.com/office/drawing/2014/main" id="{B3043B31-B245-D643-A661-A994048F6928}"/>
+              </a:ext>
+            </a:extLst>
+          </p:cNvPr>
+          <p:cNvSpPr/>
+          <p:nvPr/>
+        </p:nvSpPr>
+        <p:spPr>
+          <a:xfrm>
+            <a:off x="9872228" y="12199434"/>
+            <a:ext cx="674051" cy="318045"/>
+          </a:xfrm>
+          <a:prstGeom prst="roundRect">
+            <a:avLst/>
+          </a:prstGeom>
+          <a:noFill/>
+          <a:ln w="12700" cap="flat" cmpd="sng" algn="ctr">
+            <a:solidFill>
+              <a:schemeClr val="tx1"/>
+            </a:solidFill>
+            <a:prstDash val="solid"/>
+            <a:miter lim="800000"/>
+          </a:ln>
+          <a:effectLst/>
+        </p:spPr>
+        <p:txBody>
+          <a:bodyPr rot="0" spcFirstLastPara="0" vertOverflow="overflow" horzOverflow="overflow" vert="horz" wrap="square" lIns="91440" tIns="45720" rIns="91440" bIns="45720" numCol="1" spcCol="0" rtlCol="0" fromWordArt="0" anchor="ctr" anchorCtr="0" forceAA="0" compatLnSpc="1">
+            <a:prstTxWarp prst="textNoShape">
+              <a:avLst/>
+            </a:prstTxWarp>
+            <a:noAutofit/>
+          </a:bodyPr>
+          <a:lstStyle/>
+          <a:p>
+            <a:pPr algn="ctr">
+              <a:lnSpc>
+                <a:spcPct val="90000"/>
+              </a:lnSpc>
+              <a:defRPr/>
+            </a:pPr>
+            <a:endParaRPr lang="en-US" sz="2000" kern="0" dirty="0">
+              <a:solidFill>
+                <a:srgbClr val="FFFFFF"/>
+              </a:solidFill>
+              <a:latin typeface="Arial"/>
+            </a:endParaRPr>
+          </a:p>
+        </p:txBody>
+      </p:sp>
+      <p:cxnSp>
+        <p:nvCxnSpPr>
+          <p:cNvPr id="521" name="Straight Connector 520">
+            <a:extLst>
+              <a:ext uri="{FF2B5EF4-FFF2-40B4-BE49-F238E27FC236}">
+                <a16:creationId xmlns:a16="http://schemas.microsoft.com/office/drawing/2014/main" id="{6B83683E-3E11-8945-AA88-7D136122690C}"/>
+              </a:ext>
+            </a:extLst>
+          </p:cNvPr>
+          <p:cNvCxnSpPr>
+            <a:cxnSpLocks/>
+          </p:cNvCxnSpPr>
+          <p:nvPr/>
+        </p:nvCxnSpPr>
+        <p:spPr>
+          <a:xfrm>
+            <a:off x="9187362" y="12088652"/>
+            <a:ext cx="689333" cy="247834"/>
+          </a:xfrm>
+          <a:prstGeom prst="line">
+            <a:avLst/>
+          </a:prstGeom>
+          <a:ln w="19050">
+            <a:solidFill>
+              <a:schemeClr val="tx1"/>
+            </a:solidFill>
+          </a:ln>
+        </p:spPr>
+        <p:style>
+          <a:lnRef idx="1">
+            <a:schemeClr val="accent1"/>
+          </a:lnRef>
+          <a:fillRef idx="0">
+            <a:schemeClr val="accent1"/>
+          </a:fillRef>
+          <a:effectRef idx="0">
+            <a:schemeClr val="accent1"/>
+          </a:effectRef>
+          <a:fontRef idx="minor">
+            <a:schemeClr val="tx1"/>
+          </a:fontRef>
+        </p:style>
+      </p:cxnSp>
+      <p:sp>
+        <p:nvSpPr>
+          <p:cNvPr id="546" name="Rectangle: Rounded Corners 477">
+            <a:extLst>
+              <a:ext uri="{FF2B5EF4-FFF2-40B4-BE49-F238E27FC236}">
+                <a16:creationId xmlns:a16="http://schemas.microsoft.com/office/drawing/2014/main" id="{7E1E5DE9-DCD8-714D-ABFC-ECCB973064C4}"/>
+              </a:ext>
+            </a:extLst>
+          </p:cNvPr>
+          <p:cNvSpPr/>
+          <p:nvPr/>
+        </p:nvSpPr>
+        <p:spPr>
+          <a:xfrm>
+            <a:off x="9878297" y="12589634"/>
+            <a:ext cx="670757" cy="301176"/>
+          </a:xfrm>
+          <a:prstGeom prst="roundRect">
+            <a:avLst/>
+          </a:prstGeom>
+          <a:noFill/>
+          <a:ln w="12700" cap="flat" cmpd="sng" algn="ctr">
+            <a:solidFill>
+              <a:schemeClr val="tx1"/>
+            </a:solidFill>
+            <a:prstDash val="solid"/>
+            <a:miter lim="800000"/>
+          </a:ln>
+          <a:effectLst/>
+        </p:spPr>
+        <p:txBody>
+          <a:bodyPr rot="0" spcFirstLastPara="0" vertOverflow="overflow" horzOverflow="overflow" vert="horz" wrap="square" lIns="91440" tIns="45720" rIns="91440" bIns="45720" numCol="1" spcCol="0" rtlCol="0" fromWordArt="0" anchor="ctr" anchorCtr="0" forceAA="0" compatLnSpc="1">
+            <a:prstTxWarp prst="textNoShape">
+              <a:avLst/>
+            </a:prstTxWarp>
+            <a:noAutofit/>
+          </a:bodyPr>
+          <a:lstStyle/>
+          <a:p>
+            <a:pPr algn="ctr">
+              <a:lnSpc>
+                <a:spcPct val="90000"/>
+              </a:lnSpc>
+              <a:defRPr/>
+            </a:pPr>
+            <a:endParaRPr lang="en-US" sz="2000" kern="0" dirty="0">
+              <a:solidFill>
+                <a:srgbClr val="FFFFFF"/>
+              </a:solidFill>
+              <a:latin typeface="Arial"/>
+            </a:endParaRPr>
+          </a:p>
+        </p:txBody>
+      </p:sp>
+      <p:cxnSp>
+        <p:nvCxnSpPr>
+          <p:cNvPr id="547" name="Straight Connector 546">
+            <a:extLst>
+              <a:ext uri="{FF2B5EF4-FFF2-40B4-BE49-F238E27FC236}">
+                <a16:creationId xmlns:a16="http://schemas.microsoft.com/office/drawing/2014/main" id="{03722593-A2B3-7349-A8E2-1BF856166972}"/>
+              </a:ext>
+            </a:extLst>
+          </p:cNvPr>
+          <p:cNvCxnSpPr>
+            <a:cxnSpLocks/>
+            <a:endCxn id="546" idx="1"/>
+          </p:cNvCxnSpPr>
+          <p:nvPr/>
+        </p:nvCxnSpPr>
+        <p:spPr>
+          <a:xfrm>
+            <a:off x="9192075" y="12246878"/>
+            <a:ext cx="686222" cy="493344"/>
+          </a:xfrm>
+          <a:prstGeom prst="line">
+            <a:avLst/>
+          </a:prstGeom>
+          <a:ln w="19050">
+            <a:solidFill>
+              <a:schemeClr val="tx1"/>
+            </a:solidFill>
+          </a:ln>
+        </p:spPr>
+        <p:style>
+          <a:lnRef idx="1">
+            <a:schemeClr val="accent1"/>
+          </a:lnRef>
+          <a:fillRef idx="0">
+            <a:schemeClr val="accent1"/>
+          </a:fillRef>
+          <a:effectRef idx="0">
+            <a:schemeClr val="accent1"/>
+          </a:effectRef>
+          <a:fontRef idx="minor">
+            <a:schemeClr val="tx1"/>
+          </a:fontRef>
+        </p:style>
+      </p:cxnSp>
+      <p:pic>
+        <p:nvPicPr>
+          <p:cNvPr id="38" name="Picture 37">
+            <a:extLst>
+              <a:ext uri="{FF2B5EF4-FFF2-40B4-BE49-F238E27FC236}">
+                <a16:creationId xmlns:a16="http://schemas.microsoft.com/office/drawing/2014/main" id="{49B2C99B-8F33-BE43-9BDE-1A2B637ED3F0}"/>
+              </a:ext>
+            </a:extLst>
+          </p:cNvPr>
+          <p:cNvPicPr>
+            <a:picLocks noChangeAspect="1"/>
+          </p:cNvPicPr>
+          <p:nvPr/>
+        </p:nvPicPr>
+        <p:blipFill>
+          <a:blip r:embed="rId12">
+            <a:extLst>
+              <a:ext uri="{28A0092B-C50C-407E-A947-70E740481C1C}">
+                <a14:useLocalDpi xmlns:a14="http://schemas.microsoft.com/office/drawing/2010/main" val="0"/>
+              </a:ext>
+            </a:extLst>
+          </a:blip>
+          <a:stretch>
+            <a:fillRect/>
+          </a:stretch>
+        </p:blipFill>
+        <p:spPr>
+          <a:xfrm>
+            <a:off x="9897450" y="12618214"/>
+            <a:ext cx="638617" cy="242780"/>
+          </a:xfrm>
+          <a:prstGeom prst="rect">
+            <a:avLst/>
+          </a:prstGeom>
+        </p:spPr>
+      </p:pic>
+      <p:pic>
+        <p:nvPicPr>
+          <p:cNvPr id="47" name="Picture 46">
+            <a:extLst>
+              <a:ext uri="{FF2B5EF4-FFF2-40B4-BE49-F238E27FC236}">
+                <a16:creationId xmlns:a16="http://schemas.microsoft.com/office/drawing/2014/main" id="{DA15133C-4360-3846-B6BA-1A2DAAE90EC0}"/>
+              </a:ext>
+            </a:extLst>
+          </p:cNvPr>
+          <p:cNvPicPr>
+            <a:picLocks noChangeAspect="1"/>
+          </p:cNvPicPr>
+          <p:nvPr/>
+        </p:nvPicPr>
+        <p:blipFill>
+          <a:blip r:embed="rId13">
+            <a:extLst>
+              <a:ext uri="{28A0092B-C50C-407E-A947-70E740481C1C}">
+                <a14:useLocalDpi xmlns:a14="http://schemas.microsoft.com/office/drawing/2010/main" val="0"/>
+              </a:ext>
+            </a:extLst>
+          </a:blip>
+          <a:stretch>
+            <a:fillRect/>
+          </a:stretch>
+        </p:blipFill>
+        <p:spPr>
+          <a:xfrm>
+            <a:off x="9883186" y="12228731"/>
+            <a:ext cx="288241" cy="263997"/>
+          </a:xfrm>
+          <a:prstGeom prst="rect">
+            <a:avLst/>
+          </a:prstGeom>
+        </p:spPr>
+      </p:pic>
+      <p:sp>
+        <p:nvSpPr>
+          <p:cNvPr id="550" name="TextBox 549">
+            <a:extLst>
+              <a:ext uri="{FF2B5EF4-FFF2-40B4-BE49-F238E27FC236}">
+                <a16:creationId xmlns:a16="http://schemas.microsoft.com/office/drawing/2014/main" id="{F99C73CF-5C62-A644-B7F8-1537278ED98E}"/>
+              </a:ext>
+            </a:extLst>
+          </p:cNvPr>
+          <p:cNvSpPr txBox="1"/>
+          <p:nvPr/>
+        </p:nvSpPr>
+        <p:spPr>
+          <a:xfrm>
+            <a:off x="10076961" y="12241705"/>
+            <a:ext cx="485488" cy="230832"/>
+          </a:xfrm>
+          <a:prstGeom prst="rect">
+            <a:avLst/>
+          </a:prstGeom>
+          <a:noFill/>
+        </p:spPr>
+        <p:txBody>
+          <a:bodyPr wrap="square" rtlCol="0">
+            <a:spAutoFit/>
+          </a:bodyPr>
+          <a:lstStyle/>
+          <a:p>
+            <a:pPr algn="ctr"/>
+            <a:r>
+              <a:rPr lang="en-US" sz="900" dirty="0">
+                <a:cs typeface="Al Bayan Plain" pitchFamily="2" charset="-78"/>
+              </a:rPr>
+              <a:t>GitLab</a:t>
+            </a:r>
+          </a:p>
+        </p:txBody>
+      </p:sp>
     </p:spTree>
     <p:extLst>
       <p:ext uri="{BB962C8B-B14F-4D97-AF65-F5344CB8AC3E}">

--- a/docs/pptx/BlueprintDiag.pptx
+++ b/docs/pptx/BlueprintDiag.pptx
@@ -198,7 +198,7 @@
           <a:p>
             <a:fld id="{5E8AE13A-5A80-4F17-971D-03F4C3B28A8B}" type="datetimeFigureOut">
               <a:rPr lang="en-US" smtClean="0"/>
-              <a:t>8/13/20</a:t>
+              <a:t>9/1/20</a:t>
             </a:fld>
             <a:endParaRPr lang="en-US"/>
           </a:p>
@@ -1922,7 +1922,7 @@
           <a:p>
             <a:fld id="{24AFE612-74AD-4B6F-8D78-7C42EB8A6CD6}" type="datetimeFigureOut">
               <a:rPr lang="en-US" smtClean="0"/>
-              <a:t>8/13/20</a:t>
+              <a:t>9/1/20</a:t>
             </a:fld>
             <a:endParaRPr lang="en-US"/>
           </a:p>
@@ -2092,7 +2092,7 @@
           <a:p>
             <a:fld id="{24AFE612-74AD-4B6F-8D78-7C42EB8A6CD6}" type="datetimeFigureOut">
               <a:rPr lang="en-US" smtClean="0"/>
-              <a:t>8/13/20</a:t>
+              <a:t>9/1/20</a:t>
             </a:fld>
             <a:endParaRPr lang="en-US"/>
           </a:p>
@@ -2634,7 +2634,7 @@
           <a:p>
             <a:fld id="{24AFE612-74AD-4B6F-8D78-7C42EB8A6CD6}" type="datetimeFigureOut">
               <a:rPr lang="en-US" smtClean="0"/>
-              <a:t>8/13/20</a:t>
+              <a:t>9/1/20</a:t>
             </a:fld>
             <a:endParaRPr lang="en-US"/>
           </a:p>
@@ -2866,7 +2866,7 @@
           <a:p>
             <a:fld id="{24AFE612-74AD-4B6F-8D78-7C42EB8A6CD6}" type="datetimeFigureOut">
               <a:rPr lang="en-US" smtClean="0"/>
-              <a:t>8/13/20</a:t>
+              <a:t>9/1/20</a:t>
             </a:fld>
             <a:endParaRPr lang="en-US"/>
           </a:p>
@@ -3233,7 +3233,7 @@
           <a:p>
             <a:fld id="{24AFE612-74AD-4B6F-8D78-7C42EB8A6CD6}" type="datetimeFigureOut">
               <a:rPr lang="en-US" smtClean="0"/>
-              <a:t>8/13/20</a:t>
+              <a:t>9/1/20</a:t>
             </a:fld>
             <a:endParaRPr lang="en-US"/>
           </a:p>
@@ -3351,7 +3351,7 @@
           <a:p>
             <a:fld id="{24AFE612-74AD-4B6F-8D78-7C42EB8A6CD6}" type="datetimeFigureOut">
               <a:rPr lang="en-US" smtClean="0"/>
-              <a:t>8/13/20</a:t>
+              <a:t>9/1/20</a:t>
             </a:fld>
             <a:endParaRPr lang="en-US"/>
           </a:p>
@@ -3446,7 +3446,7 @@
           <a:p>
             <a:fld id="{24AFE612-74AD-4B6F-8D78-7C42EB8A6CD6}" type="datetimeFigureOut">
               <a:rPr lang="en-US" smtClean="0"/>
-              <a:t>8/13/20</a:t>
+              <a:t>9/1/20</a:t>
             </a:fld>
             <a:endParaRPr lang="en-US"/>
           </a:p>
@@ -3723,7 +3723,7 @@
           <a:p>
             <a:fld id="{24AFE612-74AD-4B6F-8D78-7C42EB8A6CD6}" type="datetimeFigureOut">
               <a:rPr lang="en-US" smtClean="0"/>
-              <a:t>8/13/20</a:t>
+              <a:t>9/1/20</a:t>
             </a:fld>
             <a:endParaRPr lang="en-US"/>
           </a:p>
@@ -3980,7 +3980,7 @@
           <a:p>
             <a:fld id="{24AFE612-74AD-4B6F-8D78-7C42EB8A6CD6}" type="datetimeFigureOut">
               <a:rPr lang="en-US" smtClean="0"/>
-              <a:t>8/13/20</a:t>
+              <a:t>9/1/20</a:t>
             </a:fld>
             <a:endParaRPr lang="en-US"/>
           </a:p>
@@ -4150,7 +4150,7 @@
           <a:p>
             <a:fld id="{24AFE612-74AD-4B6F-8D78-7C42EB8A6CD6}" type="datetimeFigureOut">
               <a:rPr lang="en-US" smtClean="0"/>
-              <a:t>8/13/20</a:t>
+              <a:t>9/1/20</a:t>
             </a:fld>
             <a:endParaRPr lang="en-US"/>
           </a:p>
@@ -4330,7 +4330,7 @@
           <a:p>
             <a:fld id="{24AFE612-74AD-4B6F-8D78-7C42EB8A6CD6}" type="datetimeFigureOut">
               <a:rPr lang="en-US" smtClean="0"/>
-              <a:t>8/13/20</a:t>
+              <a:t>9/1/20</a:t>
             </a:fld>
             <a:endParaRPr lang="en-US"/>
           </a:p>
@@ -7589,7 +7589,7 @@
           <a:p>
             <a:fld id="{24AFE612-74AD-4B6F-8D78-7C42EB8A6CD6}" type="datetimeFigureOut">
               <a:rPr lang="en-US" smtClean="0"/>
-              <a:t>8/13/20</a:t>
+              <a:t>9/1/20</a:t>
             </a:fld>
             <a:endParaRPr lang="en-US"/>
           </a:p>
@@ -8318,7 +8318,7 @@
         </p:nvSpPr>
         <p:spPr>
           <a:xfrm>
-            <a:off x="2564545" y="8165059"/>
+            <a:off x="2630138" y="8139471"/>
             <a:ext cx="10730882" cy="5096096"/>
           </a:xfrm>
           <a:prstGeom prst="roundRect">
@@ -9938,7 +9938,7 @@
                 </a:ln>
                 <a:extLst>
                   <a:ext uri="{91240B29-F687-4f45-9708-019B960494DF}">
-                    <a14:hiddenLine xmlns="" xmlns:a14="http://schemas.microsoft.com/office/drawing/2010/main" w="9525">
+                    <a14:hiddenLine xmlns:a14="http://schemas.microsoft.com/office/drawing/2010/main" xmlns="" w="9525">
                       <a:solidFill>
                         <a:srgbClr val="000000"/>
                       </a:solidFill>
@@ -10091,7 +10091,7 @@
                 </a:ln>
                 <a:extLst>
                   <a:ext uri="{91240B29-F687-4f45-9708-019B960494DF}">
-                    <a14:hiddenLine xmlns="" xmlns:a14="http://schemas.microsoft.com/office/drawing/2010/main" w="9525">
+                    <a14:hiddenLine xmlns:a14="http://schemas.microsoft.com/office/drawing/2010/main" xmlns="" w="9525">
                       <a:solidFill>
                         <a:srgbClr val="000000"/>
                       </a:solidFill>
@@ -10244,7 +10244,7 @@
                 </a:ln>
                 <a:extLst>
                   <a:ext uri="{91240B29-F687-4f45-9708-019B960494DF}">
-                    <a14:hiddenLine xmlns="" xmlns:a14="http://schemas.microsoft.com/office/drawing/2010/main" w="9525">
+                    <a14:hiddenLine xmlns:a14="http://schemas.microsoft.com/office/drawing/2010/main" xmlns="" w="9525">
                       <a:solidFill>
                         <a:srgbClr val="000000"/>
                       </a:solidFill>
@@ -10397,7 +10397,7 @@
                 </a:ln>
                 <a:extLst>
                   <a:ext uri="{91240B29-F687-4f45-9708-019B960494DF}">
-                    <a14:hiddenLine xmlns="" xmlns:a14="http://schemas.microsoft.com/office/drawing/2010/main" w="9525">
+                    <a14:hiddenLine xmlns:a14="http://schemas.microsoft.com/office/drawing/2010/main" xmlns="" w="9525">
                       <a:solidFill>
                         <a:srgbClr val="000000"/>
                       </a:solidFill>
@@ -10550,7 +10550,7 @@
                 </a:ln>
                 <a:extLst>
                   <a:ext uri="{91240B29-F687-4f45-9708-019B960494DF}">
-                    <a14:hiddenLine xmlns="" xmlns:a14="http://schemas.microsoft.com/office/drawing/2010/main" w="9525">
+                    <a14:hiddenLine xmlns:a14="http://schemas.microsoft.com/office/drawing/2010/main" xmlns="" w="9525">
                       <a:solidFill>
                         <a:srgbClr val="000000"/>
                       </a:solidFill>
@@ -10703,7 +10703,7 @@
                 </a:ln>
                 <a:extLst>
                   <a:ext uri="{91240B29-F687-4f45-9708-019B960494DF}">
-                    <a14:hiddenLine xmlns="" xmlns:a14="http://schemas.microsoft.com/office/drawing/2010/main" w="9525">
+                    <a14:hiddenLine xmlns:a14="http://schemas.microsoft.com/office/drawing/2010/main" xmlns="" w="9525">
                       <a:solidFill>
                         <a:srgbClr val="000000"/>
                       </a:solidFill>
@@ -10856,7 +10856,7 @@
                 </a:ln>
                 <a:extLst>
                   <a:ext uri="{91240B29-F687-4f45-9708-019B960494DF}">
-                    <a14:hiddenLine xmlns="" xmlns:a14="http://schemas.microsoft.com/office/drawing/2010/main" w="9525">
+                    <a14:hiddenLine xmlns:a14="http://schemas.microsoft.com/office/drawing/2010/main" xmlns="" w="9525">
                       <a:solidFill>
                         <a:srgbClr val="000000"/>
                       </a:solidFill>
@@ -11009,7 +11009,7 @@
                 </a:ln>
                 <a:extLst>
                   <a:ext uri="{91240B29-F687-4f45-9708-019B960494DF}">
-                    <a14:hiddenLine xmlns="" xmlns:a14="http://schemas.microsoft.com/office/drawing/2010/main" w="9525">
+                    <a14:hiddenLine xmlns:a14="http://schemas.microsoft.com/office/drawing/2010/main" xmlns="" w="9525">
                       <a:solidFill>
                         <a:srgbClr val="000000"/>
                       </a:solidFill>
@@ -11162,7 +11162,7 @@
                 </a:ln>
                 <a:extLst>
                   <a:ext uri="{91240B29-F687-4f45-9708-019B960494DF}">
-                    <a14:hiddenLine xmlns="" xmlns:a14="http://schemas.microsoft.com/office/drawing/2010/main" w="9525">
+                    <a14:hiddenLine xmlns:a14="http://schemas.microsoft.com/office/drawing/2010/main" xmlns="" w="9525">
                       <a:solidFill>
                         <a:srgbClr val="000000"/>
                       </a:solidFill>
@@ -11315,7 +11315,7 @@
                 </a:ln>
                 <a:extLst>
                   <a:ext uri="{91240B29-F687-4f45-9708-019B960494DF}">
-                    <a14:hiddenLine xmlns="" xmlns:a14="http://schemas.microsoft.com/office/drawing/2010/main" w="9525">
+                    <a14:hiddenLine xmlns:a14="http://schemas.microsoft.com/office/drawing/2010/main" xmlns="" w="9525">
                       <a:solidFill>
                         <a:srgbClr val="000000"/>
                       </a:solidFill>
@@ -11468,7 +11468,7 @@
                 </a:ln>
                 <a:extLst>
                   <a:ext uri="{91240B29-F687-4f45-9708-019B960494DF}">
-                    <a14:hiddenLine xmlns="" xmlns:a14="http://schemas.microsoft.com/office/drawing/2010/main" w="9525">
+                    <a14:hiddenLine xmlns:a14="http://schemas.microsoft.com/office/drawing/2010/main" xmlns="" w="9525">
                       <a:solidFill>
                         <a:srgbClr val="000000"/>
                       </a:solidFill>
@@ -11621,7 +11621,7 @@
                 </a:ln>
                 <a:extLst>
                   <a:ext uri="{91240B29-F687-4f45-9708-019B960494DF}">
-                    <a14:hiddenLine xmlns="" xmlns:a14="http://schemas.microsoft.com/office/drawing/2010/main" w="9525">
+                    <a14:hiddenLine xmlns:a14="http://schemas.microsoft.com/office/drawing/2010/main" xmlns="" w="9525">
                       <a:solidFill>
                         <a:srgbClr val="000000"/>
                       </a:solidFill>
@@ -11945,7 +11945,7 @@
           </a:ln>
           <a:extLst>
             <a:ext uri="{91240B29-F687-4f45-9708-019B960494DF}">
-              <a14:hiddenLine xmlns:a14="http://schemas.microsoft.com/office/drawing/2010/main" xmlns="" w="9525">
+              <a14:hiddenLine xmlns="" xmlns:a14="http://schemas.microsoft.com/office/drawing/2010/main" w="9525">
                 <a:solidFill>
                   <a:srgbClr val="000000"/>
                 </a:solidFill>
@@ -12033,60 +12033,6 @@
       </p:sp>
       <p:sp>
         <p:nvSpPr>
-          <p:cNvPr id="11" name="Rounded Rectangle 38">
-            <a:extLst>
-              <a:ext uri="{FF2B5EF4-FFF2-40B4-BE49-F238E27FC236}">
-                <a16:creationId xmlns:a16="http://schemas.microsoft.com/office/drawing/2014/main" id="{1B77C43A-9FE8-4D63-BC74-6E90F1C7D185}"/>
-              </a:ext>
-            </a:extLst>
-          </p:cNvPr>
-          <p:cNvSpPr/>
-          <p:nvPr/>
-        </p:nvSpPr>
-        <p:spPr>
-          <a:xfrm>
-            <a:off x="7054623" y="8586626"/>
-            <a:ext cx="3997239" cy="4449436"/>
-          </a:xfrm>
-          <a:prstGeom prst="roundRect">
-            <a:avLst>
-              <a:gd name="adj" fmla="val 8285"/>
-            </a:avLst>
-          </a:prstGeom>
-          <a:solidFill>
-            <a:schemeClr val="bg1"/>
-          </a:solidFill>
-          <a:ln w="19050" cmpd="sng">
-            <a:solidFill>
-              <a:srgbClr val="4D4D4F"/>
-            </a:solidFill>
-          </a:ln>
-        </p:spPr>
-        <p:style>
-          <a:lnRef idx="2">
-            <a:schemeClr val="dk1"/>
-          </a:lnRef>
-          <a:fillRef idx="1">
-            <a:schemeClr val="lt1"/>
-          </a:fillRef>
-          <a:effectRef idx="0">
-            <a:schemeClr val="dk1"/>
-          </a:effectRef>
-          <a:fontRef idx="minor">
-            <a:schemeClr val="dk1"/>
-          </a:fontRef>
-        </p:style>
-        <p:txBody>
-          <a:bodyPr rtlCol="0" anchor="ctr"/>
-          <a:lstStyle/>
-          <a:p>
-            <a:pPr algn="ctr"/>
-            <a:endParaRPr lang="en-US" sz="2117" dirty="0"/>
-          </a:p>
-        </p:txBody>
-      </p:sp>
-      <p:sp>
-        <p:nvSpPr>
           <p:cNvPr id="225" name="AutoShape 43">
             <a:extLst>
               <a:ext uri="{FF2B5EF4-FFF2-40B4-BE49-F238E27FC236}">
@@ -12113,14 +12059,14 @@
           </a:ln>
           <a:extLst>
             <a:ext uri="{909E8E84-426E-40dd-AFC4-6F175D3DCCD1}">
-              <a14:hiddenFill xmlns:a14="http://schemas.microsoft.com/office/drawing/2010/main" xmlns="">
+              <a14:hiddenFill xmlns="" xmlns:a14="http://schemas.microsoft.com/office/drawing/2010/main">
                 <a:solidFill>
                   <a:srgbClr val="FFFFFF"/>
                 </a:solidFill>
               </a14:hiddenFill>
             </a:ext>
             <a:ext uri="{91240B29-F687-4f45-9708-019B960494DF}">
-              <a14:hiddenLine xmlns:a14="http://schemas.microsoft.com/office/drawing/2010/main" xmlns="" w="9525">
+              <a14:hiddenLine xmlns="" xmlns:a14="http://schemas.microsoft.com/office/drawing/2010/main" w="9525">
                 <a:solidFill>
                   <a:srgbClr val="000000"/>
                 </a:solidFill>
@@ -13337,7 +13283,7 @@
           </a:ln>
           <a:extLst>
             <a:ext uri="{91240B29-F687-4f45-9708-019B960494DF}">
-              <a14:hiddenLine xmlns:a14="http://schemas.microsoft.com/office/drawing/2010/main" xmlns="" w="9525">
+              <a14:hiddenLine xmlns="" xmlns:a14="http://schemas.microsoft.com/office/drawing/2010/main" w="9525">
                 <a:solidFill>
                   <a:srgbClr val="000000"/>
                 </a:solidFill>
@@ -13619,7 +13565,7 @@
           </a:ln>
           <a:extLst>
             <a:ext uri="{91240B29-F687-4f45-9708-019B960494DF}">
-              <a14:hiddenLine xmlns:a14="http://schemas.microsoft.com/office/drawing/2010/main" xmlns="" w="9525">
+              <a14:hiddenLine xmlns="" xmlns:a14="http://schemas.microsoft.com/office/drawing/2010/main" w="9525">
                 <a:solidFill>
                   <a:srgbClr val="000000"/>
                 </a:solidFill>
@@ -14413,7 +14359,7 @@
             </a:ln>
             <a:extLst>
               <a:ext uri="{91240B29-F687-4f45-9708-019B960494DF}">
-                <a14:hiddenLine xmlns:a14="http://schemas.microsoft.com/office/drawing/2010/main" xmlns="" w="9525">
+                <a14:hiddenLine xmlns="" xmlns:a14="http://schemas.microsoft.com/office/drawing/2010/main" w="9525">
                   <a:solidFill>
                     <a:srgbClr val="000000"/>
                   </a:solidFill>
@@ -14473,14 +14419,14 @@
             </a:ln>
             <a:extLst>
               <a:ext uri="{909E8E84-426E-40dd-AFC4-6F175D3DCCD1}">
-                <a14:hiddenFill xmlns:a14="http://schemas.microsoft.com/office/drawing/2010/main" xmlns="">
+                <a14:hiddenFill xmlns="" xmlns:a14="http://schemas.microsoft.com/office/drawing/2010/main">
                   <a:solidFill>
                     <a:srgbClr val="FFFFFF"/>
                   </a:solidFill>
                 </a14:hiddenFill>
               </a:ext>
               <a:ext uri="{91240B29-F687-4f45-9708-019B960494DF}">
-                <a14:hiddenLine xmlns:a14="http://schemas.microsoft.com/office/drawing/2010/main" xmlns="" w="9525">
+                <a14:hiddenLine xmlns="" xmlns:a14="http://schemas.microsoft.com/office/drawing/2010/main" w="9525">
                   <a:solidFill>
                     <a:srgbClr val="000000"/>
                   </a:solidFill>
@@ -14609,7 +14555,7 @@
             </a:ln>
             <a:extLst>
               <a:ext uri="{91240B29-F687-4f45-9708-019B960494DF}">
-                <a14:hiddenLine xmlns:a14="http://schemas.microsoft.com/office/drawing/2010/main" xmlns="" w="9525">
+                <a14:hiddenLine xmlns="" xmlns:a14="http://schemas.microsoft.com/office/drawing/2010/main" w="9525">
                   <a:solidFill>
                     <a:srgbClr val="000000"/>
                   </a:solidFill>
@@ -14754,7 +14700,7 @@
             </a:ln>
             <a:extLst>
               <a:ext uri="{91240B29-F687-4f45-9708-019B960494DF}">
-                <a14:hiddenLine xmlns:a14="http://schemas.microsoft.com/office/drawing/2010/main" xmlns="" w="9525">
+                <a14:hiddenLine xmlns="" xmlns:a14="http://schemas.microsoft.com/office/drawing/2010/main" w="9525">
                   <a:solidFill>
                     <a:srgbClr val="000000"/>
                   </a:solidFill>
@@ -14963,7 +14909,7 @@
             </a:ln>
             <a:extLst>
               <a:ext uri="{91240B29-F687-4f45-9708-019B960494DF}">
-                <a14:hiddenLine xmlns:a14="http://schemas.microsoft.com/office/drawing/2010/main" xmlns="" w="9525">
+                <a14:hiddenLine xmlns="" xmlns:a14="http://schemas.microsoft.com/office/drawing/2010/main" w="9525">
                   <a:solidFill>
                     <a:srgbClr val="000000"/>
                   </a:solidFill>
@@ -15123,7 +15069,7 @@
           </a:ln>
           <a:extLst>
             <a:ext uri="{91240B29-F687-4f45-9708-019B960494DF}">
-              <a14:hiddenLine xmlns:a14="http://schemas.microsoft.com/office/drawing/2010/main" xmlns="" w="9525">
+              <a14:hiddenLine xmlns="" xmlns:a14="http://schemas.microsoft.com/office/drawing/2010/main" w="9525">
                 <a:solidFill>
                   <a:srgbClr val="000000"/>
                 </a:solidFill>
@@ -15309,7 +15255,7 @@
           </a:ln>
           <a:extLst>
             <a:ext uri="{91240B29-F687-4f45-9708-019B960494DF}">
-              <a14:hiddenLine xmlns:a14="http://schemas.microsoft.com/office/drawing/2010/main" xmlns="" w="9525">
+              <a14:hiddenLine xmlns="" xmlns:a14="http://schemas.microsoft.com/office/drawing/2010/main" w="9525">
                 <a:solidFill>
                   <a:srgbClr val="000000"/>
                 </a:solidFill>
@@ -15528,7 +15474,7 @@
           </a:ln>
           <a:extLst>
             <a:ext uri="{91240B29-F687-4f45-9708-019B960494DF}">
-              <a14:hiddenLine xmlns:a14="http://schemas.microsoft.com/office/drawing/2010/main" xmlns="" w="9525">
+              <a14:hiddenLine xmlns="" xmlns:a14="http://schemas.microsoft.com/office/drawing/2010/main" w="9525">
                 <a:solidFill>
                   <a:srgbClr val="000000"/>
                 </a:solidFill>
@@ -15737,7 +15683,7 @@
           </a:ln>
           <a:extLst>
             <a:ext uri="{91240B29-F687-4f45-9708-019B960494DF}">
-              <a14:hiddenLine xmlns:a14="http://schemas.microsoft.com/office/drawing/2010/main" xmlns="" w="9525">
+              <a14:hiddenLine xmlns="" xmlns:a14="http://schemas.microsoft.com/office/drawing/2010/main" w="9525">
                 <a:solidFill>
                   <a:srgbClr val="000000"/>
                 </a:solidFill>
@@ -16229,7 +16175,7 @@
             </a:ln>
             <a:extLst>
               <a:ext uri="{91240B29-F687-4f45-9708-019B960494DF}">
-                <a14:hiddenLine xmlns:a14="http://schemas.microsoft.com/office/drawing/2010/main" xmlns="" w="9525">
+                <a14:hiddenLine xmlns="" xmlns:a14="http://schemas.microsoft.com/office/drawing/2010/main" w="9525">
                   <a:solidFill>
                     <a:srgbClr val="000000"/>
                   </a:solidFill>
@@ -16289,14 +16235,14 @@
             </a:ln>
             <a:extLst>
               <a:ext uri="{909E8E84-426E-40dd-AFC4-6F175D3DCCD1}">
-                <a14:hiddenFill xmlns:a14="http://schemas.microsoft.com/office/drawing/2010/main" xmlns="">
+                <a14:hiddenFill xmlns="" xmlns:a14="http://schemas.microsoft.com/office/drawing/2010/main">
                   <a:solidFill>
                     <a:srgbClr val="FFFFFF"/>
                   </a:solidFill>
                 </a14:hiddenFill>
               </a:ext>
               <a:ext uri="{91240B29-F687-4f45-9708-019B960494DF}">
-                <a14:hiddenLine xmlns:a14="http://schemas.microsoft.com/office/drawing/2010/main" xmlns="" w="9525">
+                <a14:hiddenLine xmlns="" xmlns:a14="http://schemas.microsoft.com/office/drawing/2010/main" w="9525">
                   <a:solidFill>
                     <a:srgbClr val="000000"/>
                   </a:solidFill>
@@ -16425,7 +16371,7 @@
             </a:ln>
             <a:extLst>
               <a:ext uri="{91240B29-F687-4f45-9708-019B960494DF}">
-                <a14:hiddenLine xmlns:a14="http://schemas.microsoft.com/office/drawing/2010/main" xmlns="" w="9525">
+                <a14:hiddenLine xmlns="" xmlns:a14="http://schemas.microsoft.com/office/drawing/2010/main" w="9525">
                   <a:solidFill>
                     <a:srgbClr val="000000"/>
                   </a:solidFill>
@@ -16570,7 +16516,7 @@
             </a:ln>
             <a:extLst>
               <a:ext uri="{91240B29-F687-4f45-9708-019B960494DF}">
-                <a14:hiddenLine xmlns:a14="http://schemas.microsoft.com/office/drawing/2010/main" xmlns="" w="9525">
+                <a14:hiddenLine xmlns="" xmlns:a14="http://schemas.microsoft.com/office/drawing/2010/main" w="9525">
                   <a:solidFill>
                     <a:srgbClr val="000000"/>
                   </a:solidFill>
@@ -16779,7 +16725,7 @@
             </a:ln>
             <a:extLst>
               <a:ext uri="{91240B29-F687-4f45-9708-019B960494DF}">
-                <a14:hiddenLine xmlns:a14="http://schemas.microsoft.com/office/drawing/2010/main" xmlns="" w="9525">
+                <a14:hiddenLine xmlns="" xmlns:a14="http://schemas.microsoft.com/office/drawing/2010/main" w="9525">
                   <a:solidFill>
                     <a:srgbClr val="000000"/>
                   </a:solidFill>
@@ -16862,14 +16808,14 @@
             </a:ln>
             <a:extLst>
               <a:ext uri="{909E8E84-426E-40dd-AFC4-6F175D3DCCD1}">
-                <a14:hiddenFill xmlns:a14="http://schemas.microsoft.com/office/drawing/2010/main" xmlns="">
+                <a14:hiddenFill xmlns="" xmlns:a14="http://schemas.microsoft.com/office/drawing/2010/main">
                   <a:solidFill>
                     <a:srgbClr val="FFFFFF"/>
                   </a:solidFill>
                 </a14:hiddenFill>
               </a:ext>
               <a:ext uri="{91240B29-F687-4f45-9708-019B960494DF}">
-                <a14:hiddenLine xmlns:a14="http://schemas.microsoft.com/office/drawing/2010/main" xmlns="" w="9525">
+                <a14:hiddenLine xmlns="" xmlns:a14="http://schemas.microsoft.com/office/drawing/2010/main" w="9525">
                   <a:solidFill>
                     <a:srgbClr val="000000"/>
                   </a:solidFill>
@@ -17028,7 +16974,7 @@
             </a:ln>
             <a:extLst>
               <a:ext uri="{91240B29-F687-4f45-9708-019B960494DF}">
-                <a14:hiddenLine xmlns:a14="http://schemas.microsoft.com/office/drawing/2010/main" xmlns="" w="9525">
+                <a14:hiddenLine xmlns="" xmlns:a14="http://schemas.microsoft.com/office/drawing/2010/main" w="9525">
                   <a:solidFill>
                     <a:srgbClr val="000000"/>
                   </a:solidFill>
@@ -17214,7 +17160,7 @@
             </a:ln>
             <a:extLst>
               <a:ext uri="{91240B29-F687-4f45-9708-019B960494DF}">
-                <a14:hiddenLine xmlns:a14="http://schemas.microsoft.com/office/drawing/2010/main" xmlns="" w="9525">
+                <a14:hiddenLine xmlns="" xmlns:a14="http://schemas.microsoft.com/office/drawing/2010/main" w="9525">
                   <a:solidFill>
                     <a:srgbClr val="000000"/>
                   </a:solidFill>
@@ -17420,7 +17366,7 @@
             </a:ln>
             <a:extLst>
               <a:ext uri="{91240B29-F687-4f45-9708-019B960494DF}">
-                <a14:hiddenLine xmlns:a14="http://schemas.microsoft.com/office/drawing/2010/main" xmlns="" w="9525">
+                <a14:hiddenLine xmlns="" xmlns:a14="http://schemas.microsoft.com/office/drawing/2010/main" w="9525">
                   <a:solidFill>
                     <a:srgbClr val="000000"/>
                   </a:solidFill>
@@ -17629,7 +17575,7 @@
             </a:ln>
             <a:extLst>
               <a:ext uri="{91240B29-F687-4f45-9708-019B960494DF}">
-                <a14:hiddenLine xmlns:a14="http://schemas.microsoft.com/office/drawing/2010/main" xmlns="" w="9525">
+                <a14:hiddenLine xmlns="" xmlns:a14="http://schemas.microsoft.com/office/drawing/2010/main" w="9525">
                   <a:solidFill>
                     <a:srgbClr val="000000"/>
                   </a:solidFill>
@@ -17712,14 +17658,14 @@
             </a:ln>
             <a:extLst>
               <a:ext uri="{909E8E84-426E-40dd-AFC4-6F175D3DCCD1}">
-                <a14:hiddenFill xmlns:a14="http://schemas.microsoft.com/office/drawing/2010/main" xmlns="">
+                <a14:hiddenFill xmlns="" xmlns:a14="http://schemas.microsoft.com/office/drawing/2010/main">
                   <a:solidFill>
                     <a:srgbClr val="FFFFFF"/>
                   </a:solidFill>
                 </a14:hiddenFill>
               </a:ext>
               <a:ext uri="{91240B29-F687-4f45-9708-019B960494DF}">
-                <a14:hiddenLine xmlns:a14="http://schemas.microsoft.com/office/drawing/2010/main" xmlns="" w="9525">
+                <a14:hiddenLine xmlns="" xmlns:a14="http://schemas.microsoft.com/office/drawing/2010/main" w="9525">
                   <a:solidFill>
                     <a:srgbClr val="000000"/>
                   </a:solidFill>
@@ -17878,7 +17824,7 @@
             </a:ln>
             <a:extLst>
               <a:ext uri="{91240B29-F687-4f45-9708-019B960494DF}">
-                <a14:hiddenLine xmlns:a14="http://schemas.microsoft.com/office/drawing/2010/main" xmlns="" w="9525">
+                <a14:hiddenLine xmlns="" xmlns:a14="http://schemas.microsoft.com/office/drawing/2010/main" w="9525">
                   <a:solidFill>
                     <a:srgbClr val="000000"/>
                   </a:solidFill>
@@ -18064,7 +18010,7 @@
             </a:ln>
             <a:extLst>
               <a:ext uri="{91240B29-F687-4f45-9708-019B960494DF}">
-                <a14:hiddenLine xmlns:a14="http://schemas.microsoft.com/office/drawing/2010/main" xmlns="" w="9525">
+                <a14:hiddenLine xmlns="" xmlns:a14="http://schemas.microsoft.com/office/drawing/2010/main" w="9525">
                   <a:solidFill>
                     <a:srgbClr val="000000"/>
                   </a:solidFill>
@@ -18283,7 +18229,7 @@
             </a:ln>
             <a:extLst>
               <a:ext uri="{91240B29-F687-4f45-9708-019B960494DF}">
-                <a14:hiddenLine xmlns:a14="http://schemas.microsoft.com/office/drawing/2010/main" xmlns="" w="9525">
+                <a14:hiddenLine xmlns="" xmlns:a14="http://schemas.microsoft.com/office/drawing/2010/main" w="9525">
                   <a:solidFill>
                     <a:srgbClr val="000000"/>
                   </a:solidFill>
@@ -18492,7 +18438,7 @@
             </a:ln>
             <a:extLst>
               <a:ext uri="{91240B29-F687-4f45-9708-019B960494DF}">
-                <a14:hiddenLine xmlns:a14="http://schemas.microsoft.com/office/drawing/2010/main" xmlns="" w="9525">
+                <a14:hiddenLine xmlns="" xmlns:a14="http://schemas.microsoft.com/office/drawing/2010/main" w="9525">
                   <a:solidFill>
                     <a:srgbClr val="000000"/>
                   </a:solidFill>
@@ -18573,14 +18519,14 @@
             </a:ln>
             <a:extLst>
               <a:ext uri="{909E8E84-426E-40dd-AFC4-6F175D3DCCD1}">
-                <a14:hiddenFill xmlns="" xmlns:a14="http://schemas.microsoft.com/office/drawing/2010/main">
+                <a14:hiddenFill xmlns:a14="http://schemas.microsoft.com/office/drawing/2010/main" xmlns="">
                   <a:solidFill>
                     <a:srgbClr val="FFFFFF"/>
                   </a:solidFill>
                 </a14:hiddenFill>
               </a:ext>
               <a:ext uri="{91240B29-F687-4f45-9708-019B960494DF}">
-                <a14:hiddenLine xmlns="" xmlns:a14="http://schemas.microsoft.com/office/drawing/2010/main" w="9525">
+                <a14:hiddenLine xmlns:a14="http://schemas.microsoft.com/office/drawing/2010/main" xmlns="" w="9525">
                   <a:solidFill>
                     <a:srgbClr val="000000"/>
                   </a:solidFill>
@@ -18736,7 +18682,7 @@
             </a:ln>
             <a:extLst>
               <a:ext uri="{91240B29-F687-4f45-9708-019B960494DF}">
-                <a14:hiddenLine xmlns="" xmlns:a14="http://schemas.microsoft.com/office/drawing/2010/main" w="9525">
+                <a14:hiddenLine xmlns:a14="http://schemas.microsoft.com/office/drawing/2010/main" xmlns="" w="9525">
                   <a:solidFill>
                     <a:srgbClr val="000000"/>
                   </a:solidFill>
@@ -18852,14 +18798,14 @@
             </a:ln>
             <a:extLst>
               <a:ext uri="{909E8E84-426E-40dd-AFC4-6F175D3DCCD1}">
-                <a14:hiddenFill xmlns="" xmlns:a14="http://schemas.microsoft.com/office/drawing/2010/main">
+                <a14:hiddenFill xmlns:a14="http://schemas.microsoft.com/office/drawing/2010/main" xmlns="">
                   <a:solidFill>
                     <a:srgbClr val="FFFFFF"/>
                   </a:solidFill>
                 </a14:hiddenFill>
               </a:ext>
               <a:ext uri="{91240B29-F687-4f45-9708-019B960494DF}">
-                <a14:hiddenLine xmlns="" xmlns:a14="http://schemas.microsoft.com/office/drawing/2010/main" w="9525">
+                <a14:hiddenLine xmlns:a14="http://schemas.microsoft.com/office/drawing/2010/main" xmlns="" w="9525">
                   <a:solidFill>
                     <a:srgbClr val="000000"/>
                   </a:solidFill>
@@ -19015,7 +18961,7 @@
             </a:ln>
             <a:extLst>
               <a:ext uri="{91240B29-F687-4f45-9708-019B960494DF}">
-                <a14:hiddenLine xmlns="" xmlns:a14="http://schemas.microsoft.com/office/drawing/2010/main" w="9525">
+                <a14:hiddenLine xmlns:a14="http://schemas.microsoft.com/office/drawing/2010/main" xmlns="" w="9525">
                   <a:solidFill>
                     <a:srgbClr val="000000"/>
                   </a:solidFill>
@@ -19198,7 +19144,7 @@
             </a:ln>
             <a:extLst>
               <a:ext uri="{91240B29-F687-4f45-9708-019B960494DF}">
-                <a14:hiddenLine xmlns="" xmlns:a14="http://schemas.microsoft.com/office/drawing/2010/main" w="9525">
+                <a14:hiddenLine xmlns:a14="http://schemas.microsoft.com/office/drawing/2010/main" xmlns="" w="9525">
                   <a:solidFill>
                     <a:srgbClr val="000000"/>
                   </a:solidFill>
@@ -19356,7 +19302,7 @@
             </a:ln>
             <a:extLst>
               <a:ext uri="{91240B29-F687-4f45-9708-019B960494DF}">
-                <a14:hiddenLine xmlns="" xmlns:a14="http://schemas.microsoft.com/office/drawing/2010/main" w="9525">
+                <a14:hiddenLine xmlns:a14="http://schemas.microsoft.com/office/drawing/2010/main" xmlns="" w="9525">
                   <a:solidFill>
                     <a:srgbClr val="000000"/>
                   </a:solidFill>
@@ -19562,7 +19508,7 @@
             </a:ln>
             <a:extLst>
               <a:ext uri="{91240B29-F687-4f45-9708-019B960494DF}">
-                <a14:hiddenLine xmlns="" xmlns:a14="http://schemas.microsoft.com/office/drawing/2010/main" w="9525">
+                <a14:hiddenLine xmlns:a14="http://schemas.microsoft.com/office/drawing/2010/main" xmlns="" w="9525">
                   <a:solidFill>
                     <a:srgbClr val="000000"/>
                   </a:solidFill>
@@ -19911,14 +19857,14 @@
             </a:ln>
             <a:extLst>
               <a:ext uri="{909E8E84-426E-40dd-AFC4-6F175D3DCCD1}">
-                <a14:hiddenFill xmlns="" xmlns:a14="http://schemas.microsoft.com/office/drawing/2010/main">
+                <a14:hiddenFill xmlns:a14="http://schemas.microsoft.com/office/drawing/2010/main" xmlns="">
                   <a:solidFill>
                     <a:srgbClr val="FFFFFF"/>
                   </a:solidFill>
                 </a14:hiddenFill>
               </a:ext>
               <a:ext uri="{91240B29-F687-4f45-9708-019B960494DF}">
-                <a14:hiddenLine xmlns="" xmlns:a14="http://schemas.microsoft.com/office/drawing/2010/main" w="9525">
+                <a14:hiddenLine xmlns:a14="http://schemas.microsoft.com/office/drawing/2010/main" xmlns="" w="9525">
                   <a:solidFill>
                     <a:srgbClr val="000000"/>
                   </a:solidFill>
@@ -20074,7 +20020,7 @@
             </a:ln>
             <a:extLst>
               <a:ext uri="{91240B29-F687-4f45-9708-019B960494DF}">
-                <a14:hiddenLine xmlns="" xmlns:a14="http://schemas.microsoft.com/office/drawing/2010/main" w="9525">
+                <a14:hiddenLine xmlns:a14="http://schemas.microsoft.com/office/drawing/2010/main" xmlns="" w="9525">
                   <a:solidFill>
                     <a:srgbClr val="000000"/>
                   </a:solidFill>
@@ -20154,14 +20100,14 @@
             </a:ln>
             <a:extLst>
               <a:ext uri="{909E8E84-426E-40dd-AFC4-6F175D3DCCD1}">
-                <a14:hiddenFill xmlns:a14="http://schemas.microsoft.com/office/drawing/2010/main" xmlns="">
+                <a14:hiddenFill xmlns="" xmlns:a14="http://schemas.microsoft.com/office/drawing/2010/main">
                   <a:solidFill>
                     <a:srgbClr val="FFFFFF"/>
                   </a:solidFill>
                 </a14:hiddenFill>
               </a:ext>
               <a:ext uri="{91240B29-F687-4f45-9708-019B960494DF}">
-                <a14:hiddenLine xmlns:a14="http://schemas.microsoft.com/office/drawing/2010/main" xmlns="" w="9525">
+                <a14:hiddenLine xmlns="" xmlns:a14="http://schemas.microsoft.com/office/drawing/2010/main" w="9525">
                   <a:solidFill>
                     <a:srgbClr val="000000"/>
                   </a:solidFill>
@@ -20320,7 +20266,7 @@
             </a:ln>
             <a:extLst>
               <a:ext uri="{91240B29-F687-4f45-9708-019B960494DF}">
-                <a14:hiddenLine xmlns:a14="http://schemas.microsoft.com/office/drawing/2010/main" xmlns="" w="9525">
+                <a14:hiddenLine xmlns="" xmlns:a14="http://schemas.microsoft.com/office/drawing/2010/main" w="9525">
                   <a:solidFill>
                     <a:srgbClr val="000000"/>
                   </a:solidFill>
@@ -20506,7 +20452,7 @@
             </a:ln>
             <a:extLst>
               <a:ext uri="{91240B29-F687-4f45-9708-019B960494DF}">
-                <a14:hiddenLine xmlns:a14="http://schemas.microsoft.com/office/drawing/2010/main" xmlns="" w="9525">
+                <a14:hiddenLine xmlns="" xmlns:a14="http://schemas.microsoft.com/office/drawing/2010/main" w="9525">
                   <a:solidFill>
                     <a:srgbClr val="000000"/>
                   </a:solidFill>
@@ -20725,7 +20671,7 @@
             </a:ln>
             <a:extLst>
               <a:ext uri="{91240B29-F687-4f45-9708-019B960494DF}">
-                <a14:hiddenLine xmlns:a14="http://schemas.microsoft.com/office/drawing/2010/main" xmlns="" w="9525">
+                <a14:hiddenLine xmlns="" xmlns:a14="http://schemas.microsoft.com/office/drawing/2010/main" w="9525">
                   <a:solidFill>
                     <a:srgbClr val="000000"/>
                   </a:solidFill>
@@ -20934,7 +20880,7 @@
             </a:ln>
             <a:extLst>
               <a:ext uri="{91240B29-F687-4f45-9708-019B960494DF}">
-                <a14:hiddenLine xmlns:a14="http://schemas.microsoft.com/office/drawing/2010/main" xmlns="" w="9525">
+                <a14:hiddenLine xmlns="" xmlns:a14="http://schemas.microsoft.com/office/drawing/2010/main" w="9525">
                   <a:solidFill>
                     <a:srgbClr val="000000"/>
                   </a:solidFill>
@@ -21015,14 +20961,14 @@
             </a:ln>
             <a:extLst>
               <a:ext uri="{909E8E84-426E-40dd-AFC4-6F175D3DCCD1}">
-                <a14:hiddenFill xmlns="" xmlns:a14="http://schemas.microsoft.com/office/drawing/2010/main">
+                <a14:hiddenFill xmlns:a14="http://schemas.microsoft.com/office/drawing/2010/main" xmlns="">
                   <a:solidFill>
                     <a:srgbClr val="FFFFFF"/>
                   </a:solidFill>
                 </a14:hiddenFill>
               </a:ext>
               <a:ext uri="{91240B29-F687-4f45-9708-019B960494DF}">
-                <a14:hiddenLine xmlns="" xmlns:a14="http://schemas.microsoft.com/office/drawing/2010/main" w="9525">
+                <a14:hiddenLine xmlns:a14="http://schemas.microsoft.com/office/drawing/2010/main" xmlns="" w="9525">
                   <a:solidFill>
                     <a:srgbClr val="000000"/>
                   </a:solidFill>
@@ -21178,7 +21124,7 @@
             </a:ln>
             <a:extLst>
               <a:ext uri="{91240B29-F687-4f45-9708-019B960494DF}">
-                <a14:hiddenLine xmlns="" xmlns:a14="http://schemas.microsoft.com/office/drawing/2010/main" w="9525">
+                <a14:hiddenLine xmlns:a14="http://schemas.microsoft.com/office/drawing/2010/main" xmlns="" w="9525">
                   <a:solidFill>
                     <a:srgbClr val="000000"/>
                   </a:solidFill>
@@ -21333,14 +21279,14 @@
             </a:ln>
             <a:extLst>
               <a:ext uri="{909E8E84-426E-40dd-AFC4-6F175D3DCCD1}">
-                <a14:hiddenFill xmlns:a14="http://schemas.microsoft.com/office/drawing/2010/main" xmlns="">
+                <a14:hiddenFill xmlns="" xmlns:a14="http://schemas.microsoft.com/office/drawing/2010/main">
                   <a:solidFill>
                     <a:srgbClr val="FFFFFF"/>
                   </a:solidFill>
                 </a14:hiddenFill>
               </a:ext>
               <a:ext uri="{91240B29-F687-4f45-9708-019B960494DF}">
-                <a14:hiddenLine xmlns:a14="http://schemas.microsoft.com/office/drawing/2010/main" xmlns="" w="9525">
+                <a14:hiddenLine xmlns="" xmlns:a14="http://schemas.microsoft.com/office/drawing/2010/main" w="9525">
                   <a:solidFill>
                     <a:srgbClr val="000000"/>
                   </a:solidFill>
@@ -21499,7 +21445,7 @@
             </a:ln>
             <a:extLst>
               <a:ext uri="{91240B29-F687-4f45-9708-019B960494DF}">
-                <a14:hiddenLine xmlns:a14="http://schemas.microsoft.com/office/drawing/2010/main" xmlns="" w="9525">
+                <a14:hiddenLine xmlns="" xmlns:a14="http://schemas.microsoft.com/office/drawing/2010/main" w="9525">
                   <a:solidFill>
                     <a:srgbClr val="000000"/>
                   </a:solidFill>
@@ -21685,7 +21631,7 @@
             </a:ln>
             <a:extLst>
               <a:ext uri="{91240B29-F687-4f45-9708-019B960494DF}">
-                <a14:hiddenLine xmlns:a14="http://schemas.microsoft.com/office/drawing/2010/main" xmlns="" w="9525">
+                <a14:hiddenLine xmlns="" xmlns:a14="http://schemas.microsoft.com/office/drawing/2010/main" w="9525">
                   <a:solidFill>
                     <a:srgbClr val="000000"/>
                   </a:solidFill>
@@ -21891,7 +21837,7 @@
             </a:ln>
             <a:extLst>
               <a:ext uri="{91240B29-F687-4f45-9708-019B960494DF}">
-                <a14:hiddenLine xmlns:a14="http://schemas.microsoft.com/office/drawing/2010/main" xmlns="" w="9525">
+                <a14:hiddenLine xmlns="" xmlns:a14="http://schemas.microsoft.com/office/drawing/2010/main" w="9525">
                   <a:solidFill>
                     <a:srgbClr val="000000"/>
                   </a:solidFill>
@@ -22100,7 +22046,7 @@
             </a:ln>
             <a:extLst>
               <a:ext uri="{91240B29-F687-4f45-9708-019B960494DF}">
-                <a14:hiddenLine xmlns:a14="http://schemas.microsoft.com/office/drawing/2010/main" xmlns="" w="9525">
+                <a14:hiddenLine xmlns="" xmlns:a14="http://schemas.microsoft.com/office/drawing/2010/main" w="9525">
                   <a:solidFill>
                     <a:srgbClr val="000000"/>
                   </a:solidFill>
@@ -22280,7 +22226,7 @@
             </a:ln>
             <a:extLst>
               <a:ext uri="{91240B29-F687-4f45-9708-019B960494DF}">
-                <a14:hiddenLine xmlns:a14="http://schemas.microsoft.com/office/drawing/2010/main" xmlns="" w="9525">
+                <a14:hiddenLine xmlns="" xmlns:a14="http://schemas.microsoft.com/office/drawing/2010/main" w="9525">
                   <a:solidFill>
                     <a:srgbClr val="000000"/>
                   </a:solidFill>
@@ -22340,14 +22286,14 @@
             </a:ln>
             <a:extLst>
               <a:ext uri="{909E8E84-426E-40dd-AFC4-6F175D3DCCD1}">
-                <a14:hiddenFill xmlns:a14="http://schemas.microsoft.com/office/drawing/2010/main" xmlns="">
+                <a14:hiddenFill xmlns="" xmlns:a14="http://schemas.microsoft.com/office/drawing/2010/main">
                   <a:solidFill>
                     <a:srgbClr val="FFFFFF"/>
                   </a:solidFill>
                 </a14:hiddenFill>
               </a:ext>
               <a:ext uri="{91240B29-F687-4f45-9708-019B960494DF}">
-                <a14:hiddenLine xmlns:a14="http://schemas.microsoft.com/office/drawing/2010/main" xmlns="" w="9525">
+                <a14:hiddenLine xmlns="" xmlns:a14="http://schemas.microsoft.com/office/drawing/2010/main" w="9525">
                   <a:solidFill>
                     <a:srgbClr val="000000"/>
                   </a:solidFill>
@@ -22476,7 +22422,7 @@
             </a:ln>
             <a:extLst>
               <a:ext uri="{91240B29-F687-4f45-9708-019B960494DF}">
-                <a14:hiddenLine xmlns:a14="http://schemas.microsoft.com/office/drawing/2010/main" xmlns="" w="9525">
+                <a14:hiddenLine xmlns="" xmlns:a14="http://schemas.microsoft.com/office/drawing/2010/main" w="9525">
                   <a:solidFill>
                     <a:srgbClr val="000000"/>
                   </a:solidFill>
@@ -22621,7 +22567,7 @@
             </a:ln>
             <a:extLst>
               <a:ext uri="{91240B29-F687-4f45-9708-019B960494DF}">
-                <a14:hiddenLine xmlns:a14="http://schemas.microsoft.com/office/drawing/2010/main" xmlns="" w="9525">
+                <a14:hiddenLine xmlns="" xmlns:a14="http://schemas.microsoft.com/office/drawing/2010/main" w="9525">
                   <a:solidFill>
                     <a:srgbClr val="000000"/>
                   </a:solidFill>
@@ -22830,7 +22776,7 @@
             </a:ln>
             <a:extLst>
               <a:ext uri="{91240B29-F687-4f45-9708-019B960494DF}">
-                <a14:hiddenLine xmlns:a14="http://schemas.microsoft.com/office/drawing/2010/main" xmlns="" w="9525">
+                <a14:hiddenLine xmlns="" xmlns:a14="http://schemas.microsoft.com/office/drawing/2010/main" w="9525">
                   <a:solidFill>
                     <a:srgbClr val="000000"/>
                   </a:solidFill>
@@ -27568,7 +27514,7 @@
             </a:ln>
             <a:extLst>
               <a:ext uri="{91240B29-F687-4f45-9708-019B960494DF}">
-                <a14:hiddenLine xmlns:a14="http://schemas.microsoft.com/office/drawing/2010/main" xmlns="" w="9525">
+                <a14:hiddenLine xmlns="" xmlns:a14="http://schemas.microsoft.com/office/drawing/2010/main" w="9525">
                   <a:solidFill>
                     <a:srgbClr val="000000"/>
                   </a:solidFill>
@@ -29493,14 +29439,14 @@
             </a:ln>
             <a:extLst>
               <a:ext uri="{909E8E84-426E-40dd-AFC4-6F175D3DCCD1}">
-                <a14:hiddenFill xmlns:a14="http://schemas.microsoft.com/office/drawing/2010/main" xmlns="">
+                <a14:hiddenFill xmlns="" xmlns:a14="http://schemas.microsoft.com/office/drawing/2010/main">
                   <a:solidFill>
                     <a:srgbClr val="FFFFFF"/>
                   </a:solidFill>
                 </a14:hiddenFill>
               </a:ext>
               <a:ext uri="{91240B29-F687-4f45-9708-019B960494DF}">
-                <a14:hiddenLine xmlns:a14="http://schemas.microsoft.com/office/drawing/2010/main" xmlns="" w="9525">
+                <a14:hiddenLine xmlns="" xmlns:a14="http://schemas.microsoft.com/office/drawing/2010/main" w="9525">
                   <a:solidFill>
                     <a:srgbClr val="000000"/>
                   </a:solidFill>
@@ -29659,7 +29605,7 @@
             </a:ln>
             <a:extLst>
               <a:ext uri="{91240B29-F687-4f45-9708-019B960494DF}">
-                <a14:hiddenLine xmlns:a14="http://schemas.microsoft.com/office/drawing/2010/main" xmlns="" w="9525">
+                <a14:hiddenLine xmlns="" xmlns:a14="http://schemas.microsoft.com/office/drawing/2010/main" w="9525">
                   <a:solidFill>
                     <a:srgbClr val="000000"/>
                   </a:solidFill>
@@ -29817,14 +29763,14 @@
           </a:ln>
           <a:extLst>
             <a:ext uri="{909E8E84-426E-40dd-AFC4-6F175D3DCCD1}">
-              <a14:hiddenFill xmlns:a14="http://schemas.microsoft.com/office/drawing/2010/main" xmlns="">
+              <a14:hiddenFill xmlns="" xmlns:a14="http://schemas.microsoft.com/office/drawing/2010/main">
                 <a:solidFill>
                   <a:srgbClr val="FFFFFF"/>
                 </a:solidFill>
               </a14:hiddenFill>
             </a:ext>
             <a:ext uri="{91240B29-F687-4f45-9708-019B960494DF}">
-              <a14:hiddenLine xmlns:a14="http://schemas.microsoft.com/office/drawing/2010/main" xmlns="" w="9525">
+              <a14:hiddenLine xmlns="" xmlns:a14="http://schemas.microsoft.com/office/drawing/2010/main" w="9525">
                 <a:solidFill>
                   <a:srgbClr val="000000"/>
                 </a:solidFill>
@@ -30165,7 +30111,7 @@
             </a:ln>
             <a:extLst>
               <a:ext uri="{91240B29-F687-4f45-9708-019B960494DF}">
-                <a14:hiddenLine xmlns:a14="http://schemas.microsoft.com/office/drawing/2010/main" xmlns="" w="9525">
+                <a14:hiddenLine xmlns="" xmlns:a14="http://schemas.microsoft.com/office/drawing/2010/main" w="9525">
                   <a:solidFill>
                     <a:srgbClr val="000000"/>
                   </a:solidFill>
@@ -30225,14 +30171,14 @@
             </a:ln>
             <a:extLst>
               <a:ext uri="{909E8E84-426E-40dd-AFC4-6F175D3DCCD1}">
-                <a14:hiddenFill xmlns:a14="http://schemas.microsoft.com/office/drawing/2010/main" xmlns="">
+                <a14:hiddenFill xmlns="" xmlns:a14="http://schemas.microsoft.com/office/drawing/2010/main">
                   <a:solidFill>
                     <a:srgbClr val="FFFFFF"/>
                   </a:solidFill>
                 </a14:hiddenFill>
               </a:ext>
               <a:ext uri="{91240B29-F687-4f45-9708-019B960494DF}">
-                <a14:hiddenLine xmlns:a14="http://schemas.microsoft.com/office/drawing/2010/main" xmlns="" w="9525">
+                <a14:hiddenLine xmlns="" xmlns:a14="http://schemas.microsoft.com/office/drawing/2010/main" w="9525">
                   <a:solidFill>
                     <a:srgbClr val="000000"/>
                   </a:solidFill>
@@ -30361,7 +30307,7 @@
             </a:ln>
             <a:extLst>
               <a:ext uri="{91240B29-F687-4f45-9708-019B960494DF}">
-                <a14:hiddenLine xmlns:a14="http://schemas.microsoft.com/office/drawing/2010/main" xmlns="" w="9525">
+                <a14:hiddenLine xmlns="" xmlns:a14="http://schemas.microsoft.com/office/drawing/2010/main" w="9525">
                   <a:solidFill>
                     <a:srgbClr val="000000"/>
                   </a:solidFill>
@@ -30506,7 +30452,7 @@
             </a:ln>
             <a:extLst>
               <a:ext uri="{91240B29-F687-4f45-9708-019B960494DF}">
-                <a14:hiddenLine xmlns:a14="http://schemas.microsoft.com/office/drawing/2010/main" xmlns="" w="9525">
+                <a14:hiddenLine xmlns="" xmlns:a14="http://schemas.microsoft.com/office/drawing/2010/main" w="9525">
                   <a:solidFill>
                     <a:srgbClr val="000000"/>
                   </a:solidFill>
@@ -30715,7 +30661,7 @@
             </a:ln>
             <a:extLst>
               <a:ext uri="{91240B29-F687-4f45-9708-019B960494DF}">
-                <a14:hiddenLine xmlns:a14="http://schemas.microsoft.com/office/drawing/2010/main" xmlns="" w="9525">
+                <a14:hiddenLine xmlns="" xmlns:a14="http://schemas.microsoft.com/office/drawing/2010/main" w="9525">
                   <a:solidFill>
                     <a:srgbClr val="000000"/>
                   </a:solidFill>
@@ -30902,7 +30848,7 @@
           </a:ln>
           <a:extLst>
             <a:ext uri="{91240B29-F687-4f45-9708-019B960494DF}">
-              <a14:hiddenLine xmlns:a14="http://schemas.microsoft.com/office/drawing/2010/main" xmlns="" w="9525">
+              <a14:hiddenLine xmlns="" xmlns:a14="http://schemas.microsoft.com/office/drawing/2010/main" w="9525">
                 <a:solidFill>
                   <a:srgbClr val="000000"/>
                 </a:solidFill>
@@ -31121,7 +31067,7 @@
           </a:ln>
           <a:extLst>
             <a:ext uri="{91240B29-F687-4f45-9708-019B960494DF}">
-              <a14:hiddenLine xmlns:a14="http://schemas.microsoft.com/office/drawing/2010/main" xmlns="" w="9525">
+              <a14:hiddenLine xmlns="" xmlns:a14="http://schemas.microsoft.com/office/drawing/2010/main" w="9525">
                 <a:solidFill>
                   <a:srgbClr val="000000"/>
                 </a:solidFill>
@@ -31330,7 +31276,7 @@
           </a:ln>
           <a:extLst>
             <a:ext uri="{91240B29-F687-4f45-9708-019B960494DF}">
-              <a14:hiddenLine xmlns:a14="http://schemas.microsoft.com/office/drawing/2010/main" xmlns="" w="9525">
+              <a14:hiddenLine xmlns="" xmlns:a14="http://schemas.microsoft.com/office/drawing/2010/main" w="9525">
                 <a:solidFill>
                   <a:srgbClr val="000000"/>
                 </a:solidFill>
@@ -31636,14 +31582,14 @@
             </a:ln>
             <a:extLst>
               <a:ext uri="{909E8E84-426E-40dd-AFC4-6F175D3DCCD1}">
-                <a14:hiddenFill xmlns:a14="http://schemas.microsoft.com/office/drawing/2010/main" xmlns="">
+                <a14:hiddenFill xmlns="" xmlns:a14="http://schemas.microsoft.com/office/drawing/2010/main">
                   <a:solidFill>
                     <a:srgbClr val="FFFFFF"/>
                   </a:solidFill>
                 </a14:hiddenFill>
               </a:ext>
               <a:ext uri="{91240B29-F687-4f45-9708-019B960494DF}">
-                <a14:hiddenLine xmlns:a14="http://schemas.microsoft.com/office/drawing/2010/main" xmlns="" w="9525">
+                <a14:hiddenLine xmlns="" xmlns:a14="http://schemas.microsoft.com/office/drawing/2010/main" w="9525">
                   <a:solidFill>
                     <a:srgbClr val="000000"/>
                   </a:solidFill>
@@ -31802,7 +31748,7 @@
             </a:ln>
             <a:extLst>
               <a:ext uri="{91240B29-F687-4f45-9708-019B960494DF}">
-                <a14:hiddenLine xmlns:a14="http://schemas.microsoft.com/office/drawing/2010/main" xmlns="" w="9525">
+                <a14:hiddenLine xmlns="" xmlns:a14="http://schemas.microsoft.com/office/drawing/2010/main" w="9525">
                   <a:solidFill>
                     <a:srgbClr val="000000"/>
                   </a:solidFill>
@@ -32709,14 +32655,14 @@
             </a:ln>
             <a:extLst>
               <a:ext uri="{909E8E84-426E-40dd-AFC4-6F175D3DCCD1}">
-                <a14:hiddenFill xmlns="" xmlns:a14="http://schemas.microsoft.com/office/drawing/2010/main">
+                <a14:hiddenFill xmlns:a14="http://schemas.microsoft.com/office/drawing/2010/main" xmlns="">
                   <a:solidFill>
                     <a:srgbClr val="FFFFFF"/>
                   </a:solidFill>
                 </a14:hiddenFill>
               </a:ext>
               <a:ext uri="{91240B29-F687-4f45-9708-019B960494DF}">
-                <a14:hiddenLine xmlns="" xmlns:a14="http://schemas.microsoft.com/office/drawing/2010/main" w="9525">
+                <a14:hiddenLine xmlns:a14="http://schemas.microsoft.com/office/drawing/2010/main" xmlns="" w="9525">
                   <a:solidFill>
                     <a:srgbClr val="000000"/>
                   </a:solidFill>
@@ -32776,14 +32722,14 @@
             </a:ln>
             <a:extLst>
               <a:ext uri="{909E8E84-426E-40dd-AFC4-6F175D3DCCD1}">
-                <a14:hiddenFill xmlns="" xmlns:a14="http://schemas.microsoft.com/office/drawing/2010/main">
+                <a14:hiddenFill xmlns:a14="http://schemas.microsoft.com/office/drawing/2010/main" xmlns="">
                   <a:solidFill>
                     <a:srgbClr val="FFFFFF"/>
                   </a:solidFill>
                 </a14:hiddenFill>
               </a:ext>
               <a:ext uri="{91240B29-F687-4f45-9708-019B960494DF}">
-                <a14:hiddenLine xmlns="" xmlns:a14="http://schemas.microsoft.com/office/drawing/2010/main" w="9525">
+                <a14:hiddenLine xmlns:a14="http://schemas.microsoft.com/office/drawing/2010/main" xmlns="" w="9525">
                   <a:solidFill>
                     <a:srgbClr val="000000"/>
                   </a:solidFill>
@@ -32843,14 +32789,14 @@
             </a:ln>
             <a:extLst>
               <a:ext uri="{909E8E84-426E-40dd-AFC4-6F175D3DCCD1}">
-                <a14:hiddenFill xmlns="" xmlns:a14="http://schemas.microsoft.com/office/drawing/2010/main">
+                <a14:hiddenFill xmlns:a14="http://schemas.microsoft.com/office/drawing/2010/main" xmlns="">
                   <a:solidFill>
                     <a:srgbClr val="FFFFFF"/>
                   </a:solidFill>
                 </a14:hiddenFill>
               </a:ext>
               <a:ext uri="{91240B29-F687-4f45-9708-019B960494DF}">
-                <a14:hiddenLine xmlns="" xmlns:a14="http://schemas.microsoft.com/office/drawing/2010/main" w="9525">
+                <a14:hiddenLine xmlns:a14="http://schemas.microsoft.com/office/drawing/2010/main" xmlns="" w="9525">
                   <a:solidFill>
                     <a:srgbClr val="000000"/>
                   </a:solidFill>
@@ -32910,14 +32856,14 @@
             </a:ln>
             <a:extLst>
               <a:ext uri="{909E8E84-426E-40dd-AFC4-6F175D3DCCD1}">
-                <a14:hiddenFill xmlns="" xmlns:a14="http://schemas.microsoft.com/office/drawing/2010/main">
+                <a14:hiddenFill xmlns:a14="http://schemas.microsoft.com/office/drawing/2010/main" xmlns="">
                   <a:solidFill>
                     <a:srgbClr val="FFFFFF"/>
                   </a:solidFill>
                 </a14:hiddenFill>
               </a:ext>
               <a:ext uri="{91240B29-F687-4f45-9708-019B960494DF}">
-                <a14:hiddenLine xmlns="" xmlns:a14="http://schemas.microsoft.com/office/drawing/2010/main" w="9525">
+                <a14:hiddenLine xmlns:a14="http://schemas.microsoft.com/office/drawing/2010/main" xmlns="" w="9525">
                   <a:solidFill>
                     <a:srgbClr val="000000"/>
                   </a:solidFill>
@@ -32998,14 +32944,14 @@
             </a:ln>
             <a:extLst>
               <a:ext uri="{909E8E84-426E-40dd-AFC4-6F175D3DCCD1}">
-                <a14:hiddenFill xmlns="" xmlns:a14="http://schemas.microsoft.com/office/drawing/2010/main">
+                <a14:hiddenFill xmlns:a14="http://schemas.microsoft.com/office/drawing/2010/main" xmlns="">
                   <a:solidFill>
                     <a:srgbClr val="FFFFFF"/>
                   </a:solidFill>
                 </a14:hiddenFill>
               </a:ext>
               <a:ext uri="{91240B29-F687-4f45-9708-019B960494DF}">
-                <a14:hiddenLine xmlns="" xmlns:a14="http://schemas.microsoft.com/office/drawing/2010/main" w="9525">
+                <a14:hiddenLine xmlns:a14="http://schemas.microsoft.com/office/drawing/2010/main" xmlns="" w="9525">
                   <a:solidFill>
                     <a:srgbClr val="000000"/>
                   </a:solidFill>
@@ -33065,14 +33011,14 @@
             </a:ln>
             <a:extLst>
               <a:ext uri="{909E8E84-426E-40dd-AFC4-6F175D3DCCD1}">
-                <a14:hiddenFill xmlns="" xmlns:a14="http://schemas.microsoft.com/office/drawing/2010/main">
+                <a14:hiddenFill xmlns:a14="http://schemas.microsoft.com/office/drawing/2010/main" xmlns="">
                   <a:solidFill>
                     <a:srgbClr val="FFFFFF"/>
                   </a:solidFill>
                 </a14:hiddenFill>
               </a:ext>
               <a:ext uri="{91240B29-F687-4f45-9708-019B960494DF}">
-                <a14:hiddenLine xmlns="" xmlns:a14="http://schemas.microsoft.com/office/drawing/2010/main" w="9525">
+                <a14:hiddenLine xmlns:a14="http://schemas.microsoft.com/office/drawing/2010/main" xmlns="" w="9525">
                   <a:solidFill>
                     <a:srgbClr val="000000"/>
                   </a:solidFill>
@@ -33132,14 +33078,14 @@
             </a:ln>
             <a:extLst>
               <a:ext uri="{909E8E84-426E-40dd-AFC4-6F175D3DCCD1}">
-                <a14:hiddenFill xmlns="" xmlns:a14="http://schemas.microsoft.com/office/drawing/2010/main">
+                <a14:hiddenFill xmlns:a14="http://schemas.microsoft.com/office/drawing/2010/main" xmlns="">
                   <a:solidFill>
                     <a:srgbClr val="FFFFFF"/>
                   </a:solidFill>
                 </a14:hiddenFill>
               </a:ext>
               <a:ext uri="{91240B29-F687-4f45-9708-019B960494DF}">
-                <a14:hiddenLine xmlns="" xmlns:a14="http://schemas.microsoft.com/office/drawing/2010/main" w="9525">
+                <a14:hiddenLine xmlns:a14="http://schemas.microsoft.com/office/drawing/2010/main" xmlns="" w="9525">
                   <a:solidFill>
                     <a:srgbClr val="000000"/>
                   </a:solidFill>
@@ -33199,14 +33145,14 @@
             </a:ln>
             <a:extLst>
               <a:ext uri="{909E8E84-426E-40dd-AFC4-6F175D3DCCD1}">
-                <a14:hiddenFill xmlns="" xmlns:a14="http://schemas.microsoft.com/office/drawing/2010/main">
+                <a14:hiddenFill xmlns:a14="http://schemas.microsoft.com/office/drawing/2010/main" xmlns="">
                   <a:solidFill>
                     <a:srgbClr val="FFFFFF"/>
                   </a:solidFill>
                 </a14:hiddenFill>
               </a:ext>
               <a:ext uri="{91240B29-F687-4f45-9708-019B960494DF}">
-                <a14:hiddenLine xmlns="" xmlns:a14="http://schemas.microsoft.com/office/drawing/2010/main" w="9525">
+                <a14:hiddenLine xmlns:a14="http://schemas.microsoft.com/office/drawing/2010/main" xmlns="" w="9525">
                   <a:solidFill>
                     <a:srgbClr val="000000"/>
                   </a:solidFill>
@@ -33602,7 +33548,7 @@
           </a:ln>
           <a:extLst>
             <a:ext uri="{91240B29-F687-4f45-9708-019B960494DF}">
-              <a14:hiddenLine xmlns="" xmlns:a14="http://schemas.microsoft.com/office/drawing/2010/main" w="9525">
+              <a14:hiddenLine xmlns:a14="http://schemas.microsoft.com/office/drawing/2010/main" xmlns="" w="9525">
                 <a:solidFill>
                   <a:srgbClr val="000000"/>
                 </a:solidFill>
@@ -33662,14 +33608,14 @@
           </a:ln>
           <a:extLst>
             <a:ext uri="{909E8E84-426E-40dd-AFC4-6F175D3DCCD1}">
-              <a14:hiddenFill xmlns="" xmlns:a14="http://schemas.microsoft.com/office/drawing/2010/main">
+              <a14:hiddenFill xmlns:a14="http://schemas.microsoft.com/office/drawing/2010/main" xmlns="">
                 <a:solidFill>
                   <a:srgbClr val="FFFFFF"/>
                 </a:solidFill>
               </a14:hiddenFill>
             </a:ext>
             <a:ext uri="{91240B29-F687-4f45-9708-019B960494DF}">
-              <a14:hiddenLine xmlns="" xmlns:a14="http://schemas.microsoft.com/office/drawing/2010/main" w="9525">
+              <a14:hiddenLine xmlns:a14="http://schemas.microsoft.com/office/drawing/2010/main" xmlns="" w="9525">
                 <a:solidFill>
                   <a:srgbClr val="000000"/>
                 </a:solidFill>
@@ -33798,7 +33744,7 @@
           </a:ln>
           <a:extLst>
             <a:ext uri="{91240B29-F687-4f45-9708-019B960494DF}">
-              <a14:hiddenLine xmlns="" xmlns:a14="http://schemas.microsoft.com/office/drawing/2010/main" w="9525">
+              <a14:hiddenLine xmlns:a14="http://schemas.microsoft.com/office/drawing/2010/main" xmlns="" w="9525">
                 <a:solidFill>
                   <a:srgbClr val="000000"/>
                 </a:solidFill>
@@ -33943,7 +33889,7 @@
           </a:ln>
           <a:extLst>
             <a:ext uri="{91240B29-F687-4f45-9708-019B960494DF}">
-              <a14:hiddenLine xmlns="" xmlns:a14="http://schemas.microsoft.com/office/drawing/2010/main" w="9525">
+              <a14:hiddenLine xmlns:a14="http://schemas.microsoft.com/office/drawing/2010/main" xmlns="" w="9525">
                 <a:solidFill>
                   <a:srgbClr val="000000"/>
                 </a:solidFill>
@@ -34152,7 +34098,7 @@
           </a:ln>
           <a:extLst>
             <a:ext uri="{91240B29-F687-4f45-9708-019B960494DF}">
-              <a14:hiddenLine xmlns="" xmlns:a14="http://schemas.microsoft.com/office/drawing/2010/main" w="9525">
+              <a14:hiddenLine xmlns:a14="http://schemas.microsoft.com/office/drawing/2010/main" xmlns="" w="9525">
                 <a:solidFill>
                   <a:srgbClr val="000000"/>
                 </a:solidFill>
@@ -34212,14 +34158,14 @@
           </a:ln>
           <a:extLst>
             <a:ext uri="{909E8E84-426E-40dd-AFC4-6F175D3DCCD1}">
-              <a14:hiddenFill xmlns="" xmlns:a14="http://schemas.microsoft.com/office/drawing/2010/main">
+              <a14:hiddenFill xmlns:a14="http://schemas.microsoft.com/office/drawing/2010/main" xmlns="">
                 <a:solidFill>
                   <a:srgbClr val="FFFFFF"/>
                 </a:solidFill>
               </a14:hiddenFill>
             </a:ext>
             <a:ext uri="{91240B29-F687-4f45-9708-019B960494DF}">
-              <a14:hiddenLine xmlns="" xmlns:a14="http://schemas.microsoft.com/office/drawing/2010/main" w="9525">
+              <a14:hiddenLine xmlns:a14="http://schemas.microsoft.com/office/drawing/2010/main" xmlns="" w="9525">
                 <a:solidFill>
                   <a:srgbClr val="000000"/>
                 </a:solidFill>
@@ -34378,7 +34324,7 @@
           </a:ln>
           <a:extLst>
             <a:ext uri="{91240B29-F687-4f45-9708-019B960494DF}">
-              <a14:hiddenLine xmlns="" xmlns:a14="http://schemas.microsoft.com/office/drawing/2010/main" w="9525">
+              <a14:hiddenLine xmlns:a14="http://schemas.microsoft.com/office/drawing/2010/main" xmlns="" w="9525">
                 <a:solidFill>
                   <a:srgbClr val="000000"/>
                 </a:solidFill>
@@ -34564,7 +34510,7 @@
           </a:ln>
           <a:extLst>
             <a:ext uri="{91240B29-F687-4f45-9708-019B960494DF}">
-              <a14:hiddenLine xmlns="" xmlns:a14="http://schemas.microsoft.com/office/drawing/2010/main" w="9525">
+              <a14:hiddenLine xmlns:a14="http://schemas.microsoft.com/office/drawing/2010/main" xmlns="" w="9525">
                 <a:solidFill>
                   <a:srgbClr val="000000"/>
                 </a:solidFill>
@@ -34783,7 +34729,7 @@
           </a:ln>
           <a:extLst>
             <a:ext uri="{91240B29-F687-4f45-9708-019B960494DF}">
-              <a14:hiddenLine xmlns="" xmlns:a14="http://schemas.microsoft.com/office/drawing/2010/main" w="9525">
+              <a14:hiddenLine xmlns:a14="http://schemas.microsoft.com/office/drawing/2010/main" xmlns="" w="9525">
                 <a:solidFill>
                   <a:srgbClr val="000000"/>
                 </a:solidFill>
@@ -34992,7 +34938,7 @@
           </a:ln>
           <a:extLst>
             <a:ext uri="{91240B29-F687-4f45-9708-019B960494DF}">
-              <a14:hiddenLine xmlns="" xmlns:a14="http://schemas.microsoft.com/office/drawing/2010/main" w="9525">
+              <a14:hiddenLine xmlns:a14="http://schemas.microsoft.com/office/drawing/2010/main" xmlns="" w="9525">
                 <a:solidFill>
                   <a:srgbClr val="000000"/>
                 </a:solidFill>
@@ -35887,14 +35833,14 @@
               </a:ln>
               <a:extLst>
                 <a:ext uri="{909E8E84-426E-40dd-AFC4-6F175D3DCCD1}">
-                  <a14:hiddenFill xmlns:a14="http://schemas.microsoft.com/office/drawing/2010/main" xmlns="">
+                  <a14:hiddenFill xmlns="" xmlns:a14="http://schemas.microsoft.com/office/drawing/2010/main">
                     <a:solidFill>
                       <a:srgbClr val="FFFFFF"/>
                     </a:solidFill>
                   </a14:hiddenFill>
                 </a:ext>
                 <a:ext uri="{91240B29-F687-4f45-9708-019B960494DF}">
-                  <a14:hiddenLine xmlns:a14="http://schemas.microsoft.com/office/drawing/2010/main" xmlns="" w="9525">
+                  <a14:hiddenLine xmlns="" xmlns:a14="http://schemas.microsoft.com/office/drawing/2010/main" w="9525">
                     <a:solidFill>
                       <a:srgbClr val="000000"/>
                     </a:solidFill>
@@ -37063,14 +37009,14 @@
               </a:ln>
               <a:extLst>
                 <a:ext uri="{909E8E84-426E-40dd-AFC4-6F175D3DCCD1}">
-                  <a14:hiddenFill xmlns:a14="http://schemas.microsoft.com/office/drawing/2010/main" xmlns="">
+                  <a14:hiddenFill xmlns="" xmlns:a14="http://schemas.microsoft.com/office/drawing/2010/main">
                     <a:solidFill>
                       <a:srgbClr val="FFFFFF"/>
                     </a:solidFill>
                   </a14:hiddenFill>
                 </a:ext>
                 <a:ext uri="{91240B29-F687-4f45-9708-019B960494DF}">
-                  <a14:hiddenLine xmlns:a14="http://schemas.microsoft.com/office/drawing/2010/main" xmlns="" w="9525">
+                  <a14:hiddenLine xmlns="" xmlns:a14="http://schemas.microsoft.com/office/drawing/2010/main" w="9525">
                     <a:solidFill>
                       <a:srgbClr val="000000"/>
                     </a:solidFill>
@@ -37807,7 +37753,7 @@
           </a:ln>
           <a:extLst>
             <a:ext uri="{91240B29-F687-4f45-9708-019B960494DF}">
-              <a14:hiddenLine xmlns:a14="http://schemas.microsoft.com/office/drawing/2010/main" xmlns="" w="9525">
+              <a14:hiddenLine xmlns="" xmlns:a14="http://schemas.microsoft.com/office/drawing/2010/main" w="9525">
                 <a:solidFill>
                   <a:srgbClr val="000000"/>
                 </a:solidFill>
@@ -38206,14 +38152,14 @@
             </a:ln>
             <a:extLst>
               <a:ext uri="{909E8E84-426E-40dd-AFC4-6F175D3DCCD1}">
-                <a14:hiddenFill xmlns="" xmlns:a14="http://schemas.microsoft.com/office/drawing/2010/main">
+                <a14:hiddenFill xmlns:a14="http://schemas.microsoft.com/office/drawing/2010/main" xmlns="">
                   <a:solidFill>
                     <a:srgbClr val="FFFFFF"/>
                   </a:solidFill>
                 </a14:hiddenFill>
               </a:ext>
               <a:ext uri="{91240B29-F687-4f45-9708-019B960494DF}">
-                <a14:hiddenLine xmlns="" xmlns:a14="http://schemas.microsoft.com/office/drawing/2010/main" w="9525">
+                <a14:hiddenLine xmlns:a14="http://schemas.microsoft.com/office/drawing/2010/main" xmlns="" w="9525">
                   <a:solidFill>
                     <a:srgbClr val="000000"/>
                   </a:solidFill>
@@ -38273,14 +38219,14 @@
             </a:ln>
             <a:extLst>
               <a:ext uri="{909E8E84-426E-40dd-AFC4-6F175D3DCCD1}">
-                <a14:hiddenFill xmlns="" xmlns:a14="http://schemas.microsoft.com/office/drawing/2010/main">
+                <a14:hiddenFill xmlns:a14="http://schemas.microsoft.com/office/drawing/2010/main" xmlns="">
                   <a:solidFill>
                     <a:srgbClr val="FFFFFF"/>
                   </a:solidFill>
                 </a14:hiddenFill>
               </a:ext>
               <a:ext uri="{91240B29-F687-4f45-9708-019B960494DF}">
-                <a14:hiddenLine xmlns="" xmlns:a14="http://schemas.microsoft.com/office/drawing/2010/main" w="9525">
+                <a14:hiddenLine xmlns:a14="http://schemas.microsoft.com/office/drawing/2010/main" xmlns="" w="9525">
                   <a:solidFill>
                     <a:srgbClr val="000000"/>
                   </a:solidFill>
@@ -38340,14 +38286,14 @@
             </a:ln>
             <a:extLst>
               <a:ext uri="{909E8E84-426E-40dd-AFC4-6F175D3DCCD1}">
-                <a14:hiddenFill xmlns="" xmlns:a14="http://schemas.microsoft.com/office/drawing/2010/main">
+                <a14:hiddenFill xmlns:a14="http://schemas.microsoft.com/office/drawing/2010/main" xmlns="">
                   <a:solidFill>
                     <a:srgbClr val="FFFFFF"/>
                   </a:solidFill>
                 </a14:hiddenFill>
               </a:ext>
               <a:ext uri="{91240B29-F687-4f45-9708-019B960494DF}">
-                <a14:hiddenLine xmlns="" xmlns:a14="http://schemas.microsoft.com/office/drawing/2010/main" w="9525">
+                <a14:hiddenLine xmlns:a14="http://schemas.microsoft.com/office/drawing/2010/main" xmlns="" w="9525">
                   <a:solidFill>
                     <a:srgbClr val="000000"/>
                   </a:solidFill>
@@ -38407,14 +38353,14 @@
             </a:ln>
             <a:extLst>
               <a:ext uri="{909E8E84-426E-40dd-AFC4-6F175D3DCCD1}">
-                <a14:hiddenFill xmlns="" xmlns:a14="http://schemas.microsoft.com/office/drawing/2010/main">
+                <a14:hiddenFill xmlns:a14="http://schemas.microsoft.com/office/drawing/2010/main" xmlns="">
                   <a:solidFill>
                     <a:srgbClr val="FFFFFF"/>
                   </a:solidFill>
                 </a14:hiddenFill>
               </a:ext>
               <a:ext uri="{91240B29-F687-4f45-9708-019B960494DF}">
-                <a14:hiddenLine xmlns="" xmlns:a14="http://schemas.microsoft.com/office/drawing/2010/main" w="9525">
+                <a14:hiddenLine xmlns:a14="http://schemas.microsoft.com/office/drawing/2010/main" xmlns="" w="9525">
                   <a:solidFill>
                     <a:srgbClr val="000000"/>
                   </a:solidFill>
@@ -38495,14 +38441,14 @@
             </a:ln>
             <a:extLst>
               <a:ext uri="{909E8E84-426E-40dd-AFC4-6F175D3DCCD1}">
-                <a14:hiddenFill xmlns="" xmlns:a14="http://schemas.microsoft.com/office/drawing/2010/main">
+                <a14:hiddenFill xmlns:a14="http://schemas.microsoft.com/office/drawing/2010/main" xmlns="">
                   <a:solidFill>
                     <a:srgbClr val="FFFFFF"/>
                   </a:solidFill>
                 </a14:hiddenFill>
               </a:ext>
               <a:ext uri="{91240B29-F687-4f45-9708-019B960494DF}">
-                <a14:hiddenLine xmlns="" xmlns:a14="http://schemas.microsoft.com/office/drawing/2010/main" w="9525">
+                <a14:hiddenLine xmlns:a14="http://schemas.microsoft.com/office/drawing/2010/main" xmlns="" w="9525">
                   <a:solidFill>
                     <a:srgbClr val="000000"/>
                   </a:solidFill>
@@ -38562,14 +38508,14 @@
             </a:ln>
             <a:extLst>
               <a:ext uri="{909E8E84-426E-40dd-AFC4-6F175D3DCCD1}">
-                <a14:hiddenFill xmlns="" xmlns:a14="http://schemas.microsoft.com/office/drawing/2010/main">
+                <a14:hiddenFill xmlns:a14="http://schemas.microsoft.com/office/drawing/2010/main" xmlns="">
                   <a:solidFill>
                     <a:srgbClr val="FFFFFF"/>
                   </a:solidFill>
                 </a14:hiddenFill>
               </a:ext>
               <a:ext uri="{91240B29-F687-4f45-9708-019B960494DF}">
-                <a14:hiddenLine xmlns="" xmlns:a14="http://schemas.microsoft.com/office/drawing/2010/main" w="9525">
+                <a14:hiddenLine xmlns:a14="http://schemas.microsoft.com/office/drawing/2010/main" xmlns="" w="9525">
                   <a:solidFill>
                     <a:srgbClr val="000000"/>
                   </a:solidFill>
@@ -38629,14 +38575,14 @@
             </a:ln>
             <a:extLst>
               <a:ext uri="{909E8E84-426E-40dd-AFC4-6F175D3DCCD1}">
-                <a14:hiddenFill xmlns="" xmlns:a14="http://schemas.microsoft.com/office/drawing/2010/main">
+                <a14:hiddenFill xmlns:a14="http://schemas.microsoft.com/office/drawing/2010/main" xmlns="">
                   <a:solidFill>
                     <a:srgbClr val="FFFFFF"/>
                   </a:solidFill>
                 </a14:hiddenFill>
               </a:ext>
               <a:ext uri="{91240B29-F687-4f45-9708-019B960494DF}">
-                <a14:hiddenLine xmlns="" xmlns:a14="http://schemas.microsoft.com/office/drawing/2010/main" w="9525">
+                <a14:hiddenLine xmlns:a14="http://schemas.microsoft.com/office/drawing/2010/main" xmlns="" w="9525">
                   <a:solidFill>
                     <a:srgbClr val="000000"/>
                   </a:solidFill>
@@ -38696,14 +38642,14 @@
             </a:ln>
             <a:extLst>
               <a:ext uri="{909E8E84-426E-40dd-AFC4-6F175D3DCCD1}">
-                <a14:hiddenFill xmlns="" xmlns:a14="http://schemas.microsoft.com/office/drawing/2010/main">
+                <a14:hiddenFill xmlns:a14="http://schemas.microsoft.com/office/drawing/2010/main" xmlns="">
                   <a:solidFill>
                     <a:srgbClr val="FFFFFF"/>
                   </a:solidFill>
                 </a14:hiddenFill>
               </a:ext>
               <a:ext uri="{91240B29-F687-4f45-9708-019B960494DF}">
-                <a14:hiddenLine xmlns="" xmlns:a14="http://schemas.microsoft.com/office/drawing/2010/main" w="9525">
+                <a14:hiddenLine xmlns:a14="http://schemas.microsoft.com/office/drawing/2010/main" xmlns="" w="9525">
                   <a:solidFill>
                     <a:srgbClr val="000000"/>
                   </a:solidFill>
@@ -39099,7 +39045,7 @@
           </a:ln>
           <a:extLst>
             <a:ext uri="{91240B29-F687-4f45-9708-019B960494DF}">
-              <a14:hiddenLine xmlns="" xmlns:a14="http://schemas.microsoft.com/office/drawing/2010/main" w="9525">
+              <a14:hiddenLine xmlns:a14="http://schemas.microsoft.com/office/drawing/2010/main" xmlns="" w="9525">
                 <a:solidFill>
                   <a:srgbClr val="000000"/>
                 </a:solidFill>
@@ -39159,14 +39105,14 @@
           </a:ln>
           <a:extLst>
             <a:ext uri="{909E8E84-426E-40dd-AFC4-6F175D3DCCD1}">
-              <a14:hiddenFill xmlns="" xmlns:a14="http://schemas.microsoft.com/office/drawing/2010/main">
+              <a14:hiddenFill xmlns:a14="http://schemas.microsoft.com/office/drawing/2010/main" xmlns="">
                 <a:solidFill>
                   <a:srgbClr val="FFFFFF"/>
                 </a:solidFill>
               </a14:hiddenFill>
             </a:ext>
             <a:ext uri="{91240B29-F687-4f45-9708-019B960494DF}">
-              <a14:hiddenLine xmlns="" xmlns:a14="http://schemas.microsoft.com/office/drawing/2010/main" w="9525">
+              <a14:hiddenLine xmlns:a14="http://schemas.microsoft.com/office/drawing/2010/main" xmlns="" w="9525">
                 <a:solidFill>
                   <a:srgbClr val="000000"/>
                 </a:solidFill>
@@ -39295,7 +39241,7 @@
           </a:ln>
           <a:extLst>
             <a:ext uri="{91240B29-F687-4f45-9708-019B960494DF}">
-              <a14:hiddenLine xmlns="" xmlns:a14="http://schemas.microsoft.com/office/drawing/2010/main" w="9525">
+              <a14:hiddenLine xmlns:a14="http://schemas.microsoft.com/office/drawing/2010/main" xmlns="" w="9525">
                 <a:solidFill>
                   <a:srgbClr val="000000"/>
                 </a:solidFill>
@@ -39440,7 +39386,7 @@
           </a:ln>
           <a:extLst>
             <a:ext uri="{91240B29-F687-4f45-9708-019B960494DF}">
-              <a14:hiddenLine xmlns="" xmlns:a14="http://schemas.microsoft.com/office/drawing/2010/main" w="9525">
+              <a14:hiddenLine xmlns:a14="http://schemas.microsoft.com/office/drawing/2010/main" xmlns="" w="9525">
                 <a:solidFill>
                   <a:srgbClr val="000000"/>
                 </a:solidFill>
@@ -39649,7 +39595,7 @@
           </a:ln>
           <a:extLst>
             <a:ext uri="{91240B29-F687-4f45-9708-019B960494DF}">
-              <a14:hiddenLine xmlns="" xmlns:a14="http://schemas.microsoft.com/office/drawing/2010/main" w="9525">
+              <a14:hiddenLine xmlns:a14="http://schemas.microsoft.com/office/drawing/2010/main" xmlns="" w="9525">
                 <a:solidFill>
                   <a:srgbClr val="000000"/>
                 </a:solidFill>
@@ -39709,14 +39655,14 @@
           </a:ln>
           <a:extLst>
             <a:ext uri="{909E8E84-426E-40dd-AFC4-6F175D3DCCD1}">
-              <a14:hiddenFill xmlns="" xmlns:a14="http://schemas.microsoft.com/office/drawing/2010/main">
+              <a14:hiddenFill xmlns:a14="http://schemas.microsoft.com/office/drawing/2010/main" xmlns="">
                 <a:solidFill>
                   <a:srgbClr val="FFFFFF"/>
                 </a:solidFill>
               </a14:hiddenFill>
             </a:ext>
             <a:ext uri="{91240B29-F687-4f45-9708-019B960494DF}">
-              <a14:hiddenLine xmlns="" xmlns:a14="http://schemas.microsoft.com/office/drawing/2010/main" w="9525">
+              <a14:hiddenLine xmlns:a14="http://schemas.microsoft.com/office/drawing/2010/main" xmlns="" w="9525">
                 <a:solidFill>
                   <a:srgbClr val="000000"/>
                 </a:solidFill>
@@ -39875,7 +39821,7 @@
           </a:ln>
           <a:extLst>
             <a:ext uri="{91240B29-F687-4f45-9708-019B960494DF}">
-              <a14:hiddenLine xmlns="" xmlns:a14="http://schemas.microsoft.com/office/drawing/2010/main" w="9525">
+              <a14:hiddenLine xmlns:a14="http://schemas.microsoft.com/office/drawing/2010/main" xmlns="" w="9525">
                 <a:solidFill>
                   <a:srgbClr val="000000"/>
                 </a:solidFill>
@@ -40061,7 +40007,7 @@
           </a:ln>
           <a:extLst>
             <a:ext uri="{91240B29-F687-4f45-9708-019B960494DF}">
-              <a14:hiddenLine xmlns="" xmlns:a14="http://schemas.microsoft.com/office/drawing/2010/main" w="9525">
+              <a14:hiddenLine xmlns:a14="http://schemas.microsoft.com/office/drawing/2010/main" xmlns="" w="9525">
                 <a:solidFill>
                   <a:srgbClr val="000000"/>
                 </a:solidFill>
@@ -40280,7 +40226,7 @@
           </a:ln>
           <a:extLst>
             <a:ext uri="{91240B29-F687-4f45-9708-019B960494DF}">
-              <a14:hiddenLine xmlns="" xmlns:a14="http://schemas.microsoft.com/office/drawing/2010/main" w="9525">
+              <a14:hiddenLine xmlns:a14="http://schemas.microsoft.com/office/drawing/2010/main" xmlns="" w="9525">
                 <a:solidFill>
                   <a:srgbClr val="000000"/>
                 </a:solidFill>
@@ -40489,7 +40435,7 @@
           </a:ln>
           <a:extLst>
             <a:ext uri="{91240B29-F687-4f45-9708-019B960494DF}">
-              <a14:hiddenLine xmlns="" xmlns:a14="http://schemas.microsoft.com/office/drawing/2010/main" w="9525">
+              <a14:hiddenLine xmlns:a14="http://schemas.microsoft.com/office/drawing/2010/main" xmlns="" w="9525">
                 <a:solidFill>
                   <a:srgbClr val="000000"/>
                 </a:solidFill>
@@ -41420,14 +41366,14 @@
               </a:ln>
               <a:extLst>
                 <a:ext uri="{909E8E84-426E-40dd-AFC4-6F175D3DCCD1}">
-                  <a14:hiddenFill xmlns:a14="http://schemas.microsoft.com/office/drawing/2010/main" xmlns="">
+                  <a14:hiddenFill xmlns="" xmlns:a14="http://schemas.microsoft.com/office/drawing/2010/main">
                     <a:solidFill>
                       <a:srgbClr val="FFFFFF"/>
                     </a:solidFill>
                   </a14:hiddenFill>
                 </a:ext>
                 <a:ext uri="{91240B29-F687-4f45-9708-019B960494DF}">
-                  <a14:hiddenLine xmlns:a14="http://schemas.microsoft.com/office/drawing/2010/main" xmlns="" w="9525">
+                  <a14:hiddenLine xmlns="" xmlns:a14="http://schemas.microsoft.com/office/drawing/2010/main" w="9525">
                     <a:solidFill>
                       <a:srgbClr val="000000"/>
                     </a:solidFill>
@@ -42596,14 +42542,14 @@
               </a:ln>
               <a:extLst>
                 <a:ext uri="{909E8E84-426E-40dd-AFC4-6F175D3DCCD1}">
-                  <a14:hiddenFill xmlns:a14="http://schemas.microsoft.com/office/drawing/2010/main" xmlns="">
+                  <a14:hiddenFill xmlns="" xmlns:a14="http://schemas.microsoft.com/office/drawing/2010/main">
                     <a:solidFill>
                       <a:srgbClr val="FFFFFF"/>
                     </a:solidFill>
                   </a14:hiddenFill>
                 </a:ext>
                 <a:ext uri="{91240B29-F687-4f45-9708-019B960494DF}">
-                  <a14:hiddenLine xmlns:a14="http://schemas.microsoft.com/office/drawing/2010/main" xmlns="" w="9525">
+                  <a14:hiddenLine xmlns="" xmlns:a14="http://schemas.microsoft.com/office/drawing/2010/main" w="9525">
                     <a:solidFill>
                       <a:srgbClr val="000000"/>
                     </a:solidFill>
@@ -43360,7 +43306,7 @@
             </a:ln>
             <a:extLst>
               <a:ext uri="{91240B29-F687-4f45-9708-019B960494DF}">
-                <a14:hiddenLine xmlns:a14="http://schemas.microsoft.com/office/drawing/2010/main" xmlns="" w="9525">
+                <a14:hiddenLine xmlns="" xmlns:a14="http://schemas.microsoft.com/office/drawing/2010/main" w="9525">
                   <a:solidFill>
                     <a:srgbClr val="000000"/>
                   </a:solidFill>
@@ -43891,7 +43837,7 @@
             </a:ln>
             <a:extLst>
               <a:ext uri="{91240B29-F687-4f45-9708-019B960494DF}">
-                <a14:hiddenLine xmlns:a14="http://schemas.microsoft.com/office/drawing/2010/main" xmlns="" w="9525">
+                <a14:hiddenLine xmlns="" xmlns:a14="http://schemas.microsoft.com/office/drawing/2010/main" w="9525">
                   <a:solidFill>
                     <a:srgbClr val="000000"/>
                   </a:solidFill>
@@ -44307,14 +44253,14 @@
               </a:ln>
               <a:extLst>
                 <a:ext uri="{909E8E84-426E-40dd-AFC4-6F175D3DCCD1}">
-                  <a14:hiddenFill xmlns:a14="http://schemas.microsoft.com/office/drawing/2010/main" xmlns="">
+                  <a14:hiddenFill xmlns="" xmlns:a14="http://schemas.microsoft.com/office/drawing/2010/main">
                     <a:solidFill>
                       <a:srgbClr val="FFFFFF"/>
                     </a:solidFill>
                   </a14:hiddenFill>
                 </a:ext>
                 <a:ext uri="{91240B29-F687-4f45-9708-019B960494DF}">
-                  <a14:hiddenLine xmlns:a14="http://schemas.microsoft.com/office/drawing/2010/main" xmlns="" w="9525">
+                  <a14:hiddenLine xmlns="" xmlns:a14="http://schemas.microsoft.com/office/drawing/2010/main" w="9525">
                     <a:solidFill>
                       <a:srgbClr val="000000"/>
                     </a:solidFill>
@@ -44828,14 +44774,14 @@
               </a:ln>
               <a:extLst>
                 <a:ext uri="{909E8E84-426E-40dd-AFC4-6F175D3DCCD1}">
-                  <a14:hiddenFill xmlns:a14="http://schemas.microsoft.com/office/drawing/2010/main" xmlns="">
+                  <a14:hiddenFill xmlns="" xmlns:a14="http://schemas.microsoft.com/office/drawing/2010/main">
                     <a:solidFill>
                       <a:srgbClr val="FFFFFF"/>
                     </a:solidFill>
                   </a14:hiddenFill>
                 </a:ext>
                 <a:ext uri="{91240B29-F687-4f45-9708-019B960494DF}">
-                  <a14:hiddenLine xmlns:a14="http://schemas.microsoft.com/office/drawing/2010/main" xmlns="" w="9525">
+                  <a14:hiddenLine xmlns="" xmlns:a14="http://schemas.microsoft.com/office/drawing/2010/main" w="9525">
                     <a:solidFill>
                       <a:srgbClr val="000000"/>
                     </a:solidFill>
@@ -45670,7 +45616,7 @@
               </a:ln>
               <a:extLst>
                 <a:ext uri="{91240B29-F687-4f45-9708-019B960494DF}">
-                  <a14:hiddenLine xmlns:a14="http://schemas.microsoft.com/office/drawing/2010/main" xmlns="" w="9525">
+                  <a14:hiddenLine xmlns="" xmlns:a14="http://schemas.microsoft.com/office/drawing/2010/main" w="9525">
                     <a:solidFill>
                       <a:srgbClr val="000000"/>
                     </a:solidFill>
@@ -45730,14 +45676,14 @@
               </a:ln>
               <a:extLst>
                 <a:ext uri="{909E8E84-426E-40dd-AFC4-6F175D3DCCD1}">
-                  <a14:hiddenFill xmlns:a14="http://schemas.microsoft.com/office/drawing/2010/main" xmlns="">
+                  <a14:hiddenFill xmlns="" xmlns:a14="http://schemas.microsoft.com/office/drawing/2010/main">
                     <a:solidFill>
                       <a:srgbClr val="FFFFFF"/>
                     </a:solidFill>
                   </a14:hiddenFill>
                 </a:ext>
                 <a:ext uri="{91240B29-F687-4f45-9708-019B960494DF}">
-                  <a14:hiddenLine xmlns:a14="http://schemas.microsoft.com/office/drawing/2010/main" xmlns="" w="9525">
+                  <a14:hiddenLine xmlns="" xmlns:a14="http://schemas.microsoft.com/office/drawing/2010/main" w="9525">
                     <a:solidFill>
                       <a:srgbClr val="000000"/>
                     </a:solidFill>
@@ -45866,7 +45812,7 @@
               </a:ln>
               <a:extLst>
                 <a:ext uri="{91240B29-F687-4f45-9708-019B960494DF}">
-                  <a14:hiddenLine xmlns:a14="http://schemas.microsoft.com/office/drawing/2010/main" xmlns="" w="9525">
+                  <a14:hiddenLine xmlns="" xmlns:a14="http://schemas.microsoft.com/office/drawing/2010/main" w="9525">
                     <a:solidFill>
                       <a:srgbClr val="000000"/>
                     </a:solidFill>
@@ -46011,7 +45957,7 @@
               </a:ln>
               <a:extLst>
                 <a:ext uri="{91240B29-F687-4f45-9708-019B960494DF}">
-                  <a14:hiddenLine xmlns:a14="http://schemas.microsoft.com/office/drawing/2010/main" xmlns="" w="9525">
+                  <a14:hiddenLine xmlns="" xmlns:a14="http://schemas.microsoft.com/office/drawing/2010/main" w="9525">
                     <a:solidFill>
                       <a:srgbClr val="000000"/>
                     </a:solidFill>
@@ -46220,7 +46166,7 @@
               </a:ln>
               <a:extLst>
                 <a:ext uri="{91240B29-F687-4f45-9708-019B960494DF}">
-                  <a14:hiddenLine xmlns:a14="http://schemas.microsoft.com/office/drawing/2010/main" xmlns="" w="9525">
+                  <a14:hiddenLine xmlns="" xmlns:a14="http://schemas.microsoft.com/office/drawing/2010/main" w="9525">
                     <a:solidFill>
                       <a:srgbClr val="000000"/>
                     </a:solidFill>
@@ -46400,7 +46346,7 @@
               </a:ln>
               <a:extLst>
                 <a:ext uri="{91240B29-F687-4f45-9708-019B960494DF}">
-                  <a14:hiddenLine xmlns:a14="http://schemas.microsoft.com/office/drawing/2010/main" xmlns="" w="9525">
+                  <a14:hiddenLine xmlns="" xmlns:a14="http://schemas.microsoft.com/office/drawing/2010/main" w="9525">
                     <a:solidFill>
                       <a:srgbClr val="000000"/>
                     </a:solidFill>
@@ -46586,7 +46532,7 @@
               </a:ln>
               <a:extLst>
                 <a:ext uri="{91240B29-F687-4f45-9708-019B960494DF}">
-                  <a14:hiddenLine xmlns:a14="http://schemas.microsoft.com/office/drawing/2010/main" xmlns="" w="9525">
+                  <a14:hiddenLine xmlns="" xmlns:a14="http://schemas.microsoft.com/office/drawing/2010/main" w="9525">
                     <a:solidFill>
                       <a:srgbClr val="000000"/>
                     </a:solidFill>
@@ -46805,7 +46751,7 @@
               </a:ln>
               <a:extLst>
                 <a:ext uri="{91240B29-F687-4f45-9708-019B960494DF}">
-                  <a14:hiddenLine xmlns:a14="http://schemas.microsoft.com/office/drawing/2010/main" xmlns="" w="9525">
+                  <a14:hiddenLine xmlns="" xmlns:a14="http://schemas.microsoft.com/office/drawing/2010/main" w="9525">
                     <a:solidFill>
                       <a:srgbClr val="000000"/>
                     </a:solidFill>
@@ -47014,7 +46960,7 @@
               </a:ln>
               <a:extLst>
                 <a:ext uri="{91240B29-F687-4f45-9708-019B960494DF}">
-                  <a14:hiddenLine xmlns:a14="http://schemas.microsoft.com/office/drawing/2010/main" xmlns="" w="9525">
+                  <a14:hiddenLine xmlns="" xmlns:a14="http://schemas.microsoft.com/office/drawing/2010/main" w="9525">
                     <a:solidFill>
                       <a:srgbClr val="000000"/>
                     </a:solidFill>
@@ -49768,126 +49714,6 @@
           </a:p>
         </p:txBody>
       </p:sp>
-      <p:pic>
-        <p:nvPicPr>
-          <p:cNvPr id="17" name="Picture 16">
-            <a:extLst>
-              <a:ext uri="{FF2B5EF4-FFF2-40B4-BE49-F238E27FC236}">
-                <a16:creationId xmlns:a16="http://schemas.microsoft.com/office/drawing/2014/main" id="{241D4EC9-F219-0743-9E82-B5302A8789D6}"/>
-              </a:ext>
-            </a:extLst>
-          </p:cNvPr>
-          <p:cNvPicPr>
-            <a:picLocks noChangeAspect="1"/>
-          </p:cNvPicPr>
-          <p:nvPr/>
-        </p:nvPicPr>
-        <p:blipFill>
-          <a:blip r:embed="rId10"/>
-          <a:stretch>
-            <a:fillRect/>
-          </a:stretch>
-        </p:blipFill>
-        <p:spPr>
-          <a:xfrm>
-            <a:off x="9903228" y="11788544"/>
-            <a:ext cx="214061" cy="214897"/>
-          </a:xfrm>
-          <a:prstGeom prst="rect">
-            <a:avLst/>
-          </a:prstGeom>
-        </p:spPr>
-      </p:pic>
-      <p:sp>
-        <p:nvSpPr>
-          <p:cNvPr id="481" name="Rectangle: Rounded Corners 477">
-            <a:extLst>
-              <a:ext uri="{FF2B5EF4-FFF2-40B4-BE49-F238E27FC236}">
-                <a16:creationId xmlns:a16="http://schemas.microsoft.com/office/drawing/2014/main" id="{48DA1E51-864C-2141-BA66-EFB90A35FBE5}"/>
-              </a:ext>
-            </a:extLst>
-          </p:cNvPr>
-          <p:cNvSpPr/>
-          <p:nvPr/>
-        </p:nvSpPr>
-        <p:spPr>
-          <a:xfrm>
-            <a:off x="9739755" y="11521217"/>
-            <a:ext cx="576553" cy="587104"/>
-          </a:xfrm>
-          <a:prstGeom prst="roundRect">
-            <a:avLst/>
-          </a:prstGeom>
-          <a:noFill/>
-          <a:ln w="12700" cap="flat" cmpd="sng" algn="ctr">
-            <a:solidFill>
-              <a:schemeClr val="tx1"/>
-            </a:solidFill>
-            <a:prstDash val="solid"/>
-            <a:miter lim="800000"/>
-          </a:ln>
-          <a:effectLst/>
-        </p:spPr>
-        <p:txBody>
-          <a:bodyPr rot="0" spcFirstLastPara="0" vertOverflow="overflow" horzOverflow="overflow" vert="horz" wrap="square" lIns="91440" tIns="45720" rIns="91440" bIns="45720" numCol="1" spcCol="0" rtlCol="0" fromWordArt="0" anchor="ctr" anchorCtr="0" forceAA="0" compatLnSpc="1">
-            <a:prstTxWarp prst="textNoShape">
-              <a:avLst/>
-            </a:prstTxWarp>
-            <a:noAutofit/>
-          </a:bodyPr>
-          <a:lstStyle/>
-          <a:p>
-            <a:pPr algn="ctr">
-              <a:lnSpc>
-                <a:spcPct val="90000"/>
-              </a:lnSpc>
-              <a:defRPr/>
-            </a:pPr>
-            <a:endParaRPr lang="en-US" sz="2000" kern="0" dirty="0">
-              <a:solidFill>
-                <a:srgbClr val="FFFFFF"/>
-              </a:solidFill>
-              <a:latin typeface="Arial"/>
-            </a:endParaRPr>
-          </a:p>
-        </p:txBody>
-      </p:sp>
-      <p:pic>
-        <p:nvPicPr>
-          <p:cNvPr id="34" name="Picture 33" descr="A picture containing drawing&#10;&#10;Description automatically generated">
-            <a:extLst>
-              <a:ext uri="{FF2B5EF4-FFF2-40B4-BE49-F238E27FC236}">
-                <a16:creationId xmlns:a16="http://schemas.microsoft.com/office/drawing/2014/main" id="{F8C5E685-3AAA-B64E-85A9-859620ED24C3}"/>
-              </a:ext>
-            </a:extLst>
-          </p:cNvPr>
-          <p:cNvPicPr>
-            <a:picLocks noChangeAspect="1"/>
-          </p:cNvPicPr>
-          <p:nvPr/>
-        </p:nvPicPr>
-        <p:blipFill>
-          <a:blip r:embed="rId11">
-            <a:extLst>
-              <a:ext uri="{28A0092B-C50C-407E-A947-70E740481C1C}">
-                <a14:useLocalDpi xmlns:a14="http://schemas.microsoft.com/office/drawing/2010/main" val="0"/>
-              </a:ext>
-            </a:extLst>
-          </a:blip>
-          <a:stretch>
-            <a:fillRect/>
-          </a:stretch>
-        </p:blipFill>
-        <p:spPr>
-          <a:xfrm>
-            <a:off x="9783131" y="11637668"/>
-            <a:ext cx="487500" cy="120250"/>
-          </a:xfrm>
-          <a:prstGeom prst="rect">
-            <a:avLst/>
-          </a:prstGeom>
-        </p:spPr>
-      </p:pic>
       <p:cxnSp>
         <p:nvCxnSpPr>
           <p:cNvPr id="593" name="Straight Connector 592">
@@ -49899,13 +49725,14 @@
           </p:cNvPr>
           <p:cNvCxnSpPr>
             <a:cxnSpLocks/>
+            <a:endCxn id="551" idx="1"/>
           </p:cNvCxnSpPr>
           <p:nvPr/>
         </p:nvCxnSpPr>
         <p:spPr>
-          <a:xfrm>
-            <a:off x="9187362" y="11831777"/>
-            <a:ext cx="547240" cy="0"/>
+          <a:xfrm flipV="1">
+            <a:off x="9185265" y="11480888"/>
+            <a:ext cx="699669" cy="230540"/>
           </a:xfrm>
           <a:prstGeom prst="line">
             <a:avLst/>
@@ -49931,60 +49758,6 @@
           </a:fontRef>
         </p:style>
       </p:cxnSp>
-      <p:sp>
-        <p:nvSpPr>
-          <p:cNvPr id="486" name="Rectangle: Rounded Corners 477">
-            <a:extLst>
-              <a:ext uri="{FF2B5EF4-FFF2-40B4-BE49-F238E27FC236}">
-                <a16:creationId xmlns:a16="http://schemas.microsoft.com/office/drawing/2014/main" id="{B3043B31-B245-D643-A661-A994048F6928}"/>
-              </a:ext>
-            </a:extLst>
-          </p:cNvPr>
-          <p:cNvSpPr/>
-          <p:nvPr/>
-        </p:nvSpPr>
-        <p:spPr>
-          <a:xfrm>
-            <a:off x="9872228" y="12199434"/>
-            <a:ext cx="674051" cy="318045"/>
-          </a:xfrm>
-          <a:prstGeom prst="roundRect">
-            <a:avLst/>
-          </a:prstGeom>
-          <a:noFill/>
-          <a:ln w="12700" cap="flat" cmpd="sng" algn="ctr">
-            <a:solidFill>
-              <a:schemeClr val="tx1"/>
-            </a:solidFill>
-            <a:prstDash val="solid"/>
-            <a:miter lim="800000"/>
-          </a:ln>
-          <a:effectLst/>
-        </p:spPr>
-        <p:txBody>
-          <a:bodyPr rot="0" spcFirstLastPara="0" vertOverflow="overflow" horzOverflow="overflow" vert="horz" wrap="square" lIns="91440" tIns="45720" rIns="91440" bIns="45720" numCol="1" spcCol="0" rtlCol="0" fromWordArt="0" anchor="ctr" anchorCtr="0" forceAA="0" compatLnSpc="1">
-            <a:prstTxWarp prst="textNoShape">
-              <a:avLst/>
-            </a:prstTxWarp>
-            <a:noAutofit/>
-          </a:bodyPr>
-          <a:lstStyle/>
-          <a:p>
-            <a:pPr algn="ctr">
-              <a:lnSpc>
-                <a:spcPct val="90000"/>
-              </a:lnSpc>
-              <a:defRPr/>
-            </a:pPr>
-            <a:endParaRPr lang="en-US" sz="2000" kern="0" dirty="0">
-              <a:solidFill>
-                <a:srgbClr val="FFFFFF"/>
-              </a:solidFill>
-              <a:latin typeface="Arial"/>
-            </a:endParaRPr>
-          </a:p>
-        </p:txBody>
-      </p:sp>
       <p:cxnSp>
         <p:nvCxnSpPr>
           <p:cNvPr id="521" name="Straight Connector 520">
@@ -49996,13 +49769,14 @@
           </p:cNvPr>
           <p:cNvCxnSpPr>
             <a:cxnSpLocks/>
+            <a:endCxn id="548" idx="1"/>
           </p:cNvCxnSpPr>
           <p:nvPr/>
         </p:nvCxnSpPr>
         <p:spPr>
           <a:xfrm>
-            <a:off x="9187362" y="12088652"/>
-            <a:ext cx="689333" cy="247834"/>
+            <a:off x="9185265" y="12134842"/>
+            <a:ext cx="696143" cy="329806"/>
           </a:xfrm>
           <a:prstGeom prst="line">
             <a:avLst/>
@@ -50042,13 +49816,15 @@
         </p:nvSpPr>
         <p:spPr>
           <a:xfrm>
-            <a:off x="9878297" y="12589634"/>
-            <a:ext cx="670757" cy="301176"/>
+            <a:off x="9878297" y="12762029"/>
+            <a:ext cx="824680" cy="421828"/>
           </a:xfrm>
           <a:prstGeom prst="roundRect">
             <a:avLst/>
           </a:prstGeom>
-          <a:noFill/>
+          <a:solidFill>
+            <a:schemeClr val="bg1"/>
+          </a:solidFill>
           <a:ln w="12700" cap="flat" cmpd="sng" algn="ctr">
             <a:solidFill>
               <a:schemeClr val="tx1"/>
@@ -50099,8 +49875,8 @@
         </p:nvCxnSpPr>
         <p:spPr>
           <a:xfrm>
-            <a:off x="9192075" y="12246878"/>
-            <a:ext cx="686222" cy="493344"/>
+            <a:off x="9187362" y="12328392"/>
+            <a:ext cx="690935" cy="644551"/>
           </a:xfrm>
           <a:prstGeom prst="line">
             <a:avLst/>
@@ -50126,12 +49902,302 @@
           </a:fontRef>
         </p:style>
       </p:cxnSp>
+      <p:cxnSp>
+        <p:nvCxnSpPr>
+          <p:cNvPr id="538" name="Straight Connector 537">
+            <a:extLst>
+              <a:ext uri="{FF2B5EF4-FFF2-40B4-BE49-F238E27FC236}">
+                <a16:creationId xmlns:a16="http://schemas.microsoft.com/office/drawing/2014/main" id="{5B202DC8-6D8C-4643-A23A-2B585C286545}"/>
+              </a:ext>
+            </a:extLst>
+          </p:cNvPr>
+          <p:cNvCxnSpPr>
+            <a:cxnSpLocks/>
+            <a:endCxn id="549" idx="1"/>
+          </p:cNvCxnSpPr>
+          <p:nvPr/>
+        </p:nvCxnSpPr>
+        <p:spPr>
+          <a:xfrm>
+            <a:off x="9185265" y="11960399"/>
+            <a:ext cx="707191" cy="15927"/>
+          </a:xfrm>
+          <a:prstGeom prst="line">
+            <a:avLst/>
+          </a:prstGeom>
+          <a:ln w="19050">
+            <a:solidFill>
+              <a:schemeClr val="tx1"/>
+            </a:solidFill>
+          </a:ln>
+        </p:spPr>
+        <p:style>
+          <a:lnRef idx="1">
+            <a:schemeClr val="accent1"/>
+          </a:lnRef>
+          <a:fillRef idx="0">
+            <a:schemeClr val="accent1"/>
+          </a:fillRef>
+          <a:effectRef idx="0">
+            <a:schemeClr val="accent1"/>
+          </a:effectRef>
+          <a:fontRef idx="minor">
+            <a:schemeClr val="tx1"/>
+          </a:fontRef>
+        </p:style>
+      </p:cxnSp>
+      <p:sp>
+        <p:nvSpPr>
+          <p:cNvPr id="548" name="Rectangle: Rounded Corners 477">
+            <a:extLst>
+              <a:ext uri="{FF2B5EF4-FFF2-40B4-BE49-F238E27FC236}">
+                <a16:creationId xmlns:a16="http://schemas.microsoft.com/office/drawing/2014/main" id="{5F41D6C4-8A00-EF4F-9001-F46A8E0D131D}"/>
+              </a:ext>
+            </a:extLst>
+          </p:cNvPr>
+          <p:cNvSpPr/>
+          <p:nvPr/>
+        </p:nvSpPr>
+        <p:spPr>
+          <a:xfrm>
+            <a:off x="9881408" y="12253734"/>
+            <a:ext cx="824680" cy="421828"/>
+          </a:xfrm>
+          <a:prstGeom prst="roundRect">
+            <a:avLst/>
+          </a:prstGeom>
+          <a:solidFill>
+            <a:schemeClr val="bg1"/>
+          </a:solidFill>
+          <a:ln w="12700" cap="flat" cmpd="sng" algn="ctr">
+            <a:solidFill>
+              <a:schemeClr val="tx1"/>
+            </a:solidFill>
+            <a:prstDash val="solid"/>
+            <a:miter lim="800000"/>
+          </a:ln>
+          <a:effectLst/>
+        </p:spPr>
+        <p:txBody>
+          <a:bodyPr rot="0" spcFirstLastPara="0" vertOverflow="overflow" horzOverflow="overflow" vert="horz" wrap="square" lIns="91440" tIns="45720" rIns="91440" bIns="45720" numCol="1" spcCol="0" rtlCol="0" fromWordArt="0" anchor="ctr" anchorCtr="0" forceAA="0" compatLnSpc="1">
+            <a:prstTxWarp prst="textNoShape">
+              <a:avLst/>
+            </a:prstTxWarp>
+            <a:noAutofit/>
+          </a:bodyPr>
+          <a:lstStyle/>
+          <a:p>
+            <a:pPr algn="ctr">
+              <a:lnSpc>
+                <a:spcPct val="90000"/>
+              </a:lnSpc>
+              <a:defRPr/>
+            </a:pPr>
+            <a:endParaRPr lang="en-US" sz="2000" kern="0" dirty="0">
+              <a:solidFill>
+                <a:srgbClr val="FFFFFF"/>
+              </a:solidFill>
+              <a:latin typeface="Arial"/>
+            </a:endParaRPr>
+          </a:p>
+        </p:txBody>
+      </p:sp>
+      <p:sp>
+        <p:nvSpPr>
+          <p:cNvPr id="549" name="Rectangle: Rounded Corners 477">
+            <a:extLst>
+              <a:ext uri="{FF2B5EF4-FFF2-40B4-BE49-F238E27FC236}">
+                <a16:creationId xmlns:a16="http://schemas.microsoft.com/office/drawing/2014/main" id="{AF616DD1-903E-6A4A-9A84-1C7BAB117784}"/>
+              </a:ext>
+            </a:extLst>
+          </p:cNvPr>
+          <p:cNvSpPr/>
+          <p:nvPr/>
+        </p:nvSpPr>
+        <p:spPr>
+          <a:xfrm>
+            <a:off x="9892456" y="11765412"/>
+            <a:ext cx="824680" cy="421828"/>
+          </a:xfrm>
+          <a:prstGeom prst="roundRect">
+            <a:avLst/>
+          </a:prstGeom>
+          <a:solidFill>
+            <a:schemeClr val="bg1"/>
+          </a:solidFill>
+          <a:ln w="12700" cap="flat" cmpd="sng" algn="ctr">
+            <a:solidFill>
+              <a:schemeClr val="tx1"/>
+            </a:solidFill>
+            <a:prstDash val="solid"/>
+            <a:miter lim="800000"/>
+          </a:ln>
+          <a:effectLst/>
+        </p:spPr>
+        <p:txBody>
+          <a:bodyPr rot="0" spcFirstLastPara="0" vertOverflow="overflow" horzOverflow="overflow" vert="horz" wrap="square" lIns="91440" tIns="45720" rIns="91440" bIns="45720" numCol="1" spcCol="0" rtlCol="0" fromWordArt="0" anchor="ctr" anchorCtr="0" forceAA="0" compatLnSpc="1">
+            <a:prstTxWarp prst="textNoShape">
+              <a:avLst/>
+            </a:prstTxWarp>
+            <a:noAutofit/>
+          </a:bodyPr>
+          <a:lstStyle/>
+          <a:p>
+            <a:pPr algn="ctr">
+              <a:lnSpc>
+                <a:spcPct val="90000"/>
+              </a:lnSpc>
+              <a:defRPr/>
+            </a:pPr>
+            <a:endParaRPr lang="en-US" sz="2000" kern="0" dirty="0">
+              <a:solidFill>
+                <a:srgbClr val="FFFFFF"/>
+              </a:solidFill>
+              <a:latin typeface="Arial"/>
+            </a:endParaRPr>
+          </a:p>
+        </p:txBody>
+      </p:sp>
+      <p:sp>
+        <p:nvSpPr>
+          <p:cNvPr id="551" name="Rectangle: Rounded Corners 477">
+            <a:extLst>
+              <a:ext uri="{FF2B5EF4-FFF2-40B4-BE49-F238E27FC236}">
+                <a16:creationId xmlns:a16="http://schemas.microsoft.com/office/drawing/2014/main" id="{985C50AE-D497-444F-A58E-32EB66AA6902}"/>
+              </a:ext>
+            </a:extLst>
+          </p:cNvPr>
+          <p:cNvSpPr/>
+          <p:nvPr/>
+        </p:nvSpPr>
+        <p:spPr>
+          <a:xfrm>
+            <a:off x="9884934" y="11269974"/>
+            <a:ext cx="824680" cy="421828"/>
+          </a:xfrm>
+          <a:prstGeom prst="roundRect">
+            <a:avLst/>
+          </a:prstGeom>
+          <a:solidFill>
+            <a:schemeClr val="bg1"/>
+          </a:solidFill>
+          <a:ln w="12700" cap="flat" cmpd="sng" algn="ctr">
+            <a:solidFill>
+              <a:schemeClr val="tx1"/>
+            </a:solidFill>
+            <a:prstDash val="solid"/>
+            <a:miter lim="800000"/>
+          </a:ln>
+          <a:effectLst/>
+        </p:spPr>
+        <p:txBody>
+          <a:bodyPr rot="0" spcFirstLastPara="0" vertOverflow="overflow" horzOverflow="overflow" vert="horz" wrap="square" lIns="91440" tIns="45720" rIns="91440" bIns="45720" numCol="1" spcCol="0" rtlCol="0" fromWordArt="0" anchor="ctr" anchorCtr="0" forceAA="0" compatLnSpc="1">
+            <a:prstTxWarp prst="textNoShape">
+              <a:avLst/>
+            </a:prstTxWarp>
+            <a:noAutofit/>
+          </a:bodyPr>
+          <a:lstStyle/>
+          <a:p>
+            <a:pPr algn="ctr">
+              <a:lnSpc>
+                <a:spcPct val="90000"/>
+              </a:lnSpc>
+              <a:defRPr/>
+            </a:pPr>
+            <a:endParaRPr lang="en-US" sz="2000" kern="0" dirty="0">
+              <a:solidFill>
+                <a:srgbClr val="FFFFFF"/>
+              </a:solidFill>
+              <a:latin typeface="Arial"/>
+            </a:endParaRPr>
+          </a:p>
+        </p:txBody>
+      </p:sp>
+      <p:pic>
+        <p:nvPicPr>
+          <p:cNvPr id="34" name="Picture 33" descr="A picture containing drawing&#10;&#10;Description automatically generated">
+            <a:extLst>
+              <a:ext uri="{FF2B5EF4-FFF2-40B4-BE49-F238E27FC236}">
+                <a16:creationId xmlns:a16="http://schemas.microsoft.com/office/drawing/2014/main" id="{F8C5E685-3AAA-B64E-85A9-859620ED24C3}"/>
+              </a:ext>
+            </a:extLst>
+          </p:cNvPr>
+          <p:cNvPicPr>
+            <a:picLocks noChangeAspect="1"/>
+          </p:cNvPicPr>
+          <p:nvPr/>
+        </p:nvPicPr>
+        <p:blipFill>
+          <a:blip r:embed="rId10">
+            <a:extLst>
+              <a:ext uri="{28A0092B-C50C-407E-A947-70E740481C1C}">
+                <a14:useLocalDpi xmlns:a14="http://schemas.microsoft.com/office/drawing/2010/main" val="0"/>
+              </a:ext>
+            </a:extLst>
+          </a:blip>
+          <a:stretch>
+            <a:fillRect/>
+          </a:stretch>
+        </p:blipFill>
+        <p:spPr>
+          <a:xfrm>
+            <a:off x="9911196" y="11887200"/>
+            <a:ext cx="783174" cy="193183"/>
+          </a:xfrm>
+          <a:prstGeom prst="rect">
+            <a:avLst/>
+          </a:prstGeom>
+          <a:solidFill>
+            <a:schemeClr val="bg1"/>
+          </a:solidFill>
+        </p:spPr>
+      </p:pic>
       <p:pic>
         <p:nvPicPr>
           <p:cNvPr id="38" name="Picture 37">
             <a:extLst>
               <a:ext uri="{FF2B5EF4-FFF2-40B4-BE49-F238E27FC236}">
                 <a16:creationId xmlns:a16="http://schemas.microsoft.com/office/drawing/2014/main" id="{49B2C99B-8F33-BE43-9BDE-1A2B637ED3F0}"/>
+              </a:ext>
+            </a:extLst>
+          </p:cNvPr>
+          <p:cNvPicPr>
+            <a:picLocks noChangeAspect="1"/>
+          </p:cNvPicPr>
+          <p:nvPr/>
+        </p:nvPicPr>
+        <p:blipFill>
+          <a:blip r:embed="rId11">
+            <a:extLst>
+              <a:ext uri="{28A0092B-C50C-407E-A947-70E740481C1C}">
+                <a14:useLocalDpi xmlns:a14="http://schemas.microsoft.com/office/drawing/2010/main" val="0"/>
+              </a:ext>
+            </a:extLst>
+          </a:blip>
+          <a:stretch>
+            <a:fillRect/>
+          </a:stretch>
+        </p:blipFill>
+        <p:spPr>
+          <a:xfrm>
+            <a:off x="9931178" y="12832918"/>
+            <a:ext cx="738663" cy="280814"/>
+          </a:xfrm>
+          <a:prstGeom prst="rect">
+            <a:avLst/>
+          </a:prstGeom>
+          <a:solidFill>
+            <a:schemeClr val="bg1"/>
+          </a:solidFill>
+        </p:spPr>
+      </p:pic>
+      <p:pic>
+        <p:nvPicPr>
+          <p:cNvPr id="47" name="Picture 46">
+            <a:extLst>
+              <a:ext uri="{FF2B5EF4-FFF2-40B4-BE49-F238E27FC236}">
+                <a16:creationId xmlns:a16="http://schemas.microsoft.com/office/drawing/2014/main" id="{DA15133C-4360-3846-B6BA-1A2DAAE90EC0}"/>
               </a:ext>
             </a:extLst>
           </p:cNvPr>
@@ -50154,20 +50220,63 @@
         </p:blipFill>
         <p:spPr>
           <a:xfrm>
-            <a:off x="9897450" y="12618214"/>
-            <a:ext cx="638617" cy="242780"/>
+            <a:off x="9925470" y="12331587"/>
+            <a:ext cx="288241" cy="263997"/>
           </a:xfrm>
           <a:prstGeom prst="rect">
             <a:avLst/>
           </a:prstGeom>
+          <a:solidFill>
+            <a:schemeClr val="bg1"/>
+          </a:solidFill>
         </p:spPr>
       </p:pic>
+      <p:sp>
+        <p:nvSpPr>
+          <p:cNvPr id="550" name="TextBox 549">
+            <a:extLst>
+              <a:ext uri="{FF2B5EF4-FFF2-40B4-BE49-F238E27FC236}">
+                <a16:creationId xmlns:a16="http://schemas.microsoft.com/office/drawing/2014/main" id="{F99C73CF-5C62-A644-B7F8-1537278ED98E}"/>
+              </a:ext>
+            </a:extLst>
+          </p:cNvPr>
+          <p:cNvSpPr txBox="1"/>
+          <p:nvPr/>
+        </p:nvSpPr>
+        <p:spPr>
+          <a:xfrm>
+            <a:off x="10168490" y="12351896"/>
+            <a:ext cx="523247" cy="215444"/>
+          </a:xfrm>
+          <a:prstGeom prst="rect">
+            <a:avLst/>
+          </a:prstGeom>
+          <a:solidFill>
+            <a:schemeClr val="bg1"/>
+          </a:solidFill>
+        </p:spPr>
+        <p:txBody>
+          <a:bodyPr wrap="square" lIns="0" tIns="0" rIns="0" bIns="0" rtlCol="0">
+            <a:spAutoFit/>
+          </a:bodyPr>
+          <a:lstStyle/>
+          <a:p>
+            <a:pPr algn="ctr"/>
+            <a:r>
+              <a:rPr lang="en-US" sz="1400" dirty="0">
+                <a:cs typeface="Al Bayan Plain" pitchFamily="2" charset="-78"/>
+              </a:rPr>
+              <a:t>GitLab</a:t>
+            </a:r>
+          </a:p>
+        </p:txBody>
+      </p:sp>
       <p:pic>
         <p:nvPicPr>
-          <p:cNvPr id="47" name="Picture 46">
+          <p:cNvPr id="31" name="Picture 30" descr="A picture containing drawing&#10;&#10;Description automatically generated">
             <a:extLst>
               <a:ext uri="{FF2B5EF4-FFF2-40B4-BE49-F238E27FC236}">
-                <a16:creationId xmlns:a16="http://schemas.microsoft.com/office/drawing/2014/main" id="{DA15133C-4360-3846-B6BA-1A2DAAE90EC0}"/>
+                <a16:creationId xmlns:a16="http://schemas.microsoft.com/office/drawing/2014/main" id="{D12CA3E6-A479-7E42-A030-D5B4535D3862}"/>
               </a:ext>
             </a:extLst>
           </p:cNvPr>
@@ -50190,52 +50299,17 @@
         </p:blipFill>
         <p:spPr>
           <a:xfrm>
-            <a:off x="9883186" y="12228731"/>
-            <a:ext cx="288241" cy="263997"/>
+            <a:off x="9912999" y="11337825"/>
+            <a:ext cx="767329" cy="274427"/>
           </a:xfrm>
           <a:prstGeom prst="rect">
             <a:avLst/>
           </a:prstGeom>
+          <a:solidFill>
+            <a:schemeClr val="bg1"/>
+          </a:solidFill>
         </p:spPr>
       </p:pic>
-      <p:sp>
-        <p:nvSpPr>
-          <p:cNvPr id="550" name="TextBox 549">
-            <a:extLst>
-              <a:ext uri="{FF2B5EF4-FFF2-40B4-BE49-F238E27FC236}">
-                <a16:creationId xmlns:a16="http://schemas.microsoft.com/office/drawing/2014/main" id="{F99C73CF-5C62-A644-B7F8-1537278ED98E}"/>
-              </a:ext>
-            </a:extLst>
-          </p:cNvPr>
-          <p:cNvSpPr txBox="1"/>
-          <p:nvPr/>
-        </p:nvSpPr>
-        <p:spPr>
-          <a:xfrm>
-            <a:off x="10076961" y="12241705"/>
-            <a:ext cx="485488" cy="230832"/>
-          </a:xfrm>
-          <a:prstGeom prst="rect">
-            <a:avLst/>
-          </a:prstGeom>
-          <a:noFill/>
-        </p:spPr>
-        <p:txBody>
-          <a:bodyPr wrap="square" rtlCol="0">
-            <a:spAutoFit/>
-          </a:bodyPr>
-          <a:lstStyle/>
-          <a:p>
-            <a:pPr algn="ctr"/>
-            <a:r>
-              <a:rPr lang="en-US" sz="900" dirty="0">
-                <a:cs typeface="Al Bayan Plain" pitchFamily="2" charset="-78"/>
-              </a:rPr>
-              <a:t>GitLab</a:t>
-            </a:r>
-          </a:p>
-        </p:txBody>
-      </p:sp>
     </p:spTree>
     <p:extLst>
       <p:ext uri="{BB962C8B-B14F-4D97-AF65-F5344CB8AC3E}">

--- a/docs/pptx/BlueprintDiag.pptx
+++ b/docs/pptx/BlueprintDiag.pptx
@@ -198,7 +198,7 @@
           <a:p>
             <a:fld id="{5E8AE13A-5A80-4F17-971D-03F4C3B28A8B}" type="datetimeFigureOut">
               <a:rPr lang="en-US" smtClean="0"/>
-              <a:t>9/2/20</a:t>
+              <a:t>9/10/20</a:t>
             </a:fld>
             <a:endParaRPr lang="en-US"/>
           </a:p>
@@ -1922,7 +1922,7 @@
           <a:p>
             <a:fld id="{24AFE612-74AD-4B6F-8D78-7C42EB8A6CD6}" type="datetimeFigureOut">
               <a:rPr lang="en-US" smtClean="0"/>
-              <a:t>9/2/20</a:t>
+              <a:t>9/10/20</a:t>
             </a:fld>
             <a:endParaRPr lang="en-US"/>
           </a:p>
@@ -2092,7 +2092,7 @@
           <a:p>
             <a:fld id="{24AFE612-74AD-4B6F-8D78-7C42EB8A6CD6}" type="datetimeFigureOut">
               <a:rPr lang="en-US" smtClean="0"/>
-              <a:t>9/2/20</a:t>
+              <a:t>9/10/20</a:t>
             </a:fld>
             <a:endParaRPr lang="en-US"/>
           </a:p>
@@ -2634,7 +2634,7 @@
           <a:p>
             <a:fld id="{24AFE612-74AD-4B6F-8D78-7C42EB8A6CD6}" type="datetimeFigureOut">
               <a:rPr lang="en-US" smtClean="0"/>
-              <a:t>9/2/20</a:t>
+              <a:t>9/10/20</a:t>
             </a:fld>
             <a:endParaRPr lang="en-US"/>
           </a:p>
@@ -2866,7 +2866,7 @@
           <a:p>
             <a:fld id="{24AFE612-74AD-4B6F-8D78-7C42EB8A6CD6}" type="datetimeFigureOut">
               <a:rPr lang="en-US" smtClean="0"/>
-              <a:t>9/2/20</a:t>
+              <a:t>9/10/20</a:t>
             </a:fld>
             <a:endParaRPr lang="en-US"/>
           </a:p>
@@ -3233,7 +3233,7 @@
           <a:p>
             <a:fld id="{24AFE612-74AD-4B6F-8D78-7C42EB8A6CD6}" type="datetimeFigureOut">
               <a:rPr lang="en-US" smtClean="0"/>
-              <a:t>9/2/20</a:t>
+              <a:t>9/10/20</a:t>
             </a:fld>
             <a:endParaRPr lang="en-US"/>
           </a:p>
@@ -3351,7 +3351,7 @@
           <a:p>
             <a:fld id="{24AFE612-74AD-4B6F-8D78-7C42EB8A6CD6}" type="datetimeFigureOut">
               <a:rPr lang="en-US" smtClean="0"/>
-              <a:t>9/2/20</a:t>
+              <a:t>9/10/20</a:t>
             </a:fld>
             <a:endParaRPr lang="en-US"/>
           </a:p>
@@ -3446,7 +3446,7 @@
           <a:p>
             <a:fld id="{24AFE612-74AD-4B6F-8D78-7C42EB8A6CD6}" type="datetimeFigureOut">
               <a:rPr lang="en-US" smtClean="0"/>
-              <a:t>9/2/20</a:t>
+              <a:t>9/10/20</a:t>
             </a:fld>
             <a:endParaRPr lang="en-US"/>
           </a:p>
@@ -3723,7 +3723,7 @@
           <a:p>
             <a:fld id="{24AFE612-74AD-4B6F-8D78-7C42EB8A6CD6}" type="datetimeFigureOut">
               <a:rPr lang="en-US" smtClean="0"/>
-              <a:t>9/2/20</a:t>
+              <a:t>9/10/20</a:t>
             </a:fld>
             <a:endParaRPr lang="en-US"/>
           </a:p>
@@ -3980,7 +3980,7 @@
           <a:p>
             <a:fld id="{24AFE612-74AD-4B6F-8D78-7C42EB8A6CD6}" type="datetimeFigureOut">
               <a:rPr lang="en-US" smtClean="0"/>
-              <a:t>9/2/20</a:t>
+              <a:t>9/10/20</a:t>
             </a:fld>
             <a:endParaRPr lang="en-US"/>
           </a:p>
@@ -4150,7 +4150,7 @@
           <a:p>
             <a:fld id="{24AFE612-74AD-4B6F-8D78-7C42EB8A6CD6}" type="datetimeFigureOut">
               <a:rPr lang="en-US" smtClean="0"/>
-              <a:t>9/2/20</a:t>
+              <a:t>9/10/20</a:t>
             </a:fld>
             <a:endParaRPr lang="en-US"/>
           </a:p>
@@ -4330,7 +4330,7 @@
           <a:p>
             <a:fld id="{24AFE612-74AD-4B6F-8D78-7C42EB8A6CD6}" type="datetimeFigureOut">
               <a:rPr lang="en-US" smtClean="0"/>
-              <a:t>9/2/20</a:t>
+              <a:t>9/10/20</a:t>
             </a:fld>
             <a:endParaRPr lang="en-US"/>
           </a:p>
@@ -7589,7 +7589,7 @@
           <a:p>
             <a:fld id="{24AFE612-74AD-4B6F-8D78-7C42EB8A6CD6}" type="datetimeFigureOut">
               <a:rPr lang="en-US" smtClean="0"/>
-              <a:t>9/2/20</a:t>
+              <a:t>9/10/20</a:t>
             </a:fld>
             <a:endParaRPr lang="en-US"/>
           </a:p>
@@ -9781,14 +9781,14 @@
           </a:ln>
           <a:extLst>
             <a:ext uri="{909E8E84-426E-40dd-AFC4-6F175D3DCCD1}">
-              <a14:hiddenFill xmlns:a14="http://schemas.microsoft.com/office/drawing/2010/main" xmlns="">
+              <a14:hiddenFill xmlns="" xmlns:a14="http://schemas.microsoft.com/office/drawing/2010/main">
                 <a:solidFill>
                   <a:srgbClr val="FFFFFF"/>
                 </a:solidFill>
               </a14:hiddenFill>
             </a:ext>
             <a:ext uri="{91240B29-F687-4f45-9708-019B960494DF}">
-              <a14:hiddenLine xmlns:a14="http://schemas.microsoft.com/office/drawing/2010/main" xmlns="" w="9525">
+              <a14:hiddenLine xmlns="" xmlns:a14="http://schemas.microsoft.com/office/drawing/2010/main" w="9525">
                 <a:solidFill>
                   <a:srgbClr val="000000"/>
                 </a:solidFill>
@@ -11233,7 +11233,7 @@
             </a:ln>
             <a:extLst>
               <a:ext uri="{91240B29-F687-4f45-9708-019B960494DF}">
-                <a14:hiddenLine xmlns:a14="http://schemas.microsoft.com/office/drawing/2010/main" xmlns="" w="9525">
+                <a14:hiddenLine xmlns="" xmlns:a14="http://schemas.microsoft.com/office/drawing/2010/main" w="9525">
                   <a:solidFill>
                     <a:srgbClr val="000000"/>
                   </a:solidFill>
@@ -11293,14 +11293,14 @@
             </a:ln>
             <a:extLst>
               <a:ext uri="{909E8E84-426E-40dd-AFC4-6F175D3DCCD1}">
-                <a14:hiddenFill xmlns:a14="http://schemas.microsoft.com/office/drawing/2010/main" xmlns="">
+                <a14:hiddenFill xmlns="" xmlns:a14="http://schemas.microsoft.com/office/drawing/2010/main">
                   <a:solidFill>
                     <a:srgbClr val="FFFFFF"/>
                   </a:solidFill>
                 </a14:hiddenFill>
               </a:ext>
               <a:ext uri="{91240B29-F687-4f45-9708-019B960494DF}">
-                <a14:hiddenLine xmlns:a14="http://schemas.microsoft.com/office/drawing/2010/main" xmlns="" w="9525">
+                <a14:hiddenLine xmlns="" xmlns:a14="http://schemas.microsoft.com/office/drawing/2010/main" w="9525">
                   <a:solidFill>
                     <a:srgbClr val="000000"/>
                   </a:solidFill>
@@ -11429,7 +11429,7 @@
             </a:ln>
             <a:extLst>
               <a:ext uri="{91240B29-F687-4f45-9708-019B960494DF}">
-                <a14:hiddenLine xmlns:a14="http://schemas.microsoft.com/office/drawing/2010/main" xmlns="" w="9525">
+                <a14:hiddenLine xmlns="" xmlns:a14="http://schemas.microsoft.com/office/drawing/2010/main" w="9525">
                   <a:solidFill>
                     <a:srgbClr val="000000"/>
                   </a:solidFill>
@@ -11574,7 +11574,7 @@
             </a:ln>
             <a:extLst>
               <a:ext uri="{91240B29-F687-4f45-9708-019B960494DF}">
-                <a14:hiddenLine xmlns:a14="http://schemas.microsoft.com/office/drawing/2010/main" xmlns="" w="9525">
+                <a14:hiddenLine xmlns="" xmlns:a14="http://schemas.microsoft.com/office/drawing/2010/main" w="9525">
                   <a:solidFill>
                     <a:srgbClr val="000000"/>
                   </a:solidFill>
@@ -11783,7 +11783,7 @@
             </a:ln>
             <a:extLst>
               <a:ext uri="{91240B29-F687-4f45-9708-019B960494DF}">
-                <a14:hiddenLine xmlns:a14="http://schemas.microsoft.com/office/drawing/2010/main" xmlns="" w="9525">
+                <a14:hiddenLine xmlns="" xmlns:a14="http://schemas.microsoft.com/office/drawing/2010/main" w="9525">
                   <a:solidFill>
                     <a:srgbClr val="000000"/>
                   </a:solidFill>
@@ -11943,7 +11943,7 @@
           </a:ln>
           <a:extLst>
             <a:ext uri="{91240B29-F687-4f45-9708-019B960494DF}">
-              <a14:hiddenLine xmlns:a14="http://schemas.microsoft.com/office/drawing/2010/main" xmlns="" w="9525">
+              <a14:hiddenLine xmlns="" xmlns:a14="http://schemas.microsoft.com/office/drawing/2010/main" w="9525">
                 <a:solidFill>
                   <a:srgbClr val="000000"/>
                 </a:solidFill>
@@ -12129,7 +12129,7 @@
           </a:ln>
           <a:extLst>
             <a:ext uri="{91240B29-F687-4f45-9708-019B960494DF}">
-              <a14:hiddenLine xmlns:a14="http://schemas.microsoft.com/office/drawing/2010/main" xmlns="" w="9525">
+              <a14:hiddenLine xmlns="" xmlns:a14="http://schemas.microsoft.com/office/drawing/2010/main" w="9525">
                 <a:solidFill>
                   <a:srgbClr val="000000"/>
                 </a:solidFill>
@@ -12348,7 +12348,7 @@
           </a:ln>
           <a:extLst>
             <a:ext uri="{91240B29-F687-4f45-9708-019B960494DF}">
-              <a14:hiddenLine xmlns:a14="http://schemas.microsoft.com/office/drawing/2010/main" xmlns="" w="9525">
+              <a14:hiddenLine xmlns="" xmlns:a14="http://schemas.microsoft.com/office/drawing/2010/main" w="9525">
                 <a:solidFill>
                   <a:srgbClr val="000000"/>
                 </a:solidFill>
@@ -12557,7 +12557,7 @@
           </a:ln>
           <a:extLst>
             <a:ext uri="{91240B29-F687-4f45-9708-019B960494DF}">
-              <a14:hiddenLine xmlns:a14="http://schemas.microsoft.com/office/drawing/2010/main" xmlns="" w="9525">
+              <a14:hiddenLine xmlns="" xmlns:a14="http://schemas.microsoft.com/office/drawing/2010/main" w="9525">
                 <a:solidFill>
                   <a:srgbClr val="000000"/>
                 </a:solidFill>
@@ -12817,49 +12817,6 @@
       </p:sp>
       <p:cxnSp>
         <p:nvCxnSpPr>
-          <p:cNvPr id="603" name="Straight Connector 602">
-            <a:extLst>
-              <a:ext uri="{FF2B5EF4-FFF2-40B4-BE49-F238E27FC236}">
-                <a16:creationId xmlns:a16="http://schemas.microsoft.com/office/drawing/2014/main" id="{F6391EC9-F35E-403A-A213-C1226F1791DE}"/>
-              </a:ext>
-            </a:extLst>
-          </p:cNvPr>
-          <p:cNvCxnSpPr>
-            <a:cxnSpLocks/>
-          </p:cNvCxnSpPr>
-          <p:nvPr/>
-        </p:nvCxnSpPr>
-        <p:spPr>
-          <a:xfrm flipH="1" flipV="1">
-            <a:off x="6394083" y="9574403"/>
-            <a:ext cx="1355742" cy="1979938"/>
-          </a:xfrm>
-          <a:prstGeom prst="line">
-            <a:avLst/>
-          </a:prstGeom>
-          <a:ln w="19050">
-            <a:solidFill>
-              <a:schemeClr val="accent1"/>
-            </a:solidFill>
-          </a:ln>
-        </p:spPr>
-        <p:style>
-          <a:lnRef idx="1">
-            <a:schemeClr val="accent1"/>
-          </a:lnRef>
-          <a:fillRef idx="0">
-            <a:schemeClr val="accent1"/>
-          </a:fillRef>
-          <a:effectRef idx="0">
-            <a:schemeClr val="accent1"/>
-          </a:effectRef>
-          <a:fontRef idx="minor">
-            <a:schemeClr val="tx1"/>
-          </a:fontRef>
-        </p:style>
-      </p:cxnSp>
-      <p:cxnSp>
-        <p:nvCxnSpPr>
           <p:cNvPr id="622" name="Straight Connector 621">
             <a:extLst>
               <a:ext uri="{FF2B5EF4-FFF2-40B4-BE49-F238E27FC236}">
@@ -13049,7 +13006,7 @@
             </a:ln>
             <a:extLst>
               <a:ext uri="{91240B29-F687-4f45-9708-019B960494DF}">
-                <a14:hiddenLine xmlns:a14="http://schemas.microsoft.com/office/drawing/2010/main" xmlns="" w="9525">
+                <a14:hiddenLine xmlns="" xmlns:a14="http://schemas.microsoft.com/office/drawing/2010/main" w="9525">
                   <a:solidFill>
                     <a:srgbClr val="000000"/>
                   </a:solidFill>
@@ -13109,14 +13066,14 @@
             </a:ln>
             <a:extLst>
               <a:ext uri="{909E8E84-426E-40dd-AFC4-6F175D3DCCD1}">
-                <a14:hiddenFill xmlns:a14="http://schemas.microsoft.com/office/drawing/2010/main" xmlns="">
+                <a14:hiddenFill xmlns="" xmlns:a14="http://schemas.microsoft.com/office/drawing/2010/main">
                   <a:solidFill>
                     <a:srgbClr val="FFFFFF"/>
                   </a:solidFill>
                 </a14:hiddenFill>
               </a:ext>
               <a:ext uri="{91240B29-F687-4f45-9708-019B960494DF}">
-                <a14:hiddenLine xmlns:a14="http://schemas.microsoft.com/office/drawing/2010/main" xmlns="" w="9525">
+                <a14:hiddenLine xmlns="" xmlns:a14="http://schemas.microsoft.com/office/drawing/2010/main" w="9525">
                   <a:solidFill>
                     <a:srgbClr val="000000"/>
                   </a:solidFill>
@@ -13245,7 +13202,7 @@
             </a:ln>
             <a:extLst>
               <a:ext uri="{91240B29-F687-4f45-9708-019B960494DF}">
-                <a14:hiddenLine xmlns:a14="http://schemas.microsoft.com/office/drawing/2010/main" xmlns="" w="9525">
+                <a14:hiddenLine xmlns="" xmlns:a14="http://schemas.microsoft.com/office/drawing/2010/main" w="9525">
                   <a:solidFill>
                     <a:srgbClr val="000000"/>
                   </a:solidFill>
@@ -13390,7 +13347,7 @@
             </a:ln>
             <a:extLst>
               <a:ext uri="{91240B29-F687-4f45-9708-019B960494DF}">
-                <a14:hiddenLine xmlns:a14="http://schemas.microsoft.com/office/drawing/2010/main" xmlns="" w="9525">
+                <a14:hiddenLine xmlns="" xmlns:a14="http://schemas.microsoft.com/office/drawing/2010/main" w="9525">
                   <a:solidFill>
                     <a:srgbClr val="000000"/>
                   </a:solidFill>
@@ -13599,7 +13556,7 @@
             </a:ln>
             <a:extLst>
               <a:ext uri="{91240B29-F687-4f45-9708-019B960494DF}">
-                <a14:hiddenLine xmlns:a14="http://schemas.microsoft.com/office/drawing/2010/main" xmlns="" w="9525">
+                <a14:hiddenLine xmlns="" xmlns:a14="http://schemas.microsoft.com/office/drawing/2010/main" w="9525">
                   <a:solidFill>
                     <a:srgbClr val="000000"/>
                   </a:solidFill>
@@ -13682,14 +13639,14 @@
             </a:ln>
             <a:extLst>
               <a:ext uri="{909E8E84-426E-40dd-AFC4-6F175D3DCCD1}">
-                <a14:hiddenFill xmlns:a14="http://schemas.microsoft.com/office/drawing/2010/main" xmlns="">
+                <a14:hiddenFill xmlns="" xmlns:a14="http://schemas.microsoft.com/office/drawing/2010/main">
                   <a:solidFill>
                     <a:srgbClr val="FFFFFF"/>
                   </a:solidFill>
                 </a14:hiddenFill>
               </a:ext>
               <a:ext uri="{91240B29-F687-4f45-9708-019B960494DF}">
-                <a14:hiddenLine xmlns:a14="http://schemas.microsoft.com/office/drawing/2010/main" xmlns="" w="9525">
+                <a14:hiddenLine xmlns="" xmlns:a14="http://schemas.microsoft.com/office/drawing/2010/main" w="9525">
                   <a:solidFill>
                     <a:srgbClr val="000000"/>
                   </a:solidFill>
@@ -13848,7 +13805,7 @@
             </a:ln>
             <a:extLst>
               <a:ext uri="{91240B29-F687-4f45-9708-019B960494DF}">
-                <a14:hiddenLine xmlns:a14="http://schemas.microsoft.com/office/drawing/2010/main" xmlns="" w="9525">
+                <a14:hiddenLine xmlns="" xmlns:a14="http://schemas.microsoft.com/office/drawing/2010/main" w="9525">
                   <a:solidFill>
                     <a:srgbClr val="000000"/>
                   </a:solidFill>
@@ -14034,7 +13991,7 @@
             </a:ln>
             <a:extLst>
               <a:ext uri="{91240B29-F687-4f45-9708-019B960494DF}">
-                <a14:hiddenLine xmlns:a14="http://schemas.microsoft.com/office/drawing/2010/main" xmlns="" w="9525">
+                <a14:hiddenLine xmlns="" xmlns:a14="http://schemas.microsoft.com/office/drawing/2010/main" w="9525">
                   <a:solidFill>
                     <a:srgbClr val="000000"/>
                   </a:solidFill>
@@ -14240,7 +14197,7 @@
             </a:ln>
             <a:extLst>
               <a:ext uri="{91240B29-F687-4f45-9708-019B960494DF}">
-                <a14:hiddenLine xmlns:a14="http://schemas.microsoft.com/office/drawing/2010/main" xmlns="" w="9525">
+                <a14:hiddenLine xmlns="" xmlns:a14="http://schemas.microsoft.com/office/drawing/2010/main" w="9525">
                   <a:solidFill>
                     <a:srgbClr val="000000"/>
                   </a:solidFill>
@@ -14449,7 +14406,7 @@
             </a:ln>
             <a:extLst>
               <a:ext uri="{91240B29-F687-4f45-9708-019B960494DF}">
-                <a14:hiddenLine xmlns:a14="http://schemas.microsoft.com/office/drawing/2010/main" xmlns="" w="9525">
+                <a14:hiddenLine xmlns="" xmlns:a14="http://schemas.microsoft.com/office/drawing/2010/main" w="9525">
                   <a:solidFill>
                     <a:srgbClr val="000000"/>
                   </a:solidFill>
@@ -14532,14 +14489,14 @@
             </a:ln>
             <a:extLst>
               <a:ext uri="{909E8E84-426E-40dd-AFC4-6F175D3DCCD1}">
-                <a14:hiddenFill xmlns:a14="http://schemas.microsoft.com/office/drawing/2010/main" xmlns="">
+                <a14:hiddenFill xmlns="" xmlns:a14="http://schemas.microsoft.com/office/drawing/2010/main">
                   <a:solidFill>
                     <a:srgbClr val="FFFFFF"/>
                   </a:solidFill>
                 </a14:hiddenFill>
               </a:ext>
               <a:ext uri="{91240B29-F687-4f45-9708-019B960494DF}">
-                <a14:hiddenLine xmlns:a14="http://schemas.microsoft.com/office/drawing/2010/main" xmlns="" w="9525">
+                <a14:hiddenLine xmlns="" xmlns:a14="http://schemas.microsoft.com/office/drawing/2010/main" w="9525">
                   <a:solidFill>
                     <a:srgbClr val="000000"/>
                   </a:solidFill>
@@ -14698,7 +14655,7 @@
             </a:ln>
             <a:extLst>
               <a:ext uri="{91240B29-F687-4f45-9708-019B960494DF}">
-                <a14:hiddenLine xmlns:a14="http://schemas.microsoft.com/office/drawing/2010/main" xmlns="" w="9525">
+                <a14:hiddenLine xmlns="" xmlns:a14="http://schemas.microsoft.com/office/drawing/2010/main" w="9525">
                   <a:solidFill>
                     <a:srgbClr val="000000"/>
                   </a:solidFill>
@@ -14884,7 +14841,7 @@
             </a:ln>
             <a:extLst>
               <a:ext uri="{91240B29-F687-4f45-9708-019B960494DF}">
-                <a14:hiddenLine xmlns:a14="http://schemas.microsoft.com/office/drawing/2010/main" xmlns="" w="9525">
+                <a14:hiddenLine xmlns="" xmlns:a14="http://schemas.microsoft.com/office/drawing/2010/main" w="9525">
                   <a:solidFill>
                     <a:srgbClr val="000000"/>
                   </a:solidFill>
@@ -15103,7 +15060,7 @@
             </a:ln>
             <a:extLst>
               <a:ext uri="{91240B29-F687-4f45-9708-019B960494DF}">
-                <a14:hiddenLine xmlns:a14="http://schemas.microsoft.com/office/drawing/2010/main" xmlns="" w="9525">
+                <a14:hiddenLine xmlns="" xmlns:a14="http://schemas.microsoft.com/office/drawing/2010/main" w="9525">
                   <a:solidFill>
                     <a:srgbClr val="000000"/>
                   </a:solidFill>
@@ -15312,7 +15269,7 @@
             </a:ln>
             <a:extLst>
               <a:ext uri="{91240B29-F687-4f45-9708-019B960494DF}">
-                <a14:hiddenLine xmlns:a14="http://schemas.microsoft.com/office/drawing/2010/main" xmlns="" w="9525">
+                <a14:hiddenLine xmlns="" xmlns:a14="http://schemas.microsoft.com/office/drawing/2010/main" w="9525">
                   <a:solidFill>
                     <a:srgbClr val="000000"/>
                   </a:solidFill>
@@ -15393,14 +15350,14 @@
             </a:ln>
             <a:extLst>
               <a:ext uri="{909E8E84-426E-40dd-AFC4-6F175D3DCCD1}">
-                <a14:hiddenFill xmlns="" xmlns:a14="http://schemas.microsoft.com/office/drawing/2010/main">
+                <a14:hiddenFill xmlns:a14="http://schemas.microsoft.com/office/drawing/2010/main" xmlns="">
                   <a:solidFill>
                     <a:srgbClr val="FFFFFF"/>
                   </a:solidFill>
                 </a14:hiddenFill>
               </a:ext>
               <a:ext uri="{91240B29-F687-4f45-9708-019B960494DF}">
-                <a14:hiddenLine xmlns="" xmlns:a14="http://schemas.microsoft.com/office/drawing/2010/main" w="9525">
+                <a14:hiddenLine xmlns:a14="http://schemas.microsoft.com/office/drawing/2010/main" xmlns="" w="9525">
                   <a:solidFill>
                     <a:srgbClr val="000000"/>
                   </a:solidFill>
@@ -15556,7 +15513,7 @@
             </a:ln>
             <a:extLst>
               <a:ext uri="{91240B29-F687-4f45-9708-019B960494DF}">
-                <a14:hiddenLine xmlns="" xmlns:a14="http://schemas.microsoft.com/office/drawing/2010/main" w="9525">
+                <a14:hiddenLine xmlns:a14="http://schemas.microsoft.com/office/drawing/2010/main" xmlns="" w="9525">
                   <a:solidFill>
                     <a:srgbClr val="000000"/>
                   </a:solidFill>
@@ -15672,14 +15629,14 @@
             </a:ln>
             <a:extLst>
               <a:ext uri="{909E8E84-426E-40dd-AFC4-6F175D3DCCD1}">
-                <a14:hiddenFill xmlns="" xmlns:a14="http://schemas.microsoft.com/office/drawing/2010/main">
+                <a14:hiddenFill xmlns:a14="http://schemas.microsoft.com/office/drawing/2010/main" xmlns="">
                   <a:solidFill>
                     <a:srgbClr val="FFFFFF"/>
                   </a:solidFill>
                 </a14:hiddenFill>
               </a:ext>
               <a:ext uri="{91240B29-F687-4f45-9708-019B960494DF}">
-                <a14:hiddenLine xmlns="" xmlns:a14="http://schemas.microsoft.com/office/drawing/2010/main" w="9525">
+                <a14:hiddenLine xmlns:a14="http://schemas.microsoft.com/office/drawing/2010/main" xmlns="" w="9525">
                   <a:solidFill>
                     <a:srgbClr val="000000"/>
                   </a:solidFill>
@@ -15835,7 +15792,7 @@
             </a:ln>
             <a:extLst>
               <a:ext uri="{91240B29-F687-4f45-9708-019B960494DF}">
-                <a14:hiddenLine xmlns="" xmlns:a14="http://schemas.microsoft.com/office/drawing/2010/main" w="9525">
+                <a14:hiddenLine xmlns:a14="http://schemas.microsoft.com/office/drawing/2010/main" xmlns="" w="9525">
                   <a:solidFill>
                     <a:srgbClr val="000000"/>
                   </a:solidFill>
@@ -16018,7 +15975,7 @@
             </a:ln>
             <a:extLst>
               <a:ext uri="{91240B29-F687-4f45-9708-019B960494DF}">
-                <a14:hiddenLine xmlns="" xmlns:a14="http://schemas.microsoft.com/office/drawing/2010/main" w="9525">
+                <a14:hiddenLine xmlns:a14="http://schemas.microsoft.com/office/drawing/2010/main" xmlns="" w="9525">
                   <a:solidFill>
                     <a:srgbClr val="000000"/>
                   </a:solidFill>
@@ -16176,7 +16133,7 @@
             </a:ln>
             <a:extLst>
               <a:ext uri="{91240B29-F687-4f45-9708-019B960494DF}">
-                <a14:hiddenLine xmlns="" xmlns:a14="http://schemas.microsoft.com/office/drawing/2010/main" w="9525">
+                <a14:hiddenLine xmlns:a14="http://schemas.microsoft.com/office/drawing/2010/main" xmlns="" w="9525">
                   <a:solidFill>
                     <a:srgbClr val="000000"/>
                   </a:solidFill>
@@ -16382,7 +16339,7 @@
             </a:ln>
             <a:extLst>
               <a:ext uri="{91240B29-F687-4f45-9708-019B960494DF}">
-                <a14:hiddenLine xmlns="" xmlns:a14="http://schemas.microsoft.com/office/drawing/2010/main" w="9525">
+                <a14:hiddenLine xmlns:a14="http://schemas.microsoft.com/office/drawing/2010/main" xmlns="" w="9525">
                   <a:solidFill>
                     <a:srgbClr val="000000"/>
                   </a:solidFill>
@@ -20809,7 +20766,7 @@
             </a:ln>
             <a:extLst>
               <a:ext uri="{91240B29-F687-4f45-9708-019B960494DF}">
-                <a14:hiddenLine xmlns:a14="http://schemas.microsoft.com/office/drawing/2010/main" xmlns="" w="9525">
+                <a14:hiddenLine xmlns="" xmlns:a14="http://schemas.microsoft.com/office/drawing/2010/main" w="9525">
                   <a:solidFill>
                     <a:srgbClr val="000000"/>
                   </a:solidFill>
@@ -21163,49 +21120,6 @@
           <a:xfrm flipH="1" flipV="1">
             <a:off x="3962732" y="9342971"/>
             <a:ext cx="891071" cy="1969999"/>
-          </a:xfrm>
-          <a:prstGeom prst="line">
-            <a:avLst/>
-          </a:prstGeom>
-          <a:ln w="19050">
-            <a:solidFill>
-              <a:schemeClr val="accent1"/>
-            </a:solidFill>
-          </a:ln>
-        </p:spPr>
-        <p:style>
-          <a:lnRef idx="1">
-            <a:schemeClr val="accent1"/>
-          </a:lnRef>
-          <a:fillRef idx="0">
-            <a:schemeClr val="accent1"/>
-          </a:fillRef>
-          <a:effectRef idx="0">
-            <a:schemeClr val="accent1"/>
-          </a:effectRef>
-          <a:fontRef idx="minor">
-            <a:schemeClr val="tx1"/>
-          </a:fontRef>
-        </p:style>
-      </p:cxnSp>
-      <p:cxnSp>
-        <p:nvCxnSpPr>
-          <p:cNvPr id="477" name="Straight Connector 476">
-            <a:extLst>
-              <a:ext uri="{FF2B5EF4-FFF2-40B4-BE49-F238E27FC236}">
-                <a16:creationId xmlns:a16="http://schemas.microsoft.com/office/drawing/2014/main" id="{7E8934AB-8B21-4118-9662-A0A96764EC83}"/>
-              </a:ext>
-            </a:extLst>
-          </p:cNvPr>
-          <p:cNvCxnSpPr>
-            <a:cxnSpLocks/>
-          </p:cNvCxnSpPr>
-          <p:nvPr/>
-        </p:nvCxnSpPr>
-        <p:spPr>
-          <a:xfrm flipH="1" flipV="1">
-            <a:off x="4850545" y="11314203"/>
-            <a:ext cx="2850656" cy="653584"/>
           </a:xfrm>
           <a:prstGeom prst="line">
             <a:avLst/>
@@ -22474,14 +22388,14 @@
           </a:ln>
           <a:extLst>
             <a:ext uri="{909E8E84-426E-40dd-AFC4-6F175D3DCCD1}">
-              <a14:hiddenFill xmlns:a14="http://schemas.microsoft.com/office/drawing/2010/main" xmlns="">
+              <a14:hiddenFill xmlns="" xmlns:a14="http://schemas.microsoft.com/office/drawing/2010/main">
                 <a:solidFill>
                   <a:srgbClr val="FFFFFF"/>
                 </a:solidFill>
               </a14:hiddenFill>
             </a:ext>
             <a:ext uri="{91240B29-F687-4f45-9708-019B960494DF}">
-              <a14:hiddenLine xmlns:a14="http://schemas.microsoft.com/office/drawing/2010/main" xmlns="" w="9525">
+              <a14:hiddenLine xmlns="" xmlns:a14="http://schemas.microsoft.com/office/drawing/2010/main" w="9525">
                 <a:solidFill>
                   <a:srgbClr val="000000"/>
                 </a:solidFill>
@@ -22822,7 +22736,7 @@
             </a:ln>
             <a:extLst>
               <a:ext uri="{91240B29-F687-4f45-9708-019B960494DF}">
-                <a14:hiddenLine xmlns:a14="http://schemas.microsoft.com/office/drawing/2010/main" xmlns="" w="9525">
+                <a14:hiddenLine xmlns="" xmlns:a14="http://schemas.microsoft.com/office/drawing/2010/main" w="9525">
                   <a:solidFill>
                     <a:srgbClr val="000000"/>
                   </a:solidFill>
@@ -22882,14 +22796,14 @@
             </a:ln>
             <a:extLst>
               <a:ext uri="{909E8E84-426E-40dd-AFC4-6F175D3DCCD1}">
-                <a14:hiddenFill xmlns:a14="http://schemas.microsoft.com/office/drawing/2010/main" xmlns="">
+                <a14:hiddenFill xmlns="" xmlns:a14="http://schemas.microsoft.com/office/drawing/2010/main">
                   <a:solidFill>
                     <a:srgbClr val="FFFFFF"/>
                   </a:solidFill>
                 </a14:hiddenFill>
               </a:ext>
               <a:ext uri="{91240B29-F687-4f45-9708-019B960494DF}">
-                <a14:hiddenLine xmlns:a14="http://schemas.microsoft.com/office/drawing/2010/main" xmlns="" w="9525">
+                <a14:hiddenLine xmlns="" xmlns:a14="http://schemas.microsoft.com/office/drawing/2010/main" w="9525">
                   <a:solidFill>
                     <a:srgbClr val="000000"/>
                   </a:solidFill>
@@ -23018,7 +22932,7 @@
             </a:ln>
             <a:extLst>
               <a:ext uri="{91240B29-F687-4f45-9708-019B960494DF}">
-                <a14:hiddenLine xmlns:a14="http://schemas.microsoft.com/office/drawing/2010/main" xmlns="" w="9525">
+                <a14:hiddenLine xmlns="" xmlns:a14="http://schemas.microsoft.com/office/drawing/2010/main" w="9525">
                   <a:solidFill>
                     <a:srgbClr val="000000"/>
                   </a:solidFill>
@@ -23163,7 +23077,7 @@
             </a:ln>
             <a:extLst>
               <a:ext uri="{91240B29-F687-4f45-9708-019B960494DF}">
-                <a14:hiddenLine xmlns:a14="http://schemas.microsoft.com/office/drawing/2010/main" xmlns="" w="9525">
+                <a14:hiddenLine xmlns="" xmlns:a14="http://schemas.microsoft.com/office/drawing/2010/main" w="9525">
                   <a:solidFill>
                     <a:srgbClr val="000000"/>
                   </a:solidFill>
@@ -23372,7 +23286,7 @@
             </a:ln>
             <a:extLst>
               <a:ext uri="{91240B29-F687-4f45-9708-019B960494DF}">
-                <a14:hiddenLine xmlns:a14="http://schemas.microsoft.com/office/drawing/2010/main" xmlns="" w="9525">
+                <a14:hiddenLine xmlns="" xmlns:a14="http://schemas.microsoft.com/office/drawing/2010/main" w="9525">
                   <a:solidFill>
                     <a:srgbClr val="000000"/>
                   </a:solidFill>
@@ -23559,7 +23473,7 @@
           </a:ln>
           <a:extLst>
             <a:ext uri="{91240B29-F687-4f45-9708-019B960494DF}">
-              <a14:hiddenLine xmlns:a14="http://schemas.microsoft.com/office/drawing/2010/main" xmlns="" w="9525">
+              <a14:hiddenLine xmlns="" xmlns:a14="http://schemas.microsoft.com/office/drawing/2010/main" w="9525">
                 <a:solidFill>
                   <a:srgbClr val="000000"/>
                 </a:solidFill>
@@ -23778,7 +23692,7 @@
           </a:ln>
           <a:extLst>
             <a:ext uri="{91240B29-F687-4f45-9708-019B960494DF}">
-              <a14:hiddenLine xmlns:a14="http://schemas.microsoft.com/office/drawing/2010/main" xmlns="" w="9525">
+              <a14:hiddenLine xmlns="" xmlns:a14="http://schemas.microsoft.com/office/drawing/2010/main" w="9525">
                 <a:solidFill>
                   <a:srgbClr val="000000"/>
                 </a:solidFill>
@@ -23987,7 +23901,7 @@
           </a:ln>
           <a:extLst>
             <a:ext uri="{91240B29-F687-4f45-9708-019B960494DF}">
-              <a14:hiddenLine xmlns:a14="http://schemas.microsoft.com/office/drawing/2010/main" xmlns="" w="9525">
+              <a14:hiddenLine xmlns="" xmlns:a14="http://schemas.microsoft.com/office/drawing/2010/main" w="9525">
                 <a:solidFill>
                   <a:srgbClr val="000000"/>
                 </a:solidFill>
@@ -24293,14 +24207,14 @@
             </a:ln>
             <a:extLst>
               <a:ext uri="{909E8E84-426E-40dd-AFC4-6F175D3DCCD1}">
-                <a14:hiddenFill xmlns:a14="http://schemas.microsoft.com/office/drawing/2010/main" xmlns="">
+                <a14:hiddenFill xmlns="" xmlns:a14="http://schemas.microsoft.com/office/drawing/2010/main">
                   <a:solidFill>
                     <a:srgbClr val="FFFFFF"/>
                   </a:solidFill>
                 </a14:hiddenFill>
               </a:ext>
               <a:ext uri="{91240B29-F687-4f45-9708-019B960494DF}">
-                <a14:hiddenLine xmlns:a14="http://schemas.microsoft.com/office/drawing/2010/main" xmlns="" w="9525">
+                <a14:hiddenLine xmlns="" xmlns:a14="http://schemas.microsoft.com/office/drawing/2010/main" w="9525">
                   <a:solidFill>
                     <a:srgbClr val="000000"/>
                   </a:solidFill>
@@ -24459,7 +24373,7 @@
             </a:ln>
             <a:extLst>
               <a:ext uri="{91240B29-F687-4f45-9708-019B960494DF}">
-                <a14:hiddenLine xmlns:a14="http://schemas.microsoft.com/office/drawing/2010/main" xmlns="" w="9525">
+                <a14:hiddenLine xmlns="" xmlns:a14="http://schemas.microsoft.com/office/drawing/2010/main" w="9525">
                   <a:solidFill>
                     <a:srgbClr val="000000"/>
                   </a:solidFill>
@@ -25366,14 +25280,14 @@
             </a:ln>
             <a:extLst>
               <a:ext uri="{909E8E84-426E-40dd-AFC4-6F175D3DCCD1}">
-                <a14:hiddenFill xmlns="" xmlns:a14="http://schemas.microsoft.com/office/drawing/2010/main">
+                <a14:hiddenFill xmlns:a14="http://schemas.microsoft.com/office/drawing/2010/main" xmlns="">
                   <a:solidFill>
                     <a:srgbClr val="FFFFFF"/>
                   </a:solidFill>
                 </a14:hiddenFill>
               </a:ext>
               <a:ext uri="{91240B29-F687-4f45-9708-019B960494DF}">
-                <a14:hiddenLine xmlns="" xmlns:a14="http://schemas.microsoft.com/office/drawing/2010/main" w="9525">
+                <a14:hiddenLine xmlns:a14="http://schemas.microsoft.com/office/drawing/2010/main" xmlns="" w="9525">
                   <a:solidFill>
                     <a:srgbClr val="000000"/>
                   </a:solidFill>
@@ -25433,14 +25347,14 @@
             </a:ln>
             <a:extLst>
               <a:ext uri="{909E8E84-426E-40dd-AFC4-6F175D3DCCD1}">
-                <a14:hiddenFill xmlns="" xmlns:a14="http://schemas.microsoft.com/office/drawing/2010/main">
+                <a14:hiddenFill xmlns:a14="http://schemas.microsoft.com/office/drawing/2010/main" xmlns="">
                   <a:solidFill>
                     <a:srgbClr val="FFFFFF"/>
                   </a:solidFill>
                 </a14:hiddenFill>
               </a:ext>
               <a:ext uri="{91240B29-F687-4f45-9708-019B960494DF}">
-                <a14:hiddenLine xmlns="" xmlns:a14="http://schemas.microsoft.com/office/drawing/2010/main" w="9525">
+                <a14:hiddenLine xmlns:a14="http://schemas.microsoft.com/office/drawing/2010/main" xmlns="" w="9525">
                   <a:solidFill>
                     <a:srgbClr val="000000"/>
                   </a:solidFill>
@@ -25500,14 +25414,14 @@
             </a:ln>
             <a:extLst>
               <a:ext uri="{909E8E84-426E-40dd-AFC4-6F175D3DCCD1}">
-                <a14:hiddenFill xmlns="" xmlns:a14="http://schemas.microsoft.com/office/drawing/2010/main">
+                <a14:hiddenFill xmlns:a14="http://schemas.microsoft.com/office/drawing/2010/main" xmlns="">
                   <a:solidFill>
                     <a:srgbClr val="FFFFFF"/>
                   </a:solidFill>
                 </a14:hiddenFill>
               </a:ext>
               <a:ext uri="{91240B29-F687-4f45-9708-019B960494DF}">
-                <a14:hiddenLine xmlns="" xmlns:a14="http://schemas.microsoft.com/office/drawing/2010/main" w="9525">
+                <a14:hiddenLine xmlns:a14="http://schemas.microsoft.com/office/drawing/2010/main" xmlns="" w="9525">
                   <a:solidFill>
                     <a:srgbClr val="000000"/>
                   </a:solidFill>
@@ -25567,14 +25481,14 @@
             </a:ln>
             <a:extLst>
               <a:ext uri="{909E8E84-426E-40dd-AFC4-6F175D3DCCD1}">
-                <a14:hiddenFill xmlns="" xmlns:a14="http://schemas.microsoft.com/office/drawing/2010/main">
+                <a14:hiddenFill xmlns:a14="http://schemas.microsoft.com/office/drawing/2010/main" xmlns="">
                   <a:solidFill>
                     <a:srgbClr val="FFFFFF"/>
                   </a:solidFill>
                 </a14:hiddenFill>
               </a:ext>
               <a:ext uri="{91240B29-F687-4f45-9708-019B960494DF}">
-                <a14:hiddenLine xmlns="" xmlns:a14="http://schemas.microsoft.com/office/drawing/2010/main" w="9525">
+                <a14:hiddenLine xmlns:a14="http://schemas.microsoft.com/office/drawing/2010/main" xmlns="" w="9525">
                   <a:solidFill>
                     <a:srgbClr val="000000"/>
                   </a:solidFill>
@@ -25655,14 +25569,14 @@
             </a:ln>
             <a:extLst>
               <a:ext uri="{909E8E84-426E-40dd-AFC4-6F175D3DCCD1}">
-                <a14:hiddenFill xmlns="" xmlns:a14="http://schemas.microsoft.com/office/drawing/2010/main">
+                <a14:hiddenFill xmlns:a14="http://schemas.microsoft.com/office/drawing/2010/main" xmlns="">
                   <a:solidFill>
                     <a:srgbClr val="FFFFFF"/>
                   </a:solidFill>
                 </a14:hiddenFill>
               </a:ext>
               <a:ext uri="{91240B29-F687-4f45-9708-019B960494DF}">
-                <a14:hiddenLine xmlns="" xmlns:a14="http://schemas.microsoft.com/office/drawing/2010/main" w="9525">
+                <a14:hiddenLine xmlns:a14="http://schemas.microsoft.com/office/drawing/2010/main" xmlns="" w="9525">
                   <a:solidFill>
                     <a:srgbClr val="000000"/>
                   </a:solidFill>
@@ -25722,14 +25636,14 @@
             </a:ln>
             <a:extLst>
               <a:ext uri="{909E8E84-426E-40dd-AFC4-6F175D3DCCD1}">
-                <a14:hiddenFill xmlns="" xmlns:a14="http://schemas.microsoft.com/office/drawing/2010/main">
+                <a14:hiddenFill xmlns:a14="http://schemas.microsoft.com/office/drawing/2010/main" xmlns="">
                   <a:solidFill>
                     <a:srgbClr val="FFFFFF"/>
                   </a:solidFill>
                 </a14:hiddenFill>
               </a:ext>
               <a:ext uri="{91240B29-F687-4f45-9708-019B960494DF}">
-                <a14:hiddenLine xmlns="" xmlns:a14="http://schemas.microsoft.com/office/drawing/2010/main" w="9525">
+                <a14:hiddenLine xmlns:a14="http://schemas.microsoft.com/office/drawing/2010/main" xmlns="" w="9525">
                   <a:solidFill>
                     <a:srgbClr val="000000"/>
                   </a:solidFill>
@@ -25789,14 +25703,14 @@
             </a:ln>
             <a:extLst>
               <a:ext uri="{909E8E84-426E-40dd-AFC4-6F175D3DCCD1}">
-                <a14:hiddenFill xmlns="" xmlns:a14="http://schemas.microsoft.com/office/drawing/2010/main">
+                <a14:hiddenFill xmlns:a14="http://schemas.microsoft.com/office/drawing/2010/main" xmlns="">
                   <a:solidFill>
                     <a:srgbClr val="FFFFFF"/>
                   </a:solidFill>
                 </a14:hiddenFill>
               </a:ext>
               <a:ext uri="{91240B29-F687-4f45-9708-019B960494DF}">
-                <a14:hiddenLine xmlns="" xmlns:a14="http://schemas.microsoft.com/office/drawing/2010/main" w="9525">
+                <a14:hiddenLine xmlns:a14="http://schemas.microsoft.com/office/drawing/2010/main" xmlns="" w="9525">
                   <a:solidFill>
                     <a:srgbClr val="000000"/>
                   </a:solidFill>
@@ -25856,14 +25770,14 @@
             </a:ln>
             <a:extLst>
               <a:ext uri="{909E8E84-426E-40dd-AFC4-6F175D3DCCD1}">
-                <a14:hiddenFill xmlns="" xmlns:a14="http://schemas.microsoft.com/office/drawing/2010/main">
+                <a14:hiddenFill xmlns:a14="http://schemas.microsoft.com/office/drawing/2010/main" xmlns="">
                   <a:solidFill>
                     <a:srgbClr val="FFFFFF"/>
                   </a:solidFill>
                 </a14:hiddenFill>
               </a:ext>
               <a:ext uri="{91240B29-F687-4f45-9708-019B960494DF}">
-                <a14:hiddenLine xmlns="" xmlns:a14="http://schemas.microsoft.com/office/drawing/2010/main" w="9525">
+                <a14:hiddenLine xmlns:a14="http://schemas.microsoft.com/office/drawing/2010/main" xmlns="" w="9525">
                   <a:solidFill>
                     <a:srgbClr val="000000"/>
                   </a:solidFill>
@@ -26259,7 +26173,7 @@
           </a:ln>
           <a:extLst>
             <a:ext uri="{91240B29-F687-4f45-9708-019B960494DF}">
-              <a14:hiddenLine xmlns="" xmlns:a14="http://schemas.microsoft.com/office/drawing/2010/main" w="9525">
+              <a14:hiddenLine xmlns:a14="http://schemas.microsoft.com/office/drawing/2010/main" xmlns="" w="9525">
                 <a:solidFill>
                   <a:srgbClr val="000000"/>
                 </a:solidFill>
@@ -26319,14 +26233,14 @@
           </a:ln>
           <a:extLst>
             <a:ext uri="{909E8E84-426E-40dd-AFC4-6F175D3DCCD1}">
-              <a14:hiddenFill xmlns="" xmlns:a14="http://schemas.microsoft.com/office/drawing/2010/main">
+              <a14:hiddenFill xmlns:a14="http://schemas.microsoft.com/office/drawing/2010/main" xmlns="">
                 <a:solidFill>
                   <a:srgbClr val="FFFFFF"/>
                 </a:solidFill>
               </a14:hiddenFill>
             </a:ext>
             <a:ext uri="{91240B29-F687-4f45-9708-019B960494DF}">
-              <a14:hiddenLine xmlns="" xmlns:a14="http://schemas.microsoft.com/office/drawing/2010/main" w="9525">
+              <a14:hiddenLine xmlns:a14="http://schemas.microsoft.com/office/drawing/2010/main" xmlns="" w="9525">
                 <a:solidFill>
                   <a:srgbClr val="000000"/>
                 </a:solidFill>
@@ -26455,7 +26369,7 @@
           </a:ln>
           <a:extLst>
             <a:ext uri="{91240B29-F687-4f45-9708-019B960494DF}">
-              <a14:hiddenLine xmlns="" xmlns:a14="http://schemas.microsoft.com/office/drawing/2010/main" w="9525">
+              <a14:hiddenLine xmlns:a14="http://schemas.microsoft.com/office/drawing/2010/main" xmlns="" w="9525">
                 <a:solidFill>
                   <a:srgbClr val="000000"/>
                 </a:solidFill>
@@ -26600,7 +26514,7 @@
           </a:ln>
           <a:extLst>
             <a:ext uri="{91240B29-F687-4f45-9708-019B960494DF}">
-              <a14:hiddenLine xmlns="" xmlns:a14="http://schemas.microsoft.com/office/drawing/2010/main" w="9525">
+              <a14:hiddenLine xmlns:a14="http://schemas.microsoft.com/office/drawing/2010/main" xmlns="" w="9525">
                 <a:solidFill>
                   <a:srgbClr val="000000"/>
                 </a:solidFill>
@@ -26809,7 +26723,7 @@
           </a:ln>
           <a:extLst>
             <a:ext uri="{91240B29-F687-4f45-9708-019B960494DF}">
-              <a14:hiddenLine xmlns="" xmlns:a14="http://schemas.microsoft.com/office/drawing/2010/main" w="9525">
+              <a14:hiddenLine xmlns:a14="http://schemas.microsoft.com/office/drawing/2010/main" xmlns="" w="9525">
                 <a:solidFill>
                   <a:srgbClr val="000000"/>
                 </a:solidFill>
@@ -26869,14 +26783,14 @@
           </a:ln>
           <a:extLst>
             <a:ext uri="{909E8E84-426E-40dd-AFC4-6F175D3DCCD1}">
-              <a14:hiddenFill xmlns="" xmlns:a14="http://schemas.microsoft.com/office/drawing/2010/main">
+              <a14:hiddenFill xmlns:a14="http://schemas.microsoft.com/office/drawing/2010/main" xmlns="">
                 <a:solidFill>
                   <a:srgbClr val="FFFFFF"/>
                 </a:solidFill>
               </a14:hiddenFill>
             </a:ext>
             <a:ext uri="{91240B29-F687-4f45-9708-019B960494DF}">
-              <a14:hiddenLine xmlns="" xmlns:a14="http://schemas.microsoft.com/office/drawing/2010/main" w="9525">
+              <a14:hiddenLine xmlns:a14="http://schemas.microsoft.com/office/drawing/2010/main" xmlns="" w="9525">
                 <a:solidFill>
                   <a:srgbClr val="000000"/>
                 </a:solidFill>
@@ -27035,7 +26949,7 @@
           </a:ln>
           <a:extLst>
             <a:ext uri="{91240B29-F687-4f45-9708-019B960494DF}">
-              <a14:hiddenLine xmlns="" xmlns:a14="http://schemas.microsoft.com/office/drawing/2010/main" w="9525">
+              <a14:hiddenLine xmlns:a14="http://schemas.microsoft.com/office/drawing/2010/main" xmlns="" w="9525">
                 <a:solidFill>
                   <a:srgbClr val="000000"/>
                 </a:solidFill>
@@ -27221,7 +27135,7 @@
           </a:ln>
           <a:extLst>
             <a:ext uri="{91240B29-F687-4f45-9708-019B960494DF}">
-              <a14:hiddenLine xmlns="" xmlns:a14="http://schemas.microsoft.com/office/drawing/2010/main" w="9525">
+              <a14:hiddenLine xmlns:a14="http://schemas.microsoft.com/office/drawing/2010/main" xmlns="" w="9525">
                 <a:solidFill>
                   <a:srgbClr val="000000"/>
                 </a:solidFill>
@@ -27440,7 +27354,7 @@
           </a:ln>
           <a:extLst>
             <a:ext uri="{91240B29-F687-4f45-9708-019B960494DF}">
-              <a14:hiddenLine xmlns="" xmlns:a14="http://schemas.microsoft.com/office/drawing/2010/main" w="9525">
+              <a14:hiddenLine xmlns:a14="http://schemas.microsoft.com/office/drawing/2010/main" xmlns="" w="9525">
                 <a:solidFill>
                   <a:srgbClr val="000000"/>
                 </a:solidFill>
@@ -27649,7 +27563,7 @@
           </a:ln>
           <a:extLst>
             <a:ext uri="{91240B29-F687-4f45-9708-019B960494DF}">
-              <a14:hiddenLine xmlns="" xmlns:a14="http://schemas.microsoft.com/office/drawing/2010/main" w="9525">
+              <a14:hiddenLine xmlns:a14="http://schemas.microsoft.com/office/drawing/2010/main" xmlns="" w="9525">
                 <a:solidFill>
                   <a:srgbClr val="000000"/>
                 </a:solidFill>
@@ -28544,14 +28458,14 @@
               </a:ln>
               <a:extLst>
                 <a:ext uri="{909E8E84-426E-40dd-AFC4-6F175D3DCCD1}">
-                  <a14:hiddenFill xmlns:a14="http://schemas.microsoft.com/office/drawing/2010/main" xmlns="">
+                  <a14:hiddenFill xmlns="" xmlns:a14="http://schemas.microsoft.com/office/drawing/2010/main">
                     <a:solidFill>
                       <a:srgbClr val="FFFFFF"/>
                     </a:solidFill>
                   </a14:hiddenFill>
                 </a:ext>
                 <a:ext uri="{91240B29-F687-4f45-9708-019B960494DF}">
-                  <a14:hiddenLine xmlns:a14="http://schemas.microsoft.com/office/drawing/2010/main" xmlns="" w="9525">
+                  <a14:hiddenLine xmlns="" xmlns:a14="http://schemas.microsoft.com/office/drawing/2010/main" w="9525">
                     <a:solidFill>
                       <a:srgbClr val="000000"/>
                     </a:solidFill>
@@ -29720,14 +29634,14 @@
               </a:ln>
               <a:extLst>
                 <a:ext uri="{909E8E84-426E-40dd-AFC4-6F175D3DCCD1}">
-                  <a14:hiddenFill xmlns:a14="http://schemas.microsoft.com/office/drawing/2010/main" xmlns="">
+                  <a14:hiddenFill xmlns="" xmlns:a14="http://schemas.microsoft.com/office/drawing/2010/main">
                     <a:solidFill>
                       <a:srgbClr val="FFFFFF"/>
                     </a:solidFill>
                   </a14:hiddenFill>
                 </a:ext>
                 <a:ext uri="{91240B29-F687-4f45-9708-019B960494DF}">
-                  <a14:hiddenLine xmlns:a14="http://schemas.microsoft.com/office/drawing/2010/main" xmlns="" w="9525">
+                  <a14:hiddenLine xmlns="" xmlns:a14="http://schemas.microsoft.com/office/drawing/2010/main" w="9525">
                     <a:solidFill>
                       <a:srgbClr val="000000"/>
                     </a:solidFill>
@@ -30464,7 +30378,7 @@
           </a:ln>
           <a:extLst>
             <a:ext uri="{91240B29-F687-4f45-9708-019B960494DF}">
-              <a14:hiddenLine xmlns:a14="http://schemas.microsoft.com/office/drawing/2010/main" xmlns="" w="9525">
+              <a14:hiddenLine xmlns="" xmlns:a14="http://schemas.microsoft.com/office/drawing/2010/main" w="9525">
                 <a:solidFill>
                   <a:srgbClr val="000000"/>
                 </a:solidFill>
@@ -30863,14 +30777,14 @@
             </a:ln>
             <a:extLst>
               <a:ext uri="{909E8E84-426E-40dd-AFC4-6F175D3DCCD1}">
-                <a14:hiddenFill xmlns="" xmlns:a14="http://schemas.microsoft.com/office/drawing/2010/main">
+                <a14:hiddenFill xmlns:a14="http://schemas.microsoft.com/office/drawing/2010/main" xmlns="">
                   <a:solidFill>
                     <a:srgbClr val="FFFFFF"/>
                   </a:solidFill>
                 </a14:hiddenFill>
               </a:ext>
               <a:ext uri="{91240B29-F687-4f45-9708-019B960494DF}">
-                <a14:hiddenLine xmlns="" xmlns:a14="http://schemas.microsoft.com/office/drawing/2010/main" w="9525">
+                <a14:hiddenLine xmlns:a14="http://schemas.microsoft.com/office/drawing/2010/main" xmlns="" w="9525">
                   <a:solidFill>
                     <a:srgbClr val="000000"/>
                   </a:solidFill>
@@ -30930,14 +30844,14 @@
             </a:ln>
             <a:extLst>
               <a:ext uri="{909E8E84-426E-40dd-AFC4-6F175D3DCCD1}">
-                <a14:hiddenFill xmlns="" xmlns:a14="http://schemas.microsoft.com/office/drawing/2010/main">
+                <a14:hiddenFill xmlns:a14="http://schemas.microsoft.com/office/drawing/2010/main" xmlns="">
                   <a:solidFill>
                     <a:srgbClr val="FFFFFF"/>
                   </a:solidFill>
                 </a14:hiddenFill>
               </a:ext>
               <a:ext uri="{91240B29-F687-4f45-9708-019B960494DF}">
-                <a14:hiddenLine xmlns="" xmlns:a14="http://schemas.microsoft.com/office/drawing/2010/main" w="9525">
+                <a14:hiddenLine xmlns:a14="http://schemas.microsoft.com/office/drawing/2010/main" xmlns="" w="9525">
                   <a:solidFill>
                     <a:srgbClr val="000000"/>
                   </a:solidFill>
@@ -30997,14 +30911,14 @@
             </a:ln>
             <a:extLst>
               <a:ext uri="{909E8E84-426E-40dd-AFC4-6F175D3DCCD1}">
-                <a14:hiddenFill xmlns="" xmlns:a14="http://schemas.microsoft.com/office/drawing/2010/main">
+                <a14:hiddenFill xmlns:a14="http://schemas.microsoft.com/office/drawing/2010/main" xmlns="">
                   <a:solidFill>
                     <a:srgbClr val="FFFFFF"/>
                   </a:solidFill>
                 </a14:hiddenFill>
               </a:ext>
               <a:ext uri="{91240B29-F687-4f45-9708-019B960494DF}">
-                <a14:hiddenLine xmlns="" xmlns:a14="http://schemas.microsoft.com/office/drawing/2010/main" w="9525">
+                <a14:hiddenLine xmlns:a14="http://schemas.microsoft.com/office/drawing/2010/main" xmlns="" w="9525">
                   <a:solidFill>
                     <a:srgbClr val="000000"/>
                   </a:solidFill>
@@ -31064,14 +30978,14 @@
             </a:ln>
             <a:extLst>
               <a:ext uri="{909E8E84-426E-40dd-AFC4-6F175D3DCCD1}">
-                <a14:hiddenFill xmlns="" xmlns:a14="http://schemas.microsoft.com/office/drawing/2010/main">
+                <a14:hiddenFill xmlns:a14="http://schemas.microsoft.com/office/drawing/2010/main" xmlns="">
                   <a:solidFill>
                     <a:srgbClr val="FFFFFF"/>
                   </a:solidFill>
                 </a14:hiddenFill>
               </a:ext>
               <a:ext uri="{91240B29-F687-4f45-9708-019B960494DF}">
-                <a14:hiddenLine xmlns="" xmlns:a14="http://schemas.microsoft.com/office/drawing/2010/main" w="9525">
+                <a14:hiddenLine xmlns:a14="http://schemas.microsoft.com/office/drawing/2010/main" xmlns="" w="9525">
                   <a:solidFill>
                     <a:srgbClr val="000000"/>
                   </a:solidFill>
@@ -31152,14 +31066,14 @@
             </a:ln>
             <a:extLst>
               <a:ext uri="{909E8E84-426E-40dd-AFC4-6F175D3DCCD1}">
-                <a14:hiddenFill xmlns="" xmlns:a14="http://schemas.microsoft.com/office/drawing/2010/main">
+                <a14:hiddenFill xmlns:a14="http://schemas.microsoft.com/office/drawing/2010/main" xmlns="">
                   <a:solidFill>
                     <a:srgbClr val="FFFFFF"/>
                   </a:solidFill>
                 </a14:hiddenFill>
               </a:ext>
               <a:ext uri="{91240B29-F687-4f45-9708-019B960494DF}">
-                <a14:hiddenLine xmlns="" xmlns:a14="http://schemas.microsoft.com/office/drawing/2010/main" w="9525">
+                <a14:hiddenLine xmlns:a14="http://schemas.microsoft.com/office/drawing/2010/main" xmlns="" w="9525">
                   <a:solidFill>
                     <a:srgbClr val="000000"/>
                   </a:solidFill>
@@ -31219,14 +31133,14 @@
             </a:ln>
             <a:extLst>
               <a:ext uri="{909E8E84-426E-40dd-AFC4-6F175D3DCCD1}">
-                <a14:hiddenFill xmlns="" xmlns:a14="http://schemas.microsoft.com/office/drawing/2010/main">
+                <a14:hiddenFill xmlns:a14="http://schemas.microsoft.com/office/drawing/2010/main" xmlns="">
                   <a:solidFill>
                     <a:srgbClr val="FFFFFF"/>
                   </a:solidFill>
                 </a14:hiddenFill>
               </a:ext>
               <a:ext uri="{91240B29-F687-4f45-9708-019B960494DF}">
-                <a14:hiddenLine xmlns="" xmlns:a14="http://schemas.microsoft.com/office/drawing/2010/main" w="9525">
+                <a14:hiddenLine xmlns:a14="http://schemas.microsoft.com/office/drawing/2010/main" xmlns="" w="9525">
                   <a:solidFill>
                     <a:srgbClr val="000000"/>
                   </a:solidFill>
@@ -31286,14 +31200,14 @@
             </a:ln>
             <a:extLst>
               <a:ext uri="{909E8E84-426E-40dd-AFC4-6F175D3DCCD1}">
-                <a14:hiddenFill xmlns="" xmlns:a14="http://schemas.microsoft.com/office/drawing/2010/main">
+                <a14:hiddenFill xmlns:a14="http://schemas.microsoft.com/office/drawing/2010/main" xmlns="">
                   <a:solidFill>
                     <a:srgbClr val="FFFFFF"/>
                   </a:solidFill>
                 </a14:hiddenFill>
               </a:ext>
               <a:ext uri="{91240B29-F687-4f45-9708-019B960494DF}">
-                <a14:hiddenLine xmlns="" xmlns:a14="http://schemas.microsoft.com/office/drawing/2010/main" w="9525">
+                <a14:hiddenLine xmlns:a14="http://schemas.microsoft.com/office/drawing/2010/main" xmlns="" w="9525">
                   <a:solidFill>
                     <a:srgbClr val="000000"/>
                   </a:solidFill>
@@ -31353,14 +31267,14 @@
             </a:ln>
             <a:extLst>
               <a:ext uri="{909E8E84-426E-40dd-AFC4-6F175D3DCCD1}">
-                <a14:hiddenFill xmlns="" xmlns:a14="http://schemas.microsoft.com/office/drawing/2010/main">
+                <a14:hiddenFill xmlns:a14="http://schemas.microsoft.com/office/drawing/2010/main" xmlns="">
                   <a:solidFill>
                     <a:srgbClr val="FFFFFF"/>
                   </a:solidFill>
                 </a14:hiddenFill>
               </a:ext>
               <a:ext uri="{91240B29-F687-4f45-9708-019B960494DF}">
-                <a14:hiddenLine xmlns="" xmlns:a14="http://schemas.microsoft.com/office/drawing/2010/main" w="9525">
+                <a14:hiddenLine xmlns:a14="http://schemas.microsoft.com/office/drawing/2010/main" xmlns="" w="9525">
                   <a:solidFill>
                     <a:srgbClr val="000000"/>
                   </a:solidFill>
@@ -31756,7 +31670,7 @@
           </a:ln>
           <a:extLst>
             <a:ext uri="{91240B29-F687-4f45-9708-019B960494DF}">
-              <a14:hiddenLine xmlns="" xmlns:a14="http://schemas.microsoft.com/office/drawing/2010/main" w="9525">
+              <a14:hiddenLine xmlns:a14="http://schemas.microsoft.com/office/drawing/2010/main" xmlns="" w="9525">
                 <a:solidFill>
                   <a:srgbClr val="000000"/>
                 </a:solidFill>
@@ -31816,14 +31730,14 @@
           </a:ln>
           <a:extLst>
             <a:ext uri="{909E8E84-426E-40dd-AFC4-6F175D3DCCD1}">
-              <a14:hiddenFill xmlns="" xmlns:a14="http://schemas.microsoft.com/office/drawing/2010/main">
+              <a14:hiddenFill xmlns:a14="http://schemas.microsoft.com/office/drawing/2010/main" xmlns="">
                 <a:solidFill>
                   <a:srgbClr val="FFFFFF"/>
                 </a:solidFill>
               </a14:hiddenFill>
             </a:ext>
             <a:ext uri="{91240B29-F687-4f45-9708-019B960494DF}">
-              <a14:hiddenLine xmlns="" xmlns:a14="http://schemas.microsoft.com/office/drawing/2010/main" w="9525">
+              <a14:hiddenLine xmlns:a14="http://schemas.microsoft.com/office/drawing/2010/main" xmlns="" w="9525">
                 <a:solidFill>
                   <a:srgbClr val="000000"/>
                 </a:solidFill>
@@ -31952,7 +31866,7 @@
           </a:ln>
           <a:extLst>
             <a:ext uri="{91240B29-F687-4f45-9708-019B960494DF}">
-              <a14:hiddenLine xmlns="" xmlns:a14="http://schemas.microsoft.com/office/drawing/2010/main" w="9525">
+              <a14:hiddenLine xmlns:a14="http://schemas.microsoft.com/office/drawing/2010/main" xmlns="" w="9525">
                 <a:solidFill>
                   <a:srgbClr val="000000"/>
                 </a:solidFill>
@@ -32097,7 +32011,7 @@
           </a:ln>
           <a:extLst>
             <a:ext uri="{91240B29-F687-4f45-9708-019B960494DF}">
-              <a14:hiddenLine xmlns="" xmlns:a14="http://schemas.microsoft.com/office/drawing/2010/main" w="9525">
+              <a14:hiddenLine xmlns:a14="http://schemas.microsoft.com/office/drawing/2010/main" xmlns="" w="9525">
                 <a:solidFill>
                   <a:srgbClr val="000000"/>
                 </a:solidFill>
@@ -32306,7 +32220,7 @@
           </a:ln>
           <a:extLst>
             <a:ext uri="{91240B29-F687-4f45-9708-019B960494DF}">
-              <a14:hiddenLine xmlns="" xmlns:a14="http://schemas.microsoft.com/office/drawing/2010/main" w="9525">
+              <a14:hiddenLine xmlns:a14="http://schemas.microsoft.com/office/drawing/2010/main" xmlns="" w="9525">
                 <a:solidFill>
                   <a:srgbClr val="000000"/>
                 </a:solidFill>
@@ -32366,14 +32280,14 @@
           </a:ln>
           <a:extLst>
             <a:ext uri="{909E8E84-426E-40dd-AFC4-6F175D3DCCD1}">
-              <a14:hiddenFill xmlns="" xmlns:a14="http://schemas.microsoft.com/office/drawing/2010/main">
+              <a14:hiddenFill xmlns:a14="http://schemas.microsoft.com/office/drawing/2010/main" xmlns="">
                 <a:solidFill>
                   <a:srgbClr val="FFFFFF"/>
                 </a:solidFill>
               </a14:hiddenFill>
             </a:ext>
             <a:ext uri="{91240B29-F687-4f45-9708-019B960494DF}">
-              <a14:hiddenLine xmlns="" xmlns:a14="http://schemas.microsoft.com/office/drawing/2010/main" w="9525">
+              <a14:hiddenLine xmlns:a14="http://schemas.microsoft.com/office/drawing/2010/main" xmlns="" w="9525">
                 <a:solidFill>
                   <a:srgbClr val="000000"/>
                 </a:solidFill>
@@ -32532,7 +32446,7 @@
           </a:ln>
           <a:extLst>
             <a:ext uri="{91240B29-F687-4f45-9708-019B960494DF}">
-              <a14:hiddenLine xmlns="" xmlns:a14="http://schemas.microsoft.com/office/drawing/2010/main" w="9525">
+              <a14:hiddenLine xmlns:a14="http://schemas.microsoft.com/office/drawing/2010/main" xmlns="" w="9525">
                 <a:solidFill>
                   <a:srgbClr val="000000"/>
                 </a:solidFill>
@@ -32718,7 +32632,7 @@
           </a:ln>
           <a:extLst>
             <a:ext uri="{91240B29-F687-4f45-9708-019B960494DF}">
-              <a14:hiddenLine xmlns="" xmlns:a14="http://schemas.microsoft.com/office/drawing/2010/main" w="9525">
+              <a14:hiddenLine xmlns:a14="http://schemas.microsoft.com/office/drawing/2010/main" xmlns="" w="9525">
                 <a:solidFill>
                   <a:srgbClr val="000000"/>
                 </a:solidFill>
@@ -32937,7 +32851,7 @@
           </a:ln>
           <a:extLst>
             <a:ext uri="{91240B29-F687-4f45-9708-019B960494DF}">
-              <a14:hiddenLine xmlns="" xmlns:a14="http://schemas.microsoft.com/office/drawing/2010/main" w="9525">
+              <a14:hiddenLine xmlns:a14="http://schemas.microsoft.com/office/drawing/2010/main" xmlns="" w="9525">
                 <a:solidFill>
                   <a:srgbClr val="000000"/>
                 </a:solidFill>
@@ -33146,7 +33060,7 @@
           </a:ln>
           <a:extLst>
             <a:ext uri="{91240B29-F687-4f45-9708-019B960494DF}">
-              <a14:hiddenLine xmlns="" xmlns:a14="http://schemas.microsoft.com/office/drawing/2010/main" w="9525">
+              <a14:hiddenLine xmlns:a14="http://schemas.microsoft.com/office/drawing/2010/main" xmlns="" w="9525">
                 <a:solidFill>
                   <a:srgbClr val="000000"/>
                 </a:solidFill>
@@ -34077,14 +33991,14 @@
               </a:ln>
               <a:extLst>
                 <a:ext uri="{909E8E84-426E-40dd-AFC4-6F175D3DCCD1}">
-                  <a14:hiddenFill xmlns:a14="http://schemas.microsoft.com/office/drawing/2010/main" xmlns="">
+                  <a14:hiddenFill xmlns="" xmlns:a14="http://schemas.microsoft.com/office/drawing/2010/main">
                     <a:solidFill>
                       <a:srgbClr val="FFFFFF"/>
                     </a:solidFill>
                   </a14:hiddenFill>
                 </a:ext>
                 <a:ext uri="{91240B29-F687-4f45-9708-019B960494DF}">
-                  <a14:hiddenLine xmlns:a14="http://schemas.microsoft.com/office/drawing/2010/main" xmlns="" w="9525">
+                  <a14:hiddenLine xmlns="" xmlns:a14="http://schemas.microsoft.com/office/drawing/2010/main" w="9525">
                     <a:solidFill>
                       <a:srgbClr val="000000"/>
                     </a:solidFill>
@@ -35253,14 +35167,14 @@
               </a:ln>
               <a:extLst>
                 <a:ext uri="{909E8E84-426E-40dd-AFC4-6F175D3DCCD1}">
-                  <a14:hiddenFill xmlns:a14="http://schemas.microsoft.com/office/drawing/2010/main" xmlns="">
+                  <a14:hiddenFill xmlns="" xmlns:a14="http://schemas.microsoft.com/office/drawing/2010/main">
                     <a:solidFill>
                       <a:srgbClr val="FFFFFF"/>
                     </a:solidFill>
                   </a14:hiddenFill>
                 </a:ext>
                 <a:ext uri="{91240B29-F687-4f45-9708-019B960494DF}">
-                  <a14:hiddenLine xmlns:a14="http://schemas.microsoft.com/office/drawing/2010/main" xmlns="" w="9525">
+                  <a14:hiddenLine xmlns="" xmlns:a14="http://schemas.microsoft.com/office/drawing/2010/main" w="9525">
                     <a:solidFill>
                       <a:srgbClr val="000000"/>
                     </a:solidFill>
@@ -36017,7 +35931,7 @@
             </a:ln>
             <a:extLst>
               <a:ext uri="{91240B29-F687-4f45-9708-019B960494DF}">
-                <a14:hiddenLine xmlns:a14="http://schemas.microsoft.com/office/drawing/2010/main" xmlns="" w="9525">
+                <a14:hiddenLine xmlns="" xmlns:a14="http://schemas.microsoft.com/office/drawing/2010/main" w="9525">
                   <a:solidFill>
                     <a:srgbClr val="000000"/>
                   </a:solidFill>
@@ -36485,7 +36399,7 @@
                 </a:ln>
                 <a:extLst>
                   <a:ext uri="{91240B29-F687-4f45-9708-019B960494DF}">
-                    <a14:hiddenLine xmlns="" xmlns:a14="http://schemas.microsoft.com/office/drawing/2010/main" w="9525">
+                    <a14:hiddenLine xmlns:a14="http://schemas.microsoft.com/office/drawing/2010/main" xmlns="" w="9525">
                       <a:solidFill>
                         <a:srgbClr val="000000"/>
                       </a:solidFill>
@@ -36638,7 +36552,7 @@
                 </a:ln>
                 <a:extLst>
                   <a:ext uri="{91240B29-F687-4f45-9708-019B960494DF}">
-                    <a14:hiddenLine xmlns="" xmlns:a14="http://schemas.microsoft.com/office/drawing/2010/main" w="9525">
+                    <a14:hiddenLine xmlns:a14="http://schemas.microsoft.com/office/drawing/2010/main" xmlns="" w="9525">
                       <a:solidFill>
                         <a:srgbClr val="000000"/>
                       </a:solidFill>
@@ -36791,7 +36705,7 @@
                 </a:ln>
                 <a:extLst>
                   <a:ext uri="{91240B29-F687-4f45-9708-019B960494DF}">
-                    <a14:hiddenLine xmlns="" xmlns:a14="http://schemas.microsoft.com/office/drawing/2010/main" w="9525">
+                    <a14:hiddenLine xmlns:a14="http://schemas.microsoft.com/office/drawing/2010/main" xmlns="" w="9525">
                       <a:solidFill>
                         <a:srgbClr val="000000"/>
                       </a:solidFill>
@@ -36944,7 +36858,7 @@
                 </a:ln>
                 <a:extLst>
                   <a:ext uri="{91240B29-F687-4f45-9708-019B960494DF}">
-                    <a14:hiddenLine xmlns="" xmlns:a14="http://schemas.microsoft.com/office/drawing/2010/main" w="9525">
+                    <a14:hiddenLine xmlns:a14="http://schemas.microsoft.com/office/drawing/2010/main" xmlns="" w="9525">
                       <a:solidFill>
                         <a:srgbClr val="000000"/>
                       </a:solidFill>
@@ -37097,7 +37011,7 @@
                 </a:ln>
                 <a:extLst>
                   <a:ext uri="{91240B29-F687-4f45-9708-019B960494DF}">
-                    <a14:hiddenLine xmlns="" xmlns:a14="http://schemas.microsoft.com/office/drawing/2010/main" w="9525">
+                    <a14:hiddenLine xmlns:a14="http://schemas.microsoft.com/office/drawing/2010/main" xmlns="" w="9525">
                       <a:solidFill>
                         <a:srgbClr val="000000"/>
                       </a:solidFill>
@@ -37250,7 +37164,7 @@
                 </a:ln>
                 <a:extLst>
                   <a:ext uri="{91240B29-F687-4f45-9708-019B960494DF}">
-                    <a14:hiddenLine xmlns="" xmlns:a14="http://schemas.microsoft.com/office/drawing/2010/main" w="9525">
+                    <a14:hiddenLine xmlns:a14="http://schemas.microsoft.com/office/drawing/2010/main" xmlns="" w="9525">
                       <a:solidFill>
                         <a:srgbClr val="000000"/>
                       </a:solidFill>
@@ -37403,7 +37317,7 @@
                 </a:ln>
                 <a:extLst>
                   <a:ext uri="{91240B29-F687-4f45-9708-019B960494DF}">
-                    <a14:hiddenLine xmlns="" xmlns:a14="http://schemas.microsoft.com/office/drawing/2010/main" w="9525">
+                    <a14:hiddenLine xmlns:a14="http://schemas.microsoft.com/office/drawing/2010/main" xmlns="" w="9525">
                       <a:solidFill>
                         <a:srgbClr val="000000"/>
                       </a:solidFill>
@@ -37556,7 +37470,7 @@
                 </a:ln>
                 <a:extLst>
                   <a:ext uri="{91240B29-F687-4f45-9708-019B960494DF}">
-                    <a14:hiddenLine xmlns="" xmlns:a14="http://schemas.microsoft.com/office/drawing/2010/main" w="9525">
+                    <a14:hiddenLine xmlns:a14="http://schemas.microsoft.com/office/drawing/2010/main" xmlns="" w="9525">
                       <a:solidFill>
                         <a:srgbClr val="000000"/>
                       </a:solidFill>
@@ -37709,7 +37623,7 @@
                 </a:ln>
                 <a:extLst>
                   <a:ext uri="{91240B29-F687-4f45-9708-019B960494DF}">
-                    <a14:hiddenLine xmlns="" xmlns:a14="http://schemas.microsoft.com/office/drawing/2010/main" w="9525">
+                    <a14:hiddenLine xmlns:a14="http://schemas.microsoft.com/office/drawing/2010/main" xmlns="" w="9525">
                       <a:solidFill>
                         <a:srgbClr val="000000"/>
                       </a:solidFill>
@@ -37862,7 +37776,7 @@
                 </a:ln>
                 <a:extLst>
                   <a:ext uri="{91240B29-F687-4f45-9708-019B960494DF}">
-                    <a14:hiddenLine xmlns="" xmlns:a14="http://schemas.microsoft.com/office/drawing/2010/main" w="9525">
+                    <a14:hiddenLine xmlns:a14="http://schemas.microsoft.com/office/drawing/2010/main" xmlns="" w="9525">
                       <a:solidFill>
                         <a:srgbClr val="000000"/>
                       </a:solidFill>
@@ -38015,7 +37929,7 @@
                 </a:ln>
                 <a:extLst>
                   <a:ext uri="{91240B29-F687-4f45-9708-019B960494DF}">
-                    <a14:hiddenLine xmlns="" xmlns:a14="http://schemas.microsoft.com/office/drawing/2010/main" w="9525">
+                    <a14:hiddenLine xmlns:a14="http://schemas.microsoft.com/office/drawing/2010/main" xmlns="" w="9525">
                       <a:solidFill>
                         <a:srgbClr val="000000"/>
                       </a:solidFill>
@@ -38168,7 +38082,7 @@
                 </a:ln>
                 <a:extLst>
                   <a:ext uri="{91240B29-F687-4f45-9708-019B960494DF}">
-                    <a14:hiddenLine xmlns="" xmlns:a14="http://schemas.microsoft.com/office/drawing/2010/main" w="9525">
+                    <a14:hiddenLine xmlns:a14="http://schemas.microsoft.com/office/drawing/2010/main" xmlns="" w="9525">
                       <a:solidFill>
                         <a:srgbClr val="000000"/>
                       </a:solidFill>
@@ -38492,7 +38406,7 @@
           </a:ln>
           <a:extLst>
             <a:ext uri="{91240B29-F687-4f45-9708-019B960494DF}">
-              <a14:hiddenLine xmlns:a14="http://schemas.microsoft.com/office/drawing/2010/main" xmlns="" w="9525">
+              <a14:hiddenLine xmlns="" xmlns:a14="http://schemas.microsoft.com/office/drawing/2010/main" w="9525">
                 <a:solidFill>
                   <a:srgbClr val="000000"/>
                 </a:solidFill>
@@ -38874,7 +38788,7 @@
           </a:ln>
           <a:extLst>
             <a:ext uri="{91240B29-F687-4f45-9708-019B960494DF}">
-              <a14:hiddenLine xmlns:a14="http://schemas.microsoft.com/office/drawing/2010/main" xmlns="" w="9525">
+              <a14:hiddenLine xmlns="" xmlns:a14="http://schemas.microsoft.com/office/drawing/2010/main" w="9525">
                 <a:solidFill>
                   <a:srgbClr val="000000"/>
                 </a:solidFill>
@@ -39156,7 +39070,7 @@
           </a:ln>
           <a:extLst>
             <a:ext uri="{91240B29-F687-4f45-9708-019B960494DF}">
-              <a14:hiddenLine xmlns:a14="http://schemas.microsoft.com/office/drawing/2010/main" xmlns="" w="9525">
+              <a14:hiddenLine xmlns="" xmlns:a14="http://schemas.microsoft.com/office/drawing/2010/main" w="9525">
                 <a:solidFill>
                   <a:srgbClr val="000000"/>
                 </a:solidFill>
@@ -41092,14 +41006,14 @@
             </a:ln>
             <a:extLst>
               <a:ext uri="{909E8E84-426E-40dd-AFC4-6F175D3DCCD1}">
-                <a14:hiddenFill xmlns="" xmlns:a14="http://schemas.microsoft.com/office/drawing/2010/main">
+                <a14:hiddenFill xmlns:a14="http://schemas.microsoft.com/office/drawing/2010/main" xmlns="">
                   <a:solidFill>
                     <a:srgbClr val="FFFFFF"/>
                   </a:solidFill>
                 </a14:hiddenFill>
               </a:ext>
               <a:ext uri="{91240B29-F687-4f45-9708-019B960494DF}">
-                <a14:hiddenLine xmlns="" xmlns:a14="http://schemas.microsoft.com/office/drawing/2010/main" w="9525">
+                <a14:hiddenLine xmlns:a14="http://schemas.microsoft.com/office/drawing/2010/main" xmlns="" w="9525">
                   <a:solidFill>
                     <a:srgbClr val="000000"/>
                   </a:solidFill>
@@ -41255,7 +41169,7 @@
             </a:ln>
             <a:extLst>
               <a:ext uri="{91240B29-F687-4f45-9708-019B960494DF}">
-                <a14:hiddenLine xmlns="" xmlns:a14="http://schemas.microsoft.com/office/drawing/2010/main" w="9525">
+                <a14:hiddenLine xmlns:a14="http://schemas.microsoft.com/office/drawing/2010/main" xmlns="" w="9525">
                   <a:solidFill>
                     <a:srgbClr val="000000"/>
                   </a:solidFill>
@@ -41335,14 +41249,14 @@
             </a:ln>
             <a:extLst>
               <a:ext uri="{909E8E84-426E-40dd-AFC4-6F175D3DCCD1}">
-                <a14:hiddenFill xmlns:a14="http://schemas.microsoft.com/office/drawing/2010/main" xmlns="">
+                <a14:hiddenFill xmlns="" xmlns:a14="http://schemas.microsoft.com/office/drawing/2010/main">
                   <a:solidFill>
                     <a:srgbClr val="FFFFFF"/>
                   </a:solidFill>
                 </a14:hiddenFill>
               </a:ext>
               <a:ext uri="{91240B29-F687-4f45-9708-019B960494DF}">
-                <a14:hiddenLine xmlns:a14="http://schemas.microsoft.com/office/drawing/2010/main" xmlns="" w="9525">
+                <a14:hiddenLine xmlns="" xmlns:a14="http://schemas.microsoft.com/office/drawing/2010/main" w="9525">
                   <a:solidFill>
                     <a:srgbClr val="000000"/>
                   </a:solidFill>
@@ -41501,7 +41415,7 @@
             </a:ln>
             <a:extLst>
               <a:ext uri="{91240B29-F687-4f45-9708-019B960494DF}">
-                <a14:hiddenLine xmlns:a14="http://schemas.microsoft.com/office/drawing/2010/main" xmlns="" w="9525">
+                <a14:hiddenLine xmlns="" xmlns:a14="http://schemas.microsoft.com/office/drawing/2010/main" w="9525">
                   <a:solidFill>
                     <a:srgbClr val="000000"/>
                   </a:solidFill>
@@ -41687,7 +41601,7 @@
             </a:ln>
             <a:extLst>
               <a:ext uri="{91240B29-F687-4f45-9708-019B960494DF}">
-                <a14:hiddenLine xmlns:a14="http://schemas.microsoft.com/office/drawing/2010/main" xmlns="" w="9525">
+                <a14:hiddenLine xmlns="" xmlns:a14="http://schemas.microsoft.com/office/drawing/2010/main" w="9525">
                   <a:solidFill>
                     <a:srgbClr val="000000"/>
                   </a:solidFill>
@@ -41906,7 +41820,7 @@
             </a:ln>
             <a:extLst>
               <a:ext uri="{91240B29-F687-4f45-9708-019B960494DF}">
-                <a14:hiddenLine xmlns:a14="http://schemas.microsoft.com/office/drawing/2010/main" xmlns="" w="9525">
+                <a14:hiddenLine xmlns="" xmlns:a14="http://schemas.microsoft.com/office/drawing/2010/main" w="9525">
                   <a:solidFill>
                     <a:srgbClr val="000000"/>
                   </a:solidFill>
@@ -42115,7 +42029,7 @@
             </a:ln>
             <a:extLst>
               <a:ext uri="{91240B29-F687-4f45-9708-019B960494DF}">
-                <a14:hiddenLine xmlns:a14="http://schemas.microsoft.com/office/drawing/2010/main" xmlns="" w="9525">
+                <a14:hiddenLine xmlns="" xmlns:a14="http://schemas.microsoft.com/office/drawing/2010/main" w="9525">
                   <a:solidFill>
                     <a:srgbClr val="000000"/>
                   </a:solidFill>
@@ -42196,14 +42110,14 @@
             </a:ln>
             <a:extLst>
               <a:ext uri="{909E8E84-426E-40dd-AFC4-6F175D3DCCD1}">
-                <a14:hiddenFill xmlns="" xmlns:a14="http://schemas.microsoft.com/office/drawing/2010/main">
+                <a14:hiddenFill xmlns:a14="http://schemas.microsoft.com/office/drawing/2010/main" xmlns="">
                   <a:solidFill>
                     <a:srgbClr val="FFFFFF"/>
                   </a:solidFill>
                 </a14:hiddenFill>
               </a:ext>
               <a:ext uri="{91240B29-F687-4f45-9708-019B960494DF}">
-                <a14:hiddenLine xmlns="" xmlns:a14="http://schemas.microsoft.com/office/drawing/2010/main" w="9525">
+                <a14:hiddenLine xmlns:a14="http://schemas.microsoft.com/office/drawing/2010/main" xmlns="" w="9525">
                   <a:solidFill>
                     <a:srgbClr val="000000"/>
                   </a:solidFill>
@@ -42359,7 +42273,7 @@
             </a:ln>
             <a:extLst>
               <a:ext uri="{91240B29-F687-4f45-9708-019B960494DF}">
-                <a14:hiddenLine xmlns="" xmlns:a14="http://schemas.microsoft.com/office/drawing/2010/main" w="9525">
+                <a14:hiddenLine xmlns:a14="http://schemas.microsoft.com/office/drawing/2010/main" xmlns="" w="9525">
                   <a:solidFill>
                     <a:srgbClr val="000000"/>
                   </a:solidFill>
@@ -42514,14 +42428,14 @@
             </a:ln>
             <a:extLst>
               <a:ext uri="{909E8E84-426E-40dd-AFC4-6F175D3DCCD1}">
-                <a14:hiddenFill xmlns:a14="http://schemas.microsoft.com/office/drawing/2010/main" xmlns="">
+                <a14:hiddenFill xmlns="" xmlns:a14="http://schemas.microsoft.com/office/drawing/2010/main">
                   <a:solidFill>
                     <a:srgbClr val="FFFFFF"/>
                   </a:solidFill>
                 </a14:hiddenFill>
               </a:ext>
               <a:ext uri="{91240B29-F687-4f45-9708-019B960494DF}">
-                <a14:hiddenLine xmlns:a14="http://schemas.microsoft.com/office/drawing/2010/main" xmlns="" w="9525">
+                <a14:hiddenLine xmlns="" xmlns:a14="http://schemas.microsoft.com/office/drawing/2010/main" w="9525">
                   <a:solidFill>
                     <a:srgbClr val="000000"/>
                   </a:solidFill>
@@ -42680,7 +42594,7 @@
             </a:ln>
             <a:extLst>
               <a:ext uri="{91240B29-F687-4f45-9708-019B960494DF}">
-                <a14:hiddenLine xmlns:a14="http://schemas.microsoft.com/office/drawing/2010/main" xmlns="" w="9525">
+                <a14:hiddenLine xmlns="" xmlns:a14="http://schemas.microsoft.com/office/drawing/2010/main" w="9525">
                   <a:solidFill>
                     <a:srgbClr val="000000"/>
                   </a:solidFill>
@@ -42866,7 +42780,7 @@
             </a:ln>
             <a:extLst>
               <a:ext uri="{91240B29-F687-4f45-9708-019B960494DF}">
-                <a14:hiddenLine xmlns:a14="http://schemas.microsoft.com/office/drawing/2010/main" xmlns="" w="9525">
+                <a14:hiddenLine xmlns="" xmlns:a14="http://schemas.microsoft.com/office/drawing/2010/main" w="9525">
                   <a:solidFill>
                     <a:srgbClr val="000000"/>
                   </a:solidFill>
@@ -43072,7 +42986,7 @@
             </a:ln>
             <a:extLst>
               <a:ext uri="{91240B29-F687-4f45-9708-019B960494DF}">
-                <a14:hiddenLine xmlns:a14="http://schemas.microsoft.com/office/drawing/2010/main" xmlns="" w="9525">
+                <a14:hiddenLine xmlns="" xmlns:a14="http://schemas.microsoft.com/office/drawing/2010/main" w="9525">
                   <a:solidFill>
                     <a:srgbClr val="000000"/>
                   </a:solidFill>
@@ -43281,7 +43195,7 @@
             </a:ln>
             <a:extLst>
               <a:ext uri="{91240B29-F687-4f45-9708-019B960494DF}">
-                <a14:hiddenLine xmlns:a14="http://schemas.microsoft.com/office/drawing/2010/main" xmlns="" w="9525">
+                <a14:hiddenLine xmlns="" xmlns:a14="http://schemas.microsoft.com/office/drawing/2010/main" w="9525">
                   <a:solidFill>
                     <a:srgbClr val="000000"/>
                   </a:solidFill>
@@ -43461,7 +43375,7 @@
             </a:ln>
             <a:extLst>
               <a:ext uri="{91240B29-F687-4f45-9708-019B960494DF}">
-                <a14:hiddenLine xmlns:a14="http://schemas.microsoft.com/office/drawing/2010/main" xmlns="" w="9525">
+                <a14:hiddenLine xmlns="" xmlns:a14="http://schemas.microsoft.com/office/drawing/2010/main" w="9525">
                   <a:solidFill>
                     <a:srgbClr val="000000"/>
                   </a:solidFill>
@@ -43521,14 +43435,14 @@
             </a:ln>
             <a:extLst>
               <a:ext uri="{909E8E84-426E-40dd-AFC4-6F175D3DCCD1}">
-                <a14:hiddenFill xmlns:a14="http://schemas.microsoft.com/office/drawing/2010/main" xmlns="">
+                <a14:hiddenFill xmlns="" xmlns:a14="http://schemas.microsoft.com/office/drawing/2010/main">
                   <a:solidFill>
                     <a:srgbClr val="FFFFFF"/>
                   </a:solidFill>
                 </a14:hiddenFill>
               </a:ext>
               <a:ext uri="{91240B29-F687-4f45-9708-019B960494DF}">
-                <a14:hiddenLine xmlns:a14="http://schemas.microsoft.com/office/drawing/2010/main" xmlns="" w="9525">
+                <a14:hiddenLine xmlns="" xmlns:a14="http://schemas.microsoft.com/office/drawing/2010/main" w="9525">
                   <a:solidFill>
                     <a:srgbClr val="000000"/>
                   </a:solidFill>
@@ -43657,7 +43571,7 @@
             </a:ln>
             <a:extLst>
               <a:ext uri="{91240B29-F687-4f45-9708-019B960494DF}">
-                <a14:hiddenLine xmlns:a14="http://schemas.microsoft.com/office/drawing/2010/main" xmlns="" w="9525">
+                <a14:hiddenLine xmlns="" xmlns:a14="http://schemas.microsoft.com/office/drawing/2010/main" w="9525">
                   <a:solidFill>
                     <a:srgbClr val="000000"/>
                   </a:solidFill>
@@ -43802,7 +43716,7 @@
             </a:ln>
             <a:extLst>
               <a:ext uri="{91240B29-F687-4f45-9708-019B960494DF}">
-                <a14:hiddenLine xmlns:a14="http://schemas.microsoft.com/office/drawing/2010/main" xmlns="" w="9525">
+                <a14:hiddenLine xmlns="" xmlns:a14="http://schemas.microsoft.com/office/drawing/2010/main" w="9525">
                   <a:solidFill>
                     <a:srgbClr val="000000"/>
                   </a:solidFill>
@@ -44011,7 +43925,7 @@
             </a:ln>
             <a:extLst>
               <a:ext uri="{91240B29-F687-4f45-9708-019B960494DF}">
-                <a14:hiddenLine xmlns:a14="http://schemas.microsoft.com/office/drawing/2010/main" xmlns="" w="9525">
+                <a14:hiddenLine xmlns="" xmlns:a14="http://schemas.microsoft.com/office/drawing/2010/main" w="9525">
                   <a:solidFill>
                     <a:srgbClr val="000000"/>
                   </a:solidFill>
@@ -44092,14 +44006,14 @@
             </a:ln>
             <a:extLst>
               <a:ext uri="{909E8E84-426E-40dd-AFC4-6F175D3DCCD1}">
-                <a14:hiddenFill xmlns:a14="http://schemas.microsoft.com/office/drawing/2010/main" xmlns="">
+                <a14:hiddenFill xmlns="" xmlns:a14="http://schemas.microsoft.com/office/drawing/2010/main">
                   <a:solidFill>
                     <a:srgbClr val="FFFFFF"/>
                   </a:solidFill>
                 </a14:hiddenFill>
               </a:ext>
               <a:ext uri="{91240B29-F687-4f45-9708-019B960494DF}">
-                <a14:hiddenLine xmlns:a14="http://schemas.microsoft.com/office/drawing/2010/main" xmlns="" w="9525">
+                <a14:hiddenLine xmlns="" xmlns:a14="http://schemas.microsoft.com/office/drawing/2010/main" w="9525">
                   <a:solidFill>
                     <a:srgbClr val="000000"/>
                   </a:solidFill>
@@ -44258,7 +44172,7 @@
             </a:ln>
             <a:extLst>
               <a:ext uri="{91240B29-F687-4f45-9708-019B960494DF}">
-                <a14:hiddenLine xmlns:a14="http://schemas.microsoft.com/office/drawing/2010/main" xmlns="" w="9525">
+                <a14:hiddenLine xmlns="" xmlns:a14="http://schemas.microsoft.com/office/drawing/2010/main" w="9525">
                   <a:solidFill>
                     <a:srgbClr val="000000"/>
                   </a:solidFill>
@@ -46347,6 +46261,92 @@
           <a:xfrm>
             <a:off x="6477851" y="8302707"/>
             <a:ext cx="1371191" cy="3193371"/>
+          </a:xfrm>
+          <a:prstGeom prst="line">
+            <a:avLst/>
+          </a:prstGeom>
+          <a:ln w="19050">
+            <a:solidFill>
+              <a:schemeClr val="accent1"/>
+            </a:solidFill>
+          </a:ln>
+        </p:spPr>
+        <p:style>
+          <a:lnRef idx="1">
+            <a:schemeClr val="accent1"/>
+          </a:lnRef>
+          <a:fillRef idx="0">
+            <a:schemeClr val="accent1"/>
+          </a:fillRef>
+          <a:effectRef idx="0">
+            <a:schemeClr val="accent1"/>
+          </a:effectRef>
+          <a:fontRef idx="minor">
+            <a:schemeClr val="tx1"/>
+          </a:fontRef>
+        </p:style>
+      </p:cxnSp>
+      <p:cxnSp>
+        <p:nvCxnSpPr>
+          <p:cNvPr id="603" name="Straight Connector 602">
+            <a:extLst>
+              <a:ext uri="{FF2B5EF4-FFF2-40B4-BE49-F238E27FC236}">
+                <a16:creationId xmlns:a16="http://schemas.microsoft.com/office/drawing/2014/main" id="{F6391EC9-F35E-403A-A213-C1226F1791DE}"/>
+              </a:ext>
+            </a:extLst>
+          </p:cNvPr>
+          <p:cNvCxnSpPr>
+            <a:cxnSpLocks/>
+          </p:cNvCxnSpPr>
+          <p:nvPr/>
+        </p:nvCxnSpPr>
+        <p:spPr>
+          <a:xfrm flipH="1" flipV="1">
+            <a:off x="6394083" y="9574403"/>
+            <a:ext cx="1355742" cy="1979938"/>
+          </a:xfrm>
+          <a:prstGeom prst="line">
+            <a:avLst/>
+          </a:prstGeom>
+          <a:ln w="19050">
+            <a:solidFill>
+              <a:schemeClr val="accent1"/>
+            </a:solidFill>
+          </a:ln>
+        </p:spPr>
+        <p:style>
+          <a:lnRef idx="1">
+            <a:schemeClr val="accent1"/>
+          </a:lnRef>
+          <a:fillRef idx="0">
+            <a:schemeClr val="accent1"/>
+          </a:fillRef>
+          <a:effectRef idx="0">
+            <a:schemeClr val="accent1"/>
+          </a:effectRef>
+          <a:fontRef idx="minor">
+            <a:schemeClr val="tx1"/>
+          </a:fontRef>
+        </p:style>
+      </p:cxnSp>
+      <p:cxnSp>
+        <p:nvCxnSpPr>
+          <p:cNvPr id="477" name="Straight Connector 476">
+            <a:extLst>
+              <a:ext uri="{FF2B5EF4-FFF2-40B4-BE49-F238E27FC236}">
+                <a16:creationId xmlns:a16="http://schemas.microsoft.com/office/drawing/2014/main" id="{7E8934AB-8B21-4118-9662-A0A96764EC83}"/>
+              </a:ext>
+            </a:extLst>
+          </p:cNvPr>
+          <p:cNvCxnSpPr>
+            <a:cxnSpLocks/>
+          </p:cNvCxnSpPr>
+          <p:nvPr/>
+        </p:nvCxnSpPr>
+        <p:spPr>
+          <a:xfrm flipH="1" flipV="1">
+            <a:off x="4850545" y="11314203"/>
+            <a:ext cx="2850656" cy="653584"/>
           </a:xfrm>
           <a:prstGeom prst="line">
             <a:avLst/>
